--- a/00_参照ファイル/10_管理/書籍管理システム.pptx
+++ b/00_参照ファイル/10_管理/書籍管理システム.pptx
@@ -5,15 +5,21 @@
     <p:sldMasterId id="2147483774" r:id="rId1"/>
   </p:sldMasterIdLst>
   <p:notesMasterIdLst>
-    <p:notesMasterId r:id="rId8"/>
+    <p:notesMasterId r:id="rId14"/>
   </p:notesMasterIdLst>
   <p:sldIdLst>
-    <p:sldId id="256" r:id="rId2"/>
-    <p:sldId id="257" r:id="rId3"/>
-    <p:sldId id="258" r:id="rId4"/>
-    <p:sldId id="259" r:id="rId5"/>
-    <p:sldId id="260" r:id="rId6"/>
-    <p:sldId id="261" r:id="rId7"/>
+    <p:sldId id="262" r:id="rId2"/>
+    <p:sldId id="267" r:id="rId3"/>
+    <p:sldId id="257" r:id="rId4"/>
+    <p:sldId id="258" r:id="rId5"/>
+    <p:sldId id="259" r:id="rId6"/>
+    <p:sldId id="260" r:id="rId7"/>
+    <p:sldId id="261" r:id="rId8"/>
+    <p:sldId id="256" r:id="rId9"/>
+    <p:sldId id="263" r:id="rId10"/>
+    <p:sldId id="265" r:id="rId11"/>
+    <p:sldId id="266" r:id="rId12"/>
+    <p:sldId id="264" r:id="rId13"/>
   </p:sldIdLst>
   <p:sldSz cx="12192000" cy="6858000"/>
   <p:notesSz cx="6858000" cy="9144000"/>
@@ -202,7 +208,7 @@
           <a:p>
             <a:fld id="{BE5BDAFF-72E6-42BB-9BD9-9F93E47709C0}" type="datetimeFigureOut">
               <a:rPr kumimoji="1" lang="ja-JP" altLang="en-US" smtClean="0"/>
-              <a:t>2025/6/4</a:t>
+              <a:t>2025/6/5</a:t>
             </a:fld>
             <a:endParaRPr kumimoji="1" lang="ja-JP" altLang="en-US"/>
           </a:p>
@@ -501,6 +507,90 @@
 </p:notesMaster>
 </file>
 
+<file path=ppt/notesSlides/notesSlide1.xml><?xml version="1.0" encoding="utf-8"?>
+<p:notes xmlns:a="http://schemas.openxmlformats.org/drawingml/2006/main" xmlns:r="http://schemas.openxmlformats.org/officeDocument/2006/relationships" xmlns:p="http://schemas.openxmlformats.org/presentationml/2006/main">
+  <p:cSld>
+    <p:spTree>
+      <p:nvGrpSpPr>
+        <p:cNvPr id="1" name=""/>
+        <p:cNvGrpSpPr/>
+        <p:nvPr/>
+      </p:nvGrpSpPr>
+      <p:grpSpPr>
+        <a:xfrm>
+          <a:off x="0" y="0"/>
+          <a:ext cx="0" cy="0"/>
+          <a:chOff x="0" y="0"/>
+          <a:chExt cx="0" cy="0"/>
+        </a:xfrm>
+      </p:grpSpPr>
+      <p:sp>
+        <p:nvSpPr>
+          <p:cNvPr id="2" name="スライド イメージ プレースホルダー 1"/>
+          <p:cNvSpPr>
+            <a:spLocks noGrp="1" noRot="1" noChangeAspect="1"/>
+          </p:cNvSpPr>
+          <p:nvPr>
+            <p:ph type="sldImg"/>
+          </p:nvPr>
+        </p:nvSpPr>
+        <p:spPr/>
+      </p:sp>
+      <p:sp>
+        <p:nvSpPr>
+          <p:cNvPr id="3" name="ノート プレースホルダー 2"/>
+          <p:cNvSpPr>
+            <a:spLocks noGrp="1"/>
+          </p:cNvSpPr>
+          <p:nvPr>
+            <p:ph type="body" idx="1"/>
+          </p:nvPr>
+        </p:nvSpPr>
+        <p:spPr/>
+        <p:txBody>
+          <a:bodyPr/>
+          <a:lstStyle/>
+          <a:p>
+            <a:endParaRPr kumimoji="1" lang="ja-JP" altLang="en-US" dirty="0"/>
+          </a:p>
+        </p:txBody>
+      </p:sp>
+      <p:sp>
+        <p:nvSpPr>
+          <p:cNvPr id="4" name="スライド番号プレースホルダー 3"/>
+          <p:cNvSpPr>
+            <a:spLocks noGrp="1"/>
+          </p:cNvSpPr>
+          <p:nvPr>
+            <p:ph type="sldNum" sz="quarter" idx="5"/>
+          </p:nvPr>
+        </p:nvSpPr>
+        <p:spPr/>
+        <p:txBody>
+          <a:bodyPr/>
+          <a:lstStyle/>
+          <a:p>
+            <a:fld id="{04D9CD55-CB3B-4436-8FDC-D24C783909B0}" type="slidenum">
+              <a:rPr kumimoji="1" lang="ja-JP" altLang="en-US" smtClean="0"/>
+              <a:t>10</a:t>
+            </a:fld>
+            <a:endParaRPr kumimoji="1" lang="ja-JP" altLang="en-US"/>
+          </a:p>
+        </p:txBody>
+      </p:sp>
+    </p:spTree>
+    <p:extLst>
+      <p:ext uri="{BB962C8B-B14F-4D97-AF65-F5344CB8AC3E}">
+        <p14:creationId xmlns:p14="http://schemas.microsoft.com/office/powerpoint/2010/main" val="365487587"/>
+      </p:ext>
+    </p:extLst>
+  </p:cSld>
+  <p:clrMapOvr>
+    <a:masterClrMapping/>
+  </p:clrMapOvr>
+</p:notes>
+</file>
+
 <file path=ppt/slideLayouts/slideLayout1.xml><?xml version="1.0" encoding="utf-8"?>
 <p:sldLayout xmlns:a="http://schemas.openxmlformats.org/drawingml/2006/main" xmlns:r="http://schemas.openxmlformats.org/officeDocument/2006/relationships" xmlns:p="http://schemas.openxmlformats.org/presentationml/2006/main" type="title" preserve="1">
   <p:cSld name="タイトル スライド">
@@ -645,7 +735,7 @@
           <a:p>
             <a:fld id="{4959C4C8-EDD9-43DC-AF1F-D2845259CC1D}" type="datetime1">
               <a:rPr kumimoji="1" lang="ja-JP" altLang="en-US" smtClean="0"/>
-              <a:t>2025/6/4</a:t>
+              <a:t>2025/6/5</a:t>
             </a:fld>
             <a:endParaRPr kumimoji="1" lang="ja-JP" altLang="en-US"/>
           </a:p>
@@ -897,7 +987,7 @@
           <a:p>
             <a:fld id="{06E91CB1-ADC9-42FB-B0D3-30E3A6C0642F}" type="datetime1">
               <a:rPr kumimoji="1" lang="ja-JP" altLang="en-US" smtClean="0"/>
-              <a:t>2025/6/4</a:t>
+              <a:t>2025/6/5</a:t>
             </a:fld>
             <a:endParaRPr kumimoji="1" lang="ja-JP" altLang="en-US"/>
           </a:p>
@@ -1153,7 +1243,7 @@
           <a:p>
             <a:fld id="{4A79DA36-95B8-4A0A-87AD-E24AF3358C76}" type="datetime1">
               <a:rPr kumimoji="1" lang="ja-JP" altLang="en-US" smtClean="0"/>
-              <a:t>2025/6/4</a:t>
+              <a:t>2025/6/5</a:t>
             </a:fld>
             <a:endParaRPr kumimoji="1" lang="ja-JP" altLang="en-US"/>
           </a:p>
@@ -1447,7 +1537,7 @@
           <a:p>
             <a:fld id="{26A17AE5-6E16-495A-8B67-269D91C4A2D4}" type="datetime1">
               <a:rPr kumimoji="1" lang="ja-JP" altLang="en-US" smtClean="0"/>
-              <a:t>2025/6/4</a:t>
+              <a:t>2025/6/5</a:t>
             </a:fld>
             <a:endParaRPr kumimoji="1" lang="ja-JP" altLang="en-US"/>
           </a:p>
@@ -1739,7 +1829,7 @@
           <a:p>
             <a:fld id="{AD583125-0D40-4B8F-A9A6-0C6B6B322755}" type="datetime1">
               <a:rPr kumimoji="1" lang="ja-JP" altLang="en-US" smtClean="0"/>
-              <a:t>2025/6/4</a:t>
+              <a:t>2025/6/5</a:t>
             </a:fld>
             <a:endParaRPr kumimoji="1" lang="ja-JP" altLang="en-US"/>
           </a:p>
@@ -2080,7 +2170,7 @@
           <a:p>
             <a:fld id="{19BD254B-E34E-4B13-A5CE-4C4E902C9619}" type="datetime1">
               <a:rPr kumimoji="1" lang="ja-JP" altLang="en-US" smtClean="0"/>
-              <a:t>2025/6/4</a:t>
+              <a:t>2025/6/5</a:t>
             </a:fld>
             <a:endParaRPr kumimoji="1" lang="ja-JP" altLang="en-US"/>
           </a:p>
@@ -2569,7 +2659,7 @@
           <a:p>
             <a:fld id="{46A97842-389E-40D0-B377-89A2C453CB4B}" type="datetime1">
               <a:rPr kumimoji="1" lang="ja-JP" altLang="en-US" smtClean="0"/>
-              <a:t>2025/6/4</a:t>
+              <a:t>2025/6/5</a:t>
             </a:fld>
             <a:endParaRPr kumimoji="1" lang="ja-JP" altLang="en-US"/>
           </a:p>
@@ -2727,7 +2817,7 @@
           <a:p>
             <a:fld id="{D0479FCD-5EC3-49D1-B59F-804373D24F3A}" type="datetime1">
               <a:rPr kumimoji="1" lang="ja-JP" altLang="en-US" smtClean="0"/>
-              <a:t>2025/6/4</a:t>
+              <a:t>2025/6/5</a:t>
             </a:fld>
             <a:endParaRPr kumimoji="1" lang="ja-JP" altLang="en-US"/>
           </a:p>
@@ -2862,7 +2952,7 @@
           <a:p>
             <a:fld id="{C1056900-0A2E-45DE-9738-937C0D20A6AE}" type="datetime1">
               <a:rPr kumimoji="1" lang="ja-JP" altLang="en-US" smtClean="0"/>
-              <a:t>2025/6/4</a:t>
+              <a:t>2025/6/5</a:t>
             </a:fld>
             <a:endParaRPr kumimoji="1" lang="ja-JP" altLang="en-US"/>
           </a:p>
@@ -3145,7 +3235,7 @@
           <a:p>
             <a:fld id="{65D6820E-77E6-4860-BA58-1613D77F5A92}" type="datetime1">
               <a:rPr kumimoji="1" lang="ja-JP" altLang="en-US" smtClean="0"/>
-              <a:t>2025/6/4</a:t>
+              <a:t>2025/6/5</a:t>
             </a:fld>
             <a:endParaRPr kumimoji="1" lang="ja-JP" altLang="en-US"/>
           </a:p>
@@ -3605,7 +3695,7 @@
           <a:p>
             <a:fld id="{A91CC6DA-1525-49B5-A624-905E766A514A}" type="datetime1">
               <a:rPr kumimoji="1" lang="ja-JP" altLang="en-US" smtClean="0"/>
-              <a:t>2025/6/4</a:t>
+              <a:t>2025/6/5</a:t>
             </a:fld>
             <a:endParaRPr kumimoji="1" lang="ja-JP" altLang="en-US"/>
           </a:p>
@@ -4019,7 +4109,7 @@
           <a:p>
             <a:fld id="{737C55C4-415D-416A-8C90-B67A7713CCB2}" type="datetime1">
               <a:rPr kumimoji="1" lang="ja-JP" altLang="en-US" smtClean="0"/>
-              <a:t>2025/6/4</a:t>
+              <a:t>2025/6/5</a:t>
             </a:fld>
             <a:endParaRPr kumimoji="1" lang="ja-JP" altLang="en-US"/>
           </a:p>
@@ -4457,7 +4547,13 @@
   <p:cSld>
     <p:spTree>
       <p:nvGrpSpPr>
-        <p:cNvPr id="1" name=""/>
+        <p:cNvPr id="1" name="">
+          <a:extLst>
+            <a:ext uri="{FF2B5EF4-FFF2-40B4-BE49-F238E27FC236}">
+              <a16:creationId xmlns:a16="http://schemas.microsoft.com/office/drawing/2014/main" id="{D96ABAEA-B633-6C56-2589-D20A86F7C9D1}"/>
+            </a:ext>
+          </a:extLst>
+        </p:cNvPr>
         <p:cNvGrpSpPr/>
         <p:nvPr/>
       </p:nvGrpSpPr>
@@ -4474,7 +4570,7 @@
           <p:cNvPr id="2" name="タイトル 1">
             <a:extLst>
               <a:ext uri="{FF2B5EF4-FFF2-40B4-BE49-F238E27FC236}">
-                <a16:creationId xmlns:a16="http://schemas.microsoft.com/office/drawing/2014/main" id="{A36EB1DE-CB46-46E7-89E0-E0A9C5F0541E}"/>
+                <a16:creationId xmlns:a16="http://schemas.microsoft.com/office/drawing/2014/main" id="{3A3E7DB1-4D7E-630A-1600-75D8D758F393}"/>
               </a:ext>
             </a:extLst>
           </p:cNvPr>
@@ -4487,17 +4583,32 @@
         </p:nvSpPr>
         <p:spPr/>
         <p:txBody>
-          <a:bodyPr/>
+          <a:bodyPr>
+            <a:normAutofit/>
+          </a:bodyPr>
           <a:lstStyle/>
           <a:p>
             <a:pPr algn="ctr"/>
             <a:r>
-              <a:rPr kumimoji="1" lang="ja-JP" altLang="en-US" dirty="0">
+              <a:rPr kumimoji="1" lang="ja-JP" altLang="en-US" sz="5400" dirty="0">
                 <a:latin typeface="HG丸ｺﾞｼｯｸM-PRO" panose="020F0600000000000000" pitchFamily="50" charset="-128"/>
                 <a:ea typeface="HG丸ｺﾞｼｯｸM-PRO" panose="020F0600000000000000" pitchFamily="50" charset="-128"/>
               </a:rPr>
               <a:t>書籍管理システム📚</a:t>
             </a:r>
+            <a:br>
+              <a:rPr kumimoji="1" lang="en-US" altLang="ja-JP" sz="5400" dirty="0">
+                <a:latin typeface="HG丸ｺﾞｼｯｸM-PRO" panose="020F0600000000000000" pitchFamily="50" charset="-128"/>
+                <a:ea typeface="HG丸ｺﾞｼｯｸM-PRO" panose="020F0600000000000000" pitchFamily="50" charset="-128"/>
+              </a:rPr>
+            </a:br>
+            <a:r>
+              <a:rPr kumimoji="1" lang="ja-JP" altLang="en-US" sz="5400" dirty="0">
+                <a:latin typeface="HG丸ｺﾞｼｯｸM-PRO" panose="020F0600000000000000" pitchFamily="50" charset="-128"/>
+                <a:ea typeface="HG丸ｺﾞｼｯｸM-PRO" panose="020F0600000000000000" pitchFamily="50" charset="-128"/>
+              </a:rPr>
+              <a:t>バックエンド技術について</a:t>
+            </a:r>
           </a:p>
         </p:txBody>
       </p:sp>
@@ -4506,7 +4617,7 @@
           <p:cNvPr id="3" name="字幕 2">
             <a:extLst>
               <a:ext uri="{FF2B5EF4-FFF2-40B4-BE49-F238E27FC236}">
-                <a16:creationId xmlns:a16="http://schemas.microsoft.com/office/drawing/2014/main" id="{72D5286E-F29B-4109-9356-E513C3FB99DF}"/>
+                <a16:creationId xmlns:a16="http://schemas.microsoft.com/office/drawing/2014/main" id="{6D36486C-A4BC-E248-5772-57345DBAEB03}"/>
               </a:ext>
             </a:extLst>
           </p:cNvPr>
@@ -4557,7 +4668,7 @@
           <p:cNvPr id="4" name="スライド番号プレースホルダー 3">
             <a:extLst>
               <a:ext uri="{FF2B5EF4-FFF2-40B4-BE49-F238E27FC236}">
-                <a16:creationId xmlns:a16="http://schemas.microsoft.com/office/drawing/2014/main" id="{0AA5DBAB-23BA-413F-A190-5666F600B0AC}"/>
+                <a16:creationId xmlns:a16="http://schemas.microsoft.com/office/drawing/2014/main" id="{E033A23A-1B21-5DE7-0760-5523ECE63021}"/>
               </a:ext>
             </a:extLst>
           </p:cNvPr>
@@ -4584,7 +4695,7 @@
     </p:spTree>
     <p:extLst>
       <p:ext uri="{BB962C8B-B14F-4D97-AF65-F5344CB8AC3E}">
-        <p14:creationId xmlns:p14="http://schemas.microsoft.com/office/powerpoint/2010/main" val="3984249382"/>
+        <p14:creationId xmlns:p14="http://schemas.microsoft.com/office/powerpoint/2010/main" val="748915028"/>
       </p:ext>
     </p:extLst>
   </p:cSld>
@@ -4594,7 +4705,7 @@
 </p:sld>
 </file>
 
-<file path=ppt/slides/slide2.xml><?xml version="1.0" encoding="utf-8"?>
+<file path=ppt/slides/slide10.xml><?xml version="1.0" encoding="utf-8"?>
 <p:sld xmlns:a="http://schemas.openxmlformats.org/drawingml/2006/main" xmlns:r="http://schemas.openxmlformats.org/officeDocument/2006/relationships" xmlns:p="http://schemas.openxmlformats.org/presentationml/2006/main">
   <p:cSld>
     <p:spTree>
@@ -4616,7 +4727,7 @@
           <p:cNvPr id="2" name="タイトル 1">
             <a:extLst>
               <a:ext uri="{FF2B5EF4-FFF2-40B4-BE49-F238E27FC236}">
-                <a16:creationId xmlns:a16="http://schemas.microsoft.com/office/drawing/2014/main" id="{F53548DC-BFDB-42F0-96C4-8E1E8BF1929F}"/>
+                <a16:creationId xmlns:a16="http://schemas.microsoft.com/office/drawing/2014/main" id="{84434951-2A3F-F7D3-1A59-52B90BAB6FCF}"/>
               </a:ext>
             </a:extLst>
           </p:cNvPr>
@@ -4627,27 +4738,19 @@
             <p:ph type="title"/>
           </p:nvPr>
         </p:nvSpPr>
-        <p:spPr>
-          <a:xfrm>
-            <a:off x="1130270" y="953324"/>
-            <a:ext cx="9603275" cy="615417"/>
-          </a:xfrm>
-        </p:spPr>
+        <p:spPr/>
         <p:txBody>
           <a:bodyPr/>
           <a:lstStyle/>
           <a:p>
             <a:r>
-              <a:rPr lang="ja-JP" altLang="en-US" dirty="0">
-                <a:latin typeface="HG丸ｺﾞｼｯｸM-PRO" panose="020F0600000000000000" pitchFamily="50" charset="-128"/>
-                <a:ea typeface="HG丸ｺﾞｼｯｸM-PRO" panose="020F0600000000000000" pitchFamily="50" charset="-128"/>
-              </a:rPr>
-              <a:t>目次</a:t>
-            </a:r>
-            <a:endParaRPr kumimoji="1" lang="ja-JP" altLang="en-US" dirty="0">
-              <a:latin typeface="HG丸ｺﾞｼｯｸM-PRO" panose="020F0600000000000000" pitchFamily="50" charset="-128"/>
-              <a:ea typeface="HG丸ｺﾞｼｯｸM-PRO" panose="020F0600000000000000" pitchFamily="50" charset="-128"/>
-            </a:endParaRPr>
+              <a:rPr kumimoji="1" lang="en-US" altLang="ja-JP" dirty="0"/>
+              <a:t>PHP</a:t>
+            </a:r>
+            <a:r>
+              <a:rPr kumimoji="1" lang="ja-JP" altLang="en-US" dirty="0"/>
+              <a:t>とは？</a:t>
+            </a:r>
           </a:p>
         </p:txBody>
       </p:sp>
@@ -4656,7 +4759,7 @@
           <p:cNvPr id="3" name="コンテンツ プレースホルダー 2">
             <a:extLst>
               <a:ext uri="{FF2B5EF4-FFF2-40B4-BE49-F238E27FC236}">
-                <a16:creationId xmlns:a16="http://schemas.microsoft.com/office/drawing/2014/main" id="{F7CF11B6-8AF5-456F-92F2-E2DE4FF64C3C}"/>
+                <a16:creationId xmlns:a16="http://schemas.microsoft.com/office/drawing/2014/main" id="{8097E164-1336-4D09-5CCC-42D5480D5651}"/>
               </a:ext>
             </a:extLst>
           </p:cNvPr>
@@ -4669,101 +4772,59 @@
         </p:nvSpPr>
         <p:spPr>
           <a:xfrm>
-            <a:off x="1130270" y="1568740"/>
-            <a:ext cx="9603275" cy="4335935"/>
+            <a:off x="1130270" y="1733832"/>
+            <a:ext cx="10314970" cy="3732513"/>
           </a:xfrm>
         </p:spPr>
         <p:txBody>
           <a:bodyPr/>
           <a:lstStyle/>
           <a:p>
-            <a:pPr marL="457200" indent="-457200">
-              <a:buClr>
-                <a:schemeClr val="tx2"/>
-              </a:buClr>
-              <a:buSzPct val="150000"/>
-              <a:buFont typeface="+mj-lt"/>
-              <a:buAutoNum type="arabicPeriod"/>
-            </a:pPr>
+            <a:r>
+              <a:rPr lang="en-US" altLang="ja-JP" dirty="0"/>
+              <a:t>Web</a:t>
+            </a:r>
             <a:r>
               <a:rPr lang="ja-JP" altLang="en-US" dirty="0"/>
-              <a:t>書籍管理システムについて</a:t>
+              <a:t>サイトの動き（画面遷移など）や、仕組み（データのやり取りなど）を担当</a:t>
             </a:r>
             <a:endParaRPr lang="en-US" altLang="ja-JP" dirty="0"/>
           </a:p>
           <a:p>
-            <a:pPr marL="457200" indent="-457200">
-              <a:buClr>
-                <a:schemeClr val="tx2"/>
-              </a:buClr>
-              <a:buSzPct val="150000"/>
-              <a:buFont typeface="+mj-lt"/>
-              <a:buAutoNum type="arabicPeriod"/>
-            </a:pPr>
+            <a:endParaRPr lang="en-US" altLang="ja-JP" dirty="0"/>
+          </a:p>
+          <a:p>
             <a:r>
               <a:rPr lang="ja-JP" altLang="en-US" dirty="0"/>
-              <a:t>データベース</a:t>
+              <a:t>書籍管理システムでは以下を担当</a:t>
             </a:r>
             <a:endParaRPr lang="en-US" altLang="ja-JP" dirty="0"/>
           </a:p>
           <a:p>
-            <a:pPr marL="457200" indent="-457200">
-              <a:buClr>
-                <a:schemeClr val="tx2"/>
-              </a:buClr>
-              <a:buSzPct val="150000"/>
-              <a:buFont typeface="+mj-lt"/>
-              <a:buAutoNum type="arabicPeriod"/>
-            </a:pPr>
-            <a:r>
-              <a:rPr kumimoji="1" lang="ja-JP" altLang="en-US" dirty="0"/>
-              <a:t>画面構成</a:t>
-            </a:r>
-            <a:endParaRPr kumimoji="1" lang="en-US" altLang="ja-JP" dirty="0"/>
-          </a:p>
-          <a:p>
-            <a:pPr marL="457200" indent="-457200">
-              <a:buClr>
-                <a:schemeClr val="tx2"/>
-              </a:buClr>
-              <a:buSzPct val="150000"/>
-              <a:buFont typeface="+mj-lt"/>
-              <a:buAutoNum type="arabicPeriod"/>
-            </a:pPr>
-            <a:r>
-              <a:rPr kumimoji="1" lang="ja-JP" altLang="en-US" dirty="0"/>
-              <a:t>デモンストレーション</a:t>
-            </a:r>
-            <a:endParaRPr kumimoji="1" lang="en-US" altLang="ja-JP" dirty="0"/>
-          </a:p>
-          <a:p>
-            <a:pPr marL="457200" indent="-457200">
-              <a:buClr>
-                <a:schemeClr val="tx2"/>
-              </a:buClr>
-              <a:buSzPct val="150000"/>
-              <a:buFont typeface="+mj-lt"/>
-              <a:buAutoNum type="arabicPeriod"/>
-            </a:pPr>
-            <a:r>
-              <a:rPr kumimoji="1" lang="ja-JP" altLang="en-US" dirty="0"/>
-              <a:t>開発効率の</a:t>
-            </a:r>
-            <a:r>
-              <a:rPr lang="en-US" altLang="ja-JP" dirty="0"/>
-              <a:t>tips</a:t>
-            </a:r>
-            <a:endParaRPr kumimoji="1" lang="en-US" altLang="ja-JP" dirty="0"/>
-          </a:p>
-          <a:p>
-            <a:pPr marL="457200" indent="-457200">
-              <a:buClr>
-                <a:schemeClr val="tx2"/>
-              </a:buClr>
-              <a:buSzPct val="150000"/>
-              <a:buFont typeface="+mj-lt"/>
-              <a:buAutoNum type="arabicPeriod"/>
-            </a:pPr>
+            <a:pPr lvl="1"/>
+            <a:r>
+              <a:rPr lang="ja-JP" altLang="en-US" dirty="0"/>
+              <a:t>ログイン認証</a:t>
+            </a:r>
+            <a:endParaRPr lang="en-US" altLang="ja-JP" dirty="0"/>
+          </a:p>
+          <a:p>
+            <a:pPr lvl="1"/>
+            <a:r>
+              <a:rPr lang="ja-JP" altLang="en-US" dirty="0"/>
+              <a:t>書籍の登録・削除</a:t>
+            </a:r>
+            <a:endParaRPr lang="en-US" altLang="ja-JP" dirty="0"/>
+          </a:p>
+          <a:p>
+            <a:pPr lvl="1"/>
+            <a:r>
+              <a:rPr lang="ja-JP" altLang="en-US" dirty="0"/>
+              <a:t>レビュー内容の表示</a:t>
+            </a:r>
+            <a:endParaRPr lang="en-US" altLang="ja-JP" dirty="0"/>
+          </a:p>
+          <a:p>
             <a:endParaRPr kumimoji="1" lang="ja-JP" altLang="en-US" dirty="0"/>
           </a:p>
         </p:txBody>
@@ -4773,7 +4834,7 @@
           <p:cNvPr id="4" name="スライド番号プレースホルダー 3">
             <a:extLst>
               <a:ext uri="{FF2B5EF4-FFF2-40B4-BE49-F238E27FC236}">
-                <a16:creationId xmlns:a16="http://schemas.microsoft.com/office/drawing/2014/main" id="{0EA25BE7-383C-47F2-A805-51C758797E00}"/>
+                <a16:creationId xmlns:a16="http://schemas.microsoft.com/office/drawing/2014/main" id="{B0E4B6B4-1061-D1CE-D3E3-8454FFC448A5}"/>
               </a:ext>
             </a:extLst>
           </p:cNvPr>
@@ -4791,6 +4852,1933 @@
           <a:p>
             <a:fld id="{F0E75ABD-E329-4735-B6E0-3752012DC264}" type="slidenum">
               <a:rPr kumimoji="1" lang="ja-JP" altLang="en-US" smtClean="0"/>
+              <a:t>10</a:t>
+            </a:fld>
+            <a:endParaRPr kumimoji="1" lang="ja-JP" altLang="en-US"/>
+          </a:p>
+        </p:txBody>
+      </p:sp>
+    </p:spTree>
+    <p:extLst>
+      <p:ext uri="{BB962C8B-B14F-4D97-AF65-F5344CB8AC3E}">
+        <p14:creationId xmlns:p14="http://schemas.microsoft.com/office/powerpoint/2010/main" val="2697668198"/>
+      </p:ext>
+    </p:extLst>
+  </p:cSld>
+  <p:clrMapOvr>
+    <a:masterClrMapping/>
+  </p:clrMapOvr>
+</p:sld>
+</file>
+
+<file path=ppt/slides/slide11.xml><?xml version="1.0" encoding="utf-8"?>
+<p:sld xmlns:a="http://schemas.openxmlformats.org/drawingml/2006/main" xmlns:r="http://schemas.openxmlformats.org/officeDocument/2006/relationships" xmlns:p="http://schemas.openxmlformats.org/presentationml/2006/main">
+  <p:cSld>
+    <p:spTree>
+      <p:nvGrpSpPr>
+        <p:cNvPr id="1" name=""/>
+        <p:cNvGrpSpPr/>
+        <p:nvPr/>
+      </p:nvGrpSpPr>
+      <p:grpSpPr>
+        <a:xfrm>
+          <a:off x="0" y="0"/>
+          <a:ext cx="0" cy="0"/>
+          <a:chOff x="0" y="0"/>
+          <a:chExt cx="0" cy="0"/>
+        </a:xfrm>
+      </p:grpSpPr>
+      <p:sp>
+        <p:nvSpPr>
+          <p:cNvPr id="2" name="タイトル 1">
+            <a:extLst>
+              <a:ext uri="{FF2B5EF4-FFF2-40B4-BE49-F238E27FC236}">
+                <a16:creationId xmlns:a16="http://schemas.microsoft.com/office/drawing/2014/main" id="{22E7309E-3081-2E8D-EFC5-9623691EC39D}"/>
+              </a:ext>
+            </a:extLst>
+          </p:cNvPr>
+          <p:cNvSpPr>
+            <a:spLocks noGrp="1"/>
+          </p:cNvSpPr>
+          <p:nvPr>
+            <p:ph type="title"/>
+          </p:nvPr>
+        </p:nvSpPr>
+        <p:spPr/>
+        <p:txBody>
+          <a:bodyPr/>
+          <a:lstStyle/>
+          <a:p>
+            <a:r>
+              <a:rPr kumimoji="1" lang="en-US" altLang="ja-JP" dirty="0"/>
+              <a:t>PHP</a:t>
+            </a:r>
+            <a:r>
+              <a:rPr kumimoji="1" lang="ja-JP" altLang="en-US" dirty="0"/>
+              <a:t>のコードを見てみよう！</a:t>
+            </a:r>
+          </a:p>
+        </p:txBody>
+      </p:sp>
+      <p:sp>
+        <p:nvSpPr>
+          <p:cNvPr id="4" name="スライド番号プレースホルダー 3">
+            <a:extLst>
+              <a:ext uri="{FF2B5EF4-FFF2-40B4-BE49-F238E27FC236}">
+                <a16:creationId xmlns:a16="http://schemas.microsoft.com/office/drawing/2014/main" id="{B4874F1A-910A-D22F-DDB4-995FEBC0CC0A}"/>
+              </a:ext>
+            </a:extLst>
+          </p:cNvPr>
+          <p:cNvSpPr>
+            <a:spLocks noGrp="1"/>
+          </p:cNvSpPr>
+          <p:nvPr>
+            <p:ph type="sldNum" sz="quarter" idx="12"/>
+          </p:nvPr>
+        </p:nvSpPr>
+        <p:spPr/>
+        <p:txBody>
+          <a:bodyPr/>
+          <a:lstStyle/>
+          <a:p>
+            <a:fld id="{F0E75ABD-E329-4735-B6E0-3752012DC264}" type="slidenum">
+              <a:rPr kumimoji="1" lang="ja-JP" altLang="en-US" smtClean="0"/>
+              <a:t>11</a:t>
+            </a:fld>
+            <a:endParaRPr kumimoji="1" lang="ja-JP" altLang="en-US"/>
+          </a:p>
+        </p:txBody>
+      </p:sp>
+      <p:pic>
+        <p:nvPicPr>
+          <p:cNvPr id="5" name="図 4">
+            <a:extLst>
+              <a:ext uri="{FF2B5EF4-FFF2-40B4-BE49-F238E27FC236}">
+                <a16:creationId xmlns:a16="http://schemas.microsoft.com/office/drawing/2014/main" id="{76E31158-5345-BA66-6656-274DB1F3D747}"/>
+              </a:ext>
+            </a:extLst>
+          </p:cNvPr>
+          <p:cNvPicPr>
+            <a:picLocks noChangeAspect="1"/>
+          </p:cNvPicPr>
+          <p:nvPr/>
+        </p:nvPicPr>
+        <p:blipFill>
+          <a:blip r:embed="rId2"/>
+          <a:stretch>
+            <a:fillRect/>
+          </a:stretch>
+        </p:blipFill>
+        <p:spPr>
+          <a:xfrm>
+            <a:off x="4691201" y="1579419"/>
+            <a:ext cx="6073454" cy="4493536"/>
+          </a:xfrm>
+          <a:prstGeom prst="rect">
+            <a:avLst/>
+          </a:prstGeom>
+        </p:spPr>
+      </p:pic>
+    </p:spTree>
+    <p:extLst>
+      <p:ext uri="{BB962C8B-B14F-4D97-AF65-F5344CB8AC3E}">
+        <p14:creationId xmlns:p14="http://schemas.microsoft.com/office/powerpoint/2010/main" val="3368723803"/>
+      </p:ext>
+    </p:extLst>
+  </p:cSld>
+  <p:clrMapOvr>
+    <a:masterClrMapping/>
+  </p:clrMapOvr>
+</p:sld>
+</file>
+
+<file path=ppt/slides/slide12.xml><?xml version="1.0" encoding="utf-8"?>
+<p:sld xmlns:a="http://schemas.openxmlformats.org/drawingml/2006/main" xmlns:r="http://schemas.openxmlformats.org/officeDocument/2006/relationships" xmlns:p="http://schemas.openxmlformats.org/presentationml/2006/main">
+  <p:cSld>
+    <p:spTree>
+      <p:nvGrpSpPr>
+        <p:cNvPr id="1" name=""/>
+        <p:cNvGrpSpPr/>
+        <p:nvPr/>
+      </p:nvGrpSpPr>
+      <p:grpSpPr>
+        <a:xfrm>
+          <a:off x="0" y="0"/>
+          <a:ext cx="0" cy="0"/>
+          <a:chOff x="0" y="0"/>
+          <a:chExt cx="0" cy="0"/>
+        </a:xfrm>
+      </p:grpSpPr>
+      <p:pic>
+        <p:nvPicPr>
+          <p:cNvPr id="11" name="Picture 6" descr="image3_1MVC">
+            <a:extLst>
+              <a:ext uri="{FF2B5EF4-FFF2-40B4-BE49-F238E27FC236}">
+                <a16:creationId xmlns:a16="http://schemas.microsoft.com/office/drawing/2014/main" id="{48BF709E-B5BE-357E-445A-6F76B27650B6}"/>
+              </a:ext>
+            </a:extLst>
+          </p:cNvPr>
+          <p:cNvPicPr>
+            <a:picLocks noChangeAspect="1" noChangeArrowheads="1"/>
+          </p:cNvPicPr>
+          <p:nvPr/>
+        </p:nvPicPr>
+        <p:blipFill rotWithShape="1">
+          <a:blip r:embed="rId2">
+            <a:clrChange>
+              <a:clrFrom>
+                <a:srgbClr val="FFFFFF"/>
+              </a:clrFrom>
+              <a:clrTo>
+                <a:srgbClr val="FFFFFF">
+                  <a:alpha val="0"/>
+                </a:srgbClr>
+              </a:clrTo>
+            </a:clrChange>
+            <a:extLst>
+              <a:ext uri="{28A0092B-C50C-407E-A947-70E740481C1C}">
+                <a14:useLocalDpi xmlns:a14="http://schemas.microsoft.com/office/drawing/2010/main" val="0"/>
+              </a:ext>
+            </a:extLst>
+          </a:blip>
+          <a:srcRect l="50781" t="72444" r="23051" b="6600"/>
+          <a:stretch>
+            <a:fillRect/>
+          </a:stretch>
+        </p:blipFill>
+        <p:spPr bwMode="auto">
+          <a:xfrm>
+            <a:off x="5443042" y="4061459"/>
+            <a:ext cx="2209801" cy="787401"/>
+          </a:xfrm>
+          <a:prstGeom prst="rect">
+            <a:avLst/>
+          </a:prstGeom>
+          <a:noFill/>
+          <a:extLst>
+            <a:ext uri="{909E8E84-426E-40DD-AFC4-6F175D3DCCD1}">
+              <a14:hiddenFill xmlns:a14="http://schemas.microsoft.com/office/drawing/2010/main">
+                <a:solidFill>
+                  <a:srgbClr val="FFFFFF"/>
+                </a:solidFill>
+              </a14:hiddenFill>
+            </a:ext>
+          </a:extLst>
+        </p:spPr>
+      </p:pic>
+      <p:sp>
+        <p:nvSpPr>
+          <p:cNvPr id="28" name="正方形/長方形 27">
+            <a:extLst>
+              <a:ext uri="{FF2B5EF4-FFF2-40B4-BE49-F238E27FC236}">
+                <a16:creationId xmlns:a16="http://schemas.microsoft.com/office/drawing/2014/main" id="{B266391B-D1A3-560F-7305-77E8DAABCA24}"/>
+              </a:ext>
+            </a:extLst>
+          </p:cNvPr>
+          <p:cNvSpPr/>
+          <p:nvPr/>
+        </p:nvSpPr>
+        <p:spPr>
+          <a:xfrm>
+            <a:off x="3426465" y="2145145"/>
+            <a:ext cx="7058655" cy="2993390"/>
+          </a:xfrm>
+          <a:prstGeom prst="rect">
+            <a:avLst/>
+          </a:prstGeom>
+          <a:noFill/>
+          <a:ln w="19050">
+            <a:solidFill>
+              <a:schemeClr val="tx1"/>
+            </a:solidFill>
+          </a:ln>
+        </p:spPr>
+        <p:style>
+          <a:lnRef idx="2">
+            <a:schemeClr val="accent1">
+              <a:shade val="15000"/>
+            </a:schemeClr>
+          </a:lnRef>
+          <a:fillRef idx="1">
+            <a:schemeClr val="accent1"/>
+          </a:fillRef>
+          <a:effectRef idx="0">
+            <a:schemeClr val="accent1"/>
+          </a:effectRef>
+          <a:fontRef idx="minor">
+            <a:schemeClr val="lt1"/>
+          </a:fontRef>
+        </p:style>
+        <p:txBody>
+          <a:bodyPr rtlCol="0" anchor="b"/>
+          <a:lstStyle/>
+          <a:p>
+            <a:pPr algn="r"/>
+            <a:r>
+              <a:rPr kumimoji="1" lang="en-US" altLang="ja-JP" sz="1600" dirty="0">
+                <a:solidFill>
+                  <a:schemeClr val="tx1"/>
+                </a:solidFill>
+                <a:latin typeface="HG丸ｺﾞｼｯｸM-PRO" panose="020F0600000000000000" pitchFamily="50" charset="-128"/>
+                <a:ea typeface="HG丸ｺﾞｼｯｸM-PRO" panose="020F0600000000000000" pitchFamily="50" charset="-128"/>
+              </a:rPr>
+              <a:t>Web</a:t>
+            </a:r>
+            <a:r>
+              <a:rPr kumimoji="1" lang="ja-JP" altLang="en-US" sz="1600" dirty="0">
+                <a:solidFill>
+                  <a:schemeClr val="tx1"/>
+                </a:solidFill>
+                <a:latin typeface="HG丸ｺﾞｼｯｸM-PRO" panose="020F0600000000000000" pitchFamily="50" charset="-128"/>
+                <a:ea typeface="HG丸ｺﾞｼｯｸM-PRO" panose="020F0600000000000000" pitchFamily="50" charset="-128"/>
+              </a:rPr>
+              <a:t>アプリケーション</a:t>
+            </a:r>
+          </a:p>
+        </p:txBody>
+      </p:sp>
+      <p:pic>
+        <p:nvPicPr>
+          <p:cNvPr id="10" name="Picture 6" descr="image3_1MVC">
+            <a:extLst>
+              <a:ext uri="{FF2B5EF4-FFF2-40B4-BE49-F238E27FC236}">
+                <a16:creationId xmlns:a16="http://schemas.microsoft.com/office/drawing/2014/main" id="{42886822-AC5A-A07B-9DC6-CBF168A88457}"/>
+              </a:ext>
+            </a:extLst>
+          </p:cNvPr>
+          <p:cNvPicPr>
+            <a:picLocks noChangeAspect="1" noChangeArrowheads="1"/>
+          </p:cNvPicPr>
+          <p:nvPr/>
+        </p:nvPicPr>
+        <p:blipFill rotWithShape="1">
+          <a:blip r:embed="rId2">
+            <a:clrChange>
+              <a:clrFrom>
+                <a:srgbClr val="FFFFFF"/>
+              </a:clrFrom>
+              <a:clrTo>
+                <a:srgbClr val="FFFFFF">
+                  <a:alpha val="0"/>
+                </a:srgbClr>
+              </a:clrTo>
+            </a:clrChange>
+            <a:extLst>
+              <a:ext uri="{28A0092B-C50C-407E-A947-70E740481C1C}">
+                <a14:useLocalDpi xmlns:a14="http://schemas.microsoft.com/office/drawing/2010/main" val="0"/>
+              </a:ext>
+            </a:extLst>
+          </a:blip>
+          <a:srcRect l="31151" t="17386" r="42501" b="60847"/>
+          <a:stretch>
+            <a:fillRect/>
+          </a:stretch>
+        </p:blipFill>
+        <p:spPr bwMode="auto">
+          <a:xfrm>
+            <a:off x="5443042" y="2262909"/>
+            <a:ext cx="2225040" cy="817880"/>
+          </a:xfrm>
+          <a:prstGeom prst="rect">
+            <a:avLst/>
+          </a:prstGeom>
+          <a:noFill/>
+          <a:extLst>
+            <a:ext uri="{909E8E84-426E-40DD-AFC4-6F175D3DCCD1}">
+              <a14:hiddenFill xmlns:a14="http://schemas.microsoft.com/office/drawing/2010/main">
+                <a:solidFill>
+                  <a:srgbClr val="FFFFFF"/>
+                </a:solidFill>
+              </a14:hiddenFill>
+            </a:ext>
+          </a:extLst>
+        </p:spPr>
+      </p:pic>
+      <p:sp>
+        <p:nvSpPr>
+          <p:cNvPr id="2" name="タイトル 1">
+            <a:extLst>
+              <a:ext uri="{FF2B5EF4-FFF2-40B4-BE49-F238E27FC236}">
+                <a16:creationId xmlns:a16="http://schemas.microsoft.com/office/drawing/2014/main" id="{4EA38E51-7DA6-6E46-DE5C-0E65061AC983}"/>
+              </a:ext>
+            </a:extLst>
+          </p:cNvPr>
+          <p:cNvSpPr>
+            <a:spLocks noGrp="1"/>
+          </p:cNvSpPr>
+          <p:nvPr>
+            <p:ph type="title"/>
+          </p:nvPr>
+        </p:nvSpPr>
+        <p:spPr/>
+        <p:txBody>
+          <a:bodyPr/>
+          <a:lstStyle/>
+          <a:p>
+            <a:r>
+              <a:rPr kumimoji="1" lang="en-US" altLang="ja-JP" dirty="0"/>
+              <a:t>MVC</a:t>
+            </a:r>
+            <a:r>
+              <a:rPr kumimoji="1" lang="ja-JP" altLang="en-US" dirty="0"/>
+              <a:t>モデル</a:t>
+            </a:r>
+          </a:p>
+        </p:txBody>
+      </p:sp>
+      <p:sp>
+        <p:nvSpPr>
+          <p:cNvPr id="4" name="スライド番号プレースホルダー 3">
+            <a:extLst>
+              <a:ext uri="{FF2B5EF4-FFF2-40B4-BE49-F238E27FC236}">
+                <a16:creationId xmlns:a16="http://schemas.microsoft.com/office/drawing/2014/main" id="{2AE3A4E9-9E7D-C0E1-42E6-42E812817DE5}"/>
+              </a:ext>
+            </a:extLst>
+          </p:cNvPr>
+          <p:cNvSpPr>
+            <a:spLocks noGrp="1"/>
+          </p:cNvSpPr>
+          <p:nvPr>
+            <p:ph type="sldNum" sz="quarter" idx="12"/>
+          </p:nvPr>
+        </p:nvSpPr>
+        <p:spPr/>
+        <p:txBody>
+          <a:bodyPr/>
+          <a:lstStyle/>
+          <a:p>
+            <a:fld id="{F0E75ABD-E329-4735-B6E0-3752012DC264}" type="slidenum">
+              <a:rPr kumimoji="1" lang="ja-JP" altLang="en-US" smtClean="0"/>
+              <a:t>12</a:t>
+            </a:fld>
+            <a:endParaRPr kumimoji="1" lang="ja-JP" altLang="en-US"/>
+          </a:p>
+        </p:txBody>
+      </p:sp>
+      <p:pic>
+        <p:nvPicPr>
+          <p:cNvPr id="2054" name="Picture 6" descr="image3_1MVC">
+            <a:extLst>
+              <a:ext uri="{FF2B5EF4-FFF2-40B4-BE49-F238E27FC236}">
+                <a16:creationId xmlns:a16="http://schemas.microsoft.com/office/drawing/2014/main" id="{F1A7435E-DC5D-14BE-CB5D-209C25DC1617}"/>
+              </a:ext>
+            </a:extLst>
+          </p:cNvPr>
+          <p:cNvPicPr>
+            <a:picLocks noChangeAspect="1" noChangeArrowheads="1"/>
+          </p:cNvPicPr>
+          <p:nvPr/>
+        </p:nvPicPr>
+        <p:blipFill rotWithShape="1">
+          <a:blip r:embed="rId2">
+            <a:clrChange>
+              <a:clrFrom>
+                <a:srgbClr val="FFFFFF"/>
+              </a:clrFrom>
+              <a:clrTo>
+                <a:srgbClr val="FFFFFF">
+                  <a:alpha val="0"/>
+                </a:srgbClr>
+              </a:clrTo>
+            </a:clrChange>
+            <a:extLst>
+              <a:ext uri="{28A0092B-C50C-407E-A947-70E740481C1C}">
+                <a14:useLocalDpi xmlns:a14="http://schemas.microsoft.com/office/drawing/2010/main" val="0"/>
+              </a:ext>
+            </a:extLst>
+          </a:blip>
+          <a:srcRect l="9745" t="71903" r="75817"/>
+          <a:stretch>
+            <a:fillRect/>
+          </a:stretch>
+        </p:blipFill>
+        <p:spPr bwMode="auto">
+          <a:xfrm>
+            <a:off x="1807370" y="3596011"/>
+            <a:ext cx="1219200" cy="1055695"/>
+          </a:xfrm>
+          <a:prstGeom prst="rect">
+            <a:avLst/>
+          </a:prstGeom>
+          <a:noFill/>
+          <a:extLst>
+            <a:ext uri="{909E8E84-426E-40DD-AFC4-6F175D3DCCD1}">
+              <a14:hiddenFill xmlns:a14="http://schemas.microsoft.com/office/drawing/2010/main">
+                <a:solidFill>
+                  <a:srgbClr val="FFFFFF"/>
+                </a:solidFill>
+              </a14:hiddenFill>
+            </a:ext>
+          </a:extLst>
+        </p:spPr>
+      </p:pic>
+      <p:sp>
+        <p:nvSpPr>
+          <p:cNvPr id="5" name="四角形: 角を丸くする 4">
+            <a:extLst>
+              <a:ext uri="{FF2B5EF4-FFF2-40B4-BE49-F238E27FC236}">
+                <a16:creationId xmlns:a16="http://schemas.microsoft.com/office/drawing/2014/main" id="{3C9C6F1E-C919-81B1-8EA5-B62B3F2802B7}"/>
+              </a:ext>
+            </a:extLst>
+          </p:cNvPr>
+          <p:cNvSpPr/>
+          <p:nvPr/>
+        </p:nvSpPr>
+        <p:spPr>
+          <a:xfrm>
+            <a:off x="8728718" y="2500745"/>
+            <a:ext cx="873760" cy="396240"/>
+          </a:xfrm>
+          <a:prstGeom prst="roundRect">
+            <a:avLst/>
+          </a:prstGeom>
+          <a:solidFill>
+            <a:srgbClr val="FF0000">
+              <a:alpha val="20000"/>
+            </a:srgbClr>
+          </a:solidFill>
+          <a:ln w="38100">
+            <a:solidFill>
+              <a:srgbClr val="FF0000"/>
+            </a:solidFill>
+          </a:ln>
+        </p:spPr>
+        <p:style>
+          <a:lnRef idx="2">
+            <a:schemeClr val="accent1">
+              <a:shade val="15000"/>
+            </a:schemeClr>
+          </a:lnRef>
+          <a:fillRef idx="1">
+            <a:schemeClr val="accent1"/>
+          </a:fillRef>
+          <a:effectRef idx="0">
+            <a:schemeClr val="accent1"/>
+          </a:effectRef>
+          <a:fontRef idx="minor">
+            <a:schemeClr val="lt1"/>
+          </a:fontRef>
+        </p:style>
+        <p:txBody>
+          <a:bodyPr rtlCol="0" anchor="ctr"/>
+          <a:lstStyle/>
+          <a:p>
+            <a:pPr algn="ctr"/>
+            <a:endParaRPr kumimoji="1" lang="ja-JP" altLang="en-US"/>
+          </a:p>
+        </p:txBody>
+      </p:sp>
+      <p:sp>
+        <p:nvSpPr>
+          <p:cNvPr id="6" name="四角形: 角を丸くする 5">
+            <a:extLst>
+              <a:ext uri="{FF2B5EF4-FFF2-40B4-BE49-F238E27FC236}">
+                <a16:creationId xmlns:a16="http://schemas.microsoft.com/office/drawing/2014/main" id="{58AB4376-C73F-B761-D2F6-B399E214AFF7}"/>
+              </a:ext>
+            </a:extLst>
+          </p:cNvPr>
+          <p:cNvSpPr/>
+          <p:nvPr/>
+        </p:nvSpPr>
+        <p:spPr>
+          <a:xfrm>
+            <a:off x="6184901" y="4257040"/>
+            <a:ext cx="670560" cy="396240"/>
+          </a:xfrm>
+          <a:prstGeom prst="roundRect">
+            <a:avLst/>
+          </a:prstGeom>
+          <a:solidFill>
+            <a:srgbClr val="FF0000">
+              <a:alpha val="20000"/>
+            </a:srgbClr>
+          </a:solidFill>
+          <a:ln w="38100">
+            <a:solidFill>
+              <a:srgbClr val="FF0000"/>
+            </a:solidFill>
+          </a:ln>
+        </p:spPr>
+        <p:style>
+          <a:lnRef idx="2">
+            <a:schemeClr val="accent1">
+              <a:shade val="15000"/>
+            </a:schemeClr>
+          </a:lnRef>
+          <a:fillRef idx="1">
+            <a:schemeClr val="accent1"/>
+          </a:fillRef>
+          <a:effectRef idx="0">
+            <a:schemeClr val="accent1"/>
+          </a:effectRef>
+          <a:fontRef idx="minor">
+            <a:schemeClr val="lt1"/>
+          </a:fontRef>
+        </p:style>
+        <p:txBody>
+          <a:bodyPr rtlCol="0" anchor="ctr"/>
+          <a:lstStyle/>
+          <a:p>
+            <a:pPr algn="ctr"/>
+            <a:endParaRPr kumimoji="1" lang="ja-JP" altLang="en-US"/>
+          </a:p>
+        </p:txBody>
+      </p:sp>
+      <p:sp>
+        <p:nvSpPr>
+          <p:cNvPr id="7" name="四角形: 角を丸くする 6">
+            <a:extLst>
+              <a:ext uri="{FF2B5EF4-FFF2-40B4-BE49-F238E27FC236}">
+                <a16:creationId xmlns:a16="http://schemas.microsoft.com/office/drawing/2014/main" id="{63EC1C09-41B0-3F1A-EF91-BEC5948003F0}"/>
+              </a:ext>
+            </a:extLst>
+          </p:cNvPr>
+          <p:cNvSpPr/>
+          <p:nvPr/>
+        </p:nvSpPr>
+        <p:spPr>
+          <a:xfrm>
+            <a:off x="6042482" y="2473498"/>
+            <a:ext cx="1026160" cy="396240"/>
+          </a:xfrm>
+          <a:prstGeom prst="roundRect">
+            <a:avLst/>
+          </a:prstGeom>
+          <a:solidFill>
+            <a:srgbClr val="FF0000">
+              <a:alpha val="20000"/>
+            </a:srgbClr>
+          </a:solidFill>
+          <a:ln w="38100">
+            <a:solidFill>
+              <a:srgbClr val="FF0000"/>
+            </a:solidFill>
+          </a:ln>
+        </p:spPr>
+        <p:style>
+          <a:lnRef idx="2">
+            <a:schemeClr val="accent1">
+              <a:shade val="15000"/>
+            </a:schemeClr>
+          </a:lnRef>
+          <a:fillRef idx="1">
+            <a:schemeClr val="accent1"/>
+          </a:fillRef>
+          <a:effectRef idx="0">
+            <a:schemeClr val="accent1"/>
+          </a:effectRef>
+          <a:fontRef idx="minor">
+            <a:schemeClr val="lt1"/>
+          </a:fontRef>
+        </p:style>
+        <p:txBody>
+          <a:bodyPr rtlCol="0" anchor="ctr"/>
+          <a:lstStyle/>
+          <a:p>
+            <a:pPr algn="ctr"/>
+            <a:endParaRPr kumimoji="1" lang="ja-JP" altLang="en-US"/>
+          </a:p>
+        </p:txBody>
+      </p:sp>
+      <p:sp>
+        <p:nvSpPr>
+          <p:cNvPr id="8" name="四角形: 角を丸くする 7">
+            <a:extLst>
+              <a:ext uri="{FF2B5EF4-FFF2-40B4-BE49-F238E27FC236}">
+                <a16:creationId xmlns:a16="http://schemas.microsoft.com/office/drawing/2014/main" id="{07CBEE60-CE2F-720B-A44A-C31443B05ED5}"/>
+              </a:ext>
+            </a:extLst>
+          </p:cNvPr>
+          <p:cNvSpPr/>
+          <p:nvPr/>
+        </p:nvSpPr>
+        <p:spPr>
+          <a:xfrm>
+            <a:off x="1130270" y="986114"/>
+            <a:ext cx="2390170" cy="502326"/>
+          </a:xfrm>
+          <a:prstGeom prst="roundRect">
+            <a:avLst/>
+          </a:prstGeom>
+          <a:solidFill>
+            <a:srgbClr val="FF0000">
+              <a:alpha val="20000"/>
+            </a:srgbClr>
+          </a:solidFill>
+          <a:ln w="38100">
+            <a:solidFill>
+              <a:srgbClr val="FF0000"/>
+            </a:solidFill>
+          </a:ln>
+        </p:spPr>
+        <p:style>
+          <a:lnRef idx="2">
+            <a:schemeClr val="accent1">
+              <a:shade val="15000"/>
+            </a:schemeClr>
+          </a:lnRef>
+          <a:fillRef idx="1">
+            <a:schemeClr val="accent1"/>
+          </a:fillRef>
+          <a:effectRef idx="0">
+            <a:schemeClr val="accent1"/>
+          </a:effectRef>
+          <a:fontRef idx="minor">
+            <a:schemeClr val="lt1"/>
+          </a:fontRef>
+        </p:style>
+        <p:txBody>
+          <a:bodyPr rtlCol="0" anchor="ctr"/>
+          <a:lstStyle/>
+          <a:p>
+            <a:pPr algn="ctr"/>
+            <a:endParaRPr kumimoji="1" lang="ja-JP" altLang="en-US"/>
+          </a:p>
+        </p:txBody>
+      </p:sp>
+      <p:sp>
+        <p:nvSpPr>
+          <p:cNvPr id="14" name="正方形/長方形 13">
+            <a:extLst>
+              <a:ext uri="{FF2B5EF4-FFF2-40B4-BE49-F238E27FC236}">
+                <a16:creationId xmlns:a16="http://schemas.microsoft.com/office/drawing/2014/main" id="{22A9A392-EAB2-370A-F02F-CE3916B6EA11}"/>
+              </a:ext>
+            </a:extLst>
+          </p:cNvPr>
+          <p:cNvSpPr/>
+          <p:nvPr/>
+        </p:nvSpPr>
+        <p:spPr>
+          <a:xfrm>
+            <a:off x="3646876" y="2338647"/>
+            <a:ext cx="1347128" cy="711200"/>
+          </a:xfrm>
+          <a:prstGeom prst="rect">
+            <a:avLst/>
+          </a:prstGeom>
+          <a:noFill/>
+          <a:ln w="19050">
+            <a:solidFill>
+              <a:schemeClr val="tx1"/>
+            </a:solidFill>
+          </a:ln>
+        </p:spPr>
+        <p:style>
+          <a:lnRef idx="2">
+            <a:schemeClr val="accent1">
+              <a:shade val="15000"/>
+            </a:schemeClr>
+          </a:lnRef>
+          <a:fillRef idx="1">
+            <a:schemeClr val="accent1"/>
+          </a:fillRef>
+          <a:effectRef idx="0">
+            <a:schemeClr val="accent1"/>
+          </a:effectRef>
+          <a:fontRef idx="minor">
+            <a:schemeClr val="lt1"/>
+          </a:fontRef>
+        </p:style>
+        <p:txBody>
+          <a:bodyPr rtlCol="0" anchor="ctr"/>
+          <a:lstStyle/>
+          <a:p>
+            <a:pPr algn="ctr"/>
+            <a:r>
+              <a:rPr kumimoji="1" lang="en-US" altLang="ja-JP" sz="1600" dirty="0">
+                <a:solidFill>
+                  <a:schemeClr val="tx1"/>
+                </a:solidFill>
+                <a:latin typeface="HG丸ｺﾞｼｯｸM-PRO" panose="020F0600000000000000" pitchFamily="50" charset="-128"/>
+                <a:ea typeface="HG丸ｺﾞｼｯｸM-PRO" panose="020F0600000000000000" pitchFamily="50" charset="-128"/>
+              </a:rPr>
+              <a:t>Routing</a:t>
+            </a:r>
+            <a:endParaRPr kumimoji="1" lang="ja-JP" altLang="en-US" sz="1600" dirty="0">
+              <a:solidFill>
+                <a:schemeClr val="tx1"/>
+              </a:solidFill>
+              <a:latin typeface="HG丸ｺﾞｼｯｸM-PRO" panose="020F0600000000000000" pitchFamily="50" charset="-128"/>
+              <a:ea typeface="HG丸ｺﾞｼｯｸM-PRO" panose="020F0600000000000000" pitchFamily="50" charset="-128"/>
+            </a:endParaRPr>
+          </a:p>
+        </p:txBody>
+      </p:sp>
+      <p:sp>
+        <p:nvSpPr>
+          <p:cNvPr id="15" name="正方形/長方形 14">
+            <a:extLst>
+              <a:ext uri="{FF2B5EF4-FFF2-40B4-BE49-F238E27FC236}">
+                <a16:creationId xmlns:a16="http://schemas.microsoft.com/office/drawing/2014/main" id="{A5308EC5-6E1B-9CDA-3A27-79CCC84886E2}"/>
+              </a:ext>
+            </a:extLst>
+          </p:cNvPr>
+          <p:cNvSpPr/>
+          <p:nvPr/>
+        </p:nvSpPr>
+        <p:spPr>
+          <a:xfrm>
+            <a:off x="8134358" y="2338647"/>
+            <a:ext cx="2062480" cy="711200"/>
+          </a:xfrm>
+          <a:prstGeom prst="rect">
+            <a:avLst/>
+          </a:prstGeom>
+          <a:noFill/>
+          <a:ln w="19050">
+            <a:solidFill>
+              <a:schemeClr val="tx1"/>
+            </a:solidFill>
+          </a:ln>
+        </p:spPr>
+        <p:style>
+          <a:lnRef idx="2">
+            <a:schemeClr val="accent1">
+              <a:shade val="15000"/>
+            </a:schemeClr>
+          </a:lnRef>
+          <a:fillRef idx="1">
+            <a:schemeClr val="accent1"/>
+          </a:fillRef>
+          <a:effectRef idx="0">
+            <a:schemeClr val="accent1"/>
+          </a:effectRef>
+          <a:fontRef idx="minor">
+            <a:schemeClr val="lt1"/>
+          </a:fontRef>
+        </p:style>
+        <p:txBody>
+          <a:bodyPr rtlCol="0" anchor="ctr"/>
+          <a:lstStyle/>
+          <a:p>
+            <a:pPr algn="ctr"/>
+            <a:r>
+              <a:rPr kumimoji="1" lang="en-US" altLang="ja-JP" sz="1600" dirty="0">
+                <a:solidFill>
+                  <a:schemeClr val="tx1"/>
+                </a:solidFill>
+                <a:latin typeface="HG丸ｺﾞｼｯｸM-PRO" panose="020F0600000000000000" pitchFamily="50" charset="-128"/>
+                <a:ea typeface="HG丸ｺﾞｼｯｸM-PRO" panose="020F0600000000000000" pitchFamily="50" charset="-128"/>
+              </a:rPr>
+              <a:t>Model</a:t>
+            </a:r>
+            <a:endParaRPr kumimoji="1" lang="ja-JP" altLang="en-US" sz="1600" dirty="0">
+              <a:solidFill>
+                <a:schemeClr val="tx1"/>
+              </a:solidFill>
+              <a:latin typeface="HG丸ｺﾞｼｯｸM-PRO" panose="020F0600000000000000" pitchFamily="50" charset="-128"/>
+              <a:ea typeface="HG丸ｺﾞｼｯｸM-PRO" panose="020F0600000000000000" pitchFamily="50" charset="-128"/>
+            </a:endParaRPr>
+          </a:p>
+        </p:txBody>
+      </p:sp>
+      <p:pic>
+        <p:nvPicPr>
+          <p:cNvPr id="16" name="Picture 6" descr="image3_1MVC">
+            <a:extLst>
+              <a:ext uri="{FF2B5EF4-FFF2-40B4-BE49-F238E27FC236}">
+                <a16:creationId xmlns:a16="http://schemas.microsoft.com/office/drawing/2014/main" id="{DE627863-7689-AC66-1CFB-040412E80ED6}"/>
+              </a:ext>
+            </a:extLst>
+          </p:cNvPr>
+          <p:cNvPicPr>
+            <a:picLocks noChangeAspect="1" noChangeArrowheads="1"/>
+          </p:cNvPicPr>
+          <p:nvPr/>
+        </p:nvPicPr>
+        <p:blipFill rotWithShape="1">
+          <a:blip r:embed="rId2">
+            <a:clrChange>
+              <a:clrFrom>
+                <a:srgbClr val="FFFFFF"/>
+              </a:clrFrom>
+              <a:clrTo>
+                <a:srgbClr val="FFFFFF">
+                  <a:alpha val="0"/>
+                </a:srgbClr>
+              </a:clrTo>
+            </a:clrChange>
+            <a:extLst>
+              <a:ext uri="{28A0092B-C50C-407E-A947-70E740481C1C}">
+                <a14:useLocalDpi xmlns:a14="http://schemas.microsoft.com/office/drawing/2010/main" val="0"/>
+              </a:ext>
+            </a:extLst>
+          </a:blip>
+          <a:srcRect l="86998" t="20529" r="6928" b="62808"/>
+          <a:stretch>
+            <a:fillRect/>
+          </a:stretch>
+        </p:blipFill>
+        <p:spPr bwMode="auto">
+          <a:xfrm>
+            <a:off x="8765536" y="1093373"/>
+            <a:ext cx="512945" cy="626093"/>
+          </a:xfrm>
+          <a:prstGeom prst="rect">
+            <a:avLst/>
+          </a:prstGeom>
+          <a:noFill/>
+          <a:extLst>
+            <a:ext uri="{909E8E84-426E-40DD-AFC4-6F175D3DCCD1}">
+              <a14:hiddenFill xmlns:a14="http://schemas.microsoft.com/office/drawing/2010/main">
+                <a:solidFill>
+                  <a:srgbClr val="FFFFFF"/>
+                </a:solidFill>
+              </a14:hiddenFill>
+            </a:ext>
+          </a:extLst>
+        </p:spPr>
+      </p:pic>
+      <p:sp>
+        <p:nvSpPr>
+          <p:cNvPr id="17" name="矢印: 右 16">
+            <a:extLst>
+              <a:ext uri="{FF2B5EF4-FFF2-40B4-BE49-F238E27FC236}">
+                <a16:creationId xmlns:a16="http://schemas.microsoft.com/office/drawing/2014/main" id="{15623057-AEA4-E4D2-A3B6-969D9CC6BFB6}"/>
+              </a:ext>
+            </a:extLst>
+          </p:cNvPr>
+          <p:cNvSpPr/>
+          <p:nvPr/>
+        </p:nvSpPr>
+        <p:spPr>
+          <a:xfrm rot="19723473">
+            <a:off x="2811778" y="3116023"/>
+            <a:ext cx="804370" cy="343531"/>
+          </a:xfrm>
+          <a:prstGeom prst="rightArrow">
+            <a:avLst/>
+          </a:prstGeom>
+        </p:spPr>
+        <p:style>
+          <a:lnRef idx="2">
+            <a:schemeClr val="accent1">
+              <a:shade val="15000"/>
+            </a:schemeClr>
+          </a:lnRef>
+          <a:fillRef idx="1">
+            <a:schemeClr val="accent1"/>
+          </a:fillRef>
+          <a:effectRef idx="0">
+            <a:schemeClr val="accent1"/>
+          </a:effectRef>
+          <a:fontRef idx="minor">
+            <a:schemeClr val="lt1"/>
+          </a:fontRef>
+        </p:style>
+        <p:txBody>
+          <a:bodyPr rtlCol="0" anchor="ctr"/>
+          <a:lstStyle/>
+          <a:p>
+            <a:pPr algn="ctr"/>
+            <a:endParaRPr kumimoji="1" lang="ja-JP" altLang="en-US"/>
+          </a:p>
+        </p:txBody>
+      </p:sp>
+      <p:sp>
+        <p:nvSpPr>
+          <p:cNvPr id="18" name="テキスト ボックス 17">
+            <a:extLst>
+              <a:ext uri="{FF2B5EF4-FFF2-40B4-BE49-F238E27FC236}">
+                <a16:creationId xmlns:a16="http://schemas.microsoft.com/office/drawing/2014/main" id="{EA74FD93-07B9-ECF6-0E5E-DB3E706CF17D}"/>
+              </a:ext>
+            </a:extLst>
+          </p:cNvPr>
+          <p:cNvSpPr txBox="1"/>
+          <p:nvPr/>
+        </p:nvSpPr>
+        <p:spPr>
+          <a:xfrm>
+            <a:off x="2013592" y="2869738"/>
+            <a:ext cx="1210588" cy="338554"/>
+          </a:xfrm>
+          <a:prstGeom prst="rect">
+            <a:avLst/>
+          </a:prstGeom>
+          <a:noFill/>
+        </p:spPr>
+        <p:txBody>
+          <a:bodyPr wrap="none" rtlCol="0">
+            <a:spAutoFit/>
+          </a:bodyPr>
+          <a:lstStyle/>
+          <a:p>
+            <a:r>
+              <a:rPr kumimoji="1" lang="ja-JP" altLang="en-US" sz="1600" dirty="0">
+                <a:latin typeface="HG丸ｺﾞｼｯｸM-PRO" panose="020F0600000000000000" pitchFamily="50" charset="-128"/>
+                <a:ea typeface="HG丸ｺﾞｼｯｸM-PRO" panose="020F0600000000000000" pitchFamily="50" charset="-128"/>
+              </a:rPr>
+              <a:t>リクエスト</a:t>
+            </a:r>
+          </a:p>
+        </p:txBody>
+      </p:sp>
+      <p:sp>
+        <p:nvSpPr>
+          <p:cNvPr id="19" name="矢印: 右 18">
+            <a:extLst>
+              <a:ext uri="{FF2B5EF4-FFF2-40B4-BE49-F238E27FC236}">
+                <a16:creationId xmlns:a16="http://schemas.microsoft.com/office/drawing/2014/main" id="{74196B54-1522-1827-A801-1E407AA22BFA}"/>
+              </a:ext>
+            </a:extLst>
+          </p:cNvPr>
+          <p:cNvSpPr/>
+          <p:nvPr/>
+        </p:nvSpPr>
+        <p:spPr>
+          <a:xfrm>
+            <a:off x="5097461" y="2553454"/>
+            <a:ext cx="387446" cy="343531"/>
+          </a:xfrm>
+          <a:prstGeom prst="rightArrow">
+            <a:avLst/>
+          </a:prstGeom>
+        </p:spPr>
+        <p:style>
+          <a:lnRef idx="2">
+            <a:schemeClr val="accent1">
+              <a:shade val="15000"/>
+            </a:schemeClr>
+          </a:lnRef>
+          <a:fillRef idx="1">
+            <a:schemeClr val="accent1"/>
+          </a:fillRef>
+          <a:effectRef idx="0">
+            <a:schemeClr val="accent1"/>
+          </a:effectRef>
+          <a:fontRef idx="minor">
+            <a:schemeClr val="lt1"/>
+          </a:fontRef>
+        </p:style>
+        <p:txBody>
+          <a:bodyPr rtlCol="0" anchor="ctr"/>
+          <a:lstStyle/>
+          <a:p>
+            <a:pPr algn="ctr"/>
+            <a:endParaRPr kumimoji="1" lang="ja-JP" altLang="en-US"/>
+          </a:p>
+        </p:txBody>
+      </p:sp>
+      <p:sp>
+        <p:nvSpPr>
+          <p:cNvPr id="20" name="矢印: 右 19">
+            <a:extLst>
+              <a:ext uri="{FF2B5EF4-FFF2-40B4-BE49-F238E27FC236}">
+                <a16:creationId xmlns:a16="http://schemas.microsoft.com/office/drawing/2014/main" id="{150F5D0E-EF5D-9722-D9A6-9DE7FE4D3E49}"/>
+              </a:ext>
+            </a:extLst>
+          </p:cNvPr>
+          <p:cNvSpPr/>
+          <p:nvPr/>
+        </p:nvSpPr>
+        <p:spPr>
+          <a:xfrm>
+            <a:off x="7652843" y="2459643"/>
+            <a:ext cx="387446" cy="200891"/>
+          </a:xfrm>
+          <a:prstGeom prst="rightArrow">
+            <a:avLst/>
+          </a:prstGeom>
+        </p:spPr>
+        <p:style>
+          <a:lnRef idx="2">
+            <a:schemeClr val="accent1">
+              <a:shade val="15000"/>
+            </a:schemeClr>
+          </a:lnRef>
+          <a:fillRef idx="1">
+            <a:schemeClr val="accent1"/>
+          </a:fillRef>
+          <a:effectRef idx="0">
+            <a:schemeClr val="accent1"/>
+          </a:effectRef>
+          <a:fontRef idx="minor">
+            <a:schemeClr val="lt1"/>
+          </a:fontRef>
+        </p:style>
+        <p:txBody>
+          <a:bodyPr rtlCol="0" anchor="ctr"/>
+          <a:lstStyle/>
+          <a:p>
+            <a:pPr algn="ctr"/>
+            <a:endParaRPr kumimoji="1" lang="ja-JP" altLang="en-US"/>
+          </a:p>
+        </p:txBody>
+      </p:sp>
+      <p:sp>
+        <p:nvSpPr>
+          <p:cNvPr id="21" name="矢印: 右 20">
+            <a:extLst>
+              <a:ext uri="{FF2B5EF4-FFF2-40B4-BE49-F238E27FC236}">
+                <a16:creationId xmlns:a16="http://schemas.microsoft.com/office/drawing/2014/main" id="{FCD90DF7-F91E-EB97-952A-0B0635DCB3E2}"/>
+              </a:ext>
+            </a:extLst>
+          </p:cNvPr>
+          <p:cNvSpPr/>
+          <p:nvPr/>
+        </p:nvSpPr>
+        <p:spPr>
+          <a:xfrm rot="10800000">
+            <a:off x="7643455" y="2731297"/>
+            <a:ext cx="387446" cy="200891"/>
+          </a:xfrm>
+          <a:prstGeom prst="rightArrow">
+            <a:avLst/>
+          </a:prstGeom>
+        </p:spPr>
+        <p:style>
+          <a:lnRef idx="2">
+            <a:schemeClr val="accent1">
+              <a:shade val="15000"/>
+            </a:schemeClr>
+          </a:lnRef>
+          <a:fillRef idx="1">
+            <a:schemeClr val="accent1"/>
+          </a:fillRef>
+          <a:effectRef idx="0">
+            <a:schemeClr val="accent1"/>
+          </a:effectRef>
+          <a:fontRef idx="minor">
+            <a:schemeClr val="lt1"/>
+          </a:fontRef>
+        </p:style>
+        <p:txBody>
+          <a:bodyPr rtlCol="0" anchor="ctr"/>
+          <a:lstStyle/>
+          <a:p>
+            <a:pPr algn="ctr"/>
+            <a:endParaRPr kumimoji="1" lang="ja-JP" altLang="en-US"/>
+          </a:p>
+        </p:txBody>
+      </p:sp>
+      <p:sp>
+        <p:nvSpPr>
+          <p:cNvPr id="22" name="矢印: 右 21">
+            <a:extLst>
+              <a:ext uri="{FF2B5EF4-FFF2-40B4-BE49-F238E27FC236}">
+                <a16:creationId xmlns:a16="http://schemas.microsoft.com/office/drawing/2014/main" id="{697F1BDB-C39B-DF6A-4330-BD58F6939E10}"/>
+              </a:ext>
+            </a:extLst>
+          </p:cNvPr>
+          <p:cNvSpPr/>
+          <p:nvPr/>
+        </p:nvSpPr>
+        <p:spPr>
+          <a:xfrm rot="16200000">
+            <a:off x="8672259" y="1958126"/>
+            <a:ext cx="387446" cy="200891"/>
+          </a:xfrm>
+          <a:prstGeom prst="rightArrow">
+            <a:avLst/>
+          </a:prstGeom>
+        </p:spPr>
+        <p:style>
+          <a:lnRef idx="2">
+            <a:schemeClr val="accent1">
+              <a:shade val="15000"/>
+            </a:schemeClr>
+          </a:lnRef>
+          <a:fillRef idx="1">
+            <a:schemeClr val="accent1"/>
+          </a:fillRef>
+          <a:effectRef idx="0">
+            <a:schemeClr val="accent1"/>
+          </a:effectRef>
+          <a:fontRef idx="minor">
+            <a:schemeClr val="lt1"/>
+          </a:fontRef>
+        </p:style>
+        <p:txBody>
+          <a:bodyPr rtlCol="0" anchor="ctr"/>
+          <a:lstStyle/>
+          <a:p>
+            <a:pPr algn="ctr"/>
+            <a:endParaRPr kumimoji="1" lang="ja-JP" altLang="en-US"/>
+          </a:p>
+        </p:txBody>
+      </p:sp>
+      <p:sp>
+        <p:nvSpPr>
+          <p:cNvPr id="23" name="矢印: 右 22">
+            <a:extLst>
+              <a:ext uri="{FF2B5EF4-FFF2-40B4-BE49-F238E27FC236}">
+                <a16:creationId xmlns:a16="http://schemas.microsoft.com/office/drawing/2014/main" id="{B17E761B-AA06-42EB-4ED2-00E1AF6D9596}"/>
+              </a:ext>
+            </a:extLst>
+          </p:cNvPr>
+          <p:cNvSpPr/>
+          <p:nvPr/>
+        </p:nvSpPr>
+        <p:spPr>
+          <a:xfrm rot="5400000">
+            <a:off x="8928730" y="1968741"/>
+            <a:ext cx="387446" cy="200891"/>
+          </a:xfrm>
+          <a:prstGeom prst="rightArrow">
+            <a:avLst/>
+          </a:prstGeom>
+        </p:spPr>
+        <p:style>
+          <a:lnRef idx="2">
+            <a:schemeClr val="accent1">
+              <a:shade val="15000"/>
+            </a:schemeClr>
+          </a:lnRef>
+          <a:fillRef idx="1">
+            <a:schemeClr val="accent1"/>
+          </a:fillRef>
+          <a:effectRef idx="0">
+            <a:schemeClr val="accent1"/>
+          </a:effectRef>
+          <a:fontRef idx="minor">
+            <a:schemeClr val="lt1"/>
+          </a:fontRef>
+        </p:style>
+        <p:txBody>
+          <a:bodyPr rtlCol="0" anchor="ctr"/>
+          <a:lstStyle/>
+          <a:p>
+            <a:pPr algn="ctr"/>
+            <a:endParaRPr kumimoji="1" lang="ja-JP" altLang="en-US"/>
+          </a:p>
+        </p:txBody>
+      </p:sp>
+      <p:sp>
+        <p:nvSpPr>
+          <p:cNvPr id="24" name="テキスト ボックス 23">
+            <a:extLst>
+              <a:ext uri="{FF2B5EF4-FFF2-40B4-BE49-F238E27FC236}">
+                <a16:creationId xmlns:a16="http://schemas.microsoft.com/office/drawing/2014/main" id="{BF3A5B44-2C6C-0D69-5113-0C69C1B419FA}"/>
+              </a:ext>
+            </a:extLst>
+          </p:cNvPr>
+          <p:cNvSpPr txBox="1"/>
+          <p:nvPr/>
+        </p:nvSpPr>
+        <p:spPr>
+          <a:xfrm>
+            <a:off x="9092943" y="1134691"/>
+            <a:ext cx="1826141" cy="584775"/>
+          </a:xfrm>
+          <a:prstGeom prst="rect">
+            <a:avLst/>
+          </a:prstGeom>
+          <a:noFill/>
+        </p:spPr>
+        <p:txBody>
+          <a:bodyPr wrap="none" rtlCol="0">
+            <a:spAutoFit/>
+          </a:bodyPr>
+          <a:lstStyle/>
+          <a:p>
+            <a:r>
+              <a:rPr kumimoji="1" lang="ja-JP" altLang="en-US" sz="1600" dirty="0">
+                <a:latin typeface="HG丸ｺﾞｼｯｸM-PRO" panose="020F0600000000000000" pitchFamily="50" charset="-128"/>
+                <a:ea typeface="HG丸ｺﾞｼｯｸM-PRO" panose="020F0600000000000000" pitchFamily="50" charset="-128"/>
+              </a:rPr>
+              <a:t>　</a:t>
+            </a:r>
+            <a:r>
+              <a:rPr kumimoji="1" lang="en-US" altLang="ja-JP" sz="1600" dirty="0">
+                <a:latin typeface="HG丸ｺﾞｼｯｸM-PRO" panose="020F0600000000000000" pitchFamily="50" charset="-128"/>
+                <a:ea typeface="HG丸ｺﾞｼｯｸM-PRO" panose="020F0600000000000000" pitchFamily="50" charset="-128"/>
+              </a:rPr>
+              <a:t>DB</a:t>
+            </a:r>
+          </a:p>
+          <a:p>
+            <a:r>
+              <a:rPr kumimoji="1" lang="ja-JP" altLang="en-US" sz="1600" dirty="0">
+                <a:latin typeface="HG丸ｺﾞｼｯｸM-PRO" panose="020F0600000000000000" pitchFamily="50" charset="-128"/>
+                <a:ea typeface="HG丸ｺﾞｼｯｸM-PRO" panose="020F0600000000000000" pitchFamily="50" charset="-128"/>
+              </a:rPr>
+              <a:t>（データベース）</a:t>
+            </a:r>
+          </a:p>
+        </p:txBody>
+      </p:sp>
+      <p:sp>
+        <p:nvSpPr>
+          <p:cNvPr id="25" name="矢印: 右 24">
+            <a:extLst>
+              <a:ext uri="{FF2B5EF4-FFF2-40B4-BE49-F238E27FC236}">
+                <a16:creationId xmlns:a16="http://schemas.microsoft.com/office/drawing/2014/main" id="{DDC02164-B33F-CCF6-7CDE-16AD828E6A4B}"/>
+              </a:ext>
+            </a:extLst>
+          </p:cNvPr>
+          <p:cNvSpPr/>
+          <p:nvPr/>
+        </p:nvSpPr>
+        <p:spPr>
+          <a:xfrm rot="5400000">
+            <a:off x="6192340" y="3316432"/>
+            <a:ext cx="711202" cy="509385"/>
+          </a:xfrm>
+          <a:prstGeom prst="rightArrow">
+            <a:avLst/>
+          </a:prstGeom>
+        </p:spPr>
+        <p:style>
+          <a:lnRef idx="2">
+            <a:schemeClr val="accent1">
+              <a:shade val="15000"/>
+            </a:schemeClr>
+          </a:lnRef>
+          <a:fillRef idx="1">
+            <a:schemeClr val="accent1"/>
+          </a:fillRef>
+          <a:effectRef idx="0">
+            <a:schemeClr val="accent1"/>
+          </a:effectRef>
+          <a:fontRef idx="minor">
+            <a:schemeClr val="lt1"/>
+          </a:fontRef>
+        </p:style>
+        <p:txBody>
+          <a:bodyPr rtlCol="0" anchor="ctr"/>
+          <a:lstStyle/>
+          <a:p>
+            <a:pPr algn="ctr"/>
+            <a:endParaRPr kumimoji="1" lang="ja-JP" altLang="en-US"/>
+          </a:p>
+        </p:txBody>
+      </p:sp>
+      <p:sp>
+        <p:nvSpPr>
+          <p:cNvPr id="26" name="矢印: 右 25">
+            <a:extLst>
+              <a:ext uri="{FF2B5EF4-FFF2-40B4-BE49-F238E27FC236}">
+                <a16:creationId xmlns:a16="http://schemas.microsoft.com/office/drawing/2014/main" id="{4CFA65EE-9C77-0D4E-42B1-9E713B0EC04A}"/>
+              </a:ext>
+            </a:extLst>
+          </p:cNvPr>
+          <p:cNvSpPr/>
+          <p:nvPr/>
+        </p:nvSpPr>
+        <p:spPr>
+          <a:xfrm rot="11244699">
+            <a:off x="3038115" y="4043500"/>
+            <a:ext cx="2360192" cy="331877"/>
+          </a:xfrm>
+          <a:prstGeom prst="rightArrow">
+            <a:avLst/>
+          </a:prstGeom>
+        </p:spPr>
+        <p:style>
+          <a:lnRef idx="2">
+            <a:schemeClr val="accent1">
+              <a:shade val="15000"/>
+            </a:schemeClr>
+          </a:lnRef>
+          <a:fillRef idx="1">
+            <a:schemeClr val="accent1"/>
+          </a:fillRef>
+          <a:effectRef idx="0">
+            <a:schemeClr val="accent1"/>
+          </a:effectRef>
+          <a:fontRef idx="minor">
+            <a:schemeClr val="lt1"/>
+          </a:fontRef>
+        </p:style>
+        <p:txBody>
+          <a:bodyPr rtlCol="0" anchor="ctr"/>
+          <a:lstStyle/>
+          <a:p>
+            <a:pPr algn="ctr"/>
+            <a:endParaRPr kumimoji="1" lang="ja-JP" altLang="en-US"/>
+          </a:p>
+        </p:txBody>
+      </p:sp>
+      <p:sp>
+        <p:nvSpPr>
+          <p:cNvPr id="27" name="テキスト ボックス 26">
+            <a:extLst>
+              <a:ext uri="{FF2B5EF4-FFF2-40B4-BE49-F238E27FC236}">
+                <a16:creationId xmlns:a16="http://schemas.microsoft.com/office/drawing/2014/main" id="{34BA16DC-C76D-2E69-BE61-64F95243AE97}"/>
+              </a:ext>
+            </a:extLst>
+          </p:cNvPr>
+          <p:cNvSpPr txBox="1"/>
+          <p:nvPr/>
+        </p:nvSpPr>
+        <p:spPr>
+          <a:xfrm rot="456788">
+            <a:off x="3766325" y="3757449"/>
+            <a:ext cx="1210588" cy="338554"/>
+          </a:xfrm>
+          <a:prstGeom prst="rect">
+            <a:avLst/>
+          </a:prstGeom>
+          <a:noFill/>
+        </p:spPr>
+        <p:txBody>
+          <a:bodyPr wrap="none" rtlCol="0">
+            <a:spAutoFit/>
+          </a:bodyPr>
+          <a:lstStyle/>
+          <a:p>
+            <a:r>
+              <a:rPr kumimoji="1" lang="ja-JP" altLang="en-US" sz="1600" dirty="0">
+                <a:latin typeface="HG丸ｺﾞｼｯｸM-PRO" panose="020F0600000000000000" pitchFamily="50" charset="-128"/>
+                <a:ea typeface="HG丸ｺﾞｼｯｸM-PRO" panose="020F0600000000000000" pitchFamily="50" charset="-128"/>
+              </a:rPr>
+              <a:t>レスポンス</a:t>
+            </a:r>
+          </a:p>
+        </p:txBody>
+      </p:sp>
+    </p:spTree>
+    <p:extLst>
+      <p:ext uri="{BB962C8B-B14F-4D97-AF65-F5344CB8AC3E}">
+        <p14:creationId xmlns:p14="http://schemas.microsoft.com/office/powerpoint/2010/main" val="992953411"/>
+      </p:ext>
+    </p:extLst>
+  </p:cSld>
+  <p:clrMapOvr>
+    <a:masterClrMapping/>
+  </p:clrMapOvr>
+  <p:timing>
+    <p:tnLst>
+      <p:par>
+        <p:cTn id="1" dur="indefinite" restart="never" nodeType="tmRoot">
+          <p:childTnLst>
+            <p:seq concurrent="1" nextAc="seek">
+              <p:cTn id="2" dur="indefinite" nodeType="mainSeq">
+                <p:childTnLst>
+                  <p:par>
+                    <p:cTn id="3" fill="hold">
+                      <p:stCondLst>
+                        <p:cond delay="indefinite"/>
+                      </p:stCondLst>
+                      <p:childTnLst>
+                        <p:par>
+                          <p:cTn id="4" fill="hold">
+                            <p:stCondLst>
+                              <p:cond delay="0"/>
+                            </p:stCondLst>
+                            <p:childTnLst>
+                              <p:par>
+                                <p:cTn id="5" presetID="16" presetClass="entr" presetSubtype="21" fill="hold" grpId="0" nodeType="clickEffect">
+                                  <p:stCondLst>
+                                    <p:cond delay="0"/>
+                                  </p:stCondLst>
+                                  <p:childTnLst>
+                                    <p:set>
+                                      <p:cBhvr>
+                                        <p:cTn id="6" dur="1" fill="hold">
+                                          <p:stCondLst>
+                                            <p:cond delay="0"/>
+                                          </p:stCondLst>
+                                        </p:cTn>
+                                        <p:tgtEl>
+                                          <p:spTgt spid="5"/>
+                                        </p:tgtEl>
+                                        <p:attrNameLst>
+                                          <p:attrName>style.visibility</p:attrName>
+                                        </p:attrNameLst>
+                                      </p:cBhvr>
+                                      <p:to>
+                                        <p:strVal val="visible"/>
+                                      </p:to>
+                                    </p:set>
+                                    <p:animEffect transition="in" filter="barn(inVertical)">
+                                      <p:cBhvr>
+                                        <p:cTn id="7" dur="500"/>
+                                        <p:tgtEl>
+                                          <p:spTgt spid="5"/>
+                                        </p:tgtEl>
+                                      </p:cBhvr>
+                                    </p:animEffect>
+                                  </p:childTnLst>
+                                </p:cTn>
+                              </p:par>
+                            </p:childTnLst>
+                          </p:cTn>
+                        </p:par>
+                      </p:childTnLst>
+                    </p:cTn>
+                  </p:par>
+                  <p:par>
+                    <p:cTn id="8" fill="hold">
+                      <p:stCondLst>
+                        <p:cond delay="indefinite"/>
+                      </p:stCondLst>
+                      <p:childTnLst>
+                        <p:par>
+                          <p:cTn id="9" fill="hold">
+                            <p:stCondLst>
+                              <p:cond delay="0"/>
+                            </p:stCondLst>
+                            <p:childTnLst>
+                              <p:par>
+                                <p:cTn id="10" presetID="16" presetClass="entr" presetSubtype="21" fill="hold" grpId="0" nodeType="clickEffect">
+                                  <p:stCondLst>
+                                    <p:cond delay="0"/>
+                                  </p:stCondLst>
+                                  <p:childTnLst>
+                                    <p:set>
+                                      <p:cBhvr>
+                                        <p:cTn id="11" dur="1" fill="hold">
+                                          <p:stCondLst>
+                                            <p:cond delay="0"/>
+                                          </p:stCondLst>
+                                        </p:cTn>
+                                        <p:tgtEl>
+                                          <p:spTgt spid="6"/>
+                                        </p:tgtEl>
+                                        <p:attrNameLst>
+                                          <p:attrName>style.visibility</p:attrName>
+                                        </p:attrNameLst>
+                                      </p:cBhvr>
+                                      <p:to>
+                                        <p:strVal val="visible"/>
+                                      </p:to>
+                                    </p:set>
+                                    <p:animEffect transition="in" filter="barn(inVertical)">
+                                      <p:cBhvr>
+                                        <p:cTn id="12" dur="500"/>
+                                        <p:tgtEl>
+                                          <p:spTgt spid="6"/>
+                                        </p:tgtEl>
+                                      </p:cBhvr>
+                                    </p:animEffect>
+                                  </p:childTnLst>
+                                </p:cTn>
+                              </p:par>
+                            </p:childTnLst>
+                          </p:cTn>
+                        </p:par>
+                      </p:childTnLst>
+                    </p:cTn>
+                  </p:par>
+                  <p:par>
+                    <p:cTn id="13" fill="hold">
+                      <p:stCondLst>
+                        <p:cond delay="indefinite"/>
+                      </p:stCondLst>
+                      <p:childTnLst>
+                        <p:par>
+                          <p:cTn id="14" fill="hold">
+                            <p:stCondLst>
+                              <p:cond delay="0"/>
+                            </p:stCondLst>
+                            <p:childTnLst>
+                              <p:par>
+                                <p:cTn id="15" presetID="16" presetClass="entr" presetSubtype="21" fill="hold" grpId="0" nodeType="clickEffect">
+                                  <p:stCondLst>
+                                    <p:cond delay="0"/>
+                                  </p:stCondLst>
+                                  <p:childTnLst>
+                                    <p:set>
+                                      <p:cBhvr>
+                                        <p:cTn id="16" dur="1" fill="hold">
+                                          <p:stCondLst>
+                                            <p:cond delay="0"/>
+                                          </p:stCondLst>
+                                        </p:cTn>
+                                        <p:tgtEl>
+                                          <p:spTgt spid="7"/>
+                                        </p:tgtEl>
+                                        <p:attrNameLst>
+                                          <p:attrName>style.visibility</p:attrName>
+                                        </p:attrNameLst>
+                                      </p:cBhvr>
+                                      <p:to>
+                                        <p:strVal val="visible"/>
+                                      </p:to>
+                                    </p:set>
+                                    <p:animEffect transition="in" filter="barn(inVertical)">
+                                      <p:cBhvr>
+                                        <p:cTn id="17" dur="500"/>
+                                        <p:tgtEl>
+                                          <p:spTgt spid="7"/>
+                                        </p:tgtEl>
+                                      </p:cBhvr>
+                                    </p:animEffect>
+                                  </p:childTnLst>
+                                </p:cTn>
+                              </p:par>
+                            </p:childTnLst>
+                          </p:cTn>
+                        </p:par>
+                      </p:childTnLst>
+                    </p:cTn>
+                  </p:par>
+                  <p:par>
+                    <p:cTn id="18" fill="hold">
+                      <p:stCondLst>
+                        <p:cond delay="indefinite"/>
+                      </p:stCondLst>
+                      <p:childTnLst>
+                        <p:par>
+                          <p:cTn id="19" fill="hold">
+                            <p:stCondLst>
+                              <p:cond delay="0"/>
+                            </p:stCondLst>
+                            <p:childTnLst>
+                              <p:par>
+                                <p:cTn id="20" presetID="16" presetClass="entr" presetSubtype="21" fill="hold" grpId="0" nodeType="clickEffect">
+                                  <p:stCondLst>
+                                    <p:cond delay="0"/>
+                                  </p:stCondLst>
+                                  <p:childTnLst>
+                                    <p:set>
+                                      <p:cBhvr>
+                                        <p:cTn id="21" dur="1" fill="hold">
+                                          <p:stCondLst>
+                                            <p:cond delay="0"/>
+                                          </p:stCondLst>
+                                        </p:cTn>
+                                        <p:tgtEl>
+                                          <p:spTgt spid="8"/>
+                                        </p:tgtEl>
+                                        <p:attrNameLst>
+                                          <p:attrName>style.visibility</p:attrName>
+                                        </p:attrNameLst>
+                                      </p:cBhvr>
+                                      <p:to>
+                                        <p:strVal val="visible"/>
+                                      </p:to>
+                                    </p:set>
+                                    <p:animEffect transition="in" filter="barn(inVertical)">
+                                      <p:cBhvr>
+                                        <p:cTn id="22" dur="500"/>
+                                        <p:tgtEl>
+                                          <p:spTgt spid="8"/>
+                                        </p:tgtEl>
+                                      </p:cBhvr>
+                                    </p:animEffect>
+                                  </p:childTnLst>
+                                </p:cTn>
+                              </p:par>
+                            </p:childTnLst>
+                          </p:cTn>
+                        </p:par>
+                      </p:childTnLst>
+                    </p:cTn>
+                  </p:par>
+                  <p:par>
+                    <p:cTn id="23" fill="hold">
+                      <p:stCondLst>
+                        <p:cond delay="indefinite"/>
+                      </p:stCondLst>
+                      <p:childTnLst>
+                        <p:par>
+                          <p:cTn id="24" fill="hold">
+                            <p:stCondLst>
+                              <p:cond delay="0"/>
+                            </p:stCondLst>
+                            <p:childTnLst>
+                              <p:par>
+                                <p:cTn id="25" presetID="16" presetClass="exit" presetSubtype="21" fill="hold" grpId="1" nodeType="clickEffect">
+                                  <p:stCondLst>
+                                    <p:cond delay="0"/>
+                                  </p:stCondLst>
+                                  <p:childTnLst>
+                                    <p:animEffect transition="out" filter="barn(inVertical)">
+                                      <p:cBhvr>
+                                        <p:cTn id="26" dur="500"/>
+                                        <p:tgtEl>
+                                          <p:spTgt spid="5"/>
+                                        </p:tgtEl>
+                                      </p:cBhvr>
+                                    </p:animEffect>
+                                    <p:set>
+                                      <p:cBhvr>
+                                        <p:cTn id="27" dur="1" fill="hold">
+                                          <p:stCondLst>
+                                            <p:cond delay="499"/>
+                                          </p:stCondLst>
+                                        </p:cTn>
+                                        <p:tgtEl>
+                                          <p:spTgt spid="5"/>
+                                        </p:tgtEl>
+                                        <p:attrNameLst>
+                                          <p:attrName>style.visibility</p:attrName>
+                                        </p:attrNameLst>
+                                      </p:cBhvr>
+                                      <p:to>
+                                        <p:strVal val="hidden"/>
+                                      </p:to>
+                                    </p:set>
+                                  </p:childTnLst>
+                                </p:cTn>
+                              </p:par>
+                              <p:par>
+                                <p:cTn id="28" presetID="16" presetClass="exit" presetSubtype="21" fill="hold" grpId="1" nodeType="withEffect">
+                                  <p:stCondLst>
+                                    <p:cond delay="0"/>
+                                  </p:stCondLst>
+                                  <p:childTnLst>
+                                    <p:animEffect transition="out" filter="barn(inVertical)">
+                                      <p:cBhvr>
+                                        <p:cTn id="29" dur="500"/>
+                                        <p:tgtEl>
+                                          <p:spTgt spid="6"/>
+                                        </p:tgtEl>
+                                      </p:cBhvr>
+                                    </p:animEffect>
+                                    <p:set>
+                                      <p:cBhvr>
+                                        <p:cTn id="30" dur="1" fill="hold">
+                                          <p:stCondLst>
+                                            <p:cond delay="499"/>
+                                          </p:stCondLst>
+                                        </p:cTn>
+                                        <p:tgtEl>
+                                          <p:spTgt spid="6"/>
+                                        </p:tgtEl>
+                                        <p:attrNameLst>
+                                          <p:attrName>style.visibility</p:attrName>
+                                        </p:attrNameLst>
+                                      </p:cBhvr>
+                                      <p:to>
+                                        <p:strVal val="hidden"/>
+                                      </p:to>
+                                    </p:set>
+                                  </p:childTnLst>
+                                </p:cTn>
+                              </p:par>
+                              <p:par>
+                                <p:cTn id="31" presetID="16" presetClass="exit" presetSubtype="21" fill="hold" grpId="1" nodeType="withEffect">
+                                  <p:stCondLst>
+                                    <p:cond delay="0"/>
+                                  </p:stCondLst>
+                                  <p:childTnLst>
+                                    <p:animEffect transition="out" filter="barn(inVertical)">
+                                      <p:cBhvr>
+                                        <p:cTn id="32" dur="500"/>
+                                        <p:tgtEl>
+                                          <p:spTgt spid="7"/>
+                                        </p:tgtEl>
+                                      </p:cBhvr>
+                                    </p:animEffect>
+                                    <p:set>
+                                      <p:cBhvr>
+                                        <p:cTn id="33" dur="1" fill="hold">
+                                          <p:stCondLst>
+                                            <p:cond delay="499"/>
+                                          </p:stCondLst>
+                                        </p:cTn>
+                                        <p:tgtEl>
+                                          <p:spTgt spid="7"/>
+                                        </p:tgtEl>
+                                        <p:attrNameLst>
+                                          <p:attrName>style.visibility</p:attrName>
+                                        </p:attrNameLst>
+                                      </p:cBhvr>
+                                      <p:to>
+                                        <p:strVal val="hidden"/>
+                                      </p:to>
+                                    </p:set>
+                                  </p:childTnLst>
+                                </p:cTn>
+                              </p:par>
+                              <p:par>
+                                <p:cTn id="34" presetID="16" presetClass="exit" presetSubtype="21" fill="hold" grpId="1" nodeType="withEffect">
+                                  <p:stCondLst>
+                                    <p:cond delay="0"/>
+                                  </p:stCondLst>
+                                  <p:childTnLst>
+                                    <p:animEffect transition="out" filter="barn(inVertical)">
+                                      <p:cBhvr>
+                                        <p:cTn id="35" dur="500"/>
+                                        <p:tgtEl>
+                                          <p:spTgt spid="8"/>
+                                        </p:tgtEl>
+                                      </p:cBhvr>
+                                    </p:animEffect>
+                                    <p:set>
+                                      <p:cBhvr>
+                                        <p:cTn id="36" dur="1" fill="hold">
+                                          <p:stCondLst>
+                                            <p:cond delay="499"/>
+                                          </p:stCondLst>
+                                        </p:cTn>
+                                        <p:tgtEl>
+                                          <p:spTgt spid="8"/>
+                                        </p:tgtEl>
+                                        <p:attrNameLst>
+                                          <p:attrName>style.visibility</p:attrName>
+                                        </p:attrNameLst>
+                                      </p:cBhvr>
+                                      <p:to>
+                                        <p:strVal val="hidden"/>
+                                      </p:to>
+                                    </p:set>
+                                  </p:childTnLst>
+                                </p:cTn>
+                              </p:par>
+                            </p:childTnLst>
+                          </p:cTn>
+                        </p:par>
+                      </p:childTnLst>
+                    </p:cTn>
+                  </p:par>
+                </p:childTnLst>
+              </p:cTn>
+              <p:prevCondLst>
+                <p:cond evt="onPrev" delay="0">
+                  <p:tgtEl>
+                    <p:sldTgt/>
+                  </p:tgtEl>
+                </p:cond>
+              </p:prevCondLst>
+              <p:nextCondLst>
+                <p:cond evt="onNext" delay="0">
+                  <p:tgtEl>
+                    <p:sldTgt/>
+                  </p:tgtEl>
+                </p:cond>
+              </p:nextCondLst>
+            </p:seq>
+          </p:childTnLst>
+        </p:cTn>
+      </p:par>
+    </p:tnLst>
+    <p:bldLst>
+      <p:bldP spid="5" grpId="0" animBg="1"/>
+      <p:bldP spid="5" grpId="1" animBg="1"/>
+      <p:bldP spid="6" grpId="0" animBg="1"/>
+      <p:bldP spid="6" grpId="1" animBg="1"/>
+      <p:bldP spid="7" grpId="0" animBg="1"/>
+      <p:bldP spid="7" grpId="1" animBg="1"/>
+      <p:bldP spid="8" grpId="0" animBg="1"/>
+      <p:bldP spid="8" grpId="1" animBg="1"/>
+    </p:bldLst>
+  </p:timing>
+</p:sld>
+</file>
+
+<file path=ppt/slides/slide2.xml><?xml version="1.0" encoding="utf-8"?>
+<p:sld xmlns:a="http://schemas.openxmlformats.org/drawingml/2006/main" xmlns:r="http://schemas.openxmlformats.org/officeDocument/2006/relationships" xmlns:p="http://schemas.openxmlformats.org/presentationml/2006/main">
+  <p:cSld>
+    <p:spTree>
+      <p:nvGrpSpPr>
+        <p:cNvPr id="1" name="">
+          <a:extLst>
+            <a:ext uri="{FF2B5EF4-FFF2-40B4-BE49-F238E27FC236}">
+              <a16:creationId xmlns:a16="http://schemas.microsoft.com/office/drawing/2014/main" id="{2A17A32A-9C84-4B82-24AE-6C557952AE2F}"/>
+            </a:ext>
+          </a:extLst>
+        </p:cNvPr>
+        <p:cNvGrpSpPr/>
+        <p:nvPr/>
+      </p:nvGrpSpPr>
+      <p:grpSpPr>
+        <a:xfrm>
+          <a:off x="0" y="0"/>
+          <a:ext cx="0" cy="0"/>
+          <a:chOff x="0" y="0"/>
+          <a:chExt cx="0" cy="0"/>
+        </a:xfrm>
+      </p:grpSpPr>
+      <p:sp>
+        <p:nvSpPr>
+          <p:cNvPr id="2" name="タイトル 1">
+            <a:extLst>
+              <a:ext uri="{FF2B5EF4-FFF2-40B4-BE49-F238E27FC236}">
+                <a16:creationId xmlns:a16="http://schemas.microsoft.com/office/drawing/2014/main" id="{528697AD-1AD1-3175-8A54-378D63848163}"/>
+              </a:ext>
+            </a:extLst>
+          </p:cNvPr>
+          <p:cNvSpPr>
+            <a:spLocks noGrp="1"/>
+          </p:cNvSpPr>
+          <p:nvPr>
+            <p:ph type="ctrTitle"/>
+          </p:nvPr>
+        </p:nvSpPr>
+        <p:spPr/>
+        <p:txBody>
+          <a:bodyPr/>
+          <a:lstStyle/>
+          <a:p>
+            <a:pPr algn="ctr"/>
+            <a:r>
+              <a:rPr kumimoji="1" lang="ja-JP" altLang="en-US" dirty="0">
+                <a:latin typeface="HG丸ｺﾞｼｯｸM-PRO" panose="020F0600000000000000" pitchFamily="50" charset="-128"/>
+                <a:ea typeface="HG丸ｺﾞｼｯｸM-PRO" panose="020F0600000000000000" pitchFamily="50" charset="-128"/>
+              </a:rPr>
+              <a:t>書籍管理システム📚</a:t>
+            </a:r>
+          </a:p>
+        </p:txBody>
+      </p:sp>
+      <p:sp>
+        <p:nvSpPr>
+          <p:cNvPr id="3" name="字幕 2">
+            <a:extLst>
+              <a:ext uri="{FF2B5EF4-FFF2-40B4-BE49-F238E27FC236}">
+                <a16:creationId xmlns:a16="http://schemas.microsoft.com/office/drawing/2014/main" id="{C30CFDFE-3087-92EC-5307-D6F63930262B}"/>
+              </a:ext>
+            </a:extLst>
+          </p:cNvPr>
+          <p:cNvSpPr>
+            <a:spLocks noGrp="1"/>
+          </p:cNvSpPr>
+          <p:nvPr>
+            <p:ph type="subTitle" idx="1"/>
+          </p:nvPr>
+        </p:nvSpPr>
+        <p:spPr>
+          <a:xfrm>
+            <a:off x="1128403" y="4453700"/>
+            <a:ext cx="8637072" cy="1071095"/>
+          </a:xfrm>
+        </p:spPr>
+        <p:txBody>
+          <a:bodyPr/>
+          <a:lstStyle/>
+          <a:p>
+            <a:pPr algn="r"/>
+            <a:r>
+              <a:rPr kumimoji="1" lang="ja-JP" altLang="en-US" sz="2000" dirty="0">
+                <a:latin typeface="HG丸ｺﾞｼｯｸM-PRO" panose="020F0600000000000000" pitchFamily="50" charset="-128"/>
+                <a:ea typeface="HG丸ｺﾞｼｯｸM-PRO" panose="020F0600000000000000" pitchFamily="50" charset="-128"/>
+              </a:rPr>
+              <a:t>グループ２</a:t>
+            </a:r>
+            <a:endParaRPr kumimoji="1" lang="en-US" altLang="ja-JP" sz="2000" dirty="0">
+              <a:latin typeface="HG丸ｺﾞｼｯｸM-PRO" panose="020F0600000000000000" pitchFamily="50" charset="-128"/>
+              <a:ea typeface="HG丸ｺﾞｼｯｸM-PRO" panose="020F0600000000000000" pitchFamily="50" charset="-128"/>
+            </a:endParaRPr>
+          </a:p>
+          <a:p>
+            <a:pPr algn="r"/>
+            <a:r>
+              <a:rPr kumimoji="1" lang="ja-JP" altLang="en-US" sz="2400" dirty="0">
+                <a:latin typeface="HG丸ｺﾞｼｯｸM-PRO" panose="020F0600000000000000" pitchFamily="50" charset="-128"/>
+                <a:ea typeface="HG丸ｺﾞｼｯｸM-PRO" panose="020F0600000000000000" pitchFamily="50" charset="-128"/>
+              </a:rPr>
+              <a:t>上村・中田・中村・永森</a:t>
+            </a:r>
+          </a:p>
+        </p:txBody>
+      </p:sp>
+      <p:sp>
+        <p:nvSpPr>
+          <p:cNvPr id="4" name="スライド番号プレースホルダー 3">
+            <a:extLst>
+              <a:ext uri="{FF2B5EF4-FFF2-40B4-BE49-F238E27FC236}">
+                <a16:creationId xmlns:a16="http://schemas.microsoft.com/office/drawing/2014/main" id="{9431D492-7279-E703-51AC-D6BCAD5DC681}"/>
+              </a:ext>
+            </a:extLst>
+          </p:cNvPr>
+          <p:cNvSpPr>
+            <a:spLocks noGrp="1"/>
+          </p:cNvSpPr>
+          <p:nvPr>
+            <p:ph type="sldNum" sz="quarter" idx="12"/>
+          </p:nvPr>
+        </p:nvSpPr>
+        <p:spPr/>
+        <p:txBody>
+          <a:bodyPr/>
+          <a:lstStyle/>
+          <a:p>
+            <a:fld id="{F0E75ABD-E329-4735-B6E0-3752012DC264}" type="slidenum">
+              <a:rPr kumimoji="1" lang="ja-JP" altLang="en-US" smtClean="0"/>
               <a:t>2</a:t>
             </a:fld>
             <a:endParaRPr kumimoji="1" lang="ja-JP" altLang="en-US"/>
@@ -4800,7 +6788,7 @@
     </p:spTree>
     <p:extLst>
       <p:ext uri="{BB962C8B-B14F-4D97-AF65-F5344CB8AC3E}">
-        <p14:creationId xmlns:p14="http://schemas.microsoft.com/office/powerpoint/2010/main" val="3973152472"/>
+        <p14:creationId xmlns:p14="http://schemas.microsoft.com/office/powerpoint/2010/main" val="4018152393"/>
       </p:ext>
     </p:extLst>
   </p:cSld>
@@ -4832,6 +6820,222 @@
           <p:cNvPr id="2" name="タイトル 1">
             <a:extLst>
               <a:ext uri="{FF2B5EF4-FFF2-40B4-BE49-F238E27FC236}">
+                <a16:creationId xmlns:a16="http://schemas.microsoft.com/office/drawing/2014/main" id="{F53548DC-BFDB-42F0-96C4-8E1E8BF1929F}"/>
+              </a:ext>
+            </a:extLst>
+          </p:cNvPr>
+          <p:cNvSpPr>
+            <a:spLocks noGrp="1"/>
+          </p:cNvSpPr>
+          <p:nvPr>
+            <p:ph type="title"/>
+          </p:nvPr>
+        </p:nvSpPr>
+        <p:spPr>
+          <a:xfrm>
+            <a:off x="1130270" y="953324"/>
+            <a:ext cx="9603275" cy="615417"/>
+          </a:xfrm>
+        </p:spPr>
+        <p:txBody>
+          <a:bodyPr/>
+          <a:lstStyle/>
+          <a:p>
+            <a:r>
+              <a:rPr lang="ja-JP" altLang="en-US" dirty="0">
+                <a:latin typeface="HG丸ｺﾞｼｯｸM-PRO" panose="020F0600000000000000" pitchFamily="50" charset="-128"/>
+                <a:ea typeface="HG丸ｺﾞｼｯｸM-PRO" panose="020F0600000000000000" pitchFamily="50" charset="-128"/>
+              </a:rPr>
+              <a:t>目次</a:t>
+            </a:r>
+            <a:endParaRPr kumimoji="1" lang="ja-JP" altLang="en-US" dirty="0">
+              <a:latin typeface="HG丸ｺﾞｼｯｸM-PRO" panose="020F0600000000000000" pitchFamily="50" charset="-128"/>
+              <a:ea typeface="HG丸ｺﾞｼｯｸM-PRO" panose="020F0600000000000000" pitchFamily="50" charset="-128"/>
+            </a:endParaRPr>
+          </a:p>
+        </p:txBody>
+      </p:sp>
+      <p:sp>
+        <p:nvSpPr>
+          <p:cNvPr id="3" name="コンテンツ プレースホルダー 2">
+            <a:extLst>
+              <a:ext uri="{FF2B5EF4-FFF2-40B4-BE49-F238E27FC236}">
+                <a16:creationId xmlns:a16="http://schemas.microsoft.com/office/drawing/2014/main" id="{F7CF11B6-8AF5-456F-92F2-E2DE4FF64C3C}"/>
+              </a:ext>
+            </a:extLst>
+          </p:cNvPr>
+          <p:cNvSpPr>
+            <a:spLocks noGrp="1"/>
+          </p:cNvSpPr>
+          <p:nvPr>
+            <p:ph idx="1"/>
+          </p:nvPr>
+        </p:nvSpPr>
+        <p:spPr>
+          <a:xfrm>
+            <a:off x="1130270" y="1568740"/>
+            <a:ext cx="9603275" cy="4335935"/>
+          </a:xfrm>
+        </p:spPr>
+        <p:txBody>
+          <a:bodyPr/>
+          <a:lstStyle/>
+          <a:p>
+            <a:pPr marL="457200" indent="-457200">
+              <a:buClr>
+                <a:schemeClr val="tx2"/>
+              </a:buClr>
+              <a:buSzPct val="150000"/>
+              <a:buFont typeface="+mj-lt"/>
+              <a:buAutoNum type="arabicPeriod"/>
+            </a:pPr>
+            <a:r>
+              <a:rPr lang="ja-JP" altLang="en-US" dirty="0"/>
+              <a:t>書籍管理システムについて</a:t>
+            </a:r>
+            <a:endParaRPr lang="en-US" altLang="ja-JP" dirty="0"/>
+          </a:p>
+          <a:p>
+            <a:pPr marL="457200" indent="-457200">
+              <a:buClr>
+                <a:schemeClr val="tx2"/>
+              </a:buClr>
+              <a:buSzPct val="150000"/>
+              <a:buFont typeface="+mj-lt"/>
+              <a:buAutoNum type="arabicPeriod"/>
+            </a:pPr>
+            <a:r>
+              <a:rPr lang="ja-JP" altLang="en-US" dirty="0"/>
+              <a:t>データベース</a:t>
+            </a:r>
+            <a:endParaRPr lang="en-US" altLang="ja-JP" dirty="0"/>
+          </a:p>
+          <a:p>
+            <a:pPr marL="457200" indent="-457200">
+              <a:buClr>
+                <a:schemeClr val="tx2"/>
+              </a:buClr>
+              <a:buSzPct val="150000"/>
+              <a:buFont typeface="+mj-lt"/>
+              <a:buAutoNum type="arabicPeriod"/>
+            </a:pPr>
+            <a:r>
+              <a:rPr kumimoji="1" lang="ja-JP" altLang="en-US" dirty="0"/>
+              <a:t>画面構成</a:t>
+            </a:r>
+            <a:endParaRPr kumimoji="1" lang="en-US" altLang="ja-JP" dirty="0"/>
+          </a:p>
+          <a:p>
+            <a:pPr marL="457200" indent="-457200">
+              <a:buClr>
+                <a:schemeClr val="tx2"/>
+              </a:buClr>
+              <a:buSzPct val="150000"/>
+              <a:buFont typeface="+mj-lt"/>
+              <a:buAutoNum type="arabicPeriod"/>
+            </a:pPr>
+            <a:r>
+              <a:rPr kumimoji="1" lang="ja-JP" altLang="en-US" dirty="0"/>
+              <a:t>デモンストレーション</a:t>
+            </a:r>
+            <a:endParaRPr kumimoji="1" lang="en-US" altLang="ja-JP" dirty="0"/>
+          </a:p>
+          <a:p>
+            <a:pPr marL="457200" indent="-457200">
+              <a:buClr>
+                <a:schemeClr val="tx2"/>
+              </a:buClr>
+              <a:buSzPct val="150000"/>
+              <a:buFont typeface="+mj-lt"/>
+              <a:buAutoNum type="arabicPeriod"/>
+            </a:pPr>
+            <a:r>
+              <a:rPr kumimoji="1" lang="ja-JP" altLang="en-US" dirty="0"/>
+              <a:t>開発効率の</a:t>
+            </a:r>
+            <a:r>
+              <a:rPr lang="en-US" altLang="ja-JP" dirty="0"/>
+              <a:t>tips</a:t>
+            </a:r>
+            <a:endParaRPr kumimoji="1" lang="en-US" altLang="ja-JP" dirty="0"/>
+          </a:p>
+          <a:p>
+            <a:pPr marL="457200" indent="-457200">
+              <a:buClr>
+                <a:schemeClr val="tx2"/>
+              </a:buClr>
+              <a:buSzPct val="150000"/>
+              <a:buFont typeface="+mj-lt"/>
+              <a:buAutoNum type="arabicPeriod"/>
+            </a:pPr>
+            <a:endParaRPr kumimoji="1" lang="ja-JP" altLang="en-US" dirty="0"/>
+          </a:p>
+        </p:txBody>
+      </p:sp>
+      <p:sp>
+        <p:nvSpPr>
+          <p:cNvPr id="4" name="スライド番号プレースホルダー 3">
+            <a:extLst>
+              <a:ext uri="{FF2B5EF4-FFF2-40B4-BE49-F238E27FC236}">
+                <a16:creationId xmlns:a16="http://schemas.microsoft.com/office/drawing/2014/main" id="{0EA25BE7-383C-47F2-A805-51C758797E00}"/>
+              </a:ext>
+            </a:extLst>
+          </p:cNvPr>
+          <p:cNvSpPr>
+            <a:spLocks noGrp="1"/>
+          </p:cNvSpPr>
+          <p:nvPr>
+            <p:ph type="sldNum" sz="quarter" idx="12"/>
+          </p:nvPr>
+        </p:nvSpPr>
+        <p:spPr/>
+        <p:txBody>
+          <a:bodyPr/>
+          <a:lstStyle/>
+          <a:p>
+            <a:fld id="{F0E75ABD-E329-4735-B6E0-3752012DC264}" type="slidenum">
+              <a:rPr kumimoji="1" lang="ja-JP" altLang="en-US" smtClean="0"/>
+              <a:t>3</a:t>
+            </a:fld>
+            <a:endParaRPr kumimoji="1" lang="ja-JP" altLang="en-US"/>
+          </a:p>
+        </p:txBody>
+      </p:sp>
+    </p:spTree>
+    <p:extLst>
+      <p:ext uri="{BB962C8B-B14F-4D97-AF65-F5344CB8AC3E}">
+        <p14:creationId xmlns:p14="http://schemas.microsoft.com/office/powerpoint/2010/main" val="3973152472"/>
+      </p:ext>
+    </p:extLst>
+  </p:cSld>
+  <p:clrMapOvr>
+    <a:masterClrMapping/>
+  </p:clrMapOvr>
+</p:sld>
+</file>
+
+<file path=ppt/slides/slide4.xml><?xml version="1.0" encoding="utf-8"?>
+<p:sld xmlns:a="http://schemas.openxmlformats.org/drawingml/2006/main" xmlns:r="http://schemas.openxmlformats.org/officeDocument/2006/relationships" xmlns:p="http://schemas.openxmlformats.org/presentationml/2006/main">
+  <p:cSld>
+    <p:spTree>
+      <p:nvGrpSpPr>
+        <p:cNvPr id="1" name=""/>
+        <p:cNvGrpSpPr/>
+        <p:nvPr/>
+      </p:nvGrpSpPr>
+      <p:grpSpPr>
+        <a:xfrm>
+          <a:off x="0" y="0"/>
+          <a:ext cx="0" cy="0"/>
+          <a:chOff x="0" y="0"/>
+          <a:chExt cx="0" cy="0"/>
+        </a:xfrm>
+      </p:grpSpPr>
+      <p:sp>
+        <p:nvSpPr>
+          <p:cNvPr id="2" name="タイトル 1">
+            <a:extLst>
+              <a:ext uri="{FF2B5EF4-FFF2-40B4-BE49-F238E27FC236}">
                 <a16:creationId xmlns:a16="http://schemas.microsoft.com/office/drawing/2014/main" id="{33E3A52C-030E-4AF5-9700-82655DC9BEF4}"/>
               </a:ext>
             </a:extLst>
@@ -4941,7 +7145,7 @@
             </a:pPr>
             <a:r>
               <a:rPr lang="ja-JP" altLang="en-US" dirty="0"/>
-              <a:t>・ 「おすすめ度」と「コメント」の変更は入力した社員のみ行える</a:t>
+              <a:t>・ 「おすすめ度」と「コメント」は入力した社員のみ変更できる</a:t>
             </a:r>
             <a:endParaRPr lang="en-US" altLang="ja-JP" dirty="0"/>
           </a:p>
@@ -5045,7 +7249,7 @@
           <a:p>
             <a:fld id="{F0E75ABD-E329-4735-B6E0-3752012DC264}" type="slidenum">
               <a:rPr kumimoji="1" lang="ja-JP" altLang="en-US" smtClean="0"/>
-              <a:t>3</a:t>
+              <a:t>4</a:t>
             </a:fld>
             <a:endParaRPr kumimoji="1" lang="ja-JP" altLang="en-US"/>
           </a:p>
@@ -5064,7 +7268,7 @@
 </p:sld>
 </file>
 
-<file path=ppt/slides/slide4.xml><?xml version="1.0" encoding="utf-8"?>
+<file path=ppt/slides/slide5.xml><?xml version="1.0" encoding="utf-8"?>
 <p:sld xmlns:a="http://schemas.openxmlformats.org/drawingml/2006/main" xmlns:r="http://schemas.openxmlformats.org/officeDocument/2006/relationships" xmlns:p="http://schemas.openxmlformats.org/presentationml/2006/main">
   <p:cSld>
     <p:spTree>
@@ -5256,7 +7460,7 @@
           <a:p>
             <a:fld id="{F0E75ABD-E329-4735-B6E0-3752012DC264}" type="slidenum">
               <a:rPr kumimoji="1" lang="ja-JP" altLang="en-US" smtClean="0"/>
-              <a:t>4</a:t>
+              <a:t>5</a:t>
             </a:fld>
             <a:endParaRPr kumimoji="1" lang="ja-JP" altLang="en-US"/>
           </a:p>
@@ -5275,7 +7479,7 @@
 </p:sld>
 </file>
 
-<file path=ppt/slides/slide5.xml><?xml version="1.0" encoding="utf-8"?>
+<file path=ppt/slides/slide6.xml><?xml version="1.0" encoding="utf-8"?>
 <p:sld xmlns:a="http://schemas.openxmlformats.org/drawingml/2006/main" xmlns:r="http://schemas.openxmlformats.org/officeDocument/2006/relationships" xmlns:p="http://schemas.openxmlformats.org/presentationml/2006/main">
   <p:cSld>
     <p:spTree>
@@ -5419,7 +7623,7 @@
           <a:p>
             <a:fld id="{F0E75ABD-E329-4735-B6E0-3752012DC264}" type="slidenum">
               <a:rPr kumimoji="1" lang="ja-JP" altLang="en-US" smtClean="0"/>
-              <a:t>5</a:t>
+              <a:t>6</a:t>
             </a:fld>
             <a:endParaRPr kumimoji="1" lang="ja-JP" altLang="en-US"/>
           </a:p>
@@ -5438,7 +7642,7 @@
 </p:sld>
 </file>
 
-<file path=ppt/slides/slide6.xml><?xml version="1.0" encoding="utf-8"?>
+<file path=ppt/slides/slide7.xml><?xml version="1.0" encoding="utf-8"?>
 <p:sld xmlns:a="http://schemas.openxmlformats.org/drawingml/2006/main" xmlns:r="http://schemas.openxmlformats.org/officeDocument/2006/relationships" xmlns:p="http://schemas.openxmlformats.org/presentationml/2006/main">
   <p:cSld>
     <p:spTree>
@@ -5534,7 +7738,7 @@
           <a:p>
             <a:fld id="{F0E75ABD-E329-4735-B6E0-3752012DC264}" type="slidenum">
               <a:rPr kumimoji="1" lang="ja-JP" altLang="en-US" smtClean="0"/>
-              <a:t>6</a:t>
+              <a:t>7</a:t>
             </a:fld>
             <a:endParaRPr kumimoji="1" lang="ja-JP" altLang="en-US"/>
           </a:p>
@@ -5550,6 +7754,2881 @@
   <p:clrMapOvr>
     <a:masterClrMapping/>
   </p:clrMapOvr>
+</p:sld>
+</file>
+
+<file path=ppt/slides/slide8.xml><?xml version="1.0" encoding="utf-8"?>
+<p:sld xmlns:a="http://schemas.openxmlformats.org/drawingml/2006/main" xmlns:r="http://schemas.openxmlformats.org/officeDocument/2006/relationships" xmlns:p="http://schemas.openxmlformats.org/presentationml/2006/main">
+  <p:cSld>
+    <p:spTree>
+      <p:nvGrpSpPr>
+        <p:cNvPr id="1" name=""/>
+        <p:cNvGrpSpPr/>
+        <p:nvPr/>
+      </p:nvGrpSpPr>
+      <p:grpSpPr>
+        <a:xfrm>
+          <a:off x="0" y="0"/>
+          <a:ext cx="0" cy="0"/>
+          <a:chOff x="0" y="0"/>
+          <a:chExt cx="0" cy="0"/>
+        </a:xfrm>
+      </p:grpSpPr>
+      <p:sp>
+        <p:nvSpPr>
+          <p:cNvPr id="2" name="タイトル 1">
+            <a:extLst>
+              <a:ext uri="{FF2B5EF4-FFF2-40B4-BE49-F238E27FC236}">
+                <a16:creationId xmlns:a16="http://schemas.microsoft.com/office/drawing/2014/main" id="{A36EB1DE-CB46-46E7-89E0-E0A9C5F0541E}"/>
+              </a:ext>
+            </a:extLst>
+          </p:cNvPr>
+          <p:cNvSpPr>
+            <a:spLocks noGrp="1"/>
+          </p:cNvSpPr>
+          <p:nvPr>
+            <p:ph type="ctrTitle"/>
+          </p:nvPr>
+        </p:nvSpPr>
+        <p:spPr>
+          <a:xfrm>
+            <a:off x="1175111" y="945913"/>
+            <a:ext cx="9560300" cy="2618554"/>
+          </a:xfrm>
+        </p:spPr>
+        <p:txBody>
+          <a:bodyPr>
+            <a:normAutofit/>
+          </a:bodyPr>
+          <a:lstStyle/>
+          <a:p>
+            <a:pPr algn="ctr"/>
+            <a:r>
+              <a:rPr lang="ja-JP" altLang="en-US" sz="6000" dirty="0"/>
+              <a:t>バックエンド技術について</a:t>
+            </a:r>
+            <a:endParaRPr kumimoji="1" lang="ja-JP" altLang="en-US" sz="6000" dirty="0">
+              <a:latin typeface="HG丸ｺﾞｼｯｸM-PRO" panose="020F0600000000000000" pitchFamily="50" charset="-128"/>
+              <a:ea typeface="HG丸ｺﾞｼｯｸM-PRO" panose="020F0600000000000000" pitchFamily="50" charset="-128"/>
+            </a:endParaRPr>
+          </a:p>
+        </p:txBody>
+      </p:sp>
+      <p:sp>
+        <p:nvSpPr>
+          <p:cNvPr id="3" name="字幕 2">
+            <a:extLst>
+              <a:ext uri="{FF2B5EF4-FFF2-40B4-BE49-F238E27FC236}">
+                <a16:creationId xmlns:a16="http://schemas.microsoft.com/office/drawing/2014/main" id="{72D5286E-F29B-4109-9356-E513C3FB99DF}"/>
+              </a:ext>
+            </a:extLst>
+          </p:cNvPr>
+          <p:cNvSpPr>
+            <a:spLocks noGrp="1"/>
+          </p:cNvSpPr>
+          <p:nvPr>
+            <p:ph type="subTitle" idx="1"/>
+          </p:nvPr>
+        </p:nvSpPr>
+        <p:spPr>
+          <a:xfrm>
+            <a:off x="1128403" y="4453700"/>
+            <a:ext cx="8637072" cy="1071095"/>
+          </a:xfrm>
+        </p:spPr>
+        <p:txBody>
+          <a:bodyPr/>
+          <a:lstStyle/>
+          <a:p>
+            <a:pPr algn="r"/>
+            <a:r>
+              <a:rPr kumimoji="1" lang="ja-JP" altLang="en-US" sz="2000" dirty="0">
+                <a:latin typeface="HG丸ｺﾞｼｯｸM-PRO" panose="020F0600000000000000" pitchFamily="50" charset="-128"/>
+                <a:ea typeface="HG丸ｺﾞｼｯｸM-PRO" panose="020F0600000000000000" pitchFamily="50" charset="-128"/>
+              </a:rPr>
+              <a:t>グループ２</a:t>
+            </a:r>
+            <a:endParaRPr kumimoji="1" lang="en-US" altLang="ja-JP" sz="2000" dirty="0">
+              <a:latin typeface="HG丸ｺﾞｼｯｸM-PRO" panose="020F0600000000000000" pitchFamily="50" charset="-128"/>
+              <a:ea typeface="HG丸ｺﾞｼｯｸM-PRO" panose="020F0600000000000000" pitchFamily="50" charset="-128"/>
+            </a:endParaRPr>
+          </a:p>
+          <a:p>
+            <a:pPr algn="r"/>
+            <a:r>
+              <a:rPr kumimoji="1" lang="ja-JP" altLang="en-US" sz="2400" dirty="0">
+                <a:latin typeface="HG丸ｺﾞｼｯｸM-PRO" panose="020F0600000000000000" pitchFamily="50" charset="-128"/>
+                <a:ea typeface="HG丸ｺﾞｼｯｸM-PRO" panose="020F0600000000000000" pitchFamily="50" charset="-128"/>
+              </a:rPr>
+              <a:t>上村・中田・中村・永森</a:t>
+            </a:r>
+          </a:p>
+        </p:txBody>
+      </p:sp>
+      <p:sp>
+        <p:nvSpPr>
+          <p:cNvPr id="4" name="スライド番号プレースホルダー 3">
+            <a:extLst>
+              <a:ext uri="{FF2B5EF4-FFF2-40B4-BE49-F238E27FC236}">
+                <a16:creationId xmlns:a16="http://schemas.microsoft.com/office/drawing/2014/main" id="{0AA5DBAB-23BA-413F-A190-5666F600B0AC}"/>
+              </a:ext>
+            </a:extLst>
+          </p:cNvPr>
+          <p:cNvSpPr>
+            <a:spLocks noGrp="1"/>
+          </p:cNvSpPr>
+          <p:nvPr>
+            <p:ph type="sldNum" sz="quarter" idx="12"/>
+          </p:nvPr>
+        </p:nvSpPr>
+        <p:spPr/>
+        <p:txBody>
+          <a:bodyPr/>
+          <a:lstStyle/>
+          <a:p>
+            <a:fld id="{F0E75ABD-E329-4735-B6E0-3752012DC264}" type="slidenum">
+              <a:rPr kumimoji="1" lang="ja-JP" altLang="en-US" smtClean="0"/>
+              <a:t>8</a:t>
+            </a:fld>
+            <a:endParaRPr kumimoji="1" lang="ja-JP" altLang="en-US"/>
+          </a:p>
+        </p:txBody>
+      </p:sp>
+    </p:spTree>
+    <p:extLst>
+      <p:ext uri="{BB962C8B-B14F-4D97-AF65-F5344CB8AC3E}">
+        <p14:creationId xmlns:p14="http://schemas.microsoft.com/office/powerpoint/2010/main" val="3984249382"/>
+      </p:ext>
+    </p:extLst>
+  </p:cSld>
+  <p:clrMapOvr>
+    <a:masterClrMapping/>
+  </p:clrMapOvr>
+</p:sld>
+</file>
+
+<file path=ppt/slides/slide9.xml><?xml version="1.0" encoding="utf-8"?>
+<p:sld xmlns:a="http://schemas.openxmlformats.org/drawingml/2006/main" xmlns:r="http://schemas.openxmlformats.org/officeDocument/2006/relationships" xmlns:p="http://schemas.openxmlformats.org/presentationml/2006/main">
+  <p:cSld>
+    <p:spTree>
+      <p:nvGrpSpPr>
+        <p:cNvPr id="1" name=""/>
+        <p:cNvGrpSpPr/>
+        <p:nvPr/>
+      </p:nvGrpSpPr>
+      <p:grpSpPr>
+        <a:xfrm>
+          <a:off x="0" y="0"/>
+          <a:ext cx="0" cy="0"/>
+          <a:chOff x="0" y="0"/>
+          <a:chExt cx="0" cy="0"/>
+        </a:xfrm>
+      </p:grpSpPr>
+      <p:sp>
+        <p:nvSpPr>
+          <p:cNvPr id="2" name="タイトル 1">
+            <a:extLst>
+              <a:ext uri="{FF2B5EF4-FFF2-40B4-BE49-F238E27FC236}">
+                <a16:creationId xmlns:a16="http://schemas.microsoft.com/office/drawing/2014/main" id="{508A76C2-EDBD-E473-AD32-F45257531DD1}"/>
+              </a:ext>
+            </a:extLst>
+          </p:cNvPr>
+          <p:cNvSpPr>
+            <a:spLocks noGrp="1"/>
+          </p:cNvSpPr>
+          <p:nvPr>
+            <p:ph type="title"/>
+          </p:nvPr>
+        </p:nvSpPr>
+        <p:spPr/>
+        <p:txBody>
+          <a:bodyPr/>
+          <a:lstStyle/>
+          <a:p>
+            <a:r>
+              <a:rPr kumimoji="1" lang="ja-JP" altLang="en-US" dirty="0"/>
+              <a:t>使用した技術</a:t>
+            </a:r>
+          </a:p>
+        </p:txBody>
+      </p:sp>
+      <p:sp>
+        <p:nvSpPr>
+          <p:cNvPr id="3" name="コンテンツ プレースホルダー 2">
+            <a:extLst>
+              <a:ext uri="{FF2B5EF4-FFF2-40B4-BE49-F238E27FC236}">
+                <a16:creationId xmlns:a16="http://schemas.microsoft.com/office/drawing/2014/main" id="{0C68A641-A356-10E6-FB13-48D7563B5D85}"/>
+              </a:ext>
+            </a:extLst>
+          </p:cNvPr>
+          <p:cNvSpPr>
+            <a:spLocks noGrp="1"/>
+          </p:cNvSpPr>
+          <p:nvPr>
+            <p:ph idx="1"/>
+          </p:nvPr>
+        </p:nvSpPr>
+        <p:spPr>
+          <a:xfrm>
+            <a:off x="1130270" y="1733832"/>
+            <a:ext cx="9603275" cy="4250938"/>
+          </a:xfrm>
+        </p:spPr>
+        <p:txBody>
+          <a:bodyPr>
+            <a:normAutofit/>
+          </a:bodyPr>
+          <a:lstStyle/>
+          <a:p>
+            <a:pPr marL="0" indent="0">
+              <a:buNone/>
+            </a:pPr>
+            <a:r>
+              <a:rPr lang="ja-JP" altLang="en-US" dirty="0"/>
+              <a:t>＜フロントエンド＞</a:t>
+            </a:r>
+            <a:br>
+              <a:rPr lang="en-US" altLang="ja-JP" dirty="0"/>
+            </a:br>
+            <a:r>
+              <a:rPr lang="ja-JP" altLang="en-US" dirty="0"/>
+              <a:t>　</a:t>
+            </a:r>
+            <a:r>
+              <a:rPr lang="en-US" altLang="ja-JP" dirty="0"/>
+              <a:t>HTML/CSS, JavaScript, Bootstrap</a:t>
+            </a:r>
+          </a:p>
+          <a:p>
+            <a:pPr marL="0" indent="0">
+              <a:buNone/>
+            </a:pPr>
+            <a:r>
+              <a:rPr lang="ja-JP" altLang="en-US" dirty="0"/>
+              <a:t>＜バックエンド＞</a:t>
+            </a:r>
+            <a:br>
+              <a:rPr lang="en-US" altLang="ja-JP" dirty="0"/>
+            </a:br>
+            <a:r>
+              <a:rPr lang="ja-JP" altLang="en-US" dirty="0"/>
+              <a:t>　</a:t>
+            </a:r>
+            <a:r>
+              <a:rPr lang="en-US" altLang="ja-JP" dirty="0"/>
+              <a:t>PHP</a:t>
+            </a:r>
+            <a:r>
+              <a:rPr lang="ja-JP" altLang="en-US" dirty="0"/>
+              <a:t>（</a:t>
+            </a:r>
+            <a:r>
+              <a:rPr lang="en-US" altLang="ja-JP" dirty="0"/>
+              <a:t>Laravel</a:t>
+            </a:r>
+            <a:r>
+              <a:rPr lang="ja-JP" altLang="en-US" dirty="0"/>
+              <a:t>）</a:t>
+            </a:r>
+            <a:endParaRPr lang="en-US" altLang="ja-JP" dirty="0"/>
+          </a:p>
+          <a:p>
+            <a:pPr marL="0" indent="0">
+              <a:buNone/>
+            </a:pPr>
+            <a:r>
+              <a:rPr lang="ja-JP" altLang="en-US" dirty="0"/>
+              <a:t>＜データベース＞</a:t>
+            </a:r>
+            <a:br>
+              <a:rPr lang="en-US" altLang="ja-JP" dirty="0"/>
+            </a:br>
+            <a:r>
+              <a:rPr lang="ja-JP" altLang="en-US" dirty="0"/>
+              <a:t>　</a:t>
+            </a:r>
+            <a:r>
+              <a:rPr lang="en-US" altLang="ja-JP" dirty="0"/>
+              <a:t>MySQL</a:t>
+            </a:r>
+          </a:p>
+          <a:p>
+            <a:pPr marL="0" indent="0">
+              <a:buNone/>
+            </a:pPr>
+            <a:r>
+              <a:rPr lang="ja-JP" altLang="en-US" dirty="0"/>
+              <a:t>＜</a:t>
+            </a:r>
+            <a:r>
+              <a:rPr lang="en-US" altLang="ja-JP" dirty="0"/>
+              <a:t>API</a:t>
+            </a:r>
+            <a:r>
+              <a:rPr lang="ja-JP" altLang="en-US" dirty="0"/>
+              <a:t>＞</a:t>
+            </a:r>
+            <a:br>
+              <a:rPr lang="en-US" altLang="ja-JP" dirty="0"/>
+            </a:br>
+            <a:r>
+              <a:rPr lang="ja-JP" altLang="en-US" dirty="0"/>
+              <a:t>　</a:t>
+            </a:r>
+            <a:r>
+              <a:rPr lang="en-US" altLang="ja-JP" dirty="0" err="1"/>
+              <a:t>openBD</a:t>
+            </a:r>
+            <a:r>
+              <a:rPr lang="en-US" altLang="ja-JP" dirty="0"/>
+              <a:t> API</a:t>
+            </a:r>
+          </a:p>
+          <a:p>
+            <a:pPr marL="0" indent="0">
+              <a:buNone/>
+            </a:pPr>
+            <a:r>
+              <a:rPr lang="ja-JP" altLang="en-US" dirty="0"/>
+              <a:t>＜</a:t>
+            </a:r>
+            <a:r>
+              <a:rPr lang="en-US" altLang="ja-JP" dirty="0"/>
+              <a:t>IDE</a:t>
+            </a:r>
+            <a:r>
+              <a:rPr lang="ja-JP" altLang="en-US" dirty="0"/>
+              <a:t>（統合開発環境）＞</a:t>
+            </a:r>
+            <a:br>
+              <a:rPr lang="en-US" altLang="ja-JP" dirty="0"/>
+            </a:br>
+            <a:r>
+              <a:rPr lang="ja-JP" altLang="en-US" dirty="0"/>
+              <a:t>　</a:t>
+            </a:r>
+            <a:r>
+              <a:rPr lang="en-US" altLang="ja-JP" dirty="0" err="1"/>
+              <a:t>VSCode</a:t>
+            </a:r>
+            <a:endParaRPr lang="en-US" altLang="ja-JP" dirty="0"/>
+          </a:p>
+        </p:txBody>
+      </p:sp>
+      <p:sp>
+        <p:nvSpPr>
+          <p:cNvPr id="4" name="スライド番号プレースホルダー 3">
+            <a:extLst>
+              <a:ext uri="{FF2B5EF4-FFF2-40B4-BE49-F238E27FC236}">
+                <a16:creationId xmlns:a16="http://schemas.microsoft.com/office/drawing/2014/main" id="{15FD52AF-F131-D628-525E-9E18EFD2024B}"/>
+              </a:ext>
+            </a:extLst>
+          </p:cNvPr>
+          <p:cNvSpPr>
+            <a:spLocks noGrp="1"/>
+          </p:cNvSpPr>
+          <p:nvPr>
+            <p:ph type="sldNum" sz="quarter" idx="12"/>
+          </p:nvPr>
+        </p:nvSpPr>
+        <p:spPr/>
+        <p:txBody>
+          <a:bodyPr/>
+          <a:lstStyle/>
+          <a:p>
+            <a:fld id="{F0E75ABD-E329-4735-B6E0-3752012DC264}" type="slidenum">
+              <a:rPr kumimoji="1" lang="ja-JP" altLang="en-US" smtClean="0"/>
+              <a:t>9</a:t>
+            </a:fld>
+            <a:endParaRPr kumimoji="1" lang="ja-JP" altLang="en-US"/>
+          </a:p>
+        </p:txBody>
+      </p:sp>
+      <p:pic>
+        <p:nvPicPr>
+          <p:cNvPr id="7" name="図 6">
+            <a:extLst>
+              <a:ext uri="{FF2B5EF4-FFF2-40B4-BE49-F238E27FC236}">
+                <a16:creationId xmlns:a16="http://schemas.microsoft.com/office/drawing/2014/main" id="{23FC32C3-0DE3-C6C2-768F-F299337C3E94}"/>
+              </a:ext>
+            </a:extLst>
+          </p:cNvPr>
+          <p:cNvPicPr>
+            <a:picLocks noChangeAspect="1"/>
+          </p:cNvPicPr>
+          <p:nvPr/>
+        </p:nvPicPr>
+        <p:blipFill>
+          <a:blip r:embed="rId2"/>
+          <a:stretch>
+            <a:fillRect/>
+          </a:stretch>
+        </p:blipFill>
+        <p:spPr>
+          <a:xfrm>
+            <a:off x="5286972" y="2831277"/>
+            <a:ext cx="1107558" cy="1107558"/>
+          </a:xfrm>
+          <a:prstGeom prst="rect">
+            <a:avLst/>
+          </a:prstGeom>
+        </p:spPr>
+      </p:pic>
+      <p:pic>
+        <p:nvPicPr>
+          <p:cNvPr id="10" name="図 9">
+            <a:extLst>
+              <a:ext uri="{FF2B5EF4-FFF2-40B4-BE49-F238E27FC236}">
+                <a16:creationId xmlns:a16="http://schemas.microsoft.com/office/drawing/2014/main" id="{3FB86E38-461D-0BD5-8724-9F19CB8C022F}"/>
+              </a:ext>
+            </a:extLst>
+          </p:cNvPr>
+          <p:cNvPicPr>
+            <a:picLocks noChangeAspect="1"/>
+          </p:cNvPicPr>
+          <p:nvPr/>
+        </p:nvPicPr>
+        <p:blipFill>
+          <a:blip r:embed="rId3"/>
+          <a:stretch>
+            <a:fillRect/>
+          </a:stretch>
+        </p:blipFill>
+        <p:spPr>
+          <a:xfrm>
+            <a:off x="6731827" y="2831277"/>
+            <a:ext cx="1107558" cy="1107558"/>
+          </a:xfrm>
+          <a:prstGeom prst="rect">
+            <a:avLst/>
+          </a:prstGeom>
+        </p:spPr>
+      </p:pic>
+      <p:pic>
+        <p:nvPicPr>
+          <p:cNvPr id="12" name="図 11">
+            <a:extLst>
+              <a:ext uri="{FF2B5EF4-FFF2-40B4-BE49-F238E27FC236}">
+                <a16:creationId xmlns:a16="http://schemas.microsoft.com/office/drawing/2014/main" id="{1CD7E76A-3FB8-7B66-4AE3-F929A84BD969}"/>
+              </a:ext>
+            </a:extLst>
+          </p:cNvPr>
+          <p:cNvPicPr>
+            <a:picLocks noChangeAspect="1"/>
+          </p:cNvPicPr>
+          <p:nvPr/>
+        </p:nvPicPr>
+        <p:blipFill>
+          <a:blip r:embed="rId4"/>
+          <a:stretch>
+            <a:fillRect/>
+          </a:stretch>
+        </p:blipFill>
+        <p:spPr>
+          <a:xfrm>
+            <a:off x="8176682" y="2831277"/>
+            <a:ext cx="1107558" cy="1107558"/>
+          </a:xfrm>
+          <a:prstGeom prst="rect">
+            <a:avLst/>
+          </a:prstGeom>
+        </p:spPr>
+      </p:pic>
+      <p:pic>
+        <p:nvPicPr>
+          <p:cNvPr id="14" name="図 13">
+            <a:extLst>
+              <a:ext uri="{FF2B5EF4-FFF2-40B4-BE49-F238E27FC236}">
+                <a16:creationId xmlns:a16="http://schemas.microsoft.com/office/drawing/2014/main" id="{89270A5D-BD8B-C7BD-6B72-C3A59AE1011B}"/>
+              </a:ext>
+            </a:extLst>
+          </p:cNvPr>
+          <p:cNvPicPr>
+            <a:picLocks noChangeAspect="1"/>
+          </p:cNvPicPr>
+          <p:nvPr/>
+        </p:nvPicPr>
+        <p:blipFill>
+          <a:blip r:embed="rId5"/>
+          <a:stretch>
+            <a:fillRect/>
+          </a:stretch>
+        </p:blipFill>
+        <p:spPr>
+          <a:xfrm>
+            <a:off x="9621537" y="2831277"/>
+            <a:ext cx="1107558" cy="1107558"/>
+          </a:xfrm>
+          <a:prstGeom prst="rect">
+            <a:avLst/>
+          </a:prstGeom>
+        </p:spPr>
+      </p:pic>
+      <p:pic>
+        <p:nvPicPr>
+          <p:cNvPr id="16" name="図 15">
+            <a:extLst>
+              <a:ext uri="{FF2B5EF4-FFF2-40B4-BE49-F238E27FC236}">
+                <a16:creationId xmlns:a16="http://schemas.microsoft.com/office/drawing/2014/main" id="{49545AD4-863D-0B86-5C0B-D708A084B72E}"/>
+              </a:ext>
+            </a:extLst>
+          </p:cNvPr>
+          <p:cNvPicPr>
+            <a:picLocks noChangeAspect="1"/>
+          </p:cNvPicPr>
+          <p:nvPr/>
+        </p:nvPicPr>
+        <p:blipFill>
+          <a:blip r:embed="rId6"/>
+          <a:stretch>
+            <a:fillRect/>
+          </a:stretch>
+        </p:blipFill>
+        <p:spPr>
+          <a:xfrm>
+            <a:off x="5286972" y="4340271"/>
+            <a:ext cx="1107558" cy="1107558"/>
+          </a:xfrm>
+          <a:prstGeom prst="rect">
+            <a:avLst/>
+          </a:prstGeom>
+        </p:spPr>
+      </p:pic>
+      <p:pic>
+        <p:nvPicPr>
+          <p:cNvPr id="18" name="図 17">
+            <a:extLst>
+              <a:ext uri="{FF2B5EF4-FFF2-40B4-BE49-F238E27FC236}">
+                <a16:creationId xmlns:a16="http://schemas.microsoft.com/office/drawing/2014/main" id="{CF9C6FDE-B7B5-27E5-7422-635ECB7594B7}"/>
+              </a:ext>
+            </a:extLst>
+          </p:cNvPr>
+          <p:cNvPicPr>
+            <a:picLocks noChangeAspect="1"/>
+          </p:cNvPicPr>
+          <p:nvPr/>
+        </p:nvPicPr>
+        <p:blipFill>
+          <a:blip r:embed="rId7"/>
+          <a:stretch>
+            <a:fillRect/>
+          </a:stretch>
+        </p:blipFill>
+        <p:spPr>
+          <a:xfrm>
+            <a:off x="6731827" y="4340271"/>
+            <a:ext cx="1107558" cy="1107558"/>
+          </a:xfrm>
+          <a:prstGeom prst="rect">
+            <a:avLst/>
+          </a:prstGeom>
+        </p:spPr>
+      </p:pic>
+      <p:pic>
+        <p:nvPicPr>
+          <p:cNvPr id="20" name="図 19">
+            <a:extLst>
+              <a:ext uri="{FF2B5EF4-FFF2-40B4-BE49-F238E27FC236}">
+                <a16:creationId xmlns:a16="http://schemas.microsoft.com/office/drawing/2014/main" id="{56825D32-6D28-09C3-52AA-E9753D0BADC4}"/>
+              </a:ext>
+            </a:extLst>
+          </p:cNvPr>
+          <p:cNvPicPr>
+            <a:picLocks noChangeAspect="1"/>
+          </p:cNvPicPr>
+          <p:nvPr/>
+        </p:nvPicPr>
+        <p:blipFill>
+          <a:blip r:embed="rId8"/>
+          <a:stretch>
+            <a:fillRect/>
+          </a:stretch>
+        </p:blipFill>
+        <p:spPr>
+          <a:xfrm>
+            <a:off x="8176682" y="4340271"/>
+            <a:ext cx="1107558" cy="1107558"/>
+          </a:xfrm>
+          <a:prstGeom prst="rect">
+            <a:avLst/>
+          </a:prstGeom>
+        </p:spPr>
+      </p:pic>
+      <p:pic>
+        <p:nvPicPr>
+          <p:cNvPr id="22" name="図 21">
+            <a:extLst>
+              <a:ext uri="{FF2B5EF4-FFF2-40B4-BE49-F238E27FC236}">
+                <a16:creationId xmlns:a16="http://schemas.microsoft.com/office/drawing/2014/main" id="{47CAA28B-3F7D-F9BE-65D3-80114AB234A2}"/>
+              </a:ext>
+            </a:extLst>
+          </p:cNvPr>
+          <p:cNvPicPr>
+            <a:picLocks noChangeAspect="1"/>
+          </p:cNvPicPr>
+          <p:nvPr/>
+        </p:nvPicPr>
+        <p:blipFill>
+          <a:blip r:embed="rId9"/>
+          <a:stretch>
+            <a:fillRect/>
+          </a:stretch>
+        </p:blipFill>
+        <p:spPr>
+          <a:xfrm>
+            <a:off x="9621537" y="4340271"/>
+            <a:ext cx="1107558" cy="1107558"/>
+          </a:xfrm>
+          <a:prstGeom prst="rect">
+            <a:avLst/>
+          </a:prstGeom>
+        </p:spPr>
+      </p:pic>
+      <p:sp>
+        <p:nvSpPr>
+          <p:cNvPr id="23" name="四角形: 角を丸くする 22">
+            <a:extLst>
+              <a:ext uri="{FF2B5EF4-FFF2-40B4-BE49-F238E27FC236}">
+                <a16:creationId xmlns:a16="http://schemas.microsoft.com/office/drawing/2014/main" id="{489435B0-C47C-C546-2EBF-2A287122AB19}"/>
+              </a:ext>
+            </a:extLst>
+          </p:cNvPr>
+          <p:cNvSpPr/>
+          <p:nvPr/>
+        </p:nvSpPr>
+        <p:spPr>
+          <a:xfrm>
+            <a:off x="5196045" y="2713340"/>
+            <a:ext cx="5629412" cy="1343431"/>
+          </a:xfrm>
+          <a:prstGeom prst="roundRect">
+            <a:avLst/>
+          </a:prstGeom>
+          <a:noFill/>
+          <a:ln w="38100" cap="flat" cmpd="sng" algn="ctr">
+            <a:solidFill>
+              <a:srgbClr val="FFC000"/>
+            </a:solidFill>
+            <a:prstDash val="solid"/>
+            <a:round/>
+            <a:headEnd type="none" w="med" len="med"/>
+            <a:tailEnd type="none" w="med" len="med"/>
+          </a:ln>
+        </p:spPr>
+        <p:style>
+          <a:lnRef idx="0">
+            <a:scrgbClr r="0" g="0" b="0"/>
+          </a:lnRef>
+          <a:fillRef idx="0">
+            <a:scrgbClr r="0" g="0" b="0"/>
+          </a:fillRef>
+          <a:effectRef idx="0">
+            <a:scrgbClr r="0" g="0" b="0"/>
+          </a:effectRef>
+          <a:fontRef idx="minor">
+            <a:schemeClr val="accent3"/>
+          </a:fontRef>
+        </p:style>
+        <p:txBody>
+          <a:bodyPr rtlCol="0" anchor="ctr"/>
+          <a:lstStyle/>
+          <a:p>
+            <a:pPr algn="ctr"/>
+            <a:endParaRPr kumimoji="1" lang="ja-JP" altLang="en-US"/>
+          </a:p>
+        </p:txBody>
+      </p:sp>
+      <p:sp>
+        <p:nvSpPr>
+          <p:cNvPr id="26" name="四角形: 角を丸くする 25">
+            <a:extLst>
+              <a:ext uri="{FF2B5EF4-FFF2-40B4-BE49-F238E27FC236}">
+                <a16:creationId xmlns:a16="http://schemas.microsoft.com/office/drawing/2014/main" id="{14FD12FA-F0D6-316D-18EA-7DD523600935}"/>
+              </a:ext>
+            </a:extLst>
+          </p:cNvPr>
+          <p:cNvSpPr/>
+          <p:nvPr/>
+        </p:nvSpPr>
+        <p:spPr>
+          <a:xfrm>
+            <a:off x="5196045" y="4222334"/>
+            <a:ext cx="2730200" cy="1343431"/>
+          </a:xfrm>
+          <a:prstGeom prst="roundRect">
+            <a:avLst/>
+          </a:prstGeom>
+          <a:noFill/>
+          <a:ln w="38100" cap="flat" cmpd="sng" algn="ctr">
+            <a:solidFill>
+              <a:schemeClr val="accent2">
+                <a:lumMod val="75000"/>
+              </a:schemeClr>
+            </a:solidFill>
+            <a:prstDash val="solid"/>
+            <a:round/>
+            <a:headEnd type="none" w="med" len="med"/>
+            <a:tailEnd type="none" w="med" len="med"/>
+          </a:ln>
+        </p:spPr>
+        <p:style>
+          <a:lnRef idx="0">
+            <a:scrgbClr r="0" g="0" b="0"/>
+          </a:lnRef>
+          <a:fillRef idx="0">
+            <a:scrgbClr r="0" g="0" b="0"/>
+          </a:fillRef>
+          <a:effectRef idx="0">
+            <a:scrgbClr r="0" g="0" b="0"/>
+          </a:effectRef>
+          <a:fontRef idx="minor">
+            <a:schemeClr val="accent3"/>
+          </a:fontRef>
+        </p:style>
+        <p:txBody>
+          <a:bodyPr rtlCol="0" anchor="ctr"/>
+          <a:lstStyle/>
+          <a:p>
+            <a:pPr algn="ctr"/>
+            <a:endParaRPr kumimoji="1" lang="ja-JP" altLang="en-US"/>
+          </a:p>
+        </p:txBody>
+      </p:sp>
+      <p:sp>
+        <p:nvSpPr>
+          <p:cNvPr id="27" name="四角形: 角を丸くする 26">
+            <a:extLst>
+              <a:ext uri="{FF2B5EF4-FFF2-40B4-BE49-F238E27FC236}">
+                <a16:creationId xmlns:a16="http://schemas.microsoft.com/office/drawing/2014/main" id="{C6001276-BD88-E835-E58E-C55B7A551716}"/>
+              </a:ext>
+            </a:extLst>
+          </p:cNvPr>
+          <p:cNvSpPr/>
+          <p:nvPr/>
+        </p:nvSpPr>
+        <p:spPr>
+          <a:xfrm>
+            <a:off x="8071888" y="4222334"/>
+            <a:ext cx="1298352" cy="1343431"/>
+          </a:xfrm>
+          <a:prstGeom prst="roundRect">
+            <a:avLst/>
+          </a:prstGeom>
+          <a:noFill/>
+          <a:ln w="38100" cap="flat" cmpd="sng" algn="ctr">
+            <a:solidFill>
+              <a:schemeClr val="accent4">
+                <a:lumMod val="75000"/>
+              </a:schemeClr>
+            </a:solidFill>
+            <a:prstDash val="solid"/>
+            <a:round/>
+            <a:headEnd type="none" w="med" len="med"/>
+            <a:tailEnd type="none" w="med" len="med"/>
+          </a:ln>
+        </p:spPr>
+        <p:style>
+          <a:lnRef idx="0">
+            <a:scrgbClr r="0" g="0" b="0"/>
+          </a:lnRef>
+          <a:fillRef idx="0">
+            <a:scrgbClr r="0" g="0" b="0"/>
+          </a:fillRef>
+          <a:effectRef idx="0">
+            <a:scrgbClr r="0" g="0" b="0"/>
+          </a:effectRef>
+          <a:fontRef idx="minor">
+            <a:schemeClr val="accent3"/>
+          </a:fontRef>
+        </p:style>
+        <p:txBody>
+          <a:bodyPr rtlCol="0" anchor="ctr"/>
+          <a:lstStyle/>
+          <a:p>
+            <a:pPr algn="ctr"/>
+            <a:endParaRPr kumimoji="1" lang="ja-JP" altLang="en-US"/>
+          </a:p>
+        </p:txBody>
+      </p:sp>
+      <p:sp>
+        <p:nvSpPr>
+          <p:cNvPr id="28" name="四角形: 角を丸くする 27">
+            <a:extLst>
+              <a:ext uri="{FF2B5EF4-FFF2-40B4-BE49-F238E27FC236}">
+                <a16:creationId xmlns:a16="http://schemas.microsoft.com/office/drawing/2014/main" id="{DCAA731F-E5F6-0C90-7A09-B942374818AA}"/>
+              </a:ext>
+            </a:extLst>
+          </p:cNvPr>
+          <p:cNvSpPr/>
+          <p:nvPr/>
+        </p:nvSpPr>
+        <p:spPr>
+          <a:xfrm>
+            <a:off x="9515884" y="4222334"/>
+            <a:ext cx="1268600" cy="1343431"/>
+          </a:xfrm>
+          <a:prstGeom prst="roundRect">
+            <a:avLst/>
+          </a:prstGeom>
+          <a:noFill/>
+          <a:ln w="38100" cap="flat" cmpd="sng" algn="ctr">
+            <a:solidFill>
+              <a:schemeClr val="accent2"/>
+            </a:solidFill>
+            <a:prstDash val="solid"/>
+            <a:round/>
+            <a:headEnd type="none" w="med" len="med"/>
+            <a:tailEnd type="none" w="med" len="med"/>
+          </a:ln>
+        </p:spPr>
+        <p:style>
+          <a:lnRef idx="0">
+            <a:scrgbClr r="0" g="0" b="0"/>
+          </a:lnRef>
+          <a:fillRef idx="0">
+            <a:scrgbClr r="0" g="0" b="0"/>
+          </a:fillRef>
+          <a:effectRef idx="0">
+            <a:scrgbClr r="0" g="0" b="0"/>
+          </a:effectRef>
+          <a:fontRef idx="minor">
+            <a:schemeClr val="accent3"/>
+          </a:fontRef>
+        </p:style>
+        <p:txBody>
+          <a:bodyPr rtlCol="0" anchor="ctr"/>
+          <a:lstStyle/>
+          <a:p>
+            <a:pPr algn="ctr"/>
+            <a:endParaRPr kumimoji="1" lang="ja-JP" altLang="en-US"/>
+          </a:p>
+        </p:txBody>
+      </p:sp>
+      <p:cxnSp>
+        <p:nvCxnSpPr>
+          <p:cNvPr id="30" name="コネクタ: カギ線 29">
+            <a:extLst>
+              <a:ext uri="{FF2B5EF4-FFF2-40B4-BE49-F238E27FC236}">
+                <a16:creationId xmlns:a16="http://schemas.microsoft.com/office/drawing/2014/main" id="{D74E121F-956B-9AE7-CFF2-01B4C263F1E0}"/>
+              </a:ext>
+            </a:extLst>
+          </p:cNvPr>
+          <p:cNvCxnSpPr>
+            <a:cxnSpLocks/>
+            <a:stCxn id="60" idx="3"/>
+            <a:endCxn id="23" idx="0"/>
+          </p:cNvCxnSpPr>
+          <p:nvPr/>
+        </p:nvCxnSpPr>
+        <p:spPr>
+          <a:xfrm>
+            <a:off x="3575261" y="1968159"/>
+            <a:ext cx="4435490" cy="745181"/>
+          </a:xfrm>
+          <a:prstGeom prst="bentConnector2">
+            <a:avLst/>
+          </a:prstGeom>
+          <a:ln w="38100">
+            <a:solidFill>
+              <a:srgbClr val="FFC000"/>
+            </a:solidFill>
+            <a:tailEnd type="triangle"/>
+          </a:ln>
+        </p:spPr>
+        <p:style>
+          <a:lnRef idx="1">
+            <a:schemeClr val="accent1"/>
+          </a:lnRef>
+          <a:fillRef idx="0">
+            <a:schemeClr val="accent1"/>
+          </a:fillRef>
+          <a:effectRef idx="0">
+            <a:schemeClr val="accent1"/>
+          </a:effectRef>
+          <a:fontRef idx="minor">
+            <a:schemeClr val="tx1"/>
+          </a:fontRef>
+        </p:style>
+      </p:cxnSp>
+      <p:cxnSp>
+        <p:nvCxnSpPr>
+          <p:cNvPr id="31" name="コネクタ: カギ線 30">
+            <a:extLst>
+              <a:ext uri="{FF2B5EF4-FFF2-40B4-BE49-F238E27FC236}">
+                <a16:creationId xmlns:a16="http://schemas.microsoft.com/office/drawing/2014/main" id="{8A4810A5-74EF-F076-9A5E-D50C08064C86}"/>
+              </a:ext>
+            </a:extLst>
+          </p:cNvPr>
+          <p:cNvCxnSpPr>
+            <a:cxnSpLocks/>
+            <a:stCxn id="37" idx="3"/>
+            <a:endCxn id="26" idx="1"/>
+          </p:cNvCxnSpPr>
+          <p:nvPr/>
+        </p:nvCxnSpPr>
+        <p:spPr>
+          <a:xfrm>
+            <a:off x="3293573" y="2831277"/>
+            <a:ext cx="1902472" cy="2062773"/>
+          </a:xfrm>
+          <a:prstGeom prst="bentConnector3">
+            <a:avLst>
+              <a:gd name="adj1" fmla="val 85763"/>
+            </a:avLst>
+          </a:prstGeom>
+          <a:ln w="38100">
+            <a:solidFill>
+              <a:schemeClr val="accent2">
+                <a:lumMod val="75000"/>
+              </a:schemeClr>
+            </a:solidFill>
+            <a:tailEnd type="triangle"/>
+          </a:ln>
+        </p:spPr>
+        <p:style>
+          <a:lnRef idx="1">
+            <a:schemeClr val="accent1"/>
+          </a:lnRef>
+          <a:fillRef idx="0">
+            <a:schemeClr val="accent1"/>
+          </a:fillRef>
+          <a:effectRef idx="0">
+            <a:schemeClr val="accent1"/>
+          </a:effectRef>
+          <a:fontRef idx="minor">
+            <a:schemeClr val="tx1"/>
+          </a:fontRef>
+        </p:style>
+      </p:cxnSp>
+      <p:sp>
+        <p:nvSpPr>
+          <p:cNvPr id="37" name="正方形/長方形 36">
+            <a:extLst>
+              <a:ext uri="{FF2B5EF4-FFF2-40B4-BE49-F238E27FC236}">
+                <a16:creationId xmlns:a16="http://schemas.microsoft.com/office/drawing/2014/main" id="{5BB00F6E-E2DA-A923-4391-00C145A69E9E}"/>
+              </a:ext>
+            </a:extLst>
+          </p:cNvPr>
+          <p:cNvSpPr/>
+          <p:nvPr/>
+        </p:nvSpPr>
+        <p:spPr>
+          <a:xfrm>
+            <a:off x="1174420" y="2645632"/>
+            <a:ext cx="2119153" cy="371290"/>
+          </a:xfrm>
+          <a:prstGeom prst="rect">
+            <a:avLst/>
+          </a:prstGeom>
+          <a:solidFill>
+            <a:srgbClr val="1D6295">
+              <a:alpha val="20000"/>
+            </a:srgbClr>
+          </a:solidFill>
+          <a:ln>
+            <a:solidFill>
+              <a:schemeClr val="accent2">
+                <a:lumMod val="75000"/>
+              </a:schemeClr>
+            </a:solidFill>
+          </a:ln>
+        </p:spPr>
+        <p:style>
+          <a:lnRef idx="2">
+            <a:schemeClr val="accent1">
+              <a:shade val="15000"/>
+            </a:schemeClr>
+          </a:lnRef>
+          <a:fillRef idx="1">
+            <a:schemeClr val="accent1"/>
+          </a:fillRef>
+          <a:effectRef idx="0">
+            <a:schemeClr val="accent1"/>
+          </a:effectRef>
+          <a:fontRef idx="minor">
+            <a:schemeClr val="lt1"/>
+          </a:fontRef>
+        </p:style>
+        <p:txBody>
+          <a:bodyPr rtlCol="0" anchor="ctr"/>
+          <a:lstStyle/>
+          <a:p>
+            <a:pPr algn="ctr"/>
+            <a:endParaRPr kumimoji="1" lang="ja-JP" altLang="en-US"/>
+          </a:p>
+        </p:txBody>
+      </p:sp>
+      <p:cxnSp>
+        <p:nvCxnSpPr>
+          <p:cNvPr id="44" name="コネクタ: カギ線 43">
+            <a:extLst>
+              <a:ext uri="{FF2B5EF4-FFF2-40B4-BE49-F238E27FC236}">
+                <a16:creationId xmlns:a16="http://schemas.microsoft.com/office/drawing/2014/main" id="{FFEBC260-60A1-AE44-9636-C05F8442A34E}"/>
+              </a:ext>
+            </a:extLst>
+          </p:cNvPr>
+          <p:cNvCxnSpPr>
+            <a:cxnSpLocks/>
+            <a:stCxn id="45" idx="3"/>
+            <a:endCxn id="27" idx="2"/>
+          </p:cNvCxnSpPr>
+          <p:nvPr/>
+        </p:nvCxnSpPr>
+        <p:spPr>
+          <a:xfrm>
+            <a:off x="3289122" y="3694395"/>
+            <a:ext cx="5431942" cy="1871370"/>
+          </a:xfrm>
+          <a:prstGeom prst="bentConnector4">
+            <a:avLst>
+              <a:gd name="adj1" fmla="val 26632"/>
+              <a:gd name="adj2" fmla="val 112216"/>
+            </a:avLst>
+          </a:prstGeom>
+          <a:ln w="38100">
+            <a:solidFill>
+              <a:schemeClr val="accent4">
+                <a:lumMod val="75000"/>
+              </a:schemeClr>
+            </a:solidFill>
+            <a:tailEnd type="triangle"/>
+          </a:ln>
+        </p:spPr>
+        <p:style>
+          <a:lnRef idx="1">
+            <a:schemeClr val="accent1"/>
+          </a:lnRef>
+          <a:fillRef idx="0">
+            <a:schemeClr val="accent1"/>
+          </a:fillRef>
+          <a:effectRef idx="0">
+            <a:schemeClr val="accent1"/>
+          </a:effectRef>
+          <a:fontRef idx="minor">
+            <a:schemeClr val="tx1"/>
+          </a:fontRef>
+        </p:style>
+      </p:cxnSp>
+      <p:sp>
+        <p:nvSpPr>
+          <p:cNvPr id="45" name="正方形/長方形 44">
+            <a:extLst>
+              <a:ext uri="{FF2B5EF4-FFF2-40B4-BE49-F238E27FC236}">
+                <a16:creationId xmlns:a16="http://schemas.microsoft.com/office/drawing/2014/main" id="{9C289E37-A9E8-3236-A947-EA2FABDD4FDF}"/>
+              </a:ext>
+            </a:extLst>
+          </p:cNvPr>
+          <p:cNvSpPr/>
+          <p:nvPr/>
+        </p:nvSpPr>
+        <p:spPr>
+          <a:xfrm>
+            <a:off x="1169969" y="3508750"/>
+            <a:ext cx="2119153" cy="371290"/>
+          </a:xfrm>
+          <a:prstGeom prst="rect">
+            <a:avLst/>
+          </a:prstGeom>
+          <a:solidFill>
+            <a:srgbClr val="318B71">
+              <a:alpha val="20000"/>
+            </a:srgbClr>
+          </a:solidFill>
+          <a:ln>
+            <a:solidFill>
+              <a:schemeClr val="accent4">
+                <a:lumMod val="75000"/>
+              </a:schemeClr>
+            </a:solidFill>
+          </a:ln>
+        </p:spPr>
+        <p:style>
+          <a:lnRef idx="2">
+            <a:schemeClr val="accent1">
+              <a:shade val="15000"/>
+            </a:schemeClr>
+          </a:lnRef>
+          <a:fillRef idx="1">
+            <a:schemeClr val="accent1"/>
+          </a:fillRef>
+          <a:effectRef idx="0">
+            <a:schemeClr val="accent1"/>
+          </a:effectRef>
+          <a:fontRef idx="minor">
+            <a:schemeClr val="lt1"/>
+          </a:fontRef>
+        </p:style>
+        <p:txBody>
+          <a:bodyPr rtlCol="0" anchor="ctr"/>
+          <a:lstStyle/>
+          <a:p>
+            <a:pPr algn="ctr"/>
+            <a:endParaRPr kumimoji="1" lang="ja-JP" altLang="en-US"/>
+          </a:p>
+        </p:txBody>
+      </p:sp>
+      <p:cxnSp>
+        <p:nvCxnSpPr>
+          <p:cNvPr id="49" name="コネクタ: カギ線 48">
+            <a:extLst>
+              <a:ext uri="{FF2B5EF4-FFF2-40B4-BE49-F238E27FC236}">
+                <a16:creationId xmlns:a16="http://schemas.microsoft.com/office/drawing/2014/main" id="{6332DA39-5D25-8CAC-9262-721B0568846E}"/>
+              </a:ext>
+            </a:extLst>
+          </p:cNvPr>
+          <p:cNvCxnSpPr>
+            <a:cxnSpLocks/>
+            <a:stCxn id="50" idx="3"/>
+            <a:endCxn id="28" idx="2"/>
+          </p:cNvCxnSpPr>
+          <p:nvPr/>
+        </p:nvCxnSpPr>
+        <p:spPr>
+          <a:xfrm>
+            <a:off x="4268783" y="5407481"/>
+            <a:ext cx="5881401" cy="158284"/>
+          </a:xfrm>
+          <a:prstGeom prst="bentConnector4">
+            <a:avLst>
+              <a:gd name="adj1" fmla="val 4966"/>
+              <a:gd name="adj2" fmla="val 367629"/>
+            </a:avLst>
+          </a:prstGeom>
+          <a:ln w="38100">
+            <a:solidFill>
+              <a:schemeClr val="accent2"/>
+            </a:solidFill>
+            <a:tailEnd type="triangle"/>
+          </a:ln>
+        </p:spPr>
+        <p:style>
+          <a:lnRef idx="1">
+            <a:schemeClr val="accent1"/>
+          </a:lnRef>
+          <a:fillRef idx="0">
+            <a:schemeClr val="accent1"/>
+          </a:fillRef>
+          <a:effectRef idx="0">
+            <a:schemeClr val="accent1"/>
+          </a:effectRef>
+          <a:fontRef idx="minor">
+            <a:schemeClr val="tx1"/>
+          </a:fontRef>
+        </p:style>
+      </p:cxnSp>
+      <p:sp>
+        <p:nvSpPr>
+          <p:cNvPr id="50" name="正方形/長方形 49">
+            <a:extLst>
+              <a:ext uri="{FF2B5EF4-FFF2-40B4-BE49-F238E27FC236}">
+                <a16:creationId xmlns:a16="http://schemas.microsoft.com/office/drawing/2014/main" id="{2C79CE92-9C8B-2E2C-7674-A169CE91A7C8}"/>
+              </a:ext>
+            </a:extLst>
+          </p:cNvPr>
+          <p:cNvSpPr/>
+          <p:nvPr/>
+        </p:nvSpPr>
+        <p:spPr>
+          <a:xfrm>
+            <a:off x="1183108" y="5221836"/>
+            <a:ext cx="3085675" cy="371290"/>
+          </a:xfrm>
+          <a:prstGeom prst="rect">
+            <a:avLst/>
+          </a:prstGeom>
+          <a:solidFill>
+            <a:srgbClr val="2683C6">
+              <a:alpha val="20000"/>
+            </a:srgbClr>
+          </a:solidFill>
+          <a:ln>
+            <a:solidFill>
+              <a:schemeClr val="accent2"/>
+            </a:solidFill>
+          </a:ln>
+        </p:spPr>
+        <p:style>
+          <a:lnRef idx="2">
+            <a:schemeClr val="accent1">
+              <a:shade val="15000"/>
+            </a:schemeClr>
+          </a:lnRef>
+          <a:fillRef idx="1">
+            <a:schemeClr val="accent1"/>
+          </a:fillRef>
+          <a:effectRef idx="0">
+            <a:schemeClr val="accent1"/>
+          </a:effectRef>
+          <a:fontRef idx="minor">
+            <a:schemeClr val="lt1"/>
+          </a:fontRef>
+        </p:style>
+        <p:txBody>
+          <a:bodyPr rtlCol="0" anchor="ctr"/>
+          <a:lstStyle/>
+          <a:p>
+            <a:pPr algn="ctr"/>
+            <a:endParaRPr kumimoji="1" lang="ja-JP" altLang="en-US"/>
+          </a:p>
+        </p:txBody>
+      </p:sp>
+      <p:sp>
+        <p:nvSpPr>
+          <p:cNvPr id="60" name="正方形/長方形 59">
+            <a:extLst>
+              <a:ext uri="{FF2B5EF4-FFF2-40B4-BE49-F238E27FC236}">
+                <a16:creationId xmlns:a16="http://schemas.microsoft.com/office/drawing/2014/main" id="{1BA382CE-2A29-DA20-1185-ECEFCD262A48}"/>
+              </a:ext>
+            </a:extLst>
+          </p:cNvPr>
+          <p:cNvSpPr/>
+          <p:nvPr/>
+        </p:nvSpPr>
+        <p:spPr>
+          <a:xfrm>
+            <a:off x="1174420" y="1782514"/>
+            <a:ext cx="2400841" cy="371290"/>
+          </a:xfrm>
+          <a:prstGeom prst="rect">
+            <a:avLst/>
+          </a:prstGeom>
+          <a:solidFill>
+            <a:srgbClr val="FFC000">
+              <a:alpha val="20000"/>
+            </a:srgbClr>
+          </a:solidFill>
+          <a:ln>
+            <a:solidFill>
+              <a:srgbClr val="FFC000"/>
+            </a:solidFill>
+          </a:ln>
+        </p:spPr>
+        <p:style>
+          <a:lnRef idx="2">
+            <a:schemeClr val="accent1">
+              <a:shade val="15000"/>
+            </a:schemeClr>
+          </a:lnRef>
+          <a:fillRef idx="1">
+            <a:schemeClr val="accent1"/>
+          </a:fillRef>
+          <a:effectRef idx="0">
+            <a:schemeClr val="accent1"/>
+          </a:effectRef>
+          <a:fontRef idx="minor">
+            <a:schemeClr val="lt1"/>
+          </a:fontRef>
+        </p:style>
+        <p:txBody>
+          <a:bodyPr rtlCol="0" anchor="ctr"/>
+          <a:lstStyle/>
+          <a:p>
+            <a:pPr algn="ctr"/>
+            <a:endParaRPr kumimoji="1" lang="ja-JP" altLang="en-US" dirty="0"/>
+          </a:p>
+        </p:txBody>
+      </p:sp>
+      <p:sp>
+        <p:nvSpPr>
+          <p:cNvPr id="85" name="四角形: 角を丸くする 84">
+            <a:extLst>
+              <a:ext uri="{FF2B5EF4-FFF2-40B4-BE49-F238E27FC236}">
+                <a16:creationId xmlns:a16="http://schemas.microsoft.com/office/drawing/2014/main" id="{5FE974F8-50F9-7F00-B667-A4215CFBD9E8}"/>
+              </a:ext>
+            </a:extLst>
+          </p:cNvPr>
+          <p:cNvSpPr/>
+          <p:nvPr/>
+        </p:nvSpPr>
+        <p:spPr>
+          <a:xfrm>
+            <a:off x="5050401" y="4143192"/>
+            <a:ext cx="4414544" cy="1516554"/>
+          </a:xfrm>
+          <a:prstGeom prst="roundRect">
+            <a:avLst/>
+          </a:prstGeom>
+          <a:noFill/>
+          <a:ln w="38100" cap="flat" cmpd="sng" algn="ctr">
+            <a:solidFill>
+              <a:srgbClr val="FF0000"/>
+            </a:solidFill>
+            <a:prstDash val="solid"/>
+            <a:round/>
+            <a:headEnd type="none" w="med" len="med"/>
+            <a:tailEnd type="none" w="med" len="med"/>
+          </a:ln>
+        </p:spPr>
+        <p:style>
+          <a:lnRef idx="0">
+            <a:scrgbClr r="0" g="0" b="0"/>
+          </a:lnRef>
+          <a:fillRef idx="0">
+            <a:scrgbClr r="0" g="0" b="0"/>
+          </a:fillRef>
+          <a:effectRef idx="0">
+            <a:scrgbClr r="0" g="0" b="0"/>
+          </a:effectRef>
+          <a:fontRef idx="minor">
+            <a:schemeClr val="accent3"/>
+          </a:fontRef>
+        </p:style>
+        <p:txBody>
+          <a:bodyPr rtlCol="0" anchor="ctr"/>
+          <a:lstStyle/>
+          <a:p>
+            <a:pPr algn="ctr"/>
+            <a:endParaRPr kumimoji="1" lang="ja-JP" altLang="en-US"/>
+          </a:p>
+        </p:txBody>
+      </p:sp>
+      <p:sp>
+        <p:nvSpPr>
+          <p:cNvPr id="86" name="四角形: 角を丸くする 85">
+            <a:extLst>
+              <a:ext uri="{FF2B5EF4-FFF2-40B4-BE49-F238E27FC236}">
+                <a16:creationId xmlns:a16="http://schemas.microsoft.com/office/drawing/2014/main" id="{7BD15131-EDDE-5383-E590-F4F50A1A85A7}"/>
+              </a:ext>
+            </a:extLst>
+          </p:cNvPr>
+          <p:cNvSpPr/>
+          <p:nvPr/>
+        </p:nvSpPr>
+        <p:spPr>
+          <a:xfrm>
+            <a:off x="1030692" y="2567001"/>
+            <a:ext cx="2751109" cy="2560853"/>
+          </a:xfrm>
+          <a:prstGeom prst="roundRect">
+            <a:avLst>
+              <a:gd name="adj" fmla="val 8375"/>
+            </a:avLst>
+          </a:prstGeom>
+          <a:noFill/>
+          <a:ln w="38100" cap="flat" cmpd="sng" algn="ctr">
+            <a:solidFill>
+              <a:srgbClr val="FF0000"/>
+            </a:solidFill>
+            <a:prstDash val="solid"/>
+            <a:round/>
+            <a:headEnd type="none" w="med" len="med"/>
+            <a:tailEnd type="none" w="med" len="med"/>
+          </a:ln>
+        </p:spPr>
+        <p:style>
+          <a:lnRef idx="0">
+            <a:scrgbClr r="0" g="0" b="0"/>
+          </a:lnRef>
+          <a:fillRef idx="0">
+            <a:scrgbClr r="0" g="0" b="0"/>
+          </a:fillRef>
+          <a:effectRef idx="0">
+            <a:scrgbClr r="0" g="0" b="0"/>
+          </a:effectRef>
+          <a:fontRef idx="minor">
+            <a:schemeClr val="accent3"/>
+          </a:fontRef>
+        </p:style>
+        <p:txBody>
+          <a:bodyPr rtlCol="0" anchor="ctr"/>
+          <a:lstStyle/>
+          <a:p>
+            <a:pPr algn="ctr"/>
+            <a:endParaRPr kumimoji="1" lang="ja-JP" altLang="en-US"/>
+          </a:p>
+        </p:txBody>
+      </p:sp>
+      <p:sp>
+        <p:nvSpPr>
+          <p:cNvPr id="89" name="吹き出し: 角を丸めた四角形 88">
+            <a:extLst>
+              <a:ext uri="{FF2B5EF4-FFF2-40B4-BE49-F238E27FC236}">
+                <a16:creationId xmlns:a16="http://schemas.microsoft.com/office/drawing/2014/main" id="{653DF8D4-7E84-E3D8-27C2-FDD2C595145D}"/>
+              </a:ext>
+            </a:extLst>
+          </p:cNvPr>
+          <p:cNvSpPr/>
+          <p:nvPr/>
+        </p:nvSpPr>
+        <p:spPr>
+          <a:xfrm>
+            <a:off x="6485457" y="2831278"/>
+            <a:ext cx="2938197" cy="652773"/>
+          </a:xfrm>
+          <a:prstGeom prst="wedgeRoundRectCallout">
+            <a:avLst>
+              <a:gd name="adj1" fmla="val -34171"/>
+              <a:gd name="adj2" fmla="val 148340"/>
+              <a:gd name="adj3" fmla="val 16667"/>
+            </a:avLst>
+          </a:prstGeom>
+          <a:solidFill>
+            <a:srgbClr val="FFD54F"/>
+          </a:solidFill>
+          <a:ln w="38100">
+            <a:solidFill>
+              <a:srgbClr val="FF0000"/>
+            </a:solidFill>
+          </a:ln>
+        </p:spPr>
+        <p:style>
+          <a:lnRef idx="2">
+            <a:schemeClr val="accent1">
+              <a:shade val="15000"/>
+            </a:schemeClr>
+          </a:lnRef>
+          <a:fillRef idx="1">
+            <a:schemeClr val="accent1"/>
+          </a:fillRef>
+          <a:effectRef idx="0">
+            <a:schemeClr val="accent1"/>
+          </a:effectRef>
+          <a:fontRef idx="minor">
+            <a:schemeClr val="lt1"/>
+          </a:fontRef>
+        </p:style>
+        <p:txBody>
+          <a:bodyPr rtlCol="0" anchor="ctr"/>
+          <a:lstStyle/>
+          <a:p>
+            <a:pPr algn="ctr" defTabSz="914400">
+              <a:lnSpc>
+                <a:spcPct val="90000"/>
+              </a:lnSpc>
+              <a:spcBef>
+                <a:spcPct val="0"/>
+              </a:spcBef>
+            </a:pPr>
+            <a:r>
+              <a:rPr kumimoji="1" lang="ja-JP" altLang="en-US" sz="2000" dirty="0">
+                <a:solidFill>
+                  <a:schemeClr val="tx1"/>
+                </a:solidFill>
+                <a:latin typeface="HG丸ｺﾞｼｯｸM-PRO" panose="020F0600000000000000" pitchFamily="50" charset="-128"/>
+                <a:ea typeface="HG丸ｺﾞｼｯｸM-PRO" panose="020F0600000000000000" pitchFamily="50" charset="-128"/>
+              </a:rPr>
+              <a:t>今から説明する箇所</a:t>
+            </a:r>
+          </a:p>
+        </p:txBody>
+      </p:sp>
+      <p:sp>
+        <p:nvSpPr>
+          <p:cNvPr id="90" name="吹き出し: 角を丸めた四角形 89">
+            <a:extLst>
+              <a:ext uri="{FF2B5EF4-FFF2-40B4-BE49-F238E27FC236}">
+                <a16:creationId xmlns:a16="http://schemas.microsoft.com/office/drawing/2014/main" id="{E9A849BA-73C7-C83A-7C18-B6FD69547313}"/>
+              </a:ext>
+            </a:extLst>
+          </p:cNvPr>
+          <p:cNvSpPr/>
+          <p:nvPr/>
+        </p:nvSpPr>
+        <p:spPr>
+          <a:xfrm>
+            <a:off x="6485457" y="2831277"/>
+            <a:ext cx="2938197" cy="652773"/>
+          </a:xfrm>
+          <a:prstGeom prst="wedgeRoundRectCallout">
+            <a:avLst>
+              <a:gd name="adj1" fmla="val -140661"/>
+              <a:gd name="adj2" fmla="val 60708"/>
+              <a:gd name="adj3" fmla="val 16667"/>
+            </a:avLst>
+          </a:prstGeom>
+          <a:solidFill>
+            <a:srgbClr val="FFD54F"/>
+          </a:solidFill>
+          <a:ln w="38100">
+            <a:solidFill>
+              <a:srgbClr val="FF0000"/>
+            </a:solidFill>
+          </a:ln>
+        </p:spPr>
+        <p:style>
+          <a:lnRef idx="2">
+            <a:schemeClr val="accent1">
+              <a:shade val="15000"/>
+            </a:schemeClr>
+          </a:lnRef>
+          <a:fillRef idx="1">
+            <a:schemeClr val="accent1"/>
+          </a:fillRef>
+          <a:effectRef idx="0">
+            <a:schemeClr val="accent1"/>
+          </a:effectRef>
+          <a:fontRef idx="minor">
+            <a:schemeClr val="lt1"/>
+          </a:fontRef>
+        </p:style>
+        <p:txBody>
+          <a:bodyPr rtlCol="0" anchor="ctr"/>
+          <a:lstStyle/>
+          <a:p>
+            <a:pPr algn="ctr" defTabSz="914400">
+              <a:lnSpc>
+                <a:spcPct val="90000"/>
+              </a:lnSpc>
+              <a:spcBef>
+                <a:spcPct val="0"/>
+              </a:spcBef>
+            </a:pPr>
+            <a:r>
+              <a:rPr kumimoji="1" lang="ja-JP" altLang="en-US" sz="2000" dirty="0">
+                <a:solidFill>
+                  <a:schemeClr val="tx1"/>
+                </a:solidFill>
+                <a:latin typeface="HG丸ｺﾞｼｯｸM-PRO" panose="020F0600000000000000" pitchFamily="50" charset="-128"/>
+                <a:ea typeface="HG丸ｺﾞｼｯｸM-PRO" panose="020F0600000000000000" pitchFamily="50" charset="-128"/>
+              </a:rPr>
+              <a:t>今から説明する箇所</a:t>
+            </a:r>
+          </a:p>
+        </p:txBody>
+      </p:sp>
+    </p:spTree>
+    <p:extLst>
+      <p:ext uri="{BB962C8B-B14F-4D97-AF65-F5344CB8AC3E}">
+        <p14:creationId xmlns:p14="http://schemas.microsoft.com/office/powerpoint/2010/main" val="517115891"/>
+      </p:ext>
+    </p:extLst>
+  </p:cSld>
+  <p:clrMapOvr>
+    <a:masterClrMapping/>
+  </p:clrMapOvr>
+  <p:timing>
+    <p:tnLst>
+      <p:par>
+        <p:cTn id="1" dur="indefinite" restart="never" nodeType="tmRoot">
+          <p:childTnLst>
+            <p:seq concurrent="1" nextAc="seek">
+              <p:cTn id="2" dur="indefinite" nodeType="mainSeq">
+                <p:childTnLst>
+                  <p:par>
+                    <p:cTn id="3" fill="hold">
+                      <p:stCondLst>
+                        <p:cond delay="indefinite"/>
+                      </p:stCondLst>
+                      <p:childTnLst>
+                        <p:par>
+                          <p:cTn id="4" fill="hold">
+                            <p:stCondLst>
+                              <p:cond delay="0"/>
+                            </p:stCondLst>
+                            <p:childTnLst>
+                              <p:par>
+                                <p:cTn id="5" presetID="16" presetClass="entr" presetSubtype="21" fill="hold" nodeType="clickEffect">
+                                  <p:stCondLst>
+                                    <p:cond delay="0"/>
+                                  </p:stCondLst>
+                                  <p:childTnLst>
+                                    <p:set>
+                                      <p:cBhvr>
+                                        <p:cTn id="6" dur="1" fill="hold">
+                                          <p:stCondLst>
+                                            <p:cond delay="0"/>
+                                          </p:stCondLst>
+                                        </p:cTn>
+                                        <p:tgtEl>
+                                          <p:spTgt spid="30"/>
+                                        </p:tgtEl>
+                                        <p:attrNameLst>
+                                          <p:attrName>style.visibility</p:attrName>
+                                        </p:attrNameLst>
+                                      </p:cBhvr>
+                                      <p:to>
+                                        <p:strVal val="visible"/>
+                                      </p:to>
+                                    </p:set>
+                                    <p:animEffect transition="in" filter="barn(inVertical)">
+                                      <p:cBhvr>
+                                        <p:cTn id="7" dur="500"/>
+                                        <p:tgtEl>
+                                          <p:spTgt spid="30"/>
+                                        </p:tgtEl>
+                                      </p:cBhvr>
+                                    </p:animEffect>
+                                  </p:childTnLst>
+                                </p:cTn>
+                              </p:par>
+                              <p:par>
+                                <p:cTn id="8" presetID="16" presetClass="entr" presetSubtype="21" fill="hold" grpId="0" nodeType="withEffect">
+                                  <p:stCondLst>
+                                    <p:cond delay="0"/>
+                                  </p:stCondLst>
+                                  <p:childTnLst>
+                                    <p:set>
+                                      <p:cBhvr>
+                                        <p:cTn id="9" dur="1" fill="hold">
+                                          <p:stCondLst>
+                                            <p:cond delay="0"/>
+                                          </p:stCondLst>
+                                        </p:cTn>
+                                        <p:tgtEl>
+                                          <p:spTgt spid="60"/>
+                                        </p:tgtEl>
+                                        <p:attrNameLst>
+                                          <p:attrName>style.visibility</p:attrName>
+                                        </p:attrNameLst>
+                                      </p:cBhvr>
+                                      <p:to>
+                                        <p:strVal val="visible"/>
+                                      </p:to>
+                                    </p:set>
+                                    <p:animEffect transition="in" filter="barn(inVertical)">
+                                      <p:cBhvr>
+                                        <p:cTn id="10" dur="500"/>
+                                        <p:tgtEl>
+                                          <p:spTgt spid="60"/>
+                                        </p:tgtEl>
+                                      </p:cBhvr>
+                                    </p:animEffect>
+                                  </p:childTnLst>
+                                </p:cTn>
+                              </p:par>
+                              <p:par>
+                                <p:cTn id="11" presetID="16" presetClass="entr" presetSubtype="21" fill="hold" grpId="0" nodeType="withEffect">
+                                  <p:stCondLst>
+                                    <p:cond delay="0"/>
+                                  </p:stCondLst>
+                                  <p:childTnLst>
+                                    <p:set>
+                                      <p:cBhvr>
+                                        <p:cTn id="12" dur="1" fill="hold">
+                                          <p:stCondLst>
+                                            <p:cond delay="0"/>
+                                          </p:stCondLst>
+                                        </p:cTn>
+                                        <p:tgtEl>
+                                          <p:spTgt spid="23"/>
+                                        </p:tgtEl>
+                                        <p:attrNameLst>
+                                          <p:attrName>style.visibility</p:attrName>
+                                        </p:attrNameLst>
+                                      </p:cBhvr>
+                                      <p:to>
+                                        <p:strVal val="visible"/>
+                                      </p:to>
+                                    </p:set>
+                                    <p:animEffect transition="in" filter="barn(inVertical)">
+                                      <p:cBhvr>
+                                        <p:cTn id="13" dur="500"/>
+                                        <p:tgtEl>
+                                          <p:spTgt spid="23"/>
+                                        </p:tgtEl>
+                                      </p:cBhvr>
+                                    </p:animEffect>
+                                  </p:childTnLst>
+                                </p:cTn>
+                              </p:par>
+                            </p:childTnLst>
+                          </p:cTn>
+                        </p:par>
+                      </p:childTnLst>
+                    </p:cTn>
+                  </p:par>
+                  <p:par>
+                    <p:cTn id="14" fill="hold">
+                      <p:stCondLst>
+                        <p:cond delay="indefinite"/>
+                      </p:stCondLst>
+                      <p:childTnLst>
+                        <p:par>
+                          <p:cTn id="15" fill="hold">
+                            <p:stCondLst>
+                              <p:cond delay="0"/>
+                            </p:stCondLst>
+                            <p:childTnLst>
+                              <p:par>
+                                <p:cTn id="16" presetID="16" presetClass="entr" presetSubtype="21" fill="hold" grpId="0" nodeType="clickEffect">
+                                  <p:stCondLst>
+                                    <p:cond delay="0"/>
+                                  </p:stCondLst>
+                                  <p:childTnLst>
+                                    <p:set>
+                                      <p:cBhvr>
+                                        <p:cTn id="17" dur="1" fill="hold">
+                                          <p:stCondLst>
+                                            <p:cond delay="0"/>
+                                          </p:stCondLst>
+                                        </p:cTn>
+                                        <p:tgtEl>
+                                          <p:spTgt spid="37"/>
+                                        </p:tgtEl>
+                                        <p:attrNameLst>
+                                          <p:attrName>style.visibility</p:attrName>
+                                        </p:attrNameLst>
+                                      </p:cBhvr>
+                                      <p:to>
+                                        <p:strVal val="visible"/>
+                                      </p:to>
+                                    </p:set>
+                                    <p:animEffect transition="in" filter="barn(inVertical)">
+                                      <p:cBhvr>
+                                        <p:cTn id="18" dur="500"/>
+                                        <p:tgtEl>
+                                          <p:spTgt spid="37"/>
+                                        </p:tgtEl>
+                                      </p:cBhvr>
+                                    </p:animEffect>
+                                  </p:childTnLst>
+                                </p:cTn>
+                              </p:par>
+                              <p:par>
+                                <p:cTn id="19" presetID="16" presetClass="entr" presetSubtype="21" fill="hold" nodeType="withEffect">
+                                  <p:stCondLst>
+                                    <p:cond delay="0"/>
+                                  </p:stCondLst>
+                                  <p:childTnLst>
+                                    <p:set>
+                                      <p:cBhvr>
+                                        <p:cTn id="20" dur="1" fill="hold">
+                                          <p:stCondLst>
+                                            <p:cond delay="0"/>
+                                          </p:stCondLst>
+                                        </p:cTn>
+                                        <p:tgtEl>
+                                          <p:spTgt spid="31"/>
+                                        </p:tgtEl>
+                                        <p:attrNameLst>
+                                          <p:attrName>style.visibility</p:attrName>
+                                        </p:attrNameLst>
+                                      </p:cBhvr>
+                                      <p:to>
+                                        <p:strVal val="visible"/>
+                                      </p:to>
+                                    </p:set>
+                                    <p:animEffect transition="in" filter="barn(inVertical)">
+                                      <p:cBhvr>
+                                        <p:cTn id="21" dur="500"/>
+                                        <p:tgtEl>
+                                          <p:spTgt spid="31"/>
+                                        </p:tgtEl>
+                                      </p:cBhvr>
+                                    </p:animEffect>
+                                  </p:childTnLst>
+                                </p:cTn>
+                              </p:par>
+                              <p:par>
+                                <p:cTn id="22" presetID="16" presetClass="entr" presetSubtype="21" fill="hold" grpId="0" nodeType="withEffect">
+                                  <p:stCondLst>
+                                    <p:cond delay="0"/>
+                                  </p:stCondLst>
+                                  <p:childTnLst>
+                                    <p:set>
+                                      <p:cBhvr>
+                                        <p:cTn id="23" dur="1" fill="hold">
+                                          <p:stCondLst>
+                                            <p:cond delay="0"/>
+                                          </p:stCondLst>
+                                        </p:cTn>
+                                        <p:tgtEl>
+                                          <p:spTgt spid="26"/>
+                                        </p:tgtEl>
+                                        <p:attrNameLst>
+                                          <p:attrName>style.visibility</p:attrName>
+                                        </p:attrNameLst>
+                                      </p:cBhvr>
+                                      <p:to>
+                                        <p:strVal val="visible"/>
+                                      </p:to>
+                                    </p:set>
+                                    <p:animEffect transition="in" filter="barn(inVertical)">
+                                      <p:cBhvr>
+                                        <p:cTn id="24" dur="500"/>
+                                        <p:tgtEl>
+                                          <p:spTgt spid="26"/>
+                                        </p:tgtEl>
+                                      </p:cBhvr>
+                                    </p:animEffect>
+                                  </p:childTnLst>
+                                </p:cTn>
+                              </p:par>
+                            </p:childTnLst>
+                          </p:cTn>
+                        </p:par>
+                      </p:childTnLst>
+                    </p:cTn>
+                  </p:par>
+                  <p:par>
+                    <p:cTn id="25" fill="hold">
+                      <p:stCondLst>
+                        <p:cond delay="indefinite"/>
+                      </p:stCondLst>
+                      <p:childTnLst>
+                        <p:par>
+                          <p:cTn id="26" fill="hold">
+                            <p:stCondLst>
+                              <p:cond delay="0"/>
+                            </p:stCondLst>
+                            <p:childTnLst>
+                              <p:par>
+                                <p:cTn id="27" presetID="16" presetClass="entr" presetSubtype="21" fill="hold" grpId="0" nodeType="clickEffect">
+                                  <p:stCondLst>
+                                    <p:cond delay="0"/>
+                                  </p:stCondLst>
+                                  <p:childTnLst>
+                                    <p:set>
+                                      <p:cBhvr>
+                                        <p:cTn id="28" dur="1" fill="hold">
+                                          <p:stCondLst>
+                                            <p:cond delay="0"/>
+                                          </p:stCondLst>
+                                        </p:cTn>
+                                        <p:tgtEl>
+                                          <p:spTgt spid="45"/>
+                                        </p:tgtEl>
+                                        <p:attrNameLst>
+                                          <p:attrName>style.visibility</p:attrName>
+                                        </p:attrNameLst>
+                                      </p:cBhvr>
+                                      <p:to>
+                                        <p:strVal val="visible"/>
+                                      </p:to>
+                                    </p:set>
+                                    <p:animEffect transition="in" filter="barn(inVertical)">
+                                      <p:cBhvr>
+                                        <p:cTn id="29" dur="500"/>
+                                        <p:tgtEl>
+                                          <p:spTgt spid="45"/>
+                                        </p:tgtEl>
+                                      </p:cBhvr>
+                                    </p:animEffect>
+                                  </p:childTnLst>
+                                </p:cTn>
+                              </p:par>
+                              <p:par>
+                                <p:cTn id="30" presetID="16" presetClass="entr" presetSubtype="21" fill="hold" nodeType="withEffect">
+                                  <p:stCondLst>
+                                    <p:cond delay="0"/>
+                                  </p:stCondLst>
+                                  <p:childTnLst>
+                                    <p:set>
+                                      <p:cBhvr>
+                                        <p:cTn id="31" dur="1" fill="hold">
+                                          <p:stCondLst>
+                                            <p:cond delay="0"/>
+                                          </p:stCondLst>
+                                        </p:cTn>
+                                        <p:tgtEl>
+                                          <p:spTgt spid="44"/>
+                                        </p:tgtEl>
+                                        <p:attrNameLst>
+                                          <p:attrName>style.visibility</p:attrName>
+                                        </p:attrNameLst>
+                                      </p:cBhvr>
+                                      <p:to>
+                                        <p:strVal val="visible"/>
+                                      </p:to>
+                                    </p:set>
+                                    <p:animEffect transition="in" filter="barn(inVertical)">
+                                      <p:cBhvr>
+                                        <p:cTn id="32" dur="500"/>
+                                        <p:tgtEl>
+                                          <p:spTgt spid="44"/>
+                                        </p:tgtEl>
+                                      </p:cBhvr>
+                                    </p:animEffect>
+                                  </p:childTnLst>
+                                </p:cTn>
+                              </p:par>
+                              <p:par>
+                                <p:cTn id="33" presetID="16" presetClass="entr" presetSubtype="21" fill="hold" grpId="0" nodeType="withEffect">
+                                  <p:stCondLst>
+                                    <p:cond delay="0"/>
+                                  </p:stCondLst>
+                                  <p:childTnLst>
+                                    <p:set>
+                                      <p:cBhvr>
+                                        <p:cTn id="34" dur="1" fill="hold">
+                                          <p:stCondLst>
+                                            <p:cond delay="0"/>
+                                          </p:stCondLst>
+                                        </p:cTn>
+                                        <p:tgtEl>
+                                          <p:spTgt spid="27"/>
+                                        </p:tgtEl>
+                                        <p:attrNameLst>
+                                          <p:attrName>style.visibility</p:attrName>
+                                        </p:attrNameLst>
+                                      </p:cBhvr>
+                                      <p:to>
+                                        <p:strVal val="visible"/>
+                                      </p:to>
+                                    </p:set>
+                                    <p:animEffect transition="in" filter="barn(inVertical)">
+                                      <p:cBhvr>
+                                        <p:cTn id="35" dur="500"/>
+                                        <p:tgtEl>
+                                          <p:spTgt spid="27"/>
+                                        </p:tgtEl>
+                                      </p:cBhvr>
+                                    </p:animEffect>
+                                  </p:childTnLst>
+                                </p:cTn>
+                              </p:par>
+                            </p:childTnLst>
+                          </p:cTn>
+                        </p:par>
+                      </p:childTnLst>
+                    </p:cTn>
+                  </p:par>
+                  <p:par>
+                    <p:cTn id="36" fill="hold">
+                      <p:stCondLst>
+                        <p:cond delay="indefinite"/>
+                      </p:stCondLst>
+                      <p:childTnLst>
+                        <p:par>
+                          <p:cTn id="37" fill="hold">
+                            <p:stCondLst>
+                              <p:cond delay="0"/>
+                            </p:stCondLst>
+                            <p:childTnLst>
+                              <p:par>
+                                <p:cTn id="38" presetID="16" presetClass="entr" presetSubtype="21" fill="hold" nodeType="clickEffect">
+                                  <p:stCondLst>
+                                    <p:cond delay="0"/>
+                                  </p:stCondLst>
+                                  <p:childTnLst>
+                                    <p:set>
+                                      <p:cBhvr>
+                                        <p:cTn id="39" dur="1" fill="hold">
+                                          <p:stCondLst>
+                                            <p:cond delay="0"/>
+                                          </p:stCondLst>
+                                        </p:cTn>
+                                        <p:tgtEl>
+                                          <p:spTgt spid="49"/>
+                                        </p:tgtEl>
+                                        <p:attrNameLst>
+                                          <p:attrName>style.visibility</p:attrName>
+                                        </p:attrNameLst>
+                                      </p:cBhvr>
+                                      <p:to>
+                                        <p:strVal val="visible"/>
+                                      </p:to>
+                                    </p:set>
+                                    <p:animEffect transition="in" filter="barn(inVertical)">
+                                      <p:cBhvr>
+                                        <p:cTn id="40" dur="500"/>
+                                        <p:tgtEl>
+                                          <p:spTgt spid="49"/>
+                                        </p:tgtEl>
+                                      </p:cBhvr>
+                                    </p:animEffect>
+                                  </p:childTnLst>
+                                </p:cTn>
+                              </p:par>
+                              <p:par>
+                                <p:cTn id="41" presetID="16" presetClass="entr" presetSubtype="21" fill="hold" grpId="0" nodeType="withEffect">
+                                  <p:stCondLst>
+                                    <p:cond delay="0"/>
+                                  </p:stCondLst>
+                                  <p:childTnLst>
+                                    <p:set>
+                                      <p:cBhvr>
+                                        <p:cTn id="42" dur="1" fill="hold">
+                                          <p:stCondLst>
+                                            <p:cond delay="0"/>
+                                          </p:stCondLst>
+                                        </p:cTn>
+                                        <p:tgtEl>
+                                          <p:spTgt spid="50"/>
+                                        </p:tgtEl>
+                                        <p:attrNameLst>
+                                          <p:attrName>style.visibility</p:attrName>
+                                        </p:attrNameLst>
+                                      </p:cBhvr>
+                                      <p:to>
+                                        <p:strVal val="visible"/>
+                                      </p:to>
+                                    </p:set>
+                                    <p:animEffect transition="in" filter="barn(inVertical)">
+                                      <p:cBhvr>
+                                        <p:cTn id="43" dur="500"/>
+                                        <p:tgtEl>
+                                          <p:spTgt spid="50"/>
+                                        </p:tgtEl>
+                                      </p:cBhvr>
+                                    </p:animEffect>
+                                  </p:childTnLst>
+                                </p:cTn>
+                              </p:par>
+                              <p:par>
+                                <p:cTn id="44" presetID="16" presetClass="entr" presetSubtype="21" fill="hold" grpId="0" nodeType="withEffect">
+                                  <p:stCondLst>
+                                    <p:cond delay="0"/>
+                                  </p:stCondLst>
+                                  <p:childTnLst>
+                                    <p:set>
+                                      <p:cBhvr>
+                                        <p:cTn id="45" dur="1" fill="hold">
+                                          <p:stCondLst>
+                                            <p:cond delay="0"/>
+                                          </p:stCondLst>
+                                        </p:cTn>
+                                        <p:tgtEl>
+                                          <p:spTgt spid="28"/>
+                                        </p:tgtEl>
+                                        <p:attrNameLst>
+                                          <p:attrName>style.visibility</p:attrName>
+                                        </p:attrNameLst>
+                                      </p:cBhvr>
+                                      <p:to>
+                                        <p:strVal val="visible"/>
+                                      </p:to>
+                                    </p:set>
+                                    <p:animEffect transition="in" filter="barn(inVertical)">
+                                      <p:cBhvr>
+                                        <p:cTn id="46" dur="500"/>
+                                        <p:tgtEl>
+                                          <p:spTgt spid="28"/>
+                                        </p:tgtEl>
+                                      </p:cBhvr>
+                                    </p:animEffect>
+                                  </p:childTnLst>
+                                </p:cTn>
+                              </p:par>
+                            </p:childTnLst>
+                          </p:cTn>
+                        </p:par>
+                      </p:childTnLst>
+                    </p:cTn>
+                  </p:par>
+                  <p:par>
+                    <p:cTn id="47" fill="hold">
+                      <p:stCondLst>
+                        <p:cond delay="indefinite"/>
+                      </p:stCondLst>
+                      <p:childTnLst>
+                        <p:par>
+                          <p:cTn id="48" fill="hold">
+                            <p:stCondLst>
+                              <p:cond delay="0"/>
+                            </p:stCondLst>
+                            <p:childTnLst>
+                              <p:par>
+                                <p:cTn id="49" presetID="16" presetClass="exit" presetSubtype="21" fill="hold" nodeType="clickEffect">
+                                  <p:stCondLst>
+                                    <p:cond delay="0"/>
+                                  </p:stCondLst>
+                                  <p:childTnLst>
+                                    <p:animEffect transition="out" filter="barn(inVertical)">
+                                      <p:cBhvr>
+                                        <p:cTn id="50" dur="500"/>
+                                        <p:tgtEl>
+                                          <p:spTgt spid="30"/>
+                                        </p:tgtEl>
+                                      </p:cBhvr>
+                                    </p:animEffect>
+                                    <p:set>
+                                      <p:cBhvr>
+                                        <p:cTn id="51" dur="1" fill="hold">
+                                          <p:stCondLst>
+                                            <p:cond delay="499"/>
+                                          </p:stCondLst>
+                                        </p:cTn>
+                                        <p:tgtEl>
+                                          <p:spTgt spid="30"/>
+                                        </p:tgtEl>
+                                        <p:attrNameLst>
+                                          <p:attrName>style.visibility</p:attrName>
+                                        </p:attrNameLst>
+                                      </p:cBhvr>
+                                      <p:to>
+                                        <p:strVal val="hidden"/>
+                                      </p:to>
+                                    </p:set>
+                                  </p:childTnLst>
+                                </p:cTn>
+                              </p:par>
+                              <p:par>
+                                <p:cTn id="52" presetID="16" presetClass="exit" presetSubtype="21" fill="hold" grpId="1" nodeType="withEffect">
+                                  <p:stCondLst>
+                                    <p:cond delay="0"/>
+                                  </p:stCondLst>
+                                  <p:childTnLst>
+                                    <p:animEffect transition="out" filter="barn(inVertical)">
+                                      <p:cBhvr>
+                                        <p:cTn id="53" dur="500"/>
+                                        <p:tgtEl>
+                                          <p:spTgt spid="60"/>
+                                        </p:tgtEl>
+                                      </p:cBhvr>
+                                    </p:animEffect>
+                                    <p:set>
+                                      <p:cBhvr>
+                                        <p:cTn id="54" dur="1" fill="hold">
+                                          <p:stCondLst>
+                                            <p:cond delay="499"/>
+                                          </p:stCondLst>
+                                        </p:cTn>
+                                        <p:tgtEl>
+                                          <p:spTgt spid="60"/>
+                                        </p:tgtEl>
+                                        <p:attrNameLst>
+                                          <p:attrName>style.visibility</p:attrName>
+                                        </p:attrNameLst>
+                                      </p:cBhvr>
+                                      <p:to>
+                                        <p:strVal val="hidden"/>
+                                      </p:to>
+                                    </p:set>
+                                  </p:childTnLst>
+                                </p:cTn>
+                              </p:par>
+                              <p:par>
+                                <p:cTn id="55" presetID="16" presetClass="exit" presetSubtype="21" fill="hold" grpId="1" nodeType="withEffect">
+                                  <p:stCondLst>
+                                    <p:cond delay="0"/>
+                                  </p:stCondLst>
+                                  <p:childTnLst>
+                                    <p:animEffect transition="out" filter="barn(inVertical)">
+                                      <p:cBhvr>
+                                        <p:cTn id="56" dur="500"/>
+                                        <p:tgtEl>
+                                          <p:spTgt spid="23"/>
+                                        </p:tgtEl>
+                                      </p:cBhvr>
+                                    </p:animEffect>
+                                    <p:set>
+                                      <p:cBhvr>
+                                        <p:cTn id="57" dur="1" fill="hold">
+                                          <p:stCondLst>
+                                            <p:cond delay="499"/>
+                                          </p:stCondLst>
+                                        </p:cTn>
+                                        <p:tgtEl>
+                                          <p:spTgt spid="23"/>
+                                        </p:tgtEl>
+                                        <p:attrNameLst>
+                                          <p:attrName>style.visibility</p:attrName>
+                                        </p:attrNameLst>
+                                      </p:cBhvr>
+                                      <p:to>
+                                        <p:strVal val="hidden"/>
+                                      </p:to>
+                                    </p:set>
+                                  </p:childTnLst>
+                                </p:cTn>
+                              </p:par>
+                              <p:par>
+                                <p:cTn id="58" presetID="16" presetClass="exit" presetSubtype="21" fill="hold" grpId="1" nodeType="withEffect">
+                                  <p:stCondLst>
+                                    <p:cond delay="0"/>
+                                  </p:stCondLst>
+                                  <p:childTnLst>
+                                    <p:animEffect transition="out" filter="barn(inVertical)">
+                                      <p:cBhvr>
+                                        <p:cTn id="59" dur="500"/>
+                                        <p:tgtEl>
+                                          <p:spTgt spid="37"/>
+                                        </p:tgtEl>
+                                      </p:cBhvr>
+                                    </p:animEffect>
+                                    <p:set>
+                                      <p:cBhvr>
+                                        <p:cTn id="60" dur="1" fill="hold">
+                                          <p:stCondLst>
+                                            <p:cond delay="499"/>
+                                          </p:stCondLst>
+                                        </p:cTn>
+                                        <p:tgtEl>
+                                          <p:spTgt spid="37"/>
+                                        </p:tgtEl>
+                                        <p:attrNameLst>
+                                          <p:attrName>style.visibility</p:attrName>
+                                        </p:attrNameLst>
+                                      </p:cBhvr>
+                                      <p:to>
+                                        <p:strVal val="hidden"/>
+                                      </p:to>
+                                    </p:set>
+                                  </p:childTnLst>
+                                </p:cTn>
+                              </p:par>
+                              <p:par>
+                                <p:cTn id="61" presetID="16" presetClass="exit" presetSubtype="21" fill="hold" nodeType="withEffect">
+                                  <p:stCondLst>
+                                    <p:cond delay="0"/>
+                                  </p:stCondLst>
+                                  <p:childTnLst>
+                                    <p:animEffect transition="out" filter="barn(inVertical)">
+                                      <p:cBhvr>
+                                        <p:cTn id="62" dur="500"/>
+                                        <p:tgtEl>
+                                          <p:spTgt spid="31"/>
+                                        </p:tgtEl>
+                                      </p:cBhvr>
+                                    </p:animEffect>
+                                    <p:set>
+                                      <p:cBhvr>
+                                        <p:cTn id="63" dur="1" fill="hold">
+                                          <p:stCondLst>
+                                            <p:cond delay="499"/>
+                                          </p:stCondLst>
+                                        </p:cTn>
+                                        <p:tgtEl>
+                                          <p:spTgt spid="31"/>
+                                        </p:tgtEl>
+                                        <p:attrNameLst>
+                                          <p:attrName>style.visibility</p:attrName>
+                                        </p:attrNameLst>
+                                      </p:cBhvr>
+                                      <p:to>
+                                        <p:strVal val="hidden"/>
+                                      </p:to>
+                                    </p:set>
+                                  </p:childTnLst>
+                                </p:cTn>
+                              </p:par>
+                              <p:par>
+                                <p:cTn id="64" presetID="16" presetClass="exit" presetSubtype="21" fill="hold" grpId="1" nodeType="withEffect">
+                                  <p:stCondLst>
+                                    <p:cond delay="0"/>
+                                  </p:stCondLst>
+                                  <p:childTnLst>
+                                    <p:animEffect transition="out" filter="barn(inVertical)">
+                                      <p:cBhvr>
+                                        <p:cTn id="65" dur="500"/>
+                                        <p:tgtEl>
+                                          <p:spTgt spid="26"/>
+                                        </p:tgtEl>
+                                      </p:cBhvr>
+                                    </p:animEffect>
+                                    <p:set>
+                                      <p:cBhvr>
+                                        <p:cTn id="66" dur="1" fill="hold">
+                                          <p:stCondLst>
+                                            <p:cond delay="499"/>
+                                          </p:stCondLst>
+                                        </p:cTn>
+                                        <p:tgtEl>
+                                          <p:spTgt spid="26"/>
+                                        </p:tgtEl>
+                                        <p:attrNameLst>
+                                          <p:attrName>style.visibility</p:attrName>
+                                        </p:attrNameLst>
+                                      </p:cBhvr>
+                                      <p:to>
+                                        <p:strVal val="hidden"/>
+                                      </p:to>
+                                    </p:set>
+                                  </p:childTnLst>
+                                </p:cTn>
+                              </p:par>
+                              <p:par>
+                                <p:cTn id="67" presetID="16" presetClass="exit" presetSubtype="21" fill="hold" grpId="1" nodeType="withEffect">
+                                  <p:stCondLst>
+                                    <p:cond delay="0"/>
+                                  </p:stCondLst>
+                                  <p:childTnLst>
+                                    <p:animEffect transition="out" filter="barn(inVertical)">
+                                      <p:cBhvr>
+                                        <p:cTn id="68" dur="500"/>
+                                        <p:tgtEl>
+                                          <p:spTgt spid="45"/>
+                                        </p:tgtEl>
+                                      </p:cBhvr>
+                                    </p:animEffect>
+                                    <p:set>
+                                      <p:cBhvr>
+                                        <p:cTn id="69" dur="1" fill="hold">
+                                          <p:stCondLst>
+                                            <p:cond delay="499"/>
+                                          </p:stCondLst>
+                                        </p:cTn>
+                                        <p:tgtEl>
+                                          <p:spTgt spid="45"/>
+                                        </p:tgtEl>
+                                        <p:attrNameLst>
+                                          <p:attrName>style.visibility</p:attrName>
+                                        </p:attrNameLst>
+                                      </p:cBhvr>
+                                      <p:to>
+                                        <p:strVal val="hidden"/>
+                                      </p:to>
+                                    </p:set>
+                                  </p:childTnLst>
+                                </p:cTn>
+                              </p:par>
+                              <p:par>
+                                <p:cTn id="70" presetID="16" presetClass="exit" presetSubtype="21" fill="hold" nodeType="withEffect">
+                                  <p:stCondLst>
+                                    <p:cond delay="0"/>
+                                  </p:stCondLst>
+                                  <p:childTnLst>
+                                    <p:animEffect transition="out" filter="barn(inVertical)">
+                                      <p:cBhvr>
+                                        <p:cTn id="71" dur="500"/>
+                                        <p:tgtEl>
+                                          <p:spTgt spid="44"/>
+                                        </p:tgtEl>
+                                      </p:cBhvr>
+                                    </p:animEffect>
+                                    <p:set>
+                                      <p:cBhvr>
+                                        <p:cTn id="72" dur="1" fill="hold">
+                                          <p:stCondLst>
+                                            <p:cond delay="499"/>
+                                          </p:stCondLst>
+                                        </p:cTn>
+                                        <p:tgtEl>
+                                          <p:spTgt spid="44"/>
+                                        </p:tgtEl>
+                                        <p:attrNameLst>
+                                          <p:attrName>style.visibility</p:attrName>
+                                        </p:attrNameLst>
+                                      </p:cBhvr>
+                                      <p:to>
+                                        <p:strVal val="hidden"/>
+                                      </p:to>
+                                    </p:set>
+                                  </p:childTnLst>
+                                </p:cTn>
+                              </p:par>
+                              <p:par>
+                                <p:cTn id="73" presetID="16" presetClass="exit" presetSubtype="21" fill="hold" grpId="1" nodeType="withEffect">
+                                  <p:stCondLst>
+                                    <p:cond delay="0"/>
+                                  </p:stCondLst>
+                                  <p:childTnLst>
+                                    <p:animEffect transition="out" filter="barn(inVertical)">
+                                      <p:cBhvr>
+                                        <p:cTn id="74" dur="500"/>
+                                        <p:tgtEl>
+                                          <p:spTgt spid="27"/>
+                                        </p:tgtEl>
+                                      </p:cBhvr>
+                                    </p:animEffect>
+                                    <p:set>
+                                      <p:cBhvr>
+                                        <p:cTn id="75" dur="1" fill="hold">
+                                          <p:stCondLst>
+                                            <p:cond delay="499"/>
+                                          </p:stCondLst>
+                                        </p:cTn>
+                                        <p:tgtEl>
+                                          <p:spTgt spid="27"/>
+                                        </p:tgtEl>
+                                        <p:attrNameLst>
+                                          <p:attrName>style.visibility</p:attrName>
+                                        </p:attrNameLst>
+                                      </p:cBhvr>
+                                      <p:to>
+                                        <p:strVal val="hidden"/>
+                                      </p:to>
+                                    </p:set>
+                                  </p:childTnLst>
+                                </p:cTn>
+                              </p:par>
+                              <p:par>
+                                <p:cTn id="76" presetID="16" presetClass="exit" presetSubtype="21" fill="hold" nodeType="withEffect">
+                                  <p:stCondLst>
+                                    <p:cond delay="0"/>
+                                  </p:stCondLst>
+                                  <p:childTnLst>
+                                    <p:animEffect transition="out" filter="barn(inVertical)">
+                                      <p:cBhvr>
+                                        <p:cTn id="77" dur="500"/>
+                                        <p:tgtEl>
+                                          <p:spTgt spid="49"/>
+                                        </p:tgtEl>
+                                      </p:cBhvr>
+                                    </p:animEffect>
+                                    <p:set>
+                                      <p:cBhvr>
+                                        <p:cTn id="78" dur="1" fill="hold">
+                                          <p:stCondLst>
+                                            <p:cond delay="499"/>
+                                          </p:stCondLst>
+                                        </p:cTn>
+                                        <p:tgtEl>
+                                          <p:spTgt spid="49"/>
+                                        </p:tgtEl>
+                                        <p:attrNameLst>
+                                          <p:attrName>style.visibility</p:attrName>
+                                        </p:attrNameLst>
+                                      </p:cBhvr>
+                                      <p:to>
+                                        <p:strVal val="hidden"/>
+                                      </p:to>
+                                    </p:set>
+                                  </p:childTnLst>
+                                </p:cTn>
+                              </p:par>
+                              <p:par>
+                                <p:cTn id="79" presetID="16" presetClass="exit" presetSubtype="21" fill="hold" grpId="1" nodeType="withEffect">
+                                  <p:stCondLst>
+                                    <p:cond delay="0"/>
+                                  </p:stCondLst>
+                                  <p:childTnLst>
+                                    <p:animEffect transition="out" filter="barn(inVertical)">
+                                      <p:cBhvr>
+                                        <p:cTn id="80" dur="500"/>
+                                        <p:tgtEl>
+                                          <p:spTgt spid="50"/>
+                                        </p:tgtEl>
+                                      </p:cBhvr>
+                                    </p:animEffect>
+                                    <p:set>
+                                      <p:cBhvr>
+                                        <p:cTn id="81" dur="1" fill="hold">
+                                          <p:stCondLst>
+                                            <p:cond delay="499"/>
+                                          </p:stCondLst>
+                                        </p:cTn>
+                                        <p:tgtEl>
+                                          <p:spTgt spid="50"/>
+                                        </p:tgtEl>
+                                        <p:attrNameLst>
+                                          <p:attrName>style.visibility</p:attrName>
+                                        </p:attrNameLst>
+                                      </p:cBhvr>
+                                      <p:to>
+                                        <p:strVal val="hidden"/>
+                                      </p:to>
+                                    </p:set>
+                                  </p:childTnLst>
+                                </p:cTn>
+                              </p:par>
+                              <p:par>
+                                <p:cTn id="82" presetID="16" presetClass="exit" presetSubtype="21" fill="hold" grpId="1" nodeType="withEffect">
+                                  <p:stCondLst>
+                                    <p:cond delay="0"/>
+                                  </p:stCondLst>
+                                  <p:childTnLst>
+                                    <p:animEffect transition="out" filter="barn(inVertical)">
+                                      <p:cBhvr>
+                                        <p:cTn id="83" dur="500"/>
+                                        <p:tgtEl>
+                                          <p:spTgt spid="28"/>
+                                        </p:tgtEl>
+                                      </p:cBhvr>
+                                    </p:animEffect>
+                                    <p:set>
+                                      <p:cBhvr>
+                                        <p:cTn id="84" dur="1" fill="hold">
+                                          <p:stCondLst>
+                                            <p:cond delay="499"/>
+                                          </p:stCondLst>
+                                        </p:cTn>
+                                        <p:tgtEl>
+                                          <p:spTgt spid="28"/>
+                                        </p:tgtEl>
+                                        <p:attrNameLst>
+                                          <p:attrName>style.visibility</p:attrName>
+                                        </p:attrNameLst>
+                                      </p:cBhvr>
+                                      <p:to>
+                                        <p:strVal val="hidden"/>
+                                      </p:to>
+                                    </p:set>
+                                  </p:childTnLst>
+                                </p:cTn>
+                              </p:par>
+                            </p:childTnLst>
+                          </p:cTn>
+                        </p:par>
+                      </p:childTnLst>
+                    </p:cTn>
+                  </p:par>
+                  <p:par>
+                    <p:cTn id="85" fill="hold">
+                      <p:stCondLst>
+                        <p:cond delay="indefinite"/>
+                      </p:stCondLst>
+                      <p:childTnLst>
+                        <p:par>
+                          <p:cTn id="86" fill="hold">
+                            <p:stCondLst>
+                              <p:cond delay="0"/>
+                            </p:stCondLst>
+                            <p:childTnLst>
+                              <p:par>
+                                <p:cTn id="87" presetID="16" presetClass="exit" presetSubtype="21" fill="hold" nodeType="clickEffect">
+                                  <p:stCondLst>
+                                    <p:cond delay="0"/>
+                                  </p:stCondLst>
+                                  <p:childTnLst>
+                                    <p:animEffect transition="out" filter="barn(inVertical)">
+                                      <p:cBhvr>
+                                        <p:cTn id="88" dur="500"/>
+                                        <p:tgtEl>
+                                          <p:spTgt spid="7"/>
+                                        </p:tgtEl>
+                                      </p:cBhvr>
+                                    </p:animEffect>
+                                    <p:set>
+                                      <p:cBhvr>
+                                        <p:cTn id="89" dur="1" fill="hold">
+                                          <p:stCondLst>
+                                            <p:cond delay="499"/>
+                                          </p:stCondLst>
+                                        </p:cTn>
+                                        <p:tgtEl>
+                                          <p:spTgt spid="7"/>
+                                        </p:tgtEl>
+                                        <p:attrNameLst>
+                                          <p:attrName>style.visibility</p:attrName>
+                                        </p:attrNameLst>
+                                      </p:cBhvr>
+                                      <p:to>
+                                        <p:strVal val="hidden"/>
+                                      </p:to>
+                                    </p:set>
+                                  </p:childTnLst>
+                                </p:cTn>
+                              </p:par>
+                              <p:par>
+                                <p:cTn id="90" presetID="16" presetClass="exit" presetSubtype="21" fill="hold" nodeType="withEffect">
+                                  <p:stCondLst>
+                                    <p:cond delay="0"/>
+                                  </p:stCondLst>
+                                  <p:childTnLst>
+                                    <p:animEffect transition="out" filter="barn(inVertical)">
+                                      <p:cBhvr>
+                                        <p:cTn id="91" dur="500"/>
+                                        <p:tgtEl>
+                                          <p:spTgt spid="10"/>
+                                        </p:tgtEl>
+                                      </p:cBhvr>
+                                    </p:animEffect>
+                                    <p:set>
+                                      <p:cBhvr>
+                                        <p:cTn id="92" dur="1" fill="hold">
+                                          <p:stCondLst>
+                                            <p:cond delay="499"/>
+                                          </p:stCondLst>
+                                        </p:cTn>
+                                        <p:tgtEl>
+                                          <p:spTgt spid="10"/>
+                                        </p:tgtEl>
+                                        <p:attrNameLst>
+                                          <p:attrName>style.visibility</p:attrName>
+                                        </p:attrNameLst>
+                                      </p:cBhvr>
+                                      <p:to>
+                                        <p:strVal val="hidden"/>
+                                      </p:to>
+                                    </p:set>
+                                  </p:childTnLst>
+                                </p:cTn>
+                              </p:par>
+                              <p:par>
+                                <p:cTn id="93" presetID="16" presetClass="exit" presetSubtype="21" fill="hold" nodeType="withEffect">
+                                  <p:stCondLst>
+                                    <p:cond delay="0"/>
+                                  </p:stCondLst>
+                                  <p:childTnLst>
+                                    <p:animEffect transition="out" filter="barn(inVertical)">
+                                      <p:cBhvr>
+                                        <p:cTn id="94" dur="500"/>
+                                        <p:tgtEl>
+                                          <p:spTgt spid="12"/>
+                                        </p:tgtEl>
+                                      </p:cBhvr>
+                                    </p:animEffect>
+                                    <p:set>
+                                      <p:cBhvr>
+                                        <p:cTn id="95" dur="1" fill="hold">
+                                          <p:stCondLst>
+                                            <p:cond delay="499"/>
+                                          </p:stCondLst>
+                                        </p:cTn>
+                                        <p:tgtEl>
+                                          <p:spTgt spid="12"/>
+                                        </p:tgtEl>
+                                        <p:attrNameLst>
+                                          <p:attrName>style.visibility</p:attrName>
+                                        </p:attrNameLst>
+                                      </p:cBhvr>
+                                      <p:to>
+                                        <p:strVal val="hidden"/>
+                                      </p:to>
+                                    </p:set>
+                                  </p:childTnLst>
+                                </p:cTn>
+                              </p:par>
+                              <p:par>
+                                <p:cTn id="96" presetID="16" presetClass="exit" presetSubtype="21" fill="hold" nodeType="withEffect">
+                                  <p:stCondLst>
+                                    <p:cond delay="0"/>
+                                  </p:stCondLst>
+                                  <p:childTnLst>
+                                    <p:animEffect transition="out" filter="barn(inVertical)">
+                                      <p:cBhvr>
+                                        <p:cTn id="97" dur="500"/>
+                                        <p:tgtEl>
+                                          <p:spTgt spid="14"/>
+                                        </p:tgtEl>
+                                      </p:cBhvr>
+                                    </p:animEffect>
+                                    <p:set>
+                                      <p:cBhvr>
+                                        <p:cTn id="98" dur="1" fill="hold">
+                                          <p:stCondLst>
+                                            <p:cond delay="499"/>
+                                          </p:stCondLst>
+                                        </p:cTn>
+                                        <p:tgtEl>
+                                          <p:spTgt spid="14"/>
+                                        </p:tgtEl>
+                                        <p:attrNameLst>
+                                          <p:attrName>style.visibility</p:attrName>
+                                        </p:attrNameLst>
+                                      </p:cBhvr>
+                                      <p:to>
+                                        <p:strVal val="hidden"/>
+                                      </p:to>
+                                    </p:set>
+                                  </p:childTnLst>
+                                </p:cTn>
+                              </p:par>
+                              <p:par>
+                                <p:cTn id="99" presetID="16" presetClass="exit" presetSubtype="21" fill="hold" nodeType="withEffect">
+                                  <p:stCondLst>
+                                    <p:cond delay="0"/>
+                                  </p:stCondLst>
+                                  <p:childTnLst>
+                                    <p:animEffect transition="out" filter="barn(inVertical)">
+                                      <p:cBhvr>
+                                        <p:cTn id="100" dur="500"/>
+                                        <p:tgtEl>
+                                          <p:spTgt spid="22"/>
+                                        </p:tgtEl>
+                                      </p:cBhvr>
+                                    </p:animEffect>
+                                    <p:set>
+                                      <p:cBhvr>
+                                        <p:cTn id="101" dur="1" fill="hold">
+                                          <p:stCondLst>
+                                            <p:cond delay="499"/>
+                                          </p:stCondLst>
+                                        </p:cTn>
+                                        <p:tgtEl>
+                                          <p:spTgt spid="22"/>
+                                        </p:tgtEl>
+                                        <p:attrNameLst>
+                                          <p:attrName>style.visibility</p:attrName>
+                                        </p:attrNameLst>
+                                      </p:cBhvr>
+                                      <p:to>
+                                        <p:strVal val="hidden"/>
+                                      </p:to>
+                                    </p:set>
+                                  </p:childTnLst>
+                                </p:cTn>
+                              </p:par>
+                            </p:childTnLst>
+                          </p:cTn>
+                        </p:par>
+                      </p:childTnLst>
+                    </p:cTn>
+                  </p:par>
+                  <p:par>
+                    <p:cTn id="102" fill="hold">
+                      <p:stCondLst>
+                        <p:cond delay="indefinite"/>
+                      </p:stCondLst>
+                      <p:childTnLst>
+                        <p:par>
+                          <p:cTn id="103" fill="hold">
+                            <p:stCondLst>
+                              <p:cond delay="0"/>
+                            </p:stCondLst>
+                            <p:childTnLst>
+                              <p:par>
+                                <p:cTn id="104" presetID="16" presetClass="entr" presetSubtype="21" fill="hold" grpId="0" nodeType="clickEffect">
+                                  <p:stCondLst>
+                                    <p:cond delay="0"/>
+                                  </p:stCondLst>
+                                  <p:childTnLst>
+                                    <p:set>
+                                      <p:cBhvr>
+                                        <p:cTn id="105" dur="1" fill="hold">
+                                          <p:stCondLst>
+                                            <p:cond delay="0"/>
+                                          </p:stCondLst>
+                                        </p:cTn>
+                                        <p:tgtEl>
+                                          <p:spTgt spid="85"/>
+                                        </p:tgtEl>
+                                        <p:attrNameLst>
+                                          <p:attrName>style.visibility</p:attrName>
+                                        </p:attrNameLst>
+                                      </p:cBhvr>
+                                      <p:to>
+                                        <p:strVal val="visible"/>
+                                      </p:to>
+                                    </p:set>
+                                    <p:animEffect transition="in" filter="barn(inVertical)">
+                                      <p:cBhvr>
+                                        <p:cTn id="106" dur="500"/>
+                                        <p:tgtEl>
+                                          <p:spTgt spid="85"/>
+                                        </p:tgtEl>
+                                      </p:cBhvr>
+                                    </p:animEffect>
+                                  </p:childTnLst>
+                                </p:cTn>
+                              </p:par>
+                              <p:par>
+                                <p:cTn id="107" presetID="16" presetClass="entr" presetSubtype="21" fill="hold" grpId="0" nodeType="withEffect">
+                                  <p:stCondLst>
+                                    <p:cond delay="0"/>
+                                  </p:stCondLst>
+                                  <p:childTnLst>
+                                    <p:set>
+                                      <p:cBhvr>
+                                        <p:cTn id="108" dur="1" fill="hold">
+                                          <p:stCondLst>
+                                            <p:cond delay="0"/>
+                                          </p:stCondLst>
+                                        </p:cTn>
+                                        <p:tgtEl>
+                                          <p:spTgt spid="86"/>
+                                        </p:tgtEl>
+                                        <p:attrNameLst>
+                                          <p:attrName>style.visibility</p:attrName>
+                                        </p:attrNameLst>
+                                      </p:cBhvr>
+                                      <p:to>
+                                        <p:strVal val="visible"/>
+                                      </p:to>
+                                    </p:set>
+                                    <p:animEffect transition="in" filter="barn(inVertical)">
+                                      <p:cBhvr>
+                                        <p:cTn id="109" dur="500"/>
+                                        <p:tgtEl>
+                                          <p:spTgt spid="86"/>
+                                        </p:tgtEl>
+                                      </p:cBhvr>
+                                    </p:animEffect>
+                                  </p:childTnLst>
+                                </p:cTn>
+                              </p:par>
+                              <p:par>
+                                <p:cTn id="110" presetID="16" presetClass="entr" presetSubtype="21" fill="hold" grpId="0" nodeType="withEffect">
+                                  <p:stCondLst>
+                                    <p:cond delay="0"/>
+                                  </p:stCondLst>
+                                  <p:childTnLst>
+                                    <p:set>
+                                      <p:cBhvr>
+                                        <p:cTn id="111" dur="1" fill="hold">
+                                          <p:stCondLst>
+                                            <p:cond delay="0"/>
+                                          </p:stCondLst>
+                                        </p:cTn>
+                                        <p:tgtEl>
+                                          <p:spTgt spid="89"/>
+                                        </p:tgtEl>
+                                        <p:attrNameLst>
+                                          <p:attrName>style.visibility</p:attrName>
+                                        </p:attrNameLst>
+                                      </p:cBhvr>
+                                      <p:to>
+                                        <p:strVal val="visible"/>
+                                      </p:to>
+                                    </p:set>
+                                    <p:animEffect transition="in" filter="barn(inVertical)">
+                                      <p:cBhvr>
+                                        <p:cTn id="112" dur="500"/>
+                                        <p:tgtEl>
+                                          <p:spTgt spid="89"/>
+                                        </p:tgtEl>
+                                      </p:cBhvr>
+                                    </p:animEffect>
+                                  </p:childTnLst>
+                                </p:cTn>
+                              </p:par>
+                              <p:par>
+                                <p:cTn id="113" presetID="16" presetClass="entr" presetSubtype="21" fill="hold" grpId="0" nodeType="withEffect">
+                                  <p:stCondLst>
+                                    <p:cond delay="0"/>
+                                  </p:stCondLst>
+                                  <p:childTnLst>
+                                    <p:set>
+                                      <p:cBhvr>
+                                        <p:cTn id="114" dur="1" fill="hold">
+                                          <p:stCondLst>
+                                            <p:cond delay="0"/>
+                                          </p:stCondLst>
+                                        </p:cTn>
+                                        <p:tgtEl>
+                                          <p:spTgt spid="90"/>
+                                        </p:tgtEl>
+                                        <p:attrNameLst>
+                                          <p:attrName>style.visibility</p:attrName>
+                                        </p:attrNameLst>
+                                      </p:cBhvr>
+                                      <p:to>
+                                        <p:strVal val="visible"/>
+                                      </p:to>
+                                    </p:set>
+                                    <p:animEffect transition="in" filter="barn(inVertical)">
+                                      <p:cBhvr>
+                                        <p:cTn id="115" dur="500"/>
+                                        <p:tgtEl>
+                                          <p:spTgt spid="90"/>
+                                        </p:tgtEl>
+                                      </p:cBhvr>
+                                    </p:animEffect>
+                                  </p:childTnLst>
+                                </p:cTn>
+                              </p:par>
+                            </p:childTnLst>
+                          </p:cTn>
+                        </p:par>
+                      </p:childTnLst>
+                    </p:cTn>
+                  </p:par>
+                </p:childTnLst>
+              </p:cTn>
+              <p:prevCondLst>
+                <p:cond evt="onPrev" delay="0">
+                  <p:tgtEl>
+                    <p:sldTgt/>
+                  </p:tgtEl>
+                </p:cond>
+              </p:prevCondLst>
+              <p:nextCondLst>
+                <p:cond evt="onNext" delay="0">
+                  <p:tgtEl>
+                    <p:sldTgt/>
+                  </p:tgtEl>
+                </p:cond>
+              </p:nextCondLst>
+            </p:seq>
+          </p:childTnLst>
+        </p:cTn>
+      </p:par>
+    </p:tnLst>
+    <p:bldLst>
+      <p:bldP spid="23" grpId="0" animBg="1"/>
+      <p:bldP spid="23" grpId="1" animBg="1"/>
+      <p:bldP spid="26" grpId="0" animBg="1"/>
+      <p:bldP spid="26" grpId="1" animBg="1"/>
+      <p:bldP spid="27" grpId="0" animBg="1"/>
+      <p:bldP spid="27" grpId="1" animBg="1"/>
+      <p:bldP spid="28" grpId="0" animBg="1"/>
+      <p:bldP spid="28" grpId="1" animBg="1"/>
+      <p:bldP spid="37" grpId="0" animBg="1"/>
+      <p:bldP spid="37" grpId="1" animBg="1"/>
+      <p:bldP spid="45" grpId="0" animBg="1"/>
+      <p:bldP spid="45" grpId="1" animBg="1"/>
+      <p:bldP spid="50" grpId="0" animBg="1"/>
+      <p:bldP spid="50" grpId="1" animBg="1"/>
+      <p:bldP spid="60" grpId="0" animBg="1"/>
+      <p:bldP spid="60" grpId="1" animBg="1"/>
+      <p:bldP spid="85" grpId="0" animBg="1"/>
+      <p:bldP spid="86" grpId="0" animBg="1"/>
+      <p:bldP spid="89" grpId="0" animBg="1"/>
+      <p:bldP spid="90" grpId="0" animBg="1"/>
+    </p:bldLst>
+  </p:timing>
 </p:sld>
 </file>
 

--- a/00_参照ファイル/10_管理/書籍管理システム.pptx
+++ b/00_参照ファイル/10_管理/書籍管理システム.pptx
@@ -5,7 +5,7 @@
     <p:sldMasterId id="2147483774" r:id="rId1"/>
   </p:sldMasterIdLst>
   <p:notesMasterIdLst>
-    <p:notesMasterId r:id="rId14"/>
+    <p:notesMasterId r:id="rId16"/>
   </p:notesMasterIdLst>
   <p:sldIdLst>
     <p:sldId id="262" r:id="rId2"/>
@@ -13,13 +13,15 @@
     <p:sldId id="257" r:id="rId4"/>
     <p:sldId id="258" r:id="rId5"/>
     <p:sldId id="259" r:id="rId6"/>
-    <p:sldId id="260" r:id="rId7"/>
-    <p:sldId id="261" r:id="rId8"/>
-    <p:sldId id="256" r:id="rId9"/>
-    <p:sldId id="263" r:id="rId10"/>
-    <p:sldId id="265" r:id="rId11"/>
-    <p:sldId id="266" r:id="rId12"/>
-    <p:sldId id="264" r:id="rId13"/>
+    <p:sldId id="268" r:id="rId7"/>
+    <p:sldId id="269" r:id="rId8"/>
+    <p:sldId id="260" r:id="rId9"/>
+    <p:sldId id="261" r:id="rId10"/>
+    <p:sldId id="256" r:id="rId11"/>
+    <p:sldId id="263" r:id="rId12"/>
+    <p:sldId id="265" r:id="rId13"/>
+    <p:sldId id="266" r:id="rId14"/>
+    <p:sldId id="264" r:id="rId15"/>
   </p:sldIdLst>
   <p:sldSz cx="12192000" cy="6858000"/>
   <p:notesSz cx="6858000" cy="9144000"/>
@@ -572,7 +574,7 @@
           <a:p>
             <a:fld id="{04D9CD55-CB3B-4436-8FDC-D24C783909B0}" type="slidenum">
               <a:rPr kumimoji="1" lang="ja-JP" altLang="en-US" smtClean="0"/>
-              <a:t>10</a:t>
+              <a:t>12</a:t>
             </a:fld>
             <a:endParaRPr kumimoji="1" lang="ja-JP" altLang="en-US"/>
           </a:p>
@@ -4727,7 +4729,7 @@
           <p:cNvPr id="2" name="タイトル 1">
             <a:extLst>
               <a:ext uri="{FF2B5EF4-FFF2-40B4-BE49-F238E27FC236}">
-                <a16:creationId xmlns:a16="http://schemas.microsoft.com/office/drawing/2014/main" id="{84434951-2A3F-F7D3-1A59-52B90BAB6FCF}"/>
+                <a16:creationId xmlns:a16="http://schemas.microsoft.com/office/drawing/2014/main" id="{A36EB1DE-CB46-46E7-89E0-E0A9C5F0541E}"/>
               </a:ext>
             </a:extLst>
           </p:cNvPr>
@@ -4735,31 +4737,39 @@
             <a:spLocks noGrp="1"/>
           </p:cNvSpPr>
           <p:nvPr>
-            <p:ph type="title"/>
+            <p:ph type="ctrTitle"/>
           </p:nvPr>
         </p:nvSpPr>
-        <p:spPr/>
-        <p:txBody>
-          <a:bodyPr/>
+        <p:spPr>
+          <a:xfrm>
+            <a:off x="1175111" y="945913"/>
+            <a:ext cx="9560300" cy="2618554"/>
+          </a:xfrm>
+        </p:spPr>
+        <p:txBody>
+          <a:bodyPr>
+            <a:normAutofit/>
+          </a:bodyPr>
           <a:lstStyle/>
           <a:p>
-            <a:r>
-              <a:rPr kumimoji="1" lang="en-US" altLang="ja-JP" dirty="0"/>
-              <a:t>PHP</a:t>
-            </a:r>
-            <a:r>
-              <a:rPr kumimoji="1" lang="ja-JP" altLang="en-US" dirty="0"/>
-              <a:t>とは？</a:t>
-            </a:r>
-          </a:p>
-        </p:txBody>
-      </p:sp>
-      <p:sp>
-        <p:nvSpPr>
-          <p:cNvPr id="3" name="コンテンツ プレースホルダー 2">
+            <a:pPr algn="ctr"/>
+            <a:r>
+              <a:rPr lang="ja-JP" altLang="en-US" sz="6000" dirty="0"/>
+              <a:t>バックエンド技術について</a:t>
+            </a:r>
+            <a:endParaRPr kumimoji="1" lang="ja-JP" altLang="en-US" sz="6000" dirty="0">
+              <a:latin typeface="HG丸ｺﾞｼｯｸM-PRO" panose="020F0600000000000000" pitchFamily="50" charset="-128"/>
+              <a:ea typeface="HG丸ｺﾞｼｯｸM-PRO" panose="020F0600000000000000" pitchFamily="50" charset="-128"/>
+            </a:endParaRPr>
+          </a:p>
+        </p:txBody>
+      </p:sp>
+      <p:sp>
+        <p:nvSpPr>
+          <p:cNvPr id="3" name="字幕 2">
             <a:extLst>
               <a:ext uri="{FF2B5EF4-FFF2-40B4-BE49-F238E27FC236}">
-                <a16:creationId xmlns:a16="http://schemas.microsoft.com/office/drawing/2014/main" id="{8097E164-1336-4D09-5CCC-42D5480D5651}"/>
+                <a16:creationId xmlns:a16="http://schemas.microsoft.com/office/drawing/2014/main" id="{72D5286E-F29B-4109-9356-E513C3FB99DF}"/>
               </a:ext>
             </a:extLst>
           </p:cNvPr>
@@ -4767,65 +4777,41 @@
             <a:spLocks noGrp="1"/>
           </p:cNvSpPr>
           <p:nvPr>
-            <p:ph idx="1"/>
+            <p:ph type="subTitle" idx="1"/>
           </p:nvPr>
         </p:nvSpPr>
         <p:spPr>
           <a:xfrm>
-            <a:off x="1130270" y="1733832"/>
-            <a:ext cx="10314970" cy="3732513"/>
+            <a:off x="1128403" y="4453700"/>
+            <a:ext cx="8637072" cy="1071095"/>
           </a:xfrm>
         </p:spPr>
         <p:txBody>
           <a:bodyPr/>
           <a:lstStyle/>
           <a:p>
-            <a:r>
-              <a:rPr lang="en-US" altLang="ja-JP" dirty="0"/>
-              <a:t>Web</a:t>
-            </a:r>
-            <a:r>
-              <a:rPr lang="ja-JP" altLang="en-US" dirty="0"/>
-              <a:t>サイトの動き（画面遷移など）や、仕組み（データのやり取りなど）を担当</a:t>
-            </a:r>
-            <a:endParaRPr lang="en-US" altLang="ja-JP" dirty="0"/>
-          </a:p>
-          <a:p>
-            <a:endParaRPr lang="en-US" altLang="ja-JP" dirty="0"/>
-          </a:p>
-          <a:p>
-            <a:r>
-              <a:rPr lang="ja-JP" altLang="en-US" dirty="0"/>
-              <a:t>書籍管理システムでは以下を担当</a:t>
-            </a:r>
-            <a:endParaRPr lang="en-US" altLang="ja-JP" dirty="0"/>
-          </a:p>
-          <a:p>
-            <a:pPr lvl="1"/>
-            <a:r>
-              <a:rPr lang="ja-JP" altLang="en-US" dirty="0"/>
-              <a:t>ログイン認証</a:t>
-            </a:r>
-            <a:endParaRPr lang="en-US" altLang="ja-JP" dirty="0"/>
-          </a:p>
-          <a:p>
-            <a:pPr lvl="1"/>
-            <a:r>
-              <a:rPr lang="ja-JP" altLang="en-US" dirty="0"/>
-              <a:t>書籍の登録・削除</a:t>
-            </a:r>
-            <a:endParaRPr lang="en-US" altLang="ja-JP" dirty="0"/>
-          </a:p>
-          <a:p>
-            <a:pPr lvl="1"/>
-            <a:r>
-              <a:rPr lang="ja-JP" altLang="en-US" dirty="0"/>
-              <a:t>レビュー内容の表示</a:t>
-            </a:r>
-            <a:endParaRPr lang="en-US" altLang="ja-JP" dirty="0"/>
-          </a:p>
-          <a:p>
-            <a:endParaRPr kumimoji="1" lang="ja-JP" altLang="en-US" dirty="0"/>
+            <a:pPr algn="r"/>
+            <a:r>
+              <a:rPr kumimoji="1" lang="ja-JP" altLang="en-US" sz="2000" dirty="0">
+                <a:latin typeface="HG丸ｺﾞｼｯｸM-PRO" panose="020F0600000000000000" pitchFamily="50" charset="-128"/>
+                <a:ea typeface="HG丸ｺﾞｼｯｸM-PRO" panose="020F0600000000000000" pitchFamily="50" charset="-128"/>
+              </a:rPr>
+              <a:t>グループ２</a:t>
+            </a:r>
+            <a:endParaRPr kumimoji="1" lang="en-US" altLang="ja-JP" sz="2000" dirty="0">
+              <a:latin typeface="HG丸ｺﾞｼｯｸM-PRO" panose="020F0600000000000000" pitchFamily="50" charset="-128"/>
+              <a:ea typeface="HG丸ｺﾞｼｯｸM-PRO" panose="020F0600000000000000" pitchFamily="50" charset="-128"/>
+            </a:endParaRPr>
+          </a:p>
+          <a:p>
+            <a:pPr algn="r"/>
+            <a:r>
+              <a:rPr kumimoji="1" lang="ja-JP" altLang="en-US" sz="2400" dirty="0">
+                <a:latin typeface="HG丸ｺﾞｼｯｸM-PRO" panose="020F0600000000000000" pitchFamily="50" charset="-128"/>
+                <a:ea typeface="HG丸ｺﾞｼｯｸM-PRO" panose="020F0600000000000000" pitchFamily="50" charset="-128"/>
+              </a:rPr>
+              <a:t>上村・中田・中村・永森</a:t>
+            </a:r>
           </a:p>
         </p:txBody>
       </p:sp>
@@ -4834,7 +4820,7 @@
           <p:cNvPr id="4" name="スライド番号プレースホルダー 3">
             <a:extLst>
               <a:ext uri="{FF2B5EF4-FFF2-40B4-BE49-F238E27FC236}">
-                <a16:creationId xmlns:a16="http://schemas.microsoft.com/office/drawing/2014/main" id="{B0E4B6B4-1061-D1CE-D3E3-8454FFC448A5}"/>
+                <a16:creationId xmlns:a16="http://schemas.microsoft.com/office/drawing/2014/main" id="{0AA5DBAB-23BA-413F-A190-5666F600B0AC}"/>
               </a:ext>
             </a:extLst>
           </p:cNvPr>
@@ -4861,7 +4847,7 @@
     </p:spTree>
     <p:extLst>
       <p:ext uri="{BB962C8B-B14F-4D97-AF65-F5344CB8AC3E}">
-        <p14:creationId xmlns:p14="http://schemas.microsoft.com/office/powerpoint/2010/main" val="2697668198"/>
+        <p14:creationId xmlns:p14="http://schemas.microsoft.com/office/powerpoint/2010/main" val="3984249382"/>
       </p:ext>
     </p:extLst>
   </p:cSld>
@@ -4893,3042 +4879,6 @@
           <p:cNvPr id="2" name="タイトル 1">
             <a:extLst>
               <a:ext uri="{FF2B5EF4-FFF2-40B4-BE49-F238E27FC236}">
-                <a16:creationId xmlns:a16="http://schemas.microsoft.com/office/drawing/2014/main" id="{22E7309E-3081-2E8D-EFC5-9623691EC39D}"/>
-              </a:ext>
-            </a:extLst>
-          </p:cNvPr>
-          <p:cNvSpPr>
-            <a:spLocks noGrp="1"/>
-          </p:cNvSpPr>
-          <p:nvPr>
-            <p:ph type="title"/>
-          </p:nvPr>
-        </p:nvSpPr>
-        <p:spPr/>
-        <p:txBody>
-          <a:bodyPr/>
-          <a:lstStyle/>
-          <a:p>
-            <a:r>
-              <a:rPr kumimoji="1" lang="en-US" altLang="ja-JP" dirty="0"/>
-              <a:t>PHP</a:t>
-            </a:r>
-            <a:r>
-              <a:rPr kumimoji="1" lang="ja-JP" altLang="en-US" dirty="0"/>
-              <a:t>のコードを見てみよう！</a:t>
-            </a:r>
-          </a:p>
-        </p:txBody>
-      </p:sp>
-      <p:sp>
-        <p:nvSpPr>
-          <p:cNvPr id="4" name="スライド番号プレースホルダー 3">
-            <a:extLst>
-              <a:ext uri="{FF2B5EF4-FFF2-40B4-BE49-F238E27FC236}">
-                <a16:creationId xmlns:a16="http://schemas.microsoft.com/office/drawing/2014/main" id="{B4874F1A-910A-D22F-DDB4-995FEBC0CC0A}"/>
-              </a:ext>
-            </a:extLst>
-          </p:cNvPr>
-          <p:cNvSpPr>
-            <a:spLocks noGrp="1"/>
-          </p:cNvSpPr>
-          <p:nvPr>
-            <p:ph type="sldNum" sz="quarter" idx="12"/>
-          </p:nvPr>
-        </p:nvSpPr>
-        <p:spPr/>
-        <p:txBody>
-          <a:bodyPr/>
-          <a:lstStyle/>
-          <a:p>
-            <a:fld id="{F0E75ABD-E329-4735-B6E0-3752012DC264}" type="slidenum">
-              <a:rPr kumimoji="1" lang="ja-JP" altLang="en-US" smtClean="0"/>
-              <a:t>11</a:t>
-            </a:fld>
-            <a:endParaRPr kumimoji="1" lang="ja-JP" altLang="en-US"/>
-          </a:p>
-        </p:txBody>
-      </p:sp>
-      <p:pic>
-        <p:nvPicPr>
-          <p:cNvPr id="5" name="図 4">
-            <a:extLst>
-              <a:ext uri="{FF2B5EF4-FFF2-40B4-BE49-F238E27FC236}">
-                <a16:creationId xmlns:a16="http://schemas.microsoft.com/office/drawing/2014/main" id="{76E31158-5345-BA66-6656-274DB1F3D747}"/>
-              </a:ext>
-            </a:extLst>
-          </p:cNvPr>
-          <p:cNvPicPr>
-            <a:picLocks noChangeAspect="1"/>
-          </p:cNvPicPr>
-          <p:nvPr/>
-        </p:nvPicPr>
-        <p:blipFill>
-          <a:blip r:embed="rId2"/>
-          <a:stretch>
-            <a:fillRect/>
-          </a:stretch>
-        </p:blipFill>
-        <p:spPr>
-          <a:xfrm>
-            <a:off x="4691201" y="1579419"/>
-            <a:ext cx="6073454" cy="4493536"/>
-          </a:xfrm>
-          <a:prstGeom prst="rect">
-            <a:avLst/>
-          </a:prstGeom>
-        </p:spPr>
-      </p:pic>
-    </p:spTree>
-    <p:extLst>
-      <p:ext uri="{BB962C8B-B14F-4D97-AF65-F5344CB8AC3E}">
-        <p14:creationId xmlns:p14="http://schemas.microsoft.com/office/powerpoint/2010/main" val="3368723803"/>
-      </p:ext>
-    </p:extLst>
-  </p:cSld>
-  <p:clrMapOvr>
-    <a:masterClrMapping/>
-  </p:clrMapOvr>
-</p:sld>
-</file>
-
-<file path=ppt/slides/slide12.xml><?xml version="1.0" encoding="utf-8"?>
-<p:sld xmlns:a="http://schemas.openxmlformats.org/drawingml/2006/main" xmlns:r="http://schemas.openxmlformats.org/officeDocument/2006/relationships" xmlns:p="http://schemas.openxmlformats.org/presentationml/2006/main">
-  <p:cSld>
-    <p:spTree>
-      <p:nvGrpSpPr>
-        <p:cNvPr id="1" name=""/>
-        <p:cNvGrpSpPr/>
-        <p:nvPr/>
-      </p:nvGrpSpPr>
-      <p:grpSpPr>
-        <a:xfrm>
-          <a:off x="0" y="0"/>
-          <a:ext cx="0" cy="0"/>
-          <a:chOff x="0" y="0"/>
-          <a:chExt cx="0" cy="0"/>
-        </a:xfrm>
-      </p:grpSpPr>
-      <p:pic>
-        <p:nvPicPr>
-          <p:cNvPr id="11" name="Picture 6" descr="image3_1MVC">
-            <a:extLst>
-              <a:ext uri="{FF2B5EF4-FFF2-40B4-BE49-F238E27FC236}">
-                <a16:creationId xmlns:a16="http://schemas.microsoft.com/office/drawing/2014/main" id="{48BF709E-B5BE-357E-445A-6F76B27650B6}"/>
-              </a:ext>
-            </a:extLst>
-          </p:cNvPr>
-          <p:cNvPicPr>
-            <a:picLocks noChangeAspect="1" noChangeArrowheads="1"/>
-          </p:cNvPicPr>
-          <p:nvPr/>
-        </p:nvPicPr>
-        <p:blipFill rotWithShape="1">
-          <a:blip r:embed="rId2">
-            <a:clrChange>
-              <a:clrFrom>
-                <a:srgbClr val="FFFFFF"/>
-              </a:clrFrom>
-              <a:clrTo>
-                <a:srgbClr val="FFFFFF">
-                  <a:alpha val="0"/>
-                </a:srgbClr>
-              </a:clrTo>
-            </a:clrChange>
-            <a:extLst>
-              <a:ext uri="{28A0092B-C50C-407E-A947-70E740481C1C}">
-                <a14:useLocalDpi xmlns:a14="http://schemas.microsoft.com/office/drawing/2010/main" val="0"/>
-              </a:ext>
-            </a:extLst>
-          </a:blip>
-          <a:srcRect l="50781" t="72444" r="23051" b="6600"/>
-          <a:stretch>
-            <a:fillRect/>
-          </a:stretch>
-        </p:blipFill>
-        <p:spPr bwMode="auto">
-          <a:xfrm>
-            <a:off x="5443042" y="4061459"/>
-            <a:ext cx="2209801" cy="787401"/>
-          </a:xfrm>
-          <a:prstGeom prst="rect">
-            <a:avLst/>
-          </a:prstGeom>
-          <a:noFill/>
-          <a:extLst>
-            <a:ext uri="{909E8E84-426E-40DD-AFC4-6F175D3DCCD1}">
-              <a14:hiddenFill xmlns:a14="http://schemas.microsoft.com/office/drawing/2010/main">
-                <a:solidFill>
-                  <a:srgbClr val="FFFFFF"/>
-                </a:solidFill>
-              </a14:hiddenFill>
-            </a:ext>
-          </a:extLst>
-        </p:spPr>
-      </p:pic>
-      <p:sp>
-        <p:nvSpPr>
-          <p:cNvPr id="28" name="正方形/長方形 27">
-            <a:extLst>
-              <a:ext uri="{FF2B5EF4-FFF2-40B4-BE49-F238E27FC236}">
-                <a16:creationId xmlns:a16="http://schemas.microsoft.com/office/drawing/2014/main" id="{B266391B-D1A3-560F-7305-77E8DAABCA24}"/>
-              </a:ext>
-            </a:extLst>
-          </p:cNvPr>
-          <p:cNvSpPr/>
-          <p:nvPr/>
-        </p:nvSpPr>
-        <p:spPr>
-          <a:xfrm>
-            <a:off x="3426465" y="2145145"/>
-            <a:ext cx="7058655" cy="2993390"/>
-          </a:xfrm>
-          <a:prstGeom prst="rect">
-            <a:avLst/>
-          </a:prstGeom>
-          <a:noFill/>
-          <a:ln w="19050">
-            <a:solidFill>
-              <a:schemeClr val="tx1"/>
-            </a:solidFill>
-          </a:ln>
-        </p:spPr>
-        <p:style>
-          <a:lnRef idx="2">
-            <a:schemeClr val="accent1">
-              <a:shade val="15000"/>
-            </a:schemeClr>
-          </a:lnRef>
-          <a:fillRef idx="1">
-            <a:schemeClr val="accent1"/>
-          </a:fillRef>
-          <a:effectRef idx="0">
-            <a:schemeClr val="accent1"/>
-          </a:effectRef>
-          <a:fontRef idx="minor">
-            <a:schemeClr val="lt1"/>
-          </a:fontRef>
-        </p:style>
-        <p:txBody>
-          <a:bodyPr rtlCol="0" anchor="b"/>
-          <a:lstStyle/>
-          <a:p>
-            <a:pPr algn="r"/>
-            <a:r>
-              <a:rPr kumimoji="1" lang="en-US" altLang="ja-JP" sz="1600" dirty="0">
-                <a:solidFill>
-                  <a:schemeClr val="tx1"/>
-                </a:solidFill>
-                <a:latin typeface="HG丸ｺﾞｼｯｸM-PRO" panose="020F0600000000000000" pitchFamily="50" charset="-128"/>
-                <a:ea typeface="HG丸ｺﾞｼｯｸM-PRO" panose="020F0600000000000000" pitchFamily="50" charset="-128"/>
-              </a:rPr>
-              <a:t>Web</a:t>
-            </a:r>
-            <a:r>
-              <a:rPr kumimoji="1" lang="ja-JP" altLang="en-US" sz="1600" dirty="0">
-                <a:solidFill>
-                  <a:schemeClr val="tx1"/>
-                </a:solidFill>
-                <a:latin typeface="HG丸ｺﾞｼｯｸM-PRO" panose="020F0600000000000000" pitchFamily="50" charset="-128"/>
-                <a:ea typeface="HG丸ｺﾞｼｯｸM-PRO" panose="020F0600000000000000" pitchFamily="50" charset="-128"/>
-              </a:rPr>
-              <a:t>アプリケーション</a:t>
-            </a:r>
-          </a:p>
-        </p:txBody>
-      </p:sp>
-      <p:pic>
-        <p:nvPicPr>
-          <p:cNvPr id="10" name="Picture 6" descr="image3_1MVC">
-            <a:extLst>
-              <a:ext uri="{FF2B5EF4-FFF2-40B4-BE49-F238E27FC236}">
-                <a16:creationId xmlns:a16="http://schemas.microsoft.com/office/drawing/2014/main" id="{42886822-AC5A-A07B-9DC6-CBF168A88457}"/>
-              </a:ext>
-            </a:extLst>
-          </p:cNvPr>
-          <p:cNvPicPr>
-            <a:picLocks noChangeAspect="1" noChangeArrowheads="1"/>
-          </p:cNvPicPr>
-          <p:nvPr/>
-        </p:nvPicPr>
-        <p:blipFill rotWithShape="1">
-          <a:blip r:embed="rId2">
-            <a:clrChange>
-              <a:clrFrom>
-                <a:srgbClr val="FFFFFF"/>
-              </a:clrFrom>
-              <a:clrTo>
-                <a:srgbClr val="FFFFFF">
-                  <a:alpha val="0"/>
-                </a:srgbClr>
-              </a:clrTo>
-            </a:clrChange>
-            <a:extLst>
-              <a:ext uri="{28A0092B-C50C-407E-A947-70E740481C1C}">
-                <a14:useLocalDpi xmlns:a14="http://schemas.microsoft.com/office/drawing/2010/main" val="0"/>
-              </a:ext>
-            </a:extLst>
-          </a:blip>
-          <a:srcRect l="31151" t="17386" r="42501" b="60847"/>
-          <a:stretch>
-            <a:fillRect/>
-          </a:stretch>
-        </p:blipFill>
-        <p:spPr bwMode="auto">
-          <a:xfrm>
-            <a:off x="5443042" y="2262909"/>
-            <a:ext cx="2225040" cy="817880"/>
-          </a:xfrm>
-          <a:prstGeom prst="rect">
-            <a:avLst/>
-          </a:prstGeom>
-          <a:noFill/>
-          <a:extLst>
-            <a:ext uri="{909E8E84-426E-40DD-AFC4-6F175D3DCCD1}">
-              <a14:hiddenFill xmlns:a14="http://schemas.microsoft.com/office/drawing/2010/main">
-                <a:solidFill>
-                  <a:srgbClr val="FFFFFF"/>
-                </a:solidFill>
-              </a14:hiddenFill>
-            </a:ext>
-          </a:extLst>
-        </p:spPr>
-      </p:pic>
-      <p:sp>
-        <p:nvSpPr>
-          <p:cNvPr id="2" name="タイトル 1">
-            <a:extLst>
-              <a:ext uri="{FF2B5EF4-FFF2-40B4-BE49-F238E27FC236}">
-                <a16:creationId xmlns:a16="http://schemas.microsoft.com/office/drawing/2014/main" id="{4EA38E51-7DA6-6E46-DE5C-0E65061AC983}"/>
-              </a:ext>
-            </a:extLst>
-          </p:cNvPr>
-          <p:cNvSpPr>
-            <a:spLocks noGrp="1"/>
-          </p:cNvSpPr>
-          <p:nvPr>
-            <p:ph type="title"/>
-          </p:nvPr>
-        </p:nvSpPr>
-        <p:spPr/>
-        <p:txBody>
-          <a:bodyPr/>
-          <a:lstStyle/>
-          <a:p>
-            <a:r>
-              <a:rPr kumimoji="1" lang="en-US" altLang="ja-JP" dirty="0"/>
-              <a:t>MVC</a:t>
-            </a:r>
-            <a:r>
-              <a:rPr kumimoji="1" lang="ja-JP" altLang="en-US" dirty="0"/>
-              <a:t>モデル</a:t>
-            </a:r>
-          </a:p>
-        </p:txBody>
-      </p:sp>
-      <p:sp>
-        <p:nvSpPr>
-          <p:cNvPr id="4" name="スライド番号プレースホルダー 3">
-            <a:extLst>
-              <a:ext uri="{FF2B5EF4-FFF2-40B4-BE49-F238E27FC236}">
-                <a16:creationId xmlns:a16="http://schemas.microsoft.com/office/drawing/2014/main" id="{2AE3A4E9-9E7D-C0E1-42E6-42E812817DE5}"/>
-              </a:ext>
-            </a:extLst>
-          </p:cNvPr>
-          <p:cNvSpPr>
-            <a:spLocks noGrp="1"/>
-          </p:cNvSpPr>
-          <p:nvPr>
-            <p:ph type="sldNum" sz="quarter" idx="12"/>
-          </p:nvPr>
-        </p:nvSpPr>
-        <p:spPr/>
-        <p:txBody>
-          <a:bodyPr/>
-          <a:lstStyle/>
-          <a:p>
-            <a:fld id="{F0E75ABD-E329-4735-B6E0-3752012DC264}" type="slidenum">
-              <a:rPr kumimoji="1" lang="ja-JP" altLang="en-US" smtClean="0"/>
-              <a:t>12</a:t>
-            </a:fld>
-            <a:endParaRPr kumimoji="1" lang="ja-JP" altLang="en-US"/>
-          </a:p>
-        </p:txBody>
-      </p:sp>
-      <p:pic>
-        <p:nvPicPr>
-          <p:cNvPr id="2054" name="Picture 6" descr="image3_1MVC">
-            <a:extLst>
-              <a:ext uri="{FF2B5EF4-FFF2-40B4-BE49-F238E27FC236}">
-                <a16:creationId xmlns:a16="http://schemas.microsoft.com/office/drawing/2014/main" id="{F1A7435E-DC5D-14BE-CB5D-209C25DC1617}"/>
-              </a:ext>
-            </a:extLst>
-          </p:cNvPr>
-          <p:cNvPicPr>
-            <a:picLocks noChangeAspect="1" noChangeArrowheads="1"/>
-          </p:cNvPicPr>
-          <p:nvPr/>
-        </p:nvPicPr>
-        <p:blipFill rotWithShape="1">
-          <a:blip r:embed="rId2">
-            <a:clrChange>
-              <a:clrFrom>
-                <a:srgbClr val="FFFFFF"/>
-              </a:clrFrom>
-              <a:clrTo>
-                <a:srgbClr val="FFFFFF">
-                  <a:alpha val="0"/>
-                </a:srgbClr>
-              </a:clrTo>
-            </a:clrChange>
-            <a:extLst>
-              <a:ext uri="{28A0092B-C50C-407E-A947-70E740481C1C}">
-                <a14:useLocalDpi xmlns:a14="http://schemas.microsoft.com/office/drawing/2010/main" val="0"/>
-              </a:ext>
-            </a:extLst>
-          </a:blip>
-          <a:srcRect l="9745" t="71903" r="75817"/>
-          <a:stretch>
-            <a:fillRect/>
-          </a:stretch>
-        </p:blipFill>
-        <p:spPr bwMode="auto">
-          <a:xfrm>
-            <a:off x="1807370" y="3596011"/>
-            <a:ext cx="1219200" cy="1055695"/>
-          </a:xfrm>
-          <a:prstGeom prst="rect">
-            <a:avLst/>
-          </a:prstGeom>
-          <a:noFill/>
-          <a:extLst>
-            <a:ext uri="{909E8E84-426E-40DD-AFC4-6F175D3DCCD1}">
-              <a14:hiddenFill xmlns:a14="http://schemas.microsoft.com/office/drawing/2010/main">
-                <a:solidFill>
-                  <a:srgbClr val="FFFFFF"/>
-                </a:solidFill>
-              </a14:hiddenFill>
-            </a:ext>
-          </a:extLst>
-        </p:spPr>
-      </p:pic>
-      <p:sp>
-        <p:nvSpPr>
-          <p:cNvPr id="5" name="四角形: 角を丸くする 4">
-            <a:extLst>
-              <a:ext uri="{FF2B5EF4-FFF2-40B4-BE49-F238E27FC236}">
-                <a16:creationId xmlns:a16="http://schemas.microsoft.com/office/drawing/2014/main" id="{3C9C6F1E-C919-81B1-8EA5-B62B3F2802B7}"/>
-              </a:ext>
-            </a:extLst>
-          </p:cNvPr>
-          <p:cNvSpPr/>
-          <p:nvPr/>
-        </p:nvSpPr>
-        <p:spPr>
-          <a:xfrm>
-            <a:off x="8728718" y="2500745"/>
-            <a:ext cx="873760" cy="396240"/>
-          </a:xfrm>
-          <a:prstGeom prst="roundRect">
-            <a:avLst/>
-          </a:prstGeom>
-          <a:solidFill>
-            <a:srgbClr val="FF0000">
-              <a:alpha val="20000"/>
-            </a:srgbClr>
-          </a:solidFill>
-          <a:ln w="38100">
-            <a:solidFill>
-              <a:srgbClr val="FF0000"/>
-            </a:solidFill>
-          </a:ln>
-        </p:spPr>
-        <p:style>
-          <a:lnRef idx="2">
-            <a:schemeClr val="accent1">
-              <a:shade val="15000"/>
-            </a:schemeClr>
-          </a:lnRef>
-          <a:fillRef idx="1">
-            <a:schemeClr val="accent1"/>
-          </a:fillRef>
-          <a:effectRef idx="0">
-            <a:schemeClr val="accent1"/>
-          </a:effectRef>
-          <a:fontRef idx="minor">
-            <a:schemeClr val="lt1"/>
-          </a:fontRef>
-        </p:style>
-        <p:txBody>
-          <a:bodyPr rtlCol="0" anchor="ctr"/>
-          <a:lstStyle/>
-          <a:p>
-            <a:pPr algn="ctr"/>
-            <a:endParaRPr kumimoji="1" lang="ja-JP" altLang="en-US"/>
-          </a:p>
-        </p:txBody>
-      </p:sp>
-      <p:sp>
-        <p:nvSpPr>
-          <p:cNvPr id="6" name="四角形: 角を丸くする 5">
-            <a:extLst>
-              <a:ext uri="{FF2B5EF4-FFF2-40B4-BE49-F238E27FC236}">
-                <a16:creationId xmlns:a16="http://schemas.microsoft.com/office/drawing/2014/main" id="{58AB4376-C73F-B761-D2F6-B399E214AFF7}"/>
-              </a:ext>
-            </a:extLst>
-          </p:cNvPr>
-          <p:cNvSpPr/>
-          <p:nvPr/>
-        </p:nvSpPr>
-        <p:spPr>
-          <a:xfrm>
-            <a:off x="6184901" y="4257040"/>
-            <a:ext cx="670560" cy="396240"/>
-          </a:xfrm>
-          <a:prstGeom prst="roundRect">
-            <a:avLst/>
-          </a:prstGeom>
-          <a:solidFill>
-            <a:srgbClr val="FF0000">
-              <a:alpha val="20000"/>
-            </a:srgbClr>
-          </a:solidFill>
-          <a:ln w="38100">
-            <a:solidFill>
-              <a:srgbClr val="FF0000"/>
-            </a:solidFill>
-          </a:ln>
-        </p:spPr>
-        <p:style>
-          <a:lnRef idx="2">
-            <a:schemeClr val="accent1">
-              <a:shade val="15000"/>
-            </a:schemeClr>
-          </a:lnRef>
-          <a:fillRef idx="1">
-            <a:schemeClr val="accent1"/>
-          </a:fillRef>
-          <a:effectRef idx="0">
-            <a:schemeClr val="accent1"/>
-          </a:effectRef>
-          <a:fontRef idx="minor">
-            <a:schemeClr val="lt1"/>
-          </a:fontRef>
-        </p:style>
-        <p:txBody>
-          <a:bodyPr rtlCol="0" anchor="ctr"/>
-          <a:lstStyle/>
-          <a:p>
-            <a:pPr algn="ctr"/>
-            <a:endParaRPr kumimoji="1" lang="ja-JP" altLang="en-US"/>
-          </a:p>
-        </p:txBody>
-      </p:sp>
-      <p:sp>
-        <p:nvSpPr>
-          <p:cNvPr id="7" name="四角形: 角を丸くする 6">
-            <a:extLst>
-              <a:ext uri="{FF2B5EF4-FFF2-40B4-BE49-F238E27FC236}">
-                <a16:creationId xmlns:a16="http://schemas.microsoft.com/office/drawing/2014/main" id="{63EC1C09-41B0-3F1A-EF91-BEC5948003F0}"/>
-              </a:ext>
-            </a:extLst>
-          </p:cNvPr>
-          <p:cNvSpPr/>
-          <p:nvPr/>
-        </p:nvSpPr>
-        <p:spPr>
-          <a:xfrm>
-            <a:off x="6042482" y="2473498"/>
-            <a:ext cx="1026160" cy="396240"/>
-          </a:xfrm>
-          <a:prstGeom prst="roundRect">
-            <a:avLst/>
-          </a:prstGeom>
-          <a:solidFill>
-            <a:srgbClr val="FF0000">
-              <a:alpha val="20000"/>
-            </a:srgbClr>
-          </a:solidFill>
-          <a:ln w="38100">
-            <a:solidFill>
-              <a:srgbClr val="FF0000"/>
-            </a:solidFill>
-          </a:ln>
-        </p:spPr>
-        <p:style>
-          <a:lnRef idx="2">
-            <a:schemeClr val="accent1">
-              <a:shade val="15000"/>
-            </a:schemeClr>
-          </a:lnRef>
-          <a:fillRef idx="1">
-            <a:schemeClr val="accent1"/>
-          </a:fillRef>
-          <a:effectRef idx="0">
-            <a:schemeClr val="accent1"/>
-          </a:effectRef>
-          <a:fontRef idx="minor">
-            <a:schemeClr val="lt1"/>
-          </a:fontRef>
-        </p:style>
-        <p:txBody>
-          <a:bodyPr rtlCol="0" anchor="ctr"/>
-          <a:lstStyle/>
-          <a:p>
-            <a:pPr algn="ctr"/>
-            <a:endParaRPr kumimoji="1" lang="ja-JP" altLang="en-US"/>
-          </a:p>
-        </p:txBody>
-      </p:sp>
-      <p:sp>
-        <p:nvSpPr>
-          <p:cNvPr id="8" name="四角形: 角を丸くする 7">
-            <a:extLst>
-              <a:ext uri="{FF2B5EF4-FFF2-40B4-BE49-F238E27FC236}">
-                <a16:creationId xmlns:a16="http://schemas.microsoft.com/office/drawing/2014/main" id="{07CBEE60-CE2F-720B-A44A-C31443B05ED5}"/>
-              </a:ext>
-            </a:extLst>
-          </p:cNvPr>
-          <p:cNvSpPr/>
-          <p:nvPr/>
-        </p:nvSpPr>
-        <p:spPr>
-          <a:xfrm>
-            <a:off x="1130270" y="986114"/>
-            <a:ext cx="2390170" cy="502326"/>
-          </a:xfrm>
-          <a:prstGeom prst="roundRect">
-            <a:avLst/>
-          </a:prstGeom>
-          <a:solidFill>
-            <a:srgbClr val="FF0000">
-              <a:alpha val="20000"/>
-            </a:srgbClr>
-          </a:solidFill>
-          <a:ln w="38100">
-            <a:solidFill>
-              <a:srgbClr val="FF0000"/>
-            </a:solidFill>
-          </a:ln>
-        </p:spPr>
-        <p:style>
-          <a:lnRef idx="2">
-            <a:schemeClr val="accent1">
-              <a:shade val="15000"/>
-            </a:schemeClr>
-          </a:lnRef>
-          <a:fillRef idx="1">
-            <a:schemeClr val="accent1"/>
-          </a:fillRef>
-          <a:effectRef idx="0">
-            <a:schemeClr val="accent1"/>
-          </a:effectRef>
-          <a:fontRef idx="minor">
-            <a:schemeClr val="lt1"/>
-          </a:fontRef>
-        </p:style>
-        <p:txBody>
-          <a:bodyPr rtlCol="0" anchor="ctr"/>
-          <a:lstStyle/>
-          <a:p>
-            <a:pPr algn="ctr"/>
-            <a:endParaRPr kumimoji="1" lang="ja-JP" altLang="en-US"/>
-          </a:p>
-        </p:txBody>
-      </p:sp>
-      <p:sp>
-        <p:nvSpPr>
-          <p:cNvPr id="14" name="正方形/長方形 13">
-            <a:extLst>
-              <a:ext uri="{FF2B5EF4-FFF2-40B4-BE49-F238E27FC236}">
-                <a16:creationId xmlns:a16="http://schemas.microsoft.com/office/drawing/2014/main" id="{22A9A392-EAB2-370A-F02F-CE3916B6EA11}"/>
-              </a:ext>
-            </a:extLst>
-          </p:cNvPr>
-          <p:cNvSpPr/>
-          <p:nvPr/>
-        </p:nvSpPr>
-        <p:spPr>
-          <a:xfrm>
-            <a:off x="3646876" y="2338647"/>
-            <a:ext cx="1347128" cy="711200"/>
-          </a:xfrm>
-          <a:prstGeom prst="rect">
-            <a:avLst/>
-          </a:prstGeom>
-          <a:noFill/>
-          <a:ln w="19050">
-            <a:solidFill>
-              <a:schemeClr val="tx1"/>
-            </a:solidFill>
-          </a:ln>
-        </p:spPr>
-        <p:style>
-          <a:lnRef idx="2">
-            <a:schemeClr val="accent1">
-              <a:shade val="15000"/>
-            </a:schemeClr>
-          </a:lnRef>
-          <a:fillRef idx="1">
-            <a:schemeClr val="accent1"/>
-          </a:fillRef>
-          <a:effectRef idx="0">
-            <a:schemeClr val="accent1"/>
-          </a:effectRef>
-          <a:fontRef idx="minor">
-            <a:schemeClr val="lt1"/>
-          </a:fontRef>
-        </p:style>
-        <p:txBody>
-          <a:bodyPr rtlCol="0" anchor="ctr"/>
-          <a:lstStyle/>
-          <a:p>
-            <a:pPr algn="ctr"/>
-            <a:r>
-              <a:rPr kumimoji="1" lang="en-US" altLang="ja-JP" sz="1600" dirty="0">
-                <a:solidFill>
-                  <a:schemeClr val="tx1"/>
-                </a:solidFill>
-                <a:latin typeface="HG丸ｺﾞｼｯｸM-PRO" panose="020F0600000000000000" pitchFamily="50" charset="-128"/>
-                <a:ea typeface="HG丸ｺﾞｼｯｸM-PRO" panose="020F0600000000000000" pitchFamily="50" charset="-128"/>
-              </a:rPr>
-              <a:t>Routing</a:t>
-            </a:r>
-            <a:endParaRPr kumimoji="1" lang="ja-JP" altLang="en-US" sz="1600" dirty="0">
-              <a:solidFill>
-                <a:schemeClr val="tx1"/>
-              </a:solidFill>
-              <a:latin typeface="HG丸ｺﾞｼｯｸM-PRO" panose="020F0600000000000000" pitchFamily="50" charset="-128"/>
-              <a:ea typeface="HG丸ｺﾞｼｯｸM-PRO" panose="020F0600000000000000" pitchFamily="50" charset="-128"/>
-            </a:endParaRPr>
-          </a:p>
-        </p:txBody>
-      </p:sp>
-      <p:sp>
-        <p:nvSpPr>
-          <p:cNvPr id="15" name="正方形/長方形 14">
-            <a:extLst>
-              <a:ext uri="{FF2B5EF4-FFF2-40B4-BE49-F238E27FC236}">
-                <a16:creationId xmlns:a16="http://schemas.microsoft.com/office/drawing/2014/main" id="{A5308EC5-6E1B-9CDA-3A27-79CCC84886E2}"/>
-              </a:ext>
-            </a:extLst>
-          </p:cNvPr>
-          <p:cNvSpPr/>
-          <p:nvPr/>
-        </p:nvSpPr>
-        <p:spPr>
-          <a:xfrm>
-            <a:off x="8134358" y="2338647"/>
-            <a:ext cx="2062480" cy="711200"/>
-          </a:xfrm>
-          <a:prstGeom prst="rect">
-            <a:avLst/>
-          </a:prstGeom>
-          <a:noFill/>
-          <a:ln w="19050">
-            <a:solidFill>
-              <a:schemeClr val="tx1"/>
-            </a:solidFill>
-          </a:ln>
-        </p:spPr>
-        <p:style>
-          <a:lnRef idx="2">
-            <a:schemeClr val="accent1">
-              <a:shade val="15000"/>
-            </a:schemeClr>
-          </a:lnRef>
-          <a:fillRef idx="1">
-            <a:schemeClr val="accent1"/>
-          </a:fillRef>
-          <a:effectRef idx="0">
-            <a:schemeClr val="accent1"/>
-          </a:effectRef>
-          <a:fontRef idx="minor">
-            <a:schemeClr val="lt1"/>
-          </a:fontRef>
-        </p:style>
-        <p:txBody>
-          <a:bodyPr rtlCol="0" anchor="ctr"/>
-          <a:lstStyle/>
-          <a:p>
-            <a:pPr algn="ctr"/>
-            <a:r>
-              <a:rPr kumimoji="1" lang="en-US" altLang="ja-JP" sz="1600" dirty="0">
-                <a:solidFill>
-                  <a:schemeClr val="tx1"/>
-                </a:solidFill>
-                <a:latin typeface="HG丸ｺﾞｼｯｸM-PRO" panose="020F0600000000000000" pitchFamily="50" charset="-128"/>
-                <a:ea typeface="HG丸ｺﾞｼｯｸM-PRO" panose="020F0600000000000000" pitchFamily="50" charset="-128"/>
-              </a:rPr>
-              <a:t>Model</a:t>
-            </a:r>
-            <a:endParaRPr kumimoji="1" lang="ja-JP" altLang="en-US" sz="1600" dirty="0">
-              <a:solidFill>
-                <a:schemeClr val="tx1"/>
-              </a:solidFill>
-              <a:latin typeface="HG丸ｺﾞｼｯｸM-PRO" panose="020F0600000000000000" pitchFamily="50" charset="-128"/>
-              <a:ea typeface="HG丸ｺﾞｼｯｸM-PRO" panose="020F0600000000000000" pitchFamily="50" charset="-128"/>
-            </a:endParaRPr>
-          </a:p>
-        </p:txBody>
-      </p:sp>
-      <p:pic>
-        <p:nvPicPr>
-          <p:cNvPr id="16" name="Picture 6" descr="image3_1MVC">
-            <a:extLst>
-              <a:ext uri="{FF2B5EF4-FFF2-40B4-BE49-F238E27FC236}">
-                <a16:creationId xmlns:a16="http://schemas.microsoft.com/office/drawing/2014/main" id="{DE627863-7689-AC66-1CFB-040412E80ED6}"/>
-              </a:ext>
-            </a:extLst>
-          </p:cNvPr>
-          <p:cNvPicPr>
-            <a:picLocks noChangeAspect="1" noChangeArrowheads="1"/>
-          </p:cNvPicPr>
-          <p:nvPr/>
-        </p:nvPicPr>
-        <p:blipFill rotWithShape="1">
-          <a:blip r:embed="rId2">
-            <a:clrChange>
-              <a:clrFrom>
-                <a:srgbClr val="FFFFFF"/>
-              </a:clrFrom>
-              <a:clrTo>
-                <a:srgbClr val="FFFFFF">
-                  <a:alpha val="0"/>
-                </a:srgbClr>
-              </a:clrTo>
-            </a:clrChange>
-            <a:extLst>
-              <a:ext uri="{28A0092B-C50C-407E-A947-70E740481C1C}">
-                <a14:useLocalDpi xmlns:a14="http://schemas.microsoft.com/office/drawing/2010/main" val="0"/>
-              </a:ext>
-            </a:extLst>
-          </a:blip>
-          <a:srcRect l="86998" t="20529" r="6928" b="62808"/>
-          <a:stretch>
-            <a:fillRect/>
-          </a:stretch>
-        </p:blipFill>
-        <p:spPr bwMode="auto">
-          <a:xfrm>
-            <a:off x="8765536" y="1093373"/>
-            <a:ext cx="512945" cy="626093"/>
-          </a:xfrm>
-          <a:prstGeom prst="rect">
-            <a:avLst/>
-          </a:prstGeom>
-          <a:noFill/>
-          <a:extLst>
-            <a:ext uri="{909E8E84-426E-40DD-AFC4-6F175D3DCCD1}">
-              <a14:hiddenFill xmlns:a14="http://schemas.microsoft.com/office/drawing/2010/main">
-                <a:solidFill>
-                  <a:srgbClr val="FFFFFF"/>
-                </a:solidFill>
-              </a14:hiddenFill>
-            </a:ext>
-          </a:extLst>
-        </p:spPr>
-      </p:pic>
-      <p:sp>
-        <p:nvSpPr>
-          <p:cNvPr id="17" name="矢印: 右 16">
-            <a:extLst>
-              <a:ext uri="{FF2B5EF4-FFF2-40B4-BE49-F238E27FC236}">
-                <a16:creationId xmlns:a16="http://schemas.microsoft.com/office/drawing/2014/main" id="{15623057-AEA4-E4D2-A3B6-969D9CC6BFB6}"/>
-              </a:ext>
-            </a:extLst>
-          </p:cNvPr>
-          <p:cNvSpPr/>
-          <p:nvPr/>
-        </p:nvSpPr>
-        <p:spPr>
-          <a:xfrm rot="19723473">
-            <a:off x="2811778" y="3116023"/>
-            <a:ext cx="804370" cy="343531"/>
-          </a:xfrm>
-          <a:prstGeom prst="rightArrow">
-            <a:avLst/>
-          </a:prstGeom>
-        </p:spPr>
-        <p:style>
-          <a:lnRef idx="2">
-            <a:schemeClr val="accent1">
-              <a:shade val="15000"/>
-            </a:schemeClr>
-          </a:lnRef>
-          <a:fillRef idx="1">
-            <a:schemeClr val="accent1"/>
-          </a:fillRef>
-          <a:effectRef idx="0">
-            <a:schemeClr val="accent1"/>
-          </a:effectRef>
-          <a:fontRef idx="minor">
-            <a:schemeClr val="lt1"/>
-          </a:fontRef>
-        </p:style>
-        <p:txBody>
-          <a:bodyPr rtlCol="0" anchor="ctr"/>
-          <a:lstStyle/>
-          <a:p>
-            <a:pPr algn="ctr"/>
-            <a:endParaRPr kumimoji="1" lang="ja-JP" altLang="en-US"/>
-          </a:p>
-        </p:txBody>
-      </p:sp>
-      <p:sp>
-        <p:nvSpPr>
-          <p:cNvPr id="18" name="テキスト ボックス 17">
-            <a:extLst>
-              <a:ext uri="{FF2B5EF4-FFF2-40B4-BE49-F238E27FC236}">
-                <a16:creationId xmlns:a16="http://schemas.microsoft.com/office/drawing/2014/main" id="{EA74FD93-07B9-ECF6-0E5E-DB3E706CF17D}"/>
-              </a:ext>
-            </a:extLst>
-          </p:cNvPr>
-          <p:cNvSpPr txBox="1"/>
-          <p:nvPr/>
-        </p:nvSpPr>
-        <p:spPr>
-          <a:xfrm>
-            <a:off x="2013592" y="2869738"/>
-            <a:ext cx="1210588" cy="338554"/>
-          </a:xfrm>
-          <a:prstGeom prst="rect">
-            <a:avLst/>
-          </a:prstGeom>
-          <a:noFill/>
-        </p:spPr>
-        <p:txBody>
-          <a:bodyPr wrap="none" rtlCol="0">
-            <a:spAutoFit/>
-          </a:bodyPr>
-          <a:lstStyle/>
-          <a:p>
-            <a:r>
-              <a:rPr kumimoji="1" lang="ja-JP" altLang="en-US" sz="1600" dirty="0">
-                <a:latin typeface="HG丸ｺﾞｼｯｸM-PRO" panose="020F0600000000000000" pitchFamily="50" charset="-128"/>
-                <a:ea typeface="HG丸ｺﾞｼｯｸM-PRO" panose="020F0600000000000000" pitchFamily="50" charset="-128"/>
-              </a:rPr>
-              <a:t>リクエスト</a:t>
-            </a:r>
-          </a:p>
-        </p:txBody>
-      </p:sp>
-      <p:sp>
-        <p:nvSpPr>
-          <p:cNvPr id="19" name="矢印: 右 18">
-            <a:extLst>
-              <a:ext uri="{FF2B5EF4-FFF2-40B4-BE49-F238E27FC236}">
-                <a16:creationId xmlns:a16="http://schemas.microsoft.com/office/drawing/2014/main" id="{74196B54-1522-1827-A801-1E407AA22BFA}"/>
-              </a:ext>
-            </a:extLst>
-          </p:cNvPr>
-          <p:cNvSpPr/>
-          <p:nvPr/>
-        </p:nvSpPr>
-        <p:spPr>
-          <a:xfrm>
-            <a:off x="5097461" y="2553454"/>
-            <a:ext cx="387446" cy="343531"/>
-          </a:xfrm>
-          <a:prstGeom prst="rightArrow">
-            <a:avLst/>
-          </a:prstGeom>
-        </p:spPr>
-        <p:style>
-          <a:lnRef idx="2">
-            <a:schemeClr val="accent1">
-              <a:shade val="15000"/>
-            </a:schemeClr>
-          </a:lnRef>
-          <a:fillRef idx="1">
-            <a:schemeClr val="accent1"/>
-          </a:fillRef>
-          <a:effectRef idx="0">
-            <a:schemeClr val="accent1"/>
-          </a:effectRef>
-          <a:fontRef idx="minor">
-            <a:schemeClr val="lt1"/>
-          </a:fontRef>
-        </p:style>
-        <p:txBody>
-          <a:bodyPr rtlCol="0" anchor="ctr"/>
-          <a:lstStyle/>
-          <a:p>
-            <a:pPr algn="ctr"/>
-            <a:endParaRPr kumimoji="1" lang="ja-JP" altLang="en-US"/>
-          </a:p>
-        </p:txBody>
-      </p:sp>
-      <p:sp>
-        <p:nvSpPr>
-          <p:cNvPr id="20" name="矢印: 右 19">
-            <a:extLst>
-              <a:ext uri="{FF2B5EF4-FFF2-40B4-BE49-F238E27FC236}">
-                <a16:creationId xmlns:a16="http://schemas.microsoft.com/office/drawing/2014/main" id="{150F5D0E-EF5D-9722-D9A6-9DE7FE4D3E49}"/>
-              </a:ext>
-            </a:extLst>
-          </p:cNvPr>
-          <p:cNvSpPr/>
-          <p:nvPr/>
-        </p:nvSpPr>
-        <p:spPr>
-          <a:xfrm>
-            <a:off x="7652843" y="2459643"/>
-            <a:ext cx="387446" cy="200891"/>
-          </a:xfrm>
-          <a:prstGeom prst="rightArrow">
-            <a:avLst/>
-          </a:prstGeom>
-        </p:spPr>
-        <p:style>
-          <a:lnRef idx="2">
-            <a:schemeClr val="accent1">
-              <a:shade val="15000"/>
-            </a:schemeClr>
-          </a:lnRef>
-          <a:fillRef idx="1">
-            <a:schemeClr val="accent1"/>
-          </a:fillRef>
-          <a:effectRef idx="0">
-            <a:schemeClr val="accent1"/>
-          </a:effectRef>
-          <a:fontRef idx="minor">
-            <a:schemeClr val="lt1"/>
-          </a:fontRef>
-        </p:style>
-        <p:txBody>
-          <a:bodyPr rtlCol="0" anchor="ctr"/>
-          <a:lstStyle/>
-          <a:p>
-            <a:pPr algn="ctr"/>
-            <a:endParaRPr kumimoji="1" lang="ja-JP" altLang="en-US"/>
-          </a:p>
-        </p:txBody>
-      </p:sp>
-      <p:sp>
-        <p:nvSpPr>
-          <p:cNvPr id="21" name="矢印: 右 20">
-            <a:extLst>
-              <a:ext uri="{FF2B5EF4-FFF2-40B4-BE49-F238E27FC236}">
-                <a16:creationId xmlns:a16="http://schemas.microsoft.com/office/drawing/2014/main" id="{FCD90DF7-F91E-EB97-952A-0B0635DCB3E2}"/>
-              </a:ext>
-            </a:extLst>
-          </p:cNvPr>
-          <p:cNvSpPr/>
-          <p:nvPr/>
-        </p:nvSpPr>
-        <p:spPr>
-          <a:xfrm rot="10800000">
-            <a:off x="7643455" y="2731297"/>
-            <a:ext cx="387446" cy="200891"/>
-          </a:xfrm>
-          <a:prstGeom prst="rightArrow">
-            <a:avLst/>
-          </a:prstGeom>
-        </p:spPr>
-        <p:style>
-          <a:lnRef idx="2">
-            <a:schemeClr val="accent1">
-              <a:shade val="15000"/>
-            </a:schemeClr>
-          </a:lnRef>
-          <a:fillRef idx="1">
-            <a:schemeClr val="accent1"/>
-          </a:fillRef>
-          <a:effectRef idx="0">
-            <a:schemeClr val="accent1"/>
-          </a:effectRef>
-          <a:fontRef idx="minor">
-            <a:schemeClr val="lt1"/>
-          </a:fontRef>
-        </p:style>
-        <p:txBody>
-          <a:bodyPr rtlCol="0" anchor="ctr"/>
-          <a:lstStyle/>
-          <a:p>
-            <a:pPr algn="ctr"/>
-            <a:endParaRPr kumimoji="1" lang="ja-JP" altLang="en-US"/>
-          </a:p>
-        </p:txBody>
-      </p:sp>
-      <p:sp>
-        <p:nvSpPr>
-          <p:cNvPr id="22" name="矢印: 右 21">
-            <a:extLst>
-              <a:ext uri="{FF2B5EF4-FFF2-40B4-BE49-F238E27FC236}">
-                <a16:creationId xmlns:a16="http://schemas.microsoft.com/office/drawing/2014/main" id="{697F1BDB-C39B-DF6A-4330-BD58F6939E10}"/>
-              </a:ext>
-            </a:extLst>
-          </p:cNvPr>
-          <p:cNvSpPr/>
-          <p:nvPr/>
-        </p:nvSpPr>
-        <p:spPr>
-          <a:xfrm rot="16200000">
-            <a:off x="8672259" y="1958126"/>
-            <a:ext cx="387446" cy="200891"/>
-          </a:xfrm>
-          <a:prstGeom prst="rightArrow">
-            <a:avLst/>
-          </a:prstGeom>
-        </p:spPr>
-        <p:style>
-          <a:lnRef idx="2">
-            <a:schemeClr val="accent1">
-              <a:shade val="15000"/>
-            </a:schemeClr>
-          </a:lnRef>
-          <a:fillRef idx="1">
-            <a:schemeClr val="accent1"/>
-          </a:fillRef>
-          <a:effectRef idx="0">
-            <a:schemeClr val="accent1"/>
-          </a:effectRef>
-          <a:fontRef idx="minor">
-            <a:schemeClr val="lt1"/>
-          </a:fontRef>
-        </p:style>
-        <p:txBody>
-          <a:bodyPr rtlCol="0" anchor="ctr"/>
-          <a:lstStyle/>
-          <a:p>
-            <a:pPr algn="ctr"/>
-            <a:endParaRPr kumimoji="1" lang="ja-JP" altLang="en-US"/>
-          </a:p>
-        </p:txBody>
-      </p:sp>
-      <p:sp>
-        <p:nvSpPr>
-          <p:cNvPr id="23" name="矢印: 右 22">
-            <a:extLst>
-              <a:ext uri="{FF2B5EF4-FFF2-40B4-BE49-F238E27FC236}">
-                <a16:creationId xmlns:a16="http://schemas.microsoft.com/office/drawing/2014/main" id="{B17E761B-AA06-42EB-4ED2-00E1AF6D9596}"/>
-              </a:ext>
-            </a:extLst>
-          </p:cNvPr>
-          <p:cNvSpPr/>
-          <p:nvPr/>
-        </p:nvSpPr>
-        <p:spPr>
-          <a:xfrm rot="5400000">
-            <a:off x="8928730" y="1968741"/>
-            <a:ext cx="387446" cy="200891"/>
-          </a:xfrm>
-          <a:prstGeom prst="rightArrow">
-            <a:avLst/>
-          </a:prstGeom>
-        </p:spPr>
-        <p:style>
-          <a:lnRef idx="2">
-            <a:schemeClr val="accent1">
-              <a:shade val="15000"/>
-            </a:schemeClr>
-          </a:lnRef>
-          <a:fillRef idx="1">
-            <a:schemeClr val="accent1"/>
-          </a:fillRef>
-          <a:effectRef idx="0">
-            <a:schemeClr val="accent1"/>
-          </a:effectRef>
-          <a:fontRef idx="minor">
-            <a:schemeClr val="lt1"/>
-          </a:fontRef>
-        </p:style>
-        <p:txBody>
-          <a:bodyPr rtlCol="0" anchor="ctr"/>
-          <a:lstStyle/>
-          <a:p>
-            <a:pPr algn="ctr"/>
-            <a:endParaRPr kumimoji="1" lang="ja-JP" altLang="en-US"/>
-          </a:p>
-        </p:txBody>
-      </p:sp>
-      <p:sp>
-        <p:nvSpPr>
-          <p:cNvPr id="24" name="テキスト ボックス 23">
-            <a:extLst>
-              <a:ext uri="{FF2B5EF4-FFF2-40B4-BE49-F238E27FC236}">
-                <a16:creationId xmlns:a16="http://schemas.microsoft.com/office/drawing/2014/main" id="{BF3A5B44-2C6C-0D69-5113-0C69C1B419FA}"/>
-              </a:ext>
-            </a:extLst>
-          </p:cNvPr>
-          <p:cNvSpPr txBox="1"/>
-          <p:nvPr/>
-        </p:nvSpPr>
-        <p:spPr>
-          <a:xfrm>
-            <a:off x="9092943" y="1134691"/>
-            <a:ext cx="1826141" cy="584775"/>
-          </a:xfrm>
-          <a:prstGeom prst="rect">
-            <a:avLst/>
-          </a:prstGeom>
-          <a:noFill/>
-        </p:spPr>
-        <p:txBody>
-          <a:bodyPr wrap="none" rtlCol="0">
-            <a:spAutoFit/>
-          </a:bodyPr>
-          <a:lstStyle/>
-          <a:p>
-            <a:r>
-              <a:rPr kumimoji="1" lang="ja-JP" altLang="en-US" sz="1600" dirty="0">
-                <a:latin typeface="HG丸ｺﾞｼｯｸM-PRO" panose="020F0600000000000000" pitchFamily="50" charset="-128"/>
-                <a:ea typeface="HG丸ｺﾞｼｯｸM-PRO" panose="020F0600000000000000" pitchFamily="50" charset="-128"/>
-              </a:rPr>
-              <a:t>　</a:t>
-            </a:r>
-            <a:r>
-              <a:rPr kumimoji="1" lang="en-US" altLang="ja-JP" sz="1600" dirty="0">
-                <a:latin typeface="HG丸ｺﾞｼｯｸM-PRO" panose="020F0600000000000000" pitchFamily="50" charset="-128"/>
-                <a:ea typeface="HG丸ｺﾞｼｯｸM-PRO" panose="020F0600000000000000" pitchFamily="50" charset="-128"/>
-              </a:rPr>
-              <a:t>DB</a:t>
-            </a:r>
-          </a:p>
-          <a:p>
-            <a:r>
-              <a:rPr kumimoji="1" lang="ja-JP" altLang="en-US" sz="1600" dirty="0">
-                <a:latin typeface="HG丸ｺﾞｼｯｸM-PRO" panose="020F0600000000000000" pitchFamily="50" charset="-128"/>
-                <a:ea typeface="HG丸ｺﾞｼｯｸM-PRO" panose="020F0600000000000000" pitchFamily="50" charset="-128"/>
-              </a:rPr>
-              <a:t>（データベース）</a:t>
-            </a:r>
-          </a:p>
-        </p:txBody>
-      </p:sp>
-      <p:sp>
-        <p:nvSpPr>
-          <p:cNvPr id="25" name="矢印: 右 24">
-            <a:extLst>
-              <a:ext uri="{FF2B5EF4-FFF2-40B4-BE49-F238E27FC236}">
-                <a16:creationId xmlns:a16="http://schemas.microsoft.com/office/drawing/2014/main" id="{DDC02164-B33F-CCF6-7CDE-16AD828E6A4B}"/>
-              </a:ext>
-            </a:extLst>
-          </p:cNvPr>
-          <p:cNvSpPr/>
-          <p:nvPr/>
-        </p:nvSpPr>
-        <p:spPr>
-          <a:xfrm rot="5400000">
-            <a:off x="6192340" y="3316432"/>
-            <a:ext cx="711202" cy="509385"/>
-          </a:xfrm>
-          <a:prstGeom prst="rightArrow">
-            <a:avLst/>
-          </a:prstGeom>
-        </p:spPr>
-        <p:style>
-          <a:lnRef idx="2">
-            <a:schemeClr val="accent1">
-              <a:shade val="15000"/>
-            </a:schemeClr>
-          </a:lnRef>
-          <a:fillRef idx="1">
-            <a:schemeClr val="accent1"/>
-          </a:fillRef>
-          <a:effectRef idx="0">
-            <a:schemeClr val="accent1"/>
-          </a:effectRef>
-          <a:fontRef idx="minor">
-            <a:schemeClr val="lt1"/>
-          </a:fontRef>
-        </p:style>
-        <p:txBody>
-          <a:bodyPr rtlCol="0" anchor="ctr"/>
-          <a:lstStyle/>
-          <a:p>
-            <a:pPr algn="ctr"/>
-            <a:endParaRPr kumimoji="1" lang="ja-JP" altLang="en-US"/>
-          </a:p>
-        </p:txBody>
-      </p:sp>
-      <p:sp>
-        <p:nvSpPr>
-          <p:cNvPr id="26" name="矢印: 右 25">
-            <a:extLst>
-              <a:ext uri="{FF2B5EF4-FFF2-40B4-BE49-F238E27FC236}">
-                <a16:creationId xmlns:a16="http://schemas.microsoft.com/office/drawing/2014/main" id="{4CFA65EE-9C77-0D4E-42B1-9E713B0EC04A}"/>
-              </a:ext>
-            </a:extLst>
-          </p:cNvPr>
-          <p:cNvSpPr/>
-          <p:nvPr/>
-        </p:nvSpPr>
-        <p:spPr>
-          <a:xfrm rot="11244699">
-            <a:off x="3038115" y="4043500"/>
-            <a:ext cx="2360192" cy="331877"/>
-          </a:xfrm>
-          <a:prstGeom prst="rightArrow">
-            <a:avLst/>
-          </a:prstGeom>
-        </p:spPr>
-        <p:style>
-          <a:lnRef idx="2">
-            <a:schemeClr val="accent1">
-              <a:shade val="15000"/>
-            </a:schemeClr>
-          </a:lnRef>
-          <a:fillRef idx="1">
-            <a:schemeClr val="accent1"/>
-          </a:fillRef>
-          <a:effectRef idx="0">
-            <a:schemeClr val="accent1"/>
-          </a:effectRef>
-          <a:fontRef idx="minor">
-            <a:schemeClr val="lt1"/>
-          </a:fontRef>
-        </p:style>
-        <p:txBody>
-          <a:bodyPr rtlCol="0" anchor="ctr"/>
-          <a:lstStyle/>
-          <a:p>
-            <a:pPr algn="ctr"/>
-            <a:endParaRPr kumimoji="1" lang="ja-JP" altLang="en-US"/>
-          </a:p>
-        </p:txBody>
-      </p:sp>
-      <p:sp>
-        <p:nvSpPr>
-          <p:cNvPr id="27" name="テキスト ボックス 26">
-            <a:extLst>
-              <a:ext uri="{FF2B5EF4-FFF2-40B4-BE49-F238E27FC236}">
-                <a16:creationId xmlns:a16="http://schemas.microsoft.com/office/drawing/2014/main" id="{34BA16DC-C76D-2E69-BE61-64F95243AE97}"/>
-              </a:ext>
-            </a:extLst>
-          </p:cNvPr>
-          <p:cNvSpPr txBox="1"/>
-          <p:nvPr/>
-        </p:nvSpPr>
-        <p:spPr>
-          <a:xfrm rot="456788">
-            <a:off x="3766325" y="3757449"/>
-            <a:ext cx="1210588" cy="338554"/>
-          </a:xfrm>
-          <a:prstGeom prst="rect">
-            <a:avLst/>
-          </a:prstGeom>
-          <a:noFill/>
-        </p:spPr>
-        <p:txBody>
-          <a:bodyPr wrap="none" rtlCol="0">
-            <a:spAutoFit/>
-          </a:bodyPr>
-          <a:lstStyle/>
-          <a:p>
-            <a:r>
-              <a:rPr kumimoji="1" lang="ja-JP" altLang="en-US" sz="1600" dirty="0">
-                <a:latin typeface="HG丸ｺﾞｼｯｸM-PRO" panose="020F0600000000000000" pitchFamily="50" charset="-128"/>
-                <a:ea typeface="HG丸ｺﾞｼｯｸM-PRO" panose="020F0600000000000000" pitchFamily="50" charset="-128"/>
-              </a:rPr>
-              <a:t>レスポンス</a:t>
-            </a:r>
-          </a:p>
-        </p:txBody>
-      </p:sp>
-    </p:spTree>
-    <p:extLst>
-      <p:ext uri="{BB962C8B-B14F-4D97-AF65-F5344CB8AC3E}">
-        <p14:creationId xmlns:p14="http://schemas.microsoft.com/office/powerpoint/2010/main" val="992953411"/>
-      </p:ext>
-    </p:extLst>
-  </p:cSld>
-  <p:clrMapOvr>
-    <a:masterClrMapping/>
-  </p:clrMapOvr>
-  <p:timing>
-    <p:tnLst>
-      <p:par>
-        <p:cTn id="1" dur="indefinite" restart="never" nodeType="tmRoot">
-          <p:childTnLst>
-            <p:seq concurrent="1" nextAc="seek">
-              <p:cTn id="2" dur="indefinite" nodeType="mainSeq">
-                <p:childTnLst>
-                  <p:par>
-                    <p:cTn id="3" fill="hold">
-                      <p:stCondLst>
-                        <p:cond delay="indefinite"/>
-                      </p:stCondLst>
-                      <p:childTnLst>
-                        <p:par>
-                          <p:cTn id="4" fill="hold">
-                            <p:stCondLst>
-                              <p:cond delay="0"/>
-                            </p:stCondLst>
-                            <p:childTnLst>
-                              <p:par>
-                                <p:cTn id="5" presetID="16" presetClass="entr" presetSubtype="21" fill="hold" grpId="0" nodeType="clickEffect">
-                                  <p:stCondLst>
-                                    <p:cond delay="0"/>
-                                  </p:stCondLst>
-                                  <p:childTnLst>
-                                    <p:set>
-                                      <p:cBhvr>
-                                        <p:cTn id="6" dur="1" fill="hold">
-                                          <p:stCondLst>
-                                            <p:cond delay="0"/>
-                                          </p:stCondLst>
-                                        </p:cTn>
-                                        <p:tgtEl>
-                                          <p:spTgt spid="5"/>
-                                        </p:tgtEl>
-                                        <p:attrNameLst>
-                                          <p:attrName>style.visibility</p:attrName>
-                                        </p:attrNameLst>
-                                      </p:cBhvr>
-                                      <p:to>
-                                        <p:strVal val="visible"/>
-                                      </p:to>
-                                    </p:set>
-                                    <p:animEffect transition="in" filter="barn(inVertical)">
-                                      <p:cBhvr>
-                                        <p:cTn id="7" dur="500"/>
-                                        <p:tgtEl>
-                                          <p:spTgt spid="5"/>
-                                        </p:tgtEl>
-                                      </p:cBhvr>
-                                    </p:animEffect>
-                                  </p:childTnLst>
-                                </p:cTn>
-                              </p:par>
-                            </p:childTnLst>
-                          </p:cTn>
-                        </p:par>
-                      </p:childTnLst>
-                    </p:cTn>
-                  </p:par>
-                  <p:par>
-                    <p:cTn id="8" fill="hold">
-                      <p:stCondLst>
-                        <p:cond delay="indefinite"/>
-                      </p:stCondLst>
-                      <p:childTnLst>
-                        <p:par>
-                          <p:cTn id="9" fill="hold">
-                            <p:stCondLst>
-                              <p:cond delay="0"/>
-                            </p:stCondLst>
-                            <p:childTnLst>
-                              <p:par>
-                                <p:cTn id="10" presetID="16" presetClass="entr" presetSubtype="21" fill="hold" grpId="0" nodeType="clickEffect">
-                                  <p:stCondLst>
-                                    <p:cond delay="0"/>
-                                  </p:stCondLst>
-                                  <p:childTnLst>
-                                    <p:set>
-                                      <p:cBhvr>
-                                        <p:cTn id="11" dur="1" fill="hold">
-                                          <p:stCondLst>
-                                            <p:cond delay="0"/>
-                                          </p:stCondLst>
-                                        </p:cTn>
-                                        <p:tgtEl>
-                                          <p:spTgt spid="6"/>
-                                        </p:tgtEl>
-                                        <p:attrNameLst>
-                                          <p:attrName>style.visibility</p:attrName>
-                                        </p:attrNameLst>
-                                      </p:cBhvr>
-                                      <p:to>
-                                        <p:strVal val="visible"/>
-                                      </p:to>
-                                    </p:set>
-                                    <p:animEffect transition="in" filter="barn(inVertical)">
-                                      <p:cBhvr>
-                                        <p:cTn id="12" dur="500"/>
-                                        <p:tgtEl>
-                                          <p:spTgt spid="6"/>
-                                        </p:tgtEl>
-                                      </p:cBhvr>
-                                    </p:animEffect>
-                                  </p:childTnLst>
-                                </p:cTn>
-                              </p:par>
-                            </p:childTnLst>
-                          </p:cTn>
-                        </p:par>
-                      </p:childTnLst>
-                    </p:cTn>
-                  </p:par>
-                  <p:par>
-                    <p:cTn id="13" fill="hold">
-                      <p:stCondLst>
-                        <p:cond delay="indefinite"/>
-                      </p:stCondLst>
-                      <p:childTnLst>
-                        <p:par>
-                          <p:cTn id="14" fill="hold">
-                            <p:stCondLst>
-                              <p:cond delay="0"/>
-                            </p:stCondLst>
-                            <p:childTnLst>
-                              <p:par>
-                                <p:cTn id="15" presetID="16" presetClass="entr" presetSubtype="21" fill="hold" grpId="0" nodeType="clickEffect">
-                                  <p:stCondLst>
-                                    <p:cond delay="0"/>
-                                  </p:stCondLst>
-                                  <p:childTnLst>
-                                    <p:set>
-                                      <p:cBhvr>
-                                        <p:cTn id="16" dur="1" fill="hold">
-                                          <p:stCondLst>
-                                            <p:cond delay="0"/>
-                                          </p:stCondLst>
-                                        </p:cTn>
-                                        <p:tgtEl>
-                                          <p:spTgt spid="7"/>
-                                        </p:tgtEl>
-                                        <p:attrNameLst>
-                                          <p:attrName>style.visibility</p:attrName>
-                                        </p:attrNameLst>
-                                      </p:cBhvr>
-                                      <p:to>
-                                        <p:strVal val="visible"/>
-                                      </p:to>
-                                    </p:set>
-                                    <p:animEffect transition="in" filter="barn(inVertical)">
-                                      <p:cBhvr>
-                                        <p:cTn id="17" dur="500"/>
-                                        <p:tgtEl>
-                                          <p:spTgt spid="7"/>
-                                        </p:tgtEl>
-                                      </p:cBhvr>
-                                    </p:animEffect>
-                                  </p:childTnLst>
-                                </p:cTn>
-                              </p:par>
-                            </p:childTnLst>
-                          </p:cTn>
-                        </p:par>
-                      </p:childTnLst>
-                    </p:cTn>
-                  </p:par>
-                  <p:par>
-                    <p:cTn id="18" fill="hold">
-                      <p:stCondLst>
-                        <p:cond delay="indefinite"/>
-                      </p:stCondLst>
-                      <p:childTnLst>
-                        <p:par>
-                          <p:cTn id="19" fill="hold">
-                            <p:stCondLst>
-                              <p:cond delay="0"/>
-                            </p:stCondLst>
-                            <p:childTnLst>
-                              <p:par>
-                                <p:cTn id="20" presetID="16" presetClass="entr" presetSubtype="21" fill="hold" grpId="0" nodeType="clickEffect">
-                                  <p:stCondLst>
-                                    <p:cond delay="0"/>
-                                  </p:stCondLst>
-                                  <p:childTnLst>
-                                    <p:set>
-                                      <p:cBhvr>
-                                        <p:cTn id="21" dur="1" fill="hold">
-                                          <p:stCondLst>
-                                            <p:cond delay="0"/>
-                                          </p:stCondLst>
-                                        </p:cTn>
-                                        <p:tgtEl>
-                                          <p:spTgt spid="8"/>
-                                        </p:tgtEl>
-                                        <p:attrNameLst>
-                                          <p:attrName>style.visibility</p:attrName>
-                                        </p:attrNameLst>
-                                      </p:cBhvr>
-                                      <p:to>
-                                        <p:strVal val="visible"/>
-                                      </p:to>
-                                    </p:set>
-                                    <p:animEffect transition="in" filter="barn(inVertical)">
-                                      <p:cBhvr>
-                                        <p:cTn id="22" dur="500"/>
-                                        <p:tgtEl>
-                                          <p:spTgt spid="8"/>
-                                        </p:tgtEl>
-                                      </p:cBhvr>
-                                    </p:animEffect>
-                                  </p:childTnLst>
-                                </p:cTn>
-                              </p:par>
-                            </p:childTnLst>
-                          </p:cTn>
-                        </p:par>
-                      </p:childTnLst>
-                    </p:cTn>
-                  </p:par>
-                  <p:par>
-                    <p:cTn id="23" fill="hold">
-                      <p:stCondLst>
-                        <p:cond delay="indefinite"/>
-                      </p:stCondLst>
-                      <p:childTnLst>
-                        <p:par>
-                          <p:cTn id="24" fill="hold">
-                            <p:stCondLst>
-                              <p:cond delay="0"/>
-                            </p:stCondLst>
-                            <p:childTnLst>
-                              <p:par>
-                                <p:cTn id="25" presetID="16" presetClass="exit" presetSubtype="21" fill="hold" grpId="1" nodeType="clickEffect">
-                                  <p:stCondLst>
-                                    <p:cond delay="0"/>
-                                  </p:stCondLst>
-                                  <p:childTnLst>
-                                    <p:animEffect transition="out" filter="barn(inVertical)">
-                                      <p:cBhvr>
-                                        <p:cTn id="26" dur="500"/>
-                                        <p:tgtEl>
-                                          <p:spTgt spid="5"/>
-                                        </p:tgtEl>
-                                      </p:cBhvr>
-                                    </p:animEffect>
-                                    <p:set>
-                                      <p:cBhvr>
-                                        <p:cTn id="27" dur="1" fill="hold">
-                                          <p:stCondLst>
-                                            <p:cond delay="499"/>
-                                          </p:stCondLst>
-                                        </p:cTn>
-                                        <p:tgtEl>
-                                          <p:spTgt spid="5"/>
-                                        </p:tgtEl>
-                                        <p:attrNameLst>
-                                          <p:attrName>style.visibility</p:attrName>
-                                        </p:attrNameLst>
-                                      </p:cBhvr>
-                                      <p:to>
-                                        <p:strVal val="hidden"/>
-                                      </p:to>
-                                    </p:set>
-                                  </p:childTnLst>
-                                </p:cTn>
-                              </p:par>
-                              <p:par>
-                                <p:cTn id="28" presetID="16" presetClass="exit" presetSubtype="21" fill="hold" grpId="1" nodeType="withEffect">
-                                  <p:stCondLst>
-                                    <p:cond delay="0"/>
-                                  </p:stCondLst>
-                                  <p:childTnLst>
-                                    <p:animEffect transition="out" filter="barn(inVertical)">
-                                      <p:cBhvr>
-                                        <p:cTn id="29" dur="500"/>
-                                        <p:tgtEl>
-                                          <p:spTgt spid="6"/>
-                                        </p:tgtEl>
-                                      </p:cBhvr>
-                                    </p:animEffect>
-                                    <p:set>
-                                      <p:cBhvr>
-                                        <p:cTn id="30" dur="1" fill="hold">
-                                          <p:stCondLst>
-                                            <p:cond delay="499"/>
-                                          </p:stCondLst>
-                                        </p:cTn>
-                                        <p:tgtEl>
-                                          <p:spTgt spid="6"/>
-                                        </p:tgtEl>
-                                        <p:attrNameLst>
-                                          <p:attrName>style.visibility</p:attrName>
-                                        </p:attrNameLst>
-                                      </p:cBhvr>
-                                      <p:to>
-                                        <p:strVal val="hidden"/>
-                                      </p:to>
-                                    </p:set>
-                                  </p:childTnLst>
-                                </p:cTn>
-                              </p:par>
-                              <p:par>
-                                <p:cTn id="31" presetID="16" presetClass="exit" presetSubtype="21" fill="hold" grpId="1" nodeType="withEffect">
-                                  <p:stCondLst>
-                                    <p:cond delay="0"/>
-                                  </p:stCondLst>
-                                  <p:childTnLst>
-                                    <p:animEffect transition="out" filter="barn(inVertical)">
-                                      <p:cBhvr>
-                                        <p:cTn id="32" dur="500"/>
-                                        <p:tgtEl>
-                                          <p:spTgt spid="7"/>
-                                        </p:tgtEl>
-                                      </p:cBhvr>
-                                    </p:animEffect>
-                                    <p:set>
-                                      <p:cBhvr>
-                                        <p:cTn id="33" dur="1" fill="hold">
-                                          <p:stCondLst>
-                                            <p:cond delay="499"/>
-                                          </p:stCondLst>
-                                        </p:cTn>
-                                        <p:tgtEl>
-                                          <p:spTgt spid="7"/>
-                                        </p:tgtEl>
-                                        <p:attrNameLst>
-                                          <p:attrName>style.visibility</p:attrName>
-                                        </p:attrNameLst>
-                                      </p:cBhvr>
-                                      <p:to>
-                                        <p:strVal val="hidden"/>
-                                      </p:to>
-                                    </p:set>
-                                  </p:childTnLst>
-                                </p:cTn>
-                              </p:par>
-                              <p:par>
-                                <p:cTn id="34" presetID="16" presetClass="exit" presetSubtype="21" fill="hold" grpId="1" nodeType="withEffect">
-                                  <p:stCondLst>
-                                    <p:cond delay="0"/>
-                                  </p:stCondLst>
-                                  <p:childTnLst>
-                                    <p:animEffect transition="out" filter="barn(inVertical)">
-                                      <p:cBhvr>
-                                        <p:cTn id="35" dur="500"/>
-                                        <p:tgtEl>
-                                          <p:spTgt spid="8"/>
-                                        </p:tgtEl>
-                                      </p:cBhvr>
-                                    </p:animEffect>
-                                    <p:set>
-                                      <p:cBhvr>
-                                        <p:cTn id="36" dur="1" fill="hold">
-                                          <p:stCondLst>
-                                            <p:cond delay="499"/>
-                                          </p:stCondLst>
-                                        </p:cTn>
-                                        <p:tgtEl>
-                                          <p:spTgt spid="8"/>
-                                        </p:tgtEl>
-                                        <p:attrNameLst>
-                                          <p:attrName>style.visibility</p:attrName>
-                                        </p:attrNameLst>
-                                      </p:cBhvr>
-                                      <p:to>
-                                        <p:strVal val="hidden"/>
-                                      </p:to>
-                                    </p:set>
-                                  </p:childTnLst>
-                                </p:cTn>
-                              </p:par>
-                            </p:childTnLst>
-                          </p:cTn>
-                        </p:par>
-                      </p:childTnLst>
-                    </p:cTn>
-                  </p:par>
-                </p:childTnLst>
-              </p:cTn>
-              <p:prevCondLst>
-                <p:cond evt="onPrev" delay="0">
-                  <p:tgtEl>
-                    <p:sldTgt/>
-                  </p:tgtEl>
-                </p:cond>
-              </p:prevCondLst>
-              <p:nextCondLst>
-                <p:cond evt="onNext" delay="0">
-                  <p:tgtEl>
-                    <p:sldTgt/>
-                  </p:tgtEl>
-                </p:cond>
-              </p:nextCondLst>
-            </p:seq>
-          </p:childTnLst>
-        </p:cTn>
-      </p:par>
-    </p:tnLst>
-    <p:bldLst>
-      <p:bldP spid="5" grpId="0" animBg="1"/>
-      <p:bldP spid="5" grpId="1" animBg="1"/>
-      <p:bldP spid="6" grpId="0" animBg="1"/>
-      <p:bldP spid="6" grpId="1" animBg="1"/>
-      <p:bldP spid="7" grpId="0" animBg="1"/>
-      <p:bldP spid="7" grpId="1" animBg="1"/>
-      <p:bldP spid="8" grpId="0" animBg="1"/>
-      <p:bldP spid="8" grpId="1" animBg="1"/>
-    </p:bldLst>
-  </p:timing>
-</p:sld>
-</file>
-
-<file path=ppt/slides/slide2.xml><?xml version="1.0" encoding="utf-8"?>
-<p:sld xmlns:a="http://schemas.openxmlformats.org/drawingml/2006/main" xmlns:r="http://schemas.openxmlformats.org/officeDocument/2006/relationships" xmlns:p="http://schemas.openxmlformats.org/presentationml/2006/main">
-  <p:cSld>
-    <p:spTree>
-      <p:nvGrpSpPr>
-        <p:cNvPr id="1" name="">
-          <a:extLst>
-            <a:ext uri="{FF2B5EF4-FFF2-40B4-BE49-F238E27FC236}">
-              <a16:creationId xmlns:a16="http://schemas.microsoft.com/office/drawing/2014/main" id="{2A17A32A-9C84-4B82-24AE-6C557952AE2F}"/>
-            </a:ext>
-          </a:extLst>
-        </p:cNvPr>
-        <p:cNvGrpSpPr/>
-        <p:nvPr/>
-      </p:nvGrpSpPr>
-      <p:grpSpPr>
-        <a:xfrm>
-          <a:off x="0" y="0"/>
-          <a:ext cx="0" cy="0"/>
-          <a:chOff x="0" y="0"/>
-          <a:chExt cx="0" cy="0"/>
-        </a:xfrm>
-      </p:grpSpPr>
-      <p:sp>
-        <p:nvSpPr>
-          <p:cNvPr id="2" name="タイトル 1">
-            <a:extLst>
-              <a:ext uri="{FF2B5EF4-FFF2-40B4-BE49-F238E27FC236}">
-                <a16:creationId xmlns:a16="http://schemas.microsoft.com/office/drawing/2014/main" id="{528697AD-1AD1-3175-8A54-378D63848163}"/>
-              </a:ext>
-            </a:extLst>
-          </p:cNvPr>
-          <p:cNvSpPr>
-            <a:spLocks noGrp="1"/>
-          </p:cNvSpPr>
-          <p:nvPr>
-            <p:ph type="ctrTitle"/>
-          </p:nvPr>
-        </p:nvSpPr>
-        <p:spPr/>
-        <p:txBody>
-          <a:bodyPr/>
-          <a:lstStyle/>
-          <a:p>
-            <a:pPr algn="ctr"/>
-            <a:r>
-              <a:rPr kumimoji="1" lang="ja-JP" altLang="en-US" dirty="0">
-                <a:latin typeface="HG丸ｺﾞｼｯｸM-PRO" panose="020F0600000000000000" pitchFamily="50" charset="-128"/>
-                <a:ea typeface="HG丸ｺﾞｼｯｸM-PRO" panose="020F0600000000000000" pitchFamily="50" charset="-128"/>
-              </a:rPr>
-              <a:t>書籍管理システム📚</a:t>
-            </a:r>
-          </a:p>
-        </p:txBody>
-      </p:sp>
-      <p:sp>
-        <p:nvSpPr>
-          <p:cNvPr id="3" name="字幕 2">
-            <a:extLst>
-              <a:ext uri="{FF2B5EF4-FFF2-40B4-BE49-F238E27FC236}">
-                <a16:creationId xmlns:a16="http://schemas.microsoft.com/office/drawing/2014/main" id="{C30CFDFE-3087-92EC-5307-D6F63930262B}"/>
-              </a:ext>
-            </a:extLst>
-          </p:cNvPr>
-          <p:cNvSpPr>
-            <a:spLocks noGrp="1"/>
-          </p:cNvSpPr>
-          <p:nvPr>
-            <p:ph type="subTitle" idx="1"/>
-          </p:nvPr>
-        </p:nvSpPr>
-        <p:spPr>
-          <a:xfrm>
-            <a:off x="1128403" y="4453700"/>
-            <a:ext cx="8637072" cy="1071095"/>
-          </a:xfrm>
-        </p:spPr>
-        <p:txBody>
-          <a:bodyPr/>
-          <a:lstStyle/>
-          <a:p>
-            <a:pPr algn="r"/>
-            <a:r>
-              <a:rPr kumimoji="1" lang="ja-JP" altLang="en-US" sz="2000" dirty="0">
-                <a:latin typeface="HG丸ｺﾞｼｯｸM-PRO" panose="020F0600000000000000" pitchFamily="50" charset="-128"/>
-                <a:ea typeface="HG丸ｺﾞｼｯｸM-PRO" panose="020F0600000000000000" pitchFamily="50" charset="-128"/>
-              </a:rPr>
-              <a:t>グループ２</a:t>
-            </a:r>
-            <a:endParaRPr kumimoji="1" lang="en-US" altLang="ja-JP" sz="2000" dirty="0">
-              <a:latin typeface="HG丸ｺﾞｼｯｸM-PRO" panose="020F0600000000000000" pitchFamily="50" charset="-128"/>
-              <a:ea typeface="HG丸ｺﾞｼｯｸM-PRO" panose="020F0600000000000000" pitchFamily="50" charset="-128"/>
-            </a:endParaRPr>
-          </a:p>
-          <a:p>
-            <a:pPr algn="r"/>
-            <a:r>
-              <a:rPr kumimoji="1" lang="ja-JP" altLang="en-US" sz="2400" dirty="0">
-                <a:latin typeface="HG丸ｺﾞｼｯｸM-PRO" panose="020F0600000000000000" pitchFamily="50" charset="-128"/>
-                <a:ea typeface="HG丸ｺﾞｼｯｸM-PRO" panose="020F0600000000000000" pitchFamily="50" charset="-128"/>
-              </a:rPr>
-              <a:t>上村・中田・中村・永森</a:t>
-            </a:r>
-          </a:p>
-        </p:txBody>
-      </p:sp>
-      <p:sp>
-        <p:nvSpPr>
-          <p:cNvPr id="4" name="スライド番号プレースホルダー 3">
-            <a:extLst>
-              <a:ext uri="{FF2B5EF4-FFF2-40B4-BE49-F238E27FC236}">
-                <a16:creationId xmlns:a16="http://schemas.microsoft.com/office/drawing/2014/main" id="{9431D492-7279-E703-51AC-D6BCAD5DC681}"/>
-              </a:ext>
-            </a:extLst>
-          </p:cNvPr>
-          <p:cNvSpPr>
-            <a:spLocks noGrp="1"/>
-          </p:cNvSpPr>
-          <p:nvPr>
-            <p:ph type="sldNum" sz="quarter" idx="12"/>
-          </p:nvPr>
-        </p:nvSpPr>
-        <p:spPr/>
-        <p:txBody>
-          <a:bodyPr/>
-          <a:lstStyle/>
-          <a:p>
-            <a:fld id="{F0E75ABD-E329-4735-B6E0-3752012DC264}" type="slidenum">
-              <a:rPr kumimoji="1" lang="ja-JP" altLang="en-US" smtClean="0"/>
-              <a:t>2</a:t>
-            </a:fld>
-            <a:endParaRPr kumimoji="1" lang="ja-JP" altLang="en-US"/>
-          </a:p>
-        </p:txBody>
-      </p:sp>
-    </p:spTree>
-    <p:extLst>
-      <p:ext uri="{BB962C8B-B14F-4D97-AF65-F5344CB8AC3E}">
-        <p14:creationId xmlns:p14="http://schemas.microsoft.com/office/powerpoint/2010/main" val="4018152393"/>
-      </p:ext>
-    </p:extLst>
-  </p:cSld>
-  <p:clrMapOvr>
-    <a:masterClrMapping/>
-  </p:clrMapOvr>
-</p:sld>
-</file>
-
-<file path=ppt/slides/slide3.xml><?xml version="1.0" encoding="utf-8"?>
-<p:sld xmlns:a="http://schemas.openxmlformats.org/drawingml/2006/main" xmlns:r="http://schemas.openxmlformats.org/officeDocument/2006/relationships" xmlns:p="http://schemas.openxmlformats.org/presentationml/2006/main">
-  <p:cSld>
-    <p:spTree>
-      <p:nvGrpSpPr>
-        <p:cNvPr id="1" name=""/>
-        <p:cNvGrpSpPr/>
-        <p:nvPr/>
-      </p:nvGrpSpPr>
-      <p:grpSpPr>
-        <a:xfrm>
-          <a:off x="0" y="0"/>
-          <a:ext cx="0" cy="0"/>
-          <a:chOff x="0" y="0"/>
-          <a:chExt cx="0" cy="0"/>
-        </a:xfrm>
-      </p:grpSpPr>
-      <p:sp>
-        <p:nvSpPr>
-          <p:cNvPr id="2" name="タイトル 1">
-            <a:extLst>
-              <a:ext uri="{FF2B5EF4-FFF2-40B4-BE49-F238E27FC236}">
-                <a16:creationId xmlns:a16="http://schemas.microsoft.com/office/drawing/2014/main" id="{F53548DC-BFDB-42F0-96C4-8E1E8BF1929F}"/>
-              </a:ext>
-            </a:extLst>
-          </p:cNvPr>
-          <p:cNvSpPr>
-            <a:spLocks noGrp="1"/>
-          </p:cNvSpPr>
-          <p:nvPr>
-            <p:ph type="title"/>
-          </p:nvPr>
-        </p:nvSpPr>
-        <p:spPr>
-          <a:xfrm>
-            <a:off x="1130270" y="953324"/>
-            <a:ext cx="9603275" cy="615417"/>
-          </a:xfrm>
-        </p:spPr>
-        <p:txBody>
-          <a:bodyPr/>
-          <a:lstStyle/>
-          <a:p>
-            <a:r>
-              <a:rPr lang="ja-JP" altLang="en-US" dirty="0">
-                <a:latin typeface="HG丸ｺﾞｼｯｸM-PRO" panose="020F0600000000000000" pitchFamily="50" charset="-128"/>
-                <a:ea typeface="HG丸ｺﾞｼｯｸM-PRO" panose="020F0600000000000000" pitchFamily="50" charset="-128"/>
-              </a:rPr>
-              <a:t>目次</a:t>
-            </a:r>
-            <a:endParaRPr kumimoji="1" lang="ja-JP" altLang="en-US" dirty="0">
-              <a:latin typeface="HG丸ｺﾞｼｯｸM-PRO" panose="020F0600000000000000" pitchFamily="50" charset="-128"/>
-              <a:ea typeface="HG丸ｺﾞｼｯｸM-PRO" panose="020F0600000000000000" pitchFamily="50" charset="-128"/>
-            </a:endParaRPr>
-          </a:p>
-        </p:txBody>
-      </p:sp>
-      <p:sp>
-        <p:nvSpPr>
-          <p:cNvPr id="3" name="コンテンツ プレースホルダー 2">
-            <a:extLst>
-              <a:ext uri="{FF2B5EF4-FFF2-40B4-BE49-F238E27FC236}">
-                <a16:creationId xmlns:a16="http://schemas.microsoft.com/office/drawing/2014/main" id="{F7CF11B6-8AF5-456F-92F2-E2DE4FF64C3C}"/>
-              </a:ext>
-            </a:extLst>
-          </p:cNvPr>
-          <p:cNvSpPr>
-            <a:spLocks noGrp="1"/>
-          </p:cNvSpPr>
-          <p:nvPr>
-            <p:ph idx="1"/>
-          </p:nvPr>
-        </p:nvSpPr>
-        <p:spPr>
-          <a:xfrm>
-            <a:off x="1130270" y="1568740"/>
-            <a:ext cx="9603275" cy="4335935"/>
-          </a:xfrm>
-        </p:spPr>
-        <p:txBody>
-          <a:bodyPr/>
-          <a:lstStyle/>
-          <a:p>
-            <a:pPr marL="457200" indent="-457200">
-              <a:buClr>
-                <a:schemeClr val="tx2"/>
-              </a:buClr>
-              <a:buSzPct val="150000"/>
-              <a:buFont typeface="+mj-lt"/>
-              <a:buAutoNum type="arabicPeriod"/>
-            </a:pPr>
-            <a:r>
-              <a:rPr lang="ja-JP" altLang="en-US" dirty="0"/>
-              <a:t>書籍管理システムについて</a:t>
-            </a:r>
-            <a:endParaRPr lang="en-US" altLang="ja-JP" dirty="0"/>
-          </a:p>
-          <a:p>
-            <a:pPr marL="457200" indent="-457200">
-              <a:buClr>
-                <a:schemeClr val="tx2"/>
-              </a:buClr>
-              <a:buSzPct val="150000"/>
-              <a:buFont typeface="+mj-lt"/>
-              <a:buAutoNum type="arabicPeriod"/>
-            </a:pPr>
-            <a:r>
-              <a:rPr lang="ja-JP" altLang="en-US" dirty="0"/>
-              <a:t>データベース</a:t>
-            </a:r>
-            <a:endParaRPr lang="en-US" altLang="ja-JP" dirty="0"/>
-          </a:p>
-          <a:p>
-            <a:pPr marL="457200" indent="-457200">
-              <a:buClr>
-                <a:schemeClr val="tx2"/>
-              </a:buClr>
-              <a:buSzPct val="150000"/>
-              <a:buFont typeface="+mj-lt"/>
-              <a:buAutoNum type="arabicPeriod"/>
-            </a:pPr>
-            <a:r>
-              <a:rPr kumimoji="1" lang="ja-JP" altLang="en-US" dirty="0"/>
-              <a:t>画面構成</a:t>
-            </a:r>
-            <a:endParaRPr kumimoji="1" lang="en-US" altLang="ja-JP" dirty="0"/>
-          </a:p>
-          <a:p>
-            <a:pPr marL="457200" indent="-457200">
-              <a:buClr>
-                <a:schemeClr val="tx2"/>
-              </a:buClr>
-              <a:buSzPct val="150000"/>
-              <a:buFont typeface="+mj-lt"/>
-              <a:buAutoNum type="arabicPeriod"/>
-            </a:pPr>
-            <a:r>
-              <a:rPr kumimoji="1" lang="ja-JP" altLang="en-US" dirty="0"/>
-              <a:t>デモンストレーション</a:t>
-            </a:r>
-            <a:endParaRPr kumimoji="1" lang="en-US" altLang="ja-JP" dirty="0"/>
-          </a:p>
-          <a:p>
-            <a:pPr marL="457200" indent="-457200">
-              <a:buClr>
-                <a:schemeClr val="tx2"/>
-              </a:buClr>
-              <a:buSzPct val="150000"/>
-              <a:buFont typeface="+mj-lt"/>
-              <a:buAutoNum type="arabicPeriod"/>
-            </a:pPr>
-            <a:r>
-              <a:rPr kumimoji="1" lang="ja-JP" altLang="en-US" dirty="0"/>
-              <a:t>開発効率の</a:t>
-            </a:r>
-            <a:r>
-              <a:rPr lang="en-US" altLang="ja-JP" dirty="0"/>
-              <a:t>tips</a:t>
-            </a:r>
-            <a:endParaRPr kumimoji="1" lang="en-US" altLang="ja-JP" dirty="0"/>
-          </a:p>
-          <a:p>
-            <a:pPr marL="457200" indent="-457200">
-              <a:buClr>
-                <a:schemeClr val="tx2"/>
-              </a:buClr>
-              <a:buSzPct val="150000"/>
-              <a:buFont typeface="+mj-lt"/>
-              <a:buAutoNum type="arabicPeriod"/>
-            </a:pPr>
-            <a:endParaRPr kumimoji="1" lang="ja-JP" altLang="en-US" dirty="0"/>
-          </a:p>
-        </p:txBody>
-      </p:sp>
-      <p:sp>
-        <p:nvSpPr>
-          <p:cNvPr id="4" name="スライド番号プレースホルダー 3">
-            <a:extLst>
-              <a:ext uri="{FF2B5EF4-FFF2-40B4-BE49-F238E27FC236}">
-                <a16:creationId xmlns:a16="http://schemas.microsoft.com/office/drawing/2014/main" id="{0EA25BE7-383C-47F2-A805-51C758797E00}"/>
-              </a:ext>
-            </a:extLst>
-          </p:cNvPr>
-          <p:cNvSpPr>
-            <a:spLocks noGrp="1"/>
-          </p:cNvSpPr>
-          <p:nvPr>
-            <p:ph type="sldNum" sz="quarter" idx="12"/>
-          </p:nvPr>
-        </p:nvSpPr>
-        <p:spPr/>
-        <p:txBody>
-          <a:bodyPr/>
-          <a:lstStyle/>
-          <a:p>
-            <a:fld id="{F0E75ABD-E329-4735-B6E0-3752012DC264}" type="slidenum">
-              <a:rPr kumimoji="1" lang="ja-JP" altLang="en-US" smtClean="0"/>
-              <a:t>3</a:t>
-            </a:fld>
-            <a:endParaRPr kumimoji="1" lang="ja-JP" altLang="en-US"/>
-          </a:p>
-        </p:txBody>
-      </p:sp>
-    </p:spTree>
-    <p:extLst>
-      <p:ext uri="{BB962C8B-B14F-4D97-AF65-F5344CB8AC3E}">
-        <p14:creationId xmlns:p14="http://schemas.microsoft.com/office/powerpoint/2010/main" val="3973152472"/>
-      </p:ext>
-    </p:extLst>
-  </p:cSld>
-  <p:clrMapOvr>
-    <a:masterClrMapping/>
-  </p:clrMapOvr>
-</p:sld>
-</file>
-
-<file path=ppt/slides/slide4.xml><?xml version="1.0" encoding="utf-8"?>
-<p:sld xmlns:a="http://schemas.openxmlformats.org/drawingml/2006/main" xmlns:r="http://schemas.openxmlformats.org/officeDocument/2006/relationships" xmlns:p="http://schemas.openxmlformats.org/presentationml/2006/main">
-  <p:cSld>
-    <p:spTree>
-      <p:nvGrpSpPr>
-        <p:cNvPr id="1" name=""/>
-        <p:cNvGrpSpPr/>
-        <p:nvPr/>
-      </p:nvGrpSpPr>
-      <p:grpSpPr>
-        <a:xfrm>
-          <a:off x="0" y="0"/>
-          <a:ext cx="0" cy="0"/>
-          <a:chOff x="0" y="0"/>
-          <a:chExt cx="0" cy="0"/>
-        </a:xfrm>
-      </p:grpSpPr>
-      <p:sp>
-        <p:nvSpPr>
-          <p:cNvPr id="2" name="タイトル 1">
-            <a:extLst>
-              <a:ext uri="{FF2B5EF4-FFF2-40B4-BE49-F238E27FC236}">
-                <a16:creationId xmlns:a16="http://schemas.microsoft.com/office/drawing/2014/main" id="{33E3A52C-030E-4AF5-9700-82655DC9BEF4}"/>
-              </a:ext>
-            </a:extLst>
-          </p:cNvPr>
-          <p:cNvSpPr>
-            <a:spLocks noGrp="1"/>
-          </p:cNvSpPr>
-          <p:nvPr>
-            <p:ph type="title"/>
-          </p:nvPr>
-        </p:nvSpPr>
-        <p:spPr/>
-        <p:txBody>
-          <a:bodyPr/>
-          <a:lstStyle/>
-          <a:p>
-            <a:r>
-              <a:rPr kumimoji="1" lang="ja-JP" altLang="en-US" dirty="0"/>
-              <a:t>書籍管理システム</a:t>
-            </a:r>
-          </a:p>
-        </p:txBody>
-      </p:sp>
-      <p:sp>
-        <p:nvSpPr>
-          <p:cNvPr id="3" name="コンテンツ プレースホルダー 2">
-            <a:extLst>
-              <a:ext uri="{FF2B5EF4-FFF2-40B4-BE49-F238E27FC236}">
-                <a16:creationId xmlns:a16="http://schemas.microsoft.com/office/drawing/2014/main" id="{77BFC3F9-40A8-41FD-A6C2-3D5DFA444BD4}"/>
-              </a:ext>
-            </a:extLst>
-          </p:cNvPr>
-          <p:cNvSpPr>
-            <a:spLocks noGrp="1"/>
-          </p:cNvSpPr>
-          <p:nvPr>
-            <p:ph idx="1"/>
-          </p:nvPr>
-        </p:nvSpPr>
-        <p:spPr/>
-        <p:txBody>
-          <a:bodyPr/>
-          <a:lstStyle/>
-          <a:p>
-            <a:pPr marL="0" indent="0">
-              <a:buNone/>
-            </a:pPr>
-            <a:r>
-              <a:rPr lang="ja-JP" altLang="en-US" dirty="0"/>
-              <a:t>要件：「会社で所有している書籍の管理システムを </a:t>
-            </a:r>
-            <a:r>
-              <a:rPr lang="en-US" altLang="ja-JP" dirty="0"/>
-              <a:t>Laravel </a:t>
-            </a:r>
-            <a:r>
-              <a:rPr lang="ja-JP" altLang="en-US" dirty="0"/>
-              <a:t>で開発する」</a:t>
-            </a:r>
-            <a:endParaRPr lang="en-US" altLang="ja-JP" dirty="0"/>
-          </a:p>
-          <a:p>
-            <a:pPr marL="0" indent="0">
-              <a:buNone/>
-            </a:pPr>
-            <a:endParaRPr lang="en-US" altLang="ja-JP" dirty="0"/>
-          </a:p>
-          <a:p>
-            <a:pPr marL="0" indent="0">
-              <a:buNone/>
-            </a:pPr>
-            <a:r>
-              <a:rPr lang="ja-JP" altLang="en-US" dirty="0"/>
-              <a:t>・同じ書籍を複数所持する場合がある</a:t>
-            </a:r>
-            <a:endParaRPr lang="en-US" altLang="ja-JP" dirty="0"/>
-          </a:p>
-          <a:p>
-            <a:pPr marL="0" indent="0">
-              <a:buNone/>
-            </a:pPr>
-            <a:r>
-              <a:rPr lang="ja-JP" altLang="en-US" dirty="0"/>
-              <a:t>・書籍には社員が「おすすめ度（</a:t>
-            </a:r>
-            <a:r>
-              <a:rPr lang="en-US" altLang="ja-JP" dirty="0"/>
-              <a:t>1</a:t>
-            </a:r>
-            <a:r>
-              <a:rPr lang="ja-JP" altLang="en-US" dirty="0"/>
-              <a:t>～</a:t>
-            </a:r>
-            <a:r>
-              <a:rPr lang="en-US" altLang="ja-JP" dirty="0"/>
-              <a:t>5</a:t>
-            </a:r>
-            <a:r>
-              <a:rPr lang="ja-JP" altLang="en-US" dirty="0"/>
-              <a:t>）」と「コメント」を入力できる</a:t>
-            </a:r>
-            <a:endParaRPr lang="en-US" altLang="ja-JP" dirty="0"/>
-          </a:p>
-          <a:p>
-            <a:pPr marL="0" indent="0">
-              <a:buNone/>
-            </a:pPr>
-            <a:r>
-              <a:rPr lang="ja-JP" altLang="en-US" dirty="0"/>
-              <a:t>・ 「おすすめ度」と「コメント」は入力した社員のみ変更できる</a:t>
-            </a:r>
-            <a:endParaRPr lang="en-US" altLang="ja-JP" dirty="0"/>
-          </a:p>
-          <a:p>
-            <a:pPr marL="0" indent="0">
-              <a:buNone/>
-            </a:pPr>
-            <a:r>
-              <a:rPr lang="ja-JP" altLang="en-US" dirty="0"/>
-              <a:t>・社員は「一般社員」と「総務部の社員」の</a:t>
-            </a:r>
-            <a:r>
-              <a:rPr lang="en-US" altLang="ja-JP" dirty="0"/>
-              <a:t>2</a:t>
-            </a:r>
-            <a:r>
-              <a:rPr lang="ja-JP" altLang="en-US" dirty="0"/>
-              <a:t>種類に分類される</a:t>
-            </a:r>
-            <a:endParaRPr lang="en-US" altLang="ja-JP" dirty="0"/>
-          </a:p>
-          <a:p>
-            <a:pPr marL="0" indent="0">
-              <a:buNone/>
-            </a:pPr>
-            <a:r>
-              <a:rPr lang="ja-JP" altLang="en-US" dirty="0"/>
-              <a:t>・書籍を新規購入した際は、総務部の社員のみ登録の作業が行える</a:t>
-            </a:r>
-            <a:endParaRPr lang="en-US" altLang="ja-JP" dirty="0"/>
-          </a:p>
-        </p:txBody>
-      </p:sp>
-      <p:pic>
-        <p:nvPicPr>
-          <p:cNvPr id="1026" name="Picture 2" descr="本棚のイラスト">
-            <a:extLst>
-              <a:ext uri="{FF2B5EF4-FFF2-40B4-BE49-F238E27FC236}">
-                <a16:creationId xmlns:a16="http://schemas.microsoft.com/office/drawing/2014/main" id="{8A803D8E-25B8-4343-99F5-53976ADFA77A}"/>
-              </a:ext>
-            </a:extLst>
-          </p:cNvPr>
-          <p:cNvPicPr>
-            <a:picLocks noChangeAspect="1" noChangeArrowheads="1"/>
-          </p:cNvPicPr>
-          <p:nvPr/>
-        </p:nvPicPr>
-        <p:blipFill>
-          <a:blip r:embed="rId2">
-            <a:extLst>
-              <a:ext uri="{28A0092B-C50C-407E-A947-70E740481C1C}">
-                <a14:useLocalDpi xmlns:a14="http://schemas.microsoft.com/office/drawing/2010/main" val="0"/>
-              </a:ext>
-            </a:extLst>
-          </a:blip>
-          <a:srcRect/>
-          <a:stretch>
-            <a:fillRect/>
-          </a:stretch>
-        </p:blipFill>
-        <p:spPr bwMode="auto">
-          <a:xfrm>
-            <a:off x="9300166" y="3709886"/>
-            <a:ext cx="2147047" cy="1910872"/>
-          </a:xfrm>
-          <a:prstGeom prst="rect">
-            <a:avLst/>
-          </a:prstGeom>
-          <a:noFill/>
-          <a:extLst>
-            <a:ext uri="{909E8E84-426E-40DD-AFC4-6F175D3DCCD1}">
-              <a14:hiddenFill xmlns:a14="http://schemas.microsoft.com/office/drawing/2010/main">
-                <a:solidFill>
-                  <a:srgbClr val="FFFFFF"/>
-                </a:solidFill>
-              </a14:hiddenFill>
-            </a:ext>
-          </a:extLst>
-        </p:spPr>
-      </p:pic>
-      <p:sp>
-        <p:nvSpPr>
-          <p:cNvPr id="4" name="スライド番号プレースホルダー 3">
-            <a:extLst>
-              <a:ext uri="{FF2B5EF4-FFF2-40B4-BE49-F238E27FC236}">
-                <a16:creationId xmlns:a16="http://schemas.microsoft.com/office/drawing/2014/main" id="{DE85BDC7-1C99-4B5F-ACAD-7D66BECFA023}"/>
-              </a:ext>
-            </a:extLst>
-          </p:cNvPr>
-          <p:cNvSpPr>
-            <a:spLocks noGrp="1"/>
-          </p:cNvSpPr>
-          <p:nvPr>
-            <p:ph type="sldNum" sz="quarter" idx="12"/>
-          </p:nvPr>
-        </p:nvSpPr>
-        <p:spPr/>
-        <p:txBody>
-          <a:bodyPr/>
-          <a:lstStyle/>
-          <a:p>
-            <a:fld id="{F0E75ABD-E329-4735-B6E0-3752012DC264}" type="slidenum">
-              <a:rPr kumimoji="1" lang="ja-JP" altLang="en-US" smtClean="0"/>
-              <a:t>4</a:t>
-            </a:fld>
-            <a:endParaRPr kumimoji="1" lang="ja-JP" altLang="en-US"/>
-          </a:p>
-        </p:txBody>
-      </p:sp>
-    </p:spTree>
-    <p:extLst>
-      <p:ext uri="{BB962C8B-B14F-4D97-AF65-F5344CB8AC3E}">
-        <p14:creationId xmlns:p14="http://schemas.microsoft.com/office/powerpoint/2010/main" val="2979035231"/>
-      </p:ext>
-    </p:extLst>
-  </p:cSld>
-  <p:clrMapOvr>
-    <a:masterClrMapping/>
-  </p:clrMapOvr>
-</p:sld>
-</file>
-
-<file path=ppt/slides/slide5.xml><?xml version="1.0" encoding="utf-8"?>
-<p:sld xmlns:a="http://schemas.openxmlformats.org/drawingml/2006/main" xmlns:r="http://schemas.openxmlformats.org/officeDocument/2006/relationships" xmlns:p="http://schemas.openxmlformats.org/presentationml/2006/main">
-  <p:cSld>
-    <p:spTree>
-      <p:nvGrpSpPr>
-        <p:cNvPr id="1" name=""/>
-        <p:cNvGrpSpPr/>
-        <p:nvPr/>
-      </p:nvGrpSpPr>
-      <p:grpSpPr>
-        <a:xfrm>
-          <a:off x="0" y="0"/>
-          <a:ext cx="0" cy="0"/>
-          <a:chOff x="0" y="0"/>
-          <a:chExt cx="0" cy="0"/>
-        </a:xfrm>
-      </p:grpSpPr>
-      <p:sp>
-        <p:nvSpPr>
-          <p:cNvPr id="2" name="タイトル 1">
-            <a:extLst>
-              <a:ext uri="{FF2B5EF4-FFF2-40B4-BE49-F238E27FC236}">
-                <a16:creationId xmlns:a16="http://schemas.microsoft.com/office/drawing/2014/main" id="{52F26930-9EBF-415F-8BC7-9C9DDBF23EE8}"/>
-              </a:ext>
-            </a:extLst>
-          </p:cNvPr>
-          <p:cNvSpPr>
-            <a:spLocks noGrp="1"/>
-          </p:cNvSpPr>
-          <p:nvPr>
-            <p:ph type="title"/>
-          </p:nvPr>
-        </p:nvSpPr>
-        <p:spPr/>
-        <p:txBody>
-          <a:bodyPr/>
-          <a:lstStyle/>
-          <a:p>
-            <a:r>
-              <a:rPr kumimoji="1" lang="ja-JP" altLang="en-US" dirty="0"/>
-              <a:t>書籍管理システム</a:t>
-            </a:r>
-          </a:p>
-        </p:txBody>
-      </p:sp>
-      <p:sp>
-        <p:nvSpPr>
-          <p:cNvPr id="3" name="コンテンツ プレースホルダー 2">
-            <a:extLst>
-              <a:ext uri="{FF2B5EF4-FFF2-40B4-BE49-F238E27FC236}">
-                <a16:creationId xmlns:a16="http://schemas.microsoft.com/office/drawing/2014/main" id="{DC463AED-5398-4F42-9F98-5A6EC2E549B1}"/>
-              </a:ext>
-            </a:extLst>
-          </p:cNvPr>
-          <p:cNvSpPr>
-            <a:spLocks noGrp="1"/>
-          </p:cNvSpPr>
-          <p:nvPr>
-            <p:ph idx="1"/>
-          </p:nvPr>
-        </p:nvSpPr>
-        <p:spPr/>
-        <p:txBody>
-          <a:bodyPr/>
-          <a:lstStyle/>
-          <a:p>
-            <a:pPr marL="0" indent="0">
-              <a:buNone/>
-            </a:pPr>
-            <a:r>
-              <a:rPr lang="ja-JP" altLang="en-US" dirty="0"/>
-              <a:t>全ての社員が共通して行える処理</a:t>
-            </a:r>
-            <a:br>
-              <a:rPr lang="en-US" altLang="ja-JP" dirty="0"/>
-            </a:br>
-            <a:r>
-              <a:rPr kumimoji="1" lang="ja-JP" altLang="en-US" dirty="0"/>
-              <a:t>　会社の所有している書籍の一覧表示</a:t>
-            </a:r>
-            <a:br>
-              <a:rPr lang="en-US" altLang="ja-JP" dirty="0"/>
-            </a:br>
-            <a:r>
-              <a:rPr lang="ja-JP" altLang="en-US" dirty="0"/>
-              <a:t>　書籍を指定して、その書籍のおすすめ度、コメントの一覧表示が出来る</a:t>
-            </a:r>
-            <a:br>
-              <a:rPr lang="en-US" altLang="ja-JP" dirty="0"/>
-            </a:br>
-            <a:r>
-              <a:rPr lang="ja-JP" altLang="en-US" dirty="0"/>
-              <a:t>　書籍のおすすめ度、コメントの投稿</a:t>
-            </a:r>
-            <a:endParaRPr lang="en-US" altLang="ja-JP" dirty="0"/>
-          </a:p>
-          <a:p>
-            <a:pPr marL="0" indent="0">
-              <a:buNone/>
-            </a:pPr>
-            <a:r>
-              <a:rPr lang="ja-JP" altLang="en-US" dirty="0"/>
-              <a:t>総務部の社員のみが出来る処理</a:t>
-            </a:r>
-            <a:br>
-              <a:rPr lang="en-US" altLang="ja-JP" dirty="0"/>
-            </a:br>
-            <a:r>
-              <a:rPr lang="ja-JP" altLang="en-US" dirty="0"/>
-              <a:t>　書籍の新規登録</a:t>
-            </a:r>
-            <a:br>
-              <a:rPr lang="en-US" altLang="ja-JP" dirty="0"/>
-            </a:br>
-            <a:r>
-              <a:rPr lang="ja-JP" altLang="en-US" dirty="0"/>
-              <a:t>　書籍の削除</a:t>
-            </a:r>
-            <a:endParaRPr lang="en-US" altLang="ja-JP" dirty="0"/>
-          </a:p>
-        </p:txBody>
-      </p:sp>
-      <p:pic>
-        <p:nvPicPr>
-          <p:cNvPr id="2050" name="Picture 2" descr="本棚から本を出す男の子のイラスト">
-            <a:extLst>
-              <a:ext uri="{FF2B5EF4-FFF2-40B4-BE49-F238E27FC236}">
-                <a16:creationId xmlns:a16="http://schemas.microsoft.com/office/drawing/2014/main" id="{FC7CF1E2-9354-4D0E-999F-A8A815125F82}"/>
-              </a:ext>
-            </a:extLst>
-          </p:cNvPr>
-          <p:cNvPicPr>
-            <a:picLocks noChangeAspect="1" noChangeArrowheads="1"/>
-          </p:cNvPicPr>
-          <p:nvPr/>
-        </p:nvPicPr>
-        <p:blipFill>
-          <a:blip r:embed="rId2">
-            <a:extLst>
-              <a:ext uri="{28A0092B-C50C-407E-A947-70E740481C1C}">
-                <a14:useLocalDpi xmlns:a14="http://schemas.microsoft.com/office/drawing/2010/main" val="0"/>
-              </a:ext>
-            </a:extLst>
-          </a:blip>
-          <a:srcRect/>
-          <a:stretch>
-            <a:fillRect/>
-          </a:stretch>
-        </p:blipFill>
-        <p:spPr bwMode="auto">
-          <a:xfrm>
-            <a:off x="7566212" y="3331669"/>
-            <a:ext cx="3167333" cy="2644723"/>
-          </a:xfrm>
-          <a:prstGeom prst="rect">
-            <a:avLst/>
-          </a:prstGeom>
-          <a:noFill/>
-          <a:extLst>
-            <a:ext uri="{909E8E84-426E-40DD-AFC4-6F175D3DCCD1}">
-              <a14:hiddenFill xmlns:a14="http://schemas.microsoft.com/office/drawing/2010/main">
-                <a:solidFill>
-                  <a:srgbClr val="FFFFFF"/>
-                </a:solidFill>
-              </a14:hiddenFill>
-            </a:ext>
-          </a:extLst>
-        </p:spPr>
-      </p:pic>
-      <p:sp>
-        <p:nvSpPr>
-          <p:cNvPr id="4" name="スライド番号プレースホルダー 3">
-            <a:extLst>
-              <a:ext uri="{FF2B5EF4-FFF2-40B4-BE49-F238E27FC236}">
-                <a16:creationId xmlns:a16="http://schemas.microsoft.com/office/drawing/2014/main" id="{3E3BA3D0-3F64-4FD4-BBC8-0029B881196D}"/>
-              </a:ext>
-            </a:extLst>
-          </p:cNvPr>
-          <p:cNvSpPr>
-            <a:spLocks noGrp="1"/>
-          </p:cNvSpPr>
-          <p:nvPr>
-            <p:ph type="sldNum" sz="quarter" idx="12"/>
-          </p:nvPr>
-        </p:nvSpPr>
-        <p:spPr/>
-        <p:txBody>
-          <a:bodyPr/>
-          <a:lstStyle/>
-          <a:p>
-            <a:fld id="{F0E75ABD-E329-4735-B6E0-3752012DC264}" type="slidenum">
-              <a:rPr kumimoji="1" lang="ja-JP" altLang="en-US" smtClean="0"/>
-              <a:t>5</a:t>
-            </a:fld>
-            <a:endParaRPr kumimoji="1" lang="ja-JP" altLang="en-US"/>
-          </a:p>
-        </p:txBody>
-      </p:sp>
-    </p:spTree>
-    <p:extLst>
-      <p:ext uri="{BB962C8B-B14F-4D97-AF65-F5344CB8AC3E}">
-        <p14:creationId xmlns:p14="http://schemas.microsoft.com/office/powerpoint/2010/main" val="1746403204"/>
-      </p:ext>
-    </p:extLst>
-  </p:cSld>
-  <p:clrMapOvr>
-    <a:masterClrMapping/>
-  </p:clrMapOvr>
-</p:sld>
-</file>
-
-<file path=ppt/slides/slide6.xml><?xml version="1.0" encoding="utf-8"?>
-<p:sld xmlns:a="http://schemas.openxmlformats.org/drawingml/2006/main" xmlns:r="http://schemas.openxmlformats.org/officeDocument/2006/relationships" xmlns:p="http://schemas.openxmlformats.org/presentationml/2006/main">
-  <p:cSld>
-    <p:spTree>
-      <p:nvGrpSpPr>
-        <p:cNvPr id="1" name=""/>
-        <p:cNvGrpSpPr/>
-        <p:nvPr/>
-      </p:nvGrpSpPr>
-      <p:grpSpPr>
-        <a:xfrm>
-          <a:off x="0" y="0"/>
-          <a:ext cx="0" cy="0"/>
-          <a:chOff x="0" y="0"/>
-          <a:chExt cx="0" cy="0"/>
-        </a:xfrm>
-      </p:grpSpPr>
-      <p:sp>
-        <p:nvSpPr>
-          <p:cNvPr id="2" name="タイトル 1">
-            <a:extLst>
-              <a:ext uri="{FF2B5EF4-FFF2-40B4-BE49-F238E27FC236}">
-                <a16:creationId xmlns:a16="http://schemas.microsoft.com/office/drawing/2014/main" id="{7095A7E1-4C09-4A38-B266-06E92406B055}"/>
-              </a:ext>
-            </a:extLst>
-          </p:cNvPr>
-          <p:cNvSpPr>
-            <a:spLocks noGrp="1"/>
-          </p:cNvSpPr>
-          <p:nvPr>
-            <p:ph type="title"/>
-          </p:nvPr>
-        </p:nvSpPr>
-        <p:spPr/>
-        <p:txBody>
-          <a:bodyPr/>
-          <a:lstStyle/>
-          <a:p>
-            <a:r>
-              <a:rPr kumimoji="1" lang="ja-JP" altLang="en-US" dirty="0"/>
-              <a:t>データベース</a:t>
-            </a:r>
-          </a:p>
-        </p:txBody>
-      </p:sp>
-      <p:sp>
-        <p:nvSpPr>
-          <p:cNvPr id="3" name="コンテンツ プレースホルダー 2">
-            <a:extLst>
-              <a:ext uri="{FF2B5EF4-FFF2-40B4-BE49-F238E27FC236}">
-                <a16:creationId xmlns:a16="http://schemas.microsoft.com/office/drawing/2014/main" id="{5CBE1F35-2919-4E15-9784-F4DD474813BA}"/>
-              </a:ext>
-            </a:extLst>
-          </p:cNvPr>
-          <p:cNvSpPr>
-            <a:spLocks noGrp="1"/>
-          </p:cNvSpPr>
-          <p:nvPr>
-            <p:ph idx="1"/>
-          </p:nvPr>
-        </p:nvSpPr>
-        <p:spPr/>
-        <p:txBody>
-          <a:bodyPr/>
-          <a:lstStyle/>
-          <a:p>
-            <a:r>
-              <a:rPr kumimoji="1" lang="en-US" altLang="ja-JP" dirty="0"/>
-              <a:t>MySQL</a:t>
-            </a:r>
-            <a:r>
-              <a:rPr kumimoji="1" lang="ja-JP" altLang="en-US" dirty="0"/>
-              <a:t>を利用する（</a:t>
-            </a:r>
-            <a:r>
-              <a:rPr kumimoji="1" lang="en-US" altLang="ja-JP" dirty="0"/>
-              <a:t>XAMPP</a:t>
-            </a:r>
-            <a:r>
-              <a:rPr kumimoji="1" lang="ja-JP" altLang="en-US" dirty="0"/>
-              <a:t>）</a:t>
-            </a:r>
-          </a:p>
-        </p:txBody>
-      </p:sp>
-      <p:pic>
-        <p:nvPicPr>
-          <p:cNvPr id="7" name="図 6">
-            <a:extLst>
-              <a:ext uri="{FF2B5EF4-FFF2-40B4-BE49-F238E27FC236}">
-                <a16:creationId xmlns:a16="http://schemas.microsoft.com/office/drawing/2014/main" id="{211829F7-E3E3-47C2-9559-A9AFB31F6424}"/>
-              </a:ext>
-            </a:extLst>
-          </p:cNvPr>
-          <p:cNvPicPr>
-            <a:picLocks noChangeAspect="1"/>
-          </p:cNvPicPr>
-          <p:nvPr/>
-        </p:nvPicPr>
-        <p:blipFill>
-          <a:blip r:embed="rId2">
-            <a:extLst>
-              <a:ext uri="{28A0092B-C50C-407E-A947-70E740481C1C}">
-                <a14:useLocalDpi xmlns:a14="http://schemas.microsoft.com/office/drawing/2010/main" val="0"/>
-              </a:ext>
-            </a:extLst>
-          </a:blip>
-          <a:stretch>
-            <a:fillRect/>
-          </a:stretch>
-        </p:blipFill>
-        <p:spPr>
-          <a:xfrm>
-            <a:off x="1228252" y="2204418"/>
-            <a:ext cx="9735496" cy="3638156"/>
-          </a:xfrm>
-          <a:prstGeom prst="rect">
-            <a:avLst/>
-          </a:prstGeom>
-        </p:spPr>
-      </p:pic>
-      <p:sp>
-        <p:nvSpPr>
-          <p:cNvPr id="8" name="スライド番号プレースホルダー 7">
-            <a:extLst>
-              <a:ext uri="{FF2B5EF4-FFF2-40B4-BE49-F238E27FC236}">
-                <a16:creationId xmlns:a16="http://schemas.microsoft.com/office/drawing/2014/main" id="{5EE035A8-EB43-4536-91AA-B8E57AA3DDCE}"/>
-              </a:ext>
-            </a:extLst>
-          </p:cNvPr>
-          <p:cNvSpPr>
-            <a:spLocks noGrp="1"/>
-          </p:cNvSpPr>
-          <p:nvPr>
-            <p:ph type="sldNum" sz="quarter" idx="12"/>
-          </p:nvPr>
-        </p:nvSpPr>
-        <p:spPr/>
-        <p:txBody>
-          <a:bodyPr/>
-          <a:lstStyle/>
-          <a:p>
-            <a:fld id="{F0E75ABD-E329-4735-B6E0-3752012DC264}" type="slidenum">
-              <a:rPr kumimoji="1" lang="ja-JP" altLang="en-US" smtClean="0"/>
-              <a:t>6</a:t>
-            </a:fld>
-            <a:endParaRPr kumimoji="1" lang="ja-JP" altLang="en-US"/>
-          </a:p>
-        </p:txBody>
-      </p:sp>
-    </p:spTree>
-    <p:extLst>
-      <p:ext uri="{BB962C8B-B14F-4D97-AF65-F5344CB8AC3E}">
-        <p14:creationId xmlns:p14="http://schemas.microsoft.com/office/powerpoint/2010/main" val="1591239575"/>
-      </p:ext>
-    </p:extLst>
-  </p:cSld>
-  <p:clrMapOvr>
-    <a:masterClrMapping/>
-  </p:clrMapOvr>
-</p:sld>
-</file>
-
-<file path=ppt/slides/slide7.xml><?xml version="1.0" encoding="utf-8"?>
-<p:sld xmlns:a="http://schemas.openxmlformats.org/drawingml/2006/main" xmlns:r="http://schemas.openxmlformats.org/officeDocument/2006/relationships" xmlns:p="http://schemas.openxmlformats.org/presentationml/2006/main">
-  <p:cSld>
-    <p:spTree>
-      <p:nvGrpSpPr>
-        <p:cNvPr id="1" name=""/>
-        <p:cNvGrpSpPr/>
-        <p:nvPr/>
-      </p:nvGrpSpPr>
-      <p:grpSpPr>
-        <a:xfrm>
-          <a:off x="0" y="0"/>
-          <a:ext cx="0" cy="0"/>
-          <a:chOff x="0" y="0"/>
-          <a:chExt cx="0" cy="0"/>
-        </a:xfrm>
-      </p:grpSpPr>
-      <p:sp>
-        <p:nvSpPr>
-          <p:cNvPr id="2" name="タイトル 1">
-            <a:extLst>
-              <a:ext uri="{FF2B5EF4-FFF2-40B4-BE49-F238E27FC236}">
-                <a16:creationId xmlns:a16="http://schemas.microsoft.com/office/drawing/2014/main" id="{44992F5C-D357-4F89-8DFE-4E93EFAD8DE5}"/>
-              </a:ext>
-            </a:extLst>
-          </p:cNvPr>
-          <p:cNvSpPr>
-            <a:spLocks noGrp="1"/>
-          </p:cNvSpPr>
-          <p:nvPr>
-            <p:ph type="title"/>
-          </p:nvPr>
-        </p:nvSpPr>
-        <p:spPr/>
-        <p:txBody>
-          <a:bodyPr/>
-          <a:lstStyle/>
-          <a:p>
-            <a:r>
-              <a:rPr kumimoji="1" lang="ja-JP" altLang="en-US" dirty="0"/>
-              <a:t>画面構成</a:t>
-            </a:r>
-          </a:p>
-        </p:txBody>
-      </p:sp>
-      <p:sp>
-        <p:nvSpPr>
-          <p:cNvPr id="3" name="コンテンツ プレースホルダー 2">
-            <a:extLst>
-              <a:ext uri="{FF2B5EF4-FFF2-40B4-BE49-F238E27FC236}">
-                <a16:creationId xmlns:a16="http://schemas.microsoft.com/office/drawing/2014/main" id="{EFFD3932-F7D8-4F6A-B998-BF168415ECC5}"/>
-              </a:ext>
-            </a:extLst>
-          </p:cNvPr>
-          <p:cNvSpPr>
-            <a:spLocks noGrp="1"/>
-          </p:cNvSpPr>
-          <p:nvPr>
-            <p:ph idx="1"/>
-          </p:nvPr>
-        </p:nvSpPr>
-        <p:spPr/>
-        <p:txBody>
-          <a:bodyPr/>
-          <a:lstStyle/>
-          <a:p>
-            <a:r>
-              <a:rPr kumimoji="1" lang="ja-JP" altLang="en-US" dirty="0"/>
-              <a:t>ここに遷移図の完成形を入れる</a:t>
-            </a:r>
-          </a:p>
-        </p:txBody>
-      </p:sp>
-      <p:sp>
-        <p:nvSpPr>
-          <p:cNvPr id="4" name="スライド番号プレースホルダー 3">
-            <a:extLst>
-              <a:ext uri="{FF2B5EF4-FFF2-40B4-BE49-F238E27FC236}">
-                <a16:creationId xmlns:a16="http://schemas.microsoft.com/office/drawing/2014/main" id="{63CD5CC6-930B-4059-B0C7-08ECDDBA9226}"/>
-              </a:ext>
-            </a:extLst>
-          </p:cNvPr>
-          <p:cNvSpPr>
-            <a:spLocks noGrp="1"/>
-          </p:cNvSpPr>
-          <p:nvPr>
-            <p:ph type="sldNum" sz="quarter" idx="12"/>
-          </p:nvPr>
-        </p:nvSpPr>
-        <p:spPr/>
-        <p:txBody>
-          <a:bodyPr/>
-          <a:lstStyle/>
-          <a:p>
-            <a:fld id="{F0E75ABD-E329-4735-B6E0-3752012DC264}" type="slidenum">
-              <a:rPr kumimoji="1" lang="ja-JP" altLang="en-US" smtClean="0"/>
-              <a:t>7</a:t>
-            </a:fld>
-            <a:endParaRPr kumimoji="1" lang="ja-JP" altLang="en-US"/>
-          </a:p>
-        </p:txBody>
-      </p:sp>
-    </p:spTree>
-    <p:extLst>
-      <p:ext uri="{BB962C8B-B14F-4D97-AF65-F5344CB8AC3E}">
-        <p14:creationId xmlns:p14="http://schemas.microsoft.com/office/powerpoint/2010/main" val="4145206676"/>
-      </p:ext>
-    </p:extLst>
-  </p:cSld>
-  <p:clrMapOvr>
-    <a:masterClrMapping/>
-  </p:clrMapOvr>
-</p:sld>
-</file>
-
-<file path=ppt/slides/slide8.xml><?xml version="1.0" encoding="utf-8"?>
-<p:sld xmlns:a="http://schemas.openxmlformats.org/drawingml/2006/main" xmlns:r="http://schemas.openxmlformats.org/officeDocument/2006/relationships" xmlns:p="http://schemas.openxmlformats.org/presentationml/2006/main">
-  <p:cSld>
-    <p:spTree>
-      <p:nvGrpSpPr>
-        <p:cNvPr id="1" name=""/>
-        <p:cNvGrpSpPr/>
-        <p:nvPr/>
-      </p:nvGrpSpPr>
-      <p:grpSpPr>
-        <a:xfrm>
-          <a:off x="0" y="0"/>
-          <a:ext cx="0" cy="0"/>
-          <a:chOff x="0" y="0"/>
-          <a:chExt cx="0" cy="0"/>
-        </a:xfrm>
-      </p:grpSpPr>
-      <p:sp>
-        <p:nvSpPr>
-          <p:cNvPr id="2" name="タイトル 1">
-            <a:extLst>
-              <a:ext uri="{FF2B5EF4-FFF2-40B4-BE49-F238E27FC236}">
-                <a16:creationId xmlns:a16="http://schemas.microsoft.com/office/drawing/2014/main" id="{A36EB1DE-CB46-46E7-89E0-E0A9C5F0541E}"/>
-              </a:ext>
-            </a:extLst>
-          </p:cNvPr>
-          <p:cNvSpPr>
-            <a:spLocks noGrp="1"/>
-          </p:cNvSpPr>
-          <p:nvPr>
-            <p:ph type="ctrTitle"/>
-          </p:nvPr>
-        </p:nvSpPr>
-        <p:spPr>
-          <a:xfrm>
-            <a:off x="1175111" y="945913"/>
-            <a:ext cx="9560300" cy="2618554"/>
-          </a:xfrm>
-        </p:spPr>
-        <p:txBody>
-          <a:bodyPr>
-            <a:normAutofit/>
-          </a:bodyPr>
-          <a:lstStyle/>
-          <a:p>
-            <a:pPr algn="ctr"/>
-            <a:r>
-              <a:rPr lang="ja-JP" altLang="en-US" sz="6000" dirty="0"/>
-              <a:t>バックエンド技術について</a:t>
-            </a:r>
-            <a:endParaRPr kumimoji="1" lang="ja-JP" altLang="en-US" sz="6000" dirty="0">
-              <a:latin typeface="HG丸ｺﾞｼｯｸM-PRO" panose="020F0600000000000000" pitchFamily="50" charset="-128"/>
-              <a:ea typeface="HG丸ｺﾞｼｯｸM-PRO" panose="020F0600000000000000" pitchFamily="50" charset="-128"/>
-            </a:endParaRPr>
-          </a:p>
-        </p:txBody>
-      </p:sp>
-      <p:sp>
-        <p:nvSpPr>
-          <p:cNvPr id="3" name="字幕 2">
-            <a:extLst>
-              <a:ext uri="{FF2B5EF4-FFF2-40B4-BE49-F238E27FC236}">
-                <a16:creationId xmlns:a16="http://schemas.microsoft.com/office/drawing/2014/main" id="{72D5286E-F29B-4109-9356-E513C3FB99DF}"/>
-              </a:ext>
-            </a:extLst>
-          </p:cNvPr>
-          <p:cNvSpPr>
-            <a:spLocks noGrp="1"/>
-          </p:cNvSpPr>
-          <p:nvPr>
-            <p:ph type="subTitle" idx="1"/>
-          </p:nvPr>
-        </p:nvSpPr>
-        <p:spPr>
-          <a:xfrm>
-            <a:off x="1128403" y="4453700"/>
-            <a:ext cx="8637072" cy="1071095"/>
-          </a:xfrm>
-        </p:spPr>
-        <p:txBody>
-          <a:bodyPr/>
-          <a:lstStyle/>
-          <a:p>
-            <a:pPr algn="r"/>
-            <a:r>
-              <a:rPr kumimoji="1" lang="ja-JP" altLang="en-US" sz="2000" dirty="0">
-                <a:latin typeface="HG丸ｺﾞｼｯｸM-PRO" panose="020F0600000000000000" pitchFamily="50" charset="-128"/>
-                <a:ea typeface="HG丸ｺﾞｼｯｸM-PRO" panose="020F0600000000000000" pitchFamily="50" charset="-128"/>
-              </a:rPr>
-              <a:t>グループ２</a:t>
-            </a:r>
-            <a:endParaRPr kumimoji="1" lang="en-US" altLang="ja-JP" sz="2000" dirty="0">
-              <a:latin typeface="HG丸ｺﾞｼｯｸM-PRO" panose="020F0600000000000000" pitchFamily="50" charset="-128"/>
-              <a:ea typeface="HG丸ｺﾞｼｯｸM-PRO" panose="020F0600000000000000" pitchFamily="50" charset="-128"/>
-            </a:endParaRPr>
-          </a:p>
-          <a:p>
-            <a:pPr algn="r"/>
-            <a:r>
-              <a:rPr kumimoji="1" lang="ja-JP" altLang="en-US" sz="2400" dirty="0">
-                <a:latin typeface="HG丸ｺﾞｼｯｸM-PRO" panose="020F0600000000000000" pitchFamily="50" charset="-128"/>
-                <a:ea typeface="HG丸ｺﾞｼｯｸM-PRO" panose="020F0600000000000000" pitchFamily="50" charset="-128"/>
-              </a:rPr>
-              <a:t>上村・中田・中村・永森</a:t>
-            </a:r>
-          </a:p>
-        </p:txBody>
-      </p:sp>
-      <p:sp>
-        <p:nvSpPr>
-          <p:cNvPr id="4" name="スライド番号プレースホルダー 3">
-            <a:extLst>
-              <a:ext uri="{FF2B5EF4-FFF2-40B4-BE49-F238E27FC236}">
-                <a16:creationId xmlns:a16="http://schemas.microsoft.com/office/drawing/2014/main" id="{0AA5DBAB-23BA-413F-A190-5666F600B0AC}"/>
-              </a:ext>
-            </a:extLst>
-          </p:cNvPr>
-          <p:cNvSpPr>
-            <a:spLocks noGrp="1"/>
-          </p:cNvSpPr>
-          <p:nvPr>
-            <p:ph type="sldNum" sz="quarter" idx="12"/>
-          </p:nvPr>
-        </p:nvSpPr>
-        <p:spPr/>
-        <p:txBody>
-          <a:bodyPr/>
-          <a:lstStyle/>
-          <a:p>
-            <a:fld id="{F0E75ABD-E329-4735-B6E0-3752012DC264}" type="slidenum">
-              <a:rPr kumimoji="1" lang="ja-JP" altLang="en-US" smtClean="0"/>
-              <a:t>8</a:t>
-            </a:fld>
-            <a:endParaRPr kumimoji="1" lang="ja-JP" altLang="en-US"/>
-          </a:p>
-        </p:txBody>
-      </p:sp>
-    </p:spTree>
-    <p:extLst>
-      <p:ext uri="{BB962C8B-B14F-4D97-AF65-F5344CB8AC3E}">
-        <p14:creationId xmlns:p14="http://schemas.microsoft.com/office/powerpoint/2010/main" val="3984249382"/>
-      </p:ext>
-    </p:extLst>
-  </p:cSld>
-  <p:clrMapOvr>
-    <a:masterClrMapping/>
-  </p:clrMapOvr>
-</p:sld>
-</file>
-
-<file path=ppt/slides/slide9.xml><?xml version="1.0" encoding="utf-8"?>
-<p:sld xmlns:a="http://schemas.openxmlformats.org/drawingml/2006/main" xmlns:r="http://schemas.openxmlformats.org/officeDocument/2006/relationships" xmlns:p="http://schemas.openxmlformats.org/presentationml/2006/main">
-  <p:cSld>
-    <p:spTree>
-      <p:nvGrpSpPr>
-        <p:cNvPr id="1" name=""/>
-        <p:cNvGrpSpPr/>
-        <p:nvPr/>
-      </p:nvGrpSpPr>
-      <p:grpSpPr>
-        <a:xfrm>
-          <a:off x="0" y="0"/>
-          <a:ext cx="0" cy="0"/>
-          <a:chOff x="0" y="0"/>
-          <a:chExt cx="0" cy="0"/>
-        </a:xfrm>
-      </p:grpSpPr>
-      <p:sp>
-        <p:nvSpPr>
-          <p:cNvPr id="2" name="タイトル 1">
-            <a:extLst>
-              <a:ext uri="{FF2B5EF4-FFF2-40B4-BE49-F238E27FC236}">
                 <a16:creationId xmlns:a16="http://schemas.microsoft.com/office/drawing/2014/main" id="{508A76C2-EDBD-E473-AD32-F45257531DD1}"/>
               </a:ext>
             </a:extLst>
@@ -8138,7 +5088,7 @@
           <a:p>
             <a:fld id="{F0E75ABD-E329-4735-B6E0-3752012DC264}" type="slidenum">
               <a:rPr kumimoji="1" lang="ja-JP" altLang="en-US" smtClean="0"/>
-              <a:t>9</a:t>
+              <a:t>11</a:t>
             </a:fld>
             <a:endParaRPr kumimoji="1" lang="ja-JP" altLang="en-US"/>
           </a:p>
@@ -10632,6 +7582,3492 @@
 </p:sld>
 </file>
 
+<file path=ppt/slides/slide12.xml><?xml version="1.0" encoding="utf-8"?>
+<p:sld xmlns:a="http://schemas.openxmlformats.org/drawingml/2006/main" xmlns:r="http://schemas.openxmlformats.org/officeDocument/2006/relationships" xmlns:p="http://schemas.openxmlformats.org/presentationml/2006/main">
+  <p:cSld>
+    <p:spTree>
+      <p:nvGrpSpPr>
+        <p:cNvPr id="1" name=""/>
+        <p:cNvGrpSpPr/>
+        <p:nvPr/>
+      </p:nvGrpSpPr>
+      <p:grpSpPr>
+        <a:xfrm>
+          <a:off x="0" y="0"/>
+          <a:ext cx="0" cy="0"/>
+          <a:chOff x="0" y="0"/>
+          <a:chExt cx="0" cy="0"/>
+        </a:xfrm>
+      </p:grpSpPr>
+      <p:sp>
+        <p:nvSpPr>
+          <p:cNvPr id="2" name="タイトル 1">
+            <a:extLst>
+              <a:ext uri="{FF2B5EF4-FFF2-40B4-BE49-F238E27FC236}">
+                <a16:creationId xmlns:a16="http://schemas.microsoft.com/office/drawing/2014/main" id="{84434951-2A3F-F7D3-1A59-52B90BAB6FCF}"/>
+              </a:ext>
+            </a:extLst>
+          </p:cNvPr>
+          <p:cNvSpPr>
+            <a:spLocks noGrp="1"/>
+          </p:cNvSpPr>
+          <p:nvPr>
+            <p:ph type="title"/>
+          </p:nvPr>
+        </p:nvSpPr>
+        <p:spPr/>
+        <p:txBody>
+          <a:bodyPr/>
+          <a:lstStyle/>
+          <a:p>
+            <a:r>
+              <a:rPr kumimoji="1" lang="en-US" altLang="ja-JP" dirty="0"/>
+              <a:t>PHP</a:t>
+            </a:r>
+            <a:r>
+              <a:rPr kumimoji="1" lang="ja-JP" altLang="en-US" dirty="0"/>
+              <a:t>とは？</a:t>
+            </a:r>
+          </a:p>
+        </p:txBody>
+      </p:sp>
+      <p:sp>
+        <p:nvSpPr>
+          <p:cNvPr id="3" name="コンテンツ プレースホルダー 2">
+            <a:extLst>
+              <a:ext uri="{FF2B5EF4-FFF2-40B4-BE49-F238E27FC236}">
+                <a16:creationId xmlns:a16="http://schemas.microsoft.com/office/drawing/2014/main" id="{8097E164-1336-4D09-5CCC-42D5480D5651}"/>
+              </a:ext>
+            </a:extLst>
+          </p:cNvPr>
+          <p:cNvSpPr>
+            <a:spLocks noGrp="1"/>
+          </p:cNvSpPr>
+          <p:nvPr>
+            <p:ph idx="1"/>
+          </p:nvPr>
+        </p:nvSpPr>
+        <p:spPr>
+          <a:xfrm>
+            <a:off x="1130270" y="1733832"/>
+            <a:ext cx="10314970" cy="3732513"/>
+          </a:xfrm>
+        </p:spPr>
+        <p:txBody>
+          <a:bodyPr/>
+          <a:lstStyle/>
+          <a:p>
+            <a:r>
+              <a:rPr lang="en-US" altLang="ja-JP" dirty="0"/>
+              <a:t>Web</a:t>
+            </a:r>
+            <a:r>
+              <a:rPr lang="ja-JP" altLang="en-US" dirty="0"/>
+              <a:t>サイトの動き（画面遷移など）や、仕組み（データのやり取りなど）を担当</a:t>
+            </a:r>
+            <a:endParaRPr lang="en-US" altLang="ja-JP" dirty="0"/>
+          </a:p>
+          <a:p>
+            <a:endParaRPr lang="en-US" altLang="ja-JP" dirty="0"/>
+          </a:p>
+          <a:p>
+            <a:r>
+              <a:rPr lang="ja-JP" altLang="en-US" dirty="0"/>
+              <a:t>書籍管理システムでは以下を担当</a:t>
+            </a:r>
+            <a:endParaRPr lang="en-US" altLang="ja-JP" dirty="0"/>
+          </a:p>
+          <a:p>
+            <a:pPr lvl="1"/>
+            <a:r>
+              <a:rPr lang="ja-JP" altLang="en-US" dirty="0"/>
+              <a:t>ログイン認証</a:t>
+            </a:r>
+            <a:endParaRPr lang="en-US" altLang="ja-JP" dirty="0"/>
+          </a:p>
+          <a:p>
+            <a:pPr lvl="1"/>
+            <a:r>
+              <a:rPr lang="ja-JP" altLang="en-US" dirty="0"/>
+              <a:t>書籍の登録・削除</a:t>
+            </a:r>
+            <a:endParaRPr lang="en-US" altLang="ja-JP" dirty="0"/>
+          </a:p>
+          <a:p>
+            <a:pPr lvl="1"/>
+            <a:r>
+              <a:rPr lang="ja-JP" altLang="en-US" dirty="0"/>
+              <a:t>レビュー内容の表示</a:t>
+            </a:r>
+            <a:endParaRPr lang="en-US" altLang="ja-JP" dirty="0"/>
+          </a:p>
+          <a:p>
+            <a:endParaRPr kumimoji="1" lang="ja-JP" altLang="en-US" dirty="0"/>
+          </a:p>
+        </p:txBody>
+      </p:sp>
+      <p:sp>
+        <p:nvSpPr>
+          <p:cNvPr id="4" name="スライド番号プレースホルダー 3">
+            <a:extLst>
+              <a:ext uri="{FF2B5EF4-FFF2-40B4-BE49-F238E27FC236}">
+                <a16:creationId xmlns:a16="http://schemas.microsoft.com/office/drawing/2014/main" id="{B0E4B6B4-1061-D1CE-D3E3-8454FFC448A5}"/>
+              </a:ext>
+            </a:extLst>
+          </p:cNvPr>
+          <p:cNvSpPr>
+            <a:spLocks noGrp="1"/>
+          </p:cNvSpPr>
+          <p:nvPr>
+            <p:ph type="sldNum" sz="quarter" idx="12"/>
+          </p:nvPr>
+        </p:nvSpPr>
+        <p:spPr/>
+        <p:txBody>
+          <a:bodyPr/>
+          <a:lstStyle/>
+          <a:p>
+            <a:fld id="{F0E75ABD-E329-4735-B6E0-3752012DC264}" type="slidenum">
+              <a:rPr kumimoji="1" lang="ja-JP" altLang="en-US" smtClean="0"/>
+              <a:t>12</a:t>
+            </a:fld>
+            <a:endParaRPr kumimoji="1" lang="ja-JP" altLang="en-US"/>
+          </a:p>
+        </p:txBody>
+      </p:sp>
+    </p:spTree>
+    <p:extLst>
+      <p:ext uri="{BB962C8B-B14F-4D97-AF65-F5344CB8AC3E}">
+        <p14:creationId xmlns:p14="http://schemas.microsoft.com/office/powerpoint/2010/main" val="2697668198"/>
+      </p:ext>
+    </p:extLst>
+  </p:cSld>
+  <p:clrMapOvr>
+    <a:masterClrMapping/>
+  </p:clrMapOvr>
+</p:sld>
+</file>
+
+<file path=ppt/slides/slide13.xml><?xml version="1.0" encoding="utf-8"?>
+<p:sld xmlns:a="http://schemas.openxmlformats.org/drawingml/2006/main" xmlns:r="http://schemas.openxmlformats.org/officeDocument/2006/relationships" xmlns:p="http://schemas.openxmlformats.org/presentationml/2006/main">
+  <p:cSld>
+    <p:spTree>
+      <p:nvGrpSpPr>
+        <p:cNvPr id="1" name=""/>
+        <p:cNvGrpSpPr/>
+        <p:nvPr/>
+      </p:nvGrpSpPr>
+      <p:grpSpPr>
+        <a:xfrm>
+          <a:off x="0" y="0"/>
+          <a:ext cx="0" cy="0"/>
+          <a:chOff x="0" y="0"/>
+          <a:chExt cx="0" cy="0"/>
+        </a:xfrm>
+      </p:grpSpPr>
+      <p:sp>
+        <p:nvSpPr>
+          <p:cNvPr id="2" name="タイトル 1">
+            <a:extLst>
+              <a:ext uri="{FF2B5EF4-FFF2-40B4-BE49-F238E27FC236}">
+                <a16:creationId xmlns:a16="http://schemas.microsoft.com/office/drawing/2014/main" id="{22E7309E-3081-2E8D-EFC5-9623691EC39D}"/>
+              </a:ext>
+            </a:extLst>
+          </p:cNvPr>
+          <p:cNvSpPr>
+            <a:spLocks noGrp="1"/>
+          </p:cNvSpPr>
+          <p:nvPr>
+            <p:ph type="title"/>
+          </p:nvPr>
+        </p:nvSpPr>
+        <p:spPr/>
+        <p:txBody>
+          <a:bodyPr/>
+          <a:lstStyle/>
+          <a:p>
+            <a:r>
+              <a:rPr kumimoji="1" lang="en-US" altLang="ja-JP" dirty="0"/>
+              <a:t>PHP</a:t>
+            </a:r>
+            <a:r>
+              <a:rPr kumimoji="1" lang="ja-JP" altLang="en-US" dirty="0"/>
+              <a:t>のコードを見てみよう！</a:t>
+            </a:r>
+          </a:p>
+        </p:txBody>
+      </p:sp>
+      <p:sp>
+        <p:nvSpPr>
+          <p:cNvPr id="4" name="スライド番号プレースホルダー 3">
+            <a:extLst>
+              <a:ext uri="{FF2B5EF4-FFF2-40B4-BE49-F238E27FC236}">
+                <a16:creationId xmlns:a16="http://schemas.microsoft.com/office/drawing/2014/main" id="{B4874F1A-910A-D22F-DDB4-995FEBC0CC0A}"/>
+              </a:ext>
+            </a:extLst>
+          </p:cNvPr>
+          <p:cNvSpPr>
+            <a:spLocks noGrp="1"/>
+          </p:cNvSpPr>
+          <p:nvPr>
+            <p:ph type="sldNum" sz="quarter" idx="12"/>
+          </p:nvPr>
+        </p:nvSpPr>
+        <p:spPr/>
+        <p:txBody>
+          <a:bodyPr/>
+          <a:lstStyle/>
+          <a:p>
+            <a:fld id="{F0E75ABD-E329-4735-B6E0-3752012DC264}" type="slidenum">
+              <a:rPr kumimoji="1" lang="ja-JP" altLang="en-US" smtClean="0"/>
+              <a:t>13</a:t>
+            </a:fld>
+            <a:endParaRPr kumimoji="1" lang="ja-JP" altLang="en-US"/>
+          </a:p>
+        </p:txBody>
+      </p:sp>
+      <p:pic>
+        <p:nvPicPr>
+          <p:cNvPr id="5" name="図 4">
+            <a:extLst>
+              <a:ext uri="{FF2B5EF4-FFF2-40B4-BE49-F238E27FC236}">
+                <a16:creationId xmlns:a16="http://schemas.microsoft.com/office/drawing/2014/main" id="{76E31158-5345-BA66-6656-274DB1F3D747}"/>
+              </a:ext>
+            </a:extLst>
+          </p:cNvPr>
+          <p:cNvPicPr>
+            <a:picLocks noChangeAspect="1"/>
+          </p:cNvPicPr>
+          <p:nvPr/>
+        </p:nvPicPr>
+        <p:blipFill>
+          <a:blip r:embed="rId2"/>
+          <a:stretch>
+            <a:fillRect/>
+          </a:stretch>
+        </p:blipFill>
+        <p:spPr>
+          <a:xfrm>
+            <a:off x="4691201" y="1579419"/>
+            <a:ext cx="6073454" cy="4493536"/>
+          </a:xfrm>
+          <a:prstGeom prst="rect">
+            <a:avLst/>
+          </a:prstGeom>
+        </p:spPr>
+      </p:pic>
+    </p:spTree>
+    <p:extLst>
+      <p:ext uri="{BB962C8B-B14F-4D97-AF65-F5344CB8AC3E}">
+        <p14:creationId xmlns:p14="http://schemas.microsoft.com/office/powerpoint/2010/main" val="3368723803"/>
+      </p:ext>
+    </p:extLst>
+  </p:cSld>
+  <p:clrMapOvr>
+    <a:masterClrMapping/>
+  </p:clrMapOvr>
+</p:sld>
+</file>
+
+<file path=ppt/slides/slide14.xml><?xml version="1.0" encoding="utf-8"?>
+<p:sld xmlns:a="http://schemas.openxmlformats.org/drawingml/2006/main" xmlns:r="http://schemas.openxmlformats.org/officeDocument/2006/relationships" xmlns:p="http://schemas.openxmlformats.org/presentationml/2006/main">
+  <p:cSld>
+    <p:spTree>
+      <p:nvGrpSpPr>
+        <p:cNvPr id="1" name=""/>
+        <p:cNvGrpSpPr/>
+        <p:nvPr/>
+      </p:nvGrpSpPr>
+      <p:grpSpPr>
+        <a:xfrm>
+          <a:off x="0" y="0"/>
+          <a:ext cx="0" cy="0"/>
+          <a:chOff x="0" y="0"/>
+          <a:chExt cx="0" cy="0"/>
+        </a:xfrm>
+      </p:grpSpPr>
+      <p:pic>
+        <p:nvPicPr>
+          <p:cNvPr id="11" name="Picture 6" descr="image3_1MVC">
+            <a:extLst>
+              <a:ext uri="{FF2B5EF4-FFF2-40B4-BE49-F238E27FC236}">
+                <a16:creationId xmlns:a16="http://schemas.microsoft.com/office/drawing/2014/main" id="{48BF709E-B5BE-357E-445A-6F76B27650B6}"/>
+              </a:ext>
+            </a:extLst>
+          </p:cNvPr>
+          <p:cNvPicPr>
+            <a:picLocks noChangeAspect="1" noChangeArrowheads="1"/>
+          </p:cNvPicPr>
+          <p:nvPr/>
+        </p:nvPicPr>
+        <p:blipFill rotWithShape="1">
+          <a:blip r:embed="rId2">
+            <a:clrChange>
+              <a:clrFrom>
+                <a:srgbClr val="FFFFFF"/>
+              </a:clrFrom>
+              <a:clrTo>
+                <a:srgbClr val="FFFFFF">
+                  <a:alpha val="0"/>
+                </a:srgbClr>
+              </a:clrTo>
+            </a:clrChange>
+            <a:extLst>
+              <a:ext uri="{28A0092B-C50C-407E-A947-70E740481C1C}">
+                <a14:useLocalDpi xmlns:a14="http://schemas.microsoft.com/office/drawing/2010/main" val="0"/>
+              </a:ext>
+            </a:extLst>
+          </a:blip>
+          <a:srcRect l="50781" t="72444" r="23051" b="6600"/>
+          <a:stretch>
+            <a:fillRect/>
+          </a:stretch>
+        </p:blipFill>
+        <p:spPr bwMode="auto">
+          <a:xfrm>
+            <a:off x="5443042" y="4061459"/>
+            <a:ext cx="2209801" cy="787401"/>
+          </a:xfrm>
+          <a:prstGeom prst="rect">
+            <a:avLst/>
+          </a:prstGeom>
+          <a:noFill/>
+          <a:extLst>
+            <a:ext uri="{909E8E84-426E-40DD-AFC4-6F175D3DCCD1}">
+              <a14:hiddenFill xmlns:a14="http://schemas.microsoft.com/office/drawing/2010/main">
+                <a:solidFill>
+                  <a:srgbClr val="FFFFFF"/>
+                </a:solidFill>
+              </a14:hiddenFill>
+            </a:ext>
+          </a:extLst>
+        </p:spPr>
+      </p:pic>
+      <p:sp>
+        <p:nvSpPr>
+          <p:cNvPr id="28" name="正方形/長方形 27">
+            <a:extLst>
+              <a:ext uri="{FF2B5EF4-FFF2-40B4-BE49-F238E27FC236}">
+                <a16:creationId xmlns:a16="http://schemas.microsoft.com/office/drawing/2014/main" id="{B266391B-D1A3-560F-7305-77E8DAABCA24}"/>
+              </a:ext>
+            </a:extLst>
+          </p:cNvPr>
+          <p:cNvSpPr/>
+          <p:nvPr/>
+        </p:nvSpPr>
+        <p:spPr>
+          <a:xfrm>
+            <a:off x="3426465" y="2145145"/>
+            <a:ext cx="7058655" cy="2993390"/>
+          </a:xfrm>
+          <a:prstGeom prst="rect">
+            <a:avLst/>
+          </a:prstGeom>
+          <a:noFill/>
+          <a:ln w="19050">
+            <a:solidFill>
+              <a:schemeClr val="tx1"/>
+            </a:solidFill>
+          </a:ln>
+        </p:spPr>
+        <p:style>
+          <a:lnRef idx="2">
+            <a:schemeClr val="accent1">
+              <a:shade val="15000"/>
+            </a:schemeClr>
+          </a:lnRef>
+          <a:fillRef idx="1">
+            <a:schemeClr val="accent1"/>
+          </a:fillRef>
+          <a:effectRef idx="0">
+            <a:schemeClr val="accent1"/>
+          </a:effectRef>
+          <a:fontRef idx="minor">
+            <a:schemeClr val="lt1"/>
+          </a:fontRef>
+        </p:style>
+        <p:txBody>
+          <a:bodyPr rtlCol="0" anchor="b"/>
+          <a:lstStyle/>
+          <a:p>
+            <a:pPr algn="r"/>
+            <a:r>
+              <a:rPr kumimoji="1" lang="en-US" altLang="ja-JP" sz="1600" dirty="0">
+                <a:solidFill>
+                  <a:schemeClr val="tx1"/>
+                </a:solidFill>
+                <a:latin typeface="HG丸ｺﾞｼｯｸM-PRO" panose="020F0600000000000000" pitchFamily="50" charset="-128"/>
+                <a:ea typeface="HG丸ｺﾞｼｯｸM-PRO" panose="020F0600000000000000" pitchFamily="50" charset="-128"/>
+              </a:rPr>
+              <a:t>Web</a:t>
+            </a:r>
+            <a:r>
+              <a:rPr kumimoji="1" lang="ja-JP" altLang="en-US" sz="1600" dirty="0">
+                <a:solidFill>
+                  <a:schemeClr val="tx1"/>
+                </a:solidFill>
+                <a:latin typeface="HG丸ｺﾞｼｯｸM-PRO" panose="020F0600000000000000" pitchFamily="50" charset="-128"/>
+                <a:ea typeface="HG丸ｺﾞｼｯｸM-PRO" panose="020F0600000000000000" pitchFamily="50" charset="-128"/>
+              </a:rPr>
+              <a:t>アプリケーション</a:t>
+            </a:r>
+          </a:p>
+        </p:txBody>
+      </p:sp>
+      <p:pic>
+        <p:nvPicPr>
+          <p:cNvPr id="10" name="Picture 6" descr="image3_1MVC">
+            <a:extLst>
+              <a:ext uri="{FF2B5EF4-FFF2-40B4-BE49-F238E27FC236}">
+                <a16:creationId xmlns:a16="http://schemas.microsoft.com/office/drawing/2014/main" id="{42886822-AC5A-A07B-9DC6-CBF168A88457}"/>
+              </a:ext>
+            </a:extLst>
+          </p:cNvPr>
+          <p:cNvPicPr>
+            <a:picLocks noChangeAspect="1" noChangeArrowheads="1"/>
+          </p:cNvPicPr>
+          <p:nvPr/>
+        </p:nvPicPr>
+        <p:blipFill rotWithShape="1">
+          <a:blip r:embed="rId2">
+            <a:clrChange>
+              <a:clrFrom>
+                <a:srgbClr val="FFFFFF"/>
+              </a:clrFrom>
+              <a:clrTo>
+                <a:srgbClr val="FFFFFF">
+                  <a:alpha val="0"/>
+                </a:srgbClr>
+              </a:clrTo>
+            </a:clrChange>
+            <a:extLst>
+              <a:ext uri="{28A0092B-C50C-407E-A947-70E740481C1C}">
+                <a14:useLocalDpi xmlns:a14="http://schemas.microsoft.com/office/drawing/2010/main" val="0"/>
+              </a:ext>
+            </a:extLst>
+          </a:blip>
+          <a:srcRect l="31151" t="17386" r="42501" b="60847"/>
+          <a:stretch>
+            <a:fillRect/>
+          </a:stretch>
+        </p:blipFill>
+        <p:spPr bwMode="auto">
+          <a:xfrm>
+            <a:off x="5443042" y="2262909"/>
+            <a:ext cx="2225040" cy="817880"/>
+          </a:xfrm>
+          <a:prstGeom prst="rect">
+            <a:avLst/>
+          </a:prstGeom>
+          <a:noFill/>
+          <a:extLst>
+            <a:ext uri="{909E8E84-426E-40DD-AFC4-6F175D3DCCD1}">
+              <a14:hiddenFill xmlns:a14="http://schemas.microsoft.com/office/drawing/2010/main">
+                <a:solidFill>
+                  <a:srgbClr val="FFFFFF"/>
+                </a:solidFill>
+              </a14:hiddenFill>
+            </a:ext>
+          </a:extLst>
+        </p:spPr>
+      </p:pic>
+      <p:sp>
+        <p:nvSpPr>
+          <p:cNvPr id="2" name="タイトル 1">
+            <a:extLst>
+              <a:ext uri="{FF2B5EF4-FFF2-40B4-BE49-F238E27FC236}">
+                <a16:creationId xmlns:a16="http://schemas.microsoft.com/office/drawing/2014/main" id="{4EA38E51-7DA6-6E46-DE5C-0E65061AC983}"/>
+              </a:ext>
+            </a:extLst>
+          </p:cNvPr>
+          <p:cNvSpPr>
+            <a:spLocks noGrp="1"/>
+          </p:cNvSpPr>
+          <p:nvPr>
+            <p:ph type="title"/>
+          </p:nvPr>
+        </p:nvSpPr>
+        <p:spPr/>
+        <p:txBody>
+          <a:bodyPr/>
+          <a:lstStyle/>
+          <a:p>
+            <a:r>
+              <a:rPr kumimoji="1" lang="en-US" altLang="ja-JP" dirty="0"/>
+              <a:t>MVC</a:t>
+            </a:r>
+            <a:r>
+              <a:rPr kumimoji="1" lang="ja-JP" altLang="en-US" dirty="0"/>
+              <a:t>モデル</a:t>
+            </a:r>
+          </a:p>
+        </p:txBody>
+      </p:sp>
+      <p:sp>
+        <p:nvSpPr>
+          <p:cNvPr id="4" name="スライド番号プレースホルダー 3">
+            <a:extLst>
+              <a:ext uri="{FF2B5EF4-FFF2-40B4-BE49-F238E27FC236}">
+                <a16:creationId xmlns:a16="http://schemas.microsoft.com/office/drawing/2014/main" id="{2AE3A4E9-9E7D-C0E1-42E6-42E812817DE5}"/>
+              </a:ext>
+            </a:extLst>
+          </p:cNvPr>
+          <p:cNvSpPr>
+            <a:spLocks noGrp="1"/>
+          </p:cNvSpPr>
+          <p:nvPr>
+            <p:ph type="sldNum" sz="quarter" idx="12"/>
+          </p:nvPr>
+        </p:nvSpPr>
+        <p:spPr/>
+        <p:txBody>
+          <a:bodyPr/>
+          <a:lstStyle/>
+          <a:p>
+            <a:fld id="{F0E75ABD-E329-4735-B6E0-3752012DC264}" type="slidenum">
+              <a:rPr kumimoji="1" lang="ja-JP" altLang="en-US" smtClean="0"/>
+              <a:t>14</a:t>
+            </a:fld>
+            <a:endParaRPr kumimoji="1" lang="ja-JP" altLang="en-US"/>
+          </a:p>
+        </p:txBody>
+      </p:sp>
+      <p:pic>
+        <p:nvPicPr>
+          <p:cNvPr id="2054" name="Picture 6" descr="image3_1MVC">
+            <a:extLst>
+              <a:ext uri="{FF2B5EF4-FFF2-40B4-BE49-F238E27FC236}">
+                <a16:creationId xmlns:a16="http://schemas.microsoft.com/office/drawing/2014/main" id="{F1A7435E-DC5D-14BE-CB5D-209C25DC1617}"/>
+              </a:ext>
+            </a:extLst>
+          </p:cNvPr>
+          <p:cNvPicPr>
+            <a:picLocks noChangeAspect="1" noChangeArrowheads="1"/>
+          </p:cNvPicPr>
+          <p:nvPr/>
+        </p:nvPicPr>
+        <p:blipFill rotWithShape="1">
+          <a:blip r:embed="rId2">
+            <a:clrChange>
+              <a:clrFrom>
+                <a:srgbClr val="FFFFFF"/>
+              </a:clrFrom>
+              <a:clrTo>
+                <a:srgbClr val="FFFFFF">
+                  <a:alpha val="0"/>
+                </a:srgbClr>
+              </a:clrTo>
+            </a:clrChange>
+            <a:extLst>
+              <a:ext uri="{28A0092B-C50C-407E-A947-70E740481C1C}">
+                <a14:useLocalDpi xmlns:a14="http://schemas.microsoft.com/office/drawing/2010/main" val="0"/>
+              </a:ext>
+            </a:extLst>
+          </a:blip>
+          <a:srcRect l="9745" t="71903" r="75817"/>
+          <a:stretch>
+            <a:fillRect/>
+          </a:stretch>
+        </p:blipFill>
+        <p:spPr bwMode="auto">
+          <a:xfrm>
+            <a:off x="1807370" y="3596011"/>
+            <a:ext cx="1219200" cy="1055695"/>
+          </a:xfrm>
+          <a:prstGeom prst="rect">
+            <a:avLst/>
+          </a:prstGeom>
+          <a:noFill/>
+          <a:extLst>
+            <a:ext uri="{909E8E84-426E-40DD-AFC4-6F175D3DCCD1}">
+              <a14:hiddenFill xmlns:a14="http://schemas.microsoft.com/office/drawing/2010/main">
+                <a:solidFill>
+                  <a:srgbClr val="FFFFFF"/>
+                </a:solidFill>
+              </a14:hiddenFill>
+            </a:ext>
+          </a:extLst>
+        </p:spPr>
+      </p:pic>
+      <p:sp>
+        <p:nvSpPr>
+          <p:cNvPr id="5" name="四角形: 角を丸くする 4">
+            <a:extLst>
+              <a:ext uri="{FF2B5EF4-FFF2-40B4-BE49-F238E27FC236}">
+                <a16:creationId xmlns:a16="http://schemas.microsoft.com/office/drawing/2014/main" id="{3C9C6F1E-C919-81B1-8EA5-B62B3F2802B7}"/>
+              </a:ext>
+            </a:extLst>
+          </p:cNvPr>
+          <p:cNvSpPr/>
+          <p:nvPr/>
+        </p:nvSpPr>
+        <p:spPr>
+          <a:xfrm>
+            <a:off x="8728718" y="2500745"/>
+            <a:ext cx="873760" cy="396240"/>
+          </a:xfrm>
+          <a:prstGeom prst="roundRect">
+            <a:avLst/>
+          </a:prstGeom>
+          <a:solidFill>
+            <a:srgbClr val="FF0000">
+              <a:alpha val="20000"/>
+            </a:srgbClr>
+          </a:solidFill>
+          <a:ln w="38100">
+            <a:solidFill>
+              <a:srgbClr val="FF0000"/>
+            </a:solidFill>
+          </a:ln>
+        </p:spPr>
+        <p:style>
+          <a:lnRef idx="2">
+            <a:schemeClr val="accent1">
+              <a:shade val="15000"/>
+            </a:schemeClr>
+          </a:lnRef>
+          <a:fillRef idx="1">
+            <a:schemeClr val="accent1"/>
+          </a:fillRef>
+          <a:effectRef idx="0">
+            <a:schemeClr val="accent1"/>
+          </a:effectRef>
+          <a:fontRef idx="minor">
+            <a:schemeClr val="lt1"/>
+          </a:fontRef>
+        </p:style>
+        <p:txBody>
+          <a:bodyPr rtlCol="0" anchor="ctr"/>
+          <a:lstStyle/>
+          <a:p>
+            <a:pPr algn="ctr"/>
+            <a:endParaRPr kumimoji="1" lang="ja-JP" altLang="en-US"/>
+          </a:p>
+        </p:txBody>
+      </p:sp>
+      <p:sp>
+        <p:nvSpPr>
+          <p:cNvPr id="6" name="四角形: 角を丸くする 5">
+            <a:extLst>
+              <a:ext uri="{FF2B5EF4-FFF2-40B4-BE49-F238E27FC236}">
+                <a16:creationId xmlns:a16="http://schemas.microsoft.com/office/drawing/2014/main" id="{58AB4376-C73F-B761-D2F6-B399E214AFF7}"/>
+              </a:ext>
+            </a:extLst>
+          </p:cNvPr>
+          <p:cNvSpPr/>
+          <p:nvPr/>
+        </p:nvSpPr>
+        <p:spPr>
+          <a:xfrm>
+            <a:off x="6184901" y="4257040"/>
+            <a:ext cx="670560" cy="396240"/>
+          </a:xfrm>
+          <a:prstGeom prst="roundRect">
+            <a:avLst/>
+          </a:prstGeom>
+          <a:solidFill>
+            <a:srgbClr val="FF0000">
+              <a:alpha val="20000"/>
+            </a:srgbClr>
+          </a:solidFill>
+          <a:ln w="38100">
+            <a:solidFill>
+              <a:srgbClr val="FF0000"/>
+            </a:solidFill>
+          </a:ln>
+        </p:spPr>
+        <p:style>
+          <a:lnRef idx="2">
+            <a:schemeClr val="accent1">
+              <a:shade val="15000"/>
+            </a:schemeClr>
+          </a:lnRef>
+          <a:fillRef idx="1">
+            <a:schemeClr val="accent1"/>
+          </a:fillRef>
+          <a:effectRef idx="0">
+            <a:schemeClr val="accent1"/>
+          </a:effectRef>
+          <a:fontRef idx="minor">
+            <a:schemeClr val="lt1"/>
+          </a:fontRef>
+        </p:style>
+        <p:txBody>
+          <a:bodyPr rtlCol="0" anchor="ctr"/>
+          <a:lstStyle/>
+          <a:p>
+            <a:pPr algn="ctr"/>
+            <a:endParaRPr kumimoji="1" lang="ja-JP" altLang="en-US"/>
+          </a:p>
+        </p:txBody>
+      </p:sp>
+      <p:sp>
+        <p:nvSpPr>
+          <p:cNvPr id="7" name="四角形: 角を丸くする 6">
+            <a:extLst>
+              <a:ext uri="{FF2B5EF4-FFF2-40B4-BE49-F238E27FC236}">
+                <a16:creationId xmlns:a16="http://schemas.microsoft.com/office/drawing/2014/main" id="{63EC1C09-41B0-3F1A-EF91-BEC5948003F0}"/>
+              </a:ext>
+            </a:extLst>
+          </p:cNvPr>
+          <p:cNvSpPr/>
+          <p:nvPr/>
+        </p:nvSpPr>
+        <p:spPr>
+          <a:xfrm>
+            <a:off x="6042482" y="2473498"/>
+            <a:ext cx="1026160" cy="396240"/>
+          </a:xfrm>
+          <a:prstGeom prst="roundRect">
+            <a:avLst/>
+          </a:prstGeom>
+          <a:solidFill>
+            <a:srgbClr val="FF0000">
+              <a:alpha val="20000"/>
+            </a:srgbClr>
+          </a:solidFill>
+          <a:ln w="38100">
+            <a:solidFill>
+              <a:srgbClr val="FF0000"/>
+            </a:solidFill>
+          </a:ln>
+        </p:spPr>
+        <p:style>
+          <a:lnRef idx="2">
+            <a:schemeClr val="accent1">
+              <a:shade val="15000"/>
+            </a:schemeClr>
+          </a:lnRef>
+          <a:fillRef idx="1">
+            <a:schemeClr val="accent1"/>
+          </a:fillRef>
+          <a:effectRef idx="0">
+            <a:schemeClr val="accent1"/>
+          </a:effectRef>
+          <a:fontRef idx="minor">
+            <a:schemeClr val="lt1"/>
+          </a:fontRef>
+        </p:style>
+        <p:txBody>
+          <a:bodyPr rtlCol="0" anchor="ctr"/>
+          <a:lstStyle/>
+          <a:p>
+            <a:pPr algn="ctr"/>
+            <a:endParaRPr kumimoji="1" lang="ja-JP" altLang="en-US"/>
+          </a:p>
+        </p:txBody>
+      </p:sp>
+      <p:sp>
+        <p:nvSpPr>
+          <p:cNvPr id="8" name="四角形: 角を丸くする 7">
+            <a:extLst>
+              <a:ext uri="{FF2B5EF4-FFF2-40B4-BE49-F238E27FC236}">
+                <a16:creationId xmlns:a16="http://schemas.microsoft.com/office/drawing/2014/main" id="{07CBEE60-CE2F-720B-A44A-C31443B05ED5}"/>
+              </a:ext>
+            </a:extLst>
+          </p:cNvPr>
+          <p:cNvSpPr/>
+          <p:nvPr/>
+        </p:nvSpPr>
+        <p:spPr>
+          <a:xfrm>
+            <a:off x="1130270" y="986114"/>
+            <a:ext cx="2390170" cy="502326"/>
+          </a:xfrm>
+          <a:prstGeom prst="roundRect">
+            <a:avLst/>
+          </a:prstGeom>
+          <a:solidFill>
+            <a:srgbClr val="FF0000">
+              <a:alpha val="20000"/>
+            </a:srgbClr>
+          </a:solidFill>
+          <a:ln w="38100">
+            <a:solidFill>
+              <a:srgbClr val="FF0000"/>
+            </a:solidFill>
+          </a:ln>
+        </p:spPr>
+        <p:style>
+          <a:lnRef idx="2">
+            <a:schemeClr val="accent1">
+              <a:shade val="15000"/>
+            </a:schemeClr>
+          </a:lnRef>
+          <a:fillRef idx="1">
+            <a:schemeClr val="accent1"/>
+          </a:fillRef>
+          <a:effectRef idx="0">
+            <a:schemeClr val="accent1"/>
+          </a:effectRef>
+          <a:fontRef idx="minor">
+            <a:schemeClr val="lt1"/>
+          </a:fontRef>
+        </p:style>
+        <p:txBody>
+          <a:bodyPr rtlCol="0" anchor="ctr"/>
+          <a:lstStyle/>
+          <a:p>
+            <a:pPr algn="ctr"/>
+            <a:endParaRPr kumimoji="1" lang="ja-JP" altLang="en-US"/>
+          </a:p>
+        </p:txBody>
+      </p:sp>
+      <p:sp>
+        <p:nvSpPr>
+          <p:cNvPr id="14" name="正方形/長方形 13">
+            <a:extLst>
+              <a:ext uri="{FF2B5EF4-FFF2-40B4-BE49-F238E27FC236}">
+                <a16:creationId xmlns:a16="http://schemas.microsoft.com/office/drawing/2014/main" id="{22A9A392-EAB2-370A-F02F-CE3916B6EA11}"/>
+              </a:ext>
+            </a:extLst>
+          </p:cNvPr>
+          <p:cNvSpPr/>
+          <p:nvPr/>
+        </p:nvSpPr>
+        <p:spPr>
+          <a:xfrm>
+            <a:off x="3646876" y="2338647"/>
+            <a:ext cx="1347128" cy="711200"/>
+          </a:xfrm>
+          <a:prstGeom prst="rect">
+            <a:avLst/>
+          </a:prstGeom>
+          <a:noFill/>
+          <a:ln w="19050">
+            <a:solidFill>
+              <a:schemeClr val="tx1"/>
+            </a:solidFill>
+          </a:ln>
+        </p:spPr>
+        <p:style>
+          <a:lnRef idx="2">
+            <a:schemeClr val="accent1">
+              <a:shade val="15000"/>
+            </a:schemeClr>
+          </a:lnRef>
+          <a:fillRef idx="1">
+            <a:schemeClr val="accent1"/>
+          </a:fillRef>
+          <a:effectRef idx="0">
+            <a:schemeClr val="accent1"/>
+          </a:effectRef>
+          <a:fontRef idx="minor">
+            <a:schemeClr val="lt1"/>
+          </a:fontRef>
+        </p:style>
+        <p:txBody>
+          <a:bodyPr rtlCol="0" anchor="ctr"/>
+          <a:lstStyle/>
+          <a:p>
+            <a:pPr algn="ctr"/>
+            <a:r>
+              <a:rPr kumimoji="1" lang="en-US" altLang="ja-JP" sz="1600" dirty="0">
+                <a:solidFill>
+                  <a:schemeClr val="tx1"/>
+                </a:solidFill>
+                <a:latin typeface="HG丸ｺﾞｼｯｸM-PRO" panose="020F0600000000000000" pitchFamily="50" charset="-128"/>
+                <a:ea typeface="HG丸ｺﾞｼｯｸM-PRO" panose="020F0600000000000000" pitchFamily="50" charset="-128"/>
+              </a:rPr>
+              <a:t>Routing</a:t>
+            </a:r>
+            <a:endParaRPr kumimoji="1" lang="ja-JP" altLang="en-US" sz="1600" dirty="0">
+              <a:solidFill>
+                <a:schemeClr val="tx1"/>
+              </a:solidFill>
+              <a:latin typeface="HG丸ｺﾞｼｯｸM-PRO" panose="020F0600000000000000" pitchFamily="50" charset="-128"/>
+              <a:ea typeface="HG丸ｺﾞｼｯｸM-PRO" panose="020F0600000000000000" pitchFamily="50" charset="-128"/>
+            </a:endParaRPr>
+          </a:p>
+        </p:txBody>
+      </p:sp>
+      <p:sp>
+        <p:nvSpPr>
+          <p:cNvPr id="15" name="正方形/長方形 14">
+            <a:extLst>
+              <a:ext uri="{FF2B5EF4-FFF2-40B4-BE49-F238E27FC236}">
+                <a16:creationId xmlns:a16="http://schemas.microsoft.com/office/drawing/2014/main" id="{A5308EC5-6E1B-9CDA-3A27-79CCC84886E2}"/>
+              </a:ext>
+            </a:extLst>
+          </p:cNvPr>
+          <p:cNvSpPr/>
+          <p:nvPr/>
+        </p:nvSpPr>
+        <p:spPr>
+          <a:xfrm>
+            <a:off x="8134358" y="2338647"/>
+            <a:ext cx="2062480" cy="711200"/>
+          </a:xfrm>
+          <a:prstGeom prst="rect">
+            <a:avLst/>
+          </a:prstGeom>
+          <a:noFill/>
+          <a:ln w="19050">
+            <a:solidFill>
+              <a:schemeClr val="tx1"/>
+            </a:solidFill>
+          </a:ln>
+        </p:spPr>
+        <p:style>
+          <a:lnRef idx="2">
+            <a:schemeClr val="accent1">
+              <a:shade val="15000"/>
+            </a:schemeClr>
+          </a:lnRef>
+          <a:fillRef idx="1">
+            <a:schemeClr val="accent1"/>
+          </a:fillRef>
+          <a:effectRef idx="0">
+            <a:schemeClr val="accent1"/>
+          </a:effectRef>
+          <a:fontRef idx="minor">
+            <a:schemeClr val="lt1"/>
+          </a:fontRef>
+        </p:style>
+        <p:txBody>
+          <a:bodyPr rtlCol="0" anchor="ctr"/>
+          <a:lstStyle/>
+          <a:p>
+            <a:pPr algn="ctr"/>
+            <a:r>
+              <a:rPr kumimoji="1" lang="en-US" altLang="ja-JP" sz="1600" dirty="0">
+                <a:solidFill>
+                  <a:schemeClr val="tx1"/>
+                </a:solidFill>
+                <a:latin typeface="HG丸ｺﾞｼｯｸM-PRO" panose="020F0600000000000000" pitchFamily="50" charset="-128"/>
+                <a:ea typeface="HG丸ｺﾞｼｯｸM-PRO" panose="020F0600000000000000" pitchFamily="50" charset="-128"/>
+              </a:rPr>
+              <a:t>Model</a:t>
+            </a:r>
+            <a:endParaRPr kumimoji="1" lang="ja-JP" altLang="en-US" sz="1600" dirty="0">
+              <a:solidFill>
+                <a:schemeClr val="tx1"/>
+              </a:solidFill>
+              <a:latin typeface="HG丸ｺﾞｼｯｸM-PRO" panose="020F0600000000000000" pitchFamily="50" charset="-128"/>
+              <a:ea typeface="HG丸ｺﾞｼｯｸM-PRO" panose="020F0600000000000000" pitchFamily="50" charset="-128"/>
+            </a:endParaRPr>
+          </a:p>
+        </p:txBody>
+      </p:sp>
+      <p:pic>
+        <p:nvPicPr>
+          <p:cNvPr id="16" name="Picture 6" descr="image3_1MVC">
+            <a:extLst>
+              <a:ext uri="{FF2B5EF4-FFF2-40B4-BE49-F238E27FC236}">
+                <a16:creationId xmlns:a16="http://schemas.microsoft.com/office/drawing/2014/main" id="{DE627863-7689-AC66-1CFB-040412E80ED6}"/>
+              </a:ext>
+            </a:extLst>
+          </p:cNvPr>
+          <p:cNvPicPr>
+            <a:picLocks noChangeAspect="1" noChangeArrowheads="1"/>
+          </p:cNvPicPr>
+          <p:nvPr/>
+        </p:nvPicPr>
+        <p:blipFill rotWithShape="1">
+          <a:blip r:embed="rId2">
+            <a:clrChange>
+              <a:clrFrom>
+                <a:srgbClr val="FFFFFF"/>
+              </a:clrFrom>
+              <a:clrTo>
+                <a:srgbClr val="FFFFFF">
+                  <a:alpha val="0"/>
+                </a:srgbClr>
+              </a:clrTo>
+            </a:clrChange>
+            <a:extLst>
+              <a:ext uri="{28A0092B-C50C-407E-A947-70E740481C1C}">
+                <a14:useLocalDpi xmlns:a14="http://schemas.microsoft.com/office/drawing/2010/main" val="0"/>
+              </a:ext>
+            </a:extLst>
+          </a:blip>
+          <a:srcRect l="86998" t="20529" r="6928" b="62808"/>
+          <a:stretch>
+            <a:fillRect/>
+          </a:stretch>
+        </p:blipFill>
+        <p:spPr bwMode="auto">
+          <a:xfrm>
+            <a:off x="8765536" y="1093373"/>
+            <a:ext cx="512945" cy="626093"/>
+          </a:xfrm>
+          <a:prstGeom prst="rect">
+            <a:avLst/>
+          </a:prstGeom>
+          <a:noFill/>
+          <a:extLst>
+            <a:ext uri="{909E8E84-426E-40DD-AFC4-6F175D3DCCD1}">
+              <a14:hiddenFill xmlns:a14="http://schemas.microsoft.com/office/drawing/2010/main">
+                <a:solidFill>
+                  <a:srgbClr val="FFFFFF"/>
+                </a:solidFill>
+              </a14:hiddenFill>
+            </a:ext>
+          </a:extLst>
+        </p:spPr>
+      </p:pic>
+      <p:sp>
+        <p:nvSpPr>
+          <p:cNvPr id="17" name="矢印: 右 16">
+            <a:extLst>
+              <a:ext uri="{FF2B5EF4-FFF2-40B4-BE49-F238E27FC236}">
+                <a16:creationId xmlns:a16="http://schemas.microsoft.com/office/drawing/2014/main" id="{15623057-AEA4-E4D2-A3B6-969D9CC6BFB6}"/>
+              </a:ext>
+            </a:extLst>
+          </p:cNvPr>
+          <p:cNvSpPr/>
+          <p:nvPr/>
+        </p:nvSpPr>
+        <p:spPr>
+          <a:xfrm rot="19723473">
+            <a:off x="2811778" y="3116023"/>
+            <a:ext cx="804370" cy="343531"/>
+          </a:xfrm>
+          <a:prstGeom prst="rightArrow">
+            <a:avLst/>
+          </a:prstGeom>
+        </p:spPr>
+        <p:style>
+          <a:lnRef idx="2">
+            <a:schemeClr val="accent1">
+              <a:shade val="15000"/>
+            </a:schemeClr>
+          </a:lnRef>
+          <a:fillRef idx="1">
+            <a:schemeClr val="accent1"/>
+          </a:fillRef>
+          <a:effectRef idx="0">
+            <a:schemeClr val="accent1"/>
+          </a:effectRef>
+          <a:fontRef idx="minor">
+            <a:schemeClr val="lt1"/>
+          </a:fontRef>
+        </p:style>
+        <p:txBody>
+          <a:bodyPr rtlCol="0" anchor="ctr"/>
+          <a:lstStyle/>
+          <a:p>
+            <a:pPr algn="ctr"/>
+            <a:endParaRPr kumimoji="1" lang="ja-JP" altLang="en-US"/>
+          </a:p>
+        </p:txBody>
+      </p:sp>
+      <p:sp>
+        <p:nvSpPr>
+          <p:cNvPr id="18" name="テキスト ボックス 17">
+            <a:extLst>
+              <a:ext uri="{FF2B5EF4-FFF2-40B4-BE49-F238E27FC236}">
+                <a16:creationId xmlns:a16="http://schemas.microsoft.com/office/drawing/2014/main" id="{EA74FD93-07B9-ECF6-0E5E-DB3E706CF17D}"/>
+              </a:ext>
+            </a:extLst>
+          </p:cNvPr>
+          <p:cNvSpPr txBox="1"/>
+          <p:nvPr/>
+        </p:nvSpPr>
+        <p:spPr>
+          <a:xfrm>
+            <a:off x="2013592" y="2869738"/>
+            <a:ext cx="1210588" cy="338554"/>
+          </a:xfrm>
+          <a:prstGeom prst="rect">
+            <a:avLst/>
+          </a:prstGeom>
+          <a:noFill/>
+        </p:spPr>
+        <p:txBody>
+          <a:bodyPr wrap="none" rtlCol="0">
+            <a:spAutoFit/>
+          </a:bodyPr>
+          <a:lstStyle/>
+          <a:p>
+            <a:r>
+              <a:rPr kumimoji="1" lang="ja-JP" altLang="en-US" sz="1600" dirty="0">
+                <a:latin typeface="HG丸ｺﾞｼｯｸM-PRO" panose="020F0600000000000000" pitchFamily="50" charset="-128"/>
+                <a:ea typeface="HG丸ｺﾞｼｯｸM-PRO" panose="020F0600000000000000" pitchFamily="50" charset="-128"/>
+              </a:rPr>
+              <a:t>リクエスト</a:t>
+            </a:r>
+          </a:p>
+        </p:txBody>
+      </p:sp>
+      <p:sp>
+        <p:nvSpPr>
+          <p:cNvPr id="19" name="矢印: 右 18">
+            <a:extLst>
+              <a:ext uri="{FF2B5EF4-FFF2-40B4-BE49-F238E27FC236}">
+                <a16:creationId xmlns:a16="http://schemas.microsoft.com/office/drawing/2014/main" id="{74196B54-1522-1827-A801-1E407AA22BFA}"/>
+              </a:ext>
+            </a:extLst>
+          </p:cNvPr>
+          <p:cNvSpPr/>
+          <p:nvPr/>
+        </p:nvSpPr>
+        <p:spPr>
+          <a:xfrm>
+            <a:off x="5097461" y="2553454"/>
+            <a:ext cx="387446" cy="343531"/>
+          </a:xfrm>
+          <a:prstGeom prst="rightArrow">
+            <a:avLst/>
+          </a:prstGeom>
+        </p:spPr>
+        <p:style>
+          <a:lnRef idx="2">
+            <a:schemeClr val="accent1">
+              <a:shade val="15000"/>
+            </a:schemeClr>
+          </a:lnRef>
+          <a:fillRef idx="1">
+            <a:schemeClr val="accent1"/>
+          </a:fillRef>
+          <a:effectRef idx="0">
+            <a:schemeClr val="accent1"/>
+          </a:effectRef>
+          <a:fontRef idx="minor">
+            <a:schemeClr val="lt1"/>
+          </a:fontRef>
+        </p:style>
+        <p:txBody>
+          <a:bodyPr rtlCol="0" anchor="ctr"/>
+          <a:lstStyle/>
+          <a:p>
+            <a:pPr algn="ctr"/>
+            <a:endParaRPr kumimoji="1" lang="ja-JP" altLang="en-US"/>
+          </a:p>
+        </p:txBody>
+      </p:sp>
+      <p:sp>
+        <p:nvSpPr>
+          <p:cNvPr id="20" name="矢印: 右 19">
+            <a:extLst>
+              <a:ext uri="{FF2B5EF4-FFF2-40B4-BE49-F238E27FC236}">
+                <a16:creationId xmlns:a16="http://schemas.microsoft.com/office/drawing/2014/main" id="{150F5D0E-EF5D-9722-D9A6-9DE7FE4D3E49}"/>
+              </a:ext>
+            </a:extLst>
+          </p:cNvPr>
+          <p:cNvSpPr/>
+          <p:nvPr/>
+        </p:nvSpPr>
+        <p:spPr>
+          <a:xfrm>
+            <a:off x="7652843" y="2459643"/>
+            <a:ext cx="387446" cy="200891"/>
+          </a:xfrm>
+          <a:prstGeom prst="rightArrow">
+            <a:avLst/>
+          </a:prstGeom>
+        </p:spPr>
+        <p:style>
+          <a:lnRef idx="2">
+            <a:schemeClr val="accent1">
+              <a:shade val="15000"/>
+            </a:schemeClr>
+          </a:lnRef>
+          <a:fillRef idx="1">
+            <a:schemeClr val="accent1"/>
+          </a:fillRef>
+          <a:effectRef idx="0">
+            <a:schemeClr val="accent1"/>
+          </a:effectRef>
+          <a:fontRef idx="minor">
+            <a:schemeClr val="lt1"/>
+          </a:fontRef>
+        </p:style>
+        <p:txBody>
+          <a:bodyPr rtlCol="0" anchor="ctr"/>
+          <a:lstStyle/>
+          <a:p>
+            <a:pPr algn="ctr"/>
+            <a:endParaRPr kumimoji="1" lang="ja-JP" altLang="en-US"/>
+          </a:p>
+        </p:txBody>
+      </p:sp>
+      <p:sp>
+        <p:nvSpPr>
+          <p:cNvPr id="21" name="矢印: 右 20">
+            <a:extLst>
+              <a:ext uri="{FF2B5EF4-FFF2-40B4-BE49-F238E27FC236}">
+                <a16:creationId xmlns:a16="http://schemas.microsoft.com/office/drawing/2014/main" id="{FCD90DF7-F91E-EB97-952A-0B0635DCB3E2}"/>
+              </a:ext>
+            </a:extLst>
+          </p:cNvPr>
+          <p:cNvSpPr/>
+          <p:nvPr/>
+        </p:nvSpPr>
+        <p:spPr>
+          <a:xfrm rot="10800000">
+            <a:off x="7643455" y="2731297"/>
+            <a:ext cx="387446" cy="200891"/>
+          </a:xfrm>
+          <a:prstGeom prst="rightArrow">
+            <a:avLst/>
+          </a:prstGeom>
+        </p:spPr>
+        <p:style>
+          <a:lnRef idx="2">
+            <a:schemeClr val="accent1">
+              <a:shade val="15000"/>
+            </a:schemeClr>
+          </a:lnRef>
+          <a:fillRef idx="1">
+            <a:schemeClr val="accent1"/>
+          </a:fillRef>
+          <a:effectRef idx="0">
+            <a:schemeClr val="accent1"/>
+          </a:effectRef>
+          <a:fontRef idx="minor">
+            <a:schemeClr val="lt1"/>
+          </a:fontRef>
+        </p:style>
+        <p:txBody>
+          <a:bodyPr rtlCol="0" anchor="ctr"/>
+          <a:lstStyle/>
+          <a:p>
+            <a:pPr algn="ctr"/>
+            <a:endParaRPr kumimoji="1" lang="ja-JP" altLang="en-US"/>
+          </a:p>
+        </p:txBody>
+      </p:sp>
+      <p:sp>
+        <p:nvSpPr>
+          <p:cNvPr id="22" name="矢印: 右 21">
+            <a:extLst>
+              <a:ext uri="{FF2B5EF4-FFF2-40B4-BE49-F238E27FC236}">
+                <a16:creationId xmlns:a16="http://schemas.microsoft.com/office/drawing/2014/main" id="{697F1BDB-C39B-DF6A-4330-BD58F6939E10}"/>
+              </a:ext>
+            </a:extLst>
+          </p:cNvPr>
+          <p:cNvSpPr/>
+          <p:nvPr/>
+        </p:nvSpPr>
+        <p:spPr>
+          <a:xfrm rot="16200000">
+            <a:off x="8672259" y="1958126"/>
+            <a:ext cx="387446" cy="200891"/>
+          </a:xfrm>
+          <a:prstGeom prst="rightArrow">
+            <a:avLst/>
+          </a:prstGeom>
+        </p:spPr>
+        <p:style>
+          <a:lnRef idx="2">
+            <a:schemeClr val="accent1">
+              <a:shade val="15000"/>
+            </a:schemeClr>
+          </a:lnRef>
+          <a:fillRef idx="1">
+            <a:schemeClr val="accent1"/>
+          </a:fillRef>
+          <a:effectRef idx="0">
+            <a:schemeClr val="accent1"/>
+          </a:effectRef>
+          <a:fontRef idx="minor">
+            <a:schemeClr val="lt1"/>
+          </a:fontRef>
+        </p:style>
+        <p:txBody>
+          <a:bodyPr rtlCol="0" anchor="ctr"/>
+          <a:lstStyle/>
+          <a:p>
+            <a:pPr algn="ctr"/>
+            <a:endParaRPr kumimoji="1" lang="ja-JP" altLang="en-US"/>
+          </a:p>
+        </p:txBody>
+      </p:sp>
+      <p:sp>
+        <p:nvSpPr>
+          <p:cNvPr id="23" name="矢印: 右 22">
+            <a:extLst>
+              <a:ext uri="{FF2B5EF4-FFF2-40B4-BE49-F238E27FC236}">
+                <a16:creationId xmlns:a16="http://schemas.microsoft.com/office/drawing/2014/main" id="{B17E761B-AA06-42EB-4ED2-00E1AF6D9596}"/>
+              </a:ext>
+            </a:extLst>
+          </p:cNvPr>
+          <p:cNvSpPr/>
+          <p:nvPr/>
+        </p:nvSpPr>
+        <p:spPr>
+          <a:xfrm rot="5400000">
+            <a:off x="8928730" y="1968741"/>
+            <a:ext cx="387446" cy="200891"/>
+          </a:xfrm>
+          <a:prstGeom prst="rightArrow">
+            <a:avLst/>
+          </a:prstGeom>
+        </p:spPr>
+        <p:style>
+          <a:lnRef idx="2">
+            <a:schemeClr val="accent1">
+              <a:shade val="15000"/>
+            </a:schemeClr>
+          </a:lnRef>
+          <a:fillRef idx="1">
+            <a:schemeClr val="accent1"/>
+          </a:fillRef>
+          <a:effectRef idx="0">
+            <a:schemeClr val="accent1"/>
+          </a:effectRef>
+          <a:fontRef idx="minor">
+            <a:schemeClr val="lt1"/>
+          </a:fontRef>
+        </p:style>
+        <p:txBody>
+          <a:bodyPr rtlCol="0" anchor="ctr"/>
+          <a:lstStyle/>
+          <a:p>
+            <a:pPr algn="ctr"/>
+            <a:endParaRPr kumimoji="1" lang="ja-JP" altLang="en-US"/>
+          </a:p>
+        </p:txBody>
+      </p:sp>
+      <p:sp>
+        <p:nvSpPr>
+          <p:cNvPr id="24" name="テキスト ボックス 23">
+            <a:extLst>
+              <a:ext uri="{FF2B5EF4-FFF2-40B4-BE49-F238E27FC236}">
+                <a16:creationId xmlns:a16="http://schemas.microsoft.com/office/drawing/2014/main" id="{BF3A5B44-2C6C-0D69-5113-0C69C1B419FA}"/>
+              </a:ext>
+            </a:extLst>
+          </p:cNvPr>
+          <p:cNvSpPr txBox="1"/>
+          <p:nvPr/>
+        </p:nvSpPr>
+        <p:spPr>
+          <a:xfrm>
+            <a:off x="9092943" y="1134691"/>
+            <a:ext cx="1826141" cy="584775"/>
+          </a:xfrm>
+          <a:prstGeom prst="rect">
+            <a:avLst/>
+          </a:prstGeom>
+          <a:noFill/>
+        </p:spPr>
+        <p:txBody>
+          <a:bodyPr wrap="none" rtlCol="0">
+            <a:spAutoFit/>
+          </a:bodyPr>
+          <a:lstStyle/>
+          <a:p>
+            <a:r>
+              <a:rPr kumimoji="1" lang="ja-JP" altLang="en-US" sz="1600" dirty="0">
+                <a:latin typeface="HG丸ｺﾞｼｯｸM-PRO" panose="020F0600000000000000" pitchFamily="50" charset="-128"/>
+                <a:ea typeface="HG丸ｺﾞｼｯｸM-PRO" panose="020F0600000000000000" pitchFamily="50" charset="-128"/>
+              </a:rPr>
+              <a:t>　</a:t>
+            </a:r>
+            <a:r>
+              <a:rPr kumimoji="1" lang="en-US" altLang="ja-JP" sz="1600" dirty="0">
+                <a:latin typeface="HG丸ｺﾞｼｯｸM-PRO" panose="020F0600000000000000" pitchFamily="50" charset="-128"/>
+                <a:ea typeface="HG丸ｺﾞｼｯｸM-PRO" panose="020F0600000000000000" pitchFamily="50" charset="-128"/>
+              </a:rPr>
+              <a:t>DB</a:t>
+            </a:r>
+          </a:p>
+          <a:p>
+            <a:r>
+              <a:rPr kumimoji="1" lang="ja-JP" altLang="en-US" sz="1600" dirty="0">
+                <a:latin typeface="HG丸ｺﾞｼｯｸM-PRO" panose="020F0600000000000000" pitchFamily="50" charset="-128"/>
+                <a:ea typeface="HG丸ｺﾞｼｯｸM-PRO" panose="020F0600000000000000" pitchFamily="50" charset="-128"/>
+              </a:rPr>
+              <a:t>（データベース）</a:t>
+            </a:r>
+          </a:p>
+        </p:txBody>
+      </p:sp>
+      <p:sp>
+        <p:nvSpPr>
+          <p:cNvPr id="25" name="矢印: 右 24">
+            <a:extLst>
+              <a:ext uri="{FF2B5EF4-FFF2-40B4-BE49-F238E27FC236}">
+                <a16:creationId xmlns:a16="http://schemas.microsoft.com/office/drawing/2014/main" id="{DDC02164-B33F-CCF6-7CDE-16AD828E6A4B}"/>
+              </a:ext>
+            </a:extLst>
+          </p:cNvPr>
+          <p:cNvSpPr/>
+          <p:nvPr/>
+        </p:nvSpPr>
+        <p:spPr>
+          <a:xfrm rot="5400000">
+            <a:off x="6192340" y="3316432"/>
+            <a:ext cx="711202" cy="509385"/>
+          </a:xfrm>
+          <a:prstGeom prst="rightArrow">
+            <a:avLst/>
+          </a:prstGeom>
+        </p:spPr>
+        <p:style>
+          <a:lnRef idx="2">
+            <a:schemeClr val="accent1">
+              <a:shade val="15000"/>
+            </a:schemeClr>
+          </a:lnRef>
+          <a:fillRef idx="1">
+            <a:schemeClr val="accent1"/>
+          </a:fillRef>
+          <a:effectRef idx="0">
+            <a:schemeClr val="accent1"/>
+          </a:effectRef>
+          <a:fontRef idx="minor">
+            <a:schemeClr val="lt1"/>
+          </a:fontRef>
+        </p:style>
+        <p:txBody>
+          <a:bodyPr rtlCol="0" anchor="ctr"/>
+          <a:lstStyle/>
+          <a:p>
+            <a:pPr algn="ctr"/>
+            <a:endParaRPr kumimoji="1" lang="ja-JP" altLang="en-US"/>
+          </a:p>
+        </p:txBody>
+      </p:sp>
+      <p:sp>
+        <p:nvSpPr>
+          <p:cNvPr id="26" name="矢印: 右 25">
+            <a:extLst>
+              <a:ext uri="{FF2B5EF4-FFF2-40B4-BE49-F238E27FC236}">
+                <a16:creationId xmlns:a16="http://schemas.microsoft.com/office/drawing/2014/main" id="{4CFA65EE-9C77-0D4E-42B1-9E713B0EC04A}"/>
+              </a:ext>
+            </a:extLst>
+          </p:cNvPr>
+          <p:cNvSpPr/>
+          <p:nvPr/>
+        </p:nvSpPr>
+        <p:spPr>
+          <a:xfrm rot="11244699">
+            <a:off x="3038115" y="4043500"/>
+            <a:ext cx="2360192" cy="331877"/>
+          </a:xfrm>
+          <a:prstGeom prst="rightArrow">
+            <a:avLst/>
+          </a:prstGeom>
+        </p:spPr>
+        <p:style>
+          <a:lnRef idx="2">
+            <a:schemeClr val="accent1">
+              <a:shade val="15000"/>
+            </a:schemeClr>
+          </a:lnRef>
+          <a:fillRef idx="1">
+            <a:schemeClr val="accent1"/>
+          </a:fillRef>
+          <a:effectRef idx="0">
+            <a:schemeClr val="accent1"/>
+          </a:effectRef>
+          <a:fontRef idx="minor">
+            <a:schemeClr val="lt1"/>
+          </a:fontRef>
+        </p:style>
+        <p:txBody>
+          <a:bodyPr rtlCol="0" anchor="ctr"/>
+          <a:lstStyle/>
+          <a:p>
+            <a:pPr algn="ctr"/>
+            <a:endParaRPr kumimoji="1" lang="ja-JP" altLang="en-US"/>
+          </a:p>
+        </p:txBody>
+      </p:sp>
+      <p:sp>
+        <p:nvSpPr>
+          <p:cNvPr id="27" name="テキスト ボックス 26">
+            <a:extLst>
+              <a:ext uri="{FF2B5EF4-FFF2-40B4-BE49-F238E27FC236}">
+                <a16:creationId xmlns:a16="http://schemas.microsoft.com/office/drawing/2014/main" id="{34BA16DC-C76D-2E69-BE61-64F95243AE97}"/>
+              </a:ext>
+            </a:extLst>
+          </p:cNvPr>
+          <p:cNvSpPr txBox="1"/>
+          <p:nvPr/>
+        </p:nvSpPr>
+        <p:spPr>
+          <a:xfrm rot="456788">
+            <a:off x="3766325" y="3757449"/>
+            <a:ext cx="1210588" cy="338554"/>
+          </a:xfrm>
+          <a:prstGeom prst="rect">
+            <a:avLst/>
+          </a:prstGeom>
+          <a:noFill/>
+        </p:spPr>
+        <p:txBody>
+          <a:bodyPr wrap="none" rtlCol="0">
+            <a:spAutoFit/>
+          </a:bodyPr>
+          <a:lstStyle/>
+          <a:p>
+            <a:r>
+              <a:rPr kumimoji="1" lang="ja-JP" altLang="en-US" sz="1600" dirty="0">
+                <a:latin typeface="HG丸ｺﾞｼｯｸM-PRO" panose="020F0600000000000000" pitchFamily="50" charset="-128"/>
+                <a:ea typeface="HG丸ｺﾞｼｯｸM-PRO" panose="020F0600000000000000" pitchFamily="50" charset="-128"/>
+              </a:rPr>
+              <a:t>レスポンス</a:t>
+            </a:r>
+          </a:p>
+        </p:txBody>
+      </p:sp>
+    </p:spTree>
+    <p:extLst>
+      <p:ext uri="{BB962C8B-B14F-4D97-AF65-F5344CB8AC3E}">
+        <p14:creationId xmlns:p14="http://schemas.microsoft.com/office/powerpoint/2010/main" val="992953411"/>
+      </p:ext>
+    </p:extLst>
+  </p:cSld>
+  <p:clrMapOvr>
+    <a:masterClrMapping/>
+  </p:clrMapOvr>
+  <p:timing>
+    <p:tnLst>
+      <p:par>
+        <p:cTn id="1" dur="indefinite" restart="never" nodeType="tmRoot">
+          <p:childTnLst>
+            <p:seq concurrent="1" nextAc="seek">
+              <p:cTn id="2" dur="indefinite" nodeType="mainSeq">
+                <p:childTnLst>
+                  <p:par>
+                    <p:cTn id="3" fill="hold">
+                      <p:stCondLst>
+                        <p:cond delay="indefinite"/>
+                      </p:stCondLst>
+                      <p:childTnLst>
+                        <p:par>
+                          <p:cTn id="4" fill="hold">
+                            <p:stCondLst>
+                              <p:cond delay="0"/>
+                            </p:stCondLst>
+                            <p:childTnLst>
+                              <p:par>
+                                <p:cTn id="5" presetID="16" presetClass="entr" presetSubtype="21" fill="hold" grpId="0" nodeType="clickEffect">
+                                  <p:stCondLst>
+                                    <p:cond delay="0"/>
+                                  </p:stCondLst>
+                                  <p:childTnLst>
+                                    <p:set>
+                                      <p:cBhvr>
+                                        <p:cTn id="6" dur="1" fill="hold">
+                                          <p:stCondLst>
+                                            <p:cond delay="0"/>
+                                          </p:stCondLst>
+                                        </p:cTn>
+                                        <p:tgtEl>
+                                          <p:spTgt spid="5"/>
+                                        </p:tgtEl>
+                                        <p:attrNameLst>
+                                          <p:attrName>style.visibility</p:attrName>
+                                        </p:attrNameLst>
+                                      </p:cBhvr>
+                                      <p:to>
+                                        <p:strVal val="visible"/>
+                                      </p:to>
+                                    </p:set>
+                                    <p:animEffect transition="in" filter="barn(inVertical)">
+                                      <p:cBhvr>
+                                        <p:cTn id="7" dur="500"/>
+                                        <p:tgtEl>
+                                          <p:spTgt spid="5"/>
+                                        </p:tgtEl>
+                                      </p:cBhvr>
+                                    </p:animEffect>
+                                  </p:childTnLst>
+                                </p:cTn>
+                              </p:par>
+                            </p:childTnLst>
+                          </p:cTn>
+                        </p:par>
+                      </p:childTnLst>
+                    </p:cTn>
+                  </p:par>
+                  <p:par>
+                    <p:cTn id="8" fill="hold">
+                      <p:stCondLst>
+                        <p:cond delay="indefinite"/>
+                      </p:stCondLst>
+                      <p:childTnLst>
+                        <p:par>
+                          <p:cTn id="9" fill="hold">
+                            <p:stCondLst>
+                              <p:cond delay="0"/>
+                            </p:stCondLst>
+                            <p:childTnLst>
+                              <p:par>
+                                <p:cTn id="10" presetID="16" presetClass="entr" presetSubtype="21" fill="hold" grpId="0" nodeType="clickEffect">
+                                  <p:stCondLst>
+                                    <p:cond delay="0"/>
+                                  </p:stCondLst>
+                                  <p:childTnLst>
+                                    <p:set>
+                                      <p:cBhvr>
+                                        <p:cTn id="11" dur="1" fill="hold">
+                                          <p:stCondLst>
+                                            <p:cond delay="0"/>
+                                          </p:stCondLst>
+                                        </p:cTn>
+                                        <p:tgtEl>
+                                          <p:spTgt spid="6"/>
+                                        </p:tgtEl>
+                                        <p:attrNameLst>
+                                          <p:attrName>style.visibility</p:attrName>
+                                        </p:attrNameLst>
+                                      </p:cBhvr>
+                                      <p:to>
+                                        <p:strVal val="visible"/>
+                                      </p:to>
+                                    </p:set>
+                                    <p:animEffect transition="in" filter="barn(inVertical)">
+                                      <p:cBhvr>
+                                        <p:cTn id="12" dur="500"/>
+                                        <p:tgtEl>
+                                          <p:spTgt spid="6"/>
+                                        </p:tgtEl>
+                                      </p:cBhvr>
+                                    </p:animEffect>
+                                  </p:childTnLst>
+                                </p:cTn>
+                              </p:par>
+                            </p:childTnLst>
+                          </p:cTn>
+                        </p:par>
+                      </p:childTnLst>
+                    </p:cTn>
+                  </p:par>
+                  <p:par>
+                    <p:cTn id="13" fill="hold">
+                      <p:stCondLst>
+                        <p:cond delay="indefinite"/>
+                      </p:stCondLst>
+                      <p:childTnLst>
+                        <p:par>
+                          <p:cTn id="14" fill="hold">
+                            <p:stCondLst>
+                              <p:cond delay="0"/>
+                            </p:stCondLst>
+                            <p:childTnLst>
+                              <p:par>
+                                <p:cTn id="15" presetID="16" presetClass="entr" presetSubtype="21" fill="hold" grpId="0" nodeType="clickEffect">
+                                  <p:stCondLst>
+                                    <p:cond delay="0"/>
+                                  </p:stCondLst>
+                                  <p:childTnLst>
+                                    <p:set>
+                                      <p:cBhvr>
+                                        <p:cTn id="16" dur="1" fill="hold">
+                                          <p:stCondLst>
+                                            <p:cond delay="0"/>
+                                          </p:stCondLst>
+                                        </p:cTn>
+                                        <p:tgtEl>
+                                          <p:spTgt spid="7"/>
+                                        </p:tgtEl>
+                                        <p:attrNameLst>
+                                          <p:attrName>style.visibility</p:attrName>
+                                        </p:attrNameLst>
+                                      </p:cBhvr>
+                                      <p:to>
+                                        <p:strVal val="visible"/>
+                                      </p:to>
+                                    </p:set>
+                                    <p:animEffect transition="in" filter="barn(inVertical)">
+                                      <p:cBhvr>
+                                        <p:cTn id="17" dur="500"/>
+                                        <p:tgtEl>
+                                          <p:spTgt spid="7"/>
+                                        </p:tgtEl>
+                                      </p:cBhvr>
+                                    </p:animEffect>
+                                  </p:childTnLst>
+                                </p:cTn>
+                              </p:par>
+                            </p:childTnLst>
+                          </p:cTn>
+                        </p:par>
+                      </p:childTnLst>
+                    </p:cTn>
+                  </p:par>
+                  <p:par>
+                    <p:cTn id="18" fill="hold">
+                      <p:stCondLst>
+                        <p:cond delay="indefinite"/>
+                      </p:stCondLst>
+                      <p:childTnLst>
+                        <p:par>
+                          <p:cTn id="19" fill="hold">
+                            <p:stCondLst>
+                              <p:cond delay="0"/>
+                            </p:stCondLst>
+                            <p:childTnLst>
+                              <p:par>
+                                <p:cTn id="20" presetID="16" presetClass="entr" presetSubtype="21" fill="hold" grpId="0" nodeType="clickEffect">
+                                  <p:stCondLst>
+                                    <p:cond delay="0"/>
+                                  </p:stCondLst>
+                                  <p:childTnLst>
+                                    <p:set>
+                                      <p:cBhvr>
+                                        <p:cTn id="21" dur="1" fill="hold">
+                                          <p:stCondLst>
+                                            <p:cond delay="0"/>
+                                          </p:stCondLst>
+                                        </p:cTn>
+                                        <p:tgtEl>
+                                          <p:spTgt spid="8"/>
+                                        </p:tgtEl>
+                                        <p:attrNameLst>
+                                          <p:attrName>style.visibility</p:attrName>
+                                        </p:attrNameLst>
+                                      </p:cBhvr>
+                                      <p:to>
+                                        <p:strVal val="visible"/>
+                                      </p:to>
+                                    </p:set>
+                                    <p:animEffect transition="in" filter="barn(inVertical)">
+                                      <p:cBhvr>
+                                        <p:cTn id="22" dur="500"/>
+                                        <p:tgtEl>
+                                          <p:spTgt spid="8"/>
+                                        </p:tgtEl>
+                                      </p:cBhvr>
+                                    </p:animEffect>
+                                  </p:childTnLst>
+                                </p:cTn>
+                              </p:par>
+                            </p:childTnLst>
+                          </p:cTn>
+                        </p:par>
+                      </p:childTnLst>
+                    </p:cTn>
+                  </p:par>
+                  <p:par>
+                    <p:cTn id="23" fill="hold">
+                      <p:stCondLst>
+                        <p:cond delay="indefinite"/>
+                      </p:stCondLst>
+                      <p:childTnLst>
+                        <p:par>
+                          <p:cTn id="24" fill="hold">
+                            <p:stCondLst>
+                              <p:cond delay="0"/>
+                            </p:stCondLst>
+                            <p:childTnLst>
+                              <p:par>
+                                <p:cTn id="25" presetID="16" presetClass="exit" presetSubtype="21" fill="hold" grpId="1" nodeType="clickEffect">
+                                  <p:stCondLst>
+                                    <p:cond delay="0"/>
+                                  </p:stCondLst>
+                                  <p:childTnLst>
+                                    <p:animEffect transition="out" filter="barn(inVertical)">
+                                      <p:cBhvr>
+                                        <p:cTn id="26" dur="500"/>
+                                        <p:tgtEl>
+                                          <p:spTgt spid="5"/>
+                                        </p:tgtEl>
+                                      </p:cBhvr>
+                                    </p:animEffect>
+                                    <p:set>
+                                      <p:cBhvr>
+                                        <p:cTn id="27" dur="1" fill="hold">
+                                          <p:stCondLst>
+                                            <p:cond delay="499"/>
+                                          </p:stCondLst>
+                                        </p:cTn>
+                                        <p:tgtEl>
+                                          <p:spTgt spid="5"/>
+                                        </p:tgtEl>
+                                        <p:attrNameLst>
+                                          <p:attrName>style.visibility</p:attrName>
+                                        </p:attrNameLst>
+                                      </p:cBhvr>
+                                      <p:to>
+                                        <p:strVal val="hidden"/>
+                                      </p:to>
+                                    </p:set>
+                                  </p:childTnLst>
+                                </p:cTn>
+                              </p:par>
+                              <p:par>
+                                <p:cTn id="28" presetID="16" presetClass="exit" presetSubtype="21" fill="hold" grpId="1" nodeType="withEffect">
+                                  <p:stCondLst>
+                                    <p:cond delay="0"/>
+                                  </p:stCondLst>
+                                  <p:childTnLst>
+                                    <p:animEffect transition="out" filter="barn(inVertical)">
+                                      <p:cBhvr>
+                                        <p:cTn id="29" dur="500"/>
+                                        <p:tgtEl>
+                                          <p:spTgt spid="6"/>
+                                        </p:tgtEl>
+                                      </p:cBhvr>
+                                    </p:animEffect>
+                                    <p:set>
+                                      <p:cBhvr>
+                                        <p:cTn id="30" dur="1" fill="hold">
+                                          <p:stCondLst>
+                                            <p:cond delay="499"/>
+                                          </p:stCondLst>
+                                        </p:cTn>
+                                        <p:tgtEl>
+                                          <p:spTgt spid="6"/>
+                                        </p:tgtEl>
+                                        <p:attrNameLst>
+                                          <p:attrName>style.visibility</p:attrName>
+                                        </p:attrNameLst>
+                                      </p:cBhvr>
+                                      <p:to>
+                                        <p:strVal val="hidden"/>
+                                      </p:to>
+                                    </p:set>
+                                  </p:childTnLst>
+                                </p:cTn>
+                              </p:par>
+                              <p:par>
+                                <p:cTn id="31" presetID="16" presetClass="exit" presetSubtype="21" fill="hold" grpId="1" nodeType="withEffect">
+                                  <p:stCondLst>
+                                    <p:cond delay="0"/>
+                                  </p:stCondLst>
+                                  <p:childTnLst>
+                                    <p:animEffect transition="out" filter="barn(inVertical)">
+                                      <p:cBhvr>
+                                        <p:cTn id="32" dur="500"/>
+                                        <p:tgtEl>
+                                          <p:spTgt spid="7"/>
+                                        </p:tgtEl>
+                                      </p:cBhvr>
+                                    </p:animEffect>
+                                    <p:set>
+                                      <p:cBhvr>
+                                        <p:cTn id="33" dur="1" fill="hold">
+                                          <p:stCondLst>
+                                            <p:cond delay="499"/>
+                                          </p:stCondLst>
+                                        </p:cTn>
+                                        <p:tgtEl>
+                                          <p:spTgt spid="7"/>
+                                        </p:tgtEl>
+                                        <p:attrNameLst>
+                                          <p:attrName>style.visibility</p:attrName>
+                                        </p:attrNameLst>
+                                      </p:cBhvr>
+                                      <p:to>
+                                        <p:strVal val="hidden"/>
+                                      </p:to>
+                                    </p:set>
+                                  </p:childTnLst>
+                                </p:cTn>
+                              </p:par>
+                              <p:par>
+                                <p:cTn id="34" presetID="16" presetClass="exit" presetSubtype="21" fill="hold" grpId="1" nodeType="withEffect">
+                                  <p:stCondLst>
+                                    <p:cond delay="0"/>
+                                  </p:stCondLst>
+                                  <p:childTnLst>
+                                    <p:animEffect transition="out" filter="barn(inVertical)">
+                                      <p:cBhvr>
+                                        <p:cTn id="35" dur="500"/>
+                                        <p:tgtEl>
+                                          <p:spTgt spid="8"/>
+                                        </p:tgtEl>
+                                      </p:cBhvr>
+                                    </p:animEffect>
+                                    <p:set>
+                                      <p:cBhvr>
+                                        <p:cTn id="36" dur="1" fill="hold">
+                                          <p:stCondLst>
+                                            <p:cond delay="499"/>
+                                          </p:stCondLst>
+                                        </p:cTn>
+                                        <p:tgtEl>
+                                          <p:spTgt spid="8"/>
+                                        </p:tgtEl>
+                                        <p:attrNameLst>
+                                          <p:attrName>style.visibility</p:attrName>
+                                        </p:attrNameLst>
+                                      </p:cBhvr>
+                                      <p:to>
+                                        <p:strVal val="hidden"/>
+                                      </p:to>
+                                    </p:set>
+                                  </p:childTnLst>
+                                </p:cTn>
+                              </p:par>
+                            </p:childTnLst>
+                          </p:cTn>
+                        </p:par>
+                      </p:childTnLst>
+                    </p:cTn>
+                  </p:par>
+                </p:childTnLst>
+              </p:cTn>
+              <p:prevCondLst>
+                <p:cond evt="onPrev" delay="0">
+                  <p:tgtEl>
+                    <p:sldTgt/>
+                  </p:tgtEl>
+                </p:cond>
+              </p:prevCondLst>
+              <p:nextCondLst>
+                <p:cond evt="onNext" delay="0">
+                  <p:tgtEl>
+                    <p:sldTgt/>
+                  </p:tgtEl>
+                </p:cond>
+              </p:nextCondLst>
+            </p:seq>
+          </p:childTnLst>
+        </p:cTn>
+      </p:par>
+    </p:tnLst>
+    <p:bldLst>
+      <p:bldP spid="5" grpId="0" animBg="1"/>
+      <p:bldP spid="5" grpId="1" animBg="1"/>
+      <p:bldP spid="6" grpId="0" animBg="1"/>
+      <p:bldP spid="6" grpId="1" animBg="1"/>
+      <p:bldP spid="7" grpId="0" animBg="1"/>
+      <p:bldP spid="7" grpId="1" animBg="1"/>
+      <p:bldP spid="8" grpId="0" animBg="1"/>
+      <p:bldP spid="8" grpId="1" animBg="1"/>
+    </p:bldLst>
+  </p:timing>
+</p:sld>
+</file>
+
+<file path=ppt/slides/slide2.xml><?xml version="1.0" encoding="utf-8"?>
+<p:sld xmlns:a="http://schemas.openxmlformats.org/drawingml/2006/main" xmlns:r="http://schemas.openxmlformats.org/officeDocument/2006/relationships" xmlns:p="http://schemas.openxmlformats.org/presentationml/2006/main">
+  <p:cSld>
+    <p:spTree>
+      <p:nvGrpSpPr>
+        <p:cNvPr id="1" name="">
+          <a:extLst>
+            <a:ext uri="{FF2B5EF4-FFF2-40B4-BE49-F238E27FC236}">
+              <a16:creationId xmlns:a16="http://schemas.microsoft.com/office/drawing/2014/main" id="{2A17A32A-9C84-4B82-24AE-6C557952AE2F}"/>
+            </a:ext>
+          </a:extLst>
+        </p:cNvPr>
+        <p:cNvGrpSpPr/>
+        <p:nvPr/>
+      </p:nvGrpSpPr>
+      <p:grpSpPr>
+        <a:xfrm>
+          <a:off x="0" y="0"/>
+          <a:ext cx="0" cy="0"/>
+          <a:chOff x="0" y="0"/>
+          <a:chExt cx="0" cy="0"/>
+        </a:xfrm>
+      </p:grpSpPr>
+      <p:sp>
+        <p:nvSpPr>
+          <p:cNvPr id="2" name="タイトル 1">
+            <a:extLst>
+              <a:ext uri="{FF2B5EF4-FFF2-40B4-BE49-F238E27FC236}">
+                <a16:creationId xmlns:a16="http://schemas.microsoft.com/office/drawing/2014/main" id="{528697AD-1AD1-3175-8A54-378D63848163}"/>
+              </a:ext>
+            </a:extLst>
+          </p:cNvPr>
+          <p:cNvSpPr>
+            <a:spLocks noGrp="1"/>
+          </p:cNvSpPr>
+          <p:nvPr>
+            <p:ph type="ctrTitle"/>
+          </p:nvPr>
+        </p:nvSpPr>
+        <p:spPr/>
+        <p:txBody>
+          <a:bodyPr/>
+          <a:lstStyle/>
+          <a:p>
+            <a:pPr algn="ctr"/>
+            <a:r>
+              <a:rPr kumimoji="1" lang="ja-JP" altLang="en-US" dirty="0">
+                <a:latin typeface="HG丸ｺﾞｼｯｸM-PRO" panose="020F0600000000000000" pitchFamily="50" charset="-128"/>
+                <a:ea typeface="HG丸ｺﾞｼｯｸM-PRO" panose="020F0600000000000000" pitchFamily="50" charset="-128"/>
+              </a:rPr>
+              <a:t>書籍管理システム📚</a:t>
+            </a:r>
+          </a:p>
+        </p:txBody>
+      </p:sp>
+      <p:sp>
+        <p:nvSpPr>
+          <p:cNvPr id="3" name="字幕 2">
+            <a:extLst>
+              <a:ext uri="{FF2B5EF4-FFF2-40B4-BE49-F238E27FC236}">
+                <a16:creationId xmlns:a16="http://schemas.microsoft.com/office/drawing/2014/main" id="{C30CFDFE-3087-92EC-5307-D6F63930262B}"/>
+              </a:ext>
+            </a:extLst>
+          </p:cNvPr>
+          <p:cNvSpPr>
+            <a:spLocks noGrp="1"/>
+          </p:cNvSpPr>
+          <p:nvPr>
+            <p:ph type="subTitle" idx="1"/>
+          </p:nvPr>
+        </p:nvSpPr>
+        <p:spPr>
+          <a:xfrm>
+            <a:off x="1128403" y="4453700"/>
+            <a:ext cx="8637072" cy="1071095"/>
+          </a:xfrm>
+        </p:spPr>
+        <p:txBody>
+          <a:bodyPr/>
+          <a:lstStyle/>
+          <a:p>
+            <a:pPr algn="r"/>
+            <a:r>
+              <a:rPr kumimoji="1" lang="ja-JP" altLang="en-US" sz="2000" dirty="0">
+                <a:latin typeface="HG丸ｺﾞｼｯｸM-PRO" panose="020F0600000000000000" pitchFamily="50" charset="-128"/>
+                <a:ea typeface="HG丸ｺﾞｼｯｸM-PRO" panose="020F0600000000000000" pitchFamily="50" charset="-128"/>
+              </a:rPr>
+              <a:t>グループ２</a:t>
+            </a:r>
+            <a:endParaRPr kumimoji="1" lang="en-US" altLang="ja-JP" sz="2000" dirty="0">
+              <a:latin typeface="HG丸ｺﾞｼｯｸM-PRO" panose="020F0600000000000000" pitchFamily="50" charset="-128"/>
+              <a:ea typeface="HG丸ｺﾞｼｯｸM-PRO" panose="020F0600000000000000" pitchFamily="50" charset="-128"/>
+            </a:endParaRPr>
+          </a:p>
+          <a:p>
+            <a:pPr algn="r"/>
+            <a:r>
+              <a:rPr kumimoji="1" lang="ja-JP" altLang="en-US" sz="2400" dirty="0">
+                <a:latin typeface="HG丸ｺﾞｼｯｸM-PRO" panose="020F0600000000000000" pitchFamily="50" charset="-128"/>
+                <a:ea typeface="HG丸ｺﾞｼｯｸM-PRO" panose="020F0600000000000000" pitchFamily="50" charset="-128"/>
+              </a:rPr>
+              <a:t>上村・中田・中村・永森</a:t>
+            </a:r>
+          </a:p>
+        </p:txBody>
+      </p:sp>
+      <p:sp>
+        <p:nvSpPr>
+          <p:cNvPr id="4" name="スライド番号プレースホルダー 3">
+            <a:extLst>
+              <a:ext uri="{FF2B5EF4-FFF2-40B4-BE49-F238E27FC236}">
+                <a16:creationId xmlns:a16="http://schemas.microsoft.com/office/drawing/2014/main" id="{9431D492-7279-E703-51AC-D6BCAD5DC681}"/>
+              </a:ext>
+            </a:extLst>
+          </p:cNvPr>
+          <p:cNvSpPr>
+            <a:spLocks noGrp="1"/>
+          </p:cNvSpPr>
+          <p:nvPr>
+            <p:ph type="sldNum" sz="quarter" idx="12"/>
+          </p:nvPr>
+        </p:nvSpPr>
+        <p:spPr/>
+        <p:txBody>
+          <a:bodyPr/>
+          <a:lstStyle/>
+          <a:p>
+            <a:fld id="{F0E75ABD-E329-4735-B6E0-3752012DC264}" type="slidenum">
+              <a:rPr kumimoji="1" lang="ja-JP" altLang="en-US" smtClean="0"/>
+              <a:t>2</a:t>
+            </a:fld>
+            <a:endParaRPr kumimoji="1" lang="ja-JP" altLang="en-US"/>
+          </a:p>
+        </p:txBody>
+      </p:sp>
+    </p:spTree>
+    <p:extLst>
+      <p:ext uri="{BB962C8B-B14F-4D97-AF65-F5344CB8AC3E}">
+        <p14:creationId xmlns:p14="http://schemas.microsoft.com/office/powerpoint/2010/main" val="4018152393"/>
+      </p:ext>
+    </p:extLst>
+  </p:cSld>
+  <p:clrMapOvr>
+    <a:masterClrMapping/>
+  </p:clrMapOvr>
+</p:sld>
+</file>
+
+<file path=ppt/slides/slide3.xml><?xml version="1.0" encoding="utf-8"?>
+<p:sld xmlns:a="http://schemas.openxmlformats.org/drawingml/2006/main" xmlns:r="http://schemas.openxmlformats.org/officeDocument/2006/relationships" xmlns:p="http://schemas.openxmlformats.org/presentationml/2006/main">
+  <p:cSld>
+    <p:spTree>
+      <p:nvGrpSpPr>
+        <p:cNvPr id="1" name=""/>
+        <p:cNvGrpSpPr/>
+        <p:nvPr/>
+      </p:nvGrpSpPr>
+      <p:grpSpPr>
+        <a:xfrm>
+          <a:off x="0" y="0"/>
+          <a:ext cx="0" cy="0"/>
+          <a:chOff x="0" y="0"/>
+          <a:chExt cx="0" cy="0"/>
+        </a:xfrm>
+      </p:grpSpPr>
+      <p:sp>
+        <p:nvSpPr>
+          <p:cNvPr id="2" name="タイトル 1">
+            <a:extLst>
+              <a:ext uri="{FF2B5EF4-FFF2-40B4-BE49-F238E27FC236}">
+                <a16:creationId xmlns:a16="http://schemas.microsoft.com/office/drawing/2014/main" id="{F53548DC-BFDB-42F0-96C4-8E1E8BF1929F}"/>
+              </a:ext>
+            </a:extLst>
+          </p:cNvPr>
+          <p:cNvSpPr>
+            <a:spLocks noGrp="1"/>
+          </p:cNvSpPr>
+          <p:nvPr>
+            <p:ph type="title"/>
+          </p:nvPr>
+        </p:nvSpPr>
+        <p:spPr>
+          <a:xfrm>
+            <a:off x="1130270" y="953324"/>
+            <a:ext cx="9603275" cy="615417"/>
+          </a:xfrm>
+        </p:spPr>
+        <p:txBody>
+          <a:bodyPr/>
+          <a:lstStyle/>
+          <a:p>
+            <a:r>
+              <a:rPr lang="ja-JP" altLang="en-US" dirty="0">
+                <a:latin typeface="HG丸ｺﾞｼｯｸM-PRO" panose="020F0600000000000000" pitchFamily="50" charset="-128"/>
+                <a:ea typeface="HG丸ｺﾞｼｯｸM-PRO" panose="020F0600000000000000" pitchFamily="50" charset="-128"/>
+              </a:rPr>
+              <a:t>目次</a:t>
+            </a:r>
+            <a:endParaRPr kumimoji="1" lang="ja-JP" altLang="en-US" dirty="0">
+              <a:latin typeface="HG丸ｺﾞｼｯｸM-PRO" panose="020F0600000000000000" pitchFamily="50" charset="-128"/>
+              <a:ea typeface="HG丸ｺﾞｼｯｸM-PRO" panose="020F0600000000000000" pitchFamily="50" charset="-128"/>
+            </a:endParaRPr>
+          </a:p>
+        </p:txBody>
+      </p:sp>
+      <p:sp>
+        <p:nvSpPr>
+          <p:cNvPr id="3" name="コンテンツ プレースホルダー 2">
+            <a:extLst>
+              <a:ext uri="{FF2B5EF4-FFF2-40B4-BE49-F238E27FC236}">
+                <a16:creationId xmlns:a16="http://schemas.microsoft.com/office/drawing/2014/main" id="{F7CF11B6-8AF5-456F-92F2-E2DE4FF64C3C}"/>
+              </a:ext>
+            </a:extLst>
+          </p:cNvPr>
+          <p:cNvSpPr>
+            <a:spLocks noGrp="1"/>
+          </p:cNvSpPr>
+          <p:nvPr>
+            <p:ph idx="1"/>
+          </p:nvPr>
+        </p:nvSpPr>
+        <p:spPr>
+          <a:xfrm>
+            <a:off x="1130270" y="1568740"/>
+            <a:ext cx="9603275" cy="4335935"/>
+          </a:xfrm>
+        </p:spPr>
+        <p:txBody>
+          <a:bodyPr/>
+          <a:lstStyle/>
+          <a:p>
+            <a:pPr marL="457200" indent="-457200">
+              <a:buClr>
+                <a:schemeClr val="tx2"/>
+              </a:buClr>
+              <a:buSzPct val="150000"/>
+              <a:buFont typeface="+mj-lt"/>
+              <a:buAutoNum type="arabicPeriod"/>
+            </a:pPr>
+            <a:r>
+              <a:rPr lang="ja-JP" altLang="en-US" dirty="0"/>
+              <a:t>書籍管理システムについて</a:t>
+            </a:r>
+            <a:endParaRPr lang="en-US" altLang="ja-JP" dirty="0"/>
+          </a:p>
+          <a:p>
+            <a:pPr marL="457200" indent="-457200">
+              <a:buClr>
+                <a:schemeClr val="tx2"/>
+              </a:buClr>
+              <a:buSzPct val="150000"/>
+              <a:buFont typeface="+mj-lt"/>
+              <a:buAutoNum type="arabicPeriod"/>
+            </a:pPr>
+            <a:r>
+              <a:rPr lang="ja-JP" altLang="en-US" dirty="0"/>
+              <a:t>データベース</a:t>
+            </a:r>
+            <a:endParaRPr lang="en-US" altLang="ja-JP" dirty="0"/>
+          </a:p>
+          <a:p>
+            <a:pPr marL="457200" indent="-457200">
+              <a:buClr>
+                <a:schemeClr val="tx2"/>
+              </a:buClr>
+              <a:buSzPct val="150000"/>
+              <a:buFont typeface="+mj-lt"/>
+              <a:buAutoNum type="arabicPeriod"/>
+            </a:pPr>
+            <a:r>
+              <a:rPr kumimoji="1" lang="ja-JP" altLang="en-US" dirty="0"/>
+              <a:t>画面構成</a:t>
+            </a:r>
+            <a:endParaRPr kumimoji="1" lang="en-US" altLang="ja-JP" dirty="0"/>
+          </a:p>
+          <a:p>
+            <a:pPr marL="457200" indent="-457200">
+              <a:buClr>
+                <a:schemeClr val="tx2"/>
+              </a:buClr>
+              <a:buSzPct val="150000"/>
+              <a:buFont typeface="+mj-lt"/>
+              <a:buAutoNum type="arabicPeriod"/>
+            </a:pPr>
+            <a:r>
+              <a:rPr kumimoji="1" lang="ja-JP" altLang="en-US" dirty="0"/>
+              <a:t>デモンストレーション</a:t>
+            </a:r>
+            <a:endParaRPr kumimoji="1" lang="en-US" altLang="ja-JP" dirty="0"/>
+          </a:p>
+          <a:p>
+            <a:pPr marL="457200" indent="-457200">
+              <a:buClr>
+                <a:schemeClr val="tx2"/>
+              </a:buClr>
+              <a:buSzPct val="150000"/>
+              <a:buFont typeface="+mj-lt"/>
+              <a:buAutoNum type="arabicPeriod"/>
+            </a:pPr>
+            <a:r>
+              <a:rPr kumimoji="1" lang="ja-JP" altLang="en-US" dirty="0"/>
+              <a:t>開発効率の</a:t>
+            </a:r>
+            <a:r>
+              <a:rPr lang="en-US" altLang="ja-JP" dirty="0"/>
+              <a:t>tips</a:t>
+            </a:r>
+            <a:endParaRPr kumimoji="1" lang="en-US" altLang="ja-JP" dirty="0"/>
+          </a:p>
+          <a:p>
+            <a:pPr marL="457200" indent="-457200">
+              <a:buClr>
+                <a:schemeClr val="tx2"/>
+              </a:buClr>
+              <a:buSzPct val="150000"/>
+              <a:buFont typeface="+mj-lt"/>
+              <a:buAutoNum type="arabicPeriod"/>
+            </a:pPr>
+            <a:endParaRPr kumimoji="1" lang="ja-JP" altLang="en-US" dirty="0"/>
+          </a:p>
+        </p:txBody>
+      </p:sp>
+      <p:sp>
+        <p:nvSpPr>
+          <p:cNvPr id="4" name="スライド番号プレースホルダー 3">
+            <a:extLst>
+              <a:ext uri="{FF2B5EF4-FFF2-40B4-BE49-F238E27FC236}">
+                <a16:creationId xmlns:a16="http://schemas.microsoft.com/office/drawing/2014/main" id="{0EA25BE7-383C-47F2-A805-51C758797E00}"/>
+              </a:ext>
+            </a:extLst>
+          </p:cNvPr>
+          <p:cNvSpPr>
+            <a:spLocks noGrp="1"/>
+          </p:cNvSpPr>
+          <p:nvPr>
+            <p:ph type="sldNum" sz="quarter" idx="12"/>
+          </p:nvPr>
+        </p:nvSpPr>
+        <p:spPr/>
+        <p:txBody>
+          <a:bodyPr/>
+          <a:lstStyle/>
+          <a:p>
+            <a:fld id="{F0E75ABD-E329-4735-B6E0-3752012DC264}" type="slidenum">
+              <a:rPr kumimoji="1" lang="ja-JP" altLang="en-US" smtClean="0"/>
+              <a:t>3</a:t>
+            </a:fld>
+            <a:endParaRPr kumimoji="1" lang="ja-JP" altLang="en-US"/>
+          </a:p>
+        </p:txBody>
+      </p:sp>
+    </p:spTree>
+    <p:extLst>
+      <p:ext uri="{BB962C8B-B14F-4D97-AF65-F5344CB8AC3E}">
+        <p14:creationId xmlns:p14="http://schemas.microsoft.com/office/powerpoint/2010/main" val="3973152472"/>
+      </p:ext>
+    </p:extLst>
+  </p:cSld>
+  <p:clrMapOvr>
+    <a:masterClrMapping/>
+  </p:clrMapOvr>
+</p:sld>
+</file>
+
+<file path=ppt/slides/slide4.xml><?xml version="1.0" encoding="utf-8"?>
+<p:sld xmlns:a="http://schemas.openxmlformats.org/drawingml/2006/main" xmlns:r="http://schemas.openxmlformats.org/officeDocument/2006/relationships" xmlns:p="http://schemas.openxmlformats.org/presentationml/2006/main">
+  <p:cSld>
+    <p:spTree>
+      <p:nvGrpSpPr>
+        <p:cNvPr id="1" name=""/>
+        <p:cNvGrpSpPr/>
+        <p:nvPr/>
+      </p:nvGrpSpPr>
+      <p:grpSpPr>
+        <a:xfrm>
+          <a:off x="0" y="0"/>
+          <a:ext cx="0" cy="0"/>
+          <a:chOff x="0" y="0"/>
+          <a:chExt cx="0" cy="0"/>
+        </a:xfrm>
+      </p:grpSpPr>
+      <p:sp>
+        <p:nvSpPr>
+          <p:cNvPr id="2" name="タイトル 1">
+            <a:extLst>
+              <a:ext uri="{FF2B5EF4-FFF2-40B4-BE49-F238E27FC236}">
+                <a16:creationId xmlns:a16="http://schemas.microsoft.com/office/drawing/2014/main" id="{33E3A52C-030E-4AF5-9700-82655DC9BEF4}"/>
+              </a:ext>
+            </a:extLst>
+          </p:cNvPr>
+          <p:cNvSpPr>
+            <a:spLocks noGrp="1"/>
+          </p:cNvSpPr>
+          <p:nvPr>
+            <p:ph type="title"/>
+          </p:nvPr>
+        </p:nvSpPr>
+        <p:spPr/>
+        <p:txBody>
+          <a:bodyPr/>
+          <a:lstStyle/>
+          <a:p>
+            <a:r>
+              <a:rPr kumimoji="1" lang="ja-JP" altLang="en-US" dirty="0"/>
+              <a:t>書籍管理システム</a:t>
+            </a:r>
+            <a:r>
+              <a:rPr lang="ja-JP" altLang="en-US" dirty="0"/>
+              <a:t>（</a:t>
+            </a:r>
+            <a:r>
+              <a:rPr kumimoji="1" lang="ja-JP" altLang="en-US" dirty="0"/>
+              <a:t>要件</a:t>
+            </a:r>
+            <a:r>
+              <a:rPr kumimoji="1" lang="en-US" altLang="ja-JP" dirty="0"/>
+              <a:t>1/2</a:t>
+            </a:r>
+            <a:r>
+              <a:rPr kumimoji="1" lang="ja-JP" altLang="en-US" dirty="0"/>
+              <a:t>）</a:t>
+            </a:r>
+          </a:p>
+        </p:txBody>
+      </p:sp>
+      <p:sp>
+        <p:nvSpPr>
+          <p:cNvPr id="3" name="コンテンツ プレースホルダー 2">
+            <a:extLst>
+              <a:ext uri="{FF2B5EF4-FFF2-40B4-BE49-F238E27FC236}">
+                <a16:creationId xmlns:a16="http://schemas.microsoft.com/office/drawing/2014/main" id="{77BFC3F9-40A8-41FD-A6C2-3D5DFA444BD4}"/>
+              </a:ext>
+            </a:extLst>
+          </p:cNvPr>
+          <p:cNvSpPr>
+            <a:spLocks noGrp="1"/>
+          </p:cNvSpPr>
+          <p:nvPr>
+            <p:ph idx="1"/>
+          </p:nvPr>
+        </p:nvSpPr>
+        <p:spPr/>
+        <p:txBody>
+          <a:bodyPr>
+            <a:normAutofit/>
+          </a:bodyPr>
+          <a:lstStyle/>
+          <a:p>
+            <a:pPr marL="0" indent="0">
+              <a:buNone/>
+            </a:pPr>
+            <a:r>
+              <a:rPr lang="ja-JP" altLang="en-US" dirty="0"/>
+              <a:t>要件：「会社で所有している書籍の管理システムを </a:t>
+            </a:r>
+            <a:r>
+              <a:rPr lang="en-US" altLang="ja-JP" dirty="0"/>
+              <a:t>Laravel </a:t>
+            </a:r>
+            <a:r>
+              <a:rPr lang="ja-JP" altLang="en-US" dirty="0"/>
+              <a:t>で開発する」</a:t>
+            </a:r>
+            <a:endParaRPr lang="en-US" altLang="ja-JP" dirty="0"/>
+          </a:p>
+          <a:p>
+            <a:pPr marL="0" indent="0">
+              <a:buNone/>
+            </a:pPr>
+            <a:endParaRPr lang="en-US" altLang="ja-JP" dirty="0"/>
+          </a:p>
+          <a:p>
+            <a:pPr marL="0" indent="0">
+              <a:buNone/>
+            </a:pPr>
+            <a:r>
+              <a:rPr lang="ja-JP" altLang="en-US" dirty="0"/>
+              <a:t>・同じ書籍を複数所持する場合がある</a:t>
+            </a:r>
+            <a:endParaRPr lang="en-US" altLang="ja-JP" dirty="0"/>
+          </a:p>
+          <a:p>
+            <a:pPr marL="0" indent="0">
+              <a:buNone/>
+            </a:pPr>
+            <a:r>
+              <a:rPr lang="ja-JP" altLang="en-US" dirty="0"/>
+              <a:t>・社員は書籍に「レビュー」（おすすめ度（</a:t>
+            </a:r>
+            <a:r>
+              <a:rPr lang="en-US" altLang="ja-JP" dirty="0"/>
+              <a:t>1</a:t>
+            </a:r>
+            <a:r>
+              <a:rPr lang="ja-JP" altLang="en-US" dirty="0"/>
+              <a:t>～</a:t>
+            </a:r>
+            <a:r>
+              <a:rPr lang="en-US" altLang="ja-JP" dirty="0"/>
+              <a:t>5</a:t>
+            </a:r>
+            <a:r>
+              <a:rPr lang="ja-JP" altLang="en-US" dirty="0"/>
+              <a:t>）</a:t>
+            </a:r>
+            <a:r>
+              <a:rPr lang="en-US" altLang="ja-JP" dirty="0"/>
+              <a:t>, </a:t>
+            </a:r>
+            <a:r>
+              <a:rPr lang="ja-JP" altLang="en-US" dirty="0"/>
+              <a:t>コメント）を入力できる</a:t>
+            </a:r>
+            <a:endParaRPr lang="en-US" altLang="ja-JP" dirty="0"/>
+          </a:p>
+          <a:p>
+            <a:pPr marL="0" indent="0">
+              <a:buNone/>
+            </a:pPr>
+            <a:r>
+              <a:rPr lang="ja-JP" altLang="en-US" dirty="0"/>
+              <a:t>・「レビュー」は入力した社員のみ変更できる</a:t>
+            </a:r>
+            <a:endParaRPr lang="en-US" altLang="ja-JP" dirty="0"/>
+          </a:p>
+          <a:p>
+            <a:pPr marL="0" indent="0">
+              <a:buNone/>
+            </a:pPr>
+            <a:r>
+              <a:rPr lang="ja-JP" altLang="en-US" dirty="0"/>
+              <a:t>・社員は「一般社員」と「総務部の社員」の</a:t>
+            </a:r>
+            <a:r>
+              <a:rPr lang="en-US" altLang="ja-JP" dirty="0"/>
+              <a:t>2</a:t>
+            </a:r>
+            <a:r>
+              <a:rPr lang="ja-JP" altLang="en-US" dirty="0"/>
+              <a:t>種類に分類される</a:t>
+            </a:r>
+            <a:endParaRPr lang="en-US" altLang="ja-JP" dirty="0"/>
+          </a:p>
+          <a:p>
+            <a:pPr marL="0" indent="0">
+              <a:buNone/>
+            </a:pPr>
+            <a:r>
+              <a:rPr lang="ja-JP" altLang="en-US" dirty="0"/>
+              <a:t>・書籍を新規購入した際は、総務部の社員のみ登録の作業が行える</a:t>
+            </a:r>
+            <a:endParaRPr lang="en-US" altLang="ja-JP" dirty="0"/>
+          </a:p>
+        </p:txBody>
+      </p:sp>
+      <p:pic>
+        <p:nvPicPr>
+          <p:cNvPr id="1026" name="Picture 2" descr="本棚のイラスト">
+            <a:extLst>
+              <a:ext uri="{FF2B5EF4-FFF2-40B4-BE49-F238E27FC236}">
+                <a16:creationId xmlns:a16="http://schemas.microsoft.com/office/drawing/2014/main" id="{8A803D8E-25B8-4343-99F5-53976ADFA77A}"/>
+              </a:ext>
+            </a:extLst>
+          </p:cNvPr>
+          <p:cNvPicPr>
+            <a:picLocks noChangeAspect="1" noChangeArrowheads="1"/>
+          </p:cNvPicPr>
+          <p:nvPr/>
+        </p:nvPicPr>
+        <p:blipFill>
+          <a:blip r:embed="rId2">
+            <a:extLst>
+              <a:ext uri="{28A0092B-C50C-407E-A947-70E740481C1C}">
+                <a14:useLocalDpi xmlns:a14="http://schemas.microsoft.com/office/drawing/2010/main" val="0"/>
+              </a:ext>
+            </a:extLst>
+          </a:blip>
+          <a:srcRect/>
+          <a:stretch>
+            <a:fillRect/>
+          </a:stretch>
+        </p:blipFill>
+        <p:spPr bwMode="auto">
+          <a:xfrm>
+            <a:off x="9300166" y="3709886"/>
+            <a:ext cx="2147047" cy="1910872"/>
+          </a:xfrm>
+          <a:prstGeom prst="rect">
+            <a:avLst/>
+          </a:prstGeom>
+          <a:noFill/>
+          <a:extLst>
+            <a:ext uri="{909E8E84-426E-40DD-AFC4-6F175D3DCCD1}">
+              <a14:hiddenFill xmlns:a14="http://schemas.microsoft.com/office/drawing/2010/main">
+                <a:solidFill>
+                  <a:srgbClr val="FFFFFF"/>
+                </a:solidFill>
+              </a14:hiddenFill>
+            </a:ext>
+          </a:extLst>
+        </p:spPr>
+      </p:pic>
+      <p:sp>
+        <p:nvSpPr>
+          <p:cNvPr id="4" name="スライド番号プレースホルダー 3">
+            <a:extLst>
+              <a:ext uri="{FF2B5EF4-FFF2-40B4-BE49-F238E27FC236}">
+                <a16:creationId xmlns:a16="http://schemas.microsoft.com/office/drawing/2014/main" id="{DE85BDC7-1C99-4B5F-ACAD-7D66BECFA023}"/>
+              </a:ext>
+            </a:extLst>
+          </p:cNvPr>
+          <p:cNvSpPr>
+            <a:spLocks noGrp="1"/>
+          </p:cNvSpPr>
+          <p:nvPr>
+            <p:ph type="sldNum" sz="quarter" idx="12"/>
+          </p:nvPr>
+        </p:nvSpPr>
+        <p:spPr/>
+        <p:txBody>
+          <a:bodyPr/>
+          <a:lstStyle/>
+          <a:p>
+            <a:fld id="{F0E75ABD-E329-4735-B6E0-3752012DC264}" type="slidenum">
+              <a:rPr kumimoji="1" lang="ja-JP" altLang="en-US" smtClean="0"/>
+              <a:t>4</a:t>
+            </a:fld>
+            <a:endParaRPr kumimoji="1" lang="ja-JP" altLang="en-US"/>
+          </a:p>
+        </p:txBody>
+      </p:sp>
+    </p:spTree>
+    <p:extLst>
+      <p:ext uri="{BB962C8B-B14F-4D97-AF65-F5344CB8AC3E}">
+        <p14:creationId xmlns:p14="http://schemas.microsoft.com/office/powerpoint/2010/main" val="2979035231"/>
+      </p:ext>
+    </p:extLst>
+  </p:cSld>
+  <p:clrMapOvr>
+    <a:masterClrMapping/>
+  </p:clrMapOvr>
+</p:sld>
+</file>
+
+<file path=ppt/slides/slide5.xml><?xml version="1.0" encoding="utf-8"?>
+<p:sld xmlns:a="http://schemas.openxmlformats.org/drawingml/2006/main" xmlns:r="http://schemas.openxmlformats.org/officeDocument/2006/relationships" xmlns:p="http://schemas.openxmlformats.org/presentationml/2006/main">
+  <p:cSld>
+    <p:spTree>
+      <p:nvGrpSpPr>
+        <p:cNvPr id="1" name=""/>
+        <p:cNvGrpSpPr/>
+        <p:nvPr/>
+      </p:nvGrpSpPr>
+      <p:grpSpPr>
+        <a:xfrm>
+          <a:off x="0" y="0"/>
+          <a:ext cx="0" cy="0"/>
+          <a:chOff x="0" y="0"/>
+          <a:chExt cx="0" cy="0"/>
+        </a:xfrm>
+      </p:grpSpPr>
+      <p:sp>
+        <p:nvSpPr>
+          <p:cNvPr id="2" name="タイトル 1">
+            <a:extLst>
+              <a:ext uri="{FF2B5EF4-FFF2-40B4-BE49-F238E27FC236}">
+                <a16:creationId xmlns:a16="http://schemas.microsoft.com/office/drawing/2014/main" id="{52F26930-9EBF-415F-8BC7-9C9DDBF23EE8}"/>
+              </a:ext>
+            </a:extLst>
+          </p:cNvPr>
+          <p:cNvSpPr>
+            <a:spLocks noGrp="1"/>
+          </p:cNvSpPr>
+          <p:nvPr>
+            <p:ph type="title"/>
+          </p:nvPr>
+        </p:nvSpPr>
+        <p:spPr/>
+        <p:txBody>
+          <a:bodyPr/>
+          <a:lstStyle/>
+          <a:p>
+            <a:r>
+              <a:rPr kumimoji="1" lang="ja-JP" altLang="en-US" dirty="0"/>
+              <a:t>書籍管理システム（</a:t>
+            </a:r>
+            <a:r>
+              <a:rPr lang="ja-JP" altLang="en-US" dirty="0"/>
+              <a:t>要件</a:t>
+            </a:r>
+            <a:r>
+              <a:rPr lang="en-US" altLang="ja-JP" dirty="0"/>
+              <a:t>2/2</a:t>
+            </a:r>
+            <a:r>
+              <a:rPr lang="ja-JP" altLang="en-US" dirty="0"/>
+              <a:t>）</a:t>
+            </a:r>
+            <a:endParaRPr kumimoji="1" lang="ja-JP" altLang="en-US" dirty="0"/>
+          </a:p>
+        </p:txBody>
+      </p:sp>
+      <p:sp>
+        <p:nvSpPr>
+          <p:cNvPr id="3" name="コンテンツ プレースホルダー 2">
+            <a:extLst>
+              <a:ext uri="{FF2B5EF4-FFF2-40B4-BE49-F238E27FC236}">
+                <a16:creationId xmlns:a16="http://schemas.microsoft.com/office/drawing/2014/main" id="{DC463AED-5398-4F42-9F98-5A6EC2E549B1}"/>
+              </a:ext>
+            </a:extLst>
+          </p:cNvPr>
+          <p:cNvSpPr>
+            <a:spLocks noGrp="1"/>
+          </p:cNvSpPr>
+          <p:nvPr>
+            <p:ph idx="1"/>
+          </p:nvPr>
+        </p:nvSpPr>
+        <p:spPr/>
+        <p:txBody>
+          <a:bodyPr/>
+          <a:lstStyle/>
+          <a:p>
+            <a:pPr marL="0" indent="0">
+              <a:buNone/>
+            </a:pPr>
+            <a:r>
+              <a:rPr lang="ja-JP" altLang="en-US" dirty="0"/>
+              <a:t>全ての社員が共通して行える処理</a:t>
+            </a:r>
+            <a:br>
+              <a:rPr lang="en-US" altLang="ja-JP" dirty="0"/>
+            </a:br>
+            <a:r>
+              <a:rPr kumimoji="1" lang="ja-JP" altLang="en-US" dirty="0"/>
+              <a:t>　会社の所有している書籍の一覧表示</a:t>
+            </a:r>
+            <a:br>
+              <a:rPr lang="en-US" altLang="ja-JP" dirty="0"/>
+            </a:br>
+            <a:r>
+              <a:rPr lang="ja-JP" altLang="en-US" dirty="0"/>
+              <a:t>　書籍を指定して、その書籍のレビューの表示</a:t>
+            </a:r>
+            <a:br>
+              <a:rPr lang="en-US" altLang="ja-JP" dirty="0"/>
+            </a:br>
+            <a:r>
+              <a:rPr lang="ja-JP" altLang="en-US" dirty="0"/>
+              <a:t>　書籍のレビューの投稿</a:t>
+            </a:r>
+            <a:br>
+              <a:rPr lang="en-US" altLang="ja-JP" dirty="0"/>
+            </a:br>
+            <a:r>
+              <a:rPr lang="ja-JP" altLang="en-US" dirty="0"/>
+              <a:t>　自身が投稿したレビューの修正・削除</a:t>
+            </a:r>
+            <a:endParaRPr lang="en-US" altLang="ja-JP" dirty="0"/>
+          </a:p>
+          <a:p>
+            <a:pPr marL="0" indent="0">
+              <a:buNone/>
+            </a:pPr>
+            <a:r>
+              <a:rPr lang="ja-JP" altLang="en-US" dirty="0"/>
+              <a:t>総務部の社員のみが出来る処理</a:t>
+            </a:r>
+            <a:br>
+              <a:rPr lang="en-US" altLang="ja-JP" dirty="0"/>
+            </a:br>
+            <a:r>
+              <a:rPr lang="ja-JP" altLang="en-US" dirty="0"/>
+              <a:t>　書籍の新規登録</a:t>
+            </a:r>
+            <a:endParaRPr lang="en-US" altLang="ja-JP" dirty="0"/>
+          </a:p>
+        </p:txBody>
+      </p:sp>
+      <p:pic>
+        <p:nvPicPr>
+          <p:cNvPr id="2050" name="Picture 2" descr="本棚から本を出す男の子のイラスト">
+            <a:extLst>
+              <a:ext uri="{FF2B5EF4-FFF2-40B4-BE49-F238E27FC236}">
+                <a16:creationId xmlns:a16="http://schemas.microsoft.com/office/drawing/2014/main" id="{FC7CF1E2-9354-4D0E-999F-A8A815125F82}"/>
+              </a:ext>
+            </a:extLst>
+          </p:cNvPr>
+          <p:cNvPicPr>
+            <a:picLocks noChangeAspect="1" noChangeArrowheads="1"/>
+          </p:cNvPicPr>
+          <p:nvPr/>
+        </p:nvPicPr>
+        <p:blipFill>
+          <a:blip r:embed="rId2">
+            <a:extLst>
+              <a:ext uri="{28A0092B-C50C-407E-A947-70E740481C1C}">
+                <a14:useLocalDpi xmlns:a14="http://schemas.microsoft.com/office/drawing/2010/main" val="0"/>
+              </a:ext>
+            </a:extLst>
+          </a:blip>
+          <a:srcRect/>
+          <a:stretch>
+            <a:fillRect/>
+          </a:stretch>
+        </p:blipFill>
+        <p:spPr bwMode="auto">
+          <a:xfrm>
+            <a:off x="7566212" y="3331669"/>
+            <a:ext cx="3167333" cy="2644723"/>
+          </a:xfrm>
+          <a:prstGeom prst="rect">
+            <a:avLst/>
+          </a:prstGeom>
+          <a:noFill/>
+          <a:extLst>
+            <a:ext uri="{909E8E84-426E-40DD-AFC4-6F175D3DCCD1}">
+              <a14:hiddenFill xmlns:a14="http://schemas.microsoft.com/office/drawing/2010/main">
+                <a:solidFill>
+                  <a:srgbClr val="FFFFFF"/>
+                </a:solidFill>
+              </a14:hiddenFill>
+            </a:ext>
+          </a:extLst>
+        </p:spPr>
+      </p:pic>
+      <p:sp>
+        <p:nvSpPr>
+          <p:cNvPr id="4" name="スライド番号プレースホルダー 3">
+            <a:extLst>
+              <a:ext uri="{FF2B5EF4-FFF2-40B4-BE49-F238E27FC236}">
+                <a16:creationId xmlns:a16="http://schemas.microsoft.com/office/drawing/2014/main" id="{3E3BA3D0-3F64-4FD4-BBC8-0029B881196D}"/>
+              </a:ext>
+            </a:extLst>
+          </p:cNvPr>
+          <p:cNvSpPr>
+            <a:spLocks noGrp="1"/>
+          </p:cNvSpPr>
+          <p:nvPr>
+            <p:ph type="sldNum" sz="quarter" idx="12"/>
+          </p:nvPr>
+        </p:nvSpPr>
+        <p:spPr/>
+        <p:txBody>
+          <a:bodyPr/>
+          <a:lstStyle/>
+          <a:p>
+            <a:fld id="{F0E75ABD-E329-4735-B6E0-3752012DC264}" type="slidenum">
+              <a:rPr kumimoji="1" lang="ja-JP" altLang="en-US" smtClean="0"/>
+              <a:t>5</a:t>
+            </a:fld>
+            <a:endParaRPr kumimoji="1" lang="ja-JP" altLang="en-US"/>
+          </a:p>
+        </p:txBody>
+      </p:sp>
+    </p:spTree>
+    <p:extLst>
+      <p:ext uri="{BB962C8B-B14F-4D97-AF65-F5344CB8AC3E}">
+        <p14:creationId xmlns:p14="http://schemas.microsoft.com/office/powerpoint/2010/main" val="1746403204"/>
+      </p:ext>
+    </p:extLst>
+  </p:cSld>
+  <p:clrMapOvr>
+    <a:masterClrMapping/>
+  </p:clrMapOvr>
+</p:sld>
+</file>
+
+<file path=ppt/slides/slide6.xml><?xml version="1.0" encoding="utf-8"?>
+<p:sld xmlns:a="http://schemas.openxmlformats.org/drawingml/2006/main" xmlns:r="http://schemas.openxmlformats.org/officeDocument/2006/relationships" xmlns:p="http://schemas.openxmlformats.org/presentationml/2006/main">
+  <p:cSld>
+    <p:spTree>
+      <p:nvGrpSpPr>
+        <p:cNvPr id="1" name="">
+          <a:extLst>
+            <a:ext uri="{FF2B5EF4-FFF2-40B4-BE49-F238E27FC236}">
+              <a16:creationId xmlns:a16="http://schemas.microsoft.com/office/drawing/2014/main" id="{37957906-8F33-5079-1EBF-ADF8A45BE782}"/>
+            </a:ext>
+          </a:extLst>
+        </p:cNvPr>
+        <p:cNvGrpSpPr/>
+        <p:nvPr/>
+      </p:nvGrpSpPr>
+      <p:grpSpPr>
+        <a:xfrm>
+          <a:off x="0" y="0"/>
+          <a:ext cx="0" cy="0"/>
+          <a:chOff x="0" y="0"/>
+          <a:chExt cx="0" cy="0"/>
+        </a:xfrm>
+      </p:grpSpPr>
+      <p:sp>
+        <p:nvSpPr>
+          <p:cNvPr id="2" name="タイトル 1">
+            <a:extLst>
+              <a:ext uri="{FF2B5EF4-FFF2-40B4-BE49-F238E27FC236}">
+                <a16:creationId xmlns:a16="http://schemas.microsoft.com/office/drawing/2014/main" id="{824767AE-9FA1-3299-D890-C0DF89F76D2A}"/>
+              </a:ext>
+            </a:extLst>
+          </p:cNvPr>
+          <p:cNvSpPr>
+            <a:spLocks noGrp="1"/>
+          </p:cNvSpPr>
+          <p:nvPr>
+            <p:ph type="title"/>
+          </p:nvPr>
+        </p:nvSpPr>
+        <p:spPr/>
+        <p:txBody>
+          <a:bodyPr/>
+          <a:lstStyle/>
+          <a:p>
+            <a:r>
+              <a:rPr kumimoji="1" lang="ja-JP" altLang="en-US" dirty="0"/>
+              <a:t>書籍管理システム（追加提案</a:t>
+            </a:r>
+            <a:r>
+              <a:rPr lang="ja-JP" altLang="en-US" dirty="0"/>
+              <a:t>）</a:t>
+            </a:r>
+            <a:endParaRPr kumimoji="1" lang="ja-JP" altLang="en-US" dirty="0"/>
+          </a:p>
+        </p:txBody>
+      </p:sp>
+      <p:sp>
+        <p:nvSpPr>
+          <p:cNvPr id="3" name="コンテンツ プレースホルダー 2">
+            <a:extLst>
+              <a:ext uri="{FF2B5EF4-FFF2-40B4-BE49-F238E27FC236}">
+                <a16:creationId xmlns:a16="http://schemas.microsoft.com/office/drawing/2014/main" id="{01688DD0-8F6B-1FA2-A607-CF43B79683B5}"/>
+              </a:ext>
+            </a:extLst>
+          </p:cNvPr>
+          <p:cNvSpPr>
+            <a:spLocks noGrp="1"/>
+          </p:cNvSpPr>
+          <p:nvPr>
+            <p:ph idx="1"/>
+          </p:nvPr>
+        </p:nvSpPr>
+        <p:spPr/>
+        <p:txBody>
+          <a:bodyPr/>
+          <a:lstStyle/>
+          <a:p>
+            <a:pPr marL="0" indent="0">
+              <a:buNone/>
+            </a:pPr>
+            <a:r>
+              <a:rPr lang="ja-JP" altLang="en-US" dirty="0"/>
+              <a:t>全ての社員が共通して行える処理</a:t>
+            </a:r>
+            <a:br>
+              <a:rPr lang="en-US" altLang="ja-JP" dirty="0"/>
+            </a:br>
+            <a:r>
+              <a:rPr kumimoji="1" lang="ja-JP" altLang="en-US" dirty="0"/>
+              <a:t>　</a:t>
+            </a:r>
+            <a:r>
+              <a:rPr lang="ja-JP" altLang="en-US" dirty="0"/>
+              <a:t>書籍の在庫数の表示</a:t>
+            </a:r>
+            <a:br>
+              <a:rPr lang="en-US" altLang="ja-JP" dirty="0"/>
+            </a:br>
+            <a:r>
+              <a:rPr lang="ja-JP" altLang="en-US" dirty="0"/>
+              <a:t>　書籍の検索機能</a:t>
+            </a:r>
+            <a:br>
+              <a:rPr lang="en-US" altLang="ja-JP" dirty="0"/>
+            </a:br>
+            <a:r>
+              <a:rPr lang="ja-JP" altLang="en-US" dirty="0">
+                <a:solidFill>
+                  <a:srgbClr val="FF0000"/>
+                </a:solidFill>
+              </a:rPr>
+              <a:t>　書籍画面から</a:t>
+            </a:r>
+            <a:r>
+              <a:rPr lang="en-US" altLang="ja-JP" dirty="0">
+                <a:solidFill>
+                  <a:srgbClr val="FF0000"/>
+                </a:solidFill>
+              </a:rPr>
+              <a:t>Amazon</a:t>
+            </a:r>
+            <a:r>
+              <a:rPr lang="ja-JP" altLang="en-US" dirty="0">
+                <a:solidFill>
+                  <a:srgbClr val="FF0000"/>
+                </a:solidFill>
+              </a:rPr>
+              <a:t>へのリンク作成</a:t>
+            </a:r>
+            <a:endParaRPr lang="en-US" altLang="ja-JP" dirty="0">
+              <a:solidFill>
+                <a:srgbClr val="FF0000"/>
+              </a:solidFill>
+            </a:endParaRPr>
+          </a:p>
+          <a:p>
+            <a:pPr marL="0" indent="0">
+              <a:buNone/>
+            </a:pPr>
+            <a:r>
+              <a:rPr lang="ja-JP" altLang="en-US" dirty="0"/>
+              <a:t>総務部の社員のみが出来る処理</a:t>
+            </a:r>
+            <a:br>
+              <a:rPr lang="en-US" altLang="ja-JP" dirty="0"/>
+            </a:br>
+            <a:r>
+              <a:rPr lang="ja-JP" altLang="en-US" dirty="0"/>
+              <a:t>　書籍の削除</a:t>
+            </a:r>
+            <a:br>
+              <a:rPr lang="en-US" altLang="ja-JP" dirty="0"/>
+            </a:br>
+            <a:r>
+              <a:rPr lang="ja-JP" altLang="en-US" dirty="0"/>
+              <a:t>　バーコードリーダーによる書籍追加・削除</a:t>
+            </a:r>
+            <a:endParaRPr lang="en-US" altLang="ja-JP" dirty="0"/>
+          </a:p>
+          <a:p>
+            <a:pPr marL="0" indent="0">
+              <a:buNone/>
+            </a:pPr>
+            <a:r>
+              <a:rPr lang="ja-JP" altLang="en-US" dirty="0"/>
+              <a:t>その他</a:t>
+            </a:r>
+            <a:br>
+              <a:rPr lang="en-US" altLang="ja-JP" dirty="0"/>
+            </a:br>
+            <a:r>
+              <a:rPr lang="ja-JP" altLang="en-US" dirty="0"/>
+              <a:t>　ページ全体をデコレート（装飾）</a:t>
+            </a:r>
+            <a:endParaRPr lang="en-US" altLang="ja-JP" dirty="0"/>
+          </a:p>
+        </p:txBody>
+      </p:sp>
+      <p:pic>
+        <p:nvPicPr>
+          <p:cNvPr id="2050" name="Picture 2" descr="本棚から本を出す男の子のイラスト">
+            <a:extLst>
+              <a:ext uri="{FF2B5EF4-FFF2-40B4-BE49-F238E27FC236}">
+                <a16:creationId xmlns:a16="http://schemas.microsoft.com/office/drawing/2014/main" id="{90053FFF-D3C3-1172-3E6B-09F357995043}"/>
+              </a:ext>
+            </a:extLst>
+          </p:cNvPr>
+          <p:cNvPicPr>
+            <a:picLocks noChangeAspect="1" noChangeArrowheads="1"/>
+          </p:cNvPicPr>
+          <p:nvPr/>
+        </p:nvPicPr>
+        <p:blipFill>
+          <a:blip r:embed="rId2">
+            <a:extLst>
+              <a:ext uri="{28A0092B-C50C-407E-A947-70E740481C1C}">
+                <a14:useLocalDpi xmlns:a14="http://schemas.microsoft.com/office/drawing/2010/main" val="0"/>
+              </a:ext>
+            </a:extLst>
+          </a:blip>
+          <a:srcRect/>
+          <a:stretch>
+            <a:fillRect/>
+          </a:stretch>
+        </p:blipFill>
+        <p:spPr bwMode="auto">
+          <a:xfrm>
+            <a:off x="7566212" y="3331669"/>
+            <a:ext cx="3167333" cy="2644723"/>
+          </a:xfrm>
+          <a:prstGeom prst="rect">
+            <a:avLst/>
+          </a:prstGeom>
+          <a:noFill/>
+          <a:extLst>
+            <a:ext uri="{909E8E84-426E-40DD-AFC4-6F175D3DCCD1}">
+              <a14:hiddenFill xmlns:a14="http://schemas.microsoft.com/office/drawing/2010/main">
+                <a:solidFill>
+                  <a:srgbClr val="FFFFFF"/>
+                </a:solidFill>
+              </a14:hiddenFill>
+            </a:ext>
+          </a:extLst>
+        </p:spPr>
+      </p:pic>
+      <p:sp>
+        <p:nvSpPr>
+          <p:cNvPr id="4" name="スライド番号プレースホルダー 3">
+            <a:extLst>
+              <a:ext uri="{FF2B5EF4-FFF2-40B4-BE49-F238E27FC236}">
+                <a16:creationId xmlns:a16="http://schemas.microsoft.com/office/drawing/2014/main" id="{FD39A8F2-199A-05ED-47D0-E73F8A913A11}"/>
+              </a:ext>
+            </a:extLst>
+          </p:cNvPr>
+          <p:cNvSpPr>
+            <a:spLocks noGrp="1"/>
+          </p:cNvSpPr>
+          <p:nvPr>
+            <p:ph type="sldNum" sz="quarter" idx="12"/>
+          </p:nvPr>
+        </p:nvSpPr>
+        <p:spPr/>
+        <p:txBody>
+          <a:bodyPr/>
+          <a:lstStyle/>
+          <a:p>
+            <a:fld id="{F0E75ABD-E329-4735-B6E0-3752012DC264}" type="slidenum">
+              <a:rPr kumimoji="1" lang="ja-JP" altLang="en-US" smtClean="0"/>
+              <a:t>6</a:t>
+            </a:fld>
+            <a:endParaRPr kumimoji="1" lang="ja-JP" altLang="en-US"/>
+          </a:p>
+        </p:txBody>
+      </p:sp>
+    </p:spTree>
+    <p:extLst>
+      <p:ext uri="{BB962C8B-B14F-4D97-AF65-F5344CB8AC3E}">
+        <p14:creationId xmlns:p14="http://schemas.microsoft.com/office/powerpoint/2010/main" val="1561933555"/>
+      </p:ext>
+    </p:extLst>
+  </p:cSld>
+  <p:clrMapOvr>
+    <a:masterClrMapping/>
+  </p:clrMapOvr>
+</p:sld>
+</file>
+
+<file path=ppt/slides/slide7.xml><?xml version="1.0" encoding="utf-8"?>
+<p:sld xmlns:a="http://schemas.openxmlformats.org/drawingml/2006/main" xmlns:r="http://schemas.openxmlformats.org/officeDocument/2006/relationships" xmlns:p="http://schemas.openxmlformats.org/presentationml/2006/main">
+  <p:cSld>
+    <p:spTree>
+      <p:nvGrpSpPr>
+        <p:cNvPr id="1" name=""/>
+        <p:cNvGrpSpPr/>
+        <p:nvPr/>
+      </p:nvGrpSpPr>
+      <p:grpSpPr>
+        <a:xfrm>
+          <a:off x="0" y="0"/>
+          <a:ext cx="0" cy="0"/>
+          <a:chOff x="0" y="0"/>
+          <a:chExt cx="0" cy="0"/>
+        </a:xfrm>
+      </p:grpSpPr>
+      <p:sp>
+        <p:nvSpPr>
+          <p:cNvPr id="2" name="タイトル 1">
+            <a:extLst>
+              <a:ext uri="{FF2B5EF4-FFF2-40B4-BE49-F238E27FC236}">
+                <a16:creationId xmlns:a16="http://schemas.microsoft.com/office/drawing/2014/main" id="{2BE1984D-E616-2777-F009-5C40EC60822A}"/>
+              </a:ext>
+            </a:extLst>
+          </p:cNvPr>
+          <p:cNvSpPr>
+            <a:spLocks noGrp="1"/>
+          </p:cNvSpPr>
+          <p:nvPr>
+            <p:ph type="title"/>
+          </p:nvPr>
+        </p:nvSpPr>
+        <p:spPr/>
+        <p:txBody>
+          <a:bodyPr/>
+          <a:lstStyle/>
+          <a:p>
+            <a:r>
+              <a:rPr kumimoji="1" lang="ja-JP" altLang="en-US" dirty="0"/>
+              <a:t>画面遷移図</a:t>
+            </a:r>
+          </a:p>
+        </p:txBody>
+      </p:sp>
+      <p:sp>
+        <p:nvSpPr>
+          <p:cNvPr id="3" name="コンテンツ プレースホルダー 2">
+            <a:extLst>
+              <a:ext uri="{FF2B5EF4-FFF2-40B4-BE49-F238E27FC236}">
+                <a16:creationId xmlns:a16="http://schemas.microsoft.com/office/drawing/2014/main" id="{5EE670B5-1C6D-4322-0169-81B334AD6635}"/>
+              </a:ext>
+            </a:extLst>
+          </p:cNvPr>
+          <p:cNvSpPr>
+            <a:spLocks noGrp="1"/>
+          </p:cNvSpPr>
+          <p:nvPr>
+            <p:ph idx="1"/>
+          </p:nvPr>
+        </p:nvSpPr>
+        <p:spPr/>
+        <p:txBody>
+          <a:bodyPr/>
+          <a:lstStyle/>
+          <a:p>
+            <a:r>
+              <a:rPr lang="en-US" altLang="ja-JP" dirty="0"/>
+              <a:t>Miro</a:t>
+            </a:r>
+            <a:r>
+              <a:rPr lang="ja-JP" altLang="en-US" dirty="0"/>
+              <a:t>で全体像を張っといて、実際に</a:t>
+            </a:r>
+            <a:r>
+              <a:rPr lang="en-US" altLang="ja-JP" dirty="0" err="1"/>
+              <a:t>miro</a:t>
+            </a:r>
+            <a:r>
+              <a:rPr lang="ja-JP" altLang="en-US"/>
+              <a:t>を動かして説明</a:t>
+            </a:r>
+            <a:endParaRPr kumimoji="1" lang="ja-JP" altLang="en-US"/>
+          </a:p>
+        </p:txBody>
+      </p:sp>
+      <p:sp>
+        <p:nvSpPr>
+          <p:cNvPr id="4" name="スライド番号プレースホルダー 3">
+            <a:extLst>
+              <a:ext uri="{FF2B5EF4-FFF2-40B4-BE49-F238E27FC236}">
+                <a16:creationId xmlns:a16="http://schemas.microsoft.com/office/drawing/2014/main" id="{21677FA8-5DAA-CD2A-77A2-F3F8D5616D96}"/>
+              </a:ext>
+            </a:extLst>
+          </p:cNvPr>
+          <p:cNvSpPr>
+            <a:spLocks noGrp="1"/>
+          </p:cNvSpPr>
+          <p:nvPr>
+            <p:ph type="sldNum" sz="quarter" idx="12"/>
+          </p:nvPr>
+        </p:nvSpPr>
+        <p:spPr/>
+        <p:txBody>
+          <a:bodyPr/>
+          <a:lstStyle/>
+          <a:p>
+            <a:fld id="{F0E75ABD-E329-4735-B6E0-3752012DC264}" type="slidenum">
+              <a:rPr kumimoji="1" lang="ja-JP" altLang="en-US" smtClean="0"/>
+              <a:t>7</a:t>
+            </a:fld>
+            <a:endParaRPr kumimoji="1" lang="ja-JP" altLang="en-US"/>
+          </a:p>
+        </p:txBody>
+      </p:sp>
+    </p:spTree>
+    <p:extLst>
+      <p:ext uri="{BB962C8B-B14F-4D97-AF65-F5344CB8AC3E}">
+        <p14:creationId xmlns:p14="http://schemas.microsoft.com/office/powerpoint/2010/main" val="3279235712"/>
+      </p:ext>
+    </p:extLst>
+  </p:cSld>
+  <p:clrMapOvr>
+    <a:masterClrMapping/>
+  </p:clrMapOvr>
+</p:sld>
+</file>
+
+<file path=ppt/slides/slide8.xml><?xml version="1.0" encoding="utf-8"?>
+<p:sld xmlns:a="http://schemas.openxmlformats.org/drawingml/2006/main" xmlns:r="http://schemas.openxmlformats.org/officeDocument/2006/relationships" xmlns:p="http://schemas.openxmlformats.org/presentationml/2006/main">
+  <p:cSld>
+    <p:spTree>
+      <p:nvGrpSpPr>
+        <p:cNvPr id="1" name=""/>
+        <p:cNvGrpSpPr/>
+        <p:nvPr/>
+      </p:nvGrpSpPr>
+      <p:grpSpPr>
+        <a:xfrm>
+          <a:off x="0" y="0"/>
+          <a:ext cx="0" cy="0"/>
+          <a:chOff x="0" y="0"/>
+          <a:chExt cx="0" cy="0"/>
+        </a:xfrm>
+      </p:grpSpPr>
+      <p:sp>
+        <p:nvSpPr>
+          <p:cNvPr id="2" name="タイトル 1">
+            <a:extLst>
+              <a:ext uri="{FF2B5EF4-FFF2-40B4-BE49-F238E27FC236}">
+                <a16:creationId xmlns:a16="http://schemas.microsoft.com/office/drawing/2014/main" id="{7095A7E1-4C09-4A38-B266-06E92406B055}"/>
+              </a:ext>
+            </a:extLst>
+          </p:cNvPr>
+          <p:cNvSpPr>
+            <a:spLocks noGrp="1"/>
+          </p:cNvSpPr>
+          <p:nvPr>
+            <p:ph type="title"/>
+          </p:nvPr>
+        </p:nvSpPr>
+        <p:spPr/>
+        <p:txBody>
+          <a:bodyPr/>
+          <a:lstStyle/>
+          <a:p>
+            <a:r>
+              <a:rPr kumimoji="1" lang="ja-JP" altLang="en-US" dirty="0"/>
+              <a:t>データベース</a:t>
+            </a:r>
+          </a:p>
+        </p:txBody>
+      </p:sp>
+      <p:sp>
+        <p:nvSpPr>
+          <p:cNvPr id="3" name="コンテンツ プレースホルダー 2">
+            <a:extLst>
+              <a:ext uri="{FF2B5EF4-FFF2-40B4-BE49-F238E27FC236}">
+                <a16:creationId xmlns:a16="http://schemas.microsoft.com/office/drawing/2014/main" id="{5CBE1F35-2919-4E15-9784-F4DD474813BA}"/>
+              </a:ext>
+            </a:extLst>
+          </p:cNvPr>
+          <p:cNvSpPr>
+            <a:spLocks noGrp="1"/>
+          </p:cNvSpPr>
+          <p:nvPr>
+            <p:ph idx="1"/>
+          </p:nvPr>
+        </p:nvSpPr>
+        <p:spPr/>
+        <p:txBody>
+          <a:bodyPr/>
+          <a:lstStyle/>
+          <a:p>
+            <a:r>
+              <a:rPr kumimoji="1" lang="en-US" altLang="ja-JP" dirty="0"/>
+              <a:t>MySQL</a:t>
+            </a:r>
+            <a:r>
+              <a:rPr kumimoji="1" lang="ja-JP" altLang="en-US" dirty="0"/>
+              <a:t>を利用する（</a:t>
+            </a:r>
+            <a:r>
+              <a:rPr kumimoji="1" lang="en-US" altLang="ja-JP" dirty="0"/>
+              <a:t>XAMPP</a:t>
+            </a:r>
+            <a:r>
+              <a:rPr kumimoji="1" lang="ja-JP" altLang="en-US" dirty="0"/>
+              <a:t>）</a:t>
+            </a:r>
+          </a:p>
+        </p:txBody>
+      </p:sp>
+      <p:pic>
+        <p:nvPicPr>
+          <p:cNvPr id="7" name="図 6">
+            <a:extLst>
+              <a:ext uri="{FF2B5EF4-FFF2-40B4-BE49-F238E27FC236}">
+                <a16:creationId xmlns:a16="http://schemas.microsoft.com/office/drawing/2014/main" id="{211829F7-E3E3-47C2-9559-A9AFB31F6424}"/>
+              </a:ext>
+            </a:extLst>
+          </p:cNvPr>
+          <p:cNvPicPr>
+            <a:picLocks noChangeAspect="1"/>
+          </p:cNvPicPr>
+          <p:nvPr/>
+        </p:nvPicPr>
+        <p:blipFill>
+          <a:blip r:embed="rId2">
+            <a:extLst>
+              <a:ext uri="{28A0092B-C50C-407E-A947-70E740481C1C}">
+                <a14:useLocalDpi xmlns:a14="http://schemas.microsoft.com/office/drawing/2010/main" val="0"/>
+              </a:ext>
+            </a:extLst>
+          </a:blip>
+          <a:stretch>
+            <a:fillRect/>
+          </a:stretch>
+        </p:blipFill>
+        <p:spPr>
+          <a:xfrm>
+            <a:off x="1228252" y="2204418"/>
+            <a:ext cx="9735496" cy="3638156"/>
+          </a:xfrm>
+          <a:prstGeom prst="rect">
+            <a:avLst/>
+          </a:prstGeom>
+        </p:spPr>
+      </p:pic>
+      <p:sp>
+        <p:nvSpPr>
+          <p:cNvPr id="8" name="スライド番号プレースホルダー 7">
+            <a:extLst>
+              <a:ext uri="{FF2B5EF4-FFF2-40B4-BE49-F238E27FC236}">
+                <a16:creationId xmlns:a16="http://schemas.microsoft.com/office/drawing/2014/main" id="{5EE035A8-EB43-4536-91AA-B8E57AA3DDCE}"/>
+              </a:ext>
+            </a:extLst>
+          </p:cNvPr>
+          <p:cNvSpPr>
+            <a:spLocks noGrp="1"/>
+          </p:cNvSpPr>
+          <p:nvPr>
+            <p:ph type="sldNum" sz="quarter" idx="12"/>
+          </p:nvPr>
+        </p:nvSpPr>
+        <p:spPr/>
+        <p:txBody>
+          <a:bodyPr/>
+          <a:lstStyle/>
+          <a:p>
+            <a:fld id="{F0E75ABD-E329-4735-B6E0-3752012DC264}" type="slidenum">
+              <a:rPr kumimoji="1" lang="ja-JP" altLang="en-US" smtClean="0"/>
+              <a:t>8</a:t>
+            </a:fld>
+            <a:endParaRPr kumimoji="1" lang="ja-JP" altLang="en-US"/>
+          </a:p>
+        </p:txBody>
+      </p:sp>
+    </p:spTree>
+    <p:extLst>
+      <p:ext uri="{BB962C8B-B14F-4D97-AF65-F5344CB8AC3E}">
+        <p14:creationId xmlns:p14="http://schemas.microsoft.com/office/powerpoint/2010/main" val="1591239575"/>
+      </p:ext>
+    </p:extLst>
+  </p:cSld>
+  <p:clrMapOvr>
+    <a:masterClrMapping/>
+  </p:clrMapOvr>
+</p:sld>
+</file>
+
+<file path=ppt/slides/slide9.xml><?xml version="1.0" encoding="utf-8"?>
+<p:sld xmlns:a="http://schemas.openxmlformats.org/drawingml/2006/main" xmlns:r="http://schemas.openxmlformats.org/officeDocument/2006/relationships" xmlns:p="http://schemas.openxmlformats.org/presentationml/2006/main">
+  <p:cSld>
+    <p:spTree>
+      <p:nvGrpSpPr>
+        <p:cNvPr id="1" name=""/>
+        <p:cNvGrpSpPr/>
+        <p:nvPr/>
+      </p:nvGrpSpPr>
+      <p:grpSpPr>
+        <a:xfrm>
+          <a:off x="0" y="0"/>
+          <a:ext cx="0" cy="0"/>
+          <a:chOff x="0" y="0"/>
+          <a:chExt cx="0" cy="0"/>
+        </a:xfrm>
+      </p:grpSpPr>
+      <p:sp>
+        <p:nvSpPr>
+          <p:cNvPr id="2" name="タイトル 1">
+            <a:extLst>
+              <a:ext uri="{FF2B5EF4-FFF2-40B4-BE49-F238E27FC236}">
+                <a16:creationId xmlns:a16="http://schemas.microsoft.com/office/drawing/2014/main" id="{44992F5C-D357-4F89-8DFE-4E93EFAD8DE5}"/>
+              </a:ext>
+            </a:extLst>
+          </p:cNvPr>
+          <p:cNvSpPr>
+            <a:spLocks noGrp="1"/>
+          </p:cNvSpPr>
+          <p:nvPr>
+            <p:ph type="title"/>
+          </p:nvPr>
+        </p:nvSpPr>
+        <p:spPr/>
+        <p:txBody>
+          <a:bodyPr/>
+          <a:lstStyle/>
+          <a:p>
+            <a:r>
+              <a:rPr kumimoji="1" lang="ja-JP" altLang="en-US" dirty="0"/>
+              <a:t>画面構成</a:t>
+            </a:r>
+          </a:p>
+        </p:txBody>
+      </p:sp>
+      <p:sp>
+        <p:nvSpPr>
+          <p:cNvPr id="3" name="コンテンツ プレースホルダー 2">
+            <a:extLst>
+              <a:ext uri="{FF2B5EF4-FFF2-40B4-BE49-F238E27FC236}">
+                <a16:creationId xmlns:a16="http://schemas.microsoft.com/office/drawing/2014/main" id="{EFFD3932-F7D8-4F6A-B998-BF168415ECC5}"/>
+              </a:ext>
+            </a:extLst>
+          </p:cNvPr>
+          <p:cNvSpPr>
+            <a:spLocks noGrp="1"/>
+          </p:cNvSpPr>
+          <p:nvPr>
+            <p:ph idx="1"/>
+          </p:nvPr>
+        </p:nvSpPr>
+        <p:spPr/>
+        <p:txBody>
+          <a:bodyPr/>
+          <a:lstStyle/>
+          <a:p>
+            <a:r>
+              <a:rPr kumimoji="1" lang="ja-JP" altLang="en-US" dirty="0"/>
+              <a:t>ここに遷移図の完成形を入れる</a:t>
+            </a:r>
+          </a:p>
+        </p:txBody>
+      </p:sp>
+      <p:sp>
+        <p:nvSpPr>
+          <p:cNvPr id="4" name="スライド番号プレースホルダー 3">
+            <a:extLst>
+              <a:ext uri="{FF2B5EF4-FFF2-40B4-BE49-F238E27FC236}">
+                <a16:creationId xmlns:a16="http://schemas.microsoft.com/office/drawing/2014/main" id="{63CD5CC6-930B-4059-B0C7-08ECDDBA9226}"/>
+              </a:ext>
+            </a:extLst>
+          </p:cNvPr>
+          <p:cNvSpPr>
+            <a:spLocks noGrp="1"/>
+          </p:cNvSpPr>
+          <p:nvPr>
+            <p:ph type="sldNum" sz="quarter" idx="12"/>
+          </p:nvPr>
+        </p:nvSpPr>
+        <p:spPr/>
+        <p:txBody>
+          <a:bodyPr/>
+          <a:lstStyle/>
+          <a:p>
+            <a:fld id="{F0E75ABD-E329-4735-B6E0-3752012DC264}" type="slidenum">
+              <a:rPr kumimoji="1" lang="ja-JP" altLang="en-US" smtClean="0"/>
+              <a:t>9</a:t>
+            </a:fld>
+            <a:endParaRPr kumimoji="1" lang="ja-JP" altLang="en-US"/>
+          </a:p>
+        </p:txBody>
+      </p:sp>
+    </p:spTree>
+    <p:extLst>
+      <p:ext uri="{BB962C8B-B14F-4D97-AF65-F5344CB8AC3E}">
+        <p14:creationId xmlns:p14="http://schemas.microsoft.com/office/powerpoint/2010/main" val="4145206676"/>
+      </p:ext>
+    </p:extLst>
+  </p:cSld>
+  <p:clrMapOvr>
+    <a:masterClrMapping/>
+  </p:clrMapOvr>
+</p:sld>
+</file>
+
 <file path=ppt/theme/theme1.xml><?xml version="1.0" encoding="utf-8"?>
 <a:theme xmlns:a="http://schemas.openxmlformats.org/drawingml/2006/main" name="ギャラリー">
   <a:themeElements>

--- a/00_参照ファイル/10_管理/書籍管理システム.pptx
+++ b/00_参照ファイル/10_管理/書籍管理システム.pptx
@@ -5,7 +5,7 @@
     <p:sldMasterId id="2147483774" r:id="rId1"/>
   </p:sldMasterIdLst>
   <p:notesMasterIdLst>
-    <p:notesMasterId r:id="rId16"/>
+    <p:notesMasterId r:id="rId20"/>
   </p:notesMasterIdLst>
   <p:sldIdLst>
     <p:sldId id="262" r:id="rId2"/>
@@ -16,12 +16,16 @@
     <p:sldId id="268" r:id="rId7"/>
     <p:sldId id="269" r:id="rId8"/>
     <p:sldId id="260" r:id="rId9"/>
-    <p:sldId id="261" r:id="rId10"/>
+    <p:sldId id="270" r:id="rId10"/>
     <p:sldId id="256" r:id="rId11"/>
     <p:sldId id="263" r:id="rId12"/>
     <p:sldId id="265" r:id="rId13"/>
     <p:sldId id="266" r:id="rId14"/>
-    <p:sldId id="264" r:id="rId15"/>
+    <p:sldId id="274" r:id="rId15"/>
+    <p:sldId id="264" r:id="rId16"/>
+    <p:sldId id="271" r:id="rId17"/>
+    <p:sldId id="272" r:id="rId18"/>
+    <p:sldId id="273" r:id="rId19"/>
   </p:sldIdLst>
   <p:sldSz cx="12192000" cy="6858000"/>
   <p:notesSz cx="6858000" cy="9144000"/>
@@ -584,6 +588,90 @@
     <p:extLst>
       <p:ext uri="{BB962C8B-B14F-4D97-AF65-F5344CB8AC3E}">
         <p14:creationId xmlns:p14="http://schemas.microsoft.com/office/powerpoint/2010/main" val="365487587"/>
+      </p:ext>
+    </p:extLst>
+  </p:cSld>
+  <p:clrMapOvr>
+    <a:masterClrMapping/>
+  </p:clrMapOvr>
+</p:notes>
+</file>
+
+<file path=ppt/notesSlides/notesSlide2.xml><?xml version="1.0" encoding="utf-8"?>
+<p:notes xmlns:a="http://schemas.openxmlformats.org/drawingml/2006/main" xmlns:r="http://schemas.openxmlformats.org/officeDocument/2006/relationships" xmlns:p="http://schemas.openxmlformats.org/presentationml/2006/main">
+  <p:cSld>
+    <p:spTree>
+      <p:nvGrpSpPr>
+        <p:cNvPr id="1" name=""/>
+        <p:cNvGrpSpPr/>
+        <p:nvPr/>
+      </p:nvGrpSpPr>
+      <p:grpSpPr>
+        <a:xfrm>
+          <a:off x="0" y="0"/>
+          <a:ext cx="0" cy="0"/>
+          <a:chOff x="0" y="0"/>
+          <a:chExt cx="0" cy="0"/>
+        </a:xfrm>
+      </p:grpSpPr>
+      <p:sp>
+        <p:nvSpPr>
+          <p:cNvPr id="2" name="スライド イメージ プレースホルダー 1"/>
+          <p:cNvSpPr>
+            <a:spLocks noGrp="1" noRot="1" noChangeAspect="1"/>
+          </p:cNvSpPr>
+          <p:nvPr>
+            <p:ph type="sldImg"/>
+          </p:nvPr>
+        </p:nvSpPr>
+        <p:spPr/>
+      </p:sp>
+      <p:sp>
+        <p:nvSpPr>
+          <p:cNvPr id="3" name="ノート プレースホルダー 2"/>
+          <p:cNvSpPr>
+            <a:spLocks noGrp="1"/>
+          </p:cNvSpPr>
+          <p:nvPr>
+            <p:ph type="body" idx="1"/>
+          </p:nvPr>
+        </p:nvSpPr>
+        <p:spPr/>
+        <p:txBody>
+          <a:bodyPr/>
+          <a:lstStyle/>
+          <a:p>
+            <a:endParaRPr kumimoji="1" lang="ja-JP" altLang="en-US" dirty="0"/>
+          </a:p>
+        </p:txBody>
+      </p:sp>
+      <p:sp>
+        <p:nvSpPr>
+          <p:cNvPr id="4" name="スライド番号プレースホルダー 3"/>
+          <p:cNvSpPr>
+            <a:spLocks noGrp="1"/>
+          </p:cNvSpPr>
+          <p:nvPr>
+            <p:ph type="sldNum" sz="quarter" idx="5"/>
+          </p:nvPr>
+        </p:nvSpPr>
+        <p:spPr/>
+        <p:txBody>
+          <a:bodyPr/>
+          <a:lstStyle/>
+          <a:p>
+            <a:fld id="{04D9CD55-CB3B-4436-8FDC-D24C783909B0}" type="slidenum">
+              <a:rPr kumimoji="1" lang="ja-JP" altLang="en-US" smtClean="0"/>
+              <a:t>18</a:t>
+            </a:fld>
+            <a:endParaRPr kumimoji="1" lang="ja-JP" altLang="en-US"/>
+          </a:p>
+        </p:txBody>
+      </p:sp>
+    </p:spTree>
+    <p:extLst>
+      <p:ext uri="{BB962C8B-B14F-4D97-AF65-F5344CB8AC3E}">
+        <p14:creationId xmlns:p14="http://schemas.microsoft.com/office/powerpoint/2010/main" val="2179561203"/>
       </p:ext>
     </p:extLst>
   </p:cSld>
@@ -7848,7 +7936,7 @@
         </p:blipFill>
         <p:spPr>
           <a:xfrm>
-            <a:off x="4691201" y="1579419"/>
+            <a:off x="2895180" y="1579419"/>
             <a:ext cx="6073454" cy="4493536"/>
           </a:xfrm>
           <a:prstGeom prst="rect">
@@ -7886,6 +7974,202 @@
           <a:chExt cx="0" cy="0"/>
         </a:xfrm>
       </p:grpSpPr>
+      <p:sp>
+        <p:nvSpPr>
+          <p:cNvPr id="2" name="タイトル 1">
+            <a:extLst>
+              <a:ext uri="{FF2B5EF4-FFF2-40B4-BE49-F238E27FC236}">
+                <a16:creationId xmlns:a16="http://schemas.microsoft.com/office/drawing/2014/main" id="{EAF8A655-5C86-D645-4B2E-2ACA172F80E1}"/>
+              </a:ext>
+            </a:extLst>
+          </p:cNvPr>
+          <p:cNvSpPr>
+            <a:spLocks noGrp="1"/>
+          </p:cNvSpPr>
+          <p:nvPr>
+            <p:ph type="title"/>
+          </p:nvPr>
+        </p:nvSpPr>
+        <p:spPr/>
+        <p:txBody>
+          <a:bodyPr/>
+          <a:lstStyle/>
+          <a:p>
+            <a:r>
+              <a:rPr kumimoji="1" lang="en-US" altLang="ja-JP" dirty="0"/>
+              <a:t>Laravel</a:t>
+            </a:r>
+            <a:r>
+              <a:rPr kumimoji="1" lang="ja-JP" altLang="en-US" dirty="0"/>
+              <a:t>とは？</a:t>
+            </a:r>
+          </a:p>
+        </p:txBody>
+      </p:sp>
+      <p:sp>
+        <p:nvSpPr>
+          <p:cNvPr id="3" name="コンテンツ プレースホルダー 2">
+            <a:extLst>
+              <a:ext uri="{FF2B5EF4-FFF2-40B4-BE49-F238E27FC236}">
+                <a16:creationId xmlns:a16="http://schemas.microsoft.com/office/drawing/2014/main" id="{3409343E-6B72-7FFD-A149-16204B5F6759}"/>
+              </a:ext>
+            </a:extLst>
+          </p:cNvPr>
+          <p:cNvSpPr>
+            <a:spLocks noGrp="1"/>
+          </p:cNvSpPr>
+          <p:nvPr>
+            <p:ph idx="1"/>
+          </p:nvPr>
+        </p:nvSpPr>
+        <p:spPr/>
+        <p:txBody>
+          <a:bodyPr/>
+          <a:lstStyle/>
+          <a:p>
+            <a:r>
+              <a:rPr kumimoji="1" lang="en-US" altLang="ja-JP" dirty="0"/>
+              <a:t>PHP</a:t>
+            </a:r>
+            <a:r>
+              <a:rPr kumimoji="1" lang="ja-JP" altLang="en-US" dirty="0"/>
+              <a:t>でよく使われる</a:t>
+            </a:r>
+            <a:r>
+              <a:rPr kumimoji="1" lang="en-US" altLang="ja-JP" dirty="0"/>
+              <a:t>Web</a:t>
+            </a:r>
+            <a:r>
+              <a:rPr kumimoji="1" lang="ja-JP" altLang="en-US" dirty="0"/>
+              <a:t>アプリケーション開発用の「フレームワーク」</a:t>
+            </a:r>
+            <a:endParaRPr kumimoji="1" lang="en-US" altLang="ja-JP" dirty="0"/>
+          </a:p>
+          <a:p>
+            <a:r>
+              <a:rPr lang="ja-JP" altLang="en-US" dirty="0"/>
+              <a:t>近年主流の「</a:t>
+            </a:r>
+            <a:r>
+              <a:rPr lang="en-US" altLang="ja-JP" dirty="0"/>
+              <a:t>MVC</a:t>
+            </a:r>
+            <a:r>
+              <a:rPr lang="ja-JP" altLang="en-US" dirty="0"/>
+              <a:t>モデル」に基づいている</a:t>
+            </a:r>
+            <a:endParaRPr lang="en-US" altLang="ja-JP" dirty="0"/>
+          </a:p>
+        </p:txBody>
+      </p:sp>
+      <p:sp>
+        <p:nvSpPr>
+          <p:cNvPr id="4" name="スライド番号プレースホルダー 3">
+            <a:extLst>
+              <a:ext uri="{FF2B5EF4-FFF2-40B4-BE49-F238E27FC236}">
+                <a16:creationId xmlns:a16="http://schemas.microsoft.com/office/drawing/2014/main" id="{0CAE0A95-D1CD-2B21-8754-C5EA70423041}"/>
+              </a:ext>
+            </a:extLst>
+          </p:cNvPr>
+          <p:cNvSpPr>
+            <a:spLocks noGrp="1"/>
+          </p:cNvSpPr>
+          <p:nvPr>
+            <p:ph type="sldNum" sz="quarter" idx="12"/>
+          </p:nvPr>
+        </p:nvSpPr>
+        <p:spPr/>
+        <p:txBody>
+          <a:bodyPr/>
+          <a:lstStyle/>
+          <a:p>
+            <a:fld id="{F0E75ABD-E329-4735-B6E0-3752012DC264}" type="slidenum">
+              <a:rPr kumimoji="1" lang="ja-JP" altLang="en-US" smtClean="0"/>
+              <a:t>14</a:t>
+            </a:fld>
+            <a:endParaRPr kumimoji="1" lang="ja-JP" altLang="en-US"/>
+          </a:p>
+        </p:txBody>
+      </p:sp>
+      <p:sp>
+        <p:nvSpPr>
+          <p:cNvPr id="5" name="テキスト ボックス 4">
+            <a:extLst>
+              <a:ext uri="{FF2B5EF4-FFF2-40B4-BE49-F238E27FC236}">
+                <a16:creationId xmlns:a16="http://schemas.microsoft.com/office/drawing/2014/main" id="{D0164298-6867-175D-F92E-372A42AD9D48}"/>
+              </a:ext>
+            </a:extLst>
+          </p:cNvPr>
+          <p:cNvSpPr txBox="1"/>
+          <p:nvPr/>
+        </p:nvSpPr>
+        <p:spPr>
+          <a:xfrm>
+            <a:off x="3908951" y="5655359"/>
+            <a:ext cx="8032968" cy="369332"/>
+          </a:xfrm>
+          <a:prstGeom prst="rect">
+            <a:avLst/>
+          </a:prstGeom>
+          <a:noFill/>
+        </p:spPr>
+        <p:txBody>
+          <a:bodyPr wrap="none" rtlCol="0">
+            <a:spAutoFit/>
+          </a:bodyPr>
+          <a:lstStyle/>
+          <a:p>
+            <a:r>
+              <a:rPr lang="en-US" altLang="ja-JP" dirty="0">
+                <a:latin typeface="HG丸ｺﾞｼｯｸM-PRO" panose="020F0600000000000000" pitchFamily="50" charset="-128"/>
+                <a:ea typeface="HG丸ｺﾞｼｯｸM-PRO" panose="020F0600000000000000" pitchFamily="50" charset="-128"/>
+              </a:rPr>
+              <a:t>※</a:t>
+            </a:r>
+            <a:r>
+              <a:rPr lang="ja-JP" altLang="en-US" dirty="0">
+                <a:latin typeface="HG丸ｺﾞｼｯｸM-PRO" panose="020F0600000000000000" pitchFamily="50" charset="-128"/>
+                <a:ea typeface="HG丸ｺﾞｼｯｸM-PRO" panose="020F0600000000000000" pitchFamily="50" charset="-128"/>
+              </a:rPr>
+              <a:t>「フレームワーク」とは、便利なメソッド（関数）等が詰まったお道具箱</a:t>
+            </a:r>
+            <a:endParaRPr lang="en-US" altLang="ja-JP" dirty="0">
+              <a:latin typeface="HG丸ｺﾞｼｯｸM-PRO" panose="020F0600000000000000" pitchFamily="50" charset="-128"/>
+              <a:ea typeface="HG丸ｺﾞｼｯｸM-PRO" panose="020F0600000000000000" pitchFamily="50" charset="-128"/>
+            </a:endParaRPr>
+          </a:p>
+        </p:txBody>
+      </p:sp>
+    </p:spTree>
+    <p:extLst>
+      <p:ext uri="{BB962C8B-B14F-4D97-AF65-F5344CB8AC3E}">
+        <p14:creationId xmlns:p14="http://schemas.microsoft.com/office/powerpoint/2010/main" val="2517475412"/>
+      </p:ext>
+    </p:extLst>
+  </p:cSld>
+  <p:clrMapOvr>
+    <a:masterClrMapping/>
+  </p:clrMapOvr>
+</p:sld>
+</file>
+
+<file path=ppt/slides/slide15.xml><?xml version="1.0" encoding="utf-8"?>
+<p:sld xmlns:a="http://schemas.openxmlformats.org/drawingml/2006/main" xmlns:r="http://schemas.openxmlformats.org/officeDocument/2006/relationships" xmlns:p="http://schemas.openxmlformats.org/presentationml/2006/main">
+  <p:cSld>
+    <p:spTree>
+      <p:nvGrpSpPr>
+        <p:cNvPr id="1" name=""/>
+        <p:cNvGrpSpPr/>
+        <p:nvPr/>
+      </p:nvGrpSpPr>
+      <p:grpSpPr>
+        <a:xfrm>
+          <a:off x="0" y="0"/>
+          <a:ext cx="0" cy="0"/>
+          <a:chOff x="0" y="0"/>
+          <a:chExt cx="0" cy="0"/>
+        </a:xfrm>
+      </p:grpSpPr>
       <p:pic>
         <p:nvPicPr>
           <p:cNvPr id="11" name="Picture 6" descr="image3_1MVC">
@@ -7925,7 +8209,7 @@
         </p:blipFill>
         <p:spPr bwMode="auto">
           <a:xfrm>
-            <a:off x="5443042" y="4061459"/>
+            <a:off x="4727990" y="4201166"/>
             <a:ext cx="2209801" cy="787401"/>
           </a:xfrm>
           <a:prstGeom prst="rect">
@@ -7957,7 +8241,7 @@
         </p:nvSpPr>
         <p:spPr>
           <a:xfrm>
-            <a:off x="3426465" y="2145145"/>
+            <a:off x="2711413" y="2284852"/>
             <a:ext cx="7058655" cy="2993390"/>
           </a:xfrm>
           <a:prstGeom prst="rect">
@@ -8053,7 +8337,7 @@
         </p:blipFill>
         <p:spPr bwMode="auto">
           <a:xfrm>
-            <a:off x="5443042" y="2262909"/>
+            <a:off x="4727990" y="2402616"/>
             <a:ext cx="2225040" cy="817880"/>
           </a:xfrm>
           <a:prstGeom prst="rect">
@@ -8126,7 +8410,7 @@
           <a:p>
             <a:fld id="{F0E75ABD-E329-4735-B6E0-3752012DC264}" type="slidenum">
               <a:rPr kumimoji="1" lang="ja-JP" altLang="en-US" smtClean="0"/>
-              <a:t>14</a:t>
+              <a:t>15</a:t>
             </a:fld>
             <a:endParaRPr kumimoji="1" lang="ja-JP" altLang="en-US"/>
           </a:p>
@@ -8171,7 +8455,7 @@
         </p:blipFill>
         <p:spPr bwMode="auto">
           <a:xfrm>
-            <a:off x="1807370" y="3596011"/>
+            <a:off x="1092318" y="3735718"/>
             <a:ext cx="1219200" cy="1055695"/>
           </a:xfrm>
           <a:prstGeom prst="rect">
@@ -8203,7 +8487,7 @@
         </p:nvSpPr>
         <p:spPr>
           <a:xfrm>
-            <a:off x="8728718" y="2500745"/>
+            <a:off x="8013666" y="2640452"/>
             <a:ext cx="873760" cy="396240"/>
           </a:xfrm>
           <a:prstGeom prst="roundRect">
@@ -8259,7 +8543,7 @@
         </p:nvSpPr>
         <p:spPr>
           <a:xfrm>
-            <a:off x="6184901" y="4257040"/>
+            <a:off x="5469849" y="4396747"/>
             <a:ext cx="670560" cy="396240"/>
           </a:xfrm>
           <a:prstGeom prst="roundRect">
@@ -8315,7 +8599,7 @@
         </p:nvSpPr>
         <p:spPr>
           <a:xfrm>
-            <a:off x="6042482" y="2473498"/>
+            <a:off x="5327430" y="2613205"/>
             <a:ext cx="1026160" cy="396240"/>
           </a:xfrm>
           <a:prstGeom prst="roundRect">
@@ -8427,7 +8711,7 @@
         </p:nvSpPr>
         <p:spPr>
           <a:xfrm>
-            <a:off x="3646876" y="2338647"/>
+            <a:off x="2931824" y="2478354"/>
             <a:ext cx="1347128" cy="711200"/>
           </a:xfrm>
           <a:prstGeom prst="rect">
@@ -8495,7 +8779,7 @@
         </p:nvSpPr>
         <p:spPr>
           <a:xfrm>
-            <a:off x="8134358" y="2338647"/>
+            <a:off x="7419306" y="2478354"/>
             <a:ext cx="2062480" cy="711200"/>
           </a:xfrm>
           <a:prstGeom prst="rect">
@@ -8588,7 +8872,7 @@
         </p:blipFill>
         <p:spPr bwMode="auto">
           <a:xfrm>
-            <a:off x="8765536" y="1093373"/>
+            <a:off x="8128490" y="1324091"/>
             <a:ext cx="512945" cy="626093"/>
           </a:xfrm>
           <a:prstGeom prst="rect">
@@ -8620,7 +8904,7 @@
         </p:nvSpPr>
         <p:spPr>
           <a:xfrm rot="19723473">
-            <a:off x="2811778" y="3116023"/>
+            <a:off x="2096726" y="3255730"/>
             <a:ext cx="804370" cy="343531"/>
           </a:xfrm>
           <a:prstGeom prst="rightArrow">
@@ -8666,7 +8950,7 @@
         </p:nvSpPr>
         <p:spPr>
           <a:xfrm>
-            <a:off x="2013592" y="2869738"/>
+            <a:off x="1298540" y="3009445"/>
             <a:ext cx="1210588" cy="338554"/>
           </a:xfrm>
           <a:prstGeom prst="rect">
@@ -8704,7 +8988,7 @@
         </p:nvSpPr>
         <p:spPr>
           <a:xfrm>
-            <a:off x="5097461" y="2553454"/>
+            <a:off x="4382409" y="2693161"/>
             <a:ext cx="387446" cy="343531"/>
           </a:xfrm>
           <a:prstGeom prst="rightArrow">
@@ -8750,7 +9034,7 @@
         </p:nvSpPr>
         <p:spPr>
           <a:xfrm>
-            <a:off x="7652843" y="2459643"/>
+            <a:off x="6937791" y="2599350"/>
             <a:ext cx="387446" cy="200891"/>
           </a:xfrm>
           <a:prstGeom prst="rightArrow">
@@ -8796,7 +9080,7 @@
         </p:nvSpPr>
         <p:spPr>
           <a:xfrm rot="10800000">
-            <a:off x="7643455" y="2731297"/>
+            <a:off x="6928403" y="2871004"/>
             <a:ext cx="387446" cy="200891"/>
           </a:xfrm>
           <a:prstGeom prst="rightArrow">
@@ -8842,7 +9126,7 @@
         </p:nvSpPr>
         <p:spPr>
           <a:xfrm rot="16200000">
-            <a:off x="8672259" y="1958126"/>
+            <a:off x="8035213" y="2097833"/>
             <a:ext cx="387446" cy="200891"/>
           </a:xfrm>
           <a:prstGeom prst="rightArrow">
@@ -8888,7 +9172,7 @@
         </p:nvSpPr>
         <p:spPr>
           <a:xfrm rot="5400000">
-            <a:off x="8928730" y="1968741"/>
+            <a:off x="8291684" y="2108448"/>
             <a:ext cx="387446" cy="200891"/>
           </a:xfrm>
           <a:prstGeom prst="rightArrow">
@@ -8934,7 +9218,7 @@
         </p:nvSpPr>
         <p:spPr>
           <a:xfrm>
-            <a:off x="9092943" y="1134691"/>
+            <a:off x="7459607" y="836311"/>
             <a:ext cx="1826141" cy="584775"/>
           </a:xfrm>
           <a:prstGeom prst="rect">
@@ -8948,13 +9232,7 @@
           </a:bodyPr>
           <a:lstStyle/>
           <a:p>
-            <a:r>
-              <a:rPr kumimoji="1" lang="ja-JP" altLang="en-US" sz="1600" dirty="0">
-                <a:latin typeface="HG丸ｺﾞｼｯｸM-PRO" panose="020F0600000000000000" pitchFamily="50" charset="-128"/>
-                <a:ea typeface="HG丸ｺﾞｼｯｸM-PRO" panose="020F0600000000000000" pitchFamily="50" charset="-128"/>
-              </a:rPr>
-              <a:t>　</a:t>
-            </a:r>
+            <a:pPr algn="ctr"/>
             <a:r>
               <a:rPr kumimoji="1" lang="en-US" altLang="ja-JP" sz="1600" dirty="0">
                 <a:latin typeface="HG丸ｺﾞｼｯｸM-PRO" panose="020F0600000000000000" pitchFamily="50" charset="-128"/>
@@ -8964,6 +9242,7 @@
             </a:r>
           </a:p>
           <a:p>
+            <a:pPr algn="ctr"/>
             <a:r>
               <a:rPr kumimoji="1" lang="ja-JP" altLang="en-US" sz="1600" dirty="0">
                 <a:latin typeface="HG丸ｺﾞｼｯｸM-PRO" panose="020F0600000000000000" pitchFamily="50" charset="-128"/>
@@ -8988,7 +9267,7 @@
         </p:nvSpPr>
         <p:spPr>
           <a:xfrm rot="5400000">
-            <a:off x="6192340" y="3316432"/>
+            <a:off x="5477288" y="3456139"/>
             <a:ext cx="711202" cy="509385"/>
           </a:xfrm>
           <a:prstGeom prst="rightArrow">
@@ -9034,7 +9313,7 @@
         </p:nvSpPr>
         <p:spPr>
           <a:xfrm rot="11244699">
-            <a:off x="3038115" y="4043500"/>
+            <a:off x="2323063" y="4183207"/>
             <a:ext cx="2360192" cy="331877"/>
           </a:xfrm>
           <a:prstGeom prst="rightArrow">
@@ -9080,7 +9359,7 @@
         </p:nvSpPr>
         <p:spPr>
           <a:xfrm rot="456788">
-            <a:off x="3766325" y="3757449"/>
+            <a:off x="3051273" y="3897156"/>
             <a:ext cx="1210588" cy="338554"/>
           </a:xfrm>
           <a:prstGeom prst="rect">
@@ -9104,6 +9383,2395 @@
           </a:p>
         </p:txBody>
       </p:sp>
+      <p:cxnSp>
+        <p:nvCxnSpPr>
+          <p:cNvPr id="12" name="直線コネクタ 11">
+            <a:extLst>
+              <a:ext uri="{FF2B5EF4-FFF2-40B4-BE49-F238E27FC236}">
+                <a16:creationId xmlns:a16="http://schemas.microsoft.com/office/drawing/2014/main" id="{DF90DD32-B870-53DB-8020-12E706DC026C}"/>
+              </a:ext>
+            </a:extLst>
+          </p:cNvPr>
+          <p:cNvCxnSpPr>
+            <a:stCxn id="14" idx="0"/>
+            <a:endCxn id="3" idx="2"/>
+          </p:cNvCxnSpPr>
+          <p:nvPr/>
+        </p:nvCxnSpPr>
+        <p:spPr>
+          <a:xfrm flipV="1">
+            <a:off x="3605388" y="2051742"/>
+            <a:ext cx="368656" cy="426612"/>
+          </a:xfrm>
+          <a:prstGeom prst="line">
+            <a:avLst/>
+          </a:prstGeom>
+          <a:ln>
+            <a:solidFill>
+              <a:srgbClr val="FF0000"/>
+            </a:solidFill>
+          </a:ln>
+        </p:spPr>
+        <p:style>
+          <a:lnRef idx="3">
+            <a:schemeClr val="accent1"/>
+          </a:lnRef>
+          <a:fillRef idx="0">
+            <a:schemeClr val="accent1"/>
+          </a:fillRef>
+          <a:effectRef idx="2">
+            <a:schemeClr val="accent1"/>
+          </a:effectRef>
+          <a:fontRef idx="minor">
+            <a:schemeClr val="tx1"/>
+          </a:fontRef>
+        </p:style>
+      </p:cxnSp>
+      <p:grpSp>
+        <p:nvGrpSpPr>
+          <p:cNvPr id="29" name="グループ化 28">
+            <a:extLst>
+              <a:ext uri="{FF2B5EF4-FFF2-40B4-BE49-F238E27FC236}">
+                <a16:creationId xmlns:a16="http://schemas.microsoft.com/office/drawing/2014/main" id="{3340A70D-4266-8AFF-706C-27802D2D57A0}"/>
+              </a:ext>
+            </a:extLst>
+          </p:cNvPr>
+          <p:cNvGrpSpPr/>
+          <p:nvPr/>
+        </p:nvGrpSpPr>
+        <p:grpSpPr>
+          <a:xfrm>
+            <a:off x="3605388" y="851067"/>
+            <a:ext cx="784638" cy="910568"/>
+            <a:chOff x="4320440" y="867373"/>
+            <a:chExt cx="784638" cy="910568"/>
+          </a:xfrm>
+        </p:grpSpPr>
+        <p:pic>
+          <p:nvPicPr>
+            <p:cNvPr id="1026" name="Picture 2">
+              <a:extLst>
+                <a:ext uri="{FF2B5EF4-FFF2-40B4-BE49-F238E27FC236}">
+                  <a16:creationId xmlns:a16="http://schemas.microsoft.com/office/drawing/2014/main" id="{C25FA613-2776-C5EB-FDE5-7B3C667FF111}"/>
+                </a:ext>
+              </a:extLst>
+            </p:cNvPr>
+            <p:cNvPicPr>
+              <a:picLocks noChangeAspect="1" noChangeArrowheads="1"/>
+            </p:cNvPicPr>
+            <p:nvPr/>
+          </p:nvPicPr>
+          <p:blipFill>
+            <a:blip r:embed="rId3">
+              <a:extLst>
+                <a:ext uri="{28A0092B-C50C-407E-A947-70E740481C1C}">
+                  <a14:useLocalDpi xmlns:a14="http://schemas.microsoft.com/office/drawing/2010/main" val="0"/>
+                </a:ext>
+              </a:extLst>
+            </a:blip>
+            <a:srcRect/>
+            <a:stretch>
+              <a:fillRect/>
+            </a:stretch>
+          </p:blipFill>
+          <p:spPr bwMode="auto">
+            <a:xfrm>
+              <a:off x="4320440" y="867373"/>
+              <a:ext cx="784638" cy="910568"/>
+            </a:xfrm>
+            <a:prstGeom prst="rect">
+              <a:avLst/>
+            </a:prstGeom>
+            <a:noFill/>
+            <a:extLst>
+              <a:ext uri="{909E8E84-426E-40DD-AFC4-6F175D3DCCD1}">
+                <a14:hiddenFill xmlns:a14="http://schemas.microsoft.com/office/drawing/2010/main">
+                  <a:solidFill>
+                    <a:srgbClr val="FFFFFF"/>
+                  </a:solidFill>
+                </a14:hiddenFill>
+              </a:ext>
+            </a:extLst>
+          </p:spPr>
+        </p:pic>
+        <p:sp>
+          <p:nvSpPr>
+            <p:cNvPr id="13" name="テキスト ボックス 12">
+              <a:extLst>
+                <a:ext uri="{FF2B5EF4-FFF2-40B4-BE49-F238E27FC236}">
+                  <a16:creationId xmlns:a16="http://schemas.microsoft.com/office/drawing/2014/main" id="{89B414C3-07FF-01EE-32BB-4ADFF5E940ED}"/>
+                </a:ext>
+              </a:extLst>
+            </p:cNvPr>
+            <p:cNvSpPr txBox="1"/>
+            <p:nvPr/>
+          </p:nvSpPr>
+          <p:spPr>
+            <a:xfrm>
+              <a:off x="4371619" y="1145199"/>
+              <a:ext cx="699230" cy="369332"/>
+            </a:xfrm>
+            <a:prstGeom prst="rect">
+              <a:avLst/>
+            </a:prstGeom>
+            <a:noFill/>
+          </p:spPr>
+          <p:txBody>
+            <a:bodyPr wrap="none" rtlCol="0">
+              <a:spAutoFit/>
+            </a:bodyPr>
+            <a:lstStyle/>
+            <a:p>
+              <a:r>
+                <a:rPr kumimoji="1" lang="en-US" altLang="ja-JP" dirty="0">
+                  <a:latin typeface="HG丸ｺﾞｼｯｸM-PRO" panose="020F0600000000000000" pitchFamily="50" charset="-128"/>
+                  <a:ea typeface="HG丸ｺﾞｼｯｸM-PRO" panose="020F0600000000000000" pitchFamily="50" charset="-128"/>
+                </a:rPr>
+                <a:t>PHP</a:t>
+              </a:r>
+              <a:endParaRPr kumimoji="1" lang="ja-JP" altLang="en-US" dirty="0">
+                <a:latin typeface="HG丸ｺﾞｼｯｸM-PRO" panose="020F0600000000000000" pitchFamily="50" charset="-128"/>
+                <a:ea typeface="HG丸ｺﾞｼｯｸM-PRO" panose="020F0600000000000000" pitchFamily="50" charset="-128"/>
+              </a:endParaRPr>
+            </a:p>
+          </p:txBody>
+        </p:sp>
+      </p:grpSp>
+      <p:grpSp>
+        <p:nvGrpSpPr>
+          <p:cNvPr id="32" name="グループ化 31">
+            <a:extLst>
+              <a:ext uri="{FF2B5EF4-FFF2-40B4-BE49-F238E27FC236}">
+                <a16:creationId xmlns:a16="http://schemas.microsoft.com/office/drawing/2014/main" id="{E3A152C7-471D-EEBC-64A1-05222F54AEB4}"/>
+              </a:ext>
+            </a:extLst>
+          </p:cNvPr>
+          <p:cNvGrpSpPr/>
+          <p:nvPr/>
+        </p:nvGrpSpPr>
+        <p:grpSpPr>
+          <a:xfrm>
+            <a:off x="5386439" y="847043"/>
+            <a:ext cx="784638" cy="910568"/>
+            <a:chOff x="4320440" y="867373"/>
+            <a:chExt cx="784638" cy="910568"/>
+          </a:xfrm>
+        </p:grpSpPr>
+        <p:pic>
+          <p:nvPicPr>
+            <p:cNvPr id="33" name="Picture 2">
+              <a:extLst>
+                <a:ext uri="{FF2B5EF4-FFF2-40B4-BE49-F238E27FC236}">
+                  <a16:creationId xmlns:a16="http://schemas.microsoft.com/office/drawing/2014/main" id="{4AD53033-4D88-8498-AE2A-4F8CEB945C71}"/>
+                </a:ext>
+              </a:extLst>
+            </p:cNvPr>
+            <p:cNvPicPr>
+              <a:picLocks noChangeAspect="1" noChangeArrowheads="1"/>
+            </p:cNvPicPr>
+            <p:nvPr/>
+          </p:nvPicPr>
+          <p:blipFill>
+            <a:blip r:embed="rId3">
+              <a:extLst>
+                <a:ext uri="{28A0092B-C50C-407E-A947-70E740481C1C}">
+                  <a14:useLocalDpi xmlns:a14="http://schemas.microsoft.com/office/drawing/2010/main" val="0"/>
+                </a:ext>
+              </a:extLst>
+            </a:blip>
+            <a:srcRect/>
+            <a:stretch>
+              <a:fillRect/>
+            </a:stretch>
+          </p:blipFill>
+          <p:spPr bwMode="auto">
+            <a:xfrm>
+              <a:off x="4320440" y="867373"/>
+              <a:ext cx="784638" cy="910568"/>
+            </a:xfrm>
+            <a:prstGeom prst="rect">
+              <a:avLst/>
+            </a:prstGeom>
+            <a:noFill/>
+            <a:extLst>
+              <a:ext uri="{909E8E84-426E-40DD-AFC4-6F175D3DCCD1}">
+                <a14:hiddenFill xmlns:a14="http://schemas.microsoft.com/office/drawing/2010/main">
+                  <a:solidFill>
+                    <a:srgbClr val="FFFFFF"/>
+                  </a:solidFill>
+                </a14:hiddenFill>
+              </a:ext>
+            </a:extLst>
+          </p:spPr>
+        </p:pic>
+        <p:sp>
+          <p:nvSpPr>
+            <p:cNvPr id="34" name="テキスト ボックス 33">
+              <a:extLst>
+                <a:ext uri="{FF2B5EF4-FFF2-40B4-BE49-F238E27FC236}">
+                  <a16:creationId xmlns:a16="http://schemas.microsoft.com/office/drawing/2014/main" id="{60E86D39-8209-29E8-4FEB-447D66B46E4D}"/>
+                </a:ext>
+              </a:extLst>
+            </p:cNvPr>
+            <p:cNvSpPr txBox="1"/>
+            <p:nvPr/>
+          </p:nvSpPr>
+          <p:spPr>
+            <a:xfrm>
+              <a:off x="4371619" y="1145199"/>
+              <a:ext cx="699230" cy="369332"/>
+            </a:xfrm>
+            <a:prstGeom prst="rect">
+              <a:avLst/>
+            </a:prstGeom>
+            <a:noFill/>
+          </p:spPr>
+          <p:txBody>
+            <a:bodyPr wrap="none" rtlCol="0">
+              <a:spAutoFit/>
+            </a:bodyPr>
+            <a:lstStyle/>
+            <a:p>
+              <a:r>
+                <a:rPr kumimoji="1" lang="en-US" altLang="ja-JP" dirty="0">
+                  <a:latin typeface="HG丸ｺﾞｼｯｸM-PRO" panose="020F0600000000000000" pitchFamily="50" charset="-128"/>
+                  <a:ea typeface="HG丸ｺﾞｼｯｸM-PRO" panose="020F0600000000000000" pitchFamily="50" charset="-128"/>
+                </a:rPr>
+                <a:t>PHP</a:t>
+              </a:r>
+              <a:endParaRPr kumimoji="1" lang="ja-JP" altLang="en-US" dirty="0">
+                <a:latin typeface="HG丸ｺﾞｼｯｸM-PRO" panose="020F0600000000000000" pitchFamily="50" charset="-128"/>
+                <a:ea typeface="HG丸ｺﾞｼｯｸM-PRO" panose="020F0600000000000000" pitchFamily="50" charset="-128"/>
+              </a:endParaRPr>
+            </a:p>
+          </p:txBody>
+        </p:sp>
+      </p:grpSp>
+      <p:grpSp>
+        <p:nvGrpSpPr>
+          <p:cNvPr id="38" name="グループ化 37">
+            <a:extLst>
+              <a:ext uri="{FF2B5EF4-FFF2-40B4-BE49-F238E27FC236}">
+                <a16:creationId xmlns:a16="http://schemas.microsoft.com/office/drawing/2014/main" id="{D88B53C1-08B3-0283-F0FE-B3C7324DA153}"/>
+              </a:ext>
+            </a:extLst>
+          </p:cNvPr>
+          <p:cNvGrpSpPr/>
+          <p:nvPr/>
+        </p:nvGrpSpPr>
+        <p:grpSpPr>
+          <a:xfrm>
+            <a:off x="5538839" y="999443"/>
+            <a:ext cx="784638" cy="910568"/>
+            <a:chOff x="4320440" y="867373"/>
+            <a:chExt cx="784638" cy="910568"/>
+          </a:xfrm>
+        </p:grpSpPr>
+        <p:pic>
+          <p:nvPicPr>
+            <p:cNvPr id="39" name="Picture 2">
+              <a:extLst>
+                <a:ext uri="{FF2B5EF4-FFF2-40B4-BE49-F238E27FC236}">
+                  <a16:creationId xmlns:a16="http://schemas.microsoft.com/office/drawing/2014/main" id="{03A9E938-E02F-F723-6247-073EC8C7B948}"/>
+                </a:ext>
+              </a:extLst>
+            </p:cNvPr>
+            <p:cNvPicPr>
+              <a:picLocks noChangeAspect="1" noChangeArrowheads="1"/>
+            </p:cNvPicPr>
+            <p:nvPr/>
+          </p:nvPicPr>
+          <p:blipFill>
+            <a:blip r:embed="rId3">
+              <a:extLst>
+                <a:ext uri="{28A0092B-C50C-407E-A947-70E740481C1C}">
+                  <a14:useLocalDpi xmlns:a14="http://schemas.microsoft.com/office/drawing/2010/main" val="0"/>
+                </a:ext>
+              </a:extLst>
+            </a:blip>
+            <a:srcRect/>
+            <a:stretch>
+              <a:fillRect/>
+            </a:stretch>
+          </p:blipFill>
+          <p:spPr bwMode="auto">
+            <a:xfrm>
+              <a:off x="4320440" y="867373"/>
+              <a:ext cx="784638" cy="910568"/>
+            </a:xfrm>
+            <a:prstGeom prst="rect">
+              <a:avLst/>
+            </a:prstGeom>
+            <a:noFill/>
+            <a:extLst>
+              <a:ext uri="{909E8E84-426E-40DD-AFC4-6F175D3DCCD1}">
+                <a14:hiddenFill xmlns:a14="http://schemas.microsoft.com/office/drawing/2010/main">
+                  <a:solidFill>
+                    <a:srgbClr val="FFFFFF"/>
+                  </a:solidFill>
+                </a14:hiddenFill>
+              </a:ext>
+            </a:extLst>
+          </p:spPr>
+        </p:pic>
+        <p:sp>
+          <p:nvSpPr>
+            <p:cNvPr id="40" name="テキスト ボックス 39">
+              <a:extLst>
+                <a:ext uri="{FF2B5EF4-FFF2-40B4-BE49-F238E27FC236}">
+                  <a16:creationId xmlns:a16="http://schemas.microsoft.com/office/drawing/2014/main" id="{D2C2BB7A-E9B4-F106-7234-0D69961AB764}"/>
+                </a:ext>
+              </a:extLst>
+            </p:cNvPr>
+            <p:cNvSpPr txBox="1"/>
+            <p:nvPr/>
+          </p:nvSpPr>
+          <p:spPr>
+            <a:xfrm>
+              <a:off x="4371619" y="1145199"/>
+              <a:ext cx="699230" cy="369332"/>
+            </a:xfrm>
+            <a:prstGeom prst="rect">
+              <a:avLst/>
+            </a:prstGeom>
+            <a:noFill/>
+          </p:spPr>
+          <p:txBody>
+            <a:bodyPr wrap="none" rtlCol="0">
+              <a:spAutoFit/>
+            </a:bodyPr>
+            <a:lstStyle/>
+            <a:p>
+              <a:r>
+                <a:rPr kumimoji="1" lang="en-US" altLang="ja-JP" dirty="0">
+                  <a:latin typeface="HG丸ｺﾞｼｯｸM-PRO" panose="020F0600000000000000" pitchFamily="50" charset="-128"/>
+                  <a:ea typeface="HG丸ｺﾞｼｯｸM-PRO" panose="020F0600000000000000" pitchFamily="50" charset="-128"/>
+                </a:rPr>
+                <a:t>PHP</a:t>
+              </a:r>
+              <a:endParaRPr kumimoji="1" lang="ja-JP" altLang="en-US" dirty="0">
+                <a:latin typeface="HG丸ｺﾞｼｯｸM-PRO" panose="020F0600000000000000" pitchFamily="50" charset="-128"/>
+                <a:ea typeface="HG丸ｺﾞｼｯｸM-PRO" panose="020F0600000000000000" pitchFamily="50" charset="-128"/>
+              </a:endParaRPr>
+            </a:p>
+          </p:txBody>
+        </p:sp>
+      </p:grpSp>
+      <p:grpSp>
+        <p:nvGrpSpPr>
+          <p:cNvPr id="41" name="グループ化 40">
+            <a:extLst>
+              <a:ext uri="{FF2B5EF4-FFF2-40B4-BE49-F238E27FC236}">
+                <a16:creationId xmlns:a16="http://schemas.microsoft.com/office/drawing/2014/main" id="{1E0C47D6-9035-64BA-3F0E-EE4730E82429}"/>
+              </a:ext>
+            </a:extLst>
+          </p:cNvPr>
+          <p:cNvGrpSpPr/>
+          <p:nvPr/>
+        </p:nvGrpSpPr>
+        <p:grpSpPr>
+          <a:xfrm>
+            <a:off x="5691239" y="1151843"/>
+            <a:ext cx="784638" cy="910568"/>
+            <a:chOff x="4320440" y="867373"/>
+            <a:chExt cx="784638" cy="910568"/>
+          </a:xfrm>
+        </p:grpSpPr>
+        <p:pic>
+          <p:nvPicPr>
+            <p:cNvPr id="42" name="Picture 2">
+              <a:extLst>
+                <a:ext uri="{FF2B5EF4-FFF2-40B4-BE49-F238E27FC236}">
+                  <a16:creationId xmlns:a16="http://schemas.microsoft.com/office/drawing/2014/main" id="{235C194E-2D80-9281-3EC6-D20972AB16B8}"/>
+                </a:ext>
+              </a:extLst>
+            </p:cNvPr>
+            <p:cNvPicPr>
+              <a:picLocks noChangeAspect="1" noChangeArrowheads="1"/>
+            </p:cNvPicPr>
+            <p:nvPr/>
+          </p:nvPicPr>
+          <p:blipFill>
+            <a:blip r:embed="rId3">
+              <a:extLst>
+                <a:ext uri="{28A0092B-C50C-407E-A947-70E740481C1C}">
+                  <a14:useLocalDpi xmlns:a14="http://schemas.microsoft.com/office/drawing/2010/main" val="0"/>
+                </a:ext>
+              </a:extLst>
+            </a:blip>
+            <a:srcRect/>
+            <a:stretch>
+              <a:fillRect/>
+            </a:stretch>
+          </p:blipFill>
+          <p:spPr bwMode="auto">
+            <a:xfrm>
+              <a:off x="4320440" y="867373"/>
+              <a:ext cx="784638" cy="910568"/>
+            </a:xfrm>
+            <a:prstGeom prst="rect">
+              <a:avLst/>
+            </a:prstGeom>
+            <a:noFill/>
+            <a:extLst>
+              <a:ext uri="{909E8E84-426E-40DD-AFC4-6F175D3DCCD1}">
+                <a14:hiddenFill xmlns:a14="http://schemas.microsoft.com/office/drawing/2010/main">
+                  <a:solidFill>
+                    <a:srgbClr val="FFFFFF"/>
+                  </a:solidFill>
+                </a14:hiddenFill>
+              </a:ext>
+            </a:extLst>
+          </p:spPr>
+        </p:pic>
+        <p:sp>
+          <p:nvSpPr>
+            <p:cNvPr id="43" name="テキスト ボックス 42">
+              <a:extLst>
+                <a:ext uri="{FF2B5EF4-FFF2-40B4-BE49-F238E27FC236}">
+                  <a16:creationId xmlns:a16="http://schemas.microsoft.com/office/drawing/2014/main" id="{35F980D2-6F84-12B9-9822-C9CA2E6FF332}"/>
+                </a:ext>
+              </a:extLst>
+            </p:cNvPr>
+            <p:cNvSpPr txBox="1"/>
+            <p:nvPr/>
+          </p:nvSpPr>
+          <p:spPr>
+            <a:xfrm>
+              <a:off x="4371619" y="1145199"/>
+              <a:ext cx="699230" cy="369332"/>
+            </a:xfrm>
+            <a:prstGeom prst="rect">
+              <a:avLst/>
+            </a:prstGeom>
+            <a:noFill/>
+          </p:spPr>
+          <p:txBody>
+            <a:bodyPr wrap="none" rtlCol="0">
+              <a:spAutoFit/>
+            </a:bodyPr>
+            <a:lstStyle/>
+            <a:p>
+              <a:r>
+                <a:rPr kumimoji="1" lang="en-US" altLang="ja-JP" dirty="0">
+                  <a:latin typeface="HG丸ｺﾞｼｯｸM-PRO" panose="020F0600000000000000" pitchFamily="50" charset="-128"/>
+                  <a:ea typeface="HG丸ｺﾞｼｯｸM-PRO" panose="020F0600000000000000" pitchFamily="50" charset="-128"/>
+                </a:rPr>
+                <a:t>PHP</a:t>
+              </a:r>
+              <a:endParaRPr kumimoji="1" lang="ja-JP" altLang="en-US" dirty="0">
+                <a:latin typeface="HG丸ｺﾞｼｯｸM-PRO" panose="020F0600000000000000" pitchFamily="50" charset="-128"/>
+                <a:ea typeface="HG丸ｺﾞｼｯｸM-PRO" panose="020F0600000000000000" pitchFamily="50" charset="-128"/>
+              </a:endParaRPr>
+            </a:p>
+          </p:txBody>
+        </p:sp>
+      </p:grpSp>
+      <p:sp>
+        <p:nvSpPr>
+          <p:cNvPr id="44" name="テキスト ボックス 43">
+            <a:extLst>
+              <a:ext uri="{FF2B5EF4-FFF2-40B4-BE49-F238E27FC236}">
+                <a16:creationId xmlns:a16="http://schemas.microsoft.com/office/drawing/2014/main" id="{327FAD47-76A5-81D5-0915-AD0A586D7F74}"/>
+              </a:ext>
+            </a:extLst>
+          </p:cNvPr>
+          <p:cNvSpPr txBox="1"/>
+          <p:nvPr/>
+        </p:nvSpPr>
+        <p:spPr>
+          <a:xfrm>
+            <a:off x="4839064" y="1726752"/>
+            <a:ext cx="2404826" cy="369332"/>
+          </a:xfrm>
+          <a:prstGeom prst="rect">
+            <a:avLst/>
+          </a:prstGeom>
+          <a:solidFill>
+            <a:schemeClr val="bg1"/>
+          </a:solidFill>
+          <a:ln>
+            <a:solidFill>
+              <a:schemeClr val="tx1"/>
+            </a:solidFill>
+          </a:ln>
+        </p:spPr>
+        <p:txBody>
+          <a:bodyPr wrap="none" rtlCol="0">
+            <a:spAutoFit/>
+          </a:bodyPr>
+          <a:lstStyle/>
+          <a:p>
+            <a:r>
+              <a:rPr kumimoji="1" lang="en-US" altLang="ja-JP" dirty="0" err="1">
+                <a:latin typeface="HG丸ｺﾞｼｯｸM-PRO" panose="020F0600000000000000" pitchFamily="50" charset="-128"/>
+                <a:ea typeface="HG丸ｺﾞｼｯｸM-PRO" panose="020F0600000000000000" pitchFamily="50" charset="-128"/>
+              </a:rPr>
+              <a:t>XxxxController.php</a:t>
+            </a:r>
+            <a:endParaRPr kumimoji="1" lang="ja-JP" altLang="en-US" dirty="0">
+              <a:latin typeface="HG丸ｺﾞｼｯｸM-PRO" panose="020F0600000000000000" pitchFamily="50" charset="-128"/>
+              <a:ea typeface="HG丸ｺﾞｼｯｸM-PRO" panose="020F0600000000000000" pitchFamily="50" charset="-128"/>
+            </a:endParaRPr>
+          </a:p>
+        </p:txBody>
+      </p:sp>
+      <p:cxnSp>
+        <p:nvCxnSpPr>
+          <p:cNvPr id="45" name="直線コネクタ 44">
+            <a:extLst>
+              <a:ext uri="{FF2B5EF4-FFF2-40B4-BE49-F238E27FC236}">
+                <a16:creationId xmlns:a16="http://schemas.microsoft.com/office/drawing/2014/main" id="{F5588EE7-FD0E-CF0A-CF67-CB44832D3F98}"/>
+              </a:ext>
+            </a:extLst>
+          </p:cNvPr>
+          <p:cNvCxnSpPr>
+            <a:cxnSpLocks/>
+          </p:cNvCxnSpPr>
+          <p:nvPr/>
+        </p:nvCxnSpPr>
+        <p:spPr>
+          <a:xfrm flipV="1">
+            <a:off x="5691239" y="2093834"/>
+            <a:ext cx="336754" cy="381037"/>
+          </a:xfrm>
+          <a:prstGeom prst="line">
+            <a:avLst/>
+          </a:prstGeom>
+          <a:ln>
+            <a:solidFill>
+              <a:srgbClr val="FF0000"/>
+            </a:solidFill>
+          </a:ln>
+        </p:spPr>
+        <p:style>
+          <a:lnRef idx="3">
+            <a:schemeClr val="accent1"/>
+          </a:lnRef>
+          <a:fillRef idx="0">
+            <a:schemeClr val="accent1"/>
+          </a:fillRef>
+          <a:effectRef idx="2">
+            <a:schemeClr val="accent1"/>
+          </a:effectRef>
+          <a:fontRef idx="minor">
+            <a:schemeClr val="tx1"/>
+          </a:fontRef>
+        </p:style>
+      </p:cxnSp>
+      <p:sp>
+        <p:nvSpPr>
+          <p:cNvPr id="3" name="テキスト ボックス 2">
+            <a:extLst>
+              <a:ext uri="{FF2B5EF4-FFF2-40B4-BE49-F238E27FC236}">
+                <a16:creationId xmlns:a16="http://schemas.microsoft.com/office/drawing/2014/main" id="{5F931479-69D4-F2AA-FF02-307085AD3D67}"/>
+              </a:ext>
+            </a:extLst>
+          </p:cNvPr>
+          <p:cNvSpPr txBox="1"/>
+          <p:nvPr/>
+        </p:nvSpPr>
+        <p:spPr>
+          <a:xfrm>
+            <a:off x="3371956" y="1682410"/>
+            <a:ext cx="1204176" cy="369332"/>
+          </a:xfrm>
+          <a:prstGeom prst="rect">
+            <a:avLst/>
+          </a:prstGeom>
+          <a:solidFill>
+            <a:schemeClr val="bg1"/>
+          </a:solidFill>
+          <a:ln>
+            <a:solidFill>
+              <a:schemeClr val="tx1"/>
+            </a:solidFill>
+          </a:ln>
+        </p:spPr>
+        <p:txBody>
+          <a:bodyPr wrap="none" rtlCol="0">
+            <a:spAutoFit/>
+          </a:bodyPr>
+          <a:lstStyle/>
+          <a:p>
+            <a:r>
+              <a:rPr kumimoji="1" lang="en-US" altLang="ja-JP" dirty="0" err="1">
+                <a:latin typeface="HG丸ｺﾞｼｯｸM-PRO" panose="020F0600000000000000" pitchFamily="50" charset="-128"/>
+                <a:ea typeface="HG丸ｺﾞｼｯｸM-PRO" panose="020F0600000000000000" pitchFamily="50" charset="-128"/>
+              </a:rPr>
+              <a:t>web.php</a:t>
+            </a:r>
+            <a:endParaRPr kumimoji="1" lang="ja-JP" altLang="en-US" dirty="0">
+              <a:latin typeface="HG丸ｺﾞｼｯｸM-PRO" panose="020F0600000000000000" pitchFamily="50" charset="-128"/>
+              <a:ea typeface="HG丸ｺﾞｼｯｸM-PRO" panose="020F0600000000000000" pitchFamily="50" charset="-128"/>
+            </a:endParaRPr>
+          </a:p>
+        </p:txBody>
+      </p:sp>
+      <p:grpSp>
+        <p:nvGrpSpPr>
+          <p:cNvPr id="50" name="グループ化 49">
+            <a:extLst>
+              <a:ext uri="{FF2B5EF4-FFF2-40B4-BE49-F238E27FC236}">
+                <a16:creationId xmlns:a16="http://schemas.microsoft.com/office/drawing/2014/main" id="{AD7E6ED2-AF51-685B-B99B-7BB2EF0B8CC0}"/>
+              </a:ext>
+            </a:extLst>
+          </p:cNvPr>
+          <p:cNvGrpSpPr/>
+          <p:nvPr/>
+        </p:nvGrpSpPr>
+        <p:grpSpPr>
+          <a:xfrm>
+            <a:off x="10023164" y="2378670"/>
+            <a:ext cx="784638" cy="910568"/>
+            <a:chOff x="4320440" y="867373"/>
+            <a:chExt cx="784638" cy="910568"/>
+          </a:xfrm>
+        </p:grpSpPr>
+        <p:pic>
+          <p:nvPicPr>
+            <p:cNvPr id="51" name="Picture 2">
+              <a:extLst>
+                <a:ext uri="{FF2B5EF4-FFF2-40B4-BE49-F238E27FC236}">
+                  <a16:creationId xmlns:a16="http://schemas.microsoft.com/office/drawing/2014/main" id="{51F3C97E-A92A-30DE-CE34-C9F3C5D4D447}"/>
+                </a:ext>
+              </a:extLst>
+            </p:cNvPr>
+            <p:cNvPicPr>
+              <a:picLocks noChangeAspect="1" noChangeArrowheads="1"/>
+            </p:cNvPicPr>
+            <p:nvPr/>
+          </p:nvPicPr>
+          <p:blipFill>
+            <a:blip r:embed="rId3">
+              <a:extLst>
+                <a:ext uri="{28A0092B-C50C-407E-A947-70E740481C1C}">
+                  <a14:useLocalDpi xmlns:a14="http://schemas.microsoft.com/office/drawing/2010/main" val="0"/>
+                </a:ext>
+              </a:extLst>
+            </a:blip>
+            <a:srcRect/>
+            <a:stretch>
+              <a:fillRect/>
+            </a:stretch>
+          </p:blipFill>
+          <p:spPr bwMode="auto">
+            <a:xfrm>
+              <a:off x="4320440" y="867373"/>
+              <a:ext cx="784638" cy="910568"/>
+            </a:xfrm>
+            <a:prstGeom prst="rect">
+              <a:avLst/>
+            </a:prstGeom>
+            <a:noFill/>
+            <a:extLst>
+              <a:ext uri="{909E8E84-426E-40DD-AFC4-6F175D3DCCD1}">
+                <a14:hiddenFill xmlns:a14="http://schemas.microsoft.com/office/drawing/2010/main">
+                  <a:solidFill>
+                    <a:srgbClr val="FFFFFF"/>
+                  </a:solidFill>
+                </a14:hiddenFill>
+              </a:ext>
+            </a:extLst>
+          </p:spPr>
+        </p:pic>
+        <p:sp>
+          <p:nvSpPr>
+            <p:cNvPr id="52" name="テキスト ボックス 51">
+              <a:extLst>
+                <a:ext uri="{FF2B5EF4-FFF2-40B4-BE49-F238E27FC236}">
+                  <a16:creationId xmlns:a16="http://schemas.microsoft.com/office/drawing/2014/main" id="{380C46D8-FA4B-1B8F-6003-E669B87CF9B2}"/>
+                </a:ext>
+              </a:extLst>
+            </p:cNvPr>
+            <p:cNvSpPr txBox="1"/>
+            <p:nvPr/>
+          </p:nvSpPr>
+          <p:spPr>
+            <a:xfrm>
+              <a:off x="4371619" y="1145199"/>
+              <a:ext cx="699230" cy="369332"/>
+            </a:xfrm>
+            <a:prstGeom prst="rect">
+              <a:avLst/>
+            </a:prstGeom>
+            <a:noFill/>
+          </p:spPr>
+          <p:txBody>
+            <a:bodyPr wrap="none" rtlCol="0">
+              <a:spAutoFit/>
+            </a:bodyPr>
+            <a:lstStyle/>
+            <a:p>
+              <a:r>
+                <a:rPr kumimoji="1" lang="en-US" altLang="ja-JP" dirty="0">
+                  <a:latin typeface="HG丸ｺﾞｼｯｸM-PRO" panose="020F0600000000000000" pitchFamily="50" charset="-128"/>
+                  <a:ea typeface="HG丸ｺﾞｼｯｸM-PRO" panose="020F0600000000000000" pitchFamily="50" charset="-128"/>
+                </a:rPr>
+                <a:t>PHP</a:t>
+              </a:r>
+              <a:endParaRPr kumimoji="1" lang="ja-JP" altLang="en-US" dirty="0">
+                <a:latin typeface="HG丸ｺﾞｼｯｸM-PRO" panose="020F0600000000000000" pitchFamily="50" charset="-128"/>
+                <a:ea typeface="HG丸ｺﾞｼｯｸM-PRO" panose="020F0600000000000000" pitchFamily="50" charset="-128"/>
+              </a:endParaRPr>
+            </a:p>
+          </p:txBody>
+        </p:sp>
+      </p:grpSp>
+      <p:grpSp>
+        <p:nvGrpSpPr>
+          <p:cNvPr id="53" name="グループ化 52">
+            <a:extLst>
+              <a:ext uri="{FF2B5EF4-FFF2-40B4-BE49-F238E27FC236}">
+                <a16:creationId xmlns:a16="http://schemas.microsoft.com/office/drawing/2014/main" id="{7FF5A8B6-BAC4-62EF-A5D6-C5CED53A86F9}"/>
+              </a:ext>
+            </a:extLst>
+          </p:cNvPr>
+          <p:cNvGrpSpPr/>
+          <p:nvPr/>
+        </p:nvGrpSpPr>
+        <p:grpSpPr>
+          <a:xfrm>
+            <a:off x="10175564" y="2531070"/>
+            <a:ext cx="784638" cy="910568"/>
+            <a:chOff x="4320440" y="867373"/>
+            <a:chExt cx="784638" cy="910568"/>
+          </a:xfrm>
+        </p:grpSpPr>
+        <p:pic>
+          <p:nvPicPr>
+            <p:cNvPr id="54" name="Picture 2">
+              <a:extLst>
+                <a:ext uri="{FF2B5EF4-FFF2-40B4-BE49-F238E27FC236}">
+                  <a16:creationId xmlns:a16="http://schemas.microsoft.com/office/drawing/2014/main" id="{A21E4E2D-217C-8022-FE8A-6C838EC074EE}"/>
+                </a:ext>
+              </a:extLst>
+            </p:cNvPr>
+            <p:cNvPicPr>
+              <a:picLocks noChangeAspect="1" noChangeArrowheads="1"/>
+            </p:cNvPicPr>
+            <p:nvPr/>
+          </p:nvPicPr>
+          <p:blipFill>
+            <a:blip r:embed="rId3">
+              <a:extLst>
+                <a:ext uri="{28A0092B-C50C-407E-A947-70E740481C1C}">
+                  <a14:useLocalDpi xmlns:a14="http://schemas.microsoft.com/office/drawing/2010/main" val="0"/>
+                </a:ext>
+              </a:extLst>
+            </a:blip>
+            <a:srcRect/>
+            <a:stretch>
+              <a:fillRect/>
+            </a:stretch>
+          </p:blipFill>
+          <p:spPr bwMode="auto">
+            <a:xfrm>
+              <a:off x="4320440" y="867373"/>
+              <a:ext cx="784638" cy="910568"/>
+            </a:xfrm>
+            <a:prstGeom prst="rect">
+              <a:avLst/>
+            </a:prstGeom>
+            <a:noFill/>
+            <a:extLst>
+              <a:ext uri="{909E8E84-426E-40DD-AFC4-6F175D3DCCD1}">
+                <a14:hiddenFill xmlns:a14="http://schemas.microsoft.com/office/drawing/2010/main">
+                  <a:solidFill>
+                    <a:srgbClr val="FFFFFF"/>
+                  </a:solidFill>
+                </a14:hiddenFill>
+              </a:ext>
+            </a:extLst>
+          </p:spPr>
+        </p:pic>
+        <p:sp>
+          <p:nvSpPr>
+            <p:cNvPr id="55" name="テキスト ボックス 54">
+              <a:extLst>
+                <a:ext uri="{FF2B5EF4-FFF2-40B4-BE49-F238E27FC236}">
+                  <a16:creationId xmlns:a16="http://schemas.microsoft.com/office/drawing/2014/main" id="{A347A157-6C89-7152-8D47-CD9AE4AC6A7D}"/>
+                </a:ext>
+              </a:extLst>
+            </p:cNvPr>
+            <p:cNvSpPr txBox="1"/>
+            <p:nvPr/>
+          </p:nvSpPr>
+          <p:spPr>
+            <a:xfrm>
+              <a:off x="4371619" y="1145199"/>
+              <a:ext cx="699230" cy="369332"/>
+            </a:xfrm>
+            <a:prstGeom prst="rect">
+              <a:avLst/>
+            </a:prstGeom>
+            <a:noFill/>
+          </p:spPr>
+          <p:txBody>
+            <a:bodyPr wrap="none" rtlCol="0">
+              <a:spAutoFit/>
+            </a:bodyPr>
+            <a:lstStyle/>
+            <a:p>
+              <a:r>
+                <a:rPr kumimoji="1" lang="en-US" altLang="ja-JP" dirty="0">
+                  <a:latin typeface="HG丸ｺﾞｼｯｸM-PRO" panose="020F0600000000000000" pitchFamily="50" charset="-128"/>
+                  <a:ea typeface="HG丸ｺﾞｼｯｸM-PRO" panose="020F0600000000000000" pitchFamily="50" charset="-128"/>
+                </a:rPr>
+                <a:t>PHP</a:t>
+              </a:r>
+              <a:endParaRPr kumimoji="1" lang="ja-JP" altLang="en-US" dirty="0">
+                <a:latin typeface="HG丸ｺﾞｼｯｸM-PRO" panose="020F0600000000000000" pitchFamily="50" charset="-128"/>
+                <a:ea typeface="HG丸ｺﾞｼｯｸM-PRO" panose="020F0600000000000000" pitchFamily="50" charset="-128"/>
+              </a:endParaRPr>
+            </a:p>
+          </p:txBody>
+        </p:sp>
+      </p:grpSp>
+      <p:grpSp>
+        <p:nvGrpSpPr>
+          <p:cNvPr id="56" name="グループ化 55">
+            <a:extLst>
+              <a:ext uri="{FF2B5EF4-FFF2-40B4-BE49-F238E27FC236}">
+                <a16:creationId xmlns:a16="http://schemas.microsoft.com/office/drawing/2014/main" id="{572078A6-366C-0F33-7ADB-16BF018EC1BC}"/>
+              </a:ext>
+            </a:extLst>
+          </p:cNvPr>
+          <p:cNvGrpSpPr/>
+          <p:nvPr/>
+        </p:nvGrpSpPr>
+        <p:grpSpPr>
+          <a:xfrm>
+            <a:off x="10327964" y="2683470"/>
+            <a:ext cx="784638" cy="910568"/>
+            <a:chOff x="4320440" y="867373"/>
+            <a:chExt cx="784638" cy="910568"/>
+          </a:xfrm>
+        </p:grpSpPr>
+        <p:pic>
+          <p:nvPicPr>
+            <p:cNvPr id="57" name="Picture 2">
+              <a:extLst>
+                <a:ext uri="{FF2B5EF4-FFF2-40B4-BE49-F238E27FC236}">
+                  <a16:creationId xmlns:a16="http://schemas.microsoft.com/office/drawing/2014/main" id="{A047846B-DE72-C740-B751-523AA2D173A9}"/>
+                </a:ext>
+              </a:extLst>
+            </p:cNvPr>
+            <p:cNvPicPr>
+              <a:picLocks noChangeAspect="1" noChangeArrowheads="1"/>
+            </p:cNvPicPr>
+            <p:nvPr/>
+          </p:nvPicPr>
+          <p:blipFill>
+            <a:blip r:embed="rId3">
+              <a:extLst>
+                <a:ext uri="{28A0092B-C50C-407E-A947-70E740481C1C}">
+                  <a14:useLocalDpi xmlns:a14="http://schemas.microsoft.com/office/drawing/2010/main" val="0"/>
+                </a:ext>
+              </a:extLst>
+            </a:blip>
+            <a:srcRect/>
+            <a:stretch>
+              <a:fillRect/>
+            </a:stretch>
+          </p:blipFill>
+          <p:spPr bwMode="auto">
+            <a:xfrm>
+              <a:off x="4320440" y="867373"/>
+              <a:ext cx="784638" cy="910568"/>
+            </a:xfrm>
+            <a:prstGeom prst="rect">
+              <a:avLst/>
+            </a:prstGeom>
+            <a:noFill/>
+            <a:extLst>
+              <a:ext uri="{909E8E84-426E-40DD-AFC4-6F175D3DCCD1}">
+                <a14:hiddenFill xmlns:a14="http://schemas.microsoft.com/office/drawing/2010/main">
+                  <a:solidFill>
+                    <a:srgbClr val="FFFFFF"/>
+                  </a:solidFill>
+                </a14:hiddenFill>
+              </a:ext>
+            </a:extLst>
+          </p:spPr>
+        </p:pic>
+        <p:sp>
+          <p:nvSpPr>
+            <p:cNvPr id="58" name="テキスト ボックス 57">
+              <a:extLst>
+                <a:ext uri="{FF2B5EF4-FFF2-40B4-BE49-F238E27FC236}">
+                  <a16:creationId xmlns:a16="http://schemas.microsoft.com/office/drawing/2014/main" id="{23A7A31D-8F3D-CEDA-E2C0-76E21BF46913}"/>
+                </a:ext>
+              </a:extLst>
+            </p:cNvPr>
+            <p:cNvSpPr txBox="1"/>
+            <p:nvPr/>
+          </p:nvSpPr>
+          <p:spPr>
+            <a:xfrm>
+              <a:off x="4371619" y="1145199"/>
+              <a:ext cx="699230" cy="369332"/>
+            </a:xfrm>
+            <a:prstGeom prst="rect">
+              <a:avLst/>
+            </a:prstGeom>
+            <a:noFill/>
+          </p:spPr>
+          <p:txBody>
+            <a:bodyPr wrap="none" rtlCol="0">
+              <a:spAutoFit/>
+            </a:bodyPr>
+            <a:lstStyle/>
+            <a:p>
+              <a:r>
+                <a:rPr kumimoji="1" lang="en-US" altLang="ja-JP" dirty="0">
+                  <a:latin typeface="HG丸ｺﾞｼｯｸM-PRO" panose="020F0600000000000000" pitchFamily="50" charset="-128"/>
+                  <a:ea typeface="HG丸ｺﾞｼｯｸM-PRO" panose="020F0600000000000000" pitchFamily="50" charset="-128"/>
+                </a:rPr>
+                <a:t>PHP</a:t>
+              </a:r>
+              <a:endParaRPr kumimoji="1" lang="ja-JP" altLang="en-US" dirty="0">
+                <a:latin typeface="HG丸ｺﾞｼｯｸM-PRO" panose="020F0600000000000000" pitchFamily="50" charset="-128"/>
+                <a:ea typeface="HG丸ｺﾞｼｯｸM-PRO" panose="020F0600000000000000" pitchFamily="50" charset="-128"/>
+              </a:endParaRPr>
+            </a:p>
+          </p:txBody>
+        </p:sp>
+      </p:grpSp>
+      <p:sp>
+        <p:nvSpPr>
+          <p:cNvPr id="59" name="テキスト ボックス 58">
+            <a:extLst>
+              <a:ext uri="{FF2B5EF4-FFF2-40B4-BE49-F238E27FC236}">
+                <a16:creationId xmlns:a16="http://schemas.microsoft.com/office/drawing/2014/main" id="{4CF76307-25A7-03CE-C885-754B29F45933}"/>
+              </a:ext>
+            </a:extLst>
+          </p:cNvPr>
+          <p:cNvSpPr txBox="1"/>
+          <p:nvPr/>
+        </p:nvSpPr>
+        <p:spPr>
+          <a:xfrm>
+            <a:off x="10014043" y="3441638"/>
+            <a:ext cx="1252266" cy="369332"/>
+          </a:xfrm>
+          <a:prstGeom prst="rect">
+            <a:avLst/>
+          </a:prstGeom>
+          <a:solidFill>
+            <a:schemeClr val="bg1"/>
+          </a:solidFill>
+          <a:ln>
+            <a:solidFill>
+              <a:schemeClr val="tx1"/>
+            </a:solidFill>
+          </a:ln>
+        </p:spPr>
+        <p:txBody>
+          <a:bodyPr wrap="none" rtlCol="0">
+            <a:spAutoFit/>
+          </a:bodyPr>
+          <a:lstStyle/>
+          <a:p>
+            <a:r>
+              <a:rPr kumimoji="1" lang="en-US" altLang="ja-JP" dirty="0" err="1">
+                <a:latin typeface="HG丸ｺﾞｼｯｸM-PRO" panose="020F0600000000000000" pitchFamily="50" charset="-128"/>
+                <a:ea typeface="HG丸ｺﾞｼｯｸM-PRO" panose="020F0600000000000000" pitchFamily="50" charset="-128"/>
+              </a:rPr>
+              <a:t>Xxxx.php</a:t>
+            </a:r>
+            <a:endParaRPr kumimoji="1" lang="ja-JP" altLang="en-US" dirty="0">
+              <a:latin typeface="HG丸ｺﾞｼｯｸM-PRO" panose="020F0600000000000000" pitchFamily="50" charset="-128"/>
+              <a:ea typeface="HG丸ｺﾞｼｯｸM-PRO" panose="020F0600000000000000" pitchFamily="50" charset="-128"/>
+            </a:endParaRPr>
+          </a:p>
+        </p:txBody>
+      </p:sp>
+      <p:cxnSp>
+        <p:nvCxnSpPr>
+          <p:cNvPr id="60" name="直線コネクタ 59">
+            <a:extLst>
+              <a:ext uri="{FF2B5EF4-FFF2-40B4-BE49-F238E27FC236}">
+                <a16:creationId xmlns:a16="http://schemas.microsoft.com/office/drawing/2014/main" id="{97F173E6-674D-9CA1-212A-BD57C8D95C18}"/>
+              </a:ext>
+            </a:extLst>
+          </p:cNvPr>
+          <p:cNvCxnSpPr>
+            <a:cxnSpLocks/>
+            <a:stCxn id="59" idx="1"/>
+            <a:endCxn id="15" idx="3"/>
+          </p:cNvCxnSpPr>
+          <p:nvPr/>
+        </p:nvCxnSpPr>
+        <p:spPr>
+          <a:xfrm flipH="1" flipV="1">
+            <a:off x="9481786" y="2833954"/>
+            <a:ext cx="532257" cy="792350"/>
+          </a:xfrm>
+          <a:prstGeom prst="line">
+            <a:avLst/>
+          </a:prstGeom>
+          <a:ln>
+            <a:solidFill>
+              <a:srgbClr val="FF0000"/>
+            </a:solidFill>
+          </a:ln>
+        </p:spPr>
+        <p:style>
+          <a:lnRef idx="3">
+            <a:schemeClr val="accent1"/>
+          </a:lnRef>
+          <a:fillRef idx="0">
+            <a:schemeClr val="accent1"/>
+          </a:fillRef>
+          <a:effectRef idx="2">
+            <a:schemeClr val="accent1"/>
+          </a:effectRef>
+          <a:fontRef idx="minor">
+            <a:schemeClr val="tx1"/>
+          </a:fontRef>
+        </p:style>
+      </p:cxnSp>
+      <p:pic>
+        <p:nvPicPr>
+          <p:cNvPr id="1028" name="Picture 4">
+            <a:extLst>
+              <a:ext uri="{FF2B5EF4-FFF2-40B4-BE49-F238E27FC236}">
+                <a16:creationId xmlns:a16="http://schemas.microsoft.com/office/drawing/2014/main" id="{EDDF13FA-89B4-B5F0-0639-DABA0BC22527}"/>
+              </a:ext>
+            </a:extLst>
+          </p:cNvPr>
+          <p:cNvPicPr>
+            <a:picLocks noChangeAspect="1" noChangeArrowheads="1"/>
+          </p:cNvPicPr>
+          <p:nvPr/>
+        </p:nvPicPr>
+        <p:blipFill>
+          <a:blip r:embed="rId4">
+            <a:extLst>
+              <a:ext uri="{28A0092B-C50C-407E-A947-70E740481C1C}">
+                <a14:useLocalDpi xmlns:a14="http://schemas.microsoft.com/office/drawing/2010/main" val="0"/>
+              </a:ext>
+            </a:extLst>
+          </a:blip>
+          <a:srcRect/>
+          <a:stretch>
+            <a:fillRect/>
+          </a:stretch>
+        </p:blipFill>
+        <p:spPr bwMode="auto">
+          <a:xfrm>
+            <a:off x="9029641" y="889419"/>
+            <a:ext cx="830342" cy="830342"/>
+          </a:xfrm>
+          <a:prstGeom prst="rect">
+            <a:avLst/>
+          </a:prstGeom>
+          <a:noFill/>
+          <a:extLst>
+            <a:ext uri="{909E8E84-426E-40DD-AFC4-6F175D3DCCD1}">
+              <a14:hiddenFill xmlns:a14="http://schemas.microsoft.com/office/drawing/2010/main">
+                <a:solidFill>
+                  <a:srgbClr val="FFFFFF"/>
+                </a:solidFill>
+              </a14:hiddenFill>
+            </a:ext>
+          </a:extLst>
+        </p:spPr>
+      </p:pic>
+      <p:pic>
+        <p:nvPicPr>
+          <p:cNvPr id="63" name="Picture 4">
+            <a:extLst>
+              <a:ext uri="{FF2B5EF4-FFF2-40B4-BE49-F238E27FC236}">
+                <a16:creationId xmlns:a16="http://schemas.microsoft.com/office/drawing/2014/main" id="{28443F7C-0D3B-0693-9C28-984D60213720}"/>
+              </a:ext>
+            </a:extLst>
+          </p:cNvPr>
+          <p:cNvPicPr>
+            <a:picLocks noChangeAspect="1" noChangeArrowheads="1"/>
+          </p:cNvPicPr>
+          <p:nvPr/>
+        </p:nvPicPr>
+        <p:blipFill>
+          <a:blip r:embed="rId4">
+            <a:extLst>
+              <a:ext uri="{28A0092B-C50C-407E-A947-70E740481C1C}">
+                <a14:useLocalDpi xmlns:a14="http://schemas.microsoft.com/office/drawing/2010/main" val="0"/>
+              </a:ext>
+            </a:extLst>
+          </a:blip>
+          <a:srcRect/>
+          <a:stretch>
+            <a:fillRect/>
+          </a:stretch>
+        </p:blipFill>
+        <p:spPr bwMode="auto">
+          <a:xfrm>
+            <a:off x="9182041" y="1041819"/>
+            <a:ext cx="830342" cy="830342"/>
+          </a:xfrm>
+          <a:prstGeom prst="rect">
+            <a:avLst/>
+          </a:prstGeom>
+          <a:noFill/>
+          <a:extLst>
+            <a:ext uri="{909E8E84-426E-40DD-AFC4-6F175D3DCCD1}">
+              <a14:hiddenFill xmlns:a14="http://schemas.microsoft.com/office/drawing/2010/main">
+                <a:solidFill>
+                  <a:srgbClr val="FFFFFF"/>
+                </a:solidFill>
+              </a14:hiddenFill>
+            </a:ext>
+          </a:extLst>
+        </p:spPr>
+      </p:pic>
+      <p:pic>
+        <p:nvPicPr>
+          <p:cNvPr id="1024" name="Picture 4">
+            <a:extLst>
+              <a:ext uri="{FF2B5EF4-FFF2-40B4-BE49-F238E27FC236}">
+                <a16:creationId xmlns:a16="http://schemas.microsoft.com/office/drawing/2014/main" id="{69D9DA0E-C440-FF86-FE0E-7B80CFCE2502}"/>
+              </a:ext>
+            </a:extLst>
+          </p:cNvPr>
+          <p:cNvPicPr>
+            <a:picLocks noChangeAspect="1" noChangeArrowheads="1"/>
+          </p:cNvPicPr>
+          <p:nvPr/>
+        </p:nvPicPr>
+        <p:blipFill>
+          <a:blip r:embed="rId4">
+            <a:extLst>
+              <a:ext uri="{28A0092B-C50C-407E-A947-70E740481C1C}">
+                <a14:useLocalDpi xmlns:a14="http://schemas.microsoft.com/office/drawing/2010/main" val="0"/>
+              </a:ext>
+            </a:extLst>
+          </a:blip>
+          <a:srcRect/>
+          <a:stretch>
+            <a:fillRect/>
+          </a:stretch>
+        </p:blipFill>
+        <p:spPr bwMode="auto">
+          <a:xfrm>
+            <a:off x="9334441" y="1194219"/>
+            <a:ext cx="830342" cy="830342"/>
+          </a:xfrm>
+          <a:prstGeom prst="rect">
+            <a:avLst/>
+          </a:prstGeom>
+          <a:noFill/>
+          <a:extLst>
+            <a:ext uri="{909E8E84-426E-40DD-AFC4-6F175D3DCCD1}">
+              <a14:hiddenFill xmlns:a14="http://schemas.microsoft.com/office/drawing/2010/main">
+                <a:solidFill>
+                  <a:srgbClr val="FFFFFF"/>
+                </a:solidFill>
+              </a14:hiddenFill>
+            </a:ext>
+          </a:extLst>
+        </p:spPr>
+      </p:pic>
+      <p:sp>
+        <p:nvSpPr>
+          <p:cNvPr id="1025" name="矢印: 左カーブ 1024">
+            <a:extLst>
+              <a:ext uri="{FF2B5EF4-FFF2-40B4-BE49-F238E27FC236}">
+                <a16:creationId xmlns:a16="http://schemas.microsoft.com/office/drawing/2014/main" id="{F2AFB72D-1BA1-3C43-011D-6F4113924810}"/>
+              </a:ext>
+            </a:extLst>
+          </p:cNvPr>
+          <p:cNvSpPr/>
+          <p:nvPr/>
+        </p:nvSpPr>
+        <p:spPr>
+          <a:xfrm rot="19484457">
+            <a:off x="10429647" y="1260893"/>
+            <a:ext cx="793901" cy="1324022"/>
+          </a:xfrm>
+          <a:prstGeom prst="curvedLeftArrow">
+            <a:avLst>
+              <a:gd name="adj1" fmla="val 10579"/>
+              <a:gd name="adj2" fmla="val 36794"/>
+              <a:gd name="adj3" fmla="val 25000"/>
+            </a:avLst>
+          </a:prstGeom>
+        </p:spPr>
+        <p:style>
+          <a:lnRef idx="2">
+            <a:schemeClr val="accent1">
+              <a:shade val="15000"/>
+            </a:schemeClr>
+          </a:lnRef>
+          <a:fillRef idx="1">
+            <a:schemeClr val="accent1"/>
+          </a:fillRef>
+          <a:effectRef idx="0">
+            <a:schemeClr val="accent1"/>
+          </a:effectRef>
+          <a:fontRef idx="minor">
+            <a:schemeClr val="lt1"/>
+          </a:fontRef>
+        </p:style>
+        <p:txBody>
+          <a:bodyPr rtlCol="0" anchor="ctr"/>
+          <a:lstStyle/>
+          <a:p>
+            <a:pPr algn="ctr"/>
+            <a:endParaRPr kumimoji="1" lang="ja-JP" altLang="en-US">
+              <a:solidFill>
+                <a:schemeClr val="tx1"/>
+              </a:solidFill>
+            </a:endParaRPr>
+          </a:p>
+        </p:txBody>
+      </p:sp>
+      <p:sp>
+        <p:nvSpPr>
+          <p:cNvPr id="1027" name="テキスト ボックス 1026">
+            <a:extLst>
+              <a:ext uri="{FF2B5EF4-FFF2-40B4-BE49-F238E27FC236}">
+                <a16:creationId xmlns:a16="http://schemas.microsoft.com/office/drawing/2014/main" id="{1A658296-2ACB-504F-22DD-4EC3FE86B7F3}"/>
+              </a:ext>
+            </a:extLst>
+          </p:cNvPr>
+          <p:cNvSpPr txBox="1"/>
+          <p:nvPr/>
+        </p:nvSpPr>
+        <p:spPr>
+          <a:xfrm>
+            <a:off x="9870282" y="816707"/>
+            <a:ext cx="2031325" cy="584775"/>
+          </a:xfrm>
+          <a:prstGeom prst="rect">
+            <a:avLst/>
+          </a:prstGeom>
+          <a:noFill/>
+        </p:spPr>
+        <p:txBody>
+          <a:bodyPr wrap="none" rtlCol="0">
+            <a:spAutoFit/>
+          </a:bodyPr>
+          <a:lstStyle/>
+          <a:p>
+            <a:pPr algn="ctr"/>
+            <a:r>
+              <a:rPr kumimoji="1" lang="ja-JP" altLang="en-US" sz="1600" dirty="0">
+                <a:latin typeface="HG丸ｺﾞｼｯｸM-PRO" panose="020F0600000000000000" pitchFamily="50" charset="-128"/>
+                <a:ea typeface="HG丸ｺﾞｼｯｸM-PRO" panose="020F0600000000000000" pitchFamily="50" charset="-128"/>
+              </a:rPr>
+              <a:t>モデルとテーブルは</a:t>
+            </a:r>
+            <a:endParaRPr kumimoji="1" lang="en-US" altLang="ja-JP" sz="1600" dirty="0">
+              <a:latin typeface="HG丸ｺﾞｼｯｸM-PRO" panose="020F0600000000000000" pitchFamily="50" charset="-128"/>
+              <a:ea typeface="HG丸ｺﾞｼｯｸM-PRO" panose="020F0600000000000000" pitchFamily="50" charset="-128"/>
+            </a:endParaRPr>
+          </a:p>
+          <a:p>
+            <a:pPr algn="ctr"/>
+            <a:r>
+              <a:rPr kumimoji="1" lang="en-US" altLang="ja-JP" sz="1600" dirty="0">
+                <a:latin typeface="HG丸ｺﾞｼｯｸM-PRO" panose="020F0600000000000000" pitchFamily="50" charset="-128"/>
+                <a:ea typeface="HG丸ｺﾞｼｯｸM-PRO" panose="020F0600000000000000" pitchFamily="50" charset="-128"/>
+              </a:rPr>
+              <a:t>1</a:t>
+            </a:r>
+            <a:r>
+              <a:rPr kumimoji="1" lang="ja-JP" altLang="en-US" sz="1600" dirty="0">
+                <a:latin typeface="HG丸ｺﾞｼｯｸM-PRO" panose="020F0600000000000000" pitchFamily="50" charset="-128"/>
+                <a:ea typeface="HG丸ｺﾞｼｯｸM-PRO" panose="020F0600000000000000" pitchFamily="50" charset="-128"/>
+              </a:rPr>
+              <a:t>対</a:t>
+            </a:r>
+            <a:r>
+              <a:rPr kumimoji="1" lang="en-US" altLang="ja-JP" sz="1600" dirty="0">
+                <a:latin typeface="HG丸ｺﾞｼｯｸM-PRO" panose="020F0600000000000000" pitchFamily="50" charset="-128"/>
+                <a:ea typeface="HG丸ｺﾞｼｯｸM-PRO" panose="020F0600000000000000" pitchFamily="50" charset="-128"/>
+              </a:rPr>
+              <a:t>1</a:t>
+            </a:r>
+            <a:r>
+              <a:rPr kumimoji="1" lang="ja-JP" altLang="en-US" sz="1600" dirty="0">
+                <a:latin typeface="HG丸ｺﾞｼｯｸM-PRO" panose="020F0600000000000000" pitchFamily="50" charset="-128"/>
+                <a:ea typeface="HG丸ｺﾞｼｯｸM-PRO" panose="020F0600000000000000" pitchFamily="50" charset="-128"/>
+              </a:rPr>
+              <a:t>で対応</a:t>
+            </a:r>
+            <a:endParaRPr kumimoji="1" lang="en-US" altLang="ja-JP" sz="1600" dirty="0">
+              <a:latin typeface="HG丸ｺﾞｼｯｸM-PRO" panose="020F0600000000000000" pitchFamily="50" charset="-128"/>
+              <a:ea typeface="HG丸ｺﾞｼｯｸM-PRO" panose="020F0600000000000000" pitchFamily="50" charset="-128"/>
+            </a:endParaRPr>
+          </a:p>
+        </p:txBody>
+      </p:sp>
+      <p:grpSp>
+        <p:nvGrpSpPr>
+          <p:cNvPr id="1029" name="グループ化 1028">
+            <a:extLst>
+              <a:ext uri="{FF2B5EF4-FFF2-40B4-BE49-F238E27FC236}">
+                <a16:creationId xmlns:a16="http://schemas.microsoft.com/office/drawing/2014/main" id="{851BDEE8-F4FB-8E65-FCF7-A095B70DF013}"/>
+              </a:ext>
+            </a:extLst>
+          </p:cNvPr>
+          <p:cNvGrpSpPr/>
+          <p:nvPr/>
+        </p:nvGrpSpPr>
+        <p:grpSpPr>
+          <a:xfrm>
+            <a:off x="5778758" y="5278242"/>
+            <a:ext cx="784638" cy="910568"/>
+            <a:chOff x="4320440" y="867373"/>
+            <a:chExt cx="784638" cy="910568"/>
+          </a:xfrm>
+        </p:grpSpPr>
+        <p:pic>
+          <p:nvPicPr>
+            <p:cNvPr id="1030" name="Picture 2">
+              <a:extLst>
+                <a:ext uri="{FF2B5EF4-FFF2-40B4-BE49-F238E27FC236}">
+                  <a16:creationId xmlns:a16="http://schemas.microsoft.com/office/drawing/2014/main" id="{596FC5A4-4831-03CE-A907-FB86CFDCA054}"/>
+                </a:ext>
+              </a:extLst>
+            </p:cNvPr>
+            <p:cNvPicPr>
+              <a:picLocks noChangeAspect="1" noChangeArrowheads="1"/>
+            </p:cNvPicPr>
+            <p:nvPr/>
+          </p:nvPicPr>
+          <p:blipFill>
+            <a:blip r:embed="rId3">
+              <a:extLst>
+                <a:ext uri="{28A0092B-C50C-407E-A947-70E740481C1C}">
+                  <a14:useLocalDpi xmlns:a14="http://schemas.microsoft.com/office/drawing/2010/main" val="0"/>
+                </a:ext>
+              </a:extLst>
+            </a:blip>
+            <a:srcRect/>
+            <a:stretch>
+              <a:fillRect/>
+            </a:stretch>
+          </p:blipFill>
+          <p:spPr bwMode="auto">
+            <a:xfrm>
+              <a:off x="4320440" y="867373"/>
+              <a:ext cx="784638" cy="910568"/>
+            </a:xfrm>
+            <a:prstGeom prst="rect">
+              <a:avLst/>
+            </a:prstGeom>
+            <a:noFill/>
+            <a:extLst>
+              <a:ext uri="{909E8E84-426E-40DD-AFC4-6F175D3DCCD1}">
+                <a14:hiddenFill xmlns:a14="http://schemas.microsoft.com/office/drawing/2010/main">
+                  <a:solidFill>
+                    <a:srgbClr val="FFFFFF"/>
+                  </a:solidFill>
+                </a14:hiddenFill>
+              </a:ext>
+            </a:extLst>
+          </p:spPr>
+        </p:pic>
+        <p:sp>
+          <p:nvSpPr>
+            <p:cNvPr id="1031" name="テキスト ボックス 1030">
+              <a:extLst>
+                <a:ext uri="{FF2B5EF4-FFF2-40B4-BE49-F238E27FC236}">
+                  <a16:creationId xmlns:a16="http://schemas.microsoft.com/office/drawing/2014/main" id="{0386EC80-87C0-4182-AFFE-7C498C4AFE17}"/>
+                </a:ext>
+              </a:extLst>
+            </p:cNvPr>
+            <p:cNvSpPr txBox="1"/>
+            <p:nvPr/>
+          </p:nvSpPr>
+          <p:spPr>
+            <a:xfrm>
+              <a:off x="4371619" y="1145199"/>
+              <a:ext cx="699230" cy="369332"/>
+            </a:xfrm>
+            <a:prstGeom prst="rect">
+              <a:avLst/>
+            </a:prstGeom>
+            <a:noFill/>
+          </p:spPr>
+          <p:txBody>
+            <a:bodyPr wrap="none" rtlCol="0">
+              <a:spAutoFit/>
+            </a:bodyPr>
+            <a:lstStyle/>
+            <a:p>
+              <a:r>
+                <a:rPr kumimoji="1" lang="en-US" altLang="ja-JP" dirty="0">
+                  <a:latin typeface="HG丸ｺﾞｼｯｸM-PRO" panose="020F0600000000000000" pitchFamily="50" charset="-128"/>
+                  <a:ea typeface="HG丸ｺﾞｼｯｸM-PRO" panose="020F0600000000000000" pitchFamily="50" charset="-128"/>
+                </a:rPr>
+                <a:t>PHP</a:t>
+              </a:r>
+              <a:endParaRPr kumimoji="1" lang="ja-JP" altLang="en-US" dirty="0">
+                <a:latin typeface="HG丸ｺﾞｼｯｸM-PRO" panose="020F0600000000000000" pitchFamily="50" charset="-128"/>
+                <a:ea typeface="HG丸ｺﾞｼｯｸM-PRO" panose="020F0600000000000000" pitchFamily="50" charset="-128"/>
+              </a:endParaRPr>
+            </a:p>
+          </p:txBody>
+        </p:sp>
+      </p:grpSp>
+      <p:grpSp>
+        <p:nvGrpSpPr>
+          <p:cNvPr id="1032" name="グループ化 1031">
+            <a:extLst>
+              <a:ext uri="{FF2B5EF4-FFF2-40B4-BE49-F238E27FC236}">
+                <a16:creationId xmlns:a16="http://schemas.microsoft.com/office/drawing/2014/main" id="{20E792C7-6649-1CE3-4EB2-AC3F8ADB7EAF}"/>
+              </a:ext>
+            </a:extLst>
+          </p:cNvPr>
+          <p:cNvGrpSpPr/>
+          <p:nvPr/>
+        </p:nvGrpSpPr>
+        <p:grpSpPr>
+          <a:xfrm>
+            <a:off x="6599086" y="5285450"/>
+            <a:ext cx="784638" cy="910568"/>
+            <a:chOff x="4320440" y="867373"/>
+            <a:chExt cx="784638" cy="910568"/>
+          </a:xfrm>
+        </p:grpSpPr>
+        <p:pic>
+          <p:nvPicPr>
+            <p:cNvPr id="1033" name="Picture 2">
+              <a:extLst>
+                <a:ext uri="{FF2B5EF4-FFF2-40B4-BE49-F238E27FC236}">
+                  <a16:creationId xmlns:a16="http://schemas.microsoft.com/office/drawing/2014/main" id="{AC95C15C-CB1C-AFE1-0CDE-6B938B2FD225}"/>
+                </a:ext>
+              </a:extLst>
+            </p:cNvPr>
+            <p:cNvPicPr>
+              <a:picLocks noChangeAspect="1" noChangeArrowheads="1"/>
+            </p:cNvPicPr>
+            <p:nvPr/>
+          </p:nvPicPr>
+          <p:blipFill>
+            <a:blip r:embed="rId3">
+              <a:extLst>
+                <a:ext uri="{28A0092B-C50C-407E-A947-70E740481C1C}">
+                  <a14:useLocalDpi xmlns:a14="http://schemas.microsoft.com/office/drawing/2010/main" val="0"/>
+                </a:ext>
+              </a:extLst>
+            </a:blip>
+            <a:srcRect/>
+            <a:stretch>
+              <a:fillRect/>
+            </a:stretch>
+          </p:blipFill>
+          <p:spPr bwMode="auto">
+            <a:xfrm>
+              <a:off x="4320440" y="867373"/>
+              <a:ext cx="784638" cy="910568"/>
+            </a:xfrm>
+            <a:prstGeom prst="rect">
+              <a:avLst/>
+            </a:prstGeom>
+            <a:noFill/>
+            <a:extLst>
+              <a:ext uri="{909E8E84-426E-40DD-AFC4-6F175D3DCCD1}">
+                <a14:hiddenFill xmlns:a14="http://schemas.microsoft.com/office/drawing/2010/main">
+                  <a:solidFill>
+                    <a:srgbClr val="FFFFFF"/>
+                  </a:solidFill>
+                </a14:hiddenFill>
+              </a:ext>
+            </a:extLst>
+          </p:spPr>
+        </p:pic>
+        <p:sp>
+          <p:nvSpPr>
+            <p:cNvPr id="1034" name="テキスト ボックス 1033">
+              <a:extLst>
+                <a:ext uri="{FF2B5EF4-FFF2-40B4-BE49-F238E27FC236}">
+                  <a16:creationId xmlns:a16="http://schemas.microsoft.com/office/drawing/2014/main" id="{6D76255B-7A1D-2FB1-4520-4FDBAE34E77E}"/>
+                </a:ext>
+              </a:extLst>
+            </p:cNvPr>
+            <p:cNvSpPr txBox="1"/>
+            <p:nvPr/>
+          </p:nvSpPr>
+          <p:spPr>
+            <a:xfrm>
+              <a:off x="4371619" y="1145199"/>
+              <a:ext cx="699230" cy="369332"/>
+            </a:xfrm>
+            <a:prstGeom prst="rect">
+              <a:avLst/>
+            </a:prstGeom>
+            <a:noFill/>
+          </p:spPr>
+          <p:txBody>
+            <a:bodyPr wrap="none" rtlCol="0">
+              <a:spAutoFit/>
+            </a:bodyPr>
+            <a:lstStyle/>
+            <a:p>
+              <a:r>
+                <a:rPr kumimoji="1" lang="en-US" altLang="ja-JP" dirty="0">
+                  <a:latin typeface="HG丸ｺﾞｼｯｸM-PRO" panose="020F0600000000000000" pitchFamily="50" charset="-128"/>
+                  <a:ea typeface="HG丸ｺﾞｼｯｸM-PRO" panose="020F0600000000000000" pitchFamily="50" charset="-128"/>
+                </a:rPr>
+                <a:t>PHP</a:t>
+              </a:r>
+              <a:endParaRPr kumimoji="1" lang="ja-JP" altLang="en-US" dirty="0">
+                <a:latin typeface="HG丸ｺﾞｼｯｸM-PRO" panose="020F0600000000000000" pitchFamily="50" charset="-128"/>
+                <a:ea typeface="HG丸ｺﾞｼｯｸM-PRO" panose="020F0600000000000000" pitchFamily="50" charset="-128"/>
+              </a:endParaRPr>
+            </a:p>
+          </p:txBody>
+        </p:sp>
+      </p:grpSp>
+      <p:sp>
+        <p:nvSpPr>
+          <p:cNvPr id="1038" name="テキスト ボックス 1037">
+            <a:extLst>
+              <a:ext uri="{FF2B5EF4-FFF2-40B4-BE49-F238E27FC236}">
+                <a16:creationId xmlns:a16="http://schemas.microsoft.com/office/drawing/2014/main" id="{7D32DA68-1097-FDBE-F7F5-3BC66AE4736D}"/>
+              </a:ext>
+            </a:extLst>
+          </p:cNvPr>
+          <p:cNvSpPr txBox="1"/>
+          <p:nvPr/>
+        </p:nvSpPr>
+        <p:spPr>
+          <a:xfrm>
+            <a:off x="3813326" y="5324071"/>
+            <a:ext cx="1941557" cy="369332"/>
+          </a:xfrm>
+          <a:prstGeom prst="rect">
+            <a:avLst/>
+          </a:prstGeom>
+          <a:solidFill>
+            <a:schemeClr val="bg1"/>
+          </a:solidFill>
+          <a:ln>
+            <a:solidFill>
+              <a:schemeClr val="tx1"/>
+            </a:solidFill>
+          </a:ln>
+        </p:spPr>
+        <p:txBody>
+          <a:bodyPr wrap="none" rtlCol="0">
+            <a:spAutoFit/>
+          </a:bodyPr>
+          <a:lstStyle/>
+          <a:p>
+            <a:r>
+              <a:rPr kumimoji="1" lang="en-US" altLang="ja-JP" dirty="0" err="1">
+                <a:latin typeface="HG丸ｺﾞｼｯｸM-PRO" panose="020F0600000000000000" pitchFamily="50" charset="-128"/>
+                <a:ea typeface="HG丸ｺﾞｼｯｸM-PRO" panose="020F0600000000000000" pitchFamily="50" charset="-128"/>
+              </a:rPr>
+              <a:t>Xxxx.blade.php</a:t>
+            </a:r>
+            <a:endParaRPr kumimoji="1" lang="ja-JP" altLang="en-US" dirty="0">
+              <a:latin typeface="HG丸ｺﾞｼｯｸM-PRO" panose="020F0600000000000000" pitchFamily="50" charset="-128"/>
+              <a:ea typeface="HG丸ｺﾞｼｯｸM-PRO" panose="020F0600000000000000" pitchFamily="50" charset="-128"/>
+            </a:endParaRPr>
+          </a:p>
+        </p:txBody>
+      </p:sp>
+      <p:cxnSp>
+        <p:nvCxnSpPr>
+          <p:cNvPr id="1039" name="直線コネクタ 1038">
+            <a:extLst>
+              <a:ext uri="{FF2B5EF4-FFF2-40B4-BE49-F238E27FC236}">
+                <a16:creationId xmlns:a16="http://schemas.microsoft.com/office/drawing/2014/main" id="{6C9768E0-D9CA-14E4-9F8F-5091B7D53B78}"/>
+              </a:ext>
+            </a:extLst>
+          </p:cNvPr>
+          <p:cNvCxnSpPr>
+            <a:cxnSpLocks/>
+            <a:stCxn id="1038" idx="0"/>
+            <a:endCxn id="11" idx="2"/>
+          </p:cNvCxnSpPr>
+          <p:nvPr/>
+        </p:nvCxnSpPr>
+        <p:spPr>
+          <a:xfrm flipV="1">
+            <a:off x="4784105" y="4988567"/>
+            <a:ext cx="1048786" cy="335504"/>
+          </a:xfrm>
+          <a:prstGeom prst="line">
+            <a:avLst/>
+          </a:prstGeom>
+          <a:ln>
+            <a:solidFill>
+              <a:srgbClr val="FF0000"/>
+            </a:solidFill>
+          </a:ln>
+        </p:spPr>
+        <p:style>
+          <a:lnRef idx="3">
+            <a:schemeClr val="accent1"/>
+          </a:lnRef>
+          <a:fillRef idx="0">
+            <a:schemeClr val="accent1"/>
+          </a:fillRef>
+          <a:effectRef idx="2">
+            <a:schemeClr val="accent1"/>
+          </a:effectRef>
+          <a:fontRef idx="minor">
+            <a:schemeClr val="tx1"/>
+          </a:fontRef>
+        </p:style>
+      </p:cxnSp>
+      <p:sp>
+        <p:nvSpPr>
+          <p:cNvPr id="1042" name="テキスト ボックス 1041">
+            <a:extLst>
+              <a:ext uri="{FF2B5EF4-FFF2-40B4-BE49-F238E27FC236}">
+                <a16:creationId xmlns:a16="http://schemas.microsoft.com/office/drawing/2014/main" id="{ED77065A-BC6E-F1CA-81C3-2B5DBEC08A94}"/>
+              </a:ext>
+            </a:extLst>
+          </p:cNvPr>
+          <p:cNvSpPr txBox="1"/>
+          <p:nvPr/>
+        </p:nvSpPr>
+        <p:spPr>
+          <a:xfrm>
+            <a:off x="9758780" y="3797238"/>
+            <a:ext cx="1939955" cy="338554"/>
+          </a:xfrm>
+          <a:prstGeom prst="rect">
+            <a:avLst/>
+          </a:prstGeom>
+          <a:noFill/>
+        </p:spPr>
+        <p:txBody>
+          <a:bodyPr wrap="none" rtlCol="0">
+            <a:spAutoFit/>
+          </a:bodyPr>
+          <a:lstStyle/>
+          <a:p>
+            <a:pPr algn="ctr"/>
+            <a:r>
+              <a:rPr kumimoji="1" lang="en-US" altLang="ja-JP" sz="1600" dirty="0">
+                <a:latin typeface="HG丸ｺﾞｼｯｸM-PRO" panose="020F0600000000000000" pitchFamily="50" charset="-128"/>
+                <a:ea typeface="HG丸ｺﾞｼｯｸM-PRO" panose="020F0600000000000000" pitchFamily="50" charset="-128"/>
+              </a:rPr>
+              <a:t>DB</a:t>
+            </a:r>
+            <a:r>
+              <a:rPr kumimoji="1" lang="ja-JP" altLang="en-US" sz="1600" dirty="0">
+                <a:latin typeface="HG丸ｺﾞｼｯｸM-PRO" panose="020F0600000000000000" pitchFamily="50" charset="-128"/>
+                <a:ea typeface="HG丸ｺﾞｼｯｸM-PRO" panose="020F0600000000000000" pitchFamily="50" charset="-128"/>
+              </a:rPr>
+              <a:t>とやり取りする</a:t>
+            </a:r>
+            <a:endParaRPr kumimoji="1" lang="en-US" altLang="ja-JP" sz="1600" dirty="0">
+              <a:latin typeface="HG丸ｺﾞｼｯｸM-PRO" panose="020F0600000000000000" pitchFamily="50" charset="-128"/>
+              <a:ea typeface="HG丸ｺﾞｼｯｸM-PRO" panose="020F0600000000000000" pitchFamily="50" charset="-128"/>
+            </a:endParaRPr>
+          </a:p>
+        </p:txBody>
+      </p:sp>
+      <p:sp>
+        <p:nvSpPr>
+          <p:cNvPr id="1043" name="テキスト ボックス 1042">
+            <a:extLst>
+              <a:ext uri="{FF2B5EF4-FFF2-40B4-BE49-F238E27FC236}">
+                <a16:creationId xmlns:a16="http://schemas.microsoft.com/office/drawing/2014/main" id="{B85BCFC7-117D-5717-48E6-FB918FE7714D}"/>
+              </a:ext>
+            </a:extLst>
+          </p:cNvPr>
+          <p:cNvSpPr txBox="1"/>
+          <p:nvPr/>
+        </p:nvSpPr>
+        <p:spPr>
+          <a:xfrm>
+            <a:off x="3208080" y="5686551"/>
+            <a:ext cx="2646878" cy="338554"/>
+          </a:xfrm>
+          <a:prstGeom prst="rect">
+            <a:avLst/>
+          </a:prstGeom>
+          <a:noFill/>
+        </p:spPr>
+        <p:txBody>
+          <a:bodyPr wrap="none" rtlCol="0">
+            <a:spAutoFit/>
+          </a:bodyPr>
+          <a:lstStyle/>
+          <a:p>
+            <a:pPr algn="ctr"/>
+            <a:r>
+              <a:rPr kumimoji="1" lang="ja-JP" altLang="en-US" sz="1600" dirty="0">
+                <a:latin typeface="HG丸ｺﾞｼｯｸM-PRO" panose="020F0600000000000000" pitchFamily="50" charset="-128"/>
+                <a:ea typeface="HG丸ｺﾞｼｯｸM-PRO" panose="020F0600000000000000" pitchFamily="50" charset="-128"/>
+              </a:rPr>
+              <a:t>ブラウザに表示される内容</a:t>
+            </a:r>
+            <a:endParaRPr kumimoji="1" lang="en-US" altLang="ja-JP" sz="1600" dirty="0">
+              <a:latin typeface="HG丸ｺﾞｼｯｸM-PRO" panose="020F0600000000000000" pitchFamily="50" charset="-128"/>
+              <a:ea typeface="HG丸ｺﾞｼｯｸM-PRO" panose="020F0600000000000000" pitchFamily="50" charset="-128"/>
+            </a:endParaRPr>
+          </a:p>
+        </p:txBody>
+      </p:sp>
+      <p:grpSp>
+        <p:nvGrpSpPr>
+          <p:cNvPr id="1054" name="グループ化 1053">
+            <a:extLst>
+              <a:ext uri="{FF2B5EF4-FFF2-40B4-BE49-F238E27FC236}">
+                <a16:creationId xmlns:a16="http://schemas.microsoft.com/office/drawing/2014/main" id="{56124080-833D-7DB7-ED58-F93D9AB9B1B5}"/>
+              </a:ext>
+            </a:extLst>
+          </p:cNvPr>
+          <p:cNvGrpSpPr/>
+          <p:nvPr/>
+        </p:nvGrpSpPr>
+        <p:grpSpPr>
+          <a:xfrm>
+            <a:off x="5931158" y="5430642"/>
+            <a:ext cx="784638" cy="910568"/>
+            <a:chOff x="4320440" y="867373"/>
+            <a:chExt cx="784638" cy="910568"/>
+          </a:xfrm>
+        </p:grpSpPr>
+        <p:pic>
+          <p:nvPicPr>
+            <p:cNvPr id="1055" name="Picture 2">
+              <a:extLst>
+                <a:ext uri="{FF2B5EF4-FFF2-40B4-BE49-F238E27FC236}">
+                  <a16:creationId xmlns:a16="http://schemas.microsoft.com/office/drawing/2014/main" id="{D28EC4DE-12A9-BF13-0B08-D0D992F280CF}"/>
+                </a:ext>
+              </a:extLst>
+            </p:cNvPr>
+            <p:cNvPicPr>
+              <a:picLocks noChangeAspect="1" noChangeArrowheads="1"/>
+            </p:cNvPicPr>
+            <p:nvPr/>
+          </p:nvPicPr>
+          <p:blipFill>
+            <a:blip r:embed="rId3">
+              <a:extLst>
+                <a:ext uri="{28A0092B-C50C-407E-A947-70E740481C1C}">
+                  <a14:useLocalDpi xmlns:a14="http://schemas.microsoft.com/office/drawing/2010/main" val="0"/>
+                </a:ext>
+              </a:extLst>
+            </a:blip>
+            <a:srcRect/>
+            <a:stretch>
+              <a:fillRect/>
+            </a:stretch>
+          </p:blipFill>
+          <p:spPr bwMode="auto">
+            <a:xfrm>
+              <a:off x="4320440" y="867373"/>
+              <a:ext cx="784638" cy="910568"/>
+            </a:xfrm>
+            <a:prstGeom prst="rect">
+              <a:avLst/>
+            </a:prstGeom>
+            <a:noFill/>
+            <a:extLst>
+              <a:ext uri="{909E8E84-426E-40DD-AFC4-6F175D3DCCD1}">
+                <a14:hiddenFill xmlns:a14="http://schemas.microsoft.com/office/drawing/2010/main">
+                  <a:solidFill>
+                    <a:srgbClr val="FFFFFF"/>
+                  </a:solidFill>
+                </a14:hiddenFill>
+              </a:ext>
+            </a:extLst>
+          </p:spPr>
+        </p:pic>
+        <p:sp>
+          <p:nvSpPr>
+            <p:cNvPr id="1056" name="テキスト ボックス 1055">
+              <a:extLst>
+                <a:ext uri="{FF2B5EF4-FFF2-40B4-BE49-F238E27FC236}">
+                  <a16:creationId xmlns:a16="http://schemas.microsoft.com/office/drawing/2014/main" id="{B28D4554-AA00-12FA-F0A0-A2E5C6D0D0A2}"/>
+                </a:ext>
+              </a:extLst>
+            </p:cNvPr>
+            <p:cNvSpPr txBox="1"/>
+            <p:nvPr/>
+          </p:nvSpPr>
+          <p:spPr>
+            <a:xfrm>
+              <a:off x="4371619" y="1145199"/>
+              <a:ext cx="699230" cy="369332"/>
+            </a:xfrm>
+            <a:prstGeom prst="rect">
+              <a:avLst/>
+            </a:prstGeom>
+            <a:noFill/>
+          </p:spPr>
+          <p:txBody>
+            <a:bodyPr wrap="none" rtlCol="0">
+              <a:spAutoFit/>
+            </a:bodyPr>
+            <a:lstStyle/>
+            <a:p>
+              <a:r>
+                <a:rPr kumimoji="1" lang="en-US" altLang="ja-JP" dirty="0">
+                  <a:latin typeface="HG丸ｺﾞｼｯｸM-PRO" panose="020F0600000000000000" pitchFamily="50" charset="-128"/>
+                  <a:ea typeface="HG丸ｺﾞｼｯｸM-PRO" panose="020F0600000000000000" pitchFamily="50" charset="-128"/>
+                </a:rPr>
+                <a:t>PHP</a:t>
+              </a:r>
+              <a:endParaRPr kumimoji="1" lang="ja-JP" altLang="en-US" dirty="0">
+                <a:latin typeface="HG丸ｺﾞｼｯｸM-PRO" panose="020F0600000000000000" pitchFamily="50" charset="-128"/>
+                <a:ea typeface="HG丸ｺﾞｼｯｸM-PRO" panose="020F0600000000000000" pitchFamily="50" charset="-128"/>
+              </a:endParaRPr>
+            </a:p>
+          </p:txBody>
+        </p:sp>
+      </p:grpSp>
+      <p:grpSp>
+        <p:nvGrpSpPr>
+          <p:cNvPr id="1057" name="グループ化 1056">
+            <a:extLst>
+              <a:ext uri="{FF2B5EF4-FFF2-40B4-BE49-F238E27FC236}">
+                <a16:creationId xmlns:a16="http://schemas.microsoft.com/office/drawing/2014/main" id="{19B03F62-819E-B2DE-9E5F-C03969F87AF5}"/>
+              </a:ext>
+            </a:extLst>
+          </p:cNvPr>
+          <p:cNvGrpSpPr/>
+          <p:nvPr/>
+        </p:nvGrpSpPr>
+        <p:grpSpPr>
+          <a:xfrm>
+            <a:off x="6751486" y="5437850"/>
+            <a:ext cx="784638" cy="910568"/>
+            <a:chOff x="4320440" y="867373"/>
+            <a:chExt cx="784638" cy="910568"/>
+          </a:xfrm>
+        </p:grpSpPr>
+        <p:pic>
+          <p:nvPicPr>
+            <p:cNvPr id="1058" name="Picture 2">
+              <a:extLst>
+                <a:ext uri="{FF2B5EF4-FFF2-40B4-BE49-F238E27FC236}">
+                  <a16:creationId xmlns:a16="http://schemas.microsoft.com/office/drawing/2014/main" id="{E258F9CB-5A9B-89FE-9D6D-BFDDF36CE594}"/>
+                </a:ext>
+              </a:extLst>
+            </p:cNvPr>
+            <p:cNvPicPr>
+              <a:picLocks noChangeAspect="1" noChangeArrowheads="1"/>
+            </p:cNvPicPr>
+            <p:nvPr/>
+          </p:nvPicPr>
+          <p:blipFill>
+            <a:blip r:embed="rId3">
+              <a:extLst>
+                <a:ext uri="{28A0092B-C50C-407E-A947-70E740481C1C}">
+                  <a14:useLocalDpi xmlns:a14="http://schemas.microsoft.com/office/drawing/2010/main" val="0"/>
+                </a:ext>
+              </a:extLst>
+            </a:blip>
+            <a:srcRect/>
+            <a:stretch>
+              <a:fillRect/>
+            </a:stretch>
+          </p:blipFill>
+          <p:spPr bwMode="auto">
+            <a:xfrm>
+              <a:off x="4320440" y="867373"/>
+              <a:ext cx="784638" cy="910568"/>
+            </a:xfrm>
+            <a:prstGeom prst="rect">
+              <a:avLst/>
+            </a:prstGeom>
+            <a:noFill/>
+            <a:extLst>
+              <a:ext uri="{909E8E84-426E-40DD-AFC4-6F175D3DCCD1}">
+                <a14:hiddenFill xmlns:a14="http://schemas.microsoft.com/office/drawing/2010/main">
+                  <a:solidFill>
+                    <a:srgbClr val="FFFFFF"/>
+                  </a:solidFill>
+                </a14:hiddenFill>
+              </a:ext>
+            </a:extLst>
+          </p:spPr>
+        </p:pic>
+        <p:sp>
+          <p:nvSpPr>
+            <p:cNvPr id="1059" name="テキスト ボックス 1058">
+              <a:extLst>
+                <a:ext uri="{FF2B5EF4-FFF2-40B4-BE49-F238E27FC236}">
+                  <a16:creationId xmlns:a16="http://schemas.microsoft.com/office/drawing/2014/main" id="{D73C956C-EF75-903B-E56C-355CF1810F91}"/>
+                </a:ext>
+              </a:extLst>
+            </p:cNvPr>
+            <p:cNvSpPr txBox="1"/>
+            <p:nvPr/>
+          </p:nvSpPr>
+          <p:spPr>
+            <a:xfrm>
+              <a:off x="4371619" y="1145199"/>
+              <a:ext cx="699230" cy="369332"/>
+            </a:xfrm>
+            <a:prstGeom prst="rect">
+              <a:avLst/>
+            </a:prstGeom>
+            <a:noFill/>
+          </p:spPr>
+          <p:txBody>
+            <a:bodyPr wrap="none" rtlCol="0">
+              <a:spAutoFit/>
+            </a:bodyPr>
+            <a:lstStyle/>
+            <a:p>
+              <a:r>
+                <a:rPr kumimoji="1" lang="en-US" altLang="ja-JP" dirty="0">
+                  <a:latin typeface="HG丸ｺﾞｼｯｸM-PRO" panose="020F0600000000000000" pitchFamily="50" charset="-128"/>
+                  <a:ea typeface="HG丸ｺﾞｼｯｸM-PRO" panose="020F0600000000000000" pitchFamily="50" charset="-128"/>
+                </a:rPr>
+                <a:t>PHP</a:t>
+              </a:r>
+              <a:endParaRPr kumimoji="1" lang="ja-JP" altLang="en-US" dirty="0">
+                <a:latin typeface="HG丸ｺﾞｼｯｸM-PRO" panose="020F0600000000000000" pitchFamily="50" charset="-128"/>
+                <a:ea typeface="HG丸ｺﾞｼｯｸM-PRO" panose="020F0600000000000000" pitchFamily="50" charset="-128"/>
+              </a:endParaRPr>
+            </a:p>
+          </p:txBody>
+        </p:sp>
+      </p:grpSp>
+      <p:grpSp>
+        <p:nvGrpSpPr>
+          <p:cNvPr id="1060" name="グループ化 1059">
+            <a:extLst>
+              <a:ext uri="{FF2B5EF4-FFF2-40B4-BE49-F238E27FC236}">
+                <a16:creationId xmlns:a16="http://schemas.microsoft.com/office/drawing/2014/main" id="{8E1F3E2F-C57E-5634-B984-116E93E9B8BA}"/>
+              </a:ext>
+            </a:extLst>
+          </p:cNvPr>
+          <p:cNvGrpSpPr/>
+          <p:nvPr/>
+        </p:nvGrpSpPr>
+        <p:grpSpPr>
+          <a:xfrm>
+            <a:off x="6083558" y="5583042"/>
+            <a:ext cx="784638" cy="910568"/>
+            <a:chOff x="4320440" y="867373"/>
+            <a:chExt cx="784638" cy="910568"/>
+          </a:xfrm>
+        </p:grpSpPr>
+        <p:pic>
+          <p:nvPicPr>
+            <p:cNvPr id="1061" name="Picture 2">
+              <a:extLst>
+                <a:ext uri="{FF2B5EF4-FFF2-40B4-BE49-F238E27FC236}">
+                  <a16:creationId xmlns:a16="http://schemas.microsoft.com/office/drawing/2014/main" id="{5657D61D-88EF-F743-F9DB-B3D9265D3467}"/>
+                </a:ext>
+              </a:extLst>
+            </p:cNvPr>
+            <p:cNvPicPr>
+              <a:picLocks noChangeAspect="1" noChangeArrowheads="1"/>
+            </p:cNvPicPr>
+            <p:nvPr/>
+          </p:nvPicPr>
+          <p:blipFill>
+            <a:blip r:embed="rId3">
+              <a:extLst>
+                <a:ext uri="{28A0092B-C50C-407E-A947-70E740481C1C}">
+                  <a14:useLocalDpi xmlns:a14="http://schemas.microsoft.com/office/drawing/2010/main" val="0"/>
+                </a:ext>
+              </a:extLst>
+            </a:blip>
+            <a:srcRect/>
+            <a:stretch>
+              <a:fillRect/>
+            </a:stretch>
+          </p:blipFill>
+          <p:spPr bwMode="auto">
+            <a:xfrm>
+              <a:off x="4320440" y="867373"/>
+              <a:ext cx="784638" cy="910568"/>
+            </a:xfrm>
+            <a:prstGeom prst="rect">
+              <a:avLst/>
+            </a:prstGeom>
+            <a:noFill/>
+            <a:extLst>
+              <a:ext uri="{909E8E84-426E-40DD-AFC4-6F175D3DCCD1}">
+                <a14:hiddenFill xmlns:a14="http://schemas.microsoft.com/office/drawing/2010/main">
+                  <a:solidFill>
+                    <a:srgbClr val="FFFFFF"/>
+                  </a:solidFill>
+                </a14:hiddenFill>
+              </a:ext>
+            </a:extLst>
+          </p:spPr>
+        </p:pic>
+        <p:sp>
+          <p:nvSpPr>
+            <p:cNvPr id="1062" name="テキスト ボックス 1061">
+              <a:extLst>
+                <a:ext uri="{FF2B5EF4-FFF2-40B4-BE49-F238E27FC236}">
+                  <a16:creationId xmlns:a16="http://schemas.microsoft.com/office/drawing/2014/main" id="{AFB3DEE2-392E-6537-1112-44DEC8C31640}"/>
+                </a:ext>
+              </a:extLst>
+            </p:cNvPr>
+            <p:cNvSpPr txBox="1"/>
+            <p:nvPr/>
+          </p:nvSpPr>
+          <p:spPr>
+            <a:xfrm>
+              <a:off x="4371619" y="1145199"/>
+              <a:ext cx="699230" cy="369332"/>
+            </a:xfrm>
+            <a:prstGeom prst="rect">
+              <a:avLst/>
+            </a:prstGeom>
+            <a:noFill/>
+          </p:spPr>
+          <p:txBody>
+            <a:bodyPr wrap="none" rtlCol="0">
+              <a:spAutoFit/>
+            </a:bodyPr>
+            <a:lstStyle/>
+            <a:p>
+              <a:r>
+                <a:rPr kumimoji="1" lang="en-US" altLang="ja-JP" dirty="0">
+                  <a:latin typeface="HG丸ｺﾞｼｯｸM-PRO" panose="020F0600000000000000" pitchFamily="50" charset="-128"/>
+                  <a:ea typeface="HG丸ｺﾞｼｯｸM-PRO" panose="020F0600000000000000" pitchFamily="50" charset="-128"/>
+                </a:rPr>
+                <a:t>PHP</a:t>
+              </a:r>
+              <a:endParaRPr kumimoji="1" lang="ja-JP" altLang="en-US" dirty="0">
+                <a:latin typeface="HG丸ｺﾞｼｯｸM-PRO" panose="020F0600000000000000" pitchFamily="50" charset="-128"/>
+                <a:ea typeface="HG丸ｺﾞｼｯｸM-PRO" panose="020F0600000000000000" pitchFamily="50" charset="-128"/>
+              </a:endParaRPr>
+            </a:p>
+          </p:txBody>
+        </p:sp>
+      </p:grpSp>
+      <p:grpSp>
+        <p:nvGrpSpPr>
+          <p:cNvPr id="1063" name="グループ化 1062">
+            <a:extLst>
+              <a:ext uri="{FF2B5EF4-FFF2-40B4-BE49-F238E27FC236}">
+                <a16:creationId xmlns:a16="http://schemas.microsoft.com/office/drawing/2014/main" id="{8565EE50-BC48-745E-BED4-B94C18F2FFE4}"/>
+              </a:ext>
+            </a:extLst>
+          </p:cNvPr>
+          <p:cNvGrpSpPr/>
+          <p:nvPr/>
+        </p:nvGrpSpPr>
+        <p:grpSpPr>
+          <a:xfrm>
+            <a:off x="6903886" y="5590250"/>
+            <a:ext cx="784638" cy="910568"/>
+            <a:chOff x="4320440" y="867373"/>
+            <a:chExt cx="784638" cy="910568"/>
+          </a:xfrm>
+        </p:grpSpPr>
+        <p:pic>
+          <p:nvPicPr>
+            <p:cNvPr id="1064" name="Picture 2">
+              <a:extLst>
+                <a:ext uri="{FF2B5EF4-FFF2-40B4-BE49-F238E27FC236}">
+                  <a16:creationId xmlns:a16="http://schemas.microsoft.com/office/drawing/2014/main" id="{75F8D6D1-7B36-1F9F-2D6C-4991322A027E}"/>
+                </a:ext>
+              </a:extLst>
+            </p:cNvPr>
+            <p:cNvPicPr>
+              <a:picLocks noChangeAspect="1" noChangeArrowheads="1"/>
+            </p:cNvPicPr>
+            <p:nvPr/>
+          </p:nvPicPr>
+          <p:blipFill>
+            <a:blip r:embed="rId3">
+              <a:extLst>
+                <a:ext uri="{28A0092B-C50C-407E-A947-70E740481C1C}">
+                  <a14:useLocalDpi xmlns:a14="http://schemas.microsoft.com/office/drawing/2010/main" val="0"/>
+                </a:ext>
+              </a:extLst>
+            </a:blip>
+            <a:srcRect/>
+            <a:stretch>
+              <a:fillRect/>
+            </a:stretch>
+          </p:blipFill>
+          <p:spPr bwMode="auto">
+            <a:xfrm>
+              <a:off x="4320440" y="867373"/>
+              <a:ext cx="784638" cy="910568"/>
+            </a:xfrm>
+            <a:prstGeom prst="rect">
+              <a:avLst/>
+            </a:prstGeom>
+            <a:noFill/>
+            <a:extLst>
+              <a:ext uri="{909E8E84-426E-40DD-AFC4-6F175D3DCCD1}">
+                <a14:hiddenFill xmlns:a14="http://schemas.microsoft.com/office/drawing/2010/main">
+                  <a:solidFill>
+                    <a:srgbClr val="FFFFFF"/>
+                  </a:solidFill>
+                </a14:hiddenFill>
+              </a:ext>
+            </a:extLst>
+          </p:spPr>
+        </p:pic>
+        <p:sp>
+          <p:nvSpPr>
+            <p:cNvPr id="1065" name="テキスト ボックス 1064">
+              <a:extLst>
+                <a:ext uri="{FF2B5EF4-FFF2-40B4-BE49-F238E27FC236}">
+                  <a16:creationId xmlns:a16="http://schemas.microsoft.com/office/drawing/2014/main" id="{4C62DFC9-C03C-D30E-024F-3A8DAD93F5AF}"/>
+                </a:ext>
+              </a:extLst>
+            </p:cNvPr>
+            <p:cNvSpPr txBox="1"/>
+            <p:nvPr/>
+          </p:nvSpPr>
+          <p:spPr>
+            <a:xfrm>
+              <a:off x="4371619" y="1145199"/>
+              <a:ext cx="699230" cy="369332"/>
+            </a:xfrm>
+            <a:prstGeom prst="rect">
+              <a:avLst/>
+            </a:prstGeom>
+            <a:noFill/>
+          </p:spPr>
+          <p:txBody>
+            <a:bodyPr wrap="none" rtlCol="0">
+              <a:spAutoFit/>
+            </a:bodyPr>
+            <a:lstStyle/>
+            <a:p>
+              <a:r>
+                <a:rPr kumimoji="1" lang="en-US" altLang="ja-JP" dirty="0">
+                  <a:latin typeface="HG丸ｺﾞｼｯｸM-PRO" panose="020F0600000000000000" pitchFamily="50" charset="-128"/>
+                  <a:ea typeface="HG丸ｺﾞｼｯｸM-PRO" panose="020F0600000000000000" pitchFamily="50" charset="-128"/>
+                </a:rPr>
+                <a:t>PHP</a:t>
+              </a:r>
+              <a:endParaRPr kumimoji="1" lang="ja-JP" altLang="en-US" dirty="0">
+                <a:latin typeface="HG丸ｺﾞｼｯｸM-PRO" panose="020F0600000000000000" pitchFamily="50" charset="-128"/>
+                <a:ea typeface="HG丸ｺﾞｼｯｸM-PRO" panose="020F0600000000000000" pitchFamily="50" charset="-128"/>
+              </a:endParaRPr>
+            </a:p>
+          </p:txBody>
+        </p:sp>
+      </p:grpSp>
+      <p:grpSp>
+        <p:nvGrpSpPr>
+          <p:cNvPr id="1066" name="グループ化 1065">
+            <a:extLst>
+              <a:ext uri="{FF2B5EF4-FFF2-40B4-BE49-F238E27FC236}">
+                <a16:creationId xmlns:a16="http://schemas.microsoft.com/office/drawing/2014/main" id="{95380813-F0BA-889C-4F53-714D72AFC6AE}"/>
+              </a:ext>
+            </a:extLst>
+          </p:cNvPr>
+          <p:cNvGrpSpPr/>
+          <p:nvPr/>
+        </p:nvGrpSpPr>
+        <p:grpSpPr>
+          <a:xfrm>
+            <a:off x="6235958" y="5735442"/>
+            <a:ext cx="784638" cy="910568"/>
+            <a:chOff x="4320440" y="867373"/>
+            <a:chExt cx="784638" cy="910568"/>
+          </a:xfrm>
+        </p:grpSpPr>
+        <p:pic>
+          <p:nvPicPr>
+            <p:cNvPr id="1067" name="Picture 2">
+              <a:extLst>
+                <a:ext uri="{FF2B5EF4-FFF2-40B4-BE49-F238E27FC236}">
+                  <a16:creationId xmlns:a16="http://schemas.microsoft.com/office/drawing/2014/main" id="{DBEA1428-1E8C-3BA0-8A53-475D9E7C6AAF}"/>
+                </a:ext>
+              </a:extLst>
+            </p:cNvPr>
+            <p:cNvPicPr>
+              <a:picLocks noChangeAspect="1" noChangeArrowheads="1"/>
+            </p:cNvPicPr>
+            <p:nvPr/>
+          </p:nvPicPr>
+          <p:blipFill>
+            <a:blip r:embed="rId3">
+              <a:extLst>
+                <a:ext uri="{28A0092B-C50C-407E-A947-70E740481C1C}">
+                  <a14:useLocalDpi xmlns:a14="http://schemas.microsoft.com/office/drawing/2010/main" val="0"/>
+                </a:ext>
+              </a:extLst>
+            </a:blip>
+            <a:srcRect/>
+            <a:stretch>
+              <a:fillRect/>
+            </a:stretch>
+          </p:blipFill>
+          <p:spPr bwMode="auto">
+            <a:xfrm>
+              <a:off x="4320440" y="867373"/>
+              <a:ext cx="784638" cy="910568"/>
+            </a:xfrm>
+            <a:prstGeom prst="rect">
+              <a:avLst/>
+            </a:prstGeom>
+            <a:noFill/>
+            <a:extLst>
+              <a:ext uri="{909E8E84-426E-40DD-AFC4-6F175D3DCCD1}">
+                <a14:hiddenFill xmlns:a14="http://schemas.microsoft.com/office/drawing/2010/main">
+                  <a:solidFill>
+                    <a:srgbClr val="FFFFFF"/>
+                  </a:solidFill>
+                </a14:hiddenFill>
+              </a:ext>
+            </a:extLst>
+          </p:spPr>
+        </p:pic>
+        <p:sp>
+          <p:nvSpPr>
+            <p:cNvPr id="1068" name="テキスト ボックス 1067">
+              <a:extLst>
+                <a:ext uri="{FF2B5EF4-FFF2-40B4-BE49-F238E27FC236}">
+                  <a16:creationId xmlns:a16="http://schemas.microsoft.com/office/drawing/2014/main" id="{1456E55C-6B90-ABC8-A36A-F97C271645A8}"/>
+                </a:ext>
+              </a:extLst>
+            </p:cNvPr>
+            <p:cNvSpPr txBox="1"/>
+            <p:nvPr/>
+          </p:nvSpPr>
+          <p:spPr>
+            <a:xfrm>
+              <a:off x="4371619" y="1145199"/>
+              <a:ext cx="699230" cy="369332"/>
+            </a:xfrm>
+            <a:prstGeom prst="rect">
+              <a:avLst/>
+            </a:prstGeom>
+            <a:noFill/>
+          </p:spPr>
+          <p:txBody>
+            <a:bodyPr wrap="none" rtlCol="0">
+              <a:spAutoFit/>
+            </a:bodyPr>
+            <a:lstStyle/>
+            <a:p>
+              <a:r>
+                <a:rPr kumimoji="1" lang="en-US" altLang="ja-JP" dirty="0">
+                  <a:latin typeface="HG丸ｺﾞｼｯｸM-PRO" panose="020F0600000000000000" pitchFamily="50" charset="-128"/>
+                  <a:ea typeface="HG丸ｺﾞｼｯｸM-PRO" panose="020F0600000000000000" pitchFamily="50" charset="-128"/>
+                </a:rPr>
+                <a:t>PHP</a:t>
+              </a:r>
+              <a:endParaRPr kumimoji="1" lang="ja-JP" altLang="en-US" dirty="0">
+                <a:latin typeface="HG丸ｺﾞｼｯｸM-PRO" panose="020F0600000000000000" pitchFamily="50" charset="-128"/>
+                <a:ea typeface="HG丸ｺﾞｼｯｸM-PRO" panose="020F0600000000000000" pitchFamily="50" charset="-128"/>
+              </a:endParaRPr>
+            </a:p>
+          </p:txBody>
+        </p:sp>
+      </p:grpSp>
+      <p:grpSp>
+        <p:nvGrpSpPr>
+          <p:cNvPr id="1069" name="グループ化 1068">
+            <a:extLst>
+              <a:ext uri="{FF2B5EF4-FFF2-40B4-BE49-F238E27FC236}">
+                <a16:creationId xmlns:a16="http://schemas.microsoft.com/office/drawing/2014/main" id="{C5037324-B81C-BDF9-29A5-56A5261CDE82}"/>
+              </a:ext>
+            </a:extLst>
+          </p:cNvPr>
+          <p:cNvGrpSpPr/>
+          <p:nvPr/>
+        </p:nvGrpSpPr>
+        <p:grpSpPr>
+          <a:xfrm>
+            <a:off x="7056286" y="5742650"/>
+            <a:ext cx="784638" cy="910568"/>
+            <a:chOff x="4320440" y="867373"/>
+            <a:chExt cx="784638" cy="910568"/>
+          </a:xfrm>
+        </p:grpSpPr>
+        <p:pic>
+          <p:nvPicPr>
+            <p:cNvPr id="1070" name="Picture 2">
+              <a:extLst>
+                <a:ext uri="{FF2B5EF4-FFF2-40B4-BE49-F238E27FC236}">
+                  <a16:creationId xmlns:a16="http://schemas.microsoft.com/office/drawing/2014/main" id="{B959D099-B50E-0870-7418-CBEA2C5F599D}"/>
+                </a:ext>
+              </a:extLst>
+            </p:cNvPr>
+            <p:cNvPicPr>
+              <a:picLocks noChangeAspect="1" noChangeArrowheads="1"/>
+            </p:cNvPicPr>
+            <p:nvPr/>
+          </p:nvPicPr>
+          <p:blipFill>
+            <a:blip r:embed="rId3">
+              <a:extLst>
+                <a:ext uri="{28A0092B-C50C-407E-A947-70E740481C1C}">
+                  <a14:useLocalDpi xmlns:a14="http://schemas.microsoft.com/office/drawing/2010/main" val="0"/>
+                </a:ext>
+              </a:extLst>
+            </a:blip>
+            <a:srcRect/>
+            <a:stretch>
+              <a:fillRect/>
+            </a:stretch>
+          </p:blipFill>
+          <p:spPr bwMode="auto">
+            <a:xfrm>
+              <a:off x="4320440" y="867373"/>
+              <a:ext cx="784638" cy="910568"/>
+            </a:xfrm>
+            <a:prstGeom prst="rect">
+              <a:avLst/>
+            </a:prstGeom>
+            <a:noFill/>
+            <a:extLst>
+              <a:ext uri="{909E8E84-426E-40DD-AFC4-6F175D3DCCD1}">
+                <a14:hiddenFill xmlns:a14="http://schemas.microsoft.com/office/drawing/2010/main">
+                  <a:solidFill>
+                    <a:srgbClr val="FFFFFF"/>
+                  </a:solidFill>
+                </a14:hiddenFill>
+              </a:ext>
+            </a:extLst>
+          </p:spPr>
+        </p:pic>
+        <p:sp>
+          <p:nvSpPr>
+            <p:cNvPr id="1071" name="テキスト ボックス 1070">
+              <a:extLst>
+                <a:ext uri="{FF2B5EF4-FFF2-40B4-BE49-F238E27FC236}">
+                  <a16:creationId xmlns:a16="http://schemas.microsoft.com/office/drawing/2014/main" id="{CDBF47C6-E0A8-9800-8E78-15FD9F63A47C}"/>
+                </a:ext>
+              </a:extLst>
+            </p:cNvPr>
+            <p:cNvSpPr txBox="1"/>
+            <p:nvPr/>
+          </p:nvSpPr>
+          <p:spPr>
+            <a:xfrm>
+              <a:off x="4371619" y="1145199"/>
+              <a:ext cx="699230" cy="369332"/>
+            </a:xfrm>
+            <a:prstGeom prst="rect">
+              <a:avLst/>
+            </a:prstGeom>
+            <a:noFill/>
+          </p:spPr>
+          <p:txBody>
+            <a:bodyPr wrap="none" rtlCol="0">
+              <a:spAutoFit/>
+            </a:bodyPr>
+            <a:lstStyle/>
+            <a:p>
+              <a:r>
+                <a:rPr kumimoji="1" lang="en-US" altLang="ja-JP" dirty="0">
+                  <a:latin typeface="HG丸ｺﾞｼｯｸM-PRO" panose="020F0600000000000000" pitchFamily="50" charset="-128"/>
+                  <a:ea typeface="HG丸ｺﾞｼｯｸM-PRO" panose="020F0600000000000000" pitchFamily="50" charset="-128"/>
+                </a:rPr>
+                <a:t>PHP</a:t>
+              </a:r>
+              <a:endParaRPr kumimoji="1" lang="ja-JP" altLang="en-US" dirty="0">
+                <a:latin typeface="HG丸ｺﾞｼｯｸM-PRO" panose="020F0600000000000000" pitchFamily="50" charset="-128"/>
+                <a:ea typeface="HG丸ｺﾞｼｯｸM-PRO" panose="020F0600000000000000" pitchFamily="50" charset="-128"/>
+              </a:endParaRPr>
+            </a:p>
+          </p:txBody>
+        </p:sp>
+      </p:grpSp>
     </p:spTree>
     <p:extLst>
       <p:ext uri="{BB962C8B-B14F-4D97-AF65-F5344CB8AC3E}">
@@ -9527,6 +12195,1679 @@
 </p:sld>
 </file>
 
+<file path=ppt/slides/slide16.xml><?xml version="1.0" encoding="utf-8"?>
+<p:sld xmlns:a="http://schemas.openxmlformats.org/drawingml/2006/main" xmlns:r="http://schemas.openxmlformats.org/officeDocument/2006/relationships" xmlns:p="http://schemas.openxmlformats.org/presentationml/2006/main">
+  <p:cSld>
+    <p:spTree>
+      <p:nvGrpSpPr>
+        <p:cNvPr id="1" name=""/>
+        <p:cNvGrpSpPr/>
+        <p:nvPr/>
+      </p:nvGrpSpPr>
+      <p:grpSpPr>
+        <a:xfrm>
+          <a:off x="0" y="0"/>
+          <a:ext cx="0" cy="0"/>
+          <a:chOff x="0" y="0"/>
+          <a:chExt cx="0" cy="0"/>
+        </a:xfrm>
+      </p:grpSpPr>
+      <p:sp>
+        <p:nvSpPr>
+          <p:cNvPr id="17" name="吹き出し: 角を丸めた四角形 16">
+            <a:extLst>
+              <a:ext uri="{FF2B5EF4-FFF2-40B4-BE49-F238E27FC236}">
+                <a16:creationId xmlns:a16="http://schemas.microsoft.com/office/drawing/2014/main" id="{2FC6A0BA-8326-F20F-6852-0A34EFF6B322}"/>
+              </a:ext>
+            </a:extLst>
+          </p:cNvPr>
+          <p:cNvSpPr/>
+          <p:nvPr/>
+        </p:nvSpPr>
+        <p:spPr>
+          <a:xfrm>
+            <a:off x="5386833" y="3601454"/>
+            <a:ext cx="6058335" cy="2487887"/>
+          </a:xfrm>
+          <a:prstGeom prst="wedgeRoundRectCallout">
+            <a:avLst>
+              <a:gd name="adj1" fmla="val -56354"/>
+              <a:gd name="adj2" fmla="val -15234"/>
+              <a:gd name="adj3" fmla="val 16667"/>
+            </a:avLst>
+          </a:prstGeom>
+        </p:spPr>
+        <p:style>
+          <a:lnRef idx="2">
+            <a:schemeClr val="accent1">
+              <a:shade val="15000"/>
+            </a:schemeClr>
+          </a:lnRef>
+          <a:fillRef idx="1">
+            <a:schemeClr val="accent1"/>
+          </a:fillRef>
+          <a:effectRef idx="0">
+            <a:schemeClr val="accent1"/>
+          </a:effectRef>
+          <a:fontRef idx="minor">
+            <a:schemeClr val="lt1"/>
+          </a:fontRef>
+        </p:style>
+        <p:txBody>
+          <a:bodyPr rtlCol="0" anchor="ctr"/>
+          <a:lstStyle/>
+          <a:p>
+            <a:pPr algn="ctr"/>
+            <a:endParaRPr kumimoji="1" lang="ja-JP" altLang="en-US"/>
+          </a:p>
+        </p:txBody>
+      </p:sp>
+      <p:sp>
+        <p:nvSpPr>
+          <p:cNvPr id="2" name="タイトル 1">
+            <a:extLst>
+              <a:ext uri="{FF2B5EF4-FFF2-40B4-BE49-F238E27FC236}">
+                <a16:creationId xmlns:a16="http://schemas.microsoft.com/office/drawing/2014/main" id="{63AF7F2B-0F61-E0B4-7BB8-6E42CCA0BA47}"/>
+              </a:ext>
+            </a:extLst>
+          </p:cNvPr>
+          <p:cNvSpPr>
+            <a:spLocks noGrp="1"/>
+          </p:cNvSpPr>
+          <p:nvPr>
+            <p:ph type="title"/>
+          </p:nvPr>
+        </p:nvSpPr>
+        <p:spPr/>
+        <p:txBody>
+          <a:bodyPr/>
+          <a:lstStyle/>
+          <a:p>
+            <a:r>
+              <a:rPr kumimoji="1" lang="en-US" altLang="ja-JP" dirty="0"/>
+              <a:t>Model</a:t>
+            </a:r>
+            <a:endParaRPr kumimoji="1" lang="ja-JP" altLang="en-US" dirty="0"/>
+          </a:p>
+        </p:txBody>
+      </p:sp>
+      <p:sp>
+        <p:nvSpPr>
+          <p:cNvPr id="3" name="コンテンツ プレースホルダー 2">
+            <a:extLst>
+              <a:ext uri="{FF2B5EF4-FFF2-40B4-BE49-F238E27FC236}">
+                <a16:creationId xmlns:a16="http://schemas.microsoft.com/office/drawing/2014/main" id="{1BF5D542-FC01-2466-2A75-47D8FC3166D8}"/>
+              </a:ext>
+            </a:extLst>
+          </p:cNvPr>
+          <p:cNvSpPr>
+            <a:spLocks noGrp="1"/>
+          </p:cNvSpPr>
+          <p:nvPr>
+            <p:ph idx="1"/>
+          </p:nvPr>
+        </p:nvSpPr>
+        <p:spPr/>
+        <p:txBody>
+          <a:bodyPr/>
+          <a:lstStyle/>
+          <a:p>
+            <a:r>
+              <a:rPr kumimoji="1" lang="en-US" altLang="ja-JP" dirty="0"/>
+              <a:t>Controller</a:t>
+            </a:r>
+            <a:r>
+              <a:rPr kumimoji="1" lang="ja-JP" altLang="en-US" dirty="0"/>
+              <a:t>の指示を受けて、</a:t>
+            </a:r>
+            <a:r>
+              <a:rPr kumimoji="1" lang="en-US" altLang="ja-JP" dirty="0"/>
+              <a:t>DB</a:t>
+            </a:r>
+            <a:r>
+              <a:rPr kumimoji="1" lang="ja-JP" altLang="en-US" dirty="0"/>
+              <a:t>（データベース）とやり取りをする</a:t>
+            </a:r>
+            <a:endParaRPr kumimoji="1" lang="en-US" altLang="ja-JP" dirty="0"/>
+          </a:p>
+          <a:p>
+            <a:r>
+              <a:rPr lang="ja-JP" altLang="en-US" dirty="0"/>
+              <a:t>内容は</a:t>
+            </a:r>
+            <a:r>
+              <a:rPr lang="en-US" altLang="ja-JP" dirty="0"/>
+              <a:t>CRUD</a:t>
+            </a:r>
+            <a:r>
+              <a:rPr lang="ja-JP" altLang="en-US" dirty="0"/>
+              <a:t>処理（</a:t>
+            </a:r>
+            <a:r>
+              <a:rPr lang="en-US" altLang="ja-JP" dirty="0"/>
+              <a:t>Create, Read, Update, Delete</a:t>
+            </a:r>
+            <a:r>
+              <a:rPr lang="ja-JP" altLang="en-US" dirty="0"/>
+              <a:t>）</a:t>
+            </a:r>
+            <a:endParaRPr lang="en-US" altLang="ja-JP" dirty="0"/>
+          </a:p>
+          <a:p>
+            <a:r>
+              <a:rPr kumimoji="1" lang="en-US" altLang="ja-JP" dirty="0"/>
+              <a:t>DB</a:t>
+            </a:r>
+            <a:r>
+              <a:rPr kumimoji="1" lang="ja-JP" altLang="en-US" dirty="0"/>
+              <a:t>内にテーブル（表）が複数ある場合、</a:t>
+            </a:r>
+            <a:r>
+              <a:rPr kumimoji="1" lang="en-US" altLang="ja-JP" dirty="0"/>
+              <a:t>Model</a:t>
+            </a:r>
+            <a:r>
+              <a:rPr kumimoji="1" lang="ja-JP" altLang="en-US" dirty="0"/>
+              <a:t>はテーブルの数だけ用意する</a:t>
+            </a:r>
+            <a:endParaRPr kumimoji="1" lang="en-US" altLang="ja-JP" dirty="0"/>
+          </a:p>
+          <a:p>
+            <a:r>
+              <a:rPr lang="en-US" altLang="ja-JP" dirty="0"/>
+              <a:t>SQL</a:t>
+            </a:r>
+            <a:r>
+              <a:rPr lang="ja-JP" altLang="en-US" dirty="0"/>
+              <a:t>文を書かなくて済む（開発効率が爆上がり）</a:t>
+            </a:r>
+            <a:endParaRPr kumimoji="1" lang="ja-JP" altLang="en-US" dirty="0"/>
+          </a:p>
+        </p:txBody>
+      </p:sp>
+      <p:sp>
+        <p:nvSpPr>
+          <p:cNvPr id="4" name="スライド番号プレースホルダー 3">
+            <a:extLst>
+              <a:ext uri="{FF2B5EF4-FFF2-40B4-BE49-F238E27FC236}">
+                <a16:creationId xmlns:a16="http://schemas.microsoft.com/office/drawing/2014/main" id="{C0D24977-EC49-4DED-6F76-C0072ECEC535}"/>
+              </a:ext>
+            </a:extLst>
+          </p:cNvPr>
+          <p:cNvSpPr>
+            <a:spLocks noGrp="1"/>
+          </p:cNvSpPr>
+          <p:nvPr>
+            <p:ph type="sldNum" sz="quarter" idx="12"/>
+          </p:nvPr>
+        </p:nvSpPr>
+        <p:spPr/>
+        <p:txBody>
+          <a:bodyPr/>
+          <a:lstStyle/>
+          <a:p>
+            <a:fld id="{F0E75ABD-E329-4735-B6E0-3752012DC264}" type="slidenum">
+              <a:rPr kumimoji="1" lang="ja-JP" altLang="en-US" smtClean="0"/>
+              <a:t>16</a:t>
+            </a:fld>
+            <a:endParaRPr kumimoji="1" lang="ja-JP" altLang="en-US"/>
+          </a:p>
+        </p:txBody>
+      </p:sp>
+      <p:pic>
+        <p:nvPicPr>
+          <p:cNvPr id="8" name="図 7">
+            <a:extLst>
+              <a:ext uri="{FF2B5EF4-FFF2-40B4-BE49-F238E27FC236}">
+                <a16:creationId xmlns:a16="http://schemas.microsoft.com/office/drawing/2014/main" id="{3106D01A-1C2B-2002-CE47-0A427F5F796B}"/>
+              </a:ext>
+            </a:extLst>
+          </p:cNvPr>
+          <p:cNvPicPr>
+            <a:picLocks noChangeAspect="1"/>
+          </p:cNvPicPr>
+          <p:nvPr/>
+        </p:nvPicPr>
+        <p:blipFill>
+          <a:blip r:embed="rId2"/>
+          <a:stretch>
+            <a:fillRect/>
+          </a:stretch>
+        </p:blipFill>
+        <p:spPr>
+          <a:xfrm>
+            <a:off x="5870318" y="3705769"/>
+            <a:ext cx="5272087" cy="2181225"/>
+          </a:xfrm>
+          <a:prstGeom prst="rect">
+            <a:avLst/>
+          </a:prstGeom>
+        </p:spPr>
+      </p:pic>
+      <p:sp>
+        <p:nvSpPr>
+          <p:cNvPr id="9" name="四角形: 角を丸くする 8">
+            <a:extLst>
+              <a:ext uri="{FF2B5EF4-FFF2-40B4-BE49-F238E27FC236}">
+                <a16:creationId xmlns:a16="http://schemas.microsoft.com/office/drawing/2014/main" id="{2DC61E96-148B-F3B5-33E2-85EE6A9A93FA}"/>
+              </a:ext>
+            </a:extLst>
+          </p:cNvPr>
+          <p:cNvSpPr/>
+          <p:nvPr/>
+        </p:nvSpPr>
+        <p:spPr>
+          <a:xfrm>
+            <a:off x="1877219" y="4295827"/>
+            <a:ext cx="873760" cy="396240"/>
+          </a:xfrm>
+          <a:prstGeom prst="roundRect">
+            <a:avLst/>
+          </a:prstGeom>
+          <a:solidFill>
+            <a:srgbClr val="FF0000">
+              <a:alpha val="20000"/>
+            </a:srgbClr>
+          </a:solidFill>
+          <a:ln w="38100">
+            <a:solidFill>
+              <a:srgbClr val="FF0000"/>
+            </a:solidFill>
+          </a:ln>
+        </p:spPr>
+        <p:style>
+          <a:lnRef idx="2">
+            <a:schemeClr val="accent1">
+              <a:shade val="15000"/>
+            </a:schemeClr>
+          </a:lnRef>
+          <a:fillRef idx="1">
+            <a:schemeClr val="accent1"/>
+          </a:fillRef>
+          <a:effectRef idx="0">
+            <a:schemeClr val="accent1"/>
+          </a:effectRef>
+          <a:fontRef idx="minor">
+            <a:schemeClr val="lt1"/>
+          </a:fontRef>
+        </p:style>
+        <p:txBody>
+          <a:bodyPr rtlCol="0" anchor="ctr"/>
+          <a:lstStyle/>
+          <a:p>
+            <a:pPr algn="ctr"/>
+            <a:endParaRPr kumimoji="1" lang="ja-JP" altLang="en-US"/>
+          </a:p>
+        </p:txBody>
+      </p:sp>
+      <p:sp>
+        <p:nvSpPr>
+          <p:cNvPr id="10" name="正方形/長方形 9">
+            <a:extLst>
+              <a:ext uri="{FF2B5EF4-FFF2-40B4-BE49-F238E27FC236}">
+                <a16:creationId xmlns:a16="http://schemas.microsoft.com/office/drawing/2014/main" id="{91737AD0-1E0E-31DC-4F56-8355DA059CEA}"/>
+              </a:ext>
+            </a:extLst>
+          </p:cNvPr>
+          <p:cNvSpPr/>
+          <p:nvPr/>
+        </p:nvSpPr>
+        <p:spPr>
+          <a:xfrm>
+            <a:off x="1282859" y="4133729"/>
+            <a:ext cx="2062480" cy="711200"/>
+          </a:xfrm>
+          <a:prstGeom prst="rect">
+            <a:avLst/>
+          </a:prstGeom>
+          <a:noFill/>
+          <a:ln w="19050">
+            <a:solidFill>
+              <a:schemeClr val="tx1"/>
+            </a:solidFill>
+          </a:ln>
+        </p:spPr>
+        <p:style>
+          <a:lnRef idx="2">
+            <a:schemeClr val="accent1">
+              <a:shade val="15000"/>
+            </a:schemeClr>
+          </a:lnRef>
+          <a:fillRef idx="1">
+            <a:schemeClr val="accent1"/>
+          </a:fillRef>
+          <a:effectRef idx="0">
+            <a:schemeClr val="accent1"/>
+          </a:effectRef>
+          <a:fontRef idx="minor">
+            <a:schemeClr val="lt1"/>
+          </a:fontRef>
+        </p:style>
+        <p:txBody>
+          <a:bodyPr rtlCol="0" anchor="ctr"/>
+          <a:lstStyle/>
+          <a:p>
+            <a:pPr algn="ctr"/>
+            <a:r>
+              <a:rPr kumimoji="1" lang="en-US" altLang="ja-JP" sz="1600" dirty="0">
+                <a:solidFill>
+                  <a:schemeClr val="tx1"/>
+                </a:solidFill>
+                <a:latin typeface="HG丸ｺﾞｼｯｸM-PRO" panose="020F0600000000000000" pitchFamily="50" charset="-128"/>
+                <a:ea typeface="HG丸ｺﾞｼｯｸM-PRO" panose="020F0600000000000000" pitchFamily="50" charset="-128"/>
+              </a:rPr>
+              <a:t>Model</a:t>
+            </a:r>
+            <a:endParaRPr kumimoji="1" lang="ja-JP" altLang="en-US" sz="1600" dirty="0">
+              <a:solidFill>
+                <a:schemeClr val="tx1"/>
+              </a:solidFill>
+              <a:latin typeface="HG丸ｺﾞｼｯｸM-PRO" panose="020F0600000000000000" pitchFamily="50" charset="-128"/>
+              <a:ea typeface="HG丸ｺﾞｼｯｸM-PRO" panose="020F0600000000000000" pitchFamily="50" charset="-128"/>
+            </a:endParaRPr>
+          </a:p>
+        </p:txBody>
+      </p:sp>
+      <p:grpSp>
+        <p:nvGrpSpPr>
+          <p:cNvPr id="11" name="グループ化 10">
+            <a:extLst>
+              <a:ext uri="{FF2B5EF4-FFF2-40B4-BE49-F238E27FC236}">
+                <a16:creationId xmlns:a16="http://schemas.microsoft.com/office/drawing/2014/main" id="{714284A7-6436-D7E3-DA5C-9E33EF35B97F}"/>
+              </a:ext>
+            </a:extLst>
+          </p:cNvPr>
+          <p:cNvGrpSpPr/>
+          <p:nvPr/>
+        </p:nvGrpSpPr>
+        <p:grpSpPr>
+          <a:xfrm>
+            <a:off x="2735947" y="4523511"/>
+            <a:ext cx="784638" cy="910568"/>
+            <a:chOff x="4320440" y="867373"/>
+            <a:chExt cx="784638" cy="910568"/>
+          </a:xfrm>
+        </p:grpSpPr>
+        <p:pic>
+          <p:nvPicPr>
+            <p:cNvPr id="12" name="Picture 2">
+              <a:extLst>
+                <a:ext uri="{FF2B5EF4-FFF2-40B4-BE49-F238E27FC236}">
+                  <a16:creationId xmlns:a16="http://schemas.microsoft.com/office/drawing/2014/main" id="{EB1928BB-B1E5-DB84-E3D7-623F3D2F60EA}"/>
+                </a:ext>
+              </a:extLst>
+            </p:cNvPr>
+            <p:cNvPicPr>
+              <a:picLocks noChangeAspect="1" noChangeArrowheads="1"/>
+            </p:cNvPicPr>
+            <p:nvPr/>
+          </p:nvPicPr>
+          <p:blipFill>
+            <a:blip r:embed="rId3">
+              <a:extLst>
+                <a:ext uri="{28A0092B-C50C-407E-A947-70E740481C1C}">
+                  <a14:useLocalDpi xmlns:a14="http://schemas.microsoft.com/office/drawing/2010/main" val="0"/>
+                </a:ext>
+              </a:extLst>
+            </a:blip>
+            <a:srcRect/>
+            <a:stretch>
+              <a:fillRect/>
+            </a:stretch>
+          </p:blipFill>
+          <p:spPr bwMode="auto">
+            <a:xfrm>
+              <a:off x="4320440" y="867373"/>
+              <a:ext cx="784638" cy="910568"/>
+            </a:xfrm>
+            <a:prstGeom prst="rect">
+              <a:avLst/>
+            </a:prstGeom>
+            <a:noFill/>
+            <a:extLst>
+              <a:ext uri="{909E8E84-426E-40DD-AFC4-6F175D3DCCD1}">
+                <a14:hiddenFill xmlns:a14="http://schemas.microsoft.com/office/drawing/2010/main">
+                  <a:solidFill>
+                    <a:srgbClr val="FFFFFF"/>
+                  </a:solidFill>
+                </a14:hiddenFill>
+              </a:ext>
+            </a:extLst>
+          </p:spPr>
+        </p:pic>
+        <p:sp>
+          <p:nvSpPr>
+            <p:cNvPr id="13" name="テキスト ボックス 12">
+              <a:extLst>
+                <a:ext uri="{FF2B5EF4-FFF2-40B4-BE49-F238E27FC236}">
+                  <a16:creationId xmlns:a16="http://schemas.microsoft.com/office/drawing/2014/main" id="{52F9B876-E738-1244-0B51-70B9E779102C}"/>
+                </a:ext>
+              </a:extLst>
+            </p:cNvPr>
+            <p:cNvSpPr txBox="1"/>
+            <p:nvPr/>
+          </p:nvSpPr>
+          <p:spPr>
+            <a:xfrm>
+              <a:off x="4371619" y="1145199"/>
+              <a:ext cx="699230" cy="369332"/>
+            </a:xfrm>
+            <a:prstGeom prst="rect">
+              <a:avLst/>
+            </a:prstGeom>
+            <a:noFill/>
+          </p:spPr>
+          <p:txBody>
+            <a:bodyPr wrap="none" rtlCol="0">
+              <a:spAutoFit/>
+            </a:bodyPr>
+            <a:lstStyle/>
+            <a:p>
+              <a:r>
+                <a:rPr kumimoji="1" lang="en-US" altLang="ja-JP" dirty="0">
+                  <a:latin typeface="HG丸ｺﾞｼｯｸM-PRO" panose="020F0600000000000000" pitchFamily="50" charset="-128"/>
+                  <a:ea typeface="HG丸ｺﾞｼｯｸM-PRO" panose="020F0600000000000000" pitchFamily="50" charset="-128"/>
+                </a:rPr>
+                <a:t>PHP</a:t>
+              </a:r>
+              <a:endParaRPr kumimoji="1" lang="ja-JP" altLang="en-US" dirty="0">
+                <a:latin typeface="HG丸ｺﾞｼｯｸM-PRO" panose="020F0600000000000000" pitchFamily="50" charset="-128"/>
+                <a:ea typeface="HG丸ｺﾞｼｯｸM-PRO" panose="020F0600000000000000" pitchFamily="50" charset="-128"/>
+              </a:endParaRPr>
+            </a:p>
+          </p:txBody>
+        </p:sp>
+      </p:grpSp>
+      <p:sp>
+        <p:nvSpPr>
+          <p:cNvPr id="14" name="テキスト ボックス 13">
+            <a:extLst>
+              <a:ext uri="{FF2B5EF4-FFF2-40B4-BE49-F238E27FC236}">
+                <a16:creationId xmlns:a16="http://schemas.microsoft.com/office/drawing/2014/main" id="{A3822DCB-5D65-BD25-59A1-F4199D2DE50C}"/>
+              </a:ext>
+            </a:extLst>
+          </p:cNvPr>
+          <p:cNvSpPr txBox="1"/>
+          <p:nvPr/>
+        </p:nvSpPr>
+        <p:spPr>
+          <a:xfrm>
+            <a:off x="2543369" y="5259883"/>
+            <a:ext cx="1300356" cy="369332"/>
+          </a:xfrm>
+          <a:prstGeom prst="rect">
+            <a:avLst/>
+          </a:prstGeom>
+          <a:solidFill>
+            <a:schemeClr val="bg1"/>
+          </a:solidFill>
+          <a:ln>
+            <a:solidFill>
+              <a:schemeClr val="tx1"/>
+            </a:solidFill>
+          </a:ln>
+        </p:spPr>
+        <p:txBody>
+          <a:bodyPr wrap="none" rtlCol="0">
+            <a:spAutoFit/>
+          </a:bodyPr>
+          <a:lstStyle/>
+          <a:p>
+            <a:r>
+              <a:rPr kumimoji="1" lang="en-US" altLang="ja-JP" dirty="0" err="1">
+                <a:latin typeface="HG丸ｺﾞｼｯｸM-PRO" panose="020F0600000000000000" pitchFamily="50" charset="-128"/>
+                <a:ea typeface="HG丸ｺﾞｼｯｸM-PRO" panose="020F0600000000000000" pitchFamily="50" charset="-128"/>
+              </a:rPr>
+              <a:t>Book.php</a:t>
+            </a:r>
+            <a:endParaRPr kumimoji="1" lang="ja-JP" altLang="en-US" dirty="0">
+              <a:latin typeface="HG丸ｺﾞｼｯｸM-PRO" panose="020F0600000000000000" pitchFamily="50" charset="-128"/>
+              <a:ea typeface="HG丸ｺﾞｼｯｸM-PRO" panose="020F0600000000000000" pitchFamily="50" charset="-128"/>
+            </a:endParaRPr>
+          </a:p>
+        </p:txBody>
+      </p:sp>
+      <p:sp>
+        <p:nvSpPr>
+          <p:cNvPr id="15" name="テキスト ボックス 14">
+            <a:extLst>
+              <a:ext uri="{FF2B5EF4-FFF2-40B4-BE49-F238E27FC236}">
+                <a16:creationId xmlns:a16="http://schemas.microsoft.com/office/drawing/2014/main" id="{469337FA-E3ED-3657-67A4-3C93C5CB9717}"/>
+              </a:ext>
+            </a:extLst>
+          </p:cNvPr>
+          <p:cNvSpPr txBox="1"/>
+          <p:nvPr/>
+        </p:nvSpPr>
+        <p:spPr>
+          <a:xfrm>
+            <a:off x="7747052" y="5904675"/>
+            <a:ext cx="1422184" cy="369332"/>
+          </a:xfrm>
+          <a:prstGeom prst="rect">
+            <a:avLst/>
+          </a:prstGeom>
+          <a:solidFill>
+            <a:schemeClr val="bg1"/>
+          </a:solidFill>
+          <a:ln>
+            <a:solidFill>
+              <a:schemeClr val="tx1"/>
+            </a:solidFill>
+          </a:ln>
+        </p:spPr>
+        <p:txBody>
+          <a:bodyPr wrap="none" rtlCol="0">
+            <a:spAutoFit/>
+          </a:bodyPr>
+          <a:lstStyle/>
+          <a:p>
+            <a:r>
+              <a:rPr kumimoji="1" lang="en-US" altLang="ja-JP" dirty="0">
+                <a:latin typeface="HG丸ｺﾞｼｯｸM-PRO" panose="020F0600000000000000" pitchFamily="50" charset="-128"/>
+                <a:ea typeface="HG丸ｺﾞｼｯｸM-PRO" panose="020F0600000000000000" pitchFamily="50" charset="-128"/>
+              </a:rPr>
+              <a:t>book table</a:t>
+            </a:r>
+            <a:endParaRPr kumimoji="1" lang="ja-JP" altLang="en-US" dirty="0">
+              <a:latin typeface="HG丸ｺﾞｼｯｸM-PRO" panose="020F0600000000000000" pitchFamily="50" charset="-128"/>
+              <a:ea typeface="HG丸ｺﾞｼｯｸM-PRO" panose="020F0600000000000000" pitchFamily="50" charset="-128"/>
+            </a:endParaRPr>
+          </a:p>
+        </p:txBody>
+      </p:sp>
+      <p:pic>
+        <p:nvPicPr>
+          <p:cNvPr id="16" name="Picture 6" descr="image3_1MVC">
+            <a:extLst>
+              <a:ext uri="{FF2B5EF4-FFF2-40B4-BE49-F238E27FC236}">
+                <a16:creationId xmlns:a16="http://schemas.microsoft.com/office/drawing/2014/main" id="{B1FA20C4-794B-45C9-E34E-632664C39ECD}"/>
+              </a:ext>
+            </a:extLst>
+          </p:cNvPr>
+          <p:cNvPicPr>
+            <a:picLocks noChangeAspect="1" noChangeArrowheads="1"/>
+          </p:cNvPicPr>
+          <p:nvPr/>
+        </p:nvPicPr>
+        <p:blipFill rotWithShape="1">
+          <a:blip r:embed="rId4">
+            <a:clrChange>
+              <a:clrFrom>
+                <a:srgbClr val="FFFFFF"/>
+              </a:clrFrom>
+              <a:clrTo>
+                <a:srgbClr val="FFFFFF">
+                  <a:alpha val="0"/>
+                </a:srgbClr>
+              </a:clrTo>
+            </a:clrChange>
+            <a:extLst>
+              <a:ext uri="{28A0092B-C50C-407E-A947-70E740481C1C}">
+                <a14:useLocalDpi xmlns:a14="http://schemas.microsoft.com/office/drawing/2010/main" val="0"/>
+              </a:ext>
+            </a:extLst>
+          </a:blip>
+          <a:srcRect l="86998" t="20529" r="6928" b="62808"/>
+          <a:stretch>
+            <a:fillRect/>
+          </a:stretch>
+        </p:blipFill>
+        <p:spPr bwMode="auto">
+          <a:xfrm>
+            <a:off x="4541954" y="4065973"/>
+            <a:ext cx="512945" cy="626093"/>
+          </a:xfrm>
+          <a:prstGeom prst="rect">
+            <a:avLst/>
+          </a:prstGeom>
+          <a:noFill/>
+          <a:extLst>
+            <a:ext uri="{909E8E84-426E-40DD-AFC4-6F175D3DCCD1}">
+              <a14:hiddenFill xmlns:a14="http://schemas.microsoft.com/office/drawing/2010/main">
+                <a:solidFill>
+                  <a:srgbClr val="FFFFFF"/>
+                </a:solidFill>
+              </a14:hiddenFill>
+            </a:ext>
+          </a:extLst>
+        </p:spPr>
+      </p:pic>
+      <p:sp>
+        <p:nvSpPr>
+          <p:cNvPr id="18" name="矢印: 右 17">
+            <a:extLst>
+              <a:ext uri="{FF2B5EF4-FFF2-40B4-BE49-F238E27FC236}">
+                <a16:creationId xmlns:a16="http://schemas.microsoft.com/office/drawing/2014/main" id="{316AC72D-B934-E5D1-A64B-569021BB08D2}"/>
+              </a:ext>
+            </a:extLst>
+          </p:cNvPr>
+          <p:cNvSpPr/>
+          <p:nvPr/>
+        </p:nvSpPr>
+        <p:spPr>
+          <a:xfrm>
+            <a:off x="3691358" y="4219522"/>
+            <a:ext cx="665298" cy="200891"/>
+          </a:xfrm>
+          <a:prstGeom prst="rightArrow">
+            <a:avLst/>
+          </a:prstGeom>
+        </p:spPr>
+        <p:style>
+          <a:lnRef idx="2">
+            <a:schemeClr val="accent1">
+              <a:shade val="15000"/>
+            </a:schemeClr>
+          </a:lnRef>
+          <a:fillRef idx="1">
+            <a:schemeClr val="accent1"/>
+          </a:fillRef>
+          <a:effectRef idx="0">
+            <a:schemeClr val="accent1"/>
+          </a:effectRef>
+          <a:fontRef idx="minor">
+            <a:schemeClr val="lt1"/>
+          </a:fontRef>
+        </p:style>
+        <p:txBody>
+          <a:bodyPr rtlCol="0" anchor="ctr"/>
+          <a:lstStyle/>
+          <a:p>
+            <a:pPr algn="ctr"/>
+            <a:endParaRPr kumimoji="1" lang="ja-JP" altLang="en-US"/>
+          </a:p>
+        </p:txBody>
+      </p:sp>
+      <p:sp>
+        <p:nvSpPr>
+          <p:cNvPr id="19" name="矢印: 右 18">
+            <a:extLst>
+              <a:ext uri="{FF2B5EF4-FFF2-40B4-BE49-F238E27FC236}">
+                <a16:creationId xmlns:a16="http://schemas.microsoft.com/office/drawing/2014/main" id="{BCDA696B-1E57-41BC-1780-B98069C9B229}"/>
+              </a:ext>
+            </a:extLst>
+          </p:cNvPr>
+          <p:cNvSpPr/>
+          <p:nvPr/>
+        </p:nvSpPr>
+        <p:spPr>
+          <a:xfrm rot="10800000">
+            <a:off x="3681970" y="4491175"/>
+            <a:ext cx="665298" cy="200891"/>
+          </a:xfrm>
+          <a:prstGeom prst="rightArrow">
+            <a:avLst/>
+          </a:prstGeom>
+        </p:spPr>
+        <p:style>
+          <a:lnRef idx="2">
+            <a:schemeClr val="accent1">
+              <a:shade val="15000"/>
+            </a:schemeClr>
+          </a:lnRef>
+          <a:fillRef idx="1">
+            <a:schemeClr val="accent1"/>
+          </a:fillRef>
+          <a:effectRef idx="0">
+            <a:schemeClr val="accent1"/>
+          </a:effectRef>
+          <a:fontRef idx="minor">
+            <a:schemeClr val="lt1"/>
+          </a:fontRef>
+        </p:style>
+        <p:txBody>
+          <a:bodyPr rtlCol="0" anchor="ctr"/>
+          <a:lstStyle/>
+          <a:p>
+            <a:pPr algn="ctr"/>
+            <a:endParaRPr kumimoji="1" lang="ja-JP" altLang="en-US"/>
+          </a:p>
+        </p:txBody>
+      </p:sp>
+    </p:spTree>
+    <p:extLst>
+      <p:ext uri="{BB962C8B-B14F-4D97-AF65-F5344CB8AC3E}">
+        <p14:creationId xmlns:p14="http://schemas.microsoft.com/office/powerpoint/2010/main" val="2784555390"/>
+      </p:ext>
+    </p:extLst>
+  </p:cSld>
+  <p:clrMapOvr>
+    <a:masterClrMapping/>
+  </p:clrMapOvr>
+  <p:timing>
+    <p:tnLst>
+      <p:par>
+        <p:cTn id="1" dur="indefinite" restart="never" nodeType="tmRoot">
+          <p:childTnLst>
+            <p:seq concurrent="1" nextAc="seek">
+              <p:cTn id="2" dur="indefinite" nodeType="mainSeq">
+                <p:childTnLst>
+                  <p:par>
+                    <p:cTn id="3" fill="hold">
+                      <p:stCondLst>
+                        <p:cond delay="indefinite"/>
+                      </p:stCondLst>
+                      <p:childTnLst>
+                        <p:par>
+                          <p:cTn id="4" fill="hold">
+                            <p:stCondLst>
+                              <p:cond delay="0"/>
+                            </p:stCondLst>
+                            <p:childTnLst>
+                              <p:par>
+                                <p:cTn id="5" presetID="16" presetClass="entr" presetSubtype="21" fill="hold" grpId="0" nodeType="clickEffect">
+                                  <p:stCondLst>
+                                    <p:cond delay="0"/>
+                                  </p:stCondLst>
+                                  <p:childTnLst>
+                                    <p:set>
+                                      <p:cBhvr>
+                                        <p:cTn id="6" dur="1" fill="hold">
+                                          <p:stCondLst>
+                                            <p:cond delay="0"/>
+                                          </p:stCondLst>
+                                        </p:cTn>
+                                        <p:tgtEl>
+                                          <p:spTgt spid="9"/>
+                                        </p:tgtEl>
+                                        <p:attrNameLst>
+                                          <p:attrName>style.visibility</p:attrName>
+                                        </p:attrNameLst>
+                                      </p:cBhvr>
+                                      <p:to>
+                                        <p:strVal val="visible"/>
+                                      </p:to>
+                                    </p:set>
+                                    <p:animEffect transition="in" filter="barn(inVertical)">
+                                      <p:cBhvr>
+                                        <p:cTn id="7" dur="500"/>
+                                        <p:tgtEl>
+                                          <p:spTgt spid="9"/>
+                                        </p:tgtEl>
+                                      </p:cBhvr>
+                                    </p:animEffect>
+                                  </p:childTnLst>
+                                </p:cTn>
+                              </p:par>
+                            </p:childTnLst>
+                          </p:cTn>
+                        </p:par>
+                      </p:childTnLst>
+                    </p:cTn>
+                  </p:par>
+                  <p:par>
+                    <p:cTn id="8" fill="hold">
+                      <p:stCondLst>
+                        <p:cond delay="indefinite"/>
+                      </p:stCondLst>
+                      <p:childTnLst>
+                        <p:par>
+                          <p:cTn id="9" fill="hold">
+                            <p:stCondLst>
+                              <p:cond delay="0"/>
+                            </p:stCondLst>
+                            <p:childTnLst>
+                              <p:par>
+                                <p:cTn id="10" presetID="16" presetClass="exit" presetSubtype="21" fill="hold" grpId="1" nodeType="clickEffect">
+                                  <p:stCondLst>
+                                    <p:cond delay="0"/>
+                                  </p:stCondLst>
+                                  <p:childTnLst>
+                                    <p:animEffect transition="out" filter="barn(inVertical)">
+                                      <p:cBhvr>
+                                        <p:cTn id="11" dur="500"/>
+                                        <p:tgtEl>
+                                          <p:spTgt spid="9"/>
+                                        </p:tgtEl>
+                                      </p:cBhvr>
+                                    </p:animEffect>
+                                    <p:set>
+                                      <p:cBhvr>
+                                        <p:cTn id="12" dur="1" fill="hold">
+                                          <p:stCondLst>
+                                            <p:cond delay="499"/>
+                                          </p:stCondLst>
+                                        </p:cTn>
+                                        <p:tgtEl>
+                                          <p:spTgt spid="9"/>
+                                        </p:tgtEl>
+                                        <p:attrNameLst>
+                                          <p:attrName>style.visibility</p:attrName>
+                                        </p:attrNameLst>
+                                      </p:cBhvr>
+                                      <p:to>
+                                        <p:strVal val="hidden"/>
+                                      </p:to>
+                                    </p:set>
+                                  </p:childTnLst>
+                                </p:cTn>
+                              </p:par>
+                            </p:childTnLst>
+                          </p:cTn>
+                        </p:par>
+                      </p:childTnLst>
+                    </p:cTn>
+                  </p:par>
+                </p:childTnLst>
+              </p:cTn>
+              <p:prevCondLst>
+                <p:cond evt="onPrev" delay="0">
+                  <p:tgtEl>
+                    <p:sldTgt/>
+                  </p:tgtEl>
+                </p:cond>
+              </p:prevCondLst>
+              <p:nextCondLst>
+                <p:cond evt="onNext" delay="0">
+                  <p:tgtEl>
+                    <p:sldTgt/>
+                  </p:tgtEl>
+                </p:cond>
+              </p:nextCondLst>
+            </p:seq>
+          </p:childTnLst>
+        </p:cTn>
+      </p:par>
+    </p:tnLst>
+    <p:bldLst>
+      <p:bldP spid="9" grpId="0" animBg="1"/>
+      <p:bldP spid="9" grpId="1" animBg="1"/>
+    </p:bldLst>
+  </p:timing>
+</p:sld>
+</file>
+
+<file path=ppt/slides/slide17.xml><?xml version="1.0" encoding="utf-8"?>
+<p:sld xmlns:a="http://schemas.openxmlformats.org/drawingml/2006/main" xmlns:r="http://schemas.openxmlformats.org/officeDocument/2006/relationships" xmlns:p="http://schemas.openxmlformats.org/presentationml/2006/main">
+  <p:cSld>
+    <p:spTree>
+      <p:nvGrpSpPr>
+        <p:cNvPr id="1" name=""/>
+        <p:cNvGrpSpPr/>
+        <p:nvPr/>
+      </p:nvGrpSpPr>
+      <p:grpSpPr>
+        <a:xfrm>
+          <a:off x="0" y="0"/>
+          <a:ext cx="0" cy="0"/>
+          <a:chOff x="0" y="0"/>
+          <a:chExt cx="0" cy="0"/>
+        </a:xfrm>
+      </p:grpSpPr>
+      <p:sp>
+        <p:nvSpPr>
+          <p:cNvPr id="2" name="タイトル 1">
+            <a:extLst>
+              <a:ext uri="{FF2B5EF4-FFF2-40B4-BE49-F238E27FC236}">
+                <a16:creationId xmlns:a16="http://schemas.microsoft.com/office/drawing/2014/main" id="{A4D8AD2A-9631-5EDE-5EA1-A02873C76536}"/>
+              </a:ext>
+            </a:extLst>
+          </p:cNvPr>
+          <p:cNvSpPr>
+            <a:spLocks noGrp="1"/>
+          </p:cNvSpPr>
+          <p:nvPr>
+            <p:ph type="title"/>
+          </p:nvPr>
+        </p:nvSpPr>
+        <p:spPr/>
+        <p:txBody>
+          <a:bodyPr/>
+          <a:lstStyle/>
+          <a:p>
+            <a:r>
+              <a:rPr kumimoji="1" lang="en-US" altLang="ja-JP" dirty="0"/>
+              <a:t>View</a:t>
+            </a:r>
+            <a:endParaRPr kumimoji="1" lang="ja-JP" altLang="en-US" dirty="0"/>
+          </a:p>
+        </p:txBody>
+      </p:sp>
+      <p:sp>
+        <p:nvSpPr>
+          <p:cNvPr id="3" name="コンテンツ プレースホルダー 2">
+            <a:extLst>
+              <a:ext uri="{FF2B5EF4-FFF2-40B4-BE49-F238E27FC236}">
+                <a16:creationId xmlns:a16="http://schemas.microsoft.com/office/drawing/2014/main" id="{5F28696E-F8F6-9DF7-A00B-3F118A680392}"/>
+              </a:ext>
+            </a:extLst>
+          </p:cNvPr>
+          <p:cNvSpPr>
+            <a:spLocks noGrp="1"/>
+          </p:cNvSpPr>
+          <p:nvPr>
+            <p:ph idx="1"/>
+          </p:nvPr>
+        </p:nvSpPr>
+        <p:spPr/>
+        <p:txBody>
+          <a:bodyPr/>
+          <a:lstStyle/>
+          <a:p>
+            <a:r>
+              <a:rPr kumimoji="1" lang="ja-JP" altLang="en-US" dirty="0"/>
+              <a:t>ブラウザ上に描画される部分</a:t>
+            </a:r>
+          </a:p>
+        </p:txBody>
+      </p:sp>
+      <p:sp>
+        <p:nvSpPr>
+          <p:cNvPr id="4" name="スライド番号プレースホルダー 3">
+            <a:extLst>
+              <a:ext uri="{FF2B5EF4-FFF2-40B4-BE49-F238E27FC236}">
+                <a16:creationId xmlns:a16="http://schemas.microsoft.com/office/drawing/2014/main" id="{BCCC270D-9124-7784-C77A-F1130B558FE7}"/>
+              </a:ext>
+            </a:extLst>
+          </p:cNvPr>
+          <p:cNvSpPr>
+            <a:spLocks noGrp="1"/>
+          </p:cNvSpPr>
+          <p:nvPr>
+            <p:ph type="sldNum" sz="quarter" idx="12"/>
+          </p:nvPr>
+        </p:nvSpPr>
+        <p:spPr/>
+        <p:txBody>
+          <a:bodyPr/>
+          <a:lstStyle/>
+          <a:p>
+            <a:fld id="{F0E75ABD-E329-4735-B6E0-3752012DC264}" type="slidenum">
+              <a:rPr kumimoji="1" lang="ja-JP" altLang="en-US" smtClean="0"/>
+              <a:t>17</a:t>
+            </a:fld>
+            <a:endParaRPr kumimoji="1" lang="ja-JP" altLang="en-US"/>
+          </a:p>
+        </p:txBody>
+      </p:sp>
+      <p:pic>
+        <p:nvPicPr>
+          <p:cNvPr id="6" name="図 5">
+            <a:extLst>
+              <a:ext uri="{FF2B5EF4-FFF2-40B4-BE49-F238E27FC236}">
+                <a16:creationId xmlns:a16="http://schemas.microsoft.com/office/drawing/2014/main" id="{03539F7E-64FF-4744-F987-7EBD6E63A61C}"/>
+              </a:ext>
+            </a:extLst>
+          </p:cNvPr>
+          <p:cNvPicPr>
+            <a:picLocks noChangeAspect="1"/>
+          </p:cNvPicPr>
+          <p:nvPr/>
+        </p:nvPicPr>
+        <p:blipFill>
+          <a:blip r:embed="rId2"/>
+          <a:stretch>
+            <a:fillRect/>
+          </a:stretch>
+        </p:blipFill>
+        <p:spPr>
+          <a:xfrm>
+            <a:off x="1630715" y="2183384"/>
+            <a:ext cx="8930569" cy="3827387"/>
+          </a:xfrm>
+          <a:prstGeom prst="rect">
+            <a:avLst/>
+          </a:prstGeom>
+        </p:spPr>
+      </p:pic>
+    </p:spTree>
+    <p:extLst>
+      <p:ext uri="{BB962C8B-B14F-4D97-AF65-F5344CB8AC3E}">
+        <p14:creationId xmlns:p14="http://schemas.microsoft.com/office/powerpoint/2010/main" val="746782147"/>
+      </p:ext>
+    </p:extLst>
+  </p:cSld>
+  <p:clrMapOvr>
+    <a:masterClrMapping/>
+  </p:clrMapOvr>
+</p:sld>
+</file>
+
+<file path=ppt/slides/slide18.xml><?xml version="1.0" encoding="utf-8"?>
+<p:sld xmlns:a="http://schemas.openxmlformats.org/drawingml/2006/main" xmlns:r="http://schemas.openxmlformats.org/officeDocument/2006/relationships" xmlns:p="http://schemas.openxmlformats.org/presentationml/2006/main">
+  <p:cSld>
+    <p:spTree>
+      <p:nvGrpSpPr>
+        <p:cNvPr id="1" name=""/>
+        <p:cNvGrpSpPr/>
+        <p:nvPr/>
+      </p:nvGrpSpPr>
+      <p:grpSpPr>
+        <a:xfrm>
+          <a:off x="0" y="0"/>
+          <a:ext cx="0" cy="0"/>
+          <a:chOff x="0" y="0"/>
+          <a:chExt cx="0" cy="0"/>
+        </a:xfrm>
+      </p:grpSpPr>
+      <p:sp>
+        <p:nvSpPr>
+          <p:cNvPr id="2" name="タイトル 1">
+            <a:extLst>
+              <a:ext uri="{FF2B5EF4-FFF2-40B4-BE49-F238E27FC236}">
+                <a16:creationId xmlns:a16="http://schemas.microsoft.com/office/drawing/2014/main" id="{B590EAF1-3398-9BA5-2D36-00BF85B835A2}"/>
+              </a:ext>
+            </a:extLst>
+          </p:cNvPr>
+          <p:cNvSpPr>
+            <a:spLocks noGrp="1"/>
+          </p:cNvSpPr>
+          <p:nvPr>
+            <p:ph type="title"/>
+          </p:nvPr>
+        </p:nvSpPr>
+        <p:spPr/>
+        <p:txBody>
+          <a:bodyPr/>
+          <a:lstStyle/>
+          <a:p>
+            <a:r>
+              <a:rPr kumimoji="1" lang="en-US" altLang="ja-JP" dirty="0"/>
+              <a:t>Controller</a:t>
+            </a:r>
+            <a:endParaRPr kumimoji="1" lang="ja-JP" altLang="en-US" dirty="0"/>
+          </a:p>
+        </p:txBody>
+      </p:sp>
+      <p:sp>
+        <p:nvSpPr>
+          <p:cNvPr id="3" name="コンテンツ プレースホルダー 2">
+            <a:extLst>
+              <a:ext uri="{FF2B5EF4-FFF2-40B4-BE49-F238E27FC236}">
+                <a16:creationId xmlns:a16="http://schemas.microsoft.com/office/drawing/2014/main" id="{B4998439-9B6C-7456-E320-B3E7465FECDE}"/>
+              </a:ext>
+            </a:extLst>
+          </p:cNvPr>
+          <p:cNvSpPr>
+            <a:spLocks noGrp="1"/>
+          </p:cNvSpPr>
+          <p:nvPr>
+            <p:ph idx="1"/>
+          </p:nvPr>
+        </p:nvSpPr>
+        <p:spPr/>
+        <p:txBody>
+          <a:bodyPr/>
+          <a:lstStyle/>
+          <a:p>
+            <a:r>
+              <a:rPr kumimoji="1" lang="ja-JP" altLang="en-US" dirty="0"/>
+              <a:t>メソッドなど処理</a:t>
+            </a:r>
+            <a:r>
+              <a:rPr lang="ja-JP" altLang="en-US" dirty="0"/>
+              <a:t>が書かれた</a:t>
+            </a:r>
+            <a:r>
+              <a:rPr lang="en-US" altLang="ja-JP" dirty="0"/>
+              <a:t>PHP</a:t>
+            </a:r>
+            <a:r>
+              <a:rPr lang="ja-JP" altLang="en-US" dirty="0"/>
+              <a:t>ファイル</a:t>
+            </a:r>
+            <a:endParaRPr lang="en-US" altLang="ja-JP" dirty="0"/>
+          </a:p>
+          <a:p>
+            <a:r>
+              <a:rPr lang="ja-JP" altLang="en-US" dirty="0"/>
+              <a:t>処理の一部には</a:t>
+            </a:r>
+            <a:r>
+              <a:rPr lang="en-US" altLang="ja-JP" dirty="0"/>
+              <a:t>Laravel</a:t>
+            </a:r>
+            <a:r>
+              <a:rPr lang="ja-JP" altLang="en-US" dirty="0"/>
+              <a:t>が使われている</a:t>
+            </a:r>
+            <a:endParaRPr lang="en-US" altLang="ja-JP" dirty="0"/>
+          </a:p>
+        </p:txBody>
+      </p:sp>
+      <p:sp>
+        <p:nvSpPr>
+          <p:cNvPr id="4" name="スライド番号プレースホルダー 3">
+            <a:extLst>
+              <a:ext uri="{FF2B5EF4-FFF2-40B4-BE49-F238E27FC236}">
+                <a16:creationId xmlns:a16="http://schemas.microsoft.com/office/drawing/2014/main" id="{0B39C84C-BDDD-F463-2B66-5310F42287B4}"/>
+              </a:ext>
+            </a:extLst>
+          </p:cNvPr>
+          <p:cNvSpPr>
+            <a:spLocks noGrp="1"/>
+          </p:cNvSpPr>
+          <p:nvPr>
+            <p:ph type="sldNum" sz="quarter" idx="12"/>
+          </p:nvPr>
+        </p:nvSpPr>
+        <p:spPr/>
+        <p:txBody>
+          <a:bodyPr/>
+          <a:lstStyle/>
+          <a:p>
+            <a:fld id="{F0E75ABD-E329-4735-B6E0-3752012DC264}" type="slidenum">
+              <a:rPr kumimoji="1" lang="ja-JP" altLang="en-US" smtClean="0"/>
+              <a:t>18</a:t>
+            </a:fld>
+            <a:endParaRPr kumimoji="1" lang="ja-JP" altLang="en-US"/>
+          </a:p>
+        </p:txBody>
+      </p:sp>
+      <p:pic>
+        <p:nvPicPr>
+          <p:cNvPr id="6" name="図 5">
+            <a:extLst>
+              <a:ext uri="{FF2B5EF4-FFF2-40B4-BE49-F238E27FC236}">
+                <a16:creationId xmlns:a16="http://schemas.microsoft.com/office/drawing/2014/main" id="{6A752FBA-FAB7-C7B4-DD55-FEA9DC5D0790}"/>
+              </a:ext>
+            </a:extLst>
+          </p:cNvPr>
+          <p:cNvPicPr>
+            <a:picLocks noChangeAspect="1"/>
+          </p:cNvPicPr>
+          <p:nvPr/>
+        </p:nvPicPr>
+        <p:blipFill>
+          <a:blip r:embed="rId3"/>
+          <a:stretch>
+            <a:fillRect/>
+          </a:stretch>
+        </p:blipFill>
+        <p:spPr>
+          <a:xfrm>
+            <a:off x="1250817" y="2771899"/>
+            <a:ext cx="6696075" cy="2971800"/>
+          </a:xfrm>
+          <a:prstGeom prst="rect">
+            <a:avLst/>
+          </a:prstGeom>
+        </p:spPr>
+      </p:pic>
+      <p:pic>
+        <p:nvPicPr>
+          <p:cNvPr id="7" name="図 6">
+            <a:extLst>
+              <a:ext uri="{FF2B5EF4-FFF2-40B4-BE49-F238E27FC236}">
+                <a16:creationId xmlns:a16="http://schemas.microsoft.com/office/drawing/2014/main" id="{D753C20E-2244-C5E8-A482-83D1E2801CAF}"/>
+              </a:ext>
+            </a:extLst>
+          </p:cNvPr>
+          <p:cNvPicPr>
+            <a:picLocks noChangeAspect="1"/>
+          </p:cNvPicPr>
+          <p:nvPr/>
+        </p:nvPicPr>
+        <p:blipFill>
+          <a:blip r:embed="rId4"/>
+          <a:stretch>
+            <a:fillRect/>
+          </a:stretch>
+        </p:blipFill>
+        <p:spPr>
+          <a:xfrm>
+            <a:off x="5319580" y="1114301"/>
+            <a:ext cx="6073454" cy="4493536"/>
+          </a:xfrm>
+          <a:prstGeom prst="rect">
+            <a:avLst/>
+          </a:prstGeom>
+          <a:ln w="19050">
+            <a:solidFill>
+              <a:schemeClr val="bg1"/>
+            </a:solidFill>
+          </a:ln>
+        </p:spPr>
+      </p:pic>
+      <p:pic>
+        <p:nvPicPr>
+          <p:cNvPr id="9" name="図 8">
+            <a:extLst>
+              <a:ext uri="{FF2B5EF4-FFF2-40B4-BE49-F238E27FC236}">
+                <a16:creationId xmlns:a16="http://schemas.microsoft.com/office/drawing/2014/main" id="{94B6472B-9A99-DC80-8AFB-83ABDAFAEA74}"/>
+              </a:ext>
+            </a:extLst>
+          </p:cNvPr>
+          <p:cNvPicPr>
+            <a:picLocks noChangeAspect="1"/>
+          </p:cNvPicPr>
+          <p:nvPr/>
+        </p:nvPicPr>
+        <p:blipFill>
+          <a:blip r:embed="rId5"/>
+          <a:stretch>
+            <a:fillRect/>
+          </a:stretch>
+        </p:blipFill>
+        <p:spPr>
+          <a:xfrm>
+            <a:off x="939826" y="2617486"/>
+            <a:ext cx="9881840" cy="2219926"/>
+          </a:xfrm>
+          <a:prstGeom prst="rect">
+            <a:avLst/>
+          </a:prstGeom>
+          <a:ln w="19050">
+            <a:solidFill>
+              <a:schemeClr val="bg1"/>
+            </a:solidFill>
+          </a:ln>
+        </p:spPr>
+      </p:pic>
+      <p:sp>
+        <p:nvSpPr>
+          <p:cNvPr id="12" name="吹き出し: 角を丸めた四角形 11">
+            <a:extLst>
+              <a:ext uri="{FF2B5EF4-FFF2-40B4-BE49-F238E27FC236}">
+                <a16:creationId xmlns:a16="http://schemas.microsoft.com/office/drawing/2014/main" id="{A23E6905-560B-BC27-2D16-E8940AA49679}"/>
+              </a:ext>
+            </a:extLst>
+          </p:cNvPr>
+          <p:cNvSpPr/>
+          <p:nvPr/>
+        </p:nvSpPr>
+        <p:spPr>
+          <a:xfrm>
+            <a:off x="5319580" y="2771899"/>
+            <a:ext cx="3902426" cy="762723"/>
+          </a:xfrm>
+          <a:prstGeom prst="wedgeRoundRectCallout">
+            <a:avLst>
+              <a:gd name="adj1" fmla="val -77680"/>
+              <a:gd name="adj2" fmla="val -17614"/>
+              <a:gd name="adj3" fmla="val 16667"/>
+            </a:avLst>
+          </a:prstGeom>
+        </p:spPr>
+        <p:style>
+          <a:lnRef idx="2">
+            <a:schemeClr val="accent1">
+              <a:shade val="15000"/>
+            </a:schemeClr>
+          </a:lnRef>
+          <a:fillRef idx="1">
+            <a:schemeClr val="accent1"/>
+          </a:fillRef>
+          <a:effectRef idx="0">
+            <a:schemeClr val="accent1"/>
+          </a:effectRef>
+          <a:fontRef idx="minor">
+            <a:schemeClr val="lt1"/>
+          </a:fontRef>
+        </p:style>
+        <p:txBody>
+          <a:bodyPr rtlCol="0" anchor="ctr"/>
+          <a:lstStyle/>
+          <a:p>
+            <a:pPr algn="ctr"/>
+            <a:r>
+              <a:rPr kumimoji="1" lang="en-US" altLang="ja-JP" dirty="0">
+                <a:latin typeface="HG丸ｺﾞｼｯｸM-PRO" panose="020F0600000000000000" pitchFamily="50" charset="-128"/>
+                <a:ea typeface="HG丸ｺﾞｼｯｸM-PRO" panose="020F0600000000000000" pitchFamily="50" charset="-128"/>
+              </a:rPr>
+              <a:t>Laravel</a:t>
+            </a:r>
+            <a:r>
+              <a:rPr kumimoji="1" lang="ja-JP" altLang="en-US" dirty="0">
+                <a:latin typeface="HG丸ｺﾞｼｯｸM-PRO" panose="020F0600000000000000" pitchFamily="50" charset="-128"/>
+                <a:ea typeface="HG丸ｺﾞｼｯｸM-PRO" panose="020F0600000000000000" pitchFamily="50" charset="-128"/>
+              </a:rPr>
+              <a:t>を用いてモデルに指示出し</a:t>
+            </a:r>
+            <a:endParaRPr kumimoji="1" lang="en-US" altLang="ja-JP" dirty="0">
+              <a:latin typeface="HG丸ｺﾞｼｯｸM-PRO" panose="020F0600000000000000" pitchFamily="50" charset="-128"/>
+              <a:ea typeface="HG丸ｺﾞｼｯｸM-PRO" panose="020F0600000000000000" pitchFamily="50" charset="-128"/>
+            </a:endParaRPr>
+          </a:p>
+          <a:p>
+            <a:pPr algn="ctr"/>
+            <a:r>
+              <a:rPr kumimoji="1" lang="ja-JP" altLang="en-US" dirty="0">
+                <a:latin typeface="HG丸ｺﾞｼｯｸM-PRO" panose="020F0600000000000000" pitchFamily="50" charset="-128"/>
+                <a:ea typeface="HG丸ｺﾞｼｯｸM-PRO" panose="020F0600000000000000" pitchFamily="50" charset="-128"/>
+              </a:rPr>
+              <a:t>（</a:t>
+            </a:r>
+            <a:r>
+              <a:rPr kumimoji="1" lang="en-US" altLang="ja-JP" dirty="0">
+                <a:latin typeface="HG丸ｺﾞｼｯｸM-PRO" panose="020F0600000000000000" pitchFamily="50" charset="-128"/>
+                <a:ea typeface="HG丸ｺﾞｼｯｸM-PRO" panose="020F0600000000000000" pitchFamily="50" charset="-128"/>
+              </a:rPr>
+              <a:t>DB</a:t>
+            </a:r>
+            <a:r>
+              <a:rPr kumimoji="1" lang="ja-JP" altLang="en-US" dirty="0">
+                <a:latin typeface="HG丸ｺﾞｼｯｸM-PRO" panose="020F0600000000000000" pitchFamily="50" charset="-128"/>
+                <a:ea typeface="HG丸ｺﾞｼｯｸM-PRO" panose="020F0600000000000000" pitchFamily="50" charset="-128"/>
+              </a:rPr>
+              <a:t>にデータを登録）</a:t>
+            </a:r>
+          </a:p>
+        </p:txBody>
+      </p:sp>
+      <p:sp>
+        <p:nvSpPr>
+          <p:cNvPr id="13" name="吹き出し: 角を丸めた四角形 12">
+            <a:extLst>
+              <a:ext uri="{FF2B5EF4-FFF2-40B4-BE49-F238E27FC236}">
+                <a16:creationId xmlns:a16="http://schemas.microsoft.com/office/drawing/2014/main" id="{73365118-CF3B-EB54-2F15-79A3BE95973A}"/>
+              </a:ext>
+            </a:extLst>
+          </p:cNvPr>
+          <p:cNvSpPr/>
+          <p:nvPr/>
+        </p:nvSpPr>
+        <p:spPr>
+          <a:xfrm>
+            <a:off x="4848096" y="3655553"/>
+            <a:ext cx="2721532" cy="762723"/>
+          </a:xfrm>
+          <a:prstGeom prst="wedgeRoundRectCallout">
+            <a:avLst>
+              <a:gd name="adj1" fmla="val -103476"/>
+              <a:gd name="adj2" fmla="val 69318"/>
+              <a:gd name="adj3" fmla="val 16667"/>
+            </a:avLst>
+          </a:prstGeom>
+        </p:spPr>
+        <p:style>
+          <a:lnRef idx="2">
+            <a:schemeClr val="accent1">
+              <a:shade val="15000"/>
+            </a:schemeClr>
+          </a:lnRef>
+          <a:fillRef idx="1">
+            <a:schemeClr val="accent1"/>
+          </a:fillRef>
+          <a:effectRef idx="0">
+            <a:schemeClr val="accent1"/>
+          </a:effectRef>
+          <a:fontRef idx="minor">
+            <a:schemeClr val="lt1"/>
+          </a:fontRef>
+        </p:style>
+        <p:txBody>
+          <a:bodyPr rtlCol="0" anchor="ctr"/>
+          <a:lstStyle/>
+          <a:p>
+            <a:pPr algn="ctr"/>
+            <a:r>
+              <a:rPr kumimoji="1" lang="en-US" altLang="ja-JP" dirty="0">
+                <a:latin typeface="HG丸ｺﾞｼｯｸM-PRO" panose="020F0600000000000000" pitchFamily="50" charset="-128"/>
+                <a:ea typeface="HG丸ｺﾞｼｯｸM-PRO" panose="020F0600000000000000" pitchFamily="50" charset="-128"/>
+              </a:rPr>
+              <a:t>Laravel</a:t>
+            </a:r>
+            <a:r>
+              <a:rPr kumimoji="1" lang="ja-JP" altLang="en-US" dirty="0">
+                <a:latin typeface="HG丸ｺﾞｼｯｸM-PRO" panose="020F0600000000000000" pitchFamily="50" charset="-128"/>
+                <a:ea typeface="HG丸ｺﾞｼｯｸM-PRO" panose="020F0600000000000000" pitchFamily="50" charset="-128"/>
+              </a:rPr>
+              <a:t>を用いて</a:t>
+            </a:r>
+            <a:endParaRPr kumimoji="1" lang="en-US" altLang="ja-JP" dirty="0">
+              <a:latin typeface="HG丸ｺﾞｼｯｸM-PRO" panose="020F0600000000000000" pitchFamily="50" charset="-128"/>
+              <a:ea typeface="HG丸ｺﾞｼｯｸM-PRO" panose="020F0600000000000000" pitchFamily="50" charset="-128"/>
+            </a:endParaRPr>
+          </a:p>
+          <a:p>
+            <a:pPr algn="ctr"/>
+            <a:r>
+              <a:rPr kumimoji="1" lang="ja-JP" altLang="en-US" dirty="0">
+                <a:latin typeface="HG丸ｺﾞｼｯｸM-PRO" panose="020F0600000000000000" pitchFamily="50" charset="-128"/>
+                <a:ea typeface="HG丸ｺﾞｼｯｸM-PRO" panose="020F0600000000000000" pitchFamily="50" charset="-128"/>
+              </a:rPr>
+              <a:t>画面を遷移</a:t>
+            </a:r>
+            <a:endParaRPr kumimoji="1" lang="en-US" altLang="ja-JP" dirty="0">
+              <a:latin typeface="HG丸ｺﾞｼｯｸM-PRO" panose="020F0600000000000000" pitchFamily="50" charset="-128"/>
+              <a:ea typeface="HG丸ｺﾞｼｯｸM-PRO" panose="020F0600000000000000" pitchFamily="50" charset="-128"/>
+            </a:endParaRPr>
+          </a:p>
+        </p:txBody>
+      </p:sp>
+    </p:spTree>
+    <p:extLst>
+      <p:ext uri="{BB962C8B-B14F-4D97-AF65-F5344CB8AC3E}">
+        <p14:creationId xmlns:p14="http://schemas.microsoft.com/office/powerpoint/2010/main" val="1442438387"/>
+      </p:ext>
+    </p:extLst>
+  </p:cSld>
+  <p:clrMapOvr>
+    <a:masterClrMapping/>
+  </p:clrMapOvr>
+  <p:timing>
+    <p:tnLst>
+      <p:par>
+        <p:cTn id="1" dur="indefinite" restart="never" nodeType="tmRoot">
+          <p:childTnLst>
+            <p:seq concurrent="1" nextAc="seek">
+              <p:cTn id="2" dur="indefinite" nodeType="mainSeq">
+                <p:childTnLst>
+                  <p:par>
+                    <p:cTn id="3" fill="hold">
+                      <p:stCondLst>
+                        <p:cond delay="indefinite"/>
+                      </p:stCondLst>
+                      <p:childTnLst>
+                        <p:par>
+                          <p:cTn id="4" fill="hold">
+                            <p:stCondLst>
+                              <p:cond delay="0"/>
+                            </p:stCondLst>
+                            <p:childTnLst>
+                              <p:par>
+                                <p:cTn id="5" presetID="22" presetClass="entr" presetSubtype="4" fill="hold" nodeType="clickEffect">
+                                  <p:stCondLst>
+                                    <p:cond delay="0"/>
+                                  </p:stCondLst>
+                                  <p:childTnLst>
+                                    <p:set>
+                                      <p:cBhvr>
+                                        <p:cTn id="6" dur="1" fill="hold">
+                                          <p:stCondLst>
+                                            <p:cond delay="0"/>
+                                          </p:stCondLst>
+                                        </p:cTn>
+                                        <p:tgtEl>
+                                          <p:spTgt spid="7"/>
+                                        </p:tgtEl>
+                                        <p:attrNameLst>
+                                          <p:attrName>style.visibility</p:attrName>
+                                        </p:attrNameLst>
+                                      </p:cBhvr>
+                                      <p:to>
+                                        <p:strVal val="visible"/>
+                                      </p:to>
+                                    </p:set>
+                                    <p:animEffect transition="in" filter="wipe(down)">
+                                      <p:cBhvr>
+                                        <p:cTn id="7" dur="500"/>
+                                        <p:tgtEl>
+                                          <p:spTgt spid="7"/>
+                                        </p:tgtEl>
+                                      </p:cBhvr>
+                                    </p:animEffect>
+                                  </p:childTnLst>
+                                </p:cTn>
+                              </p:par>
+                            </p:childTnLst>
+                          </p:cTn>
+                        </p:par>
+                      </p:childTnLst>
+                    </p:cTn>
+                  </p:par>
+                  <p:par>
+                    <p:cTn id="8" fill="hold">
+                      <p:stCondLst>
+                        <p:cond delay="indefinite"/>
+                      </p:stCondLst>
+                      <p:childTnLst>
+                        <p:par>
+                          <p:cTn id="9" fill="hold">
+                            <p:stCondLst>
+                              <p:cond delay="0"/>
+                            </p:stCondLst>
+                            <p:childTnLst>
+                              <p:par>
+                                <p:cTn id="10" presetID="16" presetClass="entr" presetSubtype="21" fill="hold" nodeType="clickEffect">
+                                  <p:stCondLst>
+                                    <p:cond delay="0"/>
+                                  </p:stCondLst>
+                                  <p:childTnLst>
+                                    <p:set>
+                                      <p:cBhvr>
+                                        <p:cTn id="11" dur="1" fill="hold">
+                                          <p:stCondLst>
+                                            <p:cond delay="0"/>
+                                          </p:stCondLst>
+                                        </p:cTn>
+                                        <p:tgtEl>
+                                          <p:spTgt spid="9"/>
+                                        </p:tgtEl>
+                                        <p:attrNameLst>
+                                          <p:attrName>style.visibility</p:attrName>
+                                        </p:attrNameLst>
+                                      </p:cBhvr>
+                                      <p:to>
+                                        <p:strVal val="visible"/>
+                                      </p:to>
+                                    </p:set>
+                                    <p:animEffect transition="in" filter="barn(inVertical)">
+                                      <p:cBhvr>
+                                        <p:cTn id="12" dur="500"/>
+                                        <p:tgtEl>
+                                          <p:spTgt spid="9"/>
+                                        </p:tgtEl>
+                                      </p:cBhvr>
+                                    </p:animEffect>
+                                  </p:childTnLst>
+                                </p:cTn>
+                              </p:par>
+                            </p:childTnLst>
+                          </p:cTn>
+                        </p:par>
+                      </p:childTnLst>
+                    </p:cTn>
+                  </p:par>
+                  <p:par>
+                    <p:cTn id="13" fill="hold">
+                      <p:stCondLst>
+                        <p:cond delay="indefinite"/>
+                      </p:stCondLst>
+                      <p:childTnLst>
+                        <p:par>
+                          <p:cTn id="14" fill="hold">
+                            <p:stCondLst>
+                              <p:cond delay="0"/>
+                            </p:stCondLst>
+                            <p:childTnLst>
+                              <p:par>
+                                <p:cTn id="15" presetID="16" presetClass="entr" presetSubtype="21" fill="hold" grpId="0" nodeType="clickEffect">
+                                  <p:stCondLst>
+                                    <p:cond delay="0"/>
+                                  </p:stCondLst>
+                                  <p:childTnLst>
+                                    <p:set>
+                                      <p:cBhvr>
+                                        <p:cTn id="16" dur="1" fill="hold">
+                                          <p:stCondLst>
+                                            <p:cond delay="0"/>
+                                          </p:stCondLst>
+                                        </p:cTn>
+                                        <p:tgtEl>
+                                          <p:spTgt spid="13"/>
+                                        </p:tgtEl>
+                                        <p:attrNameLst>
+                                          <p:attrName>style.visibility</p:attrName>
+                                        </p:attrNameLst>
+                                      </p:cBhvr>
+                                      <p:to>
+                                        <p:strVal val="visible"/>
+                                      </p:to>
+                                    </p:set>
+                                    <p:animEffect transition="in" filter="barn(inVertical)">
+                                      <p:cBhvr>
+                                        <p:cTn id="17" dur="500"/>
+                                        <p:tgtEl>
+                                          <p:spTgt spid="13"/>
+                                        </p:tgtEl>
+                                      </p:cBhvr>
+                                    </p:animEffect>
+                                  </p:childTnLst>
+                                </p:cTn>
+                              </p:par>
+                              <p:par>
+                                <p:cTn id="18" presetID="16" presetClass="entr" presetSubtype="21" fill="hold" grpId="0" nodeType="withEffect">
+                                  <p:stCondLst>
+                                    <p:cond delay="0"/>
+                                  </p:stCondLst>
+                                  <p:childTnLst>
+                                    <p:set>
+                                      <p:cBhvr>
+                                        <p:cTn id="19" dur="1" fill="hold">
+                                          <p:stCondLst>
+                                            <p:cond delay="0"/>
+                                          </p:stCondLst>
+                                        </p:cTn>
+                                        <p:tgtEl>
+                                          <p:spTgt spid="12"/>
+                                        </p:tgtEl>
+                                        <p:attrNameLst>
+                                          <p:attrName>style.visibility</p:attrName>
+                                        </p:attrNameLst>
+                                      </p:cBhvr>
+                                      <p:to>
+                                        <p:strVal val="visible"/>
+                                      </p:to>
+                                    </p:set>
+                                    <p:animEffect transition="in" filter="barn(inVertical)">
+                                      <p:cBhvr>
+                                        <p:cTn id="20" dur="500"/>
+                                        <p:tgtEl>
+                                          <p:spTgt spid="12"/>
+                                        </p:tgtEl>
+                                      </p:cBhvr>
+                                    </p:animEffect>
+                                  </p:childTnLst>
+                                </p:cTn>
+                              </p:par>
+                            </p:childTnLst>
+                          </p:cTn>
+                        </p:par>
+                      </p:childTnLst>
+                    </p:cTn>
+                  </p:par>
+                </p:childTnLst>
+              </p:cTn>
+              <p:prevCondLst>
+                <p:cond evt="onPrev" delay="0">
+                  <p:tgtEl>
+                    <p:sldTgt/>
+                  </p:tgtEl>
+                </p:cond>
+              </p:prevCondLst>
+              <p:nextCondLst>
+                <p:cond evt="onNext" delay="0">
+                  <p:tgtEl>
+                    <p:sldTgt/>
+                  </p:tgtEl>
+                </p:cond>
+              </p:nextCondLst>
+            </p:seq>
+          </p:childTnLst>
+        </p:cTn>
+      </p:par>
+    </p:tnLst>
+    <p:bldLst>
+      <p:bldP spid="12" grpId="0" animBg="1"/>
+      <p:bldP spid="13" grpId="0" animBg="1"/>
+    </p:bldLst>
+  </p:timing>
+</p:sld>
+</file>
+
 <file path=ppt/slides/slide2.xml><?xml version="1.0" encoding="utf-8"?>
 <p:sld xmlns:a="http://schemas.openxmlformats.org/drawingml/2006/main" xmlns:r="http://schemas.openxmlformats.org/officeDocument/2006/relationships" xmlns:p="http://schemas.openxmlformats.org/presentationml/2006/main">
   <p:cSld>
@@ -9783,7 +14124,7 @@
             </a:pPr>
             <a:r>
               <a:rPr lang="ja-JP" altLang="en-US" dirty="0"/>
-              <a:t>データベース</a:t>
+              <a:t>画面遷移</a:t>
             </a:r>
             <a:endParaRPr lang="en-US" altLang="ja-JP" dirty="0"/>
           </a:p>
@@ -9797,8 +14138,8 @@
               <a:buAutoNum type="arabicPeriod"/>
             </a:pPr>
             <a:r>
-              <a:rPr kumimoji="1" lang="ja-JP" altLang="en-US" dirty="0"/>
-              <a:t>画面構成</a:t>
+              <a:rPr lang="ja-JP" altLang="en-US" dirty="0"/>
+              <a:t>データベース</a:t>
             </a:r>
             <a:endParaRPr kumimoji="1" lang="en-US" altLang="ja-JP" dirty="0"/>
           </a:p>
@@ -10702,7 +15043,7 @@
           <a:p>
             <a:r>
               <a:rPr kumimoji="1" lang="ja-JP" altLang="en-US" dirty="0"/>
-              <a:t>画面遷移図</a:t>
+              <a:t>画面遷移</a:t>
             </a:r>
           </a:p>
         </p:txBody>
@@ -10940,6 +15281,93 @@
           </a:p>
         </p:txBody>
       </p:sp>
+      <p:sp>
+        <p:nvSpPr>
+          <p:cNvPr id="4" name="テキスト ボックス 3">
+            <a:extLst>
+              <a:ext uri="{FF2B5EF4-FFF2-40B4-BE49-F238E27FC236}">
+                <a16:creationId xmlns:a16="http://schemas.microsoft.com/office/drawing/2014/main" id="{D9E35564-E7AB-63E1-BAF9-D27BDF87159C}"/>
+              </a:ext>
+            </a:extLst>
+          </p:cNvPr>
+          <p:cNvSpPr txBox="1"/>
+          <p:nvPr/>
+        </p:nvSpPr>
+        <p:spPr>
+          <a:xfrm>
+            <a:off x="4882723" y="5436092"/>
+            <a:ext cx="4727576" cy="369332"/>
+          </a:xfrm>
+          <a:prstGeom prst="rect">
+            <a:avLst/>
+          </a:prstGeom>
+          <a:noFill/>
+        </p:spPr>
+        <p:txBody>
+          <a:bodyPr wrap="none" rtlCol="0">
+            <a:spAutoFit/>
+          </a:bodyPr>
+          <a:lstStyle/>
+          <a:p>
+            <a:r>
+              <a:rPr kumimoji="1" lang="en-US" altLang="ja-JP" dirty="0">
+                <a:latin typeface="HG丸ｺﾞｼｯｸM-PRO" panose="020F0600000000000000" pitchFamily="50" charset="-128"/>
+                <a:ea typeface="HG丸ｺﾞｼｯｸM-PRO" panose="020F0600000000000000" pitchFamily="50" charset="-128"/>
+              </a:rPr>
+              <a:t> PK</a:t>
+            </a:r>
+            <a:r>
+              <a:rPr kumimoji="1" lang="ja-JP" altLang="en-US" dirty="0">
+                <a:latin typeface="HG丸ｺﾞｼｯｸM-PRO" panose="020F0600000000000000" pitchFamily="50" charset="-128"/>
+                <a:ea typeface="HG丸ｺﾞｼｯｸM-PRO" panose="020F0600000000000000" pitchFamily="50" charset="-128"/>
+              </a:rPr>
+              <a:t>（</a:t>
+            </a:r>
+            <a:r>
+              <a:rPr kumimoji="1" lang="en-US" altLang="ja-JP" dirty="0">
+                <a:latin typeface="HG丸ｺﾞｼｯｸM-PRO" panose="020F0600000000000000" pitchFamily="50" charset="-128"/>
+                <a:ea typeface="HG丸ｺﾞｼｯｸM-PRO" panose="020F0600000000000000" pitchFamily="50" charset="-128"/>
+              </a:rPr>
+              <a:t>Primary Key</a:t>
+            </a:r>
+            <a:r>
+              <a:rPr kumimoji="1" lang="ja-JP" altLang="en-US" dirty="0">
+                <a:latin typeface="HG丸ｺﾞｼｯｸM-PRO" panose="020F0600000000000000" pitchFamily="50" charset="-128"/>
+                <a:ea typeface="HG丸ｺﾞｼｯｸM-PRO" panose="020F0600000000000000" pitchFamily="50" charset="-128"/>
+              </a:rPr>
+              <a:t>）</a:t>
+            </a:r>
+            <a:r>
+              <a:rPr kumimoji="1" lang="en-US" altLang="ja-JP" dirty="0">
+                <a:latin typeface="HG丸ｺﾞｼｯｸM-PRO" panose="020F0600000000000000" pitchFamily="50" charset="-128"/>
+                <a:ea typeface="HG丸ｺﾞｼｯｸM-PRO" panose="020F0600000000000000" pitchFamily="50" charset="-128"/>
+              </a:rPr>
+              <a:t> FK</a:t>
+            </a:r>
+            <a:r>
+              <a:rPr kumimoji="1" lang="ja-JP" altLang="en-US" dirty="0">
+                <a:latin typeface="HG丸ｺﾞｼｯｸM-PRO" panose="020F0600000000000000" pitchFamily="50" charset="-128"/>
+                <a:ea typeface="HG丸ｺﾞｼｯｸM-PRO" panose="020F0600000000000000" pitchFamily="50" charset="-128"/>
+              </a:rPr>
+              <a:t>（</a:t>
+            </a:r>
+            <a:r>
+              <a:rPr kumimoji="1" lang="en-US" altLang="ja-JP" dirty="0">
+                <a:latin typeface="HG丸ｺﾞｼｯｸM-PRO" panose="020F0600000000000000" pitchFamily="50" charset="-128"/>
+                <a:ea typeface="HG丸ｺﾞｼｯｸM-PRO" panose="020F0600000000000000" pitchFamily="50" charset="-128"/>
+              </a:rPr>
+              <a:t>Foreign Key</a:t>
+            </a:r>
+            <a:r>
+              <a:rPr kumimoji="1" lang="ja-JP" altLang="en-US" dirty="0">
+                <a:latin typeface="HG丸ｺﾞｼｯｸM-PRO" panose="020F0600000000000000" pitchFamily="50" charset="-128"/>
+                <a:ea typeface="HG丸ｺﾞｼｯｸM-PRO" panose="020F0600000000000000" pitchFamily="50" charset="-128"/>
+              </a:rPr>
+              <a:t>）</a:t>
+            </a:r>
+          </a:p>
+        </p:txBody>
+      </p:sp>
     </p:spTree>
     <p:extLst>
       <p:ext uri="{BB962C8B-B14F-4D97-AF65-F5344CB8AC3E}">
@@ -10975,7 +15403,7 @@
           <p:cNvPr id="2" name="タイトル 1">
             <a:extLst>
               <a:ext uri="{FF2B5EF4-FFF2-40B4-BE49-F238E27FC236}">
-                <a16:creationId xmlns:a16="http://schemas.microsoft.com/office/drawing/2014/main" id="{44992F5C-D357-4F89-8DFE-4E93EFAD8DE5}"/>
+                <a16:creationId xmlns:a16="http://schemas.microsoft.com/office/drawing/2014/main" id="{EE7D4530-6AF9-50E4-0B9D-97342ED804C9}"/>
               </a:ext>
             </a:extLst>
           </p:cNvPr>
@@ -10993,7 +15421,7 @@
           <a:p>
             <a:r>
               <a:rPr kumimoji="1" lang="ja-JP" altLang="en-US" dirty="0"/>
-              <a:t>画面構成</a:t>
+              <a:t>デモンストレーション</a:t>
             </a:r>
           </a:p>
         </p:txBody>
@@ -11003,7 +15431,7 @@
           <p:cNvPr id="3" name="コンテンツ プレースホルダー 2">
             <a:extLst>
               <a:ext uri="{FF2B5EF4-FFF2-40B4-BE49-F238E27FC236}">
-                <a16:creationId xmlns:a16="http://schemas.microsoft.com/office/drawing/2014/main" id="{EFFD3932-F7D8-4F6A-B998-BF168415ECC5}"/>
+                <a16:creationId xmlns:a16="http://schemas.microsoft.com/office/drawing/2014/main" id="{87361FE5-C3EA-D670-F815-55335D50F55E}"/>
               </a:ext>
             </a:extLst>
           </p:cNvPr>
@@ -11021,7 +15449,7 @@
           <a:p>
             <a:r>
               <a:rPr kumimoji="1" lang="ja-JP" altLang="en-US" dirty="0"/>
-              <a:t>ここに遷移図の完成形を入れる</a:t>
+              <a:t>実際に動かしてみます！</a:t>
             </a:r>
           </a:p>
         </p:txBody>
@@ -11031,7 +15459,7 @@
           <p:cNvPr id="4" name="スライド番号プレースホルダー 3">
             <a:extLst>
               <a:ext uri="{FF2B5EF4-FFF2-40B4-BE49-F238E27FC236}">
-                <a16:creationId xmlns:a16="http://schemas.microsoft.com/office/drawing/2014/main" id="{63CD5CC6-930B-4059-B0C7-08ECDDBA9226}"/>
+                <a16:creationId xmlns:a16="http://schemas.microsoft.com/office/drawing/2014/main" id="{AD1FDF1D-2C88-8404-16B3-D31E6B5F72C3}"/>
               </a:ext>
             </a:extLst>
           </p:cNvPr>
@@ -11058,7 +15486,7 @@
     </p:spTree>
     <p:extLst>
       <p:ext uri="{BB962C8B-B14F-4D97-AF65-F5344CB8AC3E}">
-        <p14:creationId xmlns:p14="http://schemas.microsoft.com/office/powerpoint/2010/main" val="4145206676"/>
+        <p14:creationId xmlns:p14="http://schemas.microsoft.com/office/powerpoint/2010/main" val="1661783103"/>
       </p:ext>
     </p:extLst>
   </p:cSld>

--- a/00_参照ファイル/10_管理/書籍管理システム.pptx
+++ b/00_参照ファイル/10_管理/書籍管理システム.pptx
@@ -5,7 +5,7 @@
     <p:sldMasterId id="2147483774" r:id="rId1"/>
   </p:sldMasterIdLst>
   <p:notesMasterIdLst>
-    <p:notesMasterId r:id="rId20"/>
+    <p:notesMasterId r:id="rId21"/>
   </p:notesMasterIdLst>
   <p:sldIdLst>
     <p:sldId id="262" r:id="rId2"/>
@@ -26,6 +26,7 @@
     <p:sldId id="271" r:id="rId17"/>
     <p:sldId id="272" r:id="rId18"/>
     <p:sldId id="273" r:id="rId19"/>
+    <p:sldId id="276" r:id="rId20"/>
   </p:sldIdLst>
   <p:sldSz cx="12192000" cy="6858000"/>
   <p:notesSz cx="6858000" cy="9144000"/>
@@ -4721,11 +4722,13 @@
         <p:spPr>
           <a:xfrm>
             <a:off x="1128403" y="4453700"/>
-            <a:ext cx="8637072" cy="1071095"/>
+            <a:ext cx="8637072" cy="1543688"/>
           </a:xfrm>
         </p:spPr>
         <p:txBody>
-          <a:bodyPr/>
+          <a:bodyPr>
+            <a:normAutofit lnSpcReduction="10000"/>
+          </a:bodyPr>
           <a:lstStyle/>
           <a:p>
             <a:pPr algn="r"/>
@@ -4748,7 +4751,32 @@
                 <a:latin typeface="HG丸ｺﾞｼｯｸM-PRO" panose="020F0600000000000000" pitchFamily="50" charset="-128"/>
                 <a:ea typeface="HG丸ｺﾞｼｯｸM-PRO" panose="020F0600000000000000" pitchFamily="50" charset="-128"/>
               </a:rPr>
-              <a:t>上村・中田・中村・永森</a:t>
+              <a:t>リーダー：中田</a:t>
+            </a:r>
+            <a:endParaRPr kumimoji="1" lang="en-US" altLang="ja-JP" sz="2400" dirty="0">
+              <a:latin typeface="HG丸ｺﾞｼｯｸM-PRO" panose="020F0600000000000000" pitchFamily="50" charset="-128"/>
+              <a:ea typeface="HG丸ｺﾞｼｯｸM-PRO" panose="020F0600000000000000" pitchFamily="50" charset="-128"/>
+            </a:endParaRPr>
+          </a:p>
+          <a:p>
+            <a:pPr algn="r"/>
+            <a:r>
+              <a:rPr kumimoji="1" lang="ja-JP" altLang="en-US" sz="2400" dirty="0">
+                <a:latin typeface="HG丸ｺﾞｼｯｸM-PRO" panose="020F0600000000000000" pitchFamily="50" charset="-128"/>
+                <a:ea typeface="HG丸ｺﾞｼｯｸM-PRO" panose="020F0600000000000000" pitchFamily="50" charset="-128"/>
+              </a:rPr>
+              <a:t>メンバー</a:t>
+            </a:r>
+            <a:r>
+              <a:rPr lang="ja-JP" altLang="en-US" sz="2400" dirty="0"/>
+              <a:t>：</a:t>
+            </a:r>
+            <a:r>
+              <a:rPr kumimoji="1" lang="ja-JP" altLang="en-US" sz="2400" dirty="0">
+                <a:latin typeface="HG丸ｺﾞｼｯｸM-PRO" panose="020F0600000000000000" pitchFamily="50" charset="-128"/>
+                <a:ea typeface="HG丸ｺﾞｼｯｸM-PRO" panose="020F0600000000000000" pitchFamily="50" charset="-128"/>
+              </a:rPr>
+              <a:t>上村・中村・永森</a:t>
             </a:r>
           </a:p>
         </p:txBody>
@@ -4854,57 +4882,6 @@
       </p:sp>
       <p:sp>
         <p:nvSpPr>
-          <p:cNvPr id="3" name="字幕 2">
-            <a:extLst>
-              <a:ext uri="{FF2B5EF4-FFF2-40B4-BE49-F238E27FC236}">
-                <a16:creationId xmlns:a16="http://schemas.microsoft.com/office/drawing/2014/main" id="{72D5286E-F29B-4109-9356-E513C3FB99DF}"/>
-              </a:ext>
-            </a:extLst>
-          </p:cNvPr>
-          <p:cNvSpPr>
-            <a:spLocks noGrp="1"/>
-          </p:cNvSpPr>
-          <p:nvPr>
-            <p:ph type="subTitle" idx="1"/>
-          </p:nvPr>
-        </p:nvSpPr>
-        <p:spPr>
-          <a:xfrm>
-            <a:off x="1128403" y="4453700"/>
-            <a:ext cx="8637072" cy="1071095"/>
-          </a:xfrm>
-        </p:spPr>
-        <p:txBody>
-          <a:bodyPr/>
-          <a:lstStyle/>
-          <a:p>
-            <a:pPr algn="r"/>
-            <a:r>
-              <a:rPr kumimoji="1" lang="ja-JP" altLang="en-US" sz="2000" dirty="0">
-                <a:latin typeface="HG丸ｺﾞｼｯｸM-PRO" panose="020F0600000000000000" pitchFamily="50" charset="-128"/>
-                <a:ea typeface="HG丸ｺﾞｼｯｸM-PRO" panose="020F0600000000000000" pitchFamily="50" charset="-128"/>
-              </a:rPr>
-              <a:t>グループ２</a:t>
-            </a:r>
-            <a:endParaRPr kumimoji="1" lang="en-US" altLang="ja-JP" sz="2000" dirty="0">
-              <a:latin typeface="HG丸ｺﾞｼｯｸM-PRO" panose="020F0600000000000000" pitchFamily="50" charset="-128"/>
-              <a:ea typeface="HG丸ｺﾞｼｯｸM-PRO" panose="020F0600000000000000" pitchFamily="50" charset="-128"/>
-            </a:endParaRPr>
-          </a:p>
-          <a:p>
-            <a:pPr algn="r"/>
-            <a:r>
-              <a:rPr kumimoji="1" lang="ja-JP" altLang="en-US" sz="2400" dirty="0">
-                <a:latin typeface="HG丸ｺﾞｼｯｸM-PRO" panose="020F0600000000000000" pitchFamily="50" charset="-128"/>
-                <a:ea typeface="HG丸ｺﾞｼｯｸM-PRO" panose="020F0600000000000000" pitchFamily="50" charset="-128"/>
-              </a:rPr>
-              <a:t>上村・中田・中村・永森</a:t>
-            </a:r>
-          </a:p>
-        </p:txBody>
-      </p:sp>
-      <p:sp>
-        <p:nvSpPr>
           <p:cNvPr id="4" name="スライド番号プレースホルダー 3">
             <a:extLst>
               <a:ext uri="{FF2B5EF4-FFF2-40B4-BE49-F238E27FC236}">
@@ -5008,8 +4985,8 @@
         </p:nvSpPr>
         <p:spPr>
           <a:xfrm>
-            <a:off x="1130270" y="1733832"/>
-            <a:ext cx="9603275" cy="4250938"/>
+            <a:off x="762717" y="1437992"/>
+            <a:ext cx="9603275" cy="5142099"/>
           </a:xfrm>
         </p:spPr>
         <p:txBody>
@@ -5104,7 +5081,32 @@
             </a:r>
             <a:r>
               <a:rPr lang="ja-JP" altLang="en-US" dirty="0"/>
-              <a:t>＞</a:t>
+              <a:t>＞ </a:t>
+            </a:r>
+            <a:r>
+              <a:rPr lang="en-US" altLang="ja-JP" dirty="0" err="1"/>
+              <a:t>openBD</a:t>
+            </a:r>
+            <a:r>
+              <a:rPr lang="en-US" altLang="ja-JP" dirty="0"/>
+              <a:t> API</a:t>
+            </a:r>
+          </a:p>
+          <a:p>
+            <a:pPr marL="0" indent="0">
+              <a:buNone/>
+            </a:pPr>
+            <a:r>
+              <a:rPr lang="ja-JP" altLang="en-US" dirty="0"/>
+              <a:t>＜</a:t>
+            </a:r>
+            <a:r>
+              <a:rPr lang="en-US" altLang="ja-JP" dirty="0"/>
+              <a:t>IDE</a:t>
+            </a:r>
+            <a:r>
+              <a:rPr lang="ja-JP" altLang="en-US" dirty="0"/>
+              <a:t>（統合開発環境）＞</a:t>
             </a:r>
             <a:br>
               <a:rPr lang="en-US" altLang="ja-JP" dirty="0"/>
@@ -5115,12 +5117,9 @@
             </a:r>
             <a:r>
               <a:rPr lang="en-US" altLang="ja-JP" dirty="0" err="1"/>
-              <a:t>openBD</a:t>
-            </a:r>
-            <a:r>
-              <a:rPr lang="en-US" altLang="ja-JP" dirty="0"/>
-              <a:t> API</a:t>
-            </a:r>
+              <a:t>VSCode</a:t>
+            </a:r>
+            <a:endParaRPr lang="en-US" altLang="ja-JP" dirty="0"/>
           </a:p>
           <a:p>
             <a:pPr marL="0" indent="0">
@@ -5128,28 +5127,15 @@
             </a:pPr>
             <a:r>
               <a:rPr lang="ja-JP" altLang="en-US" dirty="0"/>
-              <a:t>＜</a:t>
-            </a:r>
-            <a:r>
-              <a:rPr lang="en-US" altLang="ja-JP" dirty="0"/>
-              <a:t>IDE</a:t>
-            </a:r>
-            <a:r>
-              <a:rPr lang="ja-JP" altLang="en-US" dirty="0"/>
-              <a:t>（統合開発環境）＞</a:t>
+              <a:t>＜開発効率化＞</a:t>
             </a:r>
             <a:br>
               <a:rPr lang="en-US" altLang="ja-JP" dirty="0"/>
             </a:br>
             <a:r>
-              <a:rPr lang="ja-JP" altLang="en-US" dirty="0"/>
-              <a:t>　</a:t>
-            </a:r>
-            <a:r>
-              <a:rPr lang="en-US" altLang="ja-JP" dirty="0" err="1"/>
-              <a:t>VSCode</a:t>
-            </a:r>
-            <a:endParaRPr lang="en-US" altLang="ja-JP" dirty="0"/>
+              <a:rPr lang="en-US" altLang="ja-JP" dirty="0"/>
+              <a:t>GitHub, bash</a:t>
+            </a:r>
           </a:p>
         </p:txBody>
       </p:sp>
@@ -5204,7 +5190,7 @@
         </p:blipFill>
         <p:spPr>
           <a:xfrm>
-            <a:off x="5286972" y="2831277"/>
+            <a:off x="4919419" y="2535438"/>
             <a:ext cx="1107558" cy="1107558"/>
           </a:xfrm>
           <a:prstGeom prst="rect">
@@ -5234,7 +5220,7 @@
         </p:blipFill>
         <p:spPr>
           <a:xfrm>
-            <a:off x="6731827" y="2831277"/>
+            <a:off x="6364274" y="2535438"/>
             <a:ext cx="1107558" cy="1107558"/>
           </a:xfrm>
           <a:prstGeom prst="rect">
@@ -5264,7 +5250,7 @@
         </p:blipFill>
         <p:spPr>
           <a:xfrm>
-            <a:off x="8176682" y="2831277"/>
+            <a:off x="7809129" y="2535438"/>
             <a:ext cx="1107558" cy="1107558"/>
           </a:xfrm>
           <a:prstGeom prst="rect">
@@ -5294,7 +5280,7 @@
         </p:blipFill>
         <p:spPr>
           <a:xfrm>
-            <a:off x="9621537" y="2831277"/>
+            <a:off x="9253984" y="2535438"/>
             <a:ext cx="1107558" cy="1107558"/>
           </a:xfrm>
           <a:prstGeom prst="rect">
@@ -5324,7 +5310,7 @@
         </p:blipFill>
         <p:spPr>
           <a:xfrm>
-            <a:off x="5286972" y="4340271"/>
+            <a:off x="4919419" y="4044432"/>
             <a:ext cx="1107558" cy="1107558"/>
           </a:xfrm>
           <a:prstGeom prst="rect">
@@ -5354,7 +5340,7 @@
         </p:blipFill>
         <p:spPr>
           <a:xfrm>
-            <a:off x="6731827" y="4340271"/>
+            <a:off x="6364274" y="4044432"/>
             <a:ext cx="1107558" cy="1107558"/>
           </a:xfrm>
           <a:prstGeom prst="rect">
@@ -5384,7 +5370,7 @@
         </p:blipFill>
         <p:spPr>
           <a:xfrm>
-            <a:off x="8176682" y="4340271"/>
+            <a:off x="7809129" y="4044432"/>
             <a:ext cx="1107558" cy="1107558"/>
           </a:xfrm>
           <a:prstGeom prst="rect">
@@ -5414,7 +5400,7 @@
         </p:blipFill>
         <p:spPr>
           <a:xfrm>
-            <a:off x="9621537" y="4340271"/>
+            <a:off x="9253984" y="4044432"/>
             <a:ext cx="1107558" cy="1107558"/>
           </a:xfrm>
           <a:prstGeom prst="rect">
@@ -5436,7 +5422,7 @@
         </p:nvSpPr>
         <p:spPr>
           <a:xfrm>
-            <a:off x="5196045" y="2713340"/>
+            <a:off x="4828492" y="2417501"/>
             <a:ext cx="5629412" cy="1343431"/>
           </a:xfrm>
           <a:prstGeom prst="roundRect">
@@ -5490,7 +5476,7 @@
         </p:nvSpPr>
         <p:spPr>
           <a:xfrm>
-            <a:off x="5196045" y="4222334"/>
+            <a:off x="4828492" y="3926495"/>
             <a:ext cx="2730200" cy="1343431"/>
           </a:xfrm>
           <a:prstGeom prst="roundRect">
@@ -5546,7 +5532,7 @@
         </p:nvSpPr>
         <p:spPr>
           <a:xfrm>
-            <a:off x="8071888" y="4222334"/>
+            <a:off x="7704335" y="3926495"/>
             <a:ext cx="1298352" cy="1343431"/>
           </a:xfrm>
           <a:prstGeom prst="roundRect">
@@ -5602,7 +5588,7 @@
         </p:nvSpPr>
         <p:spPr>
           <a:xfrm>
-            <a:off x="9515884" y="4222334"/>
+            <a:off x="9148331" y="3926495"/>
             <a:ext cx="1268600" cy="1343431"/>
           </a:xfrm>
           <a:prstGeom prst="roundRect">
@@ -5660,7 +5646,7 @@
         </p:nvCxnSpPr>
         <p:spPr>
           <a:xfrm>
-            <a:off x="3575261" y="1968159"/>
+            <a:off x="3207708" y="1672320"/>
             <a:ext cx="4435490" cy="745181"/>
           </a:xfrm>
           <a:prstGeom prst="bentConnector2">
@@ -5706,7 +5692,7 @@
         </p:nvCxnSpPr>
         <p:spPr>
           <a:xfrm>
-            <a:off x="3293573" y="2831277"/>
+            <a:off x="2926020" y="2535438"/>
             <a:ext cx="1902472" cy="2062773"/>
           </a:xfrm>
           <a:prstGeom prst="bentConnector3">
@@ -5752,7 +5738,7 @@
         </p:nvSpPr>
         <p:spPr>
           <a:xfrm>
-            <a:off x="1174420" y="2645632"/>
+            <a:off x="806867" y="2349793"/>
             <a:ext cx="2119153" cy="371290"/>
           </a:xfrm>
           <a:prstGeom prst="rect">
@@ -5814,7 +5800,7 @@
         </p:nvCxnSpPr>
         <p:spPr>
           <a:xfrm>
-            <a:off x="3289122" y="3694395"/>
+            <a:off x="2921569" y="3398556"/>
             <a:ext cx="5431942" cy="1871370"/>
           </a:xfrm>
           <a:prstGeom prst="bentConnector4">
@@ -5861,7 +5847,7 @@
         </p:nvSpPr>
         <p:spPr>
           <a:xfrm>
-            <a:off x="1169969" y="3508750"/>
+            <a:off x="802416" y="3212911"/>
             <a:ext cx="2119153" cy="371290"/>
           </a:xfrm>
           <a:prstGeom prst="rect">
@@ -5923,13 +5909,13 @@
         </p:nvCxnSpPr>
         <p:spPr>
           <a:xfrm>
-            <a:off x="4268783" y="5407481"/>
-            <a:ext cx="5881401" cy="158284"/>
+            <a:off x="3888091" y="4750901"/>
+            <a:ext cx="5894540" cy="519025"/>
           </a:xfrm>
           <a:prstGeom prst="bentConnector4">
             <a:avLst>
-              <a:gd name="adj1" fmla="val 4966"/>
-              <a:gd name="adj2" fmla="val 367629"/>
+              <a:gd name="adj1" fmla="val 4013"/>
+              <a:gd name="adj2" fmla="val 190679"/>
             </a:avLst>
           </a:prstGeom>
           <a:ln w="38100">
@@ -5968,7 +5954,7 @@
         </p:nvSpPr>
         <p:spPr>
           <a:xfrm>
-            <a:off x="1183108" y="5221836"/>
+            <a:off x="802416" y="4565256"/>
             <a:ext cx="3085675" cy="371290"/>
           </a:xfrm>
           <a:prstGeom prst="rect">
@@ -6024,7 +6010,7 @@
         </p:nvSpPr>
         <p:spPr>
           <a:xfrm>
-            <a:off x="1174420" y="1782514"/>
+            <a:off x="806867" y="1486675"/>
             <a:ext cx="2400841" cy="371290"/>
           </a:xfrm>
           <a:prstGeom prst="rect">
@@ -6080,7 +6066,7 @@
         </p:nvSpPr>
         <p:spPr>
           <a:xfrm>
-            <a:off x="5050401" y="4143192"/>
+            <a:off x="4682848" y="3847353"/>
             <a:ext cx="4414544" cy="1516554"/>
           </a:xfrm>
           <a:prstGeom prst="roundRect">
@@ -6134,8 +6120,8 @@
         </p:nvSpPr>
         <p:spPr>
           <a:xfrm>
-            <a:off x="1030692" y="2567001"/>
-            <a:ext cx="2751109" cy="2560853"/>
+            <a:off x="663139" y="2271163"/>
+            <a:ext cx="2751109" cy="1673780"/>
           </a:xfrm>
           <a:prstGeom prst="roundRect">
             <a:avLst>
@@ -6190,7 +6176,7 @@
         </p:nvSpPr>
         <p:spPr>
           <a:xfrm>
-            <a:off x="6485457" y="2831278"/>
+            <a:off x="6117904" y="2535439"/>
             <a:ext cx="2938197" cy="652773"/>
           </a:xfrm>
           <a:prstGeom prst="wedgeRoundRectCallout">
@@ -6264,7 +6250,7 @@
         </p:nvSpPr>
         <p:spPr>
           <a:xfrm>
-            <a:off x="6485457" y="2831277"/>
+            <a:off x="6117904" y="2535438"/>
             <a:ext cx="2938197" cy="652773"/>
           </a:xfrm>
           <a:prstGeom prst="wedgeRoundRectCallout">
@@ -6324,6 +6310,267 @@
           </a:p>
         </p:txBody>
       </p:sp>
+      <p:pic>
+        <p:nvPicPr>
+          <p:cNvPr id="6" name="図 5">
+            <a:extLst>
+              <a:ext uri="{FF2B5EF4-FFF2-40B4-BE49-F238E27FC236}">
+                <a16:creationId xmlns:a16="http://schemas.microsoft.com/office/drawing/2014/main" id="{3ABE9828-7167-4BB1-B1BF-55622DDF1BF0}"/>
+              </a:ext>
+            </a:extLst>
+          </p:cNvPr>
+          <p:cNvPicPr>
+            <a:picLocks noChangeAspect="1"/>
+          </p:cNvPicPr>
+          <p:nvPr/>
+        </p:nvPicPr>
+        <p:blipFill>
+          <a:blip r:embed="rId10"/>
+          <a:stretch>
+            <a:fillRect/>
+          </a:stretch>
+        </p:blipFill>
+        <p:spPr>
+          <a:xfrm>
+            <a:off x="10615919" y="2535438"/>
+            <a:ext cx="1107558" cy="1107558"/>
+          </a:xfrm>
+          <a:prstGeom prst="rect">
+            <a:avLst/>
+          </a:prstGeom>
+        </p:spPr>
+      </p:pic>
+      <p:pic>
+        <p:nvPicPr>
+          <p:cNvPr id="9" name="図 8">
+            <a:extLst>
+              <a:ext uri="{FF2B5EF4-FFF2-40B4-BE49-F238E27FC236}">
+                <a16:creationId xmlns:a16="http://schemas.microsoft.com/office/drawing/2014/main" id="{D3A9DA17-F151-4854-987E-528EF005A2B5}"/>
+              </a:ext>
+            </a:extLst>
+          </p:cNvPr>
+          <p:cNvPicPr>
+            <a:picLocks noChangeAspect="1"/>
+          </p:cNvPicPr>
+          <p:nvPr/>
+        </p:nvPicPr>
+        <p:blipFill>
+          <a:blip r:embed="rId11"/>
+          <a:stretch>
+            <a:fillRect/>
+          </a:stretch>
+        </p:blipFill>
+        <p:spPr>
+          <a:xfrm>
+            <a:off x="10621219" y="4044432"/>
+            <a:ext cx="1107558" cy="1107558"/>
+          </a:xfrm>
+          <a:prstGeom prst="rect">
+            <a:avLst/>
+          </a:prstGeom>
+        </p:spPr>
+      </p:pic>
+      <p:sp>
+        <p:nvSpPr>
+          <p:cNvPr id="33" name="正方形/長方形 32">
+            <a:extLst>
+              <a:ext uri="{FF2B5EF4-FFF2-40B4-BE49-F238E27FC236}">
+                <a16:creationId xmlns:a16="http://schemas.microsoft.com/office/drawing/2014/main" id="{CCACA07A-1E76-4373-9400-B1ACF485EBE7}"/>
+              </a:ext>
+            </a:extLst>
+          </p:cNvPr>
+          <p:cNvSpPr/>
+          <p:nvPr/>
+        </p:nvSpPr>
+        <p:spPr>
+          <a:xfrm>
+            <a:off x="762718" y="5420736"/>
+            <a:ext cx="1944624" cy="371290"/>
+          </a:xfrm>
+          <a:prstGeom prst="rect">
+            <a:avLst/>
+          </a:prstGeom>
+          <a:solidFill>
+            <a:srgbClr val="7030A0">
+              <a:alpha val="20000"/>
+            </a:srgbClr>
+          </a:solidFill>
+          <a:ln>
+            <a:solidFill>
+              <a:srgbClr val="7030A0"/>
+            </a:solidFill>
+          </a:ln>
+        </p:spPr>
+        <p:style>
+          <a:lnRef idx="2">
+            <a:schemeClr val="accent1">
+              <a:shade val="15000"/>
+            </a:schemeClr>
+          </a:lnRef>
+          <a:fillRef idx="1">
+            <a:schemeClr val="accent1"/>
+          </a:fillRef>
+          <a:effectRef idx="0">
+            <a:schemeClr val="accent1"/>
+          </a:effectRef>
+          <a:fontRef idx="minor">
+            <a:schemeClr val="lt1"/>
+          </a:fontRef>
+        </p:style>
+        <p:txBody>
+          <a:bodyPr rtlCol="0" anchor="ctr"/>
+          <a:lstStyle/>
+          <a:p>
+            <a:pPr algn="ctr"/>
+            <a:endParaRPr kumimoji="1" lang="ja-JP" altLang="en-US"/>
+          </a:p>
+        </p:txBody>
+      </p:sp>
+      <p:sp>
+        <p:nvSpPr>
+          <p:cNvPr id="38" name="四角形: 角を丸くする 37">
+            <a:extLst>
+              <a:ext uri="{FF2B5EF4-FFF2-40B4-BE49-F238E27FC236}">
+                <a16:creationId xmlns:a16="http://schemas.microsoft.com/office/drawing/2014/main" id="{E3CEB52E-A9F5-4AE5-A3BD-3E7497BAC1CB}"/>
+              </a:ext>
+            </a:extLst>
+          </p:cNvPr>
+          <p:cNvSpPr/>
+          <p:nvPr/>
+        </p:nvSpPr>
+        <p:spPr>
+          <a:xfrm>
+            <a:off x="10548831" y="2436337"/>
+            <a:ext cx="1268600" cy="2833589"/>
+          </a:xfrm>
+          <a:prstGeom prst="roundRect">
+            <a:avLst/>
+          </a:prstGeom>
+          <a:noFill/>
+          <a:ln w="38100" cap="flat" cmpd="sng" algn="ctr">
+            <a:solidFill>
+              <a:srgbClr val="7030A0"/>
+            </a:solidFill>
+            <a:prstDash val="solid"/>
+            <a:round/>
+            <a:headEnd type="none" w="med" len="med"/>
+            <a:tailEnd type="none" w="med" len="med"/>
+          </a:ln>
+        </p:spPr>
+        <p:style>
+          <a:lnRef idx="0">
+            <a:scrgbClr r="0" g="0" b="0"/>
+          </a:lnRef>
+          <a:fillRef idx="0">
+            <a:scrgbClr r="0" g="0" b="0"/>
+          </a:fillRef>
+          <a:effectRef idx="0">
+            <a:scrgbClr r="0" g="0" b="0"/>
+          </a:effectRef>
+          <a:fontRef idx="minor">
+            <a:schemeClr val="accent3"/>
+          </a:fontRef>
+        </p:style>
+        <p:txBody>
+          <a:bodyPr rtlCol="0" anchor="ctr"/>
+          <a:lstStyle/>
+          <a:p>
+            <a:pPr algn="ctr"/>
+            <a:endParaRPr kumimoji="1" lang="ja-JP" altLang="en-US"/>
+          </a:p>
+        </p:txBody>
+      </p:sp>
+      <p:cxnSp>
+        <p:nvCxnSpPr>
+          <p:cNvPr id="40" name="コネクタ: カギ線 39">
+            <a:extLst>
+              <a:ext uri="{FF2B5EF4-FFF2-40B4-BE49-F238E27FC236}">
+                <a16:creationId xmlns:a16="http://schemas.microsoft.com/office/drawing/2014/main" id="{7158DE78-8D11-4258-B1C2-FF6CB5A7191C}"/>
+              </a:ext>
+            </a:extLst>
+          </p:cNvPr>
+          <p:cNvCxnSpPr>
+            <a:cxnSpLocks/>
+            <a:endCxn id="38" idx="2"/>
+          </p:cNvCxnSpPr>
+          <p:nvPr/>
+        </p:nvCxnSpPr>
+        <p:spPr>
+          <a:xfrm flipV="1">
+            <a:off x="3496235" y="5269926"/>
+            <a:ext cx="7686896" cy="706469"/>
+          </a:xfrm>
+          <a:prstGeom prst="bentConnector2">
+            <a:avLst/>
+          </a:prstGeom>
+          <a:ln w="38100">
+            <a:solidFill>
+              <a:srgbClr val="7030A0"/>
+            </a:solidFill>
+            <a:tailEnd type="triangle"/>
+          </a:ln>
+        </p:spPr>
+        <p:style>
+          <a:lnRef idx="1">
+            <a:schemeClr val="accent1"/>
+          </a:lnRef>
+          <a:fillRef idx="0">
+            <a:schemeClr val="accent1"/>
+          </a:fillRef>
+          <a:effectRef idx="0">
+            <a:schemeClr val="accent1"/>
+          </a:effectRef>
+          <a:fontRef idx="minor">
+            <a:schemeClr val="tx1"/>
+          </a:fontRef>
+        </p:style>
+      </p:cxnSp>
+      <p:cxnSp>
+        <p:nvCxnSpPr>
+          <p:cNvPr id="35" name="コネクタ: カギ線 34">
+            <a:extLst>
+              <a:ext uri="{FF2B5EF4-FFF2-40B4-BE49-F238E27FC236}">
+                <a16:creationId xmlns:a16="http://schemas.microsoft.com/office/drawing/2014/main" id="{A2A9A346-F2EE-491A-989A-8854485F5ABF}"/>
+              </a:ext>
+            </a:extLst>
+          </p:cNvPr>
+          <p:cNvCxnSpPr>
+            <a:cxnSpLocks/>
+            <a:stCxn id="33" idx="3"/>
+          </p:cNvCxnSpPr>
+          <p:nvPr/>
+        </p:nvCxnSpPr>
+        <p:spPr>
+          <a:xfrm>
+            <a:off x="2707342" y="5606381"/>
+            <a:ext cx="788893" cy="370014"/>
+          </a:xfrm>
+          <a:prstGeom prst="bentConnector3">
+            <a:avLst>
+              <a:gd name="adj1" fmla="val 102273"/>
+            </a:avLst>
+          </a:prstGeom>
+          <a:ln w="38100">
+            <a:solidFill>
+              <a:srgbClr val="7030A0"/>
+            </a:solidFill>
+          </a:ln>
+        </p:spPr>
+        <p:style>
+          <a:lnRef idx="1">
+            <a:schemeClr val="accent1"/>
+          </a:lnRef>
+          <a:fillRef idx="0">
+            <a:schemeClr val="accent1"/>
+          </a:fillRef>
+          <a:effectRef idx="0">
+            <a:schemeClr val="accent1"/>
+          </a:effectRef>
+          <a:fontRef idx="minor">
+            <a:schemeClr val="tx1"/>
+          </a:fontRef>
+        </p:style>
+      </p:cxnSp>
     </p:spTree>
     <p:extLst>
       <p:ext uri="{BB962C8B-B14F-4D97-AF65-F5344CB8AC3E}">
@@ -6847,14 +7094,172 @@
                             </p:stCondLst>
                             <p:childTnLst>
                               <p:par>
-                                <p:cTn id="49" presetID="16" presetClass="exit" presetSubtype="21" fill="hold" nodeType="clickEffect">
+                                <p:cTn id="49" presetID="16" presetClass="entr" presetSubtype="21" fill="hold" grpId="0" nodeType="clickEffect">
+                                  <p:stCondLst>
+                                    <p:cond delay="0"/>
+                                  </p:stCondLst>
+                                  <p:childTnLst>
+                                    <p:set>
+                                      <p:cBhvr>
+                                        <p:cTn id="50" dur="1" fill="hold">
+                                          <p:stCondLst>
+                                            <p:cond delay="0"/>
+                                          </p:stCondLst>
+                                        </p:cTn>
+                                        <p:tgtEl>
+                                          <p:spTgt spid="33"/>
+                                        </p:tgtEl>
+                                        <p:attrNameLst>
+                                          <p:attrName>style.visibility</p:attrName>
+                                        </p:attrNameLst>
+                                      </p:cBhvr>
+                                      <p:to>
+                                        <p:strVal val="visible"/>
+                                      </p:to>
+                                    </p:set>
+                                    <p:animEffect transition="in" filter="barn(inVertical)">
+                                      <p:cBhvr>
+                                        <p:cTn id="51" dur="500"/>
+                                        <p:tgtEl>
+                                          <p:spTgt spid="33"/>
+                                        </p:tgtEl>
+                                      </p:cBhvr>
+                                    </p:animEffect>
+                                  </p:childTnLst>
+                                </p:cTn>
+                              </p:par>
+                              <p:par>
+                                <p:cTn id="52" presetID="16" presetClass="entr" presetSubtype="21" fill="hold" grpId="0" nodeType="withEffect">
+                                  <p:stCondLst>
+                                    <p:cond delay="0"/>
+                                  </p:stCondLst>
+                                  <p:childTnLst>
+                                    <p:set>
+                                      <p:cBhvr>
+                                        <p:cTn id="53" dur="1" fill="hold">
+                                          <p:stCondLst>
+                                            <p:cond delay="0"/>
+                                          </p:stCondLst>
+                                        </p:cTn>
+                                        <p:tgtEl>
+                                          <p:spTgt spid="38"/>
+                                        </p:tgtEl>
+                                        <p:attrNameLst>
+                                          <p:attrName>style.visibility</p:attrName>
+                                        </p:attrNameLst>
+                                      </p:cBhvr>
+                                      <p:to>
+                                        <p:strVal val="visible"/>
+                                      </p:to>
+                                    </p:set>
+                                    <p:animEffect transition="in" filter="barn(inVertical)">
+                                      <p:cBhvr>
+                                        <p:cTn id="54" dur="500"/>
+                                        <p:tgtEl>
+                                          <p:spTgt spid="38"/>
+                                        </p:tgtEl>
+                                      </p:cBhvr>
+                                    </p:animEffect>
+                                  </p:childTnLst>
+                                </p:cTn>
+                              </p:par>
+                              <p:par>
+                                <p:cTn id="55" presetID="16" presetClass="entr" presetSubtype="21" fill="hold" nodeType="withEffect">
+                                  <p:stCondLst>
+                                    <p:cond delay="0"/>
+                                  </p:stCondLst>
+                                  <p:childTnLst>
+                                    <p:set>
+                                      <p:cBhvr>
+                                        <p:cTn id="56" dur="1" fill="hold">
+                                          <p:stCondLst>
+                                            <p:cond delay="0"/>
+                                          </p:stCondLst>
+                                        </p:cTn>
+                                        <p:tgtEl>
+                                          <p:spTgt spid="35"/>
+                                        </p:tgtEl>
+                                        <p:attrNameLst>
+                                          <p:attrName>style.visibility</p:attrName>
+                                        </p:attrNameLst>
+                                      </p:cBhvr>
+                                      <p:to>
+                                        <p:strVal val="visible"/>
+                                      </p:to>
+                                    </p:set>
+                                    <p:animEffect transition="in" filter="barn(inVertical)">
+                                      <p:cBhvr>
+                                        <p:cTn id="57" dur="500"/>
+                                        <p:tgtEl>
+                                          <p:spTgt spid="35"/>
+                                        </p:tgtEl>
+                                      </p:cBhvr>
+                                    </p:animEffect>
+                                  </p:childTnLst>
+                                </p:cTn>
+                              </p:par>
+                              <p:par>
+                                <p:cTn id="58" presetID="16" presetClass="entr" presetSubtype="21" fill="hold" nodeType="withEffect">
+                                  <p:stCondLst>
+                                    <p:cond delay="0"/>
+                                  </p:stCondLst>
+                                  <p:childTnLst>
+                                    <p:set>
+                                      <p:cBhvr>
+                                        <p:cTn id="59" dur="1" fill="hold">
+                                          <p:stCondLst>
+                                            <p:cond delay="0"/>
+                                          </p:stCondLst>
+                                        </p:cTn>
+                                        <p:tgtEl>
+                                          <p:spTgt spid="40"/>
+                                        </p:tgtEl>
+                                        <p:attrNameLst>
+                                          <p:attrName>style.visibility</p:attrName>
+                                        </p:attrNameLst>
+                                      </p:cBhvr>
+                                      <p:to>
+                                        <p:strVal val="visible"/>
+                                      </p:to>
+                                    </p:set>
+                                    <p:animEffect transition="in" filter="barn(inVertical)">
+                                      <p:cBhvr>
+                                        <p:cTn id="60" dur="500"/>
+                                        <p:tgtEl>
+                                          <p:spTgt spid="40"/>
+                                        </p:tgtEl>
+                                      </p:cBhvr>
+                                    </p:animEffect>
+                                  </p:childTnLst>
+                                </p:cTn>
+                              </p:par>
+                            </p:childTnLst>
+                          </p:cTn>
+                        </p:par>
+                      </p:childTnLst>
+                    </p:cTn>
+                  </p:par>
+                  <p:par>
+                    <p:cTn id="61" fill="hold">
+                      <p:stCondLst>
+                        <p:cond delay="indefinite"/>
+                      </p:stCondLst>
+                      <p:childTnLst>
+                        <p:par>
+                          <p:cTn id="62" fill="hold">
+                            <p:stCondLst>
+                              <p:cond delay="0"/>
+                            </p:stCondLst>
+                            <p:childTnLst>
+                              <p:par>
+                                <p:cTn id="63" presetID="16" presetClass="exit" presetSubtype="21" fill="hold" nodeType="clickEffect">
                                   <p:stCondLst>
                                     <p:cond delay="0"/>
                                   </p:stCondLst>
                                   <p:childTnLst>
                                     <p:animEffect transition="out" filter="barn(inVertical)">
                                       <p:cBhvr>
-                                        <p:cTn id="50" dur="500"/>
+                                        <p:cTn id="64" dur="500"/>
                                         <p:tgtEl>
                                           <p:spTgt spid="30"/>
                                         </p:tgtEl>
@@ -6862,7 +7267,7 @@
                                     </p:animEffect>
                                     <p:set>
                                       <p:cBhvr>
-                                        <p:cTn id="51" dur="1" fill="hold">
+                                        <p:cTn id="65" dur="1" fill="hold">
                                           <p:stCondLst>
                                             <p:cond delay="499"/>
                                           </p:stCondLst>
@@ -6882,14 +7287,14 @@
                                 </p:cTn>
                               </p:par>
                               <p:par>
-                                <p:cTn id="52" presetID="16" presetClass="exit" presetSubtype="21" fill="hold" grpId="1" nodeType="withEffect">
+                                <p:cTn id="66" presetID="16" presetClass="exit" presetSubtype="21" fill="hold" grpId="1" nodeType="withEffect">
                                   <p:stCondLst>
                                     <p:cond delay="0"/>
                                   </p:stCondLst>
                                   <p:childTnLst>
                                     <p:animEffect transition="out" filter="barn(inVertical)">
                                       <p:cBhvr>
-                                        <p:cTn id="53" dur="500"/>
+                                        <p:cTn id="67" dur="500"/>
                                         <p:tgtEl>
                                           <p:spTgt spid="60"/>
                                         </p:tgtEl>
@@ -6897,7 +7302,7 @@
                                     </p:animEffect>
                                     <p:set>
                                       <p:cBhvr>
-                                        <p:cTn id="54" dur="1" fill="hold">
+                                        <p:cTn id="68" dur="1" fill="hold">
                                           <p:stCondLst>
                                             <p:cond delay="499"/>
                                           </p:stCondLst>
@@ -6917,14 +7322,14 @@
                                 </p:cTn>
                               </p:par>
                               <p:par>
-                                <p:cTn id="55" presetID="16" presetClass="exit" presetSubtype="21" fill="hold" grpId="1" nodeType="withEffect">
+                                <p:cTn id="69" presetID="16" presetClass="exit" presetSubtype="21" fill="hold" grpId="1" nodeType="withEffect">
                                   <p:stCondLst>
                                     <p:cond delay="0"/>
                                   </p:stCondLst>
                                   <p:childTnLst>
                                     <p:animEffect transition="out" filter="barn(inVertical)">
                                       <p:cBhvr>
-                                        <p:cTn id="56" dur="500"/>
+                                        <p:cTn id="70" dur="500"/>
                                         <p:tgtEl>
                                           <p:spTgt spid="23"/>
                                         </p:tgtEl>
@@ -6932,7 +7337,7 @@
                                     </p:animEffect>
                                     <p:set>
                                       <p:cBhvr>
-                                        <p:cTn id="57" dur="1" fill="hold">
+                                        <p:cTn id="71" dur="1" fill="hold">
                                           <p:stCondLst>
                                             <p:cond delay="499"/>
                                           </p:stCondLst>
@@ -6952,14 +7357,14 @@
                                 </p:cTn>
                               </p:par>
                               <p:par>
-                                <p:cTn id="58" presetID="16" presetClass="exit" presetSubtype="21" fill="hold" grpId="1" nodeType="withEffect">
+                                <p:cTn id="72" presetID="16" presetClass="exit" presetSubtype="21" fill="hold" grpId="1" nodeType="withEffect">
                                   <p:stCondLst>
                                     <p:cond delay="0"/>
                                   </p:stCondLst>
                                   <p:childTnLst>
                                     <p:animEffect transition="out" filter="barn(inVertical)">
                                       <p:cBhvr>
-                                        <p:cTn id="59" dur="500"/>
+                                        <p:cTn id="73" dur="500"/>
                                         <p:tgtEl>
                                           <p:spTgt spid="37"/>
                                         </p:tgtEl>
@@ -6967,7 +7372,7 @@
                                     </p:animEffect>
                                     <p:set>
                                       <p:cBhvr>
-                                        <p:cTn id="60" dur="1" fill="hold">
+                                        <p:cTn id="74" dur="1" fill="hold">
                                           <p:stCondLst>
                                             <p:cond delay="499"/>
                                           </p:stCondLst>
@@ -6987,14 +7392,14 @@
                                 </p:cTn>
                               </p:par>
                               <p:par>
-                                <p:cTn id="61" presetID="16" presetClass="exit" presetSubtype="21" fill="hold" nodeType="withEffect">
+                                <p:cTn id="75" presetID="16" presetClass="exit" presetSubtype="21" fill="hold" nodeType="withEffect">
                                   <p:stCondLst>
                                     <p:cond delay="0"/>
                                   </p:stCondLst>
                                   <p:childTnLst>
                                     <p:animEffect transition="out" filter="barn(inVertical)">
                                       <p:cBhvr>
-                                        <p:cTn id="62" dur="500"/>
+                                        <p:cTn id="76" dur="500"/>
                                         <p:tgtEl>
                                           <p:spTgt spid="31"/>
                                         </p:tgtEl>
@@ -7002,7 +7407,7 @@
                                     </p:animEffect>
                                     <p:set>
                                       <p:cBhvr>
-                                        <p:cTn id="63" dur="1" fill="hold">
+                                        <p:cTn id="77" dur="1" fill="hold">
                                           <p:stCondLst>
                                             <p:cond delay="499"/>
                                           </p:stCondLst>
@@ -7022,14 +7427,14 @@
                                 </p:cTn>
                               </p:par>
                               <p:par>
-                                <p:cTn id="64" presetID="16" presetClass="exit" presetSubtype="21" fill="hold" grpId="1" nodeType="withEffect">
+                                <p:cTn id="78" presetID="16" presetClass="exit" presetSubtype="21" fill="hold" grpId="1" nodeType="withEffect">
                                   <p:stCondLst>
                                     <p:cond delay="0"/>
                                   </p:stCondLst>
                                   <p:childTnLst>
                                     <p:animEffect transition="out" filter="barn(inVertical)">
                                       <p:cBhvr>
-                                        <p:cTn id="65" dur="500"/>
+                                        <p:cTn id="79" dur="500"/>
                                         <p:tgtEl>
                                           <p:spTgt spid="26"/>
                                         </p:tgtEl>
@@ -7037,7 +7442,7 @@
                                     </p:animEffect>
                                     <p:set>
                                       <p:cBhvr>
-                                        <p:cTn id="66" dur="1" fill="hold">
+                                        <p:cTn id="80" dur="1" fill="hold">
                                           <p:stCondLst>
                                             <p:cond delay="499"/>
                                           </p:stCondLst>
@@ -7057,14 +7462,14 @@
                                 </p:cTn>
                               </p:par>
                               <p:par>
-                                <p:cTn id="67" presetID="16" presetClass="exit" presetSubtype="21" fill="hold" grpId="1" nodeType="withEffect">
+                                <p:cTn id="81" presetID="16" presetClass="exit" presetSubtype="21" fill="hold" grpId="1" nodeType="withEffect">
                                   <p:stCondLst>
                                     <p:cond delay="0"/>
                                   </p:stCondLst>
                                   <p:childTnLst>
                                     <p:animEffect transition="out" filter="barn(inVertical)">
                                       <p:cBhvr>
-                                        <p:cTn id="68" dur="500"/>
+                                        <p:cTn id="82" dur="500"/>
                                         <p:tgtEl>
                                           <p:spTgt spid="45"/>
                                         </p:tgtEl>
@@ -7072,7 +7477,7 @@
                                     </p:animEffect>
                                     <p:set>
                                       <p:cBhvr>
-                                        <p:cTn id="69" dur="1" fill="hold">
+                                        <p:cTn id="83" dur="1" fill="hold">
                                           <p:stCondLst>
                                             <p:cond delay="499"/>
                                           </p:stCondLst>
@@ -7092,14 +7497,14 @@
                                 </p:cTn>
                               </p:par>
                               <p:par>
-                                <p:cTn id="70" presetID="16" presetClass="exit" presetSubtype="21" fill="hold" nodeType="withEffect">
+                                <p:cTn id="84" presetID="16" presetClass="exit" presetSubtype="21" fill="hold" nodeType="withEffect">
                                   <p:stCondLst>
                                     <p:cond delay="0"/>
                                   </p:stCondLst>
                                   <p:childTnLst>
                                     <p:animEffect transition="out" filter="barn(inVertical)">
                                       <p:cBhvr>
-                                        <p:cTn id="71" dur="500"/>
+                                        <p:cTn id="85" dur="500"/>
                                         <p:tgtEl>
                                           <p:spTgt spid="44"/>
                                         </p:tgtEl>
@@ -7107,7 +7512,7 @@
                                     </p:animEffect>
                                     <p:set>
                                       <p:cBhvr>
-                                        <p:cTn id="72" dur="1" fill="hold">
+                                        <p:cTn id="86" dur="1" fill="hold">
                                           <p:stCondLst>
                                             <p:cond delay="499"/>
                                           </p:stCondLst>
@@ -7127,165 +7532,7 @@
                                 </p:cTn>
                               </p:par>
                               <p:par>
-                                <p:cTn id="73" presetID="16" presetClass="exit" presetSubtype="21" fill="hold" grpId="1" nodeType="withEffect">
-                                  <p:stCondLst>
-                                    <p:cond delay="0"/>
-                                  </p:stCondLst>
-                                  <p:childTnLst>
-                                    <p:animEffect transition="out" filter="barn(inVertical)">
-                                      <p:cBhvr>
-                                        <p:cTn id="74" dur="500"/>
-                                        <p:tgtEl>
-                                          <p:spTgt spid="27"/>
-                                        </p:tgtEl>
-                                      </p:cBhvr>
-                                    </p:animEffect>
-                                    <p:set>
-                                      <p:cBhvr>
-                                        <p:cTn id="75" dur="1" fill="hold">
-                                          <p:stCondLst>
-                                            <p:cond delay="499"/>
-                                          </p:stCondLst>
-                                        </p:cTn>
-                                        <p:tgtEl>
-                                          <p:spTgt spid="27"/>
-                                        </p:tgtEl>
-                                        <p:attrNameLst>
-                                          <p:attrName>style.visibility</p:attrName>
-                                        </p:attrNameLst>
-                                      </p:cBhvr>
-                                      <p:to>
-                                        <p:strVal val="hidden"/>
-                                      </p:to>
-                                    </p:set>
-                                  </p:childTnLst>
-                                </p:cTn>
-                              </p:par>
-                              <p:par>
-                                <p:cTn id="76" presetID="16" presetClass="exit" presetSubtype="21" fill="hold" nodeType="withEffect">
-                                  <p:stCondLst>
-                                    <p:cond delay="0"/>
-                                  </p:stCondLst>
-                                  <p:childTnLst>
-                                    <p:animEffect transition="out" filter="barn(inVertical)">
-                                      <p:cBhvr>
-                                        <p:cTn id="77" dur="500"/>
-                                        <p:tgtEl>
-                                          <p:spTgt spid="49"/>
-                                        </p:tgtEl>
-                                      </p:cBhvr>
-                                    </p:animEffect>
-                                    <p:set>
-                                      <p:cBhvr>
-                                        <p:cTn id="78" dur="1" fill="hold">
-                                          <p:stCondLst>
-                                            <p:cond delay="499"/>
-                                          </p:stCondLst>
-                                        </p:cTn>
-                                        <p:tgtEl>
-                                          <p:spTgt spid="49"/>
-                                        </p:tgtEl>
-                                        <p:attrNameLst>
-                                          <p:attrName>style.visibility</p:attrName>
-                                        </p:attrNameLst>
-                                      </p:cBhvr>
-                                      <p:to>
-                                        <p:strVal val="hidden"/>
-                                      </p:to>
-                                    </p:set>
-                                  </p:childTnLst>
-                                </p:cTn>
-                              </p:par>
-                              <p:par>
-                                <p:cTn id="79" presetID="16" presetClass="exit" presetSubtype="21" fill="hold" grpId="1" nodeType="withEffect">
-                                  <p:stCondLst>
-                                    <p:cond delay="0"/>
-                                  </p:stCondLst>
-                                  <p:childTnLst>
-                                    <p:animEffect transition="out" filter="barn(inVertical)">
-                                      <p:cBhvr>
-                                        <p:cTn id="80" dur="500"/>
-                                        <p:tgtEl>
-                                          <p:spTgt spid="50"/>
-                                        </p:tgtEl>
-                                      </p:cBhvr>
-                                    </p:animEffect>
-                                    <p:set>
-                                      <p:cBhvr>
-                                        <p:cTn id="81" dur="1" fill="hold">
-                                          <p:stCondLst>
-                                            <p:cond delay="499"/>
-                                          </p:stCondLst>
-                                        </p:cTn>
-                                        <p:tgtEl>
-                                          <p:spTgt spid="50"/>
-                                        </p:tgtEl>
-                                        <p:attrNameLst>
-                                          <p:attrName>style.visibility</p:attrName>
-                                        </p:attrNameLst>
-                                      </p:cBhvr>
-                                      <p:to>
-                                        <p:strVal val="hidden"/>
-                                      </p:to>
-                                    </p:set>
-                                  </p:childTnLst>
-                                </p:cTn>
-                              </p:par>
-                              <p:par>
-                                <p:cTn id="82" presetID="16" presetClass="exit" presetSubtype="21" fill="hold" grpId="1" nodeType="withEffect">
-                                  <p:stCondLst>
-                                    <p:cond delay="0"/>
-                                  </p:stCondLst>
-                                  <p:childTnLst>
-                                    <p:animEffect transition="out" filter="barn(inVertical)">
-                                      <p:cBhvr>
-                                        <p:cTn id="83" dur="500"/>
-                                        <p:tgtEl>
-                                          <p:spTgt spid="28"/>
-                                        </p:tgtEl>
-                                      </p:cBhvr>
-                                    </p:animEffect>
-                                    <p:set>
-                                      <p:cBhvr>
-                                        <p:cTn id="84" dur="1" fill="hold">
-                                          <p:stCondLst>
-                                            <p:cond delay="499"/>
-                                          </p:stCondLst>
-                                        </p:cTn>
-                                        <p:tgtEl>
-                                          <p:spTgt spid="28"/>
-                                        </p:tgtEl>
-                                        <p:attrNameLst>
-                                          <p:attrName>style.visibility</p:attrName>
-                                        </p:attrNameLst>
-                                      </p:cBhvr>
-                                      <p:to>
-                                        <p:strVal val="hidden"/>
-                                      </p:to>
-                                    </p:set>
-                                  </p:childTnLst>
-                                </p:cTn>
-                              </p:par>
-                            </p:childTnLst>
-                          </p:cTn>
-                        </p:par>
-                      </p:childTnLst>
-                    </p:cTn>
-                  </p:par>
-                  <p:par>
-                    <p:cTn id="85" fill="hold">
-                      <p:stCondLst>
-                        <p:cond delay="indefinite"/>
-                      </p:stCondLst>
-                      <p:childTnLst>
-                        <p:par>
-                          <p:cTn id="86" fill="hold">
-                            <p:stCondLst>
-                              <p:cond delay="0"/>
-                            </p:stCondLst>
-                            <p:childTnLst>
-                              <p:par>
-                                <p:cTn id="87" presetID="16" presetClass="exit" presetSubtype="21" fill="hold" nodeType="clickEffect">
+                                <p:cTn id="87" presetID="16" presetClass="exit" presetSubtype="21" fill="hold" grpId="1" nodeType="withEffect">
                                   <p:stCondLst>
                                     <p:cond delay="0"/>
                                   </p:stCondLst>
@@ -7294,7 +7541,7 @@
                                       <p:cBhvr>
                                         <p:cTn id="88" dur="500"/>
                                         <p:tgtEl>
-                                          <p:spTgt spid="7"/>
+                                          <p:spTgt spid="27"/>
                                         </p:tgtEl>
                                       </p:cBhvr>
                                     </p:animEffect>
@@ -7306,7 +7553,7 @@
                                           </p:stCondLst>
                                         </p:cTn>
                                         <p:tgtEl>
-                                          <p:spTgt spid="7"/>
+                                          <p:spTgt spid="27"/>
                                         </p:tgtEl>
                                         <p:attrNameLst>
                                           <p:attrName>style.visibility</p:attrName>
@@ -7329,13 +7576,311 @@
                                       <p:cBhvr>
                                         <p:cTn id="91" dur="500"/>
                                         <p:tgtEl>
+                                          <p:spTgt spid="49"/>
+                                        </p:tgtEl>
+                                      </p:cBhvr>
+                                    </p:animEffect>
+                                    <p:set>
+                                      <p:cBhvr>
+                                        <p:cTn id="92" dur="1" fill="hold">
+                                          <p:stCondLst>
+                                            <p:cond delay="499"/>
+                                          </p:stCondLst>
+                                        </p:cTn>
+                                        <p:tgtEl>
+                                          <p:spTgt spid="49"/>
+                                        </p:tgtEl>
+                                        <p:attrNameLst>
+                                          <p:attrName>style.visibility</p:attrName>
+                                        </p:attrNameLst>
+                                      </p:cBhvr>
+                                      <p:to>
+                                        <p:strVal val="hidden"/>
+                                      </p:to>
+                                    </p:set>
+                                  </p:childTnLst>
+                                </p:cTn>
+                              </p:par>
+                              <p:par>
+                                <p:cTn id="93" presetID="16" presetClass="exit" presetSubtype="21" fill="hold" grpId="1" nodeType="withEffect">
+                                  <p:stCondLst>
+                                    <p:cond delay="0"/>
+                                  </p:stCondLst>
+                                  <p:childTnLst>
+                                    <p:animEffect transition="out" filter="barn(inVertical)">
+                                      <p:cBhvr>
+                                        <p:cTn id="94" dur="500"/>
+                                        <p:tgtEl>
+                                          <p:spTgt spid="50"/>
+                                        </p:tgtEl>
+                                      </p:cBhvr>
+                                    </p:animEffect>
+                                    <p:set>
+                                      <p:cBhvr>
+                                        <p:cTn id="95" dur="1" fill="hold">
+                                          <p:stCondLst>
+                                            <p:cond delay="499"/>
+                                          </p:stCondLst>
+                                        </p:cTn>
+                                        <p:tgtEl>
+                                          <p:spTgt spid="50"/>
+                                        </p:tgtEl>
+                                        <p:attrNameLst>
+                                          <p:attrName>style.visibility</p:attrName>
+                                        </p:attrNameLst>
+                                      </p:cBhvr>
+                                      <p:to>
+                                        <p:strVal val="hidden"/>
+                                      </p:to>
+                                    </p:set>
+                                  </p:childTnLst>
+                                </p:cTn>
+                              </p:par>
+                              <p:par>
+                                <p:cTn id="96" presetID="16" presetClass="exit" presetSubtype="21" fill="hold" grpId="1" nodeType="withEffect">
+                                  <p:stCondLst>
+                                    <p:cond delay="0"/>
+                                  </p:stCondLst>
+                                  <p:childTnLst>
+                                    <p:animEffect transition="out" filter="barn(inVertical)">
+                                      <p:cBhvr>
+                                        <p:cTn id="97" dur="500"/>
+                                        <p:tgtEl>
+                                          <p:spTgt spid="28"/>
+                                        </p:tgtEl>
+                                      </p:cBhvr>
+                                    </p:animEffect>
+                                    <p:set>
+                                      <p:cBhvr>
+                                        <p:cTn id="98" dur="1" fill="hold">
+                                          <p:stCondLst>
+                                            <p:cond delay="499"/>
+                                          </p:stCondLst>
+                                        </p:cTn>
+                                        <p:tgtEl>
+                                          <p:spTgt spid="28"/>
+                                        </p:tgtEl>
+                                        <p:attrNameLst>
+                                          <p:attrName>style.visibility</p:attrName>
+                                        </p:attrNameLst>
+                                      </p:cBhvr>
+                                      <p:to>
+                                        <p:strVal val="hidden"/>
+                                      </p:to>
+                                    </p:set>
+                                  </p:childTnLst>
+                                </p:cTn>
+                              </p:par>
+                              <p:par>
+                                <p:cTn id="99" presetID="16" presetClass="exit" presetSubtype="21" fill="hold" grpId="1" nodeType="withEffect">
+                                  <p:stCondLst>
+                                    <p:cond delay="0"/>
+                                  </p:stCondLst>
+                                  <p:childTnLst>
+                                    <p:animEffect transition="out" filter="barn(inVertical)">
+                                      <p:cBhvr>
+                                        <p:cTn id="100" dur="500"/>
+                                        <p:tgtEl>
+                                          <p:spTgt spid="33"/>
+                                        </p:tgtEl>
+                                      </p:cBhvr>
+                                    </p:animEffect>
+                                    <p:set>
+                                      <p:cBhvr>
+                                        <p:cTn id="101" dur="1" fill="hold">
+                                          <p:stCondLst>
+                                            <p:cond delay="499"/>
+                                          </p:stCondLst>
+                                        </p:cTn>
+                                        <p:tgtEl>
+                                          <p:spTgt spid="33"/>
+                                        </p:tgtEl>
+                                        <p:attrNameLst>
+                                          <p:attrName>style.visibility</p:attrName>
+                                        </p:attrNameLst>
+                                      </p:cBhvr>
+                                      <p:to>
+                                        <p:strVal val="hidden"/>
+                                      </p:to>
+                                    </p:set>
+                                  </p:childTnLst>
+                                </p:cTn>
+                              </p:par>
+                              <p:par>
+                                <p:cTn id="102" presetID="16" presetClass="exit" presetSubtype="21" fill="hold" grpId="1" nodeType="withEffect">
+                                  <p:stCondLst>
+                                    <p:cond delay="0"/>
+                                  </p:stCondLst>
+                                  <p:childTnLst>
+                                    <p:animEffect transition="out" filter="barn(inVertical)">
+                                      <p:cBhvr>
+                                        <p:cTn id="103" dur="500"/>
+                                        <p:tgtEl>
+                                          <p:spTgt spid="38"/>
+                                        </p:tgtEl>
+                                      </p:cBhvr>
+                                    </p:animEffect>
+                                    <p:set>
+                                      <p:cBhvr>
+                                        <p:cTn id="104" dur="1" fill="hold">
+                                          <p:stCondLst>
+                                            <p:cond delay="499"/>
+                                          </p:stCondLst>
+                                        </p:cTn>
+                                        <p:tgtEl>
+                                          <p:spTgt spid="38"/>
+                                        </p:tgtEl>
+                                        <p:attrNameLst>
+                                          <p:attrName>style.visibility</p:attrName>
+                                        </p:attrNameLst>
+                                      </p:cBhvr>
+                                      <p:to>
+                                        <p:strVal val="hidden"/>
+                                      </p:to>
+                                    </p:set>
+                                  </p:childTnLst>
+                                </p:cTn>
+                              </p:par>
+                              <p:par>
+                                <p:cTn id="105" presetID="16" presetClass="exit" presetSubtype="21" fill="hold" nodeType="withEffect">
+                                  <p:stCondLst>
+                                    <p:cond delay="0"/>
+                                  </p:stCondLst>
+                                  <p:childTnLst>
+                                    <p:animEffect transition="out" filter="barn(inVertical)">
+                                      <p:cBhvr>
+                                        <p:cTn id="106" dur="500"/>
+                                        <p:tgtEl>
+                                          <p:spTgt spid="35"/>
+                                        </p:tgtEl>
+                                      </p:cBhvr>
+                                    </p:animEffect>
+                                    <p:set>
+                                      <p:cBhvr>
+                                        <p:cTn id="107" dur="1" fill="hold">
+                                          <p:stCondLst>
+                                            <p:cond delay="499"/>
+                                          </p:stCondLst>
+                                        </p:cTn>
+                                        <p:tgtEl>
+                                          <p:spTgt spid="35"/>
+                                        </p:tgtEl>
+                                        <p:attrNameLst>
+                                          <p:attrName>style.visibility</p:attrName>
+                                        </p:attrNameLst>
+                                      </p:cBhvr>
+                                      <p:to>
+                                        <p:strVal val="hidden"/>
+                                      </p:to>
+                                    </p:set>
+                                  </p:childTnLst>
+                                </p:cTn>
+                              </p:par>
+                              <p:par>
+                                <p:cTn id="108" presetID="16" presetClass="exit" presetSubtype="21" fill="hold" nodeType="withEffect">
+                                  <p:stCondLst>
+                                    <p:cond delay="0"/>
+                                  </p:stCondLst>
+                                  <p:childTnLst>
+                                    <p:animEffect transition="out" filter="barn(inVertical)">
+                                      <p:cBhvr>
+                                        <p:cTn id="109" dur="500"/>
+                                        <p:tgtEl>
+                                          <p:spTgt spid="40"/>
+                                        </p:tgtEl>
+                                      </p:cBhvr>
+                                    </p:animEffect>
+                                    <p:set>
+                                      <p:cBhvr>
+                                        <p:cTn id="110" dur="1" fill="hold">
+                                          <p:stCondLst>
+                                            <p:cond delay="499"/>
+                                          </p:stCondLst>
+                                        </p:cTn>
+                                        <p:tgtEl>
+                                          <p:spTgt spid="40"/>
+                                        </p:tgtEl>
+                                        <p:attrNameLst>
+                                          <p:attrName>style.visibility</p:attrName>
+                                        </p:attrNameLst>
+                                      </p:cBhvr>
+                                      <p:to>
+                                        <p:strVal val="hidden"/>
+                                      </p:to>
+                                    </p:set>
+                                  </p:childTnLst>
+                                </p:cTn>
+                              </p:par>
+                            </p:childTnLst>
+                          </p:cTn>
+                        </p:par>
+                      </p:childTnLst>
+                    </p:cTn>
+                  </p:par>
+                  <p:par>
+                    <p:cTn id="111" fill="hold">
+                      <p:stCondLst>
+                        <p:cond delay="indefinite"/>
+                      </p:stCondLst>
+                      <p:childTnLst>
+                        <p:par>
+                          <p:cTn id="112" fill="hold">
+                            <p:stCondLst>
+                              <p:cond delay="0"/>
+                            </p:stCondLst>
+                            <p:childTnLst>
+                              <p:par>
+                                <p:cTn id="113" presetID="16" presetClass="exit" presetSubtype="21" fill="hold" nodeType="clickEffect">
+                                  <p:stCondLst>
+                                    <p:cond delay="0"/>
+                                  </p:stCondLst>
+                                  <p:childTnLst>
+                                    <p:animEffect transition="out" filter="barn(inVertical)">
+                                      <p:cBhvr>
+                                        <p:cTn id="114" dur="500"/>
+                                        <p:tgtEl>
+                                          <p:spTgt spid="7"/>
+                                        </p:tgtEl>
+                                      </p:cBhvr>
+                                    </p:animEffect>
+                                    <p:set>
+                                      <p:cBhvr>
+                                        <p:cTn id="115" dur="1" fill="hold">
+                                          <p:stCondLst>
+                                            <p:cond delay="499"/>
+                                          </p:stCondLst>
+                                        </p:cTn>
+                                        <p:tgtEl>
+                                          <p:spTgt spid="7"/>
+                                        </p:tgtEl>
+                                        <p:attrNameLst>
+                                          <p:attrName>style.visibility</p:attrName>
+                                        </p:attrNameLst>
+                                      </p:cBhvr>
+                                      <p:to>
+                                        <p:strVal val="hidden"/>
+                                      </p:to>
+                                    </p:set>
+                                  </p:childTnLst>
+                                </p:cTn>
+                              </p:par>
+                              <p:par>
+                                <p:cTn id="116" presetID="16" presetClass="exit" presetSubtype="21" fill="hold" nodeType="withEffect">
+                                  <p:stCondLst>
+                                    <p:cond delay="0"/>
+                                  </p:stCondLst>
+                                  <p:childTnLst>
+                                    <p:animEffect transition="out" filter="barn(inVertical)">
+                                      <p:cBhvr>
+                                        <p:cTn id="117" dur="500"/>
+                                        <p:tgtEl>
                                           <p:spTgt spid="10"/>
                                         </p:tgtEl>
                                       </p:cBhvr>
                                     </p:animEffect>
                                     <p:set>
                                       <p:cBhvr>
-                                        <p:cTn id="92" dur="1" fill="hold">
+                                        <p:cTn id="118" dur="1" fill="hold">
                                           <p:stCondLst>
                                             <p:cond delay="499"/>
                                           </p:stCondLst>
@@ -7355,14 +7900,14 @@
                                 </p:cTn>
                               </p:par>
                               <p:par>
-                                <p:cTn id="93" presetID="16" presetClass="exit" presetSubtype="21" fill="hold" nodeType="withEffect">
+                                <p:cTn id="119" presetID="16" presetClass="exit" presetSubtype="21" fill="hold" nodeType="withEffect">
                                   <p:stCondLst>
                                     <p:cond delay="0"/>
                                   </p:stCondLst>
                                   <p:childTnLst>
                                     <p:animEffect transition="out" filter="barn(inVertical)">
                                       <p:cBhvr>
-                                        <p:cTn id="94" dur="500"/>
+                                        <p:cTn id="120" dur="500"/>
                                         <p:tgtEl>
                                           <p:spTgt spid="12"/>
                                         </p:tgtEl>
@@ -7370,7 +7915,7 @@
                                     </p:animEffect>
                                     <p:set>
                                       <p:cBhvr>
-                                        <p:cTn id="95" dur="1" fill="hold">
+                                        <p:cTn id="121" dur="1" fill="hold">
                                           <p:stCondLst>
                                             <p:cond delay="499"/>
                                           </p:stCondLst>
@@ -7390,14 +7935,14 @@
                                 </p:cTn>
                               </p:par>
                               <p:par>
-                                <p:cTn id="96" presetID="16" presetClass="exit" presetSubtype="21" fill="hold" nodeType="withEffect">
+                                <p:cTn id="122" presetID="16" presetClass="exit" presetSubtype="21" fill="hold" nodeType="withEffect">
                                   <p:stCondLst>
                                     <p:cond delay="0"/>
                                   </p:stCondLst>
                                   <p:childTnLst>
                                     <p:animEffect transition="out" filter="barn(inVertical)">
                                       <p:cBhvr>
-                                        <p:cTn id="97" dur="500"/>
+                                        <p:cTn id="123" dur="500"/>
                                         <p:tgtEl>
                                           <p:spTgt spid="14"/>
                                         </p:tgtEl>
@@ -7405,7 +7950,7 @@
                                     </p:animEffect>
                                     <p:set>
                                       <p:cBhvr>
-                                        <p:cTn id="98" dur="1" fill="hold">
+                                        <p:cTn id="124" dur="1" fill="hold">
                                           <p:stCondLst>
                                             <p:cond delay="499"/>
                                           </p:stCondLst>
@@ -7425,14 +7970,14 @@
                                 </p:cTn>
                               </p:par>
                               <p:par>
-                                <p:cTn id="99" presetID="16" presetClass="exit" presetSubtype="21" fill="hold" nodeType="withEffect">
+                                <p:cTn id="125" presetID="16" presetClass="exit" presetSubtype="21" fill="hold" nodeType="withEffect">
                                   <p:stCondLst>
                                     <p:cond delay="0"/>
                                   </p:stCondLst>
                                   <p:childTnLst>
                                     <p:animEffect transition="out" filter="barn(inVertical)">
                                       <p:cBhvr>
-                                        <p:cTn id="100" dur="500"/>
+                                        <p:cTn id="126" dur="500"/>
                                         <p:tgtEl>
                                           <p:spTgt spid="22"/>
                                         </p:tgtEl>
@@ -7440,7 +7985,7 @@
                                     </p:animEffect>
                                     <p:set>
                                       <p:cBhvr>
-                                        <p:cTn id="101" dur="1" fill="hold">
+                                        <p:cTn id="127" dur="1" fill="hold">
                                           <p:stCondLst>
                                             <p:cond delay="499"/>
                                           </p:stCondLst>
@@ -7466,26 +8011,26 @@
                     </p:cTn>
                   </p:par>
                   <p:par>
-                    <p:cTn id="102" fill="hold">
+                    <p:cTn id="128" fill="hold">
                       <p:stCondLst>
                         <p:cond delay="indefinite"/>
                       </p:stCondLst>
                       <p:childTnLst>
                         <p:par>
-                          <p:cTn id="103" fill="hold">
+                          <p:cTn id="129" fill="hold">
                             <p:stCondLst>
                               <p:cond delay="0"/>
                             </p:stCondLst>
                             <p:childTnLst>
                               <p:par>
-                                <p:cTn id="104" presetID="16" presetClass="entr" presetSubtype="21" fill="hold" grpId="0" nodeType="clickEffect">
+                                <p:cTn id="130" presetID="16" presetClass="entr" presetSubtype="21" fill="hold" grpId="0" nodeType="clickEffect">
                                   <p:stCondLst>
                                     <p:cond delay="0"/>
                                   </p:stCondLst>
                                   <p:childTnLst>
                                     <p:set>
                                       <p:cBhvr>
-                                        <p:cTn id="105" dur="1" fill="hold">
+                                        <p:cTn id="131" dur="1" fill="hold">
                                           <p:stCondLst>
                                             <p:cond delay="0"/>
                                           </p:stCondLst>
@@ -7503,7 +8048,7 @@
                                     </p:set>
                                     <p:animEffect transition="in" filter="barn(inVertical)">
                                       <p:cBhvr>
-                                        <p:cTn id="106" dur="500"/>
+                                        <p:cTn id="132" dur="500"/>
                                         <p:tgtEl>
                                           <p:spTgt spid="85"/>
                                         </p:tgtEl>
@@ -7513,14 +8058,14 @@
                                 </p:cTn>
                               </p:par>
                               <p:par>
-                                <p:cTn id="107" presetID="16" presetClass="entr" presetSubtype="21" fill="hold" grpId="0" nodeType="withEffect">
+                                <p:cTn id="133" presetID="16" presetClass="entr" presetSubtype="21" fill="hold" grpId="0" nodeType="withEffect">
                                   <p:stCondLst>
                                     <p:cond delay="0"/>
                                   </p:stCondLst>
                                   <p:childTnLst>
                                     <p:set>
                                       <p:cBhvr>
-                                        <p:cTn id="108" dur="1" fill="hold">
+                                        <p:cTn id="134" dur="1" fill="hold">
                                           <p:stCondLst>
                                             <p:cond delay="0"/>
                                           </p:stCondLst>
@@ -7538,7 +8083,7 @@
                                     </p:set>
                                     <p:animEffect transition="in" filter="barn(inVertical)">
                                       <p:cBhvr>
-                                        <p:cTn id="109" dur="500"/>
+                                        <p:cTn id="135" dur="500"/>
                                         <p:tgtEl>
                                           <p:spTgt spid="86"/>
                                         </p:tgtEl>
@@ -7548,14 +8093,14 @@
                                 </p:cTn>
                               </p:par>
                               <p:par>
-                                <p:cTn id="110" presetID="16" presetClass="entr" presetSubtype="21" fill="hold" grpId="0" nodeType="withEffect">
+                                <p:cTn id="136" presetID="16" presetClass="entr" presetSubtype="21" fill="hold" grpId="0" nodeType="withEffect">
                                   <p:stCondLst>
                                     <p:cond delay="0"/>
                                   </p:stCondLst>
                                   <p:childTnLst>
                                     <p:set>
                                       <p:cBhvr>
-                                        <p:cTn id="111" dur="1" fill="hold">
+                                        <p:cTn id="137" dur="1" fill="hold">
                                           <p:stCondLst>
                                             <p:cond delay="0"/>
                                           </p:stCondLst>
@@ -7573,7 +8118,7 @@
                                     </p:set>
                                     <p:animEffect transition="in" filter="barn(inVertical)">
                                       <p:cBhvr>
-                                        <p:cTn id="112" dur="500"/>
+                                        <p:cTn id="138" dur="500"/>
                                         <p:tgtEl>
                                           <p:spTgt spid="89"/>
                                         </p:tgtEl>
@@ -7583,14 +8128,14 @@
                                 </p:cTn>
                               </p:par>
                               <p:par>
-                                <p:cTn id="113" presetID="16" presetClass="entr" presetSubtype="21" fill="hold" grpId="0" nodeType="withEffect">
+                                <p:cTn id="139" presetID="16" presetClass="entr" presetSubtype="21" fill="hold" grpId="0" nodeType="withEffect">
                                   <p:stCondLst>
                                     <p:cond delay="0"/>
                                   </p:stCondLst>
                                   <p:childTnLst>
                                     <p:set>
                                       <p:cBhvr>
-                                        <p:cTn id="114" dur="1" fill="hold">
+                                        <p:cTn id="140" dur="1" fill="hold">
                                           <p:stCondLst>
                                             <p:cond delay="0"/>
                                           </p:stCondLst>
@@ -7608,7 +8153,7 @@
                                     </p:set>
                                     <p:animEffect transition="in" filter="barn(inVertical)">
                                       <p:cBhvr>
-                                        <p:cTn id="115" dur="500"/>
+                                        <p:cTn id="141" dur="500"/>
                                         <p:tgtEl>
                                           <p:spTgt spid="90"/>
                                         </p:tgtEl>
@@ -7665,6 +8210,10 @@
       <p:bldP spid="86" grpId="0" animBg="1"/>
       <p:bldP spid="89" grpId="0" animBg="1"/>
       <p:bldP spid="90" grpId="0" animBg="1"/>
+      <p:bldP spid="33" grpId="0" animBg="1"/>
+      <p:bldP spid="33" grpId="1" animBg="1"/>
+      <p:bldP spid="38" grpId="0" animBg="1"/>
+      <p:bldP spid="38" grpId="1" animBg="1"/>
     </p:bldLst>
   </p:timing>
 </p:sld>
@@ -13868,6 +14417,137 @@
 </p:sld>
 </file>
 
+<file path=ppt/slides/slide19.xml><?xml version="1.0" encoding="utf-8"?>
+<p:sld xmlns:a="http://schemas.openxmlformats.org/drawingml/2006/main" xmlns:r="http://schemas.openxmlformats.org/officeDocument/2006/relationships" xmlns:p="http://schemas.openxmlformats.org/presentationml/2006/main">
+  <p:cSld>
+    <p:spTree>
+      <p:nvGrpSpPr>
+        <p:cNvPr id="1" name=""/>
+        <p:cNvGrpSpPr/>
+        <p:nvPr/>
+      </p:nvGrpSpPr>
+      <p:grpSpPr>
+        <a:xfrm>
+          <a:off x="0" y="0"/>
+          <a:ext cx="0" cy="0"/>
+          <a:chOff x="0" y="0"/>
+          <a:chExt cx="0" cy="0"/>
+        </a:xfrm>
+      </p:grpSpPr>
+      <p:sp>
+        <p:nvSpPr>
+          <p:cNvPr id="2" name="タイトル 1">
+            <a:extLst>
+              <a:ext uri="{FF2B5EF4-FFF2-40B4-BE49-F238E27FC236}">
+                <a16:creationId xmlns:a16="http://schemas.microsoft.com/office/drawing/2014/main" id="{889DEF07-44D6-4055-8529-DEF86475E325}"/>
+              </a:ext>
+            </a:extLst>
+          </p:cNvPr>
+          <p:cNvSpPr>
+            <a:spLocks noGrp="1"/>
+          </p:cNvSpPr>
+          <p:nvPr>
+            <p:ph type="title"/>
+          </p:nvPr>
+        </p:nvSpPr>
+        <p:spPr/>
+        <p:txBody>
+          <a:bodyPr/>
+          <a:lstStyle/>
+          <a:p>
+            <a:pPr algn="r"/>
+            <a:r>
+              <a:rPr lang="ja-JP" altLang="en-US" dirty="0">
+                <a:latin typeface="HG丸ｺﾞｼｯｸM-PRO" panose="020F0600000000000000" pitchFamily="50" charset="-128"/>
+                <a:ea typeface="HG丸ｺﾞｼｯｸM-PRO" panose="020F0600000000000000" pitchFamily="50" charset="-128"/>
+              </a:rPr>
+              <a:t>ご清聴ありがとうございました！</a:t>
+            </a:r>
+            <a:endParaRPr kumimoji="1" lang="ja-JP" altLang="en-US" dirty="0">
+              <a:latin typeface="HG丸ｺﾞｼｯｸM-PRO" panose="020F0600000000000000" pitchFamily="50" charset="-128"/>
+              <a:ea typeface="HG丸ｺﾞｼｯｸM-PRO" panose="020F0600000000000000" pitchFamily="50" charset="-128"/>
+            </a:endParaRPr>
+          </a:p>
+        </p:txBody>
+      </p:sp>
+      <p:sp>
+        <p:nvSpPr>
+          <p:cNvPr id="4" name="スライド番号プレースホルダー 3">
+            <a:extLst>
+              <a:ext uri="{FF2B5EF4-FFF2-40B4-BE49-F238E27FC236}">
+                <a16:creationId xmlns:a16="http://schemas.microsoft.com/office/drawing/2014/main" id="{884678B0-F24F-4F57-A47B-014C0502EC1A}"/>
+              </a:ext>
+            </a:extLst>
+          </p:cNvPr>
+          <p:cNvSpPr>
+            <a:spLocks noGrp="1"/>
+          </p:cNvSpPr>
+          <p:nvPr>
+            <p:ph type="sldNum" sz="quarter" idx="12"/>
+          </p:nvPr>
+        </p:nvSpPr>
+        <p:spPr/>
+        <p:txBody>
+          <a:bodyPr/>
+          <a:lstStyle/>
+          <a:p>
+            <a:fld id="{F0E75ABD-E329-4735-B6E0-3752012DC264}" type="slidenum">
+              <a:rPr kumimoji="1" lang="ja-JP" altLang="en-US" smtClean="0"/>
+              <a:t>19</a:t>
+            </a:fld>
+            <a:endParaRPr kumimoji="1" lang="ja-JP" altLang="en-US"/>
+          </a:p>
+        </p:txBody>
+      </p:sp>
+      <p:pic>
+        <p:nvPicPr>
+          <p:cNvPr id="6" name="図 5">
+            <a:extLst>
+              <a:ext uri="{FF2B5EF4-FFF2-40B4-BE49-F238E27FC236}">
+                <a16:creationId xmlns:a16="http://schemas.microsoft.com/office/drawing/2014/main" id="{123FDB87-7233-4DE9-A4A9-04F858FF22C9}"/>
+              </a:ext>
+            </a:extLst>
+          </p:cNvPr>
+          <p:cNvPicPr>
+            <a:picLocks noChangeAspect="1"/>
+          </p:cNvPicPr>
+          <p:nvPr/>
+        </p:nvPicPr>
+        <p:blipFill>
+          <a:blip r:embed="rId2">
+            <a:extLst>
+              <a:ext uri="{28A0092B-C50C-407E-A947-70E740481C1C}">
+                <a14:useLocalDpi xmlns:a14="http://schemas.microsoft.com/office/drawing/2010/main" val="0"/>
+              </a:ext>
+            </a:extLst>
+          </a:blip>
+          <a:stretch>
+            <a:fillRect/>
+          </a:stretch>
+        </p:blipFill>
+        <p:spPr>
+          <a:xfrm>
+            <a:off x="9489141" y="3585883"/>
+            <a:ext cx="2617694" cy="2617694"/>
+          </a:xfrm>
+          <a:prstGeom prst="rect">
+            <a:avLst/>
+          </a:prstGeom>
+        </p:spPr>
+      </p:pic>
+    </p:spTree>
+    <p:extLst>
+      <p:ext uri="{BB962C8B-B14F-4D97-AF65-F5344CB8AC3E}">
+        <p14:creationId xmlns:p14="http://schemas.microsoft.com/office/powerpoint/2010/main" val="2216621475"/>
+      </p:ext>
+    </p:extLst>
+  </p:cSld>
+  <p:clrMapOvr>
+    <a:masterClrMapping/>
+  </p:clrMapOvr>
+</p:sld>
+</file>
+
 <file path=ppt/slides/slide2.xml><?xml version="1.0" encoding="utf-8"?>
 <p:sld xmlns:a="http://schemas.openxmlformats.org/drawingml/2006/main" xmlns:r="http://schemas.openxmlformats.org/officeDocument/2006/relationships" xmlns:p="http://schemas.openxmlformats.org/presentationml/2006/main">
   <p:cSld>
@@ -13919,57 +14599,6 @@
                 <a:ea typeface="HG丸ｺﾞｼｯｸM-PRO" panose="020F0600000000000000" pitchFamily="50" charset="-128"/>
               </a:rPr>
               <a:t>書籍管理システム📚</a:t>
-            </a:r>
-          </a:p>
-        </p:txBody>
-      </p:sp>
-      <p:sp>
-        <p:nvSpPr>
-          <p:cNvPr id="3" name="字幕 2">
-            <a:extLst>
-              <a:ext uri="{FF2B5EF4-FFF2-40B4-BE49-F238E27FC236}">
-                <a16:creationId xmlns:a16="http://schemas.microsoft.com/office/drawing/2014/main" id="{C30CFDFE-3087-92EC-5307-D6F63930262B}"/>
-              </a:ext>
-            </a:extLst>
-          </p:cNvPr>
-          <p:cNvSpPr>
-            <a:spLocks noGrp="1"/>
-          </p:cNvSpPr>
-          <p:nvPr>
-            <p:ph type="subTitle" idx="1"/>
-          </p:nvPr>
-        </p:nvSpPr>
-        <p:spPr>
-          <a:xfrm>
-            <a:off x="1128403" y="4453700"/>
-            <a:ext cx="8637072" cy="1071095"/>
-          </a:xfrm>
-        </p:spPr>
-        <p:txBody>
-          <a:bodyPr/>
-          <a:lstStyle/>
-          <a:p>
-            <a:pPr algn="r"/>
-            <a:r>
-              <a:rPr kumimoji="1" lang="ja-JP" altLang="en-US" sz="2000" dirty="0">
-                <a:latin typeface="HG丸ｺﾞｼｯｸM-PRO" panose="020F0600000000000000" pitchFamily="50" charset="-128"/>
-                <a:ea typeface="HG丸ｺﾞｼｯｸM-PRO" panose="020F0600000000000000" pitchFamily="50" charset="-128"/>
-              </a:rPr>
-              <a:t>グループ２</a:t>
-            </a:r>
-            <a:endParaRPr kumimoji="1" lang="en-US" altLang="ja-JP" sz="2000" dirty="0">
-              <a:latin typeface="HG丸ｺﾞｼｯｸM-PRO" panose="020F0600000000000000" pitchFamily="50" charset="-128"/>
-              <a:ea typeface="HG丸ｺﾞｼｯｸM-PRO" panose="020F0600000000000000" pitchFamily="50" charset="-128"/>
-            </a:endParaRPr>
-          </a:p>
-          <a:p>
-            <a:pPr algn="r"/>
-            <a:r>
-              <a:rPr kumimoji="1" lang="ja-JP" altLang="en-US" sz="2400" dirty="0">
-                <a:latin typeface="HG丸ｺﾞｼｯｸM-PRO" panose="020F0600000000000000" pitchFamily="50" charset="-128"/>
-                <a:ea typeface="HG丸ｺﾞｼｯｸM-PRO" panose="020F0600000000000000" pitchFamily="50" charset="-128"/>
-              </a:rPr>
-              <a:t>上村・中田・中村・永森</a:t>
             </a:r>
           </a:p>
         </p:txBody>
@@ -14595,7 +15224,13 @@
               <a:buNone/>
             </a:pPr>
             <a:r>
-              <a:rPr lang="ja-JP" altLang="en-US" dirty="0"/>
+              <a:rPr lang="ja-JP" altLang="en-US" b="1" dirty="0">
+                <a:solidFill>
+                  <a:schemeClr val="accent3">
+                    <a:lumMod val="75000"/>
+                  </a:schemeClr>
+                </a:solidFill>
+              </a:rPr>
               <a:t>全ての社員が共通して行える処理</a:t>
             </a:r>
             <a:br>
@@ -14633,7 +15268,13 @@
               <a:buNone/>
             </a:pPr>
             <a:r>
-              <a:rPr lang="ja-JP" altLang="en-US" dirty="0"/>
+              <a:rPr lang="ja-JP" altLang="en-US" b="1" dirty="0">
+                <a:solidFill>
+                  <a:schemeClr val="accent3">
+                    <a:lumMod val="75000"/>
+                  </a:schemeClr>
+                </a:solidFill>
+              </a:rPr>
               <a:t>総務部の社員のみが出来る処理</a:t>
             </a:r>
             <a:br>
@@ -14808,7 +15449,12 @@
             <p:ph idx="1"/>
           </p:nvPr>
         </p:nvSpPr>
-        <p:spPr/>
+        <p:spPr>
+          <a:xfrm>
+            <a:off x="1130270" y="1733832"/>
+            <a:ext cx="9603275" cy="4170843"/>
+          </a:xfrm>
+        </p:spPr>
         <p:txBody>
           <a:bodyPr/>
           <a:lstStyle/>
@@ -14817,7 +15463,13 @@
               <a:buNone/>
             </a:pPr>
             <a:r>
-              <a:rPr lang="ja-JP" altLang="en-US" dirty="0"/>
+              <a:rPr lang="ja-JP" altLang="en-US" b="1" dirty="0">
+                <a:solidFill>
+                  <a:schemeClr val="accent3">
+                    <a:lumMod val="75000"/>
+                  </a:schemeClr>
+                </a:solidFill>
+              </a:rPr>
               <a:t>全ての社員が共通して行える処理</a:t>
             </a:r>
             <a:br>
@@ -14842,28 +15494,16 @@
               <a:rPr lang="en-US" altLang="ja-JP" dirty="0"/>
             </a:br>
             <a:r>
-              <a:rPr lang="ja-JP" altLang="en-US" dirty="0">
-                <a:solidFill>
-                  <a:srgbClr val="FF0000"/>
-                </a:solidFill>
-              </a:rPr>
-              <a:t>　書籍画面から</a:t>
-            </a:r>
-            <a:r>
-              <a:rPr lang="en-US" altLang="ja-JP" dirty="0">
-                <a:solidFill>
-                  <a:srgbClr val="FF0000"/>
-                </a:solidFill>
-              </a:rPr>
-              <a:t>Amazon</a:t>
-            </a:r>
-            <a:r>
-              <a:rPr lang="ja-JP" altLang="en-US" dirty="0">
-                <a:solidFill>
-                  <a:srgbClr val="FF0000"/>
-                </a:solidFill>
-              </a:rPr>
-              <a:t>へのリンク作成</a:t>
+              <a:rPr lang="ja-JP" altLang="en-US" dirty="0"/>
+              <a:t>　書籍詳細から</a:t>
+            </a:r>
+            <a:r>
+              <a:rPr lang="en-US" altLang="ja-JP" dirty="0"/>
+              <a:t>Google Books</a:t>
+            </a:r>
+            <a:r>
+              <a:rPr lang="ja-JP" altLang="en-US" dirty="0"/>
+              <a:t>（外部サイト）へジャンプ</a:t>
             </a:r>
             <a:endParaRPr lang="en-US" altLang="ja-JP" dirty="0">
               <a:solidFill>
@@ -14876,7 +15516,13 @@
               <a:buNone/>
             </a:pPr>
             <a:r>
-              <a:rPr lang="ja-JP" altLang="en-US" dirty="0"/>
+              <a:rPr lang="ja-JP" altLang="en-US" b="1" dirty="0">
+                <a:solidFill>
+                  <a:schemeClr val="accent3">
+                    <a:lumMod val="75000"/>
+                  </a:schemeClr>
+                </a:solidFill>
+              </a:rPr>
               <a:t>総務部の社員のみが出来る処理</a:t>
             </a:r>
             <a:br>
@@ -14900,8 +15546,21 @@
               <a:buNone/>
             </a:pPr>
             <a:r>
+              <a:rPr lang="ja-JP" altLang="en-US" b="1" dirty="0">
+                <a:solidFill>
+                  <a:schemeClr val="accent3">
+                    <a:lumMod val="75000"/>
+                  </a:schemeClr>
+                </a:solidFill>
+              </a:rPr>
+              <a:t>その他</a:t>
+            </a:r>
+            <a:br>
+              <a:rPr lang="en-US" altLang="ja-JP" dirty="0"/>
+            </a:br>
+            <a:r>
               <a:rPr lang="ja-JP" altLang="en-US" dirty="0"/>
-              <a:t>その他</a:t>
+              <a:t>　フッター（コピーライト）を追加</a:t>
             </a:r>
             <a:br>
               <a:rPr lang="en-US" altLang="ja-JP" dirty="0"/>
@@ -15050,47 +15709,6 @@
       </p:sp>
       <p:sp>
         <p:nvSpPr>
-          <p:cNvPr id="3" name="コンテンツ プレースホルダー 2">
-            <a:extLst>
-              <a:ext uri="{FF2B5EF4-FFF2-40B4-BE49-F238E27FC236}">
-                <a16:creationId xmlns:a16="http://schemas.microsoft.com/office/drawing/2014/main" id="{5EE670B5-1C6D-4322-0169-81B334AD6635}"/>
-              </a:ext>
-            </a:extLst>
-          </p:cNvPr>
-          <p:cNvSpPr>
-            <a:spLocks noGrp="1"/>
-          </p:cNvSpPr>
-          <p:nvPr>
-            <p:ph idx="1"/>
-          </p:nvPr>
-        </p:nvSpPr>
-        <p:spPr/>
-        <p:txBody>
-          <a:bodyPr/>
-          <a:lstStyle/>
-          <a:p>
-            <a:r>
-              <a:rPr lang="en-US" altLang="ja-JP" dirty="0"/>
-              <a:t>Miro</a:t>
-            </a:r>
-            <a:r>
-              <a:rPr lang="ja-JP" altLang="en-US" dirty="0"/>
-              <a:t>で全体像を張っといて、実際に</a:t>
-            </a:r>
-            <a:r>
-              <a:rPr lang="en-US" altLang="ja-JP" dirty="0" err="1"/>
-              <a:t>miro</a:t>
-            </a:r>
-            <a:r>
-              <a:rPr lang="ja-JP" altLang="en-US"/>
-              <a:t>を動かして説明</a:t>
-            </a:r>
-            <a:endParaRPr kumimoji="1" lang="ja-JP" altLang="en-US"/>
-          </a:p>
-        </p:txBody>
-      </p:sp>
-      <p:sp>
-        <p:nvSpPr>
           <p:cNvPr id="4" name="スライド番号プレースホルダー 3">
             <a:extLst>
               <a:ext uri="{FF2B5EF4-FFF2-40B4-BE49-F238E27FC236}">
@@ -15118,6 +15736,76 @@
           </a:p>
         </p:txBody>
       </p:sp>
+      <p:pic>
+        <p:nvPicPr>
+          <p:cNvPr id="6" name="図 5">
+            <a:extLst>
+              <a:ext uri="{FF2B5EF4-FFF2-40B4-BE49-F238E27FC236}">
+                <a16:creationId xmlns:a16="http://schemas.microsoft.com/office/drawing/2014/main" id="{8CC976C4-30B0-4B4C-829A-D7B19DBDCC33}"/>
+              </a:ext>
+            </a:extLst>
+          </p:cNvPr>
+          <p:cNvPicPr>
+            <a:picLocks noChangeAspect="1"/>
+          </p:cNvPicPr>
+          <p:nvPr/>
+        </p:nvPicPr>
+        <p:blipFill>
+          <a:blip r:embed="rId2"/>
+          <a:stretch>
+            <a:fillRect/>
+          </a:stretch>
+        </p:blipFill>
+        <p:spPr>
+          <a:xfrm>
+            <a:off x="6296889" y="1785803"/>
+            <a:ext cx="4432206" cy="3685783"/>
+          </a:xfrm>
+          <a:prstGeom prst="rect">
+            <a:avLst/>
+          </a:prstGeom>
+          <a:ln w="19050">
+            <a:solidFill>
+              <a:schemeClr val="tx1"/>
+            </a:solidFill>
+          </a:ln>
+        </p:spPr>
+      </p:pic>
+      <p:pic>
+        <p:nvPicPr>
+          <p:cNvPr id="8" name="図 7">
+            <a:extLst>
+              <a:ext uri="{FF2B5EF4-FFF2-40B4-BE49-F238E27FC236}">
+                <a16:creationId xmlns:a16="http://schemas.microsoft.com/office/drawing/2014/main" id="{5B852CA5-4148-4D7C-BD5E-CC2DD68AAD73}"/>
+              </a:ext>
+            </a:extLst>
+          </p:cNvPr>
+          <p:cNvPicPr>
+            <a:picLocks noChangeAspect="1"/>
+          </p:cNvPicPr>
+          <p:nvPr/>
+        </p:nvPicPr>
+        <p:blipFill>
+          <a:blip r:embed="rId3"/>
+          <a:stretch>
+            <a:fillRect/>
+          </a:stretch>
+        </p:blipFill>
+        <p:spPr>
+          <a:xfrm>
+            <a:off x="2913258" y="953325"/>
+            <a:ext cx="7837432" cy="5456440"/>
+          </a:xfrm>
+          <a:prstGeom prst="rect">
+            <a:avLst/>
+          </a:prstGeom>
+          <a:ln w="19050">
+            <a:solidFill>
+              <a:schemeClr val="tx1"/>
+            </a:solidFill>
+          </a:ln>
+        </p:spPr>
+      </p:pic>
     </p:spTree>
     <p:extLst>
       <p:ext uri="{BB962C8B-B14F-4D97-AF65-F5344CB8AC3E}">
@@ -15128,6 +15816,89 @@
   <p:clrMapOvr>
     <a:masterClrMapping/>
   </p:clrMapOvr>
+  <p:timing>
+    <p:tnLst>
+      <p:par>
+        <p:cTn id="1" dur="indefinite" restart="never" nodeType="tmRoot">
+          <p:childTnLst>
+            <p:seq concurrent="1" nextAc="seek">
+              <p:cTn id="2" dur="indefinite" nodeType="mainSeq">
+                <p:childTnLst>
+                  <p:par>
+                    <p:cTn id="3" fill="hold">
+                      <p:stCondLst>
+                        <p:cond delay="indefinite"/>
+                      </p:stCondLst>
+                      <p:childTnLst>
+                        <p:par>
+                          <p:cTn id="4" fill="hold">
+                            <p:stCondLst>
+                              <p:cond delay="0"/>
+                            </p:stCondLst>
+                            <p:childTnLst>
+                              <p:par>
+                                <p:cTn id="5" presetID="16" presetClass="entr" presetSubtype="21" fill="hold" nodeType="clickEffect">
+                                  <p:stCondLst>
+                                    <p:cond delay="0"/>
+                                  </p:stCondLst>
+                                  <p:childTnLst>
+                                    <p:set>
+                                      <p:cBhvr>
+                                        <p:cTn id="6" dur="1" fill="hold">
+                                          <p:stCondLst>
+                                            <p:cond delay="0"/>
+                                          </p:stCondLst>
+                                        </p:cTn>
+                                        <p:tgtEl>
+                                          <p:spTgt spid="8"/>
+                                        </p:tgtEl>
+                                        <p:attrNameLst>
+                                          <p:attrName>style.visibility</p:attrName>
+                                        </p:attrNameLst>
+                                      </p:cBhvr>
+                                      <p:to>
+                                        <p:strVal val="visible"/>
+                                      </p:to>
+                                    </p:set>
+                                    <p:animEffect transition="in" filter="barn(inVertical)">
+                                      <p:cBhvr>
+                                        <p:cTn id="7" dur="500"/>
+                                        <p:tgtEl>
+                                          <p:spTgt spid="8"/>
+                                        </p:tgtEl>
+                                      </p:cBhvr>
+                                    </p:animEffect>
+                                  </p:childTnLst>
+                                </p:cTn>
+                              </p:par>
+                            </p:childTnLst>
+                          </p:cTn>
+                        </p:par>
+                      </p:childTnLst>
+                    </p:cTn>
+                  </p:par>
+                </p:childTnLst>
+              </p:cTn>
+              <p:prevCondLst>
+                <p:cond evt="onPrev" delay="0">
+                  <p:tgtEl>
+                    <p:sldTgt/>
+                  </p:tgtEl>
+                </p:cond>
+              </p:prevCondLst>
+              <p:nextCondLst>
+                <p:cond evt="onNext" delay="0">
+                  <p:tgtEl>
+                    <p:sldTgt/>
+                  </p:tgtEl>
+                </p:cond>
+              </p:nextCondLst>
+            </p:seq>
+          </p:childTnLst>
+        </p:cTn>
+      </p:par>
+    </p:tnLst>
+  </p:timing>
 </p:sld>
 </file>
 

--- a/00_参照ファイル/10_管理/書籍管理システム.pptx
+++ b/00_参照ファイル/10_管理/書籍管理システム.pptx
@@ -215,7 +215,7 @@
           <a:p>
             <a:fld id="{BE5BDAFF-72E6-42BB-9BD9-9F93E47709C0}" type="datetimeFigureOut">
               <a:rPr kumimoji="1" lang="ja-JP" altLang="en-US" smtClean="0"/>
-              <a:t>2025/6/5</a:t>
+              <a:t>2025/6/8</a:t>
             </a:fld>
             <a:endParaRPr kumimoji="1" lang="ja-JP" altLang="en-US"/>
           </a:p>
@@ -826,7 +826,7 @@
           <a:p>
             <a:fld id="{4959C4C8-EDD9-43DC-AF1F-D2845259CC1D}" type="datetime1">
               <a:rPr kumimoji="1" lang="ja-JP" altLang="en-US" smtClean="0"/>
-              <a:t>2025/6/5</a:t>
+              <a:t>2025/6/8</a:t>
             </a:fld>
             <a:endParaRPr kumimoji="1" lang="ja-JP" altLang="en-US"/>
           </a:p>
@@ -1078,7 +1078,7 @@
           <a:p>
             <a:fld id="{06E91CB1-ADC9-42FB-B0D3-30E3A6C0642F}" type="datetime1">
               <a:rPr kumimoji="1" lang="ja-JP" altLang="en-US" smtClean="0"/>
-              <a:t>2025/6/5</a:t>
+              <a:t>2025/6/8</a:t>
             </a:fld>
             <a:endParaRPr kumimoji="1" lang="ja-JP" altLang="en-US"/>
           </a:p>
@@ -1334,7 +1334,7 @@
           <a:p>
             <a:fld id="{4A79DA36-95B8-4A0A-87AD-E24AF3358C76}" type="datetime1">
               <a:rPr kumimoji="1" lang="ja-JP" altLang="en-US" smtClean="0"/>
-              <a:t>2025/6/5</a:t>
+              <a:t>2025/6/8</a:t>
             </a:fld>
             <a:endParaRPr kumimoji="1" lang="ja-JP" altLang="en-US"/>
           </a:p>
@@ -1628,7 +1628,7 @@
           <a:p>
             <a:fld id="{26A17AE5-6E16-495A-8B67-269D91C4A2D4}" type="datetime1">
               <a:rPr kumimoji="1" lang="ja-JP" altLang="en-US" smtClean="0"/>
-              <a:t>2025/6/5</a:t>
+              <a:t>2025/6/8</a:t>
             </a:fld>
             <a:endParaRPr kumimoji="1" lang="ja-JP" altLang="en-US"/>
           </a:p>
@@ -1920,7 +1920,7 @@
           <a:p>
             <a:fld id="{AD583125-0D40-4B8F-A9A6-0C6B6B322755}" type="datetime1">
               <a:rPr kumimoji="1" lang="ja-JP" altLang="en-US" smtClean="0"/>
-              <a:t>2025/6/5</a:t>
+              <a:t>2025/6/8</a:t>
             </a:fld>
             <a:endParaRPr kumimoji="1" lang="ja-JP" altLang="en-US"/>
           </a:p>
@@ -2261,7 +2261,7 @@
           <a:p>
             <a:fld id="{19BD254B-E34E-4B13-A5CE-4C4E902C9619}" type="datetime1">
               <a:rPr kumimoji="1" lang="ja-JP" altLang="en-US" smtClean="0"/>
-              <a:t>2025/6/5</a:t>
+              <a:t>2025/6/8</a:t>
             </a:fld>
             <a:endParaRPr kumimoji="1" lang="ja-JP" altLang="en-US"/>
           </a:p>
@@ -2750,7 +2750,7 @@
           <a:p>
             <a:fld id="{46A97842-389E-40D0-B377-89A2C453CB4B}" type="datetime1">
               <a:rPr kumimoji="1" lang="ja-JP" altLang="en-US" smtClean="0"/>
-              <a:t>2025/6/5</a:t>
+              <a:t>2025/6/8</a:t>
             </a:fld>
             <a:endParaRPr kumimoji="1" lang="ja-JP" altLang="en-US"/>
           </a:p>
@@ -2908,7 +2908,7 @@
           <a:p>
             <a:fld id="{D0479FCD-5EC3-49D1-B59F-804373D24F3A}" type="datetime1">
               <a:rPr kumimoji="1" lang="ja-JP" altLang="en-US" smtClean="0"/>
-              <a:t>2025/6/5</a:t>
+              <a:t>2025/6/8</a:t>
             </a:fld>
             <a:endParaRPr kumimoji="1" lang="ja-JP" altLang="en-US"/>
           </a:p>
@@ -3043,7 +3043,7 @@
           <a:p>
             <a:fld id="{C1056900-0A2E-45DE-9738-937C0D20A6AE}" type="datetime1">
               <a:rPr kumimoji="1" lang="ja-JP" altLang="en-US" smtClean="0"/>
-              <a:t>2025/6/5</a:t>
+              <a:t>2025/6/8</a:t>
             </a:fld>
             <a:endParaRPr kumimoji="1" lang="ja-JP" altLang="en-US"/>
           </a:p>
@@ -3326,7 +3326,7 @@
           <a:p>
             <a:fld id="{65D6820E-77E6-4860-BA58-1613D77F5A92}" type="datetime1">
               <a:rPr kumimoji="1" lang="ja-JP" altLang="en-US" smtClean="0"/>
-              <a:t>2025/6/5</a:t>
+              <a:t>2025/6/8</a:t>
             </a:fld>
             <a:endParaRPr kumimoji="1" lang="ja-JP" altLang="en-US"/>
           </a:p>
@@ -3786,7 +3786,7 @@
           <a:p>
             <a:fld id="{A91CC6DA-1525-49B5-A624-905E766A514A}" type="datetime1">
               <a:rPr kumimoji="1" lang="ja-JP" altLang="en-US" smtClean="0"/>
-              <a:t>2025/6/5</a:t>
+              <a:t>2025/6/8</a:t>
             </a:fld>
             <a:endParaRPr kumimoji="1" lang="ja-JP" altLang="en-US"/>
           </a:p>
@@ -4200,7 +4200,7 @@
           <a:p>
             <a:fld id="{737C55C4-415D-416A-8C90-B67A7713CCB2}" type="datetime1">
               <a:rPr kumimoji="1" lang="ja-JP" altLang="en-US" smtClean="0"/>
-              <a:t>2025/6/5</a:t>
+              <a:t>2025/6/8</a:t>
             </a:fld>
             <a:endParaRPr kumimoji="1" lang="ja-JP" altLang="en-US"/>
           </a:p>
@@ -5532,7 +5532,7 @@
         </p:nvSpPr>
         <p:spPr>
           <a:xfrm>
-            <a:off x="7704335" y="3926495"/>
+            <a:off x="7707416" y="3926495"/>
             <a:ext cx="1298352" cy="1343431"/>
           </a:xfrm>
           <a:prstGeom prst="roundRect">
@@ -5588,7 +5588,7 @@
         </p:nvSpPr>
         <p:spPr>
           <a:xfrm>
-            <a:off x="9148331" y="3926495"/>
+            <a:off x="9173731" y="3933914"/>
             <a:ext cx="1268600" cy="1343431"/>
           </a:xfrm>
           <a:prstGeom prst="roundRect">
@@ -5801,11 +5801,11 @@
         <p:spPr>
           <a:xfrm>
             <a:off x="2921569" y="3398556"/>
-            <a:ext cx="5431942" cy="1871370"/>
+            <a:ext cx="5435023" cy="1871370"/>
           </a:xfrm>
           <a:prstGeom prst="bentConnector4">
             <a:avLst>
-              <a:gd name="adj1" fmla="val 26632"/>
+              <a:gd name="adj1" fmla="val 26723"/>
               <a:gd name="adj2" fmla="val 112216"/>
             </a:avLst>
           </a:prstGeom>
@@ -5910,12 +5910,12 @@
         <p:spPr>
           <a:xfrm>
             <a:off x="3888091" y="4750901"/>
-            <a:ext cx="5894540" cy="519025"/>
+            <a:ext cx="5919940" cy="526444"/>
           </a:xfrm>
           <a:prstGeom prst="bentConnector4">
             <a:avLst>
-              <a:gd name="adj1" fmla="val 4013"/>
-              <a:gd name="adj2" fmla="val 190679"/>
+              <a:gd name="adj1" fmla="val 4630"/>
+              <a:gd name="adj2" fmla="val 178162"/>
             </a:avLst>
           </a:prstGeom>
           <a:ln w="38100">
@@ -6440,8 +6440,8 @@
         </p:nvSpPr>
         <p:spPr>
           <a:xfrm>
-            <a:off x="10548831" y="2436337"/>
-            <a:ext cx="1268600" cy="2833589"/>
+            <a:off x="10548832" y="2436337"/>
+            <a:ext cx="1251282" cy="2833589"/>
           </a:xfrm>
           <a:prstGeom prst="roundRect">
             <a:avLst/>
@@ -6498,7 +6498,7 @@
         <p:spPr>
           <a:xfrm flipV="1">
             <a:off x="3496235" y="5269926"/>
-            <a:ext cx="7686896" cy="706469"/>
+            <a:ext cx="7678238" cy="706469"/>
           </a:xfrm>
           <a:prstGeom prst="bentConnector2">
             <a:avLst/>
@@ -8004,6 +8004,76 @@
                                   </p:childTnLst>
                                 </p:cTn>
                               </p:par>
+                              <p:par>
+                                <p:cTn id="128" presetID="16" presetClass="exit" presetSubtype="21" fill="hold" nodeType="withEffect">
+                                  <p:stCondLst>
+                                    <p:cond delay="0"/>
+                                  </p:stCondLst>
+                                  <p:childTnLst>
+                                    <p:animEffect transition="out" filter="barn(inVertical)">
+                                      <p:cBhvr>
+                                        <p:cTn id="129" dur="500"/>
+                                        <p:tgtEl>
+                                          <p:spTgt spid="6"/>
+                                        </p:tgtEl>
+                                      </p:cBhvr>
+                                    </p:animEffect>
+                                    <p:set>
+                                      <p:cBhvr>
+                                        <p:cTn id="130" dur="1" fill="hold">
+                                          <p:stCondLst>
+                                            <p:cond delay="499"/>
+                                          </p:stCondLst>
+                                        </p:cTn>
+                                        <p:tgtEl>
+                                          <p:spTgt spid="6"/>
+                                        </p:tgtEl>
+                                        <p:attrNameLst>
+                                          <p:attrName>style.visibility</p:attrName>
+                                        </p:attrNameLst>
+                                      </p:cBhvr>
+                                      <p:to>
+                                        <p:strVal val="hidden"/>
+                                      </p:to>
+                                    </p:set>
+                                  </p:childTnLst>
+                                </p:cTn>
+                              </p:par>
+                              <p:par>
+                                <p:cTn id="131" presetID="16" presetClass="exit" presetSubtype="21" fill="hold" nodeType="withEffect">
+                                  <p:stCondLst>
+                                    <p:cond delay="0"/>
+                                  </p:stCondLst>
+                                  <p:childTnLst>
+                                    <p:animEffect transition="out" filter="barn(inVertical)">
+                                      <p:cBhvr>
+                                        <p:cTn id="132" dur="500"/>
+                                        <p:tgtEl>
+                                          <p:spTgt spid="9"/>
+                                        </p:tgtEl>
+                                      </p:cBhvr>
+                                    </p:animEffect>
+                                    <p:set>
+                                      <p:cBhvr>
+                                        <p:cTn id="133" dur="1" fill="hold">
+                                          <p:stCondLst>
+                                            <p:cond delay="499"/>
+                                          </p:stCondLst>
+                                        </p:cTn>
+                                        <p:tgtEl>
+                                          <p:spTgt spid="9"/>
+                                        </p:tgtEl>
+                                        <p:attrNameLst>
+                                          <p:attrName>style.visibility</p:attrName>
+                                        </p:attrNameLst>
+                                      </p:cBhvr>
+                                      <p:to>
+                                        <p:strVal val="hidden"/>
+                                      </p:to>
+                                    </p:set>
+                                  </p:childTnLst>
+                                </p:cTn>
+                              </p:par>
                             </p:childTnLst>
                           </p:cTn>
                         </p:par>
@@ -8011,26 +8081,26 @@
                     </p:cTn>
                   </p:par>
                   <p:par>
-                    <p:cTn id="128" fill="hold">
+                    <p:cTn id="134" fill="hold">
                       <p:stCondLst>
                         <p:cond delay="indefinite"/>
                       </p:stCondLst>
                       <p:childTnLst>
                         <p:par>
-                          <p:cTn id="129" fill="hold">
+                          <p:cTn id="135" fill="hold">
                             <p:stCondLst>
                               <p:cond delay="0"/>
                             </p:stCondLst>
                             <p:childTnLst>
                               <p:par>
-                                <p:cTn id="130" presetID="16" presetClass="entr" presetSubtype="21" fill="hold" grpId="0" nodeType="clickEffect">
+                                <p:cTn id="136" presetID="16" presetClass="entr" presetSubtype="21" fill="hold" grpId="0" nodeType="clickEffect">
                                   <p:stCondLst>
                                     <p:cond delay="0"/>
                                   </p:stCondLst>
                                   <p:childTnLst>
                                     <p:set>
                                       <p:cBhvr>
-                                        <p:cTn id="131" dur="1" fill="hold">
+                                        <p:cTn id="137" dur="1" fill="hold">
                                           <p:stCondLst>
                                             <p:cond delay="0"/>
                                           </p:stCondLst>
@@ -8048,79 +8118,9 @@
                                     </p:set>
                                     <p:animEffect transition="in" filter="barn(inVertical)">
                                       <p:cBhvr>
-                                        <p:cTn id="132" dur="500"/>
+                                        <p:cTn id="138" dur="500"/>
                                         <p:tgtEl>
                                           <p:spTgt spid="85"/>
-                                        </p:tgtEl>
-                                      </p:cBhvr>
-                                    </p:animEffect>
-                                  </p:childTnLst>
-                                </p:cTn>
-                              </p:par>
-                              <p:par>
-                                <p:cTn id="133" presetID="16" presetClass="entr" presetSubtype="21" fill="hold" grpId="0" nodeType="withEffect">
-                                  <p:stCondLst>
-                                    <p:cond delay="0"/>
-                                  </p:stCondLst>
-                                  <p:childTnLst>
-                                    <p:set>
-                                      <p:cBhvr>
-                                        <p:cTn id="134" dur="1" fill="hold">
-                                          <p:stCondLst>
-                                            <p:cond delay="0"/>
-                                          </p:stCondLst>
-                                        </p:cTn>
-                                        <p:tgtEl>
-                                          <p:spTgt spid="86"/>
-                                        </p:tgtEl>
-                                        <p:attrNameLst>
-                                          <p:attrName>style.visibility</p:attrName>
-                                        </p:attrNameLst>
-                                      </p:cBhvr>
-                                      <p:to>
-                                        <p:strVal val="visible"/>
-                                      </p:to>
-                                    </p:set>
-                                    <p:animEffect transition="in" filter="barn(inVertical)">
-                                      <p:cBhvr>
-                                        <p:cTn id="135" dur="500"/>
-                                        <p:tgtEl>
-                                          <p:spTgt spid="86"/>
-                                        </p:tgtEl>
-                                      </p:cBhvr>
-                                    </p:animEffect>
-                                  </p:childTnLst>
-                                </p:cTn>
-                              </p:par>
-                              <p:par>
-                                <p:cTn id="136" presetID="16" presetClass="entr" presetSubtype="21" fill="hold" grpId="0" nodeType="withEffect">
-                                  <p:stCondLst>
-                                    <p:cond delay="0"/>
-                                  </p:stCondLst>
-                                  <p:childTnLst>
-                                    <p:set>
-                                      <p:cBhvr>
-                                        <p:cTn id="137" dur="1" fill="hold">
-                                          <p:stCondLst>
-                                            <p:cond delay="0"/>
-                                          </p:stCondLst>
-                                        </p:cTn>
-                                        <p:tgtEl>
-                                          <p:spTgt spid="89"/>
-                                        </p:tgtEl>
-                                        <p:attrNameLst>
-                                          <p:attrName>style.visibility</p:attrName>
-                                        </p:attrNameLst>
-                                      </p:cBhvr>
-                                      <p:to>
-                                        <p:strVal val="visible"/>
-                                      </p:to>
-                                    </p:set>
-                                    <p:animEffect transition="in" filter="barn(inVertical)">
-                                      <p:cBhvr>
-                                        <p:cTn id="138" dur="500"/>
-                                        <p:tgtEl>
-                                          <p:spTgt spid="89"/>
                                         </p:tgtEl>
                                       </p:cBhvr>
                                     </p:animEffect>
@@ -8141,6 +8141,76 @@
                                           </p:stCondLst>
                                         </p:cTn>
                                         <p:tgtEl>
+                                          <p:spTgt spid="86"/>
+                                        </p:tgtEl>
+                                        <p:attrNameLst>
+                                          <p:attrName>style.visibility</p:attrName>
+                                        </p:attrNameLst>
+                                      </p:cBhvr>
+                                      <p:to>
+                                        <p:strVal val="visible"/>
+                                      </p:to>
+                                    </p:set>
+                                    <p:animEffect transition="in" filter="barn(inVertical)">
+                                      <p:cBhvr>
+                                        <p:cTn id="141" dur="500"/>
+                                        <p:tgtEl>
+                                          <p:spTgt spid="86"/>
+                                        </p:tgtEl>
+                                      </p:cBhvr>
+                                    </p:animEffect>
+                                  </p:childTnLst>
+                                </p:cTn>
+                              </p:par>
+                              <p:par>
+                                <p:cTn id="142" presetID="16" presetClass="entr" presetSubtype="21" fill="hold" grpId="0" nodeType="withEffect">
+                                  <p:stCondLst>
+                                    <p:cond delay="0"/>
+                                  </p:stCondLst>
+                                  <p:childTnLst>
+                                    <p:set>
+                                      <p:cBhvr>
+                                        <p:cTn id="143" dur="1" fill="hold">
+                                          <p:stCondLst>
+                                            <p:cond delay="0"/>
+                                          </p:stCondLst>
+                                        </p:cTn>
+                                        <p:tgtEl>
+                                          <p:spTgt spid="89"/>
+                                        </p:tgtEl>
+                                        <p:attrNameLst>
+                                          <p:attrName>style.visibility</p:attrName>
+                                        </p:attrNameLst>
+                                      </p:cBhvr>
+                                      <p:to>
+                                        <p:strVal val="visible"/>
+                                      </p:to>
+                                    </p:set>
+                                    <p:animEffect transition="in" filter="barn(inVertical)">
+                                      <p:cBhvr>
+                                        <p:cTn id="144" dur="500"/>
+                                        <p:tgtEl>
+                                          <p:spTgt spid="89"/>
+                                        </p:tgtEl>
+                                      </p:cBhvr>
+                                    </p:animEffect>
+                                  </p:childTnLst>
+                                </p:cTn>
+                              </p:par>
+                              <p:par>
+                                <p:cTn id="145" presetID="16" presetClass="entr" presetSubtype="21" fill="hold" grpId="0" nodeType="withEffect">
+                                  <p:stCondLst>
+                                    <p:cond delay="0"/>
+                                  </p:stCondLst>
+                                  <p:childTnLst>
+                                    <p:set>
+                                      <p:cBhvr>
+                                        <p:cTn id="146" dur="1" fill="hold">
+                                          <p:stCondLst>
+                                            <p:cond delay="0"/>
+                                          </p:stCondLst>
+                                        </p:cTn>
+                                        <p:tgtEl>
                                           <p:spTgt spid="90"/>
                                         </p:tgtEl>
                                         <p:attrNameLst>
@@ -8153,7 +8223,7 @@
                                     </p:set>
                                     <p:animEffect transition="in" filter="barn(inVertical)">
                                       <p:cBhvr>
-                                        <p:cTn id="141" dur="500"/>
+                                        <p:cTn id="147" dur="500"/>
                                         <p:tgtEl>
                                           <p:spTgt spid="90"/>
                                         </p:tgtEl>
